--- a/statnetWeb_slides.pptx
+++ b/statnetWeb_slides.pptx
@@ -13,10 +13,11 @@
     <p:sldId id="261" r:id="rId7"/>
     <p:sldId id="267" r:id="rId8"/>
     <p:sldId id="262" r:id="rId9"/>
-    <p:sldId id="263" r:id="rId10"/>
-    <p:sldId id="264" r:id="rId11"/>
-    <p:sldId id="265" r:id="rId12"/>
-    <p:sldId id="266" r:id="rId13"/>
+    <p:sldId id="268" r:id="rId10"/>
+    <p:sldId id="263" r:id="rId11"/>
+    <p:sldId id="264" r:id="rId12"/>
+    <p:sldId id="265" r:id="rId13"/>
+    <p:sldId id="266" r:id="rId14"/>
   </p:sldIdLst>
   <p:sldSz cx="12192000" cy="6858000"/>
   <p:notesSz cx="6858000" cy="9144000"/>
@@ -128,6 +129,7 @@
             <p14:sldId id="261"/>
             <p14:sldId id="267"/>
             <p14:sldId id="262"/>
+            <p14:sldId id="268"/>
             <p14:sldId id="263"/>
             <p14:sldId id="264"/>
             <p14:sldId id="265"/>
@@ -154,38 +156,7 @@
     </mc:Fallback>
   </mc:AlternateContent>
   <c:chart>
-    <c:title>
-      <c:layout/>
-      <c:overlay val="0"/>
-      <c:spPr>
-        <a:noFill/>
-        <a:ln>
-          <a:noFill/>
-        </a:ln>
-        <a:effectLst/>
-      </c:spPr>
-      <c:txPr>
-        <a:bodyPr rot="0" spcFirstLastPara="1" vertOverflow="ellipsis" vert="horz" wrap="square" anchor="ctr" anchorCtr="1"/>
-        <a:lstStyle/>
-        <a:p>
-          <a:pPr>
-            <a:defRPr sz="1862" b="0" i="0" u="none" strike="noStrike" kern="1200" spc="0" baseline="0">
-              <a:solidFill>
-                <a:schemeClr val="tx1">
-                  <a:lumMod val="65000"/>
-                  <a:lumOff val="35000"/>
-                </a:schemeClr>
-              </a:solidFill>
-              <a:latin typeface="+mn-lt"/>
-              <a:ea typeface="+mn-ea"/>
-              <a:cs typeface="+mn-cs"/>
-            </a:defRPr>
-          </a:pPr>
-          <a:endParaRPr lang="en-US"/>
-        </a:p>
-      </c:txPr>
-    </c:title>
-    <c:autoTitleDeleted val="0"/>
+    <c:autoTitleDeleted val="1"/>
     <c:plotArea>
       <c:layout/>
       <c:barChart>
@@ -5361,7 +5332,7 @@
           <a:p>
             <a:r>
               <a:rPr lang="en-US" dirty="0" smtClean="0"/>
-              <a:t>Diagnostics</a:t>
+              <a:t>Statistical Models</a:t>
             </a:r>
             <a:endParaRPr lang="en-US" dirty="0"/>
           </a:p>
@@ -5408,7 +5379,7 @@
     </p:spTree>
     <p:extLst>
       <p:ext uri="{BB962C8B-B14F-4D97-AF65-F5344CB8AC3E}">
-        <p14:creationId xmlns:p14="http://schemas.microsoft.com/office/powerpoint/2010/main" val="2976517766"/>
+        <p14:creationId xmlns:p14="http://schemas.microsoft.com/office/powerpoint/2010/main" val="2363491526"/>
       </p:ext>
     </p:extLst>
   </p:cSld>
@@ -5452,6 +5423,97 @@
           <a:p>
             <a:r>
               <a:rPr lang="en-US" dirty="0" smtClean="0"/>
+              <a:t>Diagnostics</a:t>
+            </a:r>
+            <a:endParaRPr lang="en-US" dirty="0"/>
+          </a:p>
+        </p:txBody>
+      </p:sp>
+      <p:sp>
+        <p:nvSpPr>
+          <p:cNvPr id="3" name="Content Placeholder 2"/>
+          <p:cNvSpPr>
+            <a:spLocks noGrp="1"/>
+          </p:cNvSpPr>
+          <p:nvPr>
+            <p:ph sz="half" idx="1"/>
+          </p:nvPr>
+        </p:nvSpPr>
+        <p:spPr/>
+        <p:txBody>
+          <a:bodyPr/>
+          <a:lstStyle/>
+          <a:p>
+            <a:endParaRPr lang="en-US"/>
+          </a:p>
+        </p:txBody>
+      </p:sp>
+      <p:sp>
+        <p:nvSpPr>
+          <p:cNvPr id="4" name="Content Placeholder 3"/>
+          <p:cNvSpPr>
+            <a:spLocks noGrp="1"/>
+          </p:cNvSpPr>
+          <p:nvPr>
+            <p:ph sz="half" idx="2"/>
+          </p:nvPr>
+        </p:nvSpPr>
+        <p:spPr/>
+        <p:txBody>
+          <a:bodyPr/>
+          <a:lstStyle/>
+          <a:p>
+            <a:endParaRPr lang="en-US"/>
+          </a:p>
+        </p:txBody>
+      </p:sp>
+    </p:spTree>
+    <p:extLst>
+      <p:ext uri="{BB962C8B-B14F-4D97-AF65-F5344CB8AC3E}">
+        <p14:creationId xmlns:p14="http://schemas.microsoft.com/office/powerpoint/2010/main" val="2976517766"/>
+      </p:ext>
+    </p:extLst>
+  </p:cSld>
+  <p:clrMapOvr>
+    <a:masterClrMapping/>
+  </p:clrMapOvr>
+</p:sld>
+</file>
+
+<file path=ppt/slides/slide12.xml><?xml version="1.0" encoding="utf-8"?>
+<p:sld xmlns:a="http://schemas.openxmlformats.org/drawingml/2006/main" xmlns:r="http://schemas.openxmlformats.org/officeDocument/2006/relationships" xmlns:p="http://schemas.openxmlformats.org/presentationml/2006/main">
+  <p:cSld>
+    <p:spTree>
+      <p:nvGrpSpPr>
+        <p:cNvPr id="1" name=""/>
+        <p:cNvGrpSpPr/>
+        <p:nvPr/>
+      </p:nvGrpSpPr>
+      <p:grpSpPr>
+        <a:xfrm>
+          <a:off x="0" y="0"/>
+          <a:ext cx="0" cy="0"/>
+          <a:chOff x="0" y="0"/>
+          <a:chExt cx="0" cy="0"/>
+        </a:xfrm>
+      </p:grpSpPr>
+      <p:sp>
+        <p:nvSpPr>
+          <p:cNvPr id="2" name="Title 1"/>
+          <p:cNvSpPr>
+            <a:spLocks noGrp="1"/>
+          </p:cNvSpPr>
+          <p:nvPr>
+            <p:ph type="title"/>
+          </p:nvPr>
+        </p:nvSpPr>
+        <p:spPr/>
+        <p:txBody>
+          <a:bodyPr/>
+          <a:lstStyle/>
+          <a:p>
+            <a:r>
+              <a:rPr lang="en-US" dirty="0" smtClean="0"/>
               <a:t>Model-Based Simulation</a:t>
             </a:r>
             <a:endParaRPr lang="en-US" dirty="0"/>
@@ -5509,7 +5571,7 @@
 </p:sld>
 </file>
 
-<file path=ppt/slides/slide12.xml><?xml version="1.0" encoding="utf-8"?>
+<file path=ppt/slides/slide13.xml><?xml version="1.0" encoding="utf-8"?>
 <p:sld xmlns:a="http://schemas.openxmlformats.org/drawingml/2006/main" xmlns:r="http://schemas.openxmlformats.org/officeDocument/2006/relationships" xmlns:p="http://schemas.openxmlformats.org/presentationml/2006/main">
   <p:cSld>
     <p:spTree>
@@ -5925,7 +5987,7 @@
             <p:ph sz="quarter" idx="4"/>
             <p:extLst>
               <p:ext uri="{D42A27DB-BD31-4B8C-83A1-F6EECF244321}">
-                <p14:modId xmlns:p14="http://schemas.microsoft.com/office/powerpoint/2010/main" val="2251987199"/>
+                <p14:modId xmlns:p14="http://schemas.microsoft.com/office/powerpoint/2010/main" val="3017241568"/>
               </p:ext>
             </p:extLst>
           </p:nvPr>
@@ -6178,11 +6240,11 @@
             <a:pPr lvl="1"/>
             <a:r>
               <a:rPr lang="en-US" dirty="0" smtClean="0"/>
-              <a:t>Adjacency matrices, incidence matrices, </a:t>
-            </a:r>
-            <a:r>
-              <a:rPr lang="en-US" dirty="0" err="1" smtClean="0"/>
-              <a:t>edgelists</a:t>
+              <a:t>Adjacency matrices, edge lists</a:t>
+            </a:r>
+            <a:r>
+              <a:rPr lang="en-US" dirty="0"/>
+              <a:t>, incidence matrices</a:t>
             </a:r>
             <a:endParaRPr lang="en-US" dirty="0" smtClean="0"/>
           </a:p>
@@ -6211,28 +6273,89 @@
           </a:p>
         </p:txBody>
       </p:sp>
-      <p:sp>
-        <p:nvSpPr>
-          <p:cNvPr id="4" name="Content Placeholder 3"/>
-          <p:cNvSpPr>
-            <a:spLocks noGrp="1"/>
-          </p:cNvSpPr>
+      <p:pic>
+        <p:nvPicPr>
+          <p:cNvPr id="8" name="Content Placeholder 7"/>
+          <p:cNvPicPr>
+            <a:picLocks noGrp="1" noChangeAspect="1"/>
+          </p:cNvPicPr>
           <p:nvPr>
             <p:ph sz="half" idx="2"/>
           </p:nvPr>
-        </p:nvSpPr>
-        <p:spPr/>
-        <p:txBody>
-          <a:bodyPr/>
-          <a:lstStyle/>
-          <a:p>
-            <a:pPr marL="201168" lvl="1" indent="0">
-              <a:buNone/>
-            </a:pPr>
-            <a:endParaRPr lang="en-US" dirty="0"/>
-          </a:p>
-        </p:txBody>
-      </p:sp>
+        </p:nvPicPr>
+        <p:blipFill>
+          <a:blip r:embed="rId2">
+            <a:extLst>
+              <a:ext uri="{28A0092B-C50C-407E-A947-70E740481C1C}">
+                <a14:useLocalDpi xmlns:a14="http://schemas.microsoft.com/office/drawing/2010/main" val="0"/>
+              </a:ext>
+            </a:extLst>
+          </a:blip>
+          <a:stretch>
+            <a:fillRect/>
+          </a:stretch>
+        </p:blipFill>
+        <p:spPr>
+          <a:xfrm>
+            <a:off x="9314038" y="1934256"/>
+            <a:ext cx="1009650" cy="2714625"/>
+          </a:xfrm>
+        </p:spPr>
+      </p:pic>
+      <p:pic>
+        <p:nvPicPr>
+          <p:cNvPr id="9" name="Picture 8"/>
+          <p:cNvPicPr>
+            <a:picLocks noChangeAspect="1"/>
+          </p:cNvPicPr>
+          <p:nvPr/>
+        </p:nvPicPr>
+        <p:blipFill>
+          <a:blip r:embed="rId3">
+            <a:extLst>
+              <a:ext uri="{28A0092B-C50C-407E-A947-70E740481C1C}">
+                <a14:useLocalDpi xmlns:a14="http://schemas.microsoft.com/office/drawing/2010/main" val="0"/>
+              </a:ext>
+            </a:extLst>
+          </a:blip>
+          <a:stretch>
+            <a:fillRect/>
+          </a:stretch>
+        </p:blipFill>
+        <p:spPr>
+          <a:xfrm>
+            <a:off x="6035038" y="2122355"/>
+            <a:ext cx="2686050" cy="1781175"/>
+          </a:xfrm>
+          <a:prstGeom prst="rect">
+            <a:avLst/>
+          </a:prstGeom>
+        </p:spPr>
+      </p:pic>
+      <p:pic>
+        <p:nvPicPr>
+          <p:cNvPr id="10" name="Picture 9"/>
+          <p:cNvPicPr>
+            <a:picLocks noChangeAspect="1"/>
+          </p:cNvPicPr>
+          <p:nvPr/>
+        </p:nvPicPr>
+        <p:blipFill>
+          <a:blip r:embed="rId4"/>
+          <a:stretch>
+            <a:fillRect/>
+          </a:stretch>
+        </p:blipFill>
+        <p:spPr>
+          <a:xfrm>
+            <a:off x="6639066" y="3903530"/>
+            <a:ext cx="2593238" cy="2410560"/>
+          </a:xfrm>
+          <a:prstGeom prst="rect">
+            <a:avLst/>
+          </a:prstGeom>
+        </p:spPr>
+      </p:pic>
     </p:spTree>
     <p:extLst>
       <p:ext uri="{BB962C8B-B14F-4D97-AF65-F5344CB8AC3E}">
@@ -6301,7 +6424,21 @@
           <a:bodyPr/>
           <a:lstStyle/>
           <a:p>
-            <a:endParaRPr lang="en-US"/>
+            <a:r>
+              <a:rPr lang="en-US" dirty="0">
+                <a:solidFill>
+                  <a:srgbClr val="0070C0"/>
+                </a:solidFill>
+              </a:rPr>
+              <a:t>Interactive: </a:t>
+            </a:r>
+            <a:r>
+              <a:rPr lang="en-US" dirty="0"/>
+              <a:t>open statnetWeb and attempt to upload the dataset that you brought with you</a:t>
+            </a:r>
+          </a:p>
+          <a:p>
+            <a:endParaRPr lang="en-US" dirty="0"/>
           </a:p>
         </p:txBody>
       </p:sp>
@@ -6333,7 +6470,7 @@
             </a:r>
             <a:r>
               <a:rPr lang="en-US" dirty="0" smtClean="0"/>
-              <a:t> object</a:t>
+              <a:t> object (R-object)</a:t>
             </a:r>
           </a:p>
           <a:p>
@@ -6344,7 +6481,15 @@
             </a:r>
             <a:r>
               <a:rPr lang="en-US" dirty="0" smtClean="0"/>
-              <a:t> network</a:t>
+              <a:t> network (</a:t>
+            </a:r>
+            <a:r>
+              <a:rPr lang="en-US" dirty="0" err="1" smtClean="0"/>
+              <a:t>.net</a:t>
+            </a:r>
+            <a:r>
+              <a:rPr lang="en-US" dirty="0" smtClean="0"/>
+              <a:t>)</a:t>
             </a:r>
           </a:p>
           <a:p>
@@ -6355,14 +6500,51 @@
             </a:r>
             <a:r>
               <a:rPr lang="en-US" dirty="0" smtClean="0"/>
-              <a:t> project</a:t>
+              <a:t> project (.</a:t>
+            </a:r>
+            <a:r>
+              <a:rPr lang="en-US" dirty="0" err="1" smtClean="0"/>
+              <a:t>paj</a:t>
+            </a:r>
+            <a:r>
+              <a:rPr lang="en-US" dirty="0" smtClean="0"/>
+              <a:t>)</a:t>
             </a:r>
           </a:p>
           <a:p>
             <a:pPr lvl="1"/>
             <a:r>
               <a:rPr lang="en-US" dirty="0" smtClean="0"/>
-              <a:t>Matrices (.csv or </a:t>
+              <a:t>Matrices (.csv or R-object)</a:t>
+            </a:r>
+          </a:p>
+          <a:p>
+            <a:pPr lvl="2"/>
+            <a:r>
+              <a:rPr lang="en-US" dirty="0" smtClean="0"/>
+              <a:t> Adjacency matrices should have node labels in the first row and column of .csv files</a:t>
+            </a:r>
+          </a:p>
+          <a:p>
+            <a:pPr lvl="2"/>
+            <a:r>
+              <a:rPr lang="en-US" dirty="0" smtClean="0"/>
+              <a:t>Incidence matrices should have edge labels in the first row and node labels in the first column of .csv files</a:t>
+            </a:r>
+          </a:p>
+          <a:p>
+            <a:pPr lvl="2"/>
+            <a:r>
+              <a:rPr lang="en-US" dirty="0" smtClean="0"/>
+              <a:t>Edge lists should </a:t>
+            </a:r>
+            <a:r>
+              <a:rPr lang="en-US" i="1" dirty="0" smtClean="0"/>
+              <a:t>not</a:t>
+            </a:r>
+            <a:r>
+              <a:rPr lang="en-US" dirty="0" smtClean="0"/>
+              <a:t> have row or column labels in .csv files</a:t>
             </a:r>
           </a:p>
           <a:p>
@@ -6371,6 +6553,80 @@
           </a:p>
         </p:txBody>
       </p:sp>
+      <p:sp>
+        <p:nvSpPr>
+          <p:cNvPr id="6" name="TextBox 5"/>
+          <p:cNvSpPr txBox="1"/>
+          <p:nvPr/>
+        </p:nvSpPr>
+        <p:spPr>
+          <a:xfrm>
+            <a:off x="1097280" y="5290457"/>
+            <a:ext cx="10058400" cy="369332"/>
+          </a:xfrm>
+          <a:prstGeom prst="rect">
+            <a:avLst/>
+          </a:prstGeom>
+          <a:noFill/>
+        </p:spPr>
+        <p:txBody>
+          <a:bodyPr wrap="square" rtlCol="0">
+            <a:spAutoFit/>
+          </a:bodyPr>
+          <a:lstStyle/>
+          <a:p>
+            <a:r>
+              <a:rPr lang="en-US" dirty="0" smtClean="0">
+                <a:solidFill>
+                  <a:schemeClr val="tx1">
+                    <a:lumMod val="75000"/>
+                    <a:lumOff val="25000"/>
+                  </a:schemeClr>
+                </a:solidFill>
+              </a:rPr>
+              <a:t>For most of the workshop we will be using the pre-loaded sample networks to standardize our results </a:t>
+            </a:r>
+            <a:endParaRPr lang="en-US" dirty="0">
+              <a:solidFill>
+                <a:schemeClr val="tx1">
+                  <a:lumMod val="75000"/>
+                  <a:lumOff val="25000"/>
+                </a:schemeClr>
+              </a:solidFill>
+            </a:endParaRPr>
+          </a:p>
+        </p:txBody>
+      </p:sp>
+      <p:pic>
+        <p:nvPicPr>
+          <p:cNvPr id="7" name="Picture 6"/>
+          <p:cNvPicPr>
+            <a:picLocks noChangeAspect="1"/>
+          </p:cNvPicPr>
+          <p:nvPr/>
+        </p:nvPicPr>
+        <p:blipFill>
+          <a:blip r:embed="rId2">
+            <a:extLst>
+              <a:ext uri="{28A0092B-C50C-407E-A947-70E740481C1C}">
+                <a14:useLocalDpi xmlns:a14="http://schemas.microsoft.com/office/drawing/2010/main" val="0"/>
+              </a:ext>
+            </a:extLst>
+          </a:blip>
+          <a:stretch>
+            <a:fillRect/>
+          </a:stretch>
+        </p:blipFill>
+        <p:spPr>
+          <a:xfrm>
+            <a:off x="6126480" y="2772571"/>
+            <a:ext cx="5266667" cy="1857143"/>
+          </a:xfrm>
+          <a:prstGeom prst="rect">
+            <a:avLst/>
+          </a:prstGeom>
+        </p:spPr>
+      </p:pic>
     </p:spTree>
     <p:extLst>
       <p:ext uri="{BB962C8B-B14F-4D97-AF65-F5344CB8AC3E}">
@@ -6439,7 +6695,69 @@
           <a:bodyPr/>
           <a:lstStyle/>
           <a:p>
-            <a:endParaRPr lang="en-US"/>
+            <a:r>
+              <a:rPr lang="en-US" dirty="0" smtClean="0"/>
+              <a:t>With some initial insight </a:t>
+            </a:r>
+            <a:r>
+              <a:rPr lang="en-US" dirty="0"/>
+              <a:t>into </a:t>
+            </a:r>
+            <a:r>
+              <a:rPr lang="en-US" dirty="0" smtClean="0"/>
+              <a:t>structure of the observed network, </a:t>
+            </a:r>
+            <a:r>
+              <a:rPr lang="en-US" smtClean="0"/>
+              <a:t>we get</a:t>
+            </a:r>
+            <a:endParaRPr lang="en-US" dirty="0"/>
+          </a:p>
+          <a:p>
+            <a:pPr lvl="1"/>
+            <a:r>
+              <a:rPr lang="en-US" dirty="0" smtClean="0"/>
+              <a:t>Better model formulations</a:t>
+            </a:r>
+          </a:p>
+          <a:p>
+            <a:pPr lvl="1"/>
+            <a:r>
+              <a:rPr lang="en-US" dirty="0" smtClean="0"/>
+              <a:t>Better interpretation of results</a:t>
+            </a:r>
+          </a:p>
+          <a:p>
+            <a:r>
+              <a:rPr lang="en-US" dirty="0" smtClean="0"/>
+              <a:t>Network plot</a:t>
+            </a:r>
+          </a:p>
+          <a:p>
+            <a:pPr lvl="1"/>
+            <a:r>
+              <a:rPr lang="en-US" dirty="0" smtClean="0"/>
+              <a:t>Color code nodes by attributes</a:t>
+            </a:r>
+          </a:p>
+          <a:p>
+            <a:pPr lvl="1"/>
+            <a:r>
+              <a:rPr lang="en-US" dirty="0" smtClean="0"/>
+              <a:t>Size by numeric attributes or </a:t>
+            </a:r>
+            <a:r>
+              <a:rPr lang="en-US" dirty="0" err="1" smtClean="0"/>
+              <a:t>betweenness</a:t>
+            </a:r>
+            <a:endParaRPr lang="en-US" dirty="0" smtClean="0"/>
+          </a:p>
+          <a:p>
+            <a:pPr lvl="2"/>
+            <a:r>
+              <a:rPr lang="en-US" dirty="0" smtClean="0"/>
+              <a:t>Note: if larger nodes obscure small ones you can edit the opacity to ensure that all nodes are visible</a:t>
+            </a:r>
           </a:p>
         </p:txBody>
       </p:sp>
@@ -6458,7 +6776,68 @@
           <a:bodyPr/>
           <a:lstStyle/>
           <a:p>
-            <a:endParaRPr lang="en-US"/>
+            <a:r>
+              <a:rPr lang="en-US" dirty="0" smtClean="0">
+                <a:solidFill>
+                  <a:srgbClr val="0070C0"/>
+                </a:solidFill>
+              </a:rPr>
+              <a:t>Interactive: </a:t>
+            </a:r>
+            <a:r>
+              <a:rPr lang="en-US" dirty="0"/>
+              <a:t>L</a:t>
+            </a:r>
+            <a:r>
+              <a:rPr lang="en-US" dirty="0" smtClean="0"/>
+              <a:t>oad the </a:t>
+            </a:r>
+            <a:r>
+              <a:rPr lang="en-US" dirty="0" err="1" smtClean="0"/>
+              <a:t>faux.mesa.high</a:t>
+            </a:r>
+            <a:r>
+              <a:rPr lang="en-US" dirty="0" smtClean="0"/>
+              <a:t> data and examine the network plot.</a:t>
+            </a:r>
+          </a:p>
+          <a:p>
+            <a:pPr lvl="1"/>
+            <a:r>
+              <a:rPr lang="en-US" dirty="0" smtClean="0"/>
+              <a:t>Play around with color-coding the nodes</a:t>
+            </a:r>
+          </a:p>
+          <a:p>
+            <a:pPr lvl="1"/>
+            <a:r>
+              <a:rPr lang="en-US" dirty="0" smtClean="0"/>
+              <a:t>What do you notice after color-coding the nodes based on grade?</a:t>
+            </a:r>
+          </a:p>
+          <a:p>
+            <a:pPr lvl="1"/>
+            <a:r>
+              <a:rPr lang="en-US" dirty="0" smtClean="0"/>
+              <a:t>Now edit the size of the nodes based on </a:t>
+            </a:r>
+            <a:r>
+              <a:rPr lang="en-US" dirty="0" err="1" smtClean="0"/>
+              <a:t>betweenness</a:t>
+            </a:r>
+            <a:r>
+              <a:rPr lang="en-US" dirty="0" smtClean="0"/>
+              <a:t>.</a:t>
+            </a:r>
+          </a:p>
+          <a:p>
+            <a:r>
+              <a:rPr lang="en-US" dirty="0" smtClean="0"/>
+              <a:t>What have we already learned about the social structure of this school?</a:t>
+            </a:r>
+          </a:p>
+          <a:p>
+            <a:endParaRPr lang="en-US" dirty="0" smtClean="0"/>
           </a:p>
         </p:txBody>
       </p:sp>
@@ -6509,7 +6888,7 @@
           <a:p>
             <a:r>
               <a:rPr lang="en-US" dirty="0" smtClean="0"/>
-              <a:t>Statistical Models</a:t>
+              <a:t>Network Descriptives</a:t>
             </a:r>
             <a:endParaRPr lang="en-US" dirty="0"/>
           </a:p>
@@ -6530,7 +6909,33 @@
           <a:bodyPr/>
           <a:lstStyle/>
           <a:p>
-            <a:endParaRPr lang="en-US"/>
+            <a:r>
+              <a:rPr lang="en-US" dirty="0"/>
+              <a:t>Degree Distribution</a:t>
+            </a:r>
+          </a:p>
+          <a:p>
+            <a:pPr lvl="1"/>
+            <a:r>
+              <a:rPr lang="en-US" dirty="0"/>
+              <a:t>How are degrees distributed?</a:t>
+            </a:r>
+          </a:p>
+          <a:p>
+            <a:r>
+              <a:rPr lang="en-US" dirty="0"/>
+              <a:t>Geodesic Distribution</a:t>
+            </a:r>
+          </a:p>
+          <a:p>
+            <a:pPr lvl="1"/>
+            <a:r>
+              <a:rPr lang="en-US" dirty="0"/>
+              <a:t>How “connected” is the network?</a:t>
+            </a:r>
+          </a:p>
+          <a:p>
+            <a:endParaRPr lang="en-US" dirty="0"/>
           </a:p>
         </p:txBody>
       </p:sp>
@@ -6556,7 +6961,7 @@
     </p:spTree>
     <p:extLst>
       <p:ext uri="{BB962C8B-B14F-4D97-AF65-F5344CB8AC3E}">
-        <p14:creationId xmlns:p14="http://schemas.microsoft.com/office/powerpoint/2010/main" val="2363491526"/>
+        <p14:creationId xmlns:p14="http://schemas.microsoft.com/office/powerpoint/2010/main" val="3708573406"/>
       </p:ext>
     </p:extLst>
   </p:cSld>

--- a/statnetWeb_slides.pptx
+++ b/statnetWeb_slides.pptx
@@ -208,10 +208,10 @@
                 <c:formatCode>General</c:formatCode>
                 <c:ptCount val="2"/>
                 <c:pt idx="0">
-                  <c:v>2</c:v>
+                  <c:v>2.0</c:v>
                 </c:pt>
                 <c:pt idx="1">
-                  <c:v>2</c:v>
+                  <c:v>2.0</c:v>
                 </c:pt>
               </c:numCache>
             </c:numRef>
@@ -262,10 +262,10 @@
                 <c:formatCode>General</c:formatCode>
                 <c:ptCount val="2"/>
                 <c:pt idx="0">
-                  <c:v>1</c:v>
+                  <c:v>1.0</c:v>
                 </c:pt>
                 <c:pt idx="1">
-                  <c:v>1</c:v>
+                  <c:v>1.0</c:v>
                 </c:pt>
               </c:numCache>
             </c:numRef>
@@ -316,10 +316,10 @@
                 <c:formatCode>General</c:formatCode>
                 <c:ptCount val="2"/>
                 <c:pt idx="0">
-                  <c:v>1</c:v>
+                  <c:v>1.0</c:v>
                 </c:pt>
                 <c:pt idx="1">
-                  <c:v>2</c:v>
+                  <c:v>2.0</c:v>
                 </c:pt>
               </c:numCache>
             </c:numRef>
@@ -370,10 +370,10 @@
                 <c:formatCode>General</c:formatCode>
                 <c:ptCount val="2"/>
                 <c:pt idx="0">
-                  <c:v>2</c:v>
+                  <c:v>2.0</c:v>
                 </c:pt>
                 <c:pt idx="1">
-                  <c:v>3</c:v>
+                  <c:v>3.0</c:v>
                 </c:pt>
               </c:numCache>
             </c:numRef>
@@ -424,10 +424,10 @@
                 <c:formatCode>General</c:formatCode>
                 <c:ptCount val="2"/>
                 <c:pt idx="0">
-                  <c:v>1</c:v>
+                  <c:v>1.0</c:v>
                 </c:pt>
                 <c:pt idx="1">
-                  <c:v>1</c:v>
+                  <c:v>1.0</c:v>
                 </c:pt>
               </c:numCache>
             </c:numRef>
@@ -478,10 +478,10 @@
                 <c:formatCode>General</c:formatCode>
                 <c:ptCount val="2"/>
                 <c:pt idx="0">
-                  <c:v>2</c:v>
+                  <c:v>2.0</c:v>
                 </c:pt>
                 <c:pt idx="1">
-                  <c:v>2</c:v>
+                  <c:v>2.0</c:v>
                 </c:pt>
               </c:numCache>
             </c:numRef>
@@ -534,10 +534,10 @@
                 <c:formatCode>General</c:formatCode>
                 <c:ptCount val="2"/>
                 <c:pt idx="0">
-                  <c:v>1</c:v>
+                  <c:v>1.0</c:v>
                 </c:pt>
                 <c:pt idx="1">
-                  <c:v>3</c:v>
+                  <c:v>3.0</c:v>
                 </c:pt>
               </c:numCache>
             </c:numRef>
@@ -553,11 +553,11 @@
         </c:dLbls>
         <c:gapWidth val="150"/>
         <c:overlap val="100"/>
-        <c:axId val="401753224"/>
-        <c:axId val="401750480"/>
+        <c:axId val="-2139935720"/>
+        <c:axId val="-2141564072"/>
       </c:barChart>
       <c:catAx>
-        <c:axId val="401753224"/>
+        <c:axId val="-2139935720"/>
         <c:scaling>
           <c:orientation val="minMax"/>
         </c:scaling>
@@ -600,7 +600,7 @@
             <a:endParaRPr lang="en-US"/>
           </a:p>
         </c:txPr>
-        <c:crossAx val="401750480"/>
+        <c:crossAx val="-2141564072"/>
         <c:crosses val="autoZero"/>
         <c:auto val="1"/>
         <c:lblAlgn val="ctr"/>
@@ -608,7 +608,7 @@
         <c:noMultiLvlLbl val="0"/>
       </c:catAx>
       <c:valAx>
-        <c:axId val="401750480"/>
+        <c:axId val="-2141564072"/>
         <c:scaling>
           <c:orientation val="minMax"/>
         </c:scaling>
@@ -659,7 +659,7 @@
             <a:endParaRPr lang="en-US"/>
           </a:p>
         </c:txPr>
-        <c:crossAx val="401753224"/>
+        <c:crossAx val="-2139935720"/>
         <c:crosses val="autoZero"/>
         <c:crossBetween val="between"/>
       </c:valAx>
@@ -724,7 +724,7 @@
       <a:endParaRPr lang="en-US"/>
     </a:p>
   </c:txPr>
-  <c:externalData r:id="rId3">
+  <c:externalData r:id="rId1">
     <c:autoUpdate val="0"/>
   </c:externalData>
 </c:chartSpace>
@@ -1517,7 +1517,7 @@
           <a:p>
             <a:fld id="{5A069CB8-F204-4D06-B913-C5A26A89888A}" type="datetimeFigureOut">
               <a:rPr lang="en-US" dirty="0"/>
-              <a:t>4/2/2015</a:t>
+              <a:t>4/3/15</a:t>
             </a:fld>
             <a:endParaRPr lang="en-US" dirty="0"/>
           </a:p>
@@ -1720,7 +1720,7 @@
           <a:p>
             <a:fld id="{50B6E300-0A13-4A81-945A-7333C271A069}" type="datetimeFigureOut">
               <a:rPr lang="en-US" dirty="0"/>
-              <a:t>4/2/2015</a:t>
+              <a:t>4/3/15</a:t>
             </a:fld>
             <a:endParaRPr lang="en-US" dirty="0"/>
           </a:p>
@@ -1971,7 +1971,7 @@
           <a:p>
             <a:fld id="{34671962-1EA4-46E7-BCB0-F36CE46D1A59}" type="datetimeFigureOut">
               <a:rPr lang="en-US" dirty="0"/>
-              <a:t>4/2/2015</a:t>
+              <a:t>4/3/15</a:t>
             </a:fld>
             <a:endParaRPr lang="en-US" dirty="0"/>
           </a:p>
@@ -2136,7 +2136,7 @@
           <a:p>
             <a:fld id="{D30BB376-B19C-488D-ABEB-03C7E6E9E3E0}" type="datetimeFigureOut">
               <a:rPr lang="en-US" dirty="0"/>
-              <a:t>4/2/2015</a:t>
+              <a:t>4/3/15</a:t>
             </a:fld>
             <a:endParaRPr lang="en-US" dirty="0"/>
           </a:p>
@@ -2474,7 +2474,7 @@
           <a:p>
             <a:fld id="{486F077B-A50F-4D64-8574-E2D6A98A5553}" type="datetimeFigureOut">
               <a:rPr lang="en-US" dirty="0"/>
-              <a:t>4/2/2015</a:t>
+              <a:t>4/3/15</a:t>
             </a:fld>
             <a:endParaRPr lang="en-US" dirty="0"/>
           </a:p>
@@ -2597,8 +2597,8 @@
         </p:nvSpPr>
         <p:spPr>
           <a:xfrm>
-            <a:off x="1097280" y="286603"/>
-            <a:ext cx="10058400" cy="1450757"/>
+            <a:off x="1097280" y="286604"/>
+            <a:ext cx="10058400" cy="890850"/>
           </a:xfrm>
         </p:spPr>
         <p:txBody>
@@ -2625,8 +2625,8 @@
         </p:nvSpPr>
         <p:spPr>
           <a:xfrm>
-            <a:off x="1097278" y="1845734"/>
-            <a:ext cx="4937760" cy="4023360"/>
+            <a:off x="1097278" y="1349440"/>
+            <a:ext cx="4937760" cy="4519654"/>
           </a:xfrm>
         </p:spPr>
         <p:txBody>
@@ -2682,8 +2682,8 @@
         </p:nvSpPr>
         <p:spPr>
           <a:xfrm>
-            <a:off x="6217920" y="1845735"/>
-            <a:ext cx="4937760" cy="4023360"/>
+            <a:off x="6217920" y="1349440"/>
+            <a:ext cx="4937760" cy="4519655"/>
           </a:xfrm>
         </p:spPr>
         <p:txBody>
@@ -2744,7 +2744,7 @@
           <a:p>
             <a:fld id="{7D9E2A62-1983-43A1-A163-D8AA46534C80}" type="datetimeFigureOut">
               <a:rPr lang="en-US" dirty="0"/>
-              <a:t>4/2/2015</a:t>
+              <a:t>4/3/15</a:t>
             </a:fld>
             <a:endParaRPr lang="en-US" dirty="0"/>
           </a:p>
@@ -2830,7 +2830,7 @@
         <p:spPr>
           <a:xfrm>
             <a:off x="1097280" y="286603"/>
-            <a:ext cx="10058400" cy="1450757"/>
+            <a:ext cx="10058400" cy="904079"/>
           </a:xfrm>
         </p:spPr>
         <p:txBody>
@@ -2857,7 +2857,7 @@
         </p:nvSpPr>
         <p:spPr>
           <a:xfrm>
-            <a:off x="1097280" y="1846052"/>
+            <a:off x="1097280" y="1343319"/>
             <a:ext cx="4937760" cy="736282"/>
           </a:xfrm>
         </p:spPr>
@@ -2928,8 +2928,8 @@
         </p:nvSpPr>
         <p:spPr>
           <a:xfrm>
-            <a:off x="1097280" y="2582334"/>
-            <a:ext cx="4937760" cy="3378200"/>
+            <a:off x="1097280" y="2077079"/>
+            <a:ext cx="4937760" cy="3883455"/>
           </a:xfrm>
         </p:spPr>
         <p:txBody>
@@ -2985,7 +2985,7 @@
         </p:nvSpPr>
         <p:spPr>
           <a:xfrm>
-            <a:off x="6217920" y="1846052"/>
+            <a:off x="6217920" y="1343320"/>
             <a:ext cx="4937760" cy="736282"/>
           </a:xfrm>
         </p:spPr>
@@ -3056,8 +3056,8 @@
         </p:nvSpPr>
         <p:spPr>
           <a:xfrm>
-            <a:off x="6217920" y="2582334"/>
-            <a:ext cx="4937760" cy="3378200"/>
+            <a:off x="6217920" y="2077079"/>
+            <a:ext cx="4937760" cy="3883455"/>
           </a:xfrm>
         </p:spPr>
         <p:txBody>
@@ -3066,35 +3066,35 @@
           <a:p>
             <a:pPr lvl="0"/>
             <a:r>
-              <a:rPr lang="en-US" smtClean="0"/>
+              <a:rPr lang="en-US" dirty="0" smtClean="0"/>
               <a:t>Click to edit Master text styles</a:t>
             </a:r>
           </a:p>
           <a:p>
             <a:pPr lvl="1"/>
             <a:r>
-              <a:rPr lang="en-US" smtClean="0"/>
+              <a:rPr lang="en-US" dirty="0" smtClean="0"/>
               <a:t>Second level</a:t>
             </a:r>
           </a:p>
           <a:p>
             <a:pPr lvl="2"/>
             <a:r>
-              <a:rPr lang="en-US" smtClean="0"/>
+              <a:rPr lang="en-US" dirty="0" smtClean="0"/>
               <a:t>Third level</a:t>
             </a:r>
           </a:p>
           <a:p>
             <a:pPr lvl="3"/>
             <a:r>
-              <a:rPr lang="en-US" smtClean="0"/>
+              <a:rPr lang="en-US" dirty="0" smtClean="0"/>
               <a:t>Fourth level</a:t>
             </a:r>
           </a:p>
           <a:p>
             <a:pPr lvl="4"/>
             <a:r>
-              <a:rPr lang="en-US" smtClean="0"/>
+              <a:rPr lang="en-US" dirty="0" smtClean="0"/>
               <a:t>Fifth level</a:t>
             </a:r>
             <a:endParaRPr lang="en-US" dirty="0"/>
@@ -3118,7 +3118,7 @@
           <a:p>
             <a:fld id="{898F3E3B-34E3-4345-B2A1-994B83598A9C}" type="datetimeFigureOut">
               <a:rPr lang="en-US" dirty="0"/>
-              <a:t>4/2/2015</a:t>
+              <a:t>4/3/15</a:t>
             </a:fld>
             <a:endParaRPr lang="en-US" dirty="0"/>
           </a:p>
@@ -3231,7 +3231,7 @@
           <a:p>
             <a:fld id="{FD816C96-82A1-4D77-8ADA-627AC6FE3D65}" type="datetimeFigureOut">
               <a:rPr lang="en-US" dirty="0"/>
-              <a:t>4/2/2015</a:t>
+              <a:t>4/3/15</a:t>
             </a:fld>
             <a:endParaRPr lang="en-US" dirty="0"/>
           </a:p>
@@ -3397,7 +3397,7 @@
           <a:p>
             <a:fld id="{1D102C1E-28F2-47E9-802D-339E64E2F920}" type="datetimeFigureOut">
               <a:rPr lang="en-US" dirty="0"/>
-              <a:t>4/2/2015</a:t>
+              <a:t>4/3/15</a:t>
             </a:fld>
             <a:endParaRPr lang="en-US" dirty="0"/>
           </a:p>
@@ -3747,7 +3747,7 @@
           <a:p>
             <a:fld id="{24271A48-F18A-45B3-BC05-1E27DA3F88AF}" type="datetimeFigureOut">
               <a:rPr lang="en-US" dirty="0"/>
-              <a:t>4/2/2015</a:t>
+              <a:t>4/3/15</a:t>
             </a:fld>
             <a:endParaRPr lang="en-US" dirty="0"/>
           </a:p>
@@ -4120,7 +4120,7 @@
           <a:p>
             <a:fld id="{65B747F8-9654-4282-85D2-65F41AAE7A75}" type="datetimeFigureOut">
               <a:rPr lang="en-US" dirty="0"/>
-              <a:t>4/2/2015</a:t>
+              <a:t>4/3/15</a:t>
             </a:fld>
             <a:endParaRPr lang="en-US" dirty="0"/>
           </a:p>
@@ -4287,7 +4287,7 @@
         <p:spPr>
           <a:xfrm>
             <a:off x="1097280" y="286603"/>
-            <a:ext cx="10058400" cy="1450757"/>
+            <a:ext cx="10058400" cy="904079"/>
           </a:xfrm>
           <a:prstGeom prst="rect">
             <a:avLst/>
@@ -4300,7 +4300,7 @@
           <a:lstStyle/>
           <a:p>
             <a:r>
-              <a:rPr lang="en-US" smtClean="0"/>
+              <a:rPr lang="en-US" dirty="0" smtClean="0"/>
               <a:t>Click to edit Master title style</a:t>
             </a:r>
             <a:endParaRPr lang="en-US" dirty="0"/>
@@ -4319,8 +4319,8 @@
         </p:nvSpPr>
         <p:spPr>
           <a:xfrm>
-            <a:off x="1097280" y="1845734"/>
-            <a:ext cx="10058400" cy="4023360"/>
+            <a:off x="1097280" y="1494968"/>
+            <a:ext cx="10058400" cy="4374126"/>
           </a:xfrm>
           <a:prstGeom prst="rect">
             <a:avLst/>
@@ -4402,7 +4402,7 @@
           <a:p>
             <a:fld id="{5DC5B261-8843-42D1-AAFC-05E20E2D9B97}" type="datetimeFigureOut">
               <a:rPr lang="en-US" dirty="0"/>
-              <a:t>4/2/2015</a:t>
+              <a:t>4/3/15</a:t>
             </a:fld>
             <a:endParaRPr lang="en-US" dirty="0"/>
           </a:p>
@@ -4491,7 +4491,7 @@
         </p:nvCxnSpPr>
         <p:spPr>
           <a:xfrm>
-            <a:off x="1193532" y="1737845"/>
+            <a:off x="1114159" y="1221883"/>
             <a:ext cx="9966960" cy="0"/>
           </a:xfrm>
           <a:prstGeom prst="line">
@@ -5712,34 +5712,104 @@
             <p:ph sz="half" idx="1"/>
           </p:nvPr>
         </p:nvSpPr>
-        <p:spPr/>
+        <p:spPr>
+          <a:xfrm>
+            <a:off x="1097277" y="1349440"/>
+            <a:ext cx="4696941" cy="4519654"/>
+          </a:xfrm>
+        </p:spPr>
         <p:txBody>
           <a:bodyPr/>
           <a:lstStyle/>
           <a:p>
-            <a:endParaRPr lang="en-US"/>
-          </a:p>
-        </p:txBody>
-      </p:sp>
-      <p:sp>
-        <p:nvSpPr>
-          <p:cNvPr id="5" name="Content Placeholder 4"/>
-          <p:cNvSpPr>
-            <a:spLocks noGrp="1"/>
-          </p:cNvSpPr>
-          <p:nvPr>
-            <p:ph sz="half" idx="2"/>
-          </p:nvPr>
-        </p:nvSpPr>
-        <p:spPr/>
-        <p:txBody>
-          <a:bodyPr/>
-          <a:lstStyle/>
-          <a:p>
-            <a:endParaRPr lang="en-US"/>
-          </a:p>
-        </p:txBody>
-      </p:sp>
+            <a:r>
+              <a:rPr lang="en-US" dirty="0" err="1" smtClean="0"/>
+              <a:t>statnetWeb</a:t>
+            </a:r>
+            <a:r>
+              <a:rPr lang="en-US" dirty="0" smtClean="0"/>
+              <a:t> is an interactive web application </a:t>
+            </a:r>
+            <a:r>
+              <a:rPr lang="en-US" dirty="0"/>
+              <a:t>for social network </a:t>
+            </a:r>
+            <a:r>
+              <a:rPr lang="en-US" dirty="0" smtClean="0"/>
+              <a:t>analysis.</a:t>
+            </a:r>
+          </a:p>
+          <a:p>
+            <a:r>
+              <a:rPr lang="en-US" dirty="0" smtClean="0"/>
+              <a:t>Users </a:t>
+            </a:r>
+            <a:r>
+              <a:rPr lang="en-US" dirty="0"/>
+              <a:t>can perform complete analyses of relational data </a:t>
+            </a:r>
+            <a:endParaRPr lang="en-US" dirty="0" smtClean="0"/>
+          </a:p>
+          <a:p>
+            <a:pPr lvl="1"/>
+            <a:r>
+              <a:rPr lang="en-US" dirty="0" smtClean="0"/>
+              <a:t>Network visualization</a:t>
+            </a:r>
+          </a:p>
+          <a:p>
+            <a:pPr lvl="1"/>
+            <a:r>
+              <a:rPr lang="en-US" dirty="0" smtClean="0"/>
+              <a:t>Model estimation and evaluation</a:t>
+            </a:r>
+          </a:p>
+          <a:p>
+            <a:pPr lvl="1"/>
+            <a:r>
+              <a:rPr lang="en-US" dirty="0" smtClean="0"/>
+              <a:t>Model-based simulation</a:t>
+            </a:r>
+          </a:p>
+          <a:p>
+            <a:r>
+              <a:rPr lang="en-US" dirty="0" smtClean="0"/>
+              <a:t>And download results and figures throughout the process</a:t>
+            </a:r>
+            <a:endParaRPr lang="en-US" dirty="0"/>
+          </a:p>
+        </p:txBody>
+      </p:sp>
+      <p:pic>
+        <p:nvPicPr>
+          <p:cNvPr id="8" name="Picture 7" descr="mesa_racegrade.png"/>
+          <p:cNvPicPr>
+            <a:picLocks noChangeAspect="1"/>
+          </p:cNvPicPr>
+          <p:nvPr/>
+        </p:nvPicPr>
+        <p:blipFill>
+          <a:blip r:embed="rId2">
+            <a:extLst>
+              <a:ext uri="{28A0092B-C50C-407E-A947-70E740481C1C}">
+                <a14:useLocalDpi xmlns:a14="http://schemas.microsoft.com/office/drawing/2010/main" val="0"/>
+              </a:ext>
+            </a:extLst>
+          </a:blip>
+          <a:stretch>
+            <a:fillRect/>
+          </a:stretch>
+        </p:blipFill>
+        <p:spPr>
+          <a:xfrm>
+            <a:off x="6361028" y="1245958"/>
+            <a:ext cx="4499824" cy="4240411"/>
+          </a:xfrm>
+          <a:prstGeom prst="rect">
+            <a:avLst/>
+          </a:prstGeom>
+        </p:spPr>
+      </p:pic>
     </p:spTree>
     <p:extLst>
       <p:ext uri="{BB962C8B-B14F-4D97-AF65-F5344CB8AC3E}">
@@ -5803,31 +5873,52 @@
             <p:ph sz="half" idx="1"/>
           </p:nvPr>
         </p:nvSpPr>
-        <p:spPr/>
+        <p:spPr>
+          <a:xfrm>
+            <a:off x="1097278" y="1349440"/>
+            <a:ext cx="10001692" cy="4519654"/>
+          </a:xfrm>
+        </p:spPr>
         <p:txBody>
           <a:bodyPr/>
           <a:lstStyle/>
           <a:p>
-            <a:endParaRPr lang="en-US"/>
-          </a:p>
-        </p:txBody>
-      </p:sp>
-      <p:sp>
-        <p:nvSpPr>
-          <p:cNvPr id="4" name="Content Placeholder 3"/>
-          <p:cNvSpPr>
-            <a:spLocks noGrp="1"/>
-          </p:cNvSpPr>
-          <p:nvPr>
-            <p:ph sz="half" idx="2"/>
-          </p:nvPr>
-        </p:nvSpPr>
-        <p:spPr/>
-        <p:txBody>
-          <a:bodyPr/>
-          <a:lstStyle/>
-          <a:p>
-            <a:endParaRPr lang="en-US"/>
+            <a:r>
+              <a:rPr lang="en-US" dirty="0"/>
+              <a:t>Network analysis techniques have progressed immensely over the past 60 years and continue to develop quickly</a:t>
+            </a:r>
+            <a:r>
+              <a:rPr lang="en-US" dirty="0" smtClean="0"/>
+              <a:t>.</a:t>
+            </a:r>
+          </a:p>
+          <a:p>
+            <a:pPr lvl="1"/>
+            <a:r>
+              <a:rPr lang="en-US" dirty="0" smtClean="0"/>
+              <a:t>Command line </a:t>
+            </a:r>
+            <a:r>
+              <a:rPr lang="en-US" smtClean="0"/>
+              <a:t>programs: flexible </a:t>
+            </a:r>
+            <a:r>
+              <a:rPr lang="en-US" dirty="0" smtClean="0"/>
+              <a:t>analysis possibilities, requires </a:t>
+            </a:r>
+            <a:r>
+              <a:rPr lang="en-US" smtClean="0"/>
+              <a:t>initial investment </a:t>
+            </a:r>
+            <a:endParaRPr lang="en-US" dirty="0" smtClean="0"/>
+          </a:p>
+          <a:p>
+            <a:pPr lvl="1"/>
+            <a:r>
+              <a:rPr lang="en-US" dirty="0" smtClean="0"/>
+              <a:t>GUI-based programs: available to wider audience, limited analysis possibilities</a:t>
+            </a:r>
+            <a:endParaRPr lang="en-US" dirty="0"/>
           </a:p>
         </p:txBody>
       </p:sp>
@@ -5896,8 +5987,8 @@
         </p:nvSpPr>
         <p:spPr>
           <a:xfrm>
-            <a:off x="1097280" y="2481942"/>
-            <a:ext cx="4937760" cy="3478591"/>
+            <a:off x="1097280" y="1786024"/>
+            <a:ext cx="4937760" cy="4174509"/>
           </a:xfrm>
         </p:spPr>
         <p:txBody>
@@ -5987,13 +6078,13 @@
             <p:ph sz="quarter" idx="4"/>
             <p:extLst>
               <p:ext uri="{D42A27DB-BD31-4B8C-83A1-F6EECF244321}">
-                <p14:modId xmlns:p14="http://schemas.microsoft.com/office/powerpoint/2010/main" val="3017241568"/>
+                <p14:modId xmlns:p14="http://schemas.microsoft.com/office/powerpoint/2010/main" val="2413052801"/>
               </p:ext>
             </p:extLst>
           </p:nvPr>
         </p:nvGraphicFramePr>
         <p:xfrm>
-          <a:off x="4332514" y="1926771"/>
+          <a:off x="4544175" y="1609255"/>
           <a:ext cx="6822849" cy="4034292"/>
         </p:xfrm>
         <a:graphic>
@@ -6667,32 +6758,39 @@
             <p:ph type="title"/>
           </p:nvPr>
         </p:nvSpPr>
+        <p:spPr>
+          <a:xfrm>
+            <a:off x="1097280" y="286604"/>
+            <a:ext cx="10058400" cy="890850"/>
+          </a:xfrm>
+        </p:spPr>
+        <p:txBody>
+          <a:bodyPr/>
+          <a:lstStyle/>
+          <a:p>
+            <a:r>
+              <a:rPr lang="en-US" dirty="0" smtClean="0"/>
+              <a:t>Network Descriptives</a:t>
+            </a:r>
+            <a:endParaRPr lang="en-US" dirty="0"/>
+          </a:p>
+        </p:txBody>
+      </p:sp>
+      <p:sp>
+        <p:nvSpPr>
+          <p:cNvPr id="3" name="Content Placeholder 2"/>
+          <p:cNvSpPr>
+            <a:spLocks noGrp="1"/>
+          </p:cNvSpPr>
+          <p:nvPr>
+            <p:ph sz="half" idx="1"/>
+          </p:nvPr>
+        </p:nvSpPr>
         <p:spPr/>
         <p:txBody>
-          <a:bodyPr/>
-          <a:lstStyle/>
-          <a:p>
-            <a:r>
-              <a:rPr lang="en-US" dirty="0" smtClean="0"/>
-              <a:t>Network Descriptives</a:t>
-            </a:r>
-            <a:endParaRPr lang="en-US" dirty="0"/>
-          </a:p>
-        </p:txBody>
-      </p:sp>
-      <p:sp>
-        <p:nvSpPr>
-          <p:cNvPr id="3" name="Content Placeholder 2"/>
-          <p:cNvSpPr>
-            <a:spLocks noGrp="1"/>
-          </p:cNvSpPr>
-          <p:nvPr>
-            <p:ph sz="half" idx="1"/>
-          </p:nvPr>
-        </p:nvSpPr>
-        <p:spPr/>
-        <p:txBody>
-          <a:bodyPr/>
+          <a:bodyPr>
+            <a:normAutofit/>
+          </a:bodyPr>
           <a:lstStyle/>
           <a:p>
             <a:r>
@@ -6773,7 +6871,9 @@
         </p:nvSpPr>
         <p:spPr/>
         <p:txBody>
-          <a:bodyPr/>
+          <a:bodyPr>
+            <a:normAutofit/>
+          </a:bodyPr>
           <a:lstStyle/>
           <a:p>
             <a:r>
@@ -6803,9 +6903,33 @@
           </a:p>
           <a:p>
             <a:pPr lvl="1"/>
-            <a:r>
-              <a:rPr lang="en-US" dirty="0" smtClean="0"/>
-              <a:t>Play around with color-coding the nodes</a:t>
+            <a:endParaRPr lang="en-US" dirty="0" smtClean="0"/>
+          </a:p>
+          <a:p>
+            <a:pPr lvl="1"/>
+            <a:endParaRPr lang="en-US" dirty="0" smtClean="0"/>
+          </a:p>
+          <a:p>
+            <a:pPr lvl="1"/>
+            <a:endParaRPr lang="en-US" dirty="0" smtClean="0"/>
+          </a:p>
+          <a:p>
+            <a:pPr lvl="1"/>
+            <a:endParaRPr lang="en-US" dirty="0"/>
+          </a:p>
+          <a:p>
+            <a:pPr lvl="1"/>
+            <a:endParaRPr lang="en-US" dirty="0"/>
+          </a:p>
+          <a:p>
+            <a:pPr lvl="1"/>
+            <a:r>
+              <a:rPr lang="en-US" dirty="0" smtClean="0"/>
+              <a:t>Play </a:t>
+            </a:r>
+            <a:r>
+              <a:rPr lang="en-US" dirty="0" smtClean="0"/>
+              <a:t>around with color-coding the nodes</a:t>
             </a:r>
           </a:p>
           <a:p>
@@ -6829,6 +6953,7 @@
               <a:rPr lang="en-US" dirty="0" smtClean="0"/>
               <a:t>.</a:t>
             </a:r>
+            <a:endParaRPr lang="en-US" dirty="0" smtClean="0"/>
           </a:p>
           <a:p>
             <a:r>
@@ -6841,6 +6966,102 @@
           </a:p>
         </p:txBody>
       </p:sp>
+      <p:pic>
+        <p:nvPicPr>
+          <p:cNvPr id="5" name="Picture 4" descr="sw_nwplot.png"/>
+          <p:cNvPicPr>
+            <a:picLocks noChangeAspect="1"/>
+          </p:cNvPicPr>
+          <p:nvPr/>
+        </p:nvPicPr>
+        <p:blipFill>
+          <a:blip r:embed="rId2">
+            <a:extLst>
+              <a:ext uri="{28A0092B-C50C-407E-A947-70E740481C1C}">
+                <a14:useLocalDpi xmlns:a14="http://schemas.microsoft.com/office/drawing/2010/main" val="0"/>
+              </a:ext>
+            </a:extLst>
+          </a:blip>
+          <a:stretch>
+            <a:fillRect/>
+          </a:stretch>
+        </p:blipFill>
+        <p:spPr>
+          <a:xfrm>
+            <a:off x="7064183" y="1993667"/>
+            <a:ext cx="2997978" cy="1525832"/>
+          </a:xfrm>
+          <a:prstGeom prst="rect">
+            <a:avLst/>
+          </a:prstGeom>
+        </p:spPr>
+      </p:pic>
+      <p:cxnSp>
+        <p:nvCxnSpPr>
+          <p:cNvPr id="7" name="Straight Arrow Connector 6"/>
+          <p:cNvCxnSpPr/>
+          <p:nvPr/>
+        </p:nvCxnSpPr>
+        <p:spPr>
+          <a:xfrm flipH="1">
+            <a:off x="9868691" y="2884097"/>
+            <a:ext cx="648211" cy="79379"/>
+          </a:xfrm>
+          <a:prstGeom prst="straightConnector1">
+            <a:avLst/>
+          </a:prstGeom>
+          <a:ln>
+            <a:tailEnd type="arrow"/>
+          </a:ln>
+        </p:spPr>
+        <p:style>
+          <a:lnRef idx="2">
+            <a:schemeClr val="accent1"/>
+          </a:lnRef>
+          <a:fillRef idx="0">
+            <a:schemeClr val="accent1"/>
+          </a:fillRef>
+          <a:effectRef idx="1">
+            <a:schemeClr val="accent1"/>
+          </a:effectRef>
+          <a:fontRef idx="minor">
+            <a:schemeClr val="tx1"/>
+          </a:fontRef>
+        </p:style>
+      </p:cxnSp>
+      <p:cxnSp>
+        <p:nvCxnSpPr>
+          <p:cNvPr id="9" name="Straight Arrow Connector 8"/>
+          <p:cNvCxnSpPr/>
+          <p:nvPr/>
+        </p:nvCxnSpPr>
+        <p:spPr>
+          <a:xfrm flipH="1" flipV="1">
+            <a:off x="9868691" y="3188383"/>
+            <a:ext cx="542381" cy="52919"/>
+          </a:xfrm>
+          <a:prstGeom prst="straightConnector1">
+            <a:avLst/>
+          </a:prstGeom>
+          <a:ln>
+            <a:tailEnd type="arrow"/>
+          </a:ln>
+        </p:spPr>
+        <p:style>
+          <a:lnRef idx="2">
+            <a:schemeClr val="accent1"/>
+          </a:lnRef>
+          <a:fillRef idx="0">
+            <a:schemeClr val="accent1"/>
+          </a:fillRef>
+          <a:effectRef idx="1">
+            <a:schemeClr val="accent1"/>
+          </a:effectRef>
+          <a:fontRef idx="minor">
+            <a:schemeClr val="tx1"/>
+          </a:fontRef>
+        </p:style>
+      </p:cxnSp>
     </p:spTree>
     <p:extLst>
       <p:ext uri="{BB962C8B-B14F-4D97-AF65-F5344CB8AC3E}">
@@ -6974,7 +7195,7 @@
 <file path=ppt/theme/theme1.xml><?xml version="1.0" encoding="utf-8"?>
 <a:theme xmlns:a="http://schemas.openxmlformats.org/drawingml/2006/main" name="Retrospect">
   <a:themeElements>
-    <a:clrScheme name="Retrospect">
+    <a:clrScheme name="Plaza">
       <a:dk1>
         <a:sysClr val="windowText" lastClr="000000"/>
       </a:dk1>
@@ -6982,39 +7203,39 @@
         <a:sysClr val="window" lastClr="FFFFFF"/>
       </a:lt1>
       <a:dk2>
-        <a:srgbClr val="696464"/>
+        <a:srgbClr val="333333"/>
       </a:dk2>
       <a:lt2>
-        <a:srgbClr val="E9E5DC"/>
+        <a:srgbClr val="CCCCCC"/>
       </a:lt2>
       <a:accent1>
-        <a:srgbClr val="D34817"/>
+        <a:srgbClr val="990000"/>
       </a:accent1>
       <a:accent2>
-        <a:srgbClr val="9B2D1F"/>
+        <a:srgbClr val="580101"/>
       </a:accent2>
       <a:accent3>
-        <a:srgbClr val="A28E6A"/>
+        <a:srgbClr val="E94A00"/>
       </a:accent3>
       <a:accent4>
-        <a:srgbClr val="956251"/>
+        <a:srgbClr val="EB8F00"/>
       </a:accent4>
       <a:accent5>
-        <a:srgbClr val="918485"/>
+        <a:srgbClr val="A4A4A4"/>
       </a:accent5>
       <a:accent6>
-        <a:srgbClr val="855D5D"/>
+        <a:srgbClr val="666666"/>
       </a:accent6>
       <a:hlink>
-        <a:srgbClr val="CC9900"/>
+        <a:srgbClr val="D01010"/>
       </a:hlink>
       <a:folHlink>
-        <a:srgbClr val="96A9A9"/>
+        <a:srgbClr val="E6682E"/>
       </a:folHlink>
     </a:clrScheme>
-    <a:fontScheme name="Retrospect">
+    <a:fontScheme name="Office">
       <a:majorFont>
-        <a:latin typeface="Calibri Light" panose="020F0302020204030204"/>
+        <a:latin typeface="Calibri"/>
         <a:ea typeface=""/>
         <a:cs typeface=""/>
         <a:font script="Jpan" typeface="ＭＳ Ｐゴシック"/>
@@ -7049,7 +7270,7 @@
         <a:font script="Geor" typeface="Sylfaen"/>
       </a:majorFont>
       <a:minorFont>
-        <a:latin typeface="Calibri" panose="020F0502020204030204"/>
+        <a:latin typeface="Calibri"/>
         <a:ea typeface=""/>
         <a:cs typeface=""/>
         <a:font script="Jpan" typeface="ＭＳ Ｐゴシック"/>
@@ -7248,7 +7469,7 @@
   <a:extraClrSchemeLst/>
   <a:extLst>
     <a:ext uri="{05A4C25C-085E-4340-85A3-A5531E510DB2}">
-      <thm15:themeFamily xmlns:thm15="http://schemas.microsoft.com/office/thememl/2012/main" name="Retrospect" id="{5F128B03-DCCA-4EEB-AB3B-CF2899314A46}" vid="{02006FA4-1611-4B07-AF7F-85CF6D20EB3E}"/>
+      <thm15:themeFamily xmlns:thm15="http://schemas.microsoft.com/office/thememl/2012/main" xmlns="" name="Retrospect" id="{5F128B03-DCCA-4EEB-AB3B-CF2899314A46}" vid="{02006FA4-1611-4B07-AF7F-85CF6D20EB3E}"/>
     </a:ext>
   </a:extLst>
 </a:theme>

--- a/statnetWeb_slides.pptx
+++ b/statnetWeb_slides.pptx
@@ -8,16 +8,19 @@
     <p:sldId id="256" r:id="rId2"/>
     <p:sldId id="257" r:id="rId3"/>
     <p:sldId id="258" r:id="rId4"/>
-    <p:sldId id="259" r:id="rId5"/>
-    <p:sldId id="260" r:id="rId6"/>
-    <p:sldId id="261" r:id="rId7"/>
-    <p:sldId id="267" r:id="rId8"/>
-    <p:sldId id="262" r:id="rId9"/>
-    <p:sldId id="268" r:id="rId10"/>
-    <p:sldId id="263" r:id="rId11"/>
-    <p:sldId id="264" r:id="rId12"/>
-    <p:sldId id="265" r:id="rId13"/>
-    <p:sldId id="266" r:id="rId14"/>
+    <p:sldId id="270" r:id="rId5"/>
+    <p:sldId id="259" r:id="rId6"/>
+    <p:sldId id="260" r:id="rId7"/>
+    <p:sldId id="261" r:id="rId8"/>
+    <p:sldId id="267" r:id="rId9"/>
+    <p:sldId id="262" r:id="rId10"/>
+    <p:sldId id="269" r:id="rId11"/>
+    <p:sldId id="268" r:id="rId12"/>
+    <p:sldId id="271" r:id="rId13"/>
+    <p:sldId id="263" r:id="rId14"/>
+    <p:sldId id="264" r:id="rId15"/>
+    <p:sldId id="265" r:id="rId16"/>
+    <p:sldId id="266" r:id="rId17"/>
   </p:sldIdLst>
   <p:sldSz cx="12192000" cy="6858000"/>
   <p:notesSz cx="6858000" cy="9144000"/>
@@ -124,12 +127,15 @@
             <p14:sldId id="256"/>
             <p14:sldId id="257"/>
             <p14:sldId id="258"/>
+            <p14:sldId id="270"/>
             <p14:sldId id="259"/>
             <p14:sldId id="260"/>
             <p14:sldId id="261"/>
             <p14:sldId id="267"/>
             <p14:sldId id="262"/>
+            <p14:sldId id="269"/>
             <p14:sldId id="268"/>
+            <p14:sldId id="271"/>
             <p14:sldId id="263"/>
             <p14:sldId id="264"/>
             <p14:sldId id="265"/>
@@ -553,11 +559,11 @@
         </c:dLbls>
         <c:gapWidth val="150"/>
         <c:overlap val="100"/>
-        <c:axId val="-2139935720"/>
-        <c:axId val="-2141564072"/>
+        <c:axId val="2123506664"/>
+        <c:axId val="2123510200"/>
       </c:barChart>
       <c:catAx>
-        <c:axId val="-2139935720"/>
+        <c:axId val="2123506664"/>
         <c:scaling>
           <c:orientation val="minMax"/>
         </c:scaling>
@@ -600,7 +606,7 @@
             <a:endParaRPr lang="en-US"/>
           </a:p>
         </c:txPr>
-        <c:crossAx val="-2141564072"/>
+        <c:crossAx val="2123510200"/>
         <c:crosses val="autoZero"/>
         <c:auto val="1"/>
         <c:lblAlgn val="ctr"/>
@@ -608,7 +614,7 @@
         <c:noMultiLvlLbl val="0"/>
       </c:catAx>
       <c:valAx>
-        <c:axId val="-2141564072"/>
+        <c:axId val="2123510200"/>
         <c:scaling>
           <c:orientation val="minMax"/>
         </c:scaling>
@@ -659,7 +665,7 @@
             <a:endParaRPr lang="en-US"/>
           </a:p>
         </c:txPr>
-        <c:crossAx val="-2139935720"/>
+        <c:crossAx val="2123506664"/>
         <c:crosses val="autoZero"/>
         <c:crossBetween val="between"/>
       </c:valAx>
@@ -5332,7 +5338,11 @@
           <a:p>
             <a:r>
               <a:rPr lang="en-US" dirty="0" smtClean="0"/>
-              <a:t>Statistical Models</a:t>
+              <a:t>Network </a:t>
+            </a:r>
+            <a:r>
+              <a:rPr lang="en-US" dirty="0" err="1" smtClean="0"/>
+              <a:t>Descriptives</a:t>
             </a:r>
             <a:endParaRPr lang="en-US" dirty="0"/>
           </a:p>
@@ -5353,13 +5363,72 @@
           <a:bodyPr/>
           <a:lstStyle/>
           <a:p>
-            <a:endParaRPr lang="en-US"/>
-          </a:p>
-        </p:txBody>
-      </p:sp>
-      <p:sp>
-        <p:nvSpPr>
-          <p:cNvPr id="4" name="Content Placeholder 3"/>
+            <a:r>
+              <a:rPr lang="en-US" dirty="0"/>
+              <a:t>It is a good idea to look at your data before trying to model</a:t>
+            </a:r>
+          </a:p>
+          <a:p>
+            <a:pPr lvl="1"/>
+            <a:r>
+              <a:rPr lang="en-US" dirty="0"/>
+              <a:t>Graphical exploration</a:t>
+            </a:r>
+          </a:p>
+          <a:p>
+            <a:pPr lvl="1"/>
+            <a:r>
+              <a:rPr lang="en-US" dirty="0"/>
+              <a:t>Numerical summaries</a:t>
+            </a:r>
+          </a:p>
+          <a:p>
+            <a:endParaRPr lang="en-US" dirty="0" smtClean="0"/>
+          </a:p>
+          <a:p>
+            <a:r>
+              <a:rPr lang="en-US" dirty="0" smtClean="0"/>
+              <a:t>Network </a:t>
+            </a:r>
+            <a:r>
+              <a:rPr lang="en-US" dirty="0"/>
+              <a:t>plot</a:t>
+            </a:r>
+          </a:p>
+          <a:p>
+            <a:pPr lvl="1"/>
+            <a:r>
+              <a:rPr lang="en-US" dirty="0"/>
+              <a:t>Color code nodes by attributes</a:t>
+            </a:r>
+          </a:p>
+          <a:p>
+            <a:pPr lvl="1"/>
+            <a:r>
+              <a:rPr lang="en-US" dirty="0"/>
+              <a:t>Size by numeric attributes or </a:t>
+            </a:r>
+            <a:r>
+              <a:rPr lang="en-US" dirty="0" err="1"/>
+              <a:t>betweenness</a:t>
+            </a:r>
+            <a:endParaRPr lang="en-US" dirty="0"/>
+          </a:p>
+          <a:p>
+            <a:pPr lvl="2"/>
+            <a:r>
+              <a:rPr lang="en-US" dirty="0"/>
+              <a:t>Note: if larger nodes obscure small ones you can edit the opacity to ensure that all nodes are visible</a:t>
+            </a:r>
+          </a:p>
+          <a:p>
+            <a:endParaRPr lang="en-US" dirty="0"/>
+          </a:p>
+        </p:txBody>
+      </p:sp>
+      <p:sp>
+        <p:nvSpPr>
+          <p:cNvPr id="5" name="Content Placeholder 3"/>
           <p:cNvSpPr>
             <a:spLocks noGrp="1"/>
           </p:cNvSpPr>
@@ -5367,19 +5436,137 @@
             <p:ph sz="half" idx="2"/>
           </p:nvPr>
         </p:nvSpPr>
-        <p:spPr/>
-        <p:txBody>
-          <a:bodyPr/>
-          <a:lstStyle/>
-          <a:p>
-            <a:endParaRPr lang="en-US"/>
-          </a:p>
-        </p:txBody>
-      </p:sp>
+        <p:spPr>
+          <a:xfrm>
+            <a:off x="6217920" y="1349440"/>
+            <a:ext cx="4937760" cy="4519655"/>
+          </a:xfrm>
+        </p:spPr>
+        <p:txBody>
+          <a:bodyPr>
+            <a:normAutofit/>
+          </a:bodyPr>
+          <a:lstStyle/>
+          <a:p>
+            <a:r>
+              <a:rPr lang="en-US" dirty="0" smtClean="0">
+                <a:solidFill>
+                  <a:srgbClr val="0070C0"/>
+                </a:solidFill>
+              </a:rPr>
+              <a:t>Interactive: </a:t>
+            </a:r>
+            <a:r>
+              <a:rPr lang="en-US" dirty="0"/>
+              <a:t>L</a:t>
+            </a:r>
+            <a:r>
+              <a:rPr lang="en-US" dirty="0" smtClean="0"/>
+              <a:t>oad the </a:t>
+            </a:r>
+            <a:r>
+              <a:rPr lang="en-US" dirty="0" err="1" smtClean="0"/>
+              <a:t>faux.mesa.high</a:t>
+            </a:r>
+            <a:r>
+              <a:rPr lang="en-US" dirty="0" smtClean="0"/>
+              <a:t> data and examine the network plot.</a:t>
+            </a:r>
+          </a:p>
+          <a:p>
+            <a:pPr lvl="1"/>
+            <a:endParaRPr lang="en-US" dirty="0" smtClean="0"/>
+          </a:p>
+          <a:p>
+            <a:pPr lvl="1"/>
+            <a:endParaRPr lang="en-US" dirty="0" smtClean="0"/>
+          </a:p>
+          <a:p>
+            <a:pPr lvl="1"/>
+            <a:endParaRPr lang="en-US" dirty="0" smtClean="0"/>
+          </a:p>
+          <a:p>
+            <a:pPr lvl="1"/>
+            <a:endParaRPr lang="en-US" dirty="0"/>
+          </a:p>
+          <a:p>
+            <a:pPr lvl="1"/>
+            <a:endParaRPr lang="en-US" dirty="0"/>
+          </a:p>
+          <a:p>
+            <a:pPr lvl="1"/>
+            <a:r>
+              <a:rPr lang="en-US" dirty="0" smtClean="0"/>
+              <a:t>Play around with color-coding the nodes</a:t>
+            </a:r>
+          </a:p>
+          <a:p>
+            <a:pPr lvl="1"/>
+            <a:r>
+              <a:rPr lang="en-US" dirty="0" smtClean="0"/>
+              <a:t>What do you notice after color-coding the nodes based on grade?</a:t>
+            </a:r>
+          </a:p>
+          <a:p>
+            <a:pPr lvl="1"/>
+            <a:r>
+              <a:rPr lang="en-US" dirty="0" smtClean="0"/>
+              <a:t>Now edit the size of the nodes based on </a:t>
+            </a:r>
+            <a:r>
+              <a:rPr lang="en-US" dirty="0" err="1" smtClean="0"/>
+              <a:t>betweenness</a:t>
+            </a:r>
+            <a:r>
+              <a:rPr lang="en-US" dirty="0" smtClean="0"/>
+              <a:t>.</a:t>
+            </a:r>
+          </a:p>
+          <a:p>
+            <a:r>
+              <a:rPr lang="en-US" dirty="0" smtClean="0"/>
+              <a:t>What have we already learned about the social structure of this school?</a:t>
+            </a:r>
+          </a:p>
+          <a:p>
+            <a:endParaRPr lang="en-US" dirty="0" smtClean="0"/>
+          </a:p>
+        </p:txBody>
+      </p:sp>
+      <p:pic>
+        <p:nvPicPr>
+          <p:cNvPr id="6" name="Picture 5" descr="sw_nwplot.png"/>
+          <p:cNvPicPr>
+            <a:picLocks noChangeAspect="1"/>
+          </p:cNvPicPr>
+          <p:nvPr/>
+        </p:nvPicPr>
+        <p:blipFill>
+          <a:blip r:embed="rId2">
+            <a:extLst>
+              <a:ext uri="{28A0092B-C50C-407E-A947-70E740481C1C}">
+                <a14:useLocalDpi xmlns:a14="http://schemas.microsoft.com/office/drawing/2010/main" val="0"/>
+              </a:ext>
+            </a:extLst>
+          </a:blip>
+          <a:stretch>
+            <a:fillRect/>
+          </a:stretch>
+        </p:blipFill>
+        <p:spPr>
+          <a:xfrm>
+            <a:off x="7064183" y="1993667"/>
+            <a:ext cx="2997978" cy="1525832"/>
+          </a:xfrm>
+          <a:prstGeom prst="rect">
+            <a:avLst/>
+          </a:prstGeom>
+        </p:spPr>
+      </p:pic>
     </p:spTree>
     <p:extLst>
       <p:ext uri="{BB962C8B-B14F-4D97-AF65-F5344CB8AC3E}">
-        <p14:creationId xmlns:p14="http://schemas.microsoft.com/office/powerpoint/2010/main" val="2363491526"/>
+        <p14:creationId xmlns:p14="http://schemas.microsoft.com/office/powerpoint/2010/main" val="1856423059"/>
       </p:ext>
     </p:extLst>
   </p:cSld>
@@ -5423,7 +5610,7 @@
           <a:p>
             <a:r>
               <a:rPr lang="en-US" dirty="0" smtClean="0"/>
-              <a:t>Diagnostics</a:t>
+              <a:t>Network Descriptives</a:t>
             </a:r>
             <a:endParaRPr lang="en-US" dirty="0"/>
           </a:p>
@@ -5444,7 +5631,59 @@
           <a:bodyPr/>
           <a:lstStyle/>
           <a:p>
-            <a:endParaRPr lang="en-US"/>
+            <a:r>
+              <a:rPr lang="en-US" dirty="0"/>
+              <a:t>Degree </a:t>
+            </a:r>
+            <a:r>
+              <a:rPr lang="en-US" dirty="0" smtClean="0"/>
+              <a:t>Distribution</a:t>
+            </a:r>
+          </a:p>
+          <a:p>
+            <a:pPr lvl="1"/>
+            <a:r>
+              <a:rPr lang="en-US" dirty="0" smtClean="0"/>
+              <a:t>Plot of a numerical summary</a:t>
+            </a:r>
+            <a:endParaRPr lang="en-US" dirty="0"/>
+          </a:p>
+          <a:p>
+            <a:pPr lvl="1"/>
+            <a:r>
+              <a:rPr lang="en-US" dirty="0"/>
+              <a:t>How are degrees distributed?</a:t>
+            </a:r>
+          </a:p>
+          <a:p>
+            <a:r>
+              <a:rPr lang="en-US" dirty="0"/>
+              <a:t>Geodesic Distribution</a:t>
+            </a:r>
+          </a:p>
+          <a:p>
+            <a:pPr lvl="1"/>
+            <a:r>
+              <a:rPr lang="en-US" dirty="0"/>
+              <a:t>How “connected” is the network</a:t>
+            </a:r>
+            <a:r>
+              <a:rPr lang="en-US" dirty="0" smtClean="0"/>
+              <a:t>?</a:t>
+            </a:r>
+          </a:p>
+          <a:p>
+            <a:endParaRPr lang="en-US" dirty="0"/>
+          </a:p>
+          <a:p>
+            <a:r>
+              <a:rPr lang="en-US" dirty="0" smtClean="0"/>
+              <a:t>Note about expected values – go back later!</a:t>
+            </a:r>
+            <a:endParaRPr lang="en-US" dirty="0"/>
+          </a:p>
+          <a:p>
+            <a:endParaRPr lang="en-US" dirty="0"/>
           </a:p>
         </p:txBody>
       </p:sp>
@@ -5470,7 +5709,7 @@
     </p:spTree>
     <p:extLst>
       <p:ext uri="{BB962C8B-B14F-4D97-AF65-F5344CB8AC3E}">
-        <p14:creationId xmlns:p14="http://schemas.microsoft.com/office/powerpoint/2010/main" val="2976517766"/>
+        <p14:creationId xmlns:p14="http://schemas.microsoft.com/office/powerpoint/2010/main" val="3708573406"/>
       </p:ext>
     </p:extLst>
   </p:cSld>
@@ -5514,6 +5753,293 @@
           <a:p>
             <a:r>
               <a:rPr lang="en-US" dirty="0" smtClean="0"/>
+              <a:t>Network Descriptives</a:t>
+            </a:r>
+            <a:endParaRPr lang="en-US" dirty="0"/>
+          </a:p>
+        </p:txBody>
+      </p:sp>
+      <p:sp>
+        <p:nvSpPr>
+          <p:cNvPr id="3" name="Content Placeholder 2"/>
+          <p:cNvSpPr>
+            <a:spLocks noGrp="1"/>
+          </p:cNvSpPr>
+          <p:nvPr>
+            <p:ph sz="half" idx="1"/>
+          </p:nvPr>
+        </p:nvSpPr>
+        <p:spPr/>
+        <p:txBody>
+          <a:bodyPr/>
+          <a:lstStyle/>
+          <a:p>
+            <a:r>
+              <a:rPr lang="en-US" dirty="0" smtClean="0"/>
+              <a:t>Numerical summaries</a:t>
+            </a:r>
+          </a:p>
+          <a:p>
+            <a:pPr lvl="1"/>
+            <a:r>
+              <a:rPr lang="en-US" dirty="0" smtClean="0"/>
+              <a:t>Different levels of measurement</a:t>
+            </a:r>
+            <a:endParaRPr lang="en-US" dirty="0"/>
+          </a:p>
+          <a:p>
+            <a:endParaRPr lang="en-US" dirty="0"/>
+          </a:p>
+        </p:txBody>
+      </p:sp>
+      <p:sp>
+        <p:nvSpPr>
+          <p:cNvPr id="4" name="Content Placeholder 3"/>
+          <p:cNvSpPr>
+            <a:spLocks noGrp="1"/>
+          </p:cNvSpPr>
+          <p:nvPr>
+            <p:ph sz="half" idx="2"/>
+          </p:nvPr>
+        </p:nvSpPr>
+        <p:spPr/>
+        <p:txBody>
+          <a:bodyPr/>
+          <a:lstStyle/>
+          <a:p>
+            <a:endParaRPr lang="en-US"/>
+          </a:p>
+        </p:txBody>
+      </p:sp>
+    </p:spTree>
+    <p:extLst>
+      <p:ext uri="{BB962C8B-B14F-4D97-AF65-F5344CB8AC3E}">
+        <p14:creationId xmlns:p14="http://schemas.microsoft.com/office/powerpoint/2010/main" val="2102049441"/>
+      </p:ext>
+    </p:extLst>
+  </p:cSld>
+  <p:clrMapOvr>
+    <a:masterClrMapping/>
+  </p:clrMapOvr>
+</p:sld>
+</file>
+
+<file path=ppt/slides/slide13.xml><?xml version="1.0" encoding="utf-8"?>
+<p:sld xmlns:a="http://schemas.openxmlformats.org/drawingml/2006/main" xmlns:r="http://schemas.openxmlformats.org/officeDocument/2006/relationships" xmlns:p="http://schemas.openxmlformats.org/presentationml/2006/main">
+  <p:cSld>
+    <p:spTree>
+      <p:nvGrpSpPr>
+        <p:cNvPr id="1" name=""/>
+        <p:cNvGrpSpPr/>
+        <p:nvPr/>
+      </p:nvGrpSpPr>
+      <p:grpSpPr>
+        <a:xfrm>
+          <a:off x="0" y="0"/>
+          <a:ext cx="0" cy="0"/>
+          <a:chOff x="0" y="0"/>
+          <a:chExt cx="0" cy="0"/>
+        </a:xfrm>
+      </p:grpSpPr>
+      <p:sp>
+        <p:nvSpPr>
+          <p:cNvPr id="2" name="Title 1"/>
+          <p:cNvSpPr>
+            <a:spLocks noGrp="1"/>
+          </p:cNvSpPr>
+          <p:nvPr>
+            <p:ph type="title"/>
+          </p:nvPr>
+        </p:nvSpPr>
+        <p:spPr/>
+        <p:txBody>
+          <a:bodyPr/>
+          <a:lstStyle/>
+          <a:p>
+            <a:r>
+              <a:rPr lang="en-US" dirty="0" smtClean="0"/>
+              <a:t>Statistical Models</a:t>
+            </a:r>
+            <a:endParaRPr lang="en-US" dirty="0"/>
+          </a:p>
+        </p:txBody>
+      </p:sp>
+      <p:sp>
+        <p:nvSpPr>
+          <p:cNvPr id="3" name="Content Placeholder 2"/>
+          <p:cNvSpPr>
+            <a:spLocks noGrp="1"/>
+          </p:cNvSpPr>
+          <p:nvPr>
+            <p:ph sz="half" idx="1"/>
+          </p:nvPr>
+        </p:nvSpPr>
+        <p:spPr/>
+        <p:txBody>
+          <a:bodyPr/>
+          <a:lstStyle/>
+          <a:p>
+            <a:endParaRPr lang="en-US"/>
+          </a:p>
+        </p:txBody>
+      </p:sp>
+      <p:sp>
+        <p:nvSpPr>
+          <p:cNvPr id="4" name="Content Placeholder 3"/>
+          <p:cNvSpPr>
+            <a:spLocks noGrp="1"/>
+          </p:cNvSpPr>
+          <p:nvPr>
+            <p:ph sz="half" idx="2"/>
+          </p:nvPr>
+        </p:nvSpPr>
+        <p:spPr/>
+        <p:txBody>
+          <a:bodyPr/>
+          <a:lstStyle/>
+          <a:p>
+            <a:endParaRPr lang="en-US"/>
+          </a:p>
+        </p:txBody>
+      </p:sp>
+    </p:spTree>
+    <p:extLst>
+      <p:ext uri="{BB962C8B-B14F-4D97-AF65-F5344CB8AC3E}">
+        <p14:creationId xmlns:p14="http://schemas.microsoft.com/office/powerpoint/2010/main" val="2363491526"/>
+      </p:ext>
+    </p:extLst>
+  </p:cSld>
+  <p:clrMapOvr>
+    <a:masterClrMapping/>
+  </p:clrMapOvr>
+</p:sld>
+</file>
+
+<file path=ppt/slides/slide14.xml><?xml version="1.0" encoding="utf-8"?>
+<p:sld xmlns:a="http://schemas.openxmlformats.org/drawingml/2006/main" xmlns:r="http://schemas.openxmlformats.org/officeDocument/2006/relationships" xmlns:p="http://schemas.openxmlformats.org/presentationml/2006/main">
+  <p:cSld>
+    <p:spTree>
+      <p:nvGrpSpPr>
+        <p:cNvPr id="1" name=""/>
+        <p:cNvGrpSpPr/>
+        <p:nvPr/>
+      </p:nvGrpSpPr>
+      <p:grpSpPr>
+        <a:xfrm>
+          <a:off x="0" y="0"/>
+          <a:ext cx="0" cy="0"/>
+          <a:chOff x="0" y="0"/>
+          <a:chExt cx="0" cy="0"/>
+        </a:xfrm>
+      </p:grpSpPr>
+      <p:sp>
+        <p:nvSpPr>
+          <p:cNvPr id="2" name="Title 1"/>
+          <p:cNvSpPr>
+            <a:spLocks noGrp="1"/>
+          </p:cNvSpPr>
+          <p:nvPr>
+            <p:ph type="title"/>
+          </p:nvPr>
+        </p:nvSpPr>
+        <p:spPr/>
+        <p:txBody>
+          <a:bodyPr/>
+          <a:lstStyle/>
+          <a:p>
+            <a:r>
+              <a:rPr lang="en-US" dirty="0" smtClean="0"/>
+              <a:t>Diagnostics</a:t>
+            </a:r>
+            <a:endParaRPr lang="en-US" dirty="0"/>
+          </a:p>
+        </p:txBody>
+      </p:sp>
+      <p:sp>
+        <p:nvSpPr>
+          <p:cNvPr id="3" name="Content Placeholder 2"/>
+          <p:cNvSpPr>
+            <a:spLocks noGrp="1"/>
+          </p:cNvSpPr>
+          <p:nvPr>
+            <p:ph sz="half" idx="1"/>
+          </p:nvPr>
+        </p:nvSpPr>
+        <p:spPr/>
+        <p:txBody>
+          <a:bodyPr/>
+          <a:lstStyle/>
+          <a:p>
+            <a:endParaRPr lang="en-US"/>
+          </a:p>
+        </p:txBody>
+      </p:sp>
+      <p:sp>
+        <p:nvSpPr>
+          <p:cNvPr id="4" name="Content Placeholder 3"/>
+          <p:cNvSpPr>
+            <a:spLocks noGrp="1"/>
+          </p:cNvSpPr>
+          <p:nvPr>
+            <p:ph sz="half" idx="2"/>
+          </p:nvPr>
+        </p:nvSpPr>
+        <p:spPr/>
+        <p:txBody>
+          <a:bodyPr/>
+          <a:lstStyle/>
+          <a:p>
+            <a:endParaRPr lang="en-US"/>
+          </a:p>
+        </p:txBody>
+      </p:sp>
+    </p:spTree>
+    <p:extLst>
+      <p:ext uri="{BB962C8B-B14F-4D97-AF65-F5344CB8AC3E}">
+        <p14:creationId xmlns:p14="http://schemas.microsoft.com/office/powerpoint/2010/main" val="2976517766"/>
+      </p:ext>
+    </p:extLst>
+  </p:cSld>
+  <p:clrMapOvr>
+    <a:masterClrMapping/>
+  </p:clrMapOvr>
+</p:sld>
+</file>
+
+<file path=ppt/slides/slide15.xml><?xml version="1.0" encoding="utf-8"?>
+<p:sld xmlns:a="http://schemas.openxmlformats.org/drawingml/2006/main" xmlns:r="http://schemas.openxmlformats.org/officeDocument/2006/relationships" xmlns:p="http://schemas.openxmlformats.org/presentationml/2006/main">
+  <p:cSld>
+    <p:spTree>
+      <p:nvGrpSpPr>
+        <p:cNvPr id="1" name=""/>
+        <p:cNvGrpSpPr/>
+        <p:nvPr/>
+      </p:nvGrpSpPr>
+      <p:grpSpPr>
+        <a:xfrm>
+          <a:off x="0" y="0"/>
+          <a:ext cx="0" cy="0"/>
+          <a:chOff x="0" y="0"/>
+          <a:chExt cx="0" cy="0"/>
+        </a:xfrm>
+      </p:grpSpPr>
+      <p:sp>
+        <p:nvSpPr>
+          <p:cNvPr id="2" name="Title 1"/>
+          <p:cNvSpPr>
+            <a:spLocks noGrp="1"/>
+          </p:cNvSpPr>
+          <p:nvPr>
+            <p:ph type="title"/>
+          </p:nvPr>
+        </p:nvSpPr>
+        <p:spPr/>
+        <p:txBody>
+          <a:bodyPr/>
+          <a:lstStyle/>
+          <a:p>
+            <a:r>
+              <a:rPr lang="en-US" dirty="0" smtClean="0"/>
               <a:t>Model-Based Simulation</a:t>
             </a:r>
             <a:endParaRPr lang="en-US" dirty="0"/>
@@ -5571,7 +6097,7 @@
 </p:sld>
 </file>
 
-<file path=ppt/slides/slide13.xml><?xml version="1.0" encoding="utf-8"?>
+<file path=ppt/slides/slide16.xml><?xml version="1.0" encoding="utf-8"?>
 <p:sld xmlns:a="http://schemas.openxmlformats.org/drawingml/2006/main" xmlns:r="http://schemas.openxmlformats.org/officeDocument/2006/relationships" xmlns:p="http://schemas.openxmlformats.org/presentationml/2006/main">
   <p:cSld>
     <p:spTree>
@@ -5863,65 +6389,66 @@
           </a:p>
         </p:txBody>
       </p:sp>
-      <p:sp>
-        <p:nvSpPr>
-          <p:cNvPr id="3" name="Content Placeholder 2"/>
-          <p:cNvSpPr>
-            <a:spLocks noGrp="1"/>
-          </p:cNvSpPr>
-          <p:nvPr>
-            <p:ph sz="half" idx="1"/>
-          </p:nvPr>
-        </p:nvSpPr>
+      <p:pic>
+        <p:nvPicPr>
+          <p:cNvPr id="4" name="Picture 3" descr="commandline.png"/>
+          <p:cNvPicPr>
+            <a:picLocks noChangeAspect="1"/>
+          </p:cNvPicPr>
+          <p:nvPr/>
+        </p:nvPicPr>
+        <p:blipFill>
+          <a:blip r:embed="rId2">
+            <a:extLst>
+              <a:ext uri="{28A0092B-C50C-407E-A947-70E740481C1C}">
+                <a14:useLocalDpi xmlns:a14="http://schemas.microsoft.com/office/drawing/2010/main" val="0"/>
+              </a:ext>
+            </a:extLst>
+          </a:blip>
+          <a:stretch>
+            <a:fillRect/>
+          </a:stretch>
+        </p:blipFill>
         <p:spPr>
           <a:xfrm>
-            <a:off x="1097278" y="1349440"/>
-            <a:ext cx="10001692" cy="4519654"/>
+            <a:off x="5182733" y="1635115"/>
+            <a:ext cx="6565760" cy="4021831"/>
           </a:xfrm>
+          <a:prstGeom prst="rect">
+            <a:avLst/>
+          </a:prstGeom>
         </p:spPr>
-        <p:txBody>
-          <a:bodyPr/>
-          <a:lstStyle/>
-          <a:p>
-            <a:r>
-              <a:rPr lang="en-US" dirty="0"/>
-              <a:t>Network analysis techniques have progressed immensely over the past 60 years and continue to develop quickly</a:t>
-            </a:r>
-            <a:r>
-              <a:rPr lang="en-US" dirty="0" smtClean="0"/>
-              <a:t>.</a:t>
-            </a:r>
-          </a:p>
-          <a:p>
-            <a:pPr lvl="1"/>
-            <a:r>
-              <a:rPr lang="en-US" dirty="0" smtClean="0"/>
-              <a:t>Command line </a:t>
-            </a:r>
-            <a:r>
-              <a:rPr lang="en-US" smtClean="0"/>
-              <a:t>programs: flexible </a:t>
-            </a:r>
-            <a:r>
-              <a:rPr lang="en-US" dirty="0" smtClean="0"/>
-              <a:t>analysis possibilities, requires </a:t>
-            </a:r>
-            <a:r>
-              <a:rPr lang="en-US" smtClean="0"/>
-              <a:t>initial investment </a:t>
-            </a:r>
-            <a:endParaRPr lang="en-US" dirty="0" smtClean="0"/>
-          </a:p>
-          <a:p>
-            <a:pPr lvl="1"/>
-            <a:r>
-              <a:rPr lang="en-US" dirty="0" smtClean="0"/>
-              <a:t>GUI-based programs: available to wider audience, limited analysis possibilities</a:t>
-            </a:r>
-            <a:endParaRPr lang="en-US" dirty="0"/>
-          </a:p>
-        </p:txBody>
-      </p:sp>
+      </p:pic>
+      <p:pic>
+        <p:nvPicPr>
+          <p:cNvPr id="6" name="Picture 5" descr="sw_displayoptions.png"/>
+          <p:cNvPicPr>
+            <a:picLocks noChangeAspect="1"/>
+          </p:cNvPicPr>
+          <p:nvPr/>
+        </p:nvPicPr>
+        <p:blipFill>
+          <a:blip r:embed="rId3">
+            <a:extLst>
+              <a:ext uri="{28A0092B-C50C-407E-A947-70E740481C1C}">
+                <a14:useLocalDpi xmlns:a14="http://schemas.microsoft.com/office/drawing/2010/main" val="0"/>
+              </a:ext>
+            </a:extLst>
+          </a:blip>
+          <a:stretch>
+            <a:fillRect/>
+          </a:stretch>
+        </p:blipFill>
+        <p:spPr>
+          <a:xfrm>
+            <a:off x="1177103" y="1693514"/>
+            <a:ext cx="3217488" cy="3990024"/>
+          </a:xfrm>
+          <a:prstGeom prst="rect">
+            <a:avLst/>
+          </a:prstGeom>
+        </p:spPr>
+      </p:pic>
     </p:spTree>
     <p:extLst>
       <p:ext uri="{BB962C8B-B14F-4D97-AF65-F5344CB8AC3E}">
@@ -5969,134 +6496,117 @@
           <a:p>
             <a:r>
               <a:rPr lang="en-US" dirty="0" smtClean="0"/>
-              <a:t>Course Outlines</a:t>
-            </a:r>
-            <a:endParaRPr lang="en-US" dirty="0"/>
-          </a:p>
-        </p:txBody>
-      </p:sp>
-      <p:sp>
-        <p:nvSpPr>
-          <p:cNvPr id="6" name="Content Placeholder 5"/>
-          <p:cNvSpPr>
-            <a:spLocks noGrp="1"/>
-          </p:cNvSpPr>
-          <p:nvPr>
-            <p:ph sz="half" idx="2"/>
+              <a:t>Why is it useful?</a:t>
+            </a:r>
+            <a:endParaRPr lang="en-US" dirty="0"/>
+          </a:p>
+        </p:txBody>
+      </p:sp>
+      <p:sp>
+        <p:nvSpPr>
+          <p:cNvPr id="3" name="Content Placeholder 2"/>
+          <p:cNvSpPr>
+            <a:spLocks noGrp="1"/>
+          </p:cNvSpPr>
+          <p:nvPr>
+            <p:ph sz="half" idx="1"/>
           </p:nvPr>
         </p:nvSpPr>
         <p:spPr>
           <a:xfrm>
-            <a:off x="1097280" y="1786024"/>
-            <a:ext cx="4937760" cy="4174509"/>
+            <a:off x="1097278" y="1349440"/>
+            <a:ext cx="10001692" cy="4519654"/>
           </a:xfrm>
         </p:spPr>
         <p:txBody>
-          <a:bodyPr>
-            <a:normAutofit/>
-          </a:bodyPr>
-          <a:lstStyle/>
-          <a:p>
-            <a:pPr marL="457200" indent="-457200">
-              <a:buFont typeface="+mj-lt"/>
-              <a:buAutoNum type="arabicPeriod"/>
-            </a:pPr>
-            <a:r>
-              <a:rPr lang="en-US" dirty="0" smtClean="0"/>
-              <a:t>Network analysis basics</a:t>
-            </a:r>
-          </a:p>
-          <a:p>
-            <a:pPr marL="457200" indent="-457200">
-              <a:buFont typeface="+mj-lt"/>
-              <a:buAutoNum type="arabicPeriod"/>
-            </a:pPr>
-            <a:r>
-              <a:rPr lang="en-US" dirty="0" smtClean="0"/>
-              <a:t>Data</a:t>
-            </a:r>
-          </a:p>
-          <a:p>
-            <a:pPr marL="457200" indent="-457200">
-              <a:buFont typeface="+mj-lt"/>
-              <a:buAutoNum type="arabicPeriod"/>
-            </a:pPr>
-            <a:r>
-              <a:rPr lang="en-US" dirty="0" smtClean="0"/>
-              <a:t>Network descriptives</a:t>
-            </a:r>
-          </a:p>
-          <a:p>
-            <a:pPr marL="457200" indent="-457200">
-              <a:buFont typeface="+mj-lt"/>
-              <a:buAutoNum type="arabicPeriod"/>
-            </a:pPr>
-            <a:r>
-              <a:rPr lang="en-US" dirty="0" smtClean="0"/>
-              <a:t>Statistical models</a:t>
-            </a:r>
-          </a:p>
-          <a:p>
-            <a:pPr marL="457200" indent="-457200">
-              <a:buFont typeface="+mj-lt"/>
-              <a:buAutoNum type="arabicPeriod"/>
-            </a:pPr>
-            <a:r>
-              <a:rPr lang="en-US" dirty="0" smtClean="0"/>
-              <a:t>Diagnostics</a:t>
-            </a:r>
-          </a:p>
-          <a:p>
-            <a:pPr marL="457200" indent="-457200">
-              <a:buFont typeface="+mj-lt"/>
-              <a:buAutoNum type="arabicPeriod"/>
-            </a:pPr>
-            <a:r>
-              <a:rPr lang="en-US" dirty="0" smtClean="0"/>
-              <a:t>Model-based simulation</a:t>
-            </a:r>
-          </a:p>
-          <a:p>
-            <a:pPr marL="457200" indent="-457200">
-              <a:buFont typeface="+mj-lt"/>
-              <a:buAutoNum type="arabicPeriod"/>
-            </a:pPr>
-            <a:r>
-              <a:rPr lang="en-US" dirty="0" smtClean="0"/>
-              <a:t>Review and further topics</a:t>
-            </a:r>
-          </a:p>
-        </p:txBody>
-      </p:sp>
-      <p:graphicFrame>
-        <p:nvGraphicFramePr>
-          <p:cNvPr id="18" name="Content Placeholder 17"/>
-          <p:cNvGraphicFramePr>
-            <a:graphicFrameLocks noGrp="1"/>
-          </p:cNvGraphicFramePr>
-          <p:nvPr>
-            <p:ph sz="quarter" idx="4"/>
-            <p:extLst>
-              <p:ext uri="{D42A27DB-BD31-4B8C-83A1-F6EECF244321}">
-                <p14:modId xmlns:p14="http://schemas.microsoft.com/office/powerpoint/2010/main" val="2413052801"/>
-              </p:ext>
-            </p:extLst>
-          </p:nvPr>
-        </p:nvGraphicFramePr>
-        <p:xfrm>
-          <a:off x="4544175" y="1609255"/>
-          <a:ext cx="6822849" cy="4034292"/>
-        </p:xfrm>
-        <a:graphic>
-          <a:graphicData uri="http://schemas.openxmlformats.org/drawingml/2006/chart">
-            <c:chart xmlns:c="http://schemas.openxmlformats.org/drawingml/2006/chart" xmlns:r="http://schemas.openxmlformats.org/officeDocument/2006/relationships" r:id="rId2"/>
-          </a:graphicData>
-        </a:graphic>
-      </p:graphicFrame>
+          <a:bodyPr/>
+          <a:lstStyle/>
+          <a:p>
+            <a:r>
+              <a:rPr lang="en-US" dirty="0"/>
+              <a:t>Network analysis techniques have progressed immensely over the past 60 years and continue to develop quickly</a:t>
+            </a:r>
+            <a:r>
+              <a:rPr lang="en-US" dirty="0" smtClean="0"/>
+              <a:t>.</a:t>
+            </a:r>
+          </a:p>
+          <a:p>
+            <a:pPr lvl="1"/>
+            <a:r>
+              <a:rPr lang="en-US" dirty="0" smtClean="0"/>
+              <a:t>Command line programs: flexible analysis possibilities, requires initial investment </a:t>
+            </a:r>
+          </a:p>
+          <a:p>
+            <a:pPr lvl="1"/>
+            <a:r>
+              <a:rPr lang="en-US" dirty="0" smtClean="0"/>
+              <a:t>GUI-based programs: available to wider audience, limited analysis </a:t>
+            </a:r>
+            <a:r>
+              <a:rPr lang="en-US" dirty="0" smtClean="0"/>
+              <a:t>possibilities</a:t>
+            </a:r>
+          </a:p>
+          <a:p>
+            <a:r>
+              <a:rPr lang="en-US" dirty="0" smtClean="0"/>
+              <a:t>The </a:t>
+            </a:r>
+            <a:r>
+              <a:rPr lang="en-US" dirty="0" err="1" smtClean="0"/>
+              <a:t>statnet</a:t>
+            </a:r>
+            <a:r>
+              <a:rPr lang="en-US" dirty="0" smtClean="0"/>
+              <a:t> suite of R packages gives users powerful network analysis tools, accessed from the flexibility of the R command line.</a:t>
+            </a:r>
+          </a:p>
+          <a:p>
+            <a:r>
+              <a:rPr lang="en-US" dirty="0" smtClean="0"/>
+              <a:t>The Shiny framework from </a:t>
+            </a:r>
+            <a:r>
+              <a:rPr lang="en-US" dirty="0" err="1" smtClean="0"/>
+              <a:t>RStudio</a:t>
+            </a:r>
+            <a:r>
+              <a:rPr lang="en-US" dirty="0" smtClean="0"/>
+              <a:t> allows us to build a graphical user interface for </a:t>
+            </a:r>
+            <a:r>
+              <a:rPr lang="en-US" dirty="0" err="1" smtClean="0"/>
+              <a:t>statnet</a:t>
+            </a:r>
+            <a:r>
+              <a:rPr lang="en-US" dirty="0" smtClean="0"/>
+              <a:t> that runs in a web browser.</a:t>
+            </a:r>
+            <a:endParaRPr lang="en-US" dirty="0"/>
+          </a:p>
+          <a:p>
+            <a:r>
+              <a:rPr lang="en-US" dirty="0" smtClean="0"/>
+              <a:t>Rather than an isolated GUI, </a:t>
+            </a:r>
+            <a:r>
+              <a:rPr lang="en-US" dirty="0" err="1" smtClean="0"/>
+              <a:t>statnetWeb</a:t>
+            </a:r>
+            <a:r>
+              <a:rPr lang="en-US" dirty="0" smtClean="0"/>
+              <a:t> occupies a middle ground ________</a:t>
+            </a:r>
+            <a:endParaRPr lang="en-US" dirty="0"/>
+          </a:p>
+        </p:txBody>
+      </p:sp>
     </p:spTree>
     <p:extLst>
       <p:ext uri="{BB962C8B-B14F-4D97-AF65-F5344CB8AC3E}">
-        <p14:creationId xmlns:p14="http://schemas.microsoft.com/office/powerpoint/2010/main" val="1776018726"/>
+        <p14:creationId xmlns:p14="http://schemas.microsoft.com/office/powerpoint/2010/main" val="1125714840"/>
       </p:ext>
     </p:extLst>
   </p:cSld>
@@ -6140,104 +6650,15 @@
           <a:p>
             <a:r>
               <a:rPr lang="en-US" dirty="0" smtClean="0"/>
-              <a:t>Network Analysis Basics</a:t>
-            </a:r>
-            <a:endParaRPr lang="en-US" dirty="0"/>
-          </a:p>
-        </p:txBody>
-      </p:sp>
-      <p:sp>
-        <p:nvSpPr>
-          <p:cNvPr id="3" name="Content Placeholder 2"/>
-          <p:cNvSpPr>
-            <a:spLocks noGrp="1"/>
-          </p:cNvSpPr>
-          <p:nvPr>
-            <p:ph sz="half" idx="1"/>
-          </p:nvPr>
-        </p:nvSpPr>
-        <p:spPr/>
-        <p:txBody>
-          <a:bodyPr/>
-          <a:lstStyle/>
-          <a:p>
-            <a:r>
-              <a:rPr lang="en-US" dirty="0" smtClean="0"/>
-              <a:t>Motivation</a:t>
-            </a:r>
-          </a:p>
-          <a:p>
-            <a:pPr lvl="1"/>
-            <a:r>
-              <a:rPr lang="en-US" dirty="0" smtClean="0"/>
-              <a:t>What is a network?</a:t>
-            </a:r>
-          </a:p>
-          <a:p>
-            <a:pPr lvl="1"/>
-            <a:r>
-              <a:rPr lang="en-US" dirty="0" smtClean="0"/>
-              <a:t>What can be represented as a network?</a:t>
-            </a:r>
-          </a:p>
-          <a:p>
-            <a:pPr lvl="1"/>
-            <a:r>
-              <a:rPr lang="en-US" dirty="0" smtClean="0"/>
-              <a:t>What kind of questions can we answer?</a:t>
-            </a:r>
-          </a:p>
-          <a:p>
-            <a:r>
-              <a:rPr lang="en-US" dirty="0" smtClean="0"/>
-              <a:t>Sampling Designs</a:t>
-            </a:r>
-          </a:p>
-          <a:p>
-            <a:pPr lvl="1"/>
-            <a:r>
-              <a:rPr lang="en-US" dirty="0" smtClean="0"/>
-              <a:t>Census, adaptive sample, egocentric sample</a:t>
-            </a:r>
-          </a:p>
-          <a:p>
-            <a:pPr lvl="1"/>
-            <a:r>
-              <a:rPr lang="en-US" dirty="0" smtClean="0"/>
-              <a:t>The type of sample impacts the type of analysis</a:t>
-            </a:r>
-          </a:p>
-          <a:p>
-            <a:r>
-              <a:rPr lang="en-US" dirty="0" smtClean="0"/>
-              <a:t>Types of network analysis</a:t>
-            </a:r>
-          </a:p>
-          <a:p>
-            <a:pPr lvl="1"/>
-            <a:r>
-              <a:rPr lang="en-US" dirty="0" smtClean="0"/>
-              <a:t>Descriptive</a:t>
-            </a:r>
-          </a:p>
-          <a:p>
-            <a:pPr lvl="1"/>
-            <a:r>
-              <a:rPr lang="en-US" dirty="0" smtClean="0"/>
-              <a:t>Statistical</a:t>
-            </a:r>
-          </a:p>
-          <a:p>
-            <a:endParaRPr lang="en-US" dirty="0" smtClean="0"/>
-          </a:p>
-          <a:p>
-            <a:endParaRPr lang="en-US" dirty="0"/>
-          </a:p>
-        </p:txBody>
-      </p:sp>
-      <p:sp>
-        <p:nvSpPr>
-          <p:cNvPr id="4" name="Content Placeholder 3"/>
+              <a:t>Course Outlines</a:t>
+            </a:r>
+            <a:endParaRPr lang="en-US" dirty="0"/>
+          </a:p>
+        </p:txBody>
+      </p:sp>
+      <p:sp>
+        <p:nvSpPr>
+          <p:cNvPr id="6" name="Content Placeholder 5"/>
           <p:cNvSpPr>
             <a:spLocks noGrp="1"/>
           </p:cNvSpPr>
@@ -6245,19 +6666,118 @@
             <p:ph sz="half" idx="2"/>
           </p:nvPr>
         </p:nvSpPr>
-        <p:spPr/>
-        <p:txBody>
-          <a:bodyPr/>
-          <a:lstStyle/>
-          <a:p>
-            <a:endParaRPr lang="en-US"/>
-          </a:p>
-        </p:txBody>
-      </p:sp>
+        <p:spPr>
+          <a:xfrm>
+            <a:off x="1097280" y="1786024"/>
+            <a:ext cx="4937760" cy="4174509"/>
+          </a:xfrm>
+        </p:spPr>
+        <p:txBody>
+          <a:bodyPr>
+            <a:normAutofit/>
+          </a:bodyPr>
+          <a:lstStyle/>
+          <a:p>
+            <a:pPr marL="457200" indent="-457200">
+              <a:buFont typeface="+mj-lt"/>
+              <a:buAutoNum type="arabicPeriod"/>
+            </a:pPr>
+            <a:r>
+              <a:rPr lang="en-US" dirty="0" smtClean="0"/>
+              <a:t>Network analysis basics</a:t>
+            </a:r>
+          </a:p>
+          <a:p>
+            <a:pPr marL="457200" indent="-457200">
+              <a:buFont typeface="+mj-lt"/>
+              <a:buAutoNum type="arabicPeriod"/>
+            </a:pPr>
+            <a:r>
+              <a:rPr lang="en-US" dirty="0" smtClean="0"/>
+              <a:t>Data</a:t>
+            </a:r>
+          </a:p>
+          <a:p>
+            <a:pPr marL="457200" indent="-457200">
+              <a:buFont typeface="+mj-lt"/>
+              <a:buAutoNum type="arabicPeriod"/>
+            </a:pPr>
+            <a:r>
+              <a:rPr lang="en-US" dirty="0" smtClean="0"/>
+              <a:t>Network descriptives</a:t>
+            </a:r>
+          </a:p>
+          <a:p>
+            <a:pPr marL="457200" indent="-457200">
+              <a:buFont typeface="+mj-lt"/>
+              <a:buAutoNum type="arabicPeriod"/>
+            </a:pPr>
+            <a:r>
+              <a:rPr lang="en-US" dirty="0" smtClean="0"/>
+              <a:t>Statistical models</a:t>
+            </a:r>
+          </a:p>
+          <a:p>
+            <a:pPr marL="457200" indent="-457200">
+              <a:buFont typeface="+mj-lt"/>
+              <a:buAutoNum type="arabicPeriod"/>
+            </a:pPr>
+            <a:r>
+              <a:rPr lang="en-US" dirty="0" smtClean="0"/>
+              <a:t>Diagnostics</a:t>
+            </a:r>
+          </a:p>
+          <a:p>
+            <a:pPr marL="457200" indent="-457200">
+              <a:buFont typeface="+mj-lt"/>
+              <a:buAutoNum type="arabicPeriod"/>
+            </a:pPr>
+            <a:r>
+              <a:rPr lang="en-US" dirty="0" smtClean="0"/>
+              <a:t>Model-based simulation</a:t>
+            </a:r>
+          </a:p>
+          <a:p>
+            <a:pPr marL="457200" indent="-457200">
+              <a:buFont typeface="+mj-lt"/>
+              <a:buAutoNum type="arabicPeriod"/>
+            </a:pPr>
+            <a:r>
+              <a:rPr lang="en-US" dirty="0" smtClean="0"/>
+              <a:t>Review and further topics</a:t>
+            </a:r>
+          </a:p>
+        </p:txBody>
+      </p:sp>
+      <p:graphicFrame>
+        <p:nvGraphicFramePr>
+          <p:cNvPr id="18" name="Content Placeholder 17"/>
+          <p:cNvGraphicFramePr>
+            <a:graphicFrameLocks noGrp="1"/>
+          </p:cNvGraphicFramePr>
+          <p:nvPr>
+            <p:ph sz="quarter" idx="4"/>
+            <p:extLst>
+              <p:ext uri="{D42A27DB-BD31-4B8C-83A1-F6EECF244321}">
+                <p14:modId xmlns:p14="http://schemas.microsoft.com/office/powerpoint/2010/main" val="2413052801"/>
+              </p:ext>
+            </p:extLst>
+          </p:nvPr>
+        </p:nvGraphicFramePr>
+        <p:xfrm>
+          <a:off x="4544175" y="1609255"/>
+          <a:ext cx="6822849" cy="4034292"/>
+        </p:xfrm>
+        <a:graphic>
+          <a:graphicData uri="http://schemas.openxmlformats.org/drawingml/2006/chart">
+            <c:chart xmlns:c="http://schemas.openxmlformats.org/drawingml/2006/chart" xmlns:r="http://schemas.openxmlformats.org/officeDocument/2006/relationships" r:id="rId2"/>
+          </a:graphicData>
+        </a:graphic>
+      </p:graphicFrame>
     </p:spTree>
     <p:extLst>
       <p:ext uri="{BB962C8B-B14F-4D97-AF65-F5344CB8AC3E}">
-        <p14:creationId xmlns:p14="http://schemas.microsoft.com/office/powerpoint/2010/main" val="3056376447"/>
+        <p14:creationId xmlns:p14="http://schemas.microsoft.com/office/powerpoint/2010/main" val="1776018726"/>
       </p:ext>
     </p:extLst>
   </p:cSld>
@@ -6301,6 +6821,341 @@
           <a:p>
             <a:r>
               <a:rPr lang="en-US" dirty="0" smtClean="0"/>
+              <a:t>Network Analysis Basics</a:t>
+            </a:r>
+            <a:endParaRPr lang="en-US" dirty="0"/>
+          </a:p>
+        </p:txBody>
+      </p:sp>
+      <p:sp>
+        <p:nvSpPr>
+          <p:cNvPr id="3" name="Content Placeholder 2"/>
+          <p:cNvSpPr>
+            <a:spLocks noGrp="1"/>
+          </p:cNvSpPr>
+          <p:nvPr>
+            <p:ph sz="half" idx="1"/>
+          </p:nvPr>
+        </p:nvSpPr>
+        <p:spPr/>
+        <p:txBody>
+          <a:bodyPr>
+            <a:normAutofit fontScale="92500" lnSpcReduction="10000"/>
+          </a:bodyPr>
+          <a:lstStyle/>
+          <a:p>
+            <a:r>
+              <a:rPr lang="en-US" dirty="0" smtClean="0"/>
+              <a:t>Motivation</a:t>
+            </a:r>
+          </a:p>
+          <a:p>
+            <a:pPr lvl="1"/>
+            <a:r>
+              <a:rPr lang="en-US" dirty="0" smtClean="0"/>
+              <a:t>What is a network</a:t>
+            </a:r>
+            <a:r>
+              <a:rPr lang="en-US" dirty="0" smtClean="0"/>
+              <a:t>?</a:t>
+            </a:r>
+          </a:p>
+          <a:p>
+            <a:pPr lvl="2"/>
+            <a:r>
+              <a:rPr lang="en-US" dirty="0" smtClean="0"/>
+              <a:t>Nodes (vertices, actors)</a:t>
+            </a:r>
+          </a:p>
+          <a:p>
+            <a:pPr lvl="3"/>
+            <a:r>
+              <a:rPr lang="en-US" dirty="0" smtClean="0"/>
+              <a:t>Can have attributes associated</a:t>
+            </a:r>
+          </a:p>
+          <a:p>
+            <a:pPr lvl="2"/>
+            <a:r>
+              <a:rPr lang="en-US" dirty="0" smtClean="0"/>
+              <a:t>Ties (edges, links)</a:t>
+            </a:r>
+          </a:p>
+          <a:p>
+            <a:pPr lvl="3"/>
+            <a:r>
+              <a:rPr lang="en-US" dirty="0" smtClean="0"/>
+              <a:t>Can be directed/undirected and valued/binary</a:t>
+            </a:r>
+            <a:endParaRPr lang="en-US" dirty="0" smtClean="0"/>
+          </a:p>
+          <a:p>
+            <a:pPr lvl="1"/>
+            <a:r>
+              <a:rPr lang="en-US" dirty="0" smtClean="0"/>
+              <a:t>What can be represented as a network?</a:t>
+            </a:r>
+          </a:p>
+          <a:p>
+            <a:pPr lvl="1"/>
+            <a:r>
+              <a:rPr lang="en-US" dirty="0" smtClean="0"/>
+              <a:t>What kind of questions can we answer</a:t>
+            </a:r>
+            <a:r>
+              <a:rPr lang="en-US" dirty="0" smtClean="0"/>
+              <a:t>?</a:t>
+            </a:r>
+          </a:p>
+          <a:p>
+            <a:r>
+              <a:rPr lang="en-US" dirty="0" smtClean="0"/>
+              <a:t>Definitions</a:t>
+            </a:r>
+          </a:p>
+          <a:p>
+            <a:pPr lvl="1"/>
+            <a:r>
+              <a:rPr lang="en-US" dirty="0" smtClean="0"/>
+              <a:t>Types of networks</a:t>
+            </a:r>
+          </a:p>
+          <a:p>
+            <a:pPr lvl="1"/>
+            <a:r>
+              <a:rPr lang="en-US" dirty="0" smtClean="0"/>
+              <a:t>Configurations: dyads, triads, k</a:t>
+            </a:r>
+            <a:r>
+              <a:rPr lang="en-US" smtClean="0"/>
+              <a:t>-stars</a:t>
+            </a:r>
+            <a:endParaRPr lang="en-US" dirty="0" smtClean="0"/>
+          </a:p>
+          <a:p>
+            <a:pPr lvl="1"/>
+            <a:endParaRPr lang="en-US" dirty="0" smtClean="0"/>
+          </a:p>
+          <a:p>
+            <a:r>
+              <a:rPr lang="en-US" dirty="0" smtClean="0"/>
+              <a:t>Types </a:t>
+            </a:r>
+            <a:r>
+              <a:rPr lang="en-US" dirty="0" smtClean="0"/>
+              <a:t>of network analysis</a:t>
+            </a:r>
+          </a:p>
+          <a:p>
+            <a:pPr lvl="1"/>
+            <a:r>
+              <a:rPr lang="en-US" dirty="0" smtClean="0"/>
+              <a:t>Descriptive</a:t>
+            </a:r>
+          </a:p>
+          <a:p>
+            <a:pPr lvl="1"/>
+            <a:r>
+              <a:rPr lang="en-US" dirty="0" smtClean="0"/>
+              <a:t>Statistical</a:t>
+            </a:r>
+          </a:p>
+          <a:p>
+            <a:endParaRPr lang="en-US" dirty="0" smtClean="0"/>
+          </a:p>
+          <a:p>
+            <a:endParaRPr lang="en-US" dirty="0"/>
+          </a:p>
+        </p:txBody>
+      </p:sp>
+      <p:sp>
+        <p:nvSpPr>
+          <p:cNvPr id="4" name="Content Placeholder 3"/>
+          <p:cNvSpPr>
+            <a:spLocks noGrp="1"/>
+          </p:cNvSpPr>
+          <p:nvPr>
+            <p:ph sz="half" idx="2"/>
+          </p:nvPr>
+        </p:nvSpPr>
+        <p:spPr/>
+        <p:txBody>
+          <a:bodyPr>
+            <a:normAutofit fontScale="92500" lnSpcReduction="10000"/>
+          </a:bodyPr>
+          <a:lstStyle/>
+          <a:p>
+            <a:r>
+              <a:rPr lang="en-US" dirty="0" smtClean="0"/>
+              <a:t>Examples:</a:t>
+            </a:r>
+          </a:p>
+          <a:p>
+            <a:pPr lvl="1"/>
+            <a:r>
+              <a:rPr lang="en-US" dirty="0" smtClean="0"/>
+              <a:t>Friendship (node </a:t>
+            </a:r>
+            <a:r>
+              <a:rPr lang="en-US" i="1" dirty="0" err="1" smtClean="0">
+                <a:latin typeface="Times New Roman"/>
+                <a:cs typeface="Times New Roman"/>
+              </a:rPr>
+              <a:t>i</a:t>
+            </a:r>
+            <a:r>
+              <a:rPr lang="en-US" dirty="0" smtClean="0"/>
+              <a:t> likes </a:t>
+            </a:r>
+            <a:r>
+              <a:rPr lang="en-US" i="1" dirty="0" smtClean="0">
+                <a:latin typeface="Times New Roman"/>
+                <a:cs typeface="Times New Roman"/>
+              </a:rPr>
+              <a:t>j</a:t>
+            </a:r>
+            <a:r>
+              <a:rPr lang="en-US" dirty="0" smtClean="0"/>
+              <a:t>)</a:t>
+            </a:r>
+          </a:p>
+          <a:p>
+            <a:pPr lvl="1"/>
+            <a:r>
+              <a:rPr lang="en-US" dirty="0" smtClean="0"/>
+              <a:t>Sexual contact (nodes </a:t>
+            </a:r>
+            <a:r>
+              <a:rPr lang="en-US" i="1" dirty="0" err="1" smtClean="0">
+                <a:latin typeface="Times New Roman"/>
+                <a:cs typeface="Times New Roman"/>
+              </a:rPr>
+              <a:t>i</a:t>
+            </a:r>
+            <a:r>
+              <a:rPr lang="en-US" dirty="0" smtClean="0"/>
+              <a:t> and </a:t>
+            </a:r>
+            <a:r>
+              <a:rPr lang="en-US" i="1" dirty="0" smtClean="0">
+                <a:latin typeface="Times New Roman"/>
+                <a:cs typeface="Times New Roman"/>
+              </a:rPr>
+              <a:t>j</a:t>
+            </a:r>
+            <a:r>
+              <a:rPr lang="en-US" dirty="0" smtClean="0"/>
+              <a:t> have a relationship) </a:t>
+            </a:r>
+          </a:p>
+          <a:p>
+            <a:pPr lvl="1"/>
+            <a:r>
+              <a:rPr lang="en-US" dirty="0" smtClean="0"/>
+              <a:t>Affiliation (node </a:t>
+            </a:r>
+            <a:r>
+              <a:rPr lang="en-US" i="1" dirty="0" err="1" smtClean="0">
+                <a:latin typeface="Times New Roman"/>
+                <a:cs typeface="Times New Roman"/>
+              </a:rPr>
+              <a:t>i</a:t>
+            </a:r>
+            <a:r>
+              <a:rPr lang="en-US" dirty="0" smtClean="0"/>
+              <a:t> is a member of club </a:t>
+            </a:r>
+            <a:r>
+              <a:rPr lang="en-US" i="1" dirty="0" smtClean="0">
+                <a:latin typeface="Times New Roman"/>
+                <a:cs typeface="Times New Roman"/>
+              </a:rPr>
+              <a:t>a</a:t>
+            </a:r>
+            <a:r>
+              <a:rPr lang="en-US" dirty="0" smtClean="0"/>
+              <a:t>)</a:t>
+            </a:r>
+          </a:p>
+          <a:p>
+            <a:pPr lvl="1"/>
+            <a:r>
+              <a:rPr lang="en-US" dirty="0" smtClean="0"/>
+              <a:t>Social role (</a:t>
+            </a:r>
+            <a:r>
+              <a:rPr lang="en-US" i="1" dirty="0" err="1" smtClean="0">
+                <a:latin typeface="Times New Roman"/>
+                <a:cs typeface="Times New Roman"/>
+              </a:rPr>
+              <a:t>i</a:t>
+            </a:r>
+            <a:r>
+              <a:rPr lang="en-US" dirty="0" smtClean="0"/>
+              <a:t> gives advice to </a:t>
+            </a:r>
+            <a:r>
+              <a:rPr lang="en-US" i="1" dirty="0" smtClean="0">
+                <a:latin typeface="Times New Roman"/>
+                <a:cs typeface="Times New Roman"/>
+              </a:rPr>
+              <a:t>j</a:t>
+            </a:r>
+            <a:r>
+              <a:rPr lang="en-US" dirty="0" smtClean="0"/>
+              <a:t>)</a:t>
+            </a:r>
+            <a:endParaRPr lang="en-US" dirty="0"/>
+          </a:p>
+        </p:txBody>
+      </p:sp>
+    </p:spTree>
+    <p:extLst>
+      <p:ext uri="{BB962C8B-B14F-4D97-AF65-F5344CB8AC3E}">
+        <p14:creationId xmlns:p14="http://schemas.microsoft.com/office/powerpoint/2010/main" val="3056376447"/>
+      </p:ext>
+    </p:extLst>
+  </p:cSld>
+  <p:clrMapOvr>
+    <a:masterClrMapping/>
+  </p:clrMapOvr>
+</p:sld>
+</file>
+
+<file path=ppt/slides/slide7.xml><?xml version="1.0" encoding="utf-8"?>
+<p:sld xmlns:a="http://schemas.openxmlformats.org/drawingml/2006/main" xmlns:r="http://schemas.openxmlformats.org/officeDocument/2006/relationships" xmlns:p="http://schemas.openxmlformats.org/presentationml/2006/main">
+  <p:cSld>
+    <p:spTree>
+      <p:nvGrpSpPr>
+        <p:cNvPr id="1" name=""/>
+        <p:cNvGrpSpPr/>
+        <p:nvPr/>
+      </p:nvGrpSpPr>
+      <p:grpSpPr>
+        <a:xfrm>
+          <a:off x="0" y="0"/>
+          <a:ext cx="0" cy="0"/>
+          <a:chOff x="0" y="0"/>
+          <a:chExt cx="0" cy="0"/>
+        </a:xfrm>
+      </p:grpSpPr>
+      <p:sp>
+        <p:nvSpPr>
+          <p:cNvPr id="2" name="Title 1"/>
+          <p:cNvSpPr>
+            <a:spLocks noGrp="1"/>
+          </p:cNvSpPr>
+          <p:nvPr>
+            <p:ph type="title"/>
+          </p:nvPr>
+        </p:nvSpPr>
+        <p:spPr/>
+        <p:txBody>
+          <a:bodyPr/>
+          <a:lstStyle/>
+          <a:p>
+            <a:r>
+              <a:rPr lang="en-US" dirty="0" smtClean="0"/>
               <a:t>Data</a:t>
             </a:r>
             <a:endParaRPr lang="en-US" dirty="0"/>
@@ -6321,6 +7176,19 @@
         <p:txBody>
           <a:bodyPr/>
           <a:lstStyle/>
+          <a:p>
+            <a:r>
+              <a:rPr lang="en-US" dirty="0" smtClean="0"/>
+              <a:t>Data collection</a:t>
+            </a:r>
+          </a:p>
+          <a:p>
+            <a:pPr lvl="1"/>
+            <a:r>
+              <a:rPr lang="en-US" dirty="0" smtClean="0"/>
+              <a:t>Sampling designs</a:t>
+            </a:r>
+          </a:p>
           <a:p>
             <a:r>
               <a:rPr lang="en-US" dirty="0" smtClean="0"/>
@@ -6342,18 +7210,32 @@
           <a:p>
             <a:r>
               <a:rPr lang="en-US" dirty="0" smtClean="0"/>
-              <a:t>Network data as a graph</a:t>
+              <a:t>Data presentation</a:t>
             </a:r>
           </a:p>
           <a:p>
             <a:pPr lvl="1"/>
             <a:r>
               <a:rPr lang="en-US" dirty="0" smtClean="0"/>
-              <a:t>Graph notation </a:t>
+              <a:t>Numeric (matrices)</a:t>
             </a:r>
           </a:p>
           <a:p>
             <a:pPr lvl="1"/>
+            <a:r>
+              <a:rPr lang="en-US" dirty="0" smtClean="0"/>
+              <a:t>Pictorial (graphs)</a:t>
+            </a:r>
+          </a:p>
+          <a:p>
+            <a:pPr lvl="2"/>
+            <a:r>
+              <a:rPr lang="en-US" dirty="0" smtClean="0"/>
+              <a:t>Graph notation</a:t>
+            </a:r>
+          </a:p>
+          <a:p>
+            <a:pPr lvl="2"/>
             <a:r>
               <a:rPr lang="en-US" dirty="0" smtClean="0"/>
               <a:t>Graph terminology</a:t>
@@ -6425,22 +7307,28 @@
       </p:pic>
       <p:pic>
         <p:nvPicPr>
-          <p:cNvPr id="10" name="Picture 9"/>
+          <p:cNvPr id="4" name="Picture 3" descr="snet_plot.png"/>
           <p:cNvPicPr>
             <a:picLocks noChangeAspect="1"/>
           </p:cNvPicPr>
           <p:nvPr/>
         </p:nvPicPr>
         <p:blipFill>
-          <a:blip r:embed="rId4"/>
+          <a:blip r:embed="rId4">
+            <a:extLst>
+              <a:ext uri="{28A0092B-C50C-407E-A947-70E740481C1C}">
+                <a14:useLocalDpi xmlns:a14="http://schemas.microsoft.com/office/drawing/2010/main" val="0"/>
+              </a:ext>
+            </a:extLst>
+          </a:blip>
           <a:stretch>
             <a:fillRect/>
           </a:stretch>
         </p:blipFill>
         <p:spPr>
           <a:xfrm>
-            <a:off x="6639066" y="3903530"/>
-            <a:ext cx="2593238" cy="2410560"/>
+            <a:off x="6260284" y="3872216"/>
+            <a:ext cx="2581275" cy="2400300"/>
           </a:xfrm>
           <a:prstGeom prst="rect">
             <a:avLst/>
@@ -6460,7 +7348,7 @@
 </p:sld>
 </file>
 
-<file path=ppt/slides/slide7.xml><?xml version="1.0" encoding="utf-8"?>
+<file path=ppt/slides/slide8.xml><?xml version="1.0" encoding="utf-8"?>
 <p:sld xmlns:a="http://schemas.openxmlformats.org/drawingml/2006/main" xmlns:r="http://schemas.openxmlformats.org/officeDocument/2006/relationships" xmlns:p="http://schemas.openxmlformats.org/presentationml/2006/main">
   <p:cSld>
     <p:spTree>
@@ -6550,7 +7438,87 @@
           <a:p>
             <a:r>
               <a:rPr lang="en-US" dirty="0" smtClean="0"/>
-              <a:t>Uploading to statnetWeb</a:t>
+              <a:t>Uploading to </a:t>
+            </a:r>
+            <a:r>
+              <a:rPr lang="en-US" dirty="0" err="1" smtClean="0"/>
+              <a:t>statnetWeb</a:t>
+            </a:r>
+            <a:endParaRPr lang="en-US" dirty="0" smtClean="0"/>
+          </a:p>
+          <a:p>
+            <a:pPr lvl="1"/>
+            <a:r>
+              <a:rPr lang="en-US" dirty="0" smtClean="0"/>
+              <a:t>Matrices (.</a:t>
+            </a:r>
+            <a:r>
+              <a:rPr lang="en-US" dirty="0" err="1" smtClean="0"/>
+              <a:t>csv</a:t>
+            </a:r>
+            <a:r>
+              <a:rPr lang="en-US" dirty="0" smtClean="0"/>
+              <a:t> or R-object)</a:t>
+            </a:r>
+          </a:p>
+          <a:p>
+            <a:pPr lvl="2"/>
+            <a:r>
+              <a:rPr lang="en-US" dirty="0" smtClean="0"/>
+              <a:t>Adjacency matrices should have node labels in the first row and column of .</a:t>
+            </a:r>
+            <a:r>
+              <a:rPr lang="en-US" dirty="0" err="1" smtClean="0"/>
+              <a:t>csv</a:t>
+            </a:r>
+            <a:r>
+              <a:rPr lang="en-US" dirty="0" smtClean="0"/>
+              <a:t> files</a:t>
+            </a:r>
+          </a:p>
+          <a:p>
+            <a:pPr lvl="2"/>
+            <a:r>
+              <a:rPr lang="en-US" dirty="0" smtClean="0"/>
+              <a:t>Incidence matrices should have edge labels in the first row and node labels in the first column of .</a:t>
+            </a:r>
+            <a:r>
+              <a:rPr lang="en-US" dirty="0" err="1" smtClean="0"/>
+              <a:t>csv</a:t>
+            </a:r>
+            <a:r>
+              <a:rPr lang="en-US" dirty="0" smtClean="0"/>
+              <a:t> files</a:t>
+            </a:r>
+          </a:p>
+          <a:p>
+            <a:pPr lvl="2"/>
+            <a:r>
+              <a:rPr lang="en-US" dirty="0" smtClean="0"/>
+              <a:t>Edge lists should </a:t>
+            </a:r>
+            <a:r>
+              <a:rPr lang="en-US" i="1" dirty="0" smtClean="0"/>
+              <a:t>not</a:t>
+            </a:r>
+            <a:r>
+              <a:rPr lang="en-US" dirty="0" smtClean="0"/>
+              <a:t> have row or column labels in .</a:t>
+            </a:r>
+            <a:r>
+              <a:rPr lang="en-US" dirty="0" err="1" smtClean="0"/>
+              <a:t>csv</a:t>
+            </a:r>
+            <a:r>
+              <a:rPr lang="en-US" dirty="0" smtClean="0"/>
+              <a:t> files</a:t>
+            </a:r>
+          </a:p>
+          <a:p>
+            <a:pPr lvl="1"/>
+            <a:r>
+              <a:rPr lang="en-US" dirty="0" smtClean="0"/>
+              <a:t>Built-in datasets</a:t>
             </a:r>
           </a:p>
           <a:p>
@@ -6570,9 +7538,17 @@
               <a:rPr lang="en-US" dirty="0" err="1" smtClean="0"/>
               <a:t>Pajek</a:t>
             </a:r>
-            <a:r>
-              <a:rPr lang="en-US" dirty="0" smtClean="0"/>
-              <a:t> network (</a:t>
+            <a:endParaRPr lang="en-US" dirty="0" smtClean="0"/>
+          </a:p>
+          <a:p>
+            <a:pPr lvl="2"/>
+            <a:r>
+              <a:rPr lang="en-US" dirty="0"/>
+              <a:t>N</a:t>
+            </a:r>
+            <a:r>
+              <a:rPr lang="en-US" dirty="0" smtClean="0"/>
+              <a:t>etwork (</a:t>
             </a:r>
             <a:r>
               <a:rPr lang="en-US" dirty="0" err="1" smtClean="0"/>
@@ -6584,14 +7560,14 @@
             </a:r>
           </a:p>
           <a:p>
-            <a:pPr lvl="1"/>
-            <a:r>
-              <a:rPr lang="en-US" dirty="0" err="1" smtClean="0"/>
-              <a:t>Pajek</a:t>
-            </a:r>
-            <a:r>
-              <a:rPr lang="en-US" dirty="0" smtClean="0"/>
-              <a:t> project (.</a:t>
+            <a:pPr lvl="2"/>
+            <a:r>
+              <a:rPr lang="en-US" dirty="0"/>
+              <a:t>P</a:t>
+            </a:r>
+            <a:r>
+              <a:rPr lang="en-US" dirty="0" smtClean="0"/>
+              <a:t>roject (.</a:t>
             </a:r>
             <a:r>
               <a:rPr lang="en-US" dirty="0" err="1" smtClean="0"/>
@@ -6600,42 +7576,6 @@
             <a:r>
               <a:rPr lang="en-US" dirty="0" smtClean="0"/>
               <a:t>)</a:t>
-            </a:r>
-          </a:p>
-          <a:p>
-            <a:pPr lvl="1"/>
-            <a:r>
-              <a:rPr lang="en-US" dirty="0" smtClean="0"/>
-              <a:t>Matrices (.csv or R-object)</a:t>
-            </a:r>
-          </a:p>
-          <a:p>
-            <a:pPr lvl="2"/>
-            <a:r>
-              <a:rPr lang="en-US" dirty="0" smtClean="0"/>
-              <a:t> Adjacency matrices should have node labels in the first row and column of .csv files</a:t>
-            </a:r>
-          </a:p>
-          <a:p>
-            <a:pPr lvl="2"/>
-            <a:r>
-              <a:rPr lang="en-US" dirty="0" smtClean="0"/>
-              <a:t>Incidence matrices should have edge labels in the first row and node labels in the first column of .csv files</a:t>
-            </a:r>
-          </a:p>
-          <a:p>
-            <a:pPr lvl="2"/>
-            <a:r>
-              <a:rPr lang="en-US" dirty="0" smtClean="0"/>
-              <a:t>Edge lists should </a:t>
-            </a:r>
-            <a:r>
-              <a:rPr lang="en-US" i="1" dirty="0" smtClean="0"/>
-              <a:t>not</a:t>
-            </a:r>
-            <a:r>
-              <a:rPr lang="en-US" dirty="0" smtClean="0"/>
-              <a:t> have row or column labels in .csv files</a:t>
             </a:r>
           </a:p>
           <a:p>
@@ -6675,7 +7615,7 @@
                   </a:schemeClr>
                 </a:solidFill>
               </a:rPr>
-              <a:t>For most of the workshop we will be using the pre-loaded sample networks to standardize our results </a:t>
+              <a:t>For most of the workshop we will be using the built-in networks to standardize our results </a:t>
             </a:r>
             <a:endParaRPr lang="en-US" dirty="0">
               <a:solidFill>
@@ -6731,350 +7671,6 @@
 </p:sld>
 </file>
 
-<file path=ppt/slides/slide8.xml><?xml version="1.0" encoding="utf-8"?>
-<p:sld xmlns:a="http://schemas.openxmlformats.org/drawingml/2006/main" xmlns:r="http://schemas.openxmlformats.org/officeDocument/2006/relationships" xmlns:p="http://schemas.openxmlformats.org/presentationml/2006/main">
-  <p:cSld>
-    <p:spTree>
-      <p:nvGrpSpPr>
-        <p:cNvPr id="1" name=""/>
-        <p:cNvGrpSpPr/>
-        <p:nvPr/>
-      </p:nvGrpSpPr>
-      <p:grpSpPr>
-        <a:xfrm>
-          <a:off x="0" y="0"/>
-          <a:ext cx="0" cy="0"/>
-          <a:chOff x="0" y="0"/>
-          <a:chExt cx="0" cy="0"/>
-        </a:xfrm>
-      </p:grpSpPr>
-      <p:sp>
-        <p:nvSpPr>
-          <p:cNvPr id="2" name="Title 1"/>
-          <p:cNvSpPr>
-            <a:spLocks noGrp="1"/>
-          </p:cNvSpPr>
-          <p:nvPr>
-            <p:ph type="title"/>
-          </p:nvPr>
-        </p:nvSpPr>
-        <p:spPr>
-          <a:xfrm>
-            <a:off x="1097280" y="286604"/>
-            <a:ext cx="10058400" cy="890850"/>
-          </a:xfrm>
-        </p:spPr>
-        <p:txBody>
-          <a:bodyPr/>
-          <a:lstStyle/>
-          <a:p>
-            <a:r>
-              <a:rPr lang="en-US" dirty="0" smtClean="0"/>
-              <a:t>Network Descriptives</a:t>
-            </a:r>
-            <a:endParaRPr lang="en-US" dirty="0"/>
-          </a:p>
-        </p:txBody>
-      </p:sp>
-      <p:sp>
-        <p:nvSpPr>
-          <p:cNvPr id="3" name="Content Placeholder 2"/>
-          <p:cNvSpPr>
-            <a:spLocks noGrp="1"/>
-          </p:cNvSpPr>
-          <p:nvPr>
-            <p:ph sz="half" idx="1"/>
-          </p:nvPr>
-        </p:nvSpPr>
-        <p:spPr/>
-        <p:txBody>
-          <a:bodyPr>
-            <a:normAutofit/>
-          </a:bodyPr>
-          <a:lstStyle/>
-          <a:p>
-            <a:r>
-              <a:rPr lang="en-US" dirty="0" smtClean="0"/>
-              <a:t>With some initial insight </a:t>
-            </a:r>
-            <a:r>
-              <a:rPr lang="en-US" dirty="0"/>
-              <a:t>into </a:t>
-            </a:r>
-            <a:r>
-              <a:rPr lang="en-US" dirty="0" smtClean="0"/>
-              <a:t>structure of the observed network, </a:t>
-            </a:r>
-            <a:r>
-              <a:rPr lang="en-US" smtClean="0"/>
-              <a:t>we get</a:t>
-            </a:r>
-            <a:endParaRPr lang="en-US" dirty="0"/>
-          </a:p>
-          <a:p>
-            <a:pPr lvl="1"/>
-            <a:r>
-              <a:rPr lang="en-US" dirty="0" smtClean="0"/>
-              <a:t>Better model formulations</a:t>
-            </a:r>
-          </a:p>
-          <a:p>
-            <a:pPr lvl="1"/>
-            <a:r>
-              <a:rPr lang="en-US" dirty="0" smtClean="0"/>
-              <a:t>Better interpretation of results</a:t>
-            </a:r>
-          </a:p>
-          <a:p>
-            <a:r>
-              <a:rPr lang="en-US" dirty="0" smtClean="0"/>
-              <a:t>Network plot</a:t>
-            </a:r>
-          </a:p>
-          <a:p>
-            <a:pPr lvl="1"/>
-            <a:r>
-              <a:rPr lang="en-US" dirty="0" smtClean="0"/>
-              <a:t>Color code nodes by attributes</a:t>
-            </a:r>
-          </a:p>
-          <a:p>
-            <a:pPr lvl="1"/>
-            <a:r>
-              <a:rPr lang="en-US" dirty="0" smtClean="0"/>
-              <a:t>Size by numeric attributes or </a:t>
-            </a:r>
-            <a:r>
-              <a:rPr lang="en-US" dirty="0" err="1" smtClean="0"/>
-              <a:t>betweenness</a:t>
-            </a:r>
-            <a:endParaRPr lang="en-US" dirty="0" smtClean="0"/>
-          </a:p>
-          <a:p>
-            <a:pPr lvl="2"/>
-            <a:r>
-              <a:rPr lang="en-US" dirty="0" smtClean="0"/>
-              <a:t>Note: if larger nodes obscure small ones you can edit the opacity to ensure that all nodes are visible</a:t>
-            </a:r>
-          </a:p>
-        </p:txBody>
-      </p:sp>
-      <p:sp>
-        <p:nvSpPr>
-          <p:cNvPr id="4" name="Content Placeholder 3"/>
-          <p:cNvSpPr>
-            <a:spLocks noGrp="1"/>
-          </p:cNvSpPr>
-          <p:nvPr>
-            <p:ph sz="half" idx="2"/>
-          </p:nvPr>
-        </p:nvSpPr>
-        <p:spPr/>
-        <p:txBody>
-          <a:bodyPr>
-            <a:normAutofit/>
-          </a:bodyPr>
-          <a:lstStyle/>
-          <a:p>
-            <a:r>
-              <a:rPr lang="en-US" dirty="0" smtClean="0">
-                <a:solidFill>
-                  <a:srgbClr val="0070C0"/>
-                </a:solidFill>
-              </a:rPr>
-              <a:t>Interactive: </a:t>
-            </a:r>
-            <a:r>
-              <a:rPr lang="en-US" dirty="0"/>
-              <a:t>L</a:t>
-            </a:r>
-            <a:r>
-              <a:rPr lang="en-US" dirty="0" smtClean="0"/>
-              <a:t>oad the </a:t>
-            </a:r>
-            <a:r>
-              <a:rPr lang="en-US" dirty="0" err="1" smtClean="0"/>
-              <a:t>faux.mesa.high</a:t>
-            </a:r>
-            <a:r>
-              <a:rPr lang="en-US" dirty="0" smtClean="0"/>
-              <a:t> data and examine the network plot.</a:t>
-            </a:r>
-          </a:p>
-          <a:p>
-            <a:pPr lvl="1"/>
-            <a:endParaRPr lang="en-US" dirty="0" smtClean="0"/>
-          </a:p>
-          <a:p>
-            <a:pPr lvl="1"/>
-            <a:endParaRPr lang="en-US" dirty="0" smtClean="0"/>
-          </a:p>
-          <a:p>
-            <a:pPr lvl="1"/>
-            <a:endParaRPr lang="en-US" dirty="0" smtClean="0"/>
-          </a:p>
-          <a:p>
-            <a:pPr lvl="1"/>
-            <a:endParaRPr lang="en-US" dirty="0"/>
-          </a:p>
-          <a:p>
-            <a:pPr lvl="1"/>
-            <a:endParaRPr lang="en-US" dirty="0"/>
-          </a:p>
-          <a:p>
-            <a:pPr lvl="1"/>
-            <a:r>
-              <a:rPr lang="en-US" dirty="0" smtClean="0"/>
-              <a:t>Play </a:t>
-            </a:r>
-            <a:r>
-              <a:rPr lang="en-US" dirty="0" smtClean="0"/>
-              <a:t>around with color-coding the nodes</a:t>
-            </a:r>
-          </a:p>
-          <a:p>
-            <a:pPr lvl="1"/>
-            <a:r>
-              <a:rPr lang="en-US" dirty="0" smtClean="0"/>
-              <a:t>What do you notice after color-coding the nodes based on grade?</a:t>
-            </a:r>
-          </a:p>
-          <a:p>
-            <a:pPr lvl="1"/>
-            <a:r>
-              <a:rPr lang="en-US" dirty="0" smtClean="0"/>
-              <a:t>Now edit the size of the nodes based on </a:t>
-            </a:r>
-            <a:r>
-              <a:rPr lang="en-US" dirty="0" err="1" smtClean="0"/>
-              <a:t>betweenness</a:t>
-            </a:r>
-            <a:r>
-              <a:rPr lang="en-US" dirty="0" smtClean="0"/>
-              <a:t>.</a:t>
-            </a:r>
-            <a:endParaRPr lang="en-US" dirty="0" smtClean="0"/>
-          </a:p>
-          <a:p>
-            <a:r>
-              <a:rPr lang="en-US" dirty="0" smtClean="0"/>
-              <a:t>What have we already learned about the social structure of this school?</a:t>
-            </a:r>
-          </a:p>
-          <a:p>
-            <a:endParaRPr lang="en-US" dirty="0" smtClean="0"/>
-          </a:p>
-        </p:txBody>
-      </p:sp>
-      <p:pic>
-        <p:nvPicPr>
-          <p:cNvPr id="5" name="Picture 4" descr="sw_nwplot.png"/>
-          <p:cNvPicPr>
-            <a:picLocks noChangeAspect="1"/>
-          </p:cNvPicPr>
-          <p:nvPr/>
-        </p:nvPicPr>
-        <p:blipFill>
-          <a:blip r:embed="rId2">
-            <a:extLst>
-              <a:ext uri="{28A0092B-C50C-407E-A947-70E740481C1C}">
-                <a14:useLocalDpi xmlns:a14="http://schemas.microsoft.com/office/drawing/2010/main" val="0"/>
-              </a:ext>
-            </a:extLst>
-          </a:blip>
-          <a:stretch>
-            <a:fillRect/>
-          </a:stretch>
-        </p:blipFill>
-        <p:spPr>
-          <a:xfrm>
-            <a:off x="7064183" y="1993667"/>
-            <a:ext cx="2997978" cy="1525832"/>
-          </a:xfrm>
-          <a:prstGeom prst="rect">
-            <a:avLst/>
-          </a:prstGeom>
-        </p:spPr>
-      </p:pic>
-      <p:cxnSp>
-        <p:nvCxnSpPr>
-          <p:cNvPr id="7" name="Straight Arrow Connector 6"/>
-          <p:cNvCxnSpPr/>
-          <p:nvPr/>
-        </p:nvCxnSpPr>
-        <p:spPr>
-          <a:xfrm flipH="1">
-            <a:off x="9868691" y="2884097"/>
-            <a:ext cx="648211" cy="79379"/>
-          </a:xfrm>
-          <a:prstGeom prst="straightConnector1">
-            <a:avLst/>
-          </a:prstGeom>
-          <a:ln>
-            <a:tailEnd type="arrow"/>
-          </a:ln>
-        </p:spPr>
-        <p:style>
-          <a:lnRef idx="2">
-            <a:schemeClr val="accent1"/>
-          </a:lnRef>
-          <a:fillRef idx="0">
-            <a:schemeClr val="accent1"/>
-          </a:fillRef>
-          <a:effectRef idx="1">
-            <a:schemeClr val="accent1"/>
-          </a:effectRef>
-          <a:fontRef idx="minor">
-            <a:schemeClr val="tx1"/>
-          </a:fontRef>
-        </p:style>
-      </p:cxnSp>
-      <p:cxnSp>
-        <p:nvCxnSpPr>
-          <p:cNvPr id="9" name="Straight Arrow Connector 8"/>
-          <p:cNvCxnSpPr/>
-          <p:nvPr/>
-        </p:nvCxnSpPr>
-        <p:spPr>
-          <a:xfrm flipH="1" flipV="1">
-            <a:off x="9868691" y="3188383"/>
-            <a:ext cx="542381" cy="52919"/>
-          </a:xfrm>
-          <a:prstGeom prst="straightConnector1">
-            <a:avLst/>
-          </a:prstGeom>
-          <a:ln>
-            <a:tailEnd type="arrow"/>
-          </a:ln>
-        </p:spPr>
-        <p:style>
-          <a:lnRef idx="2">
-            <a:schemeClr val="accent1"/>
-          </a:lnRef>
-          <a:fillRef idx="0">
-            <a:schemeClr val="accent1"/>
-          </a:fillRef>
-          <a:effectRef idx="1">
-            <a:schemeClr val="accent1"/>
-          </a:effectRef>
-          <a:fontRef idx="minor">
-            <a:schemeClr val="tx1"/>
-          </a:fontRef>
-        </p:style>
-      </p:cxnSp>
-    </p:spTree>
-    <p:extLst>
-      <p:ext uri="{BB962C8B-B14F-4D97-AF65-F5344CB8AC3E}">
-        <p14:creationId xmlns:p14="http://schemas.microsoft.com/office/powerpoint/2010/main" val="4243777039"/>
-      </p:ext>
-    </p:extLst>
-  </p:cSld>
-  <p:clrMapOvr>
-    <a:masterClrMapping/>
-  </p:clrMapOvr>
-</p:sld>
-</file>
-
 <file path=ppt/slides/slide9.xml><?xml version="1.0" encoding="utf-8"?>
 <p:sld xmlns:a="http://schemas.openxmlformats.org/drawingml/2006/main" xmlns:r="http://schemas.openxmlformats.org/officeDocument/2006/relationships" xmlns:p="http://schemas.openxmlformats.org/presentationml/2006/main">
   <p:cSld>
@@ -7102,87 +7698,90 @@
             <p:ph type="title"/>
           </p:nvPr>
         </p:nvSpPr>
+        <p:spPr>
+          <a:xfrm>
+            <a:off x="1097280" y="286604"/>
+            <a:ext cx="10058400" cy="890850"/>
+          </a:xfrm>
+        </p:spPr>
+        <p:txBody>
+          <a:bodyPr/>
+          <a:lstStyle/>
+          <a:p>
+            <a:r>
+              <a:rPr lang="en-US" dirty="0" smtClean="0"/>
+              <a:t>Data</a:t>
+            </a:r>
+            <a:endParaRPr lang="en-US" dirty="0"/>
+          </a:p>
+        </p:txBody>
+      </p:sp>
+      <p:sp>
+        <p:nvSpPr>
+          <p:cNvPr id="3" name="Content Placeholder 2"/>
+          <p:cNvSpPr>
+            <a:spLocks noGrp="1"/>
+          </p:cNvSpPr>
+          <p:nvPr>
+            <p:ph sz="half" idx="1"/>
+          </p:nvPr>
+        </p:nvSpPr>
         <p:spPr/>
         <p:txBody>
+          <a:bodyPr>
+            <a:normAutofit/>
+          </a:bodyPr>
+          <a:lstStyle/>
+          <a:p>
+            <a:r>
+              <a:rPr lang="en-US" dirty="0" smtClean="0"/>
+              <a:t>Editing data</a:t>
+            </a:r>
+          </a:p>
+        </p:txBody>
+      </p:sp>
+      <p:sp>
+        <p:nvSpPr>
+          <p:cNvPr id="10" name="Content Placeholder 9"/>
+          <p:cNvSpPr>
+            <a:spLocks noGrp="1"/>
+          </p:cNvSpPr>
+          <p:nvPr>
+            <p:ph sz="half" idx="2"/>
+          </p:nvPr>
+        </p:nvSpPr>
+        <p:spPr/>
+        <p:txBody>
           <a:bodyPr/>
           <a:lstStyle/>
           <a:p>
             <a:r>
-              <a:rPr lang="en-US" dirty="0" smtClean="0"/>
-              <a:t>Network Descriptives</a:t>
-            </a:r>
-            <a:endParaRPr lang="en-US" dirty="0"/>
-          </a:p>
-        </p:txBody>
-      </p:sp>
-      <p:sp>
-        <p:nvSpPr>
-          <p:cNvPr id="3" name="Content Placeholder 2"/>
-          <p:cNvSpPr>
-            <a:spLocks noGrp="1"/>
-          </p:cNvSpPr>
-          <p:nvPr>
-            <p:ph sz="half" idx="1"/>
-          </p:nvPr>
-        </p:nvSpPr>
-        <p:spPr/>
-        <p:txBody>
-          <a:bodyPr/>
-          <a:lstStyle/>
-          <a:p>
-            <a:r>
-              <a:rPr lang="en-US" dirty="0"/>
-              <a:t>Degree Distribution</a:t>
+              <a:rPr lang="en-US" dirty="0" err="1" smtClean="0"/>
+              <a:t>Nw</a:t>
+            </a:r>
+            <a:r>
+              <a:rPr lang="en-US" dirty="0" smtClean="0"/>
+              <a:t> summary</a:t>
             </a:r>
           </a:p>
           <a:p>
             <a:pPr lvl="1"/>
             <a:r>
-              <a:rPr lang="en-US" dirty="0"/>
-              <a:t>How are degrees distributed?</a:t>
-            </a:r>
-          </a:p>
-          <a:p>
-            <a:r>
-              <a:rPr lang="en-US" dirty="0"/>
-              <a:t>Geodesic Distribution</a:t>
-            </a:r>
-          </a:p>
-          <a:p>
-            <a:pPr lvl="1"/>
-            <a:r>
-              <a:rPr lang="en-US" dirty="0"/>
-              <a:t>How “connected” is the network?</a:t>
-            </a:r>
-          </a:p>
-          <a:p>
-            <a:endParaRPr lang="en-US" dirty="0"/>
-          </a:p>
-        </p:txBody>
-      </p:sp>
-      <p:sp>
-        <p:nvSpPr>
-          <p:cNvPr id="4" name="Content Placeholder 3"/>
-          <p:cNvSpPr>
-            <a:spLocks noGrp="1"/>
-          </p:cNvSpPr>
-          <p:nvPr>
-            <p:ph sz="half" idx="2"/>
-          </p:nvPr>
-        </p:nvSpPr>
-        <p:spPr/>
-        <p:txBody>
-          <a:bodyPr/>
-          <a:lstStyle/>
-          <a:p>
-            <a:endParaRPr lang="en-US"/>
+              <a:rPr lang="en-US" dirty="0" smtClean="0"/>
+              <a:t>Can go back to this on almost every page of </a:t>
+            </a:r>
+            <a:r>
+              <a:rPr lang="en-US" dirty="0" err="1" smtClean="0"/>
+              <a:t>sW</a:t>
+            </a:r>
+            <a:endParaRPr lang="en-US" dirty="0"/>
           </a:p>
         </p:txBody>
       </p:sp>
     </p:spTree>
     <p:extLst>
       <p:ext uri="{BB962C8B-B14F-4D97-AF65-F5344CB8AC3E}">
-        <p14:creationId xmlns:p14="http://schemas.microsoft.com/office/powerpoint/2010/main" val="3708573406"/>
+        <p14:creationId xmlns:p14="http://schemas.microsoft.com/office/powerpoint/2010/main" val="4243777039"/>
       </p:ext>
     </p:extLst>
   </p:cSld>
@@ -7469,7 +8068,7 @@
   <a:extraClrSchemeLst/>
   <a:extLst>
     <a:ext uri="{05A4C25C-085E-4340-85A3-A5531E510DB2}">
-      <thm15:themeFamily xmlns:thm15="http://schemas.microsoft.com/office/thememl/2012/main" xmlns="" name="Retrospect" id="{5F128B03-DCCA-4EEB-AB3B-CF2899314A46}" vid="{02006FA4-1611-4B07-AF7F-85CF6D20EB3E}"/>
+      <thm15:themeFamily xmlns="" xmlns:thm15="http://schemas.microsoft.com/office/thememl/2012/main" name="Retrospect" id="{5F128B03-DCCA-4EEB-AB3B-CF2899314A46}" vid="{02006FA4-1611-4B07-AF7F-85CF6D20EB3E}"/>
     </a:ext>
   </a:extLst>
 </a:theme>

--- a/statnetWeb_slides.pptx
+++ b/statnetWeb_slides.pptx
@@ -9,18 +9,29 @@
     <p:sldId id="257" r:id="rId3"/>
     <p:sldId id="258" r:id="rId4"/>
     <p:sldId id="270" r:id="rId5"/>
-    <p:sldId id="259" r:id="rId6"/>
-    <p:sldId id="260" r:id="rId7"/>
-    <p:sldId id="261" r:id="rId8"/>
-    <p:sldId id="267" r:id="rId9"/>
-    <p:sldId id="262" r:id="rId10"/>
-    <p:sldId id="269" r:id="rId11"/>
-    <p:sldId id="268" r:id="rId12"/>
-    <p:sldId id="271" r:id="rId13"/>
-    <p:sldId id="263" r:id="rId14"/>
-    <p:sldId id="264" r:id="rId15"/>
-    <p:sldId id="265" r:id="rId16"/>
-    <p:sldId id="266" r:id="rId17"/>
+    <p:sldId id="273" r:id="rId6"/>
+    <p:sldId id="272" r:id="rId7"/>
+    <p:sldId id="259" r:id="rId8"/>
+    <p:sldId id="260" r:id="rId9"/>
+    <p:sldId id="261" r:id="rId10"/>
+    <p:sldId id="267" r:id="rId11"/>
+    <p:sldId id="262" r:id="rId12"/>
+    <p:sldId id="269" r:id="rId13"/>
+    <p:sldId id="268" r:id="rId14"/>
+    <p:sldId id="271" r:id="rId15"/>
+    <p:sldId id="263" r:id="rId16"/>
+    <p:sldId id="274" r:id="rId17"/>
+    <p:sldId id="275" r:id="rId18"/>
+    <p:sldId id="277" r:id="rId19"/>
+    <p:sldId id="282" r:id="rId20"/>
+    <p:sldId id="278" r:id="rId21"/>
+    <p:sldId id="279" r:id="rId22"/>
+    <p:sldId id="280" r:id="rId23"/>
+    <p:sldId id="281" r:id="rId24"/>
+    <p:sldId id="276" r:id="rId25"/>
+    <p:sldId id="264" r:id="rId26"/>
+    <p:sldId id="265" r:id="rId27"/>
+    <p:sldId id="266" r:id="rId28"/>
   </p:sldIdLst>
   <p:sldSz cx="12192000" cy="6858000"/>
   <p:notesSz cx="6858000" cy="9144000"/>
@@ -128,6 +139,8 @@
             <p14:sldId id="257"/>
             <p14:sldId id="258"/>
             <p14:sldId id="270"/>
+            <p14:sldId id="273"/>
+            <p14:sldId id="272"/>
             <p14:sldId id="259"/>
             <p14:sldId id="260"/>
             <p14:sldId id="261"/>
@@ -137,12 +150,35 @@
             <p14:sldId id="268"/>
             <p14:sldId id="271"/>
             <p14:sldId id="263"/>
+            <p14:sldId id="274"/>
+            <p14:sldId id="275"/>
+            <p14:sldId id="277"/>
+            <p14:sldId id="282"/>
+            <p14:sldId id="278"/>
+            <p14:sldId id="279"/>
+            <p14:sldId id="280"/>
+            <p14:sldId id="281"/>
+            <p14:sldId id="276"/>
             <p14:sldId id="264"/>
             <p14:sldId id="265"/>
             <p14:sldId id="266"/>
           </p14:sldIdLst>
         </p14:section>
       </p14:sectionLst>
+    </p:ext>
+    <p:ext uri="{EFAFB233-063F-42B5-8137-9DF3F51BA10A}">
+      <p15:sldGuideLst xmlns:p15="http://schemas.microsoft.com/office/powerpoint/2012/main">
+        <p15:guide id="1" orient="horz" pos="2160">
+          <p15:clr>
+            <a:srgbClr val="A4A3A4"/>
+          </p15:clr>
+        </p15:guide>
+        <p15:guide id="2" pos="3840">
+          <p15:clr>
+            <a:srgbClr val="A4A3A4"/>
+          </p15:clr>
+        </p15:guide>
+      </p15:sldGuideLst>
     </p:ext>
   </p:extLst>
 </p:presentation>
@@ -214,10 +250,10 @@
                 <c:formatCode>General</c:formatCode>
                 <c:ptCount val="2"/>
                 <c:pt idx="0">
-                  <c:v>2.0</c:v>
+                  <c:v>2</c:v>
                 </c:pt>
                 <c:pt idx="1">
-                  <c:v>2.0</c:v>
+                  <c:v>2</c:v>
                 </c:pt>
               </c:numCache>
             </c:numRef>
@@ -268,10 +304,10 @@
                 <c:formatCode>General</c:formatCode>
                 <c:ptCount val="2"/>
                 <c:pt idx="0">
-                  <c:v>1.0</c:v>
+                  <c:v>1</c:v>
                 </c:pt>
                 <c:pt idx="1">
-                  <c:v>1.0</c:v>
+                  <c:v>1</c:v>
                 </c:pt>
               </c:numCache>
             </c:numRef>
@@ -322,10 +358,10 @@
                 <c:formatCode>General</c:formatCode>
                 <c:ptCount val="2"/>
                 <c:pt idx="0">
-                  <c:v>1.0</c:v>
+                  <c:v>1</c:v>
                 </c:pt>
                 <c:pt idx="1">
-                  <c:v>2.0</c:v>
+                  <c:v>2</c:v>
                 </c:pt>
               </c:numCache>
             </c:numRef>
@@ -376,10 +412,10 @@
                 <c:formatCode>General</c:formatCode>
                 <c:ptCount val="2"/>
                 <c:pt idx="0">
-                  <c:v>2.0</c:v>
+                  <c:v>2</c:v>
                 </c:pt>
                 <c:pt idx="1">
-                  <c:v>3.0</c:v>
+                  <c:v>3</c:v>
                 </c:pt>
               </c:numCache>
             </c:numRef>
@@ -430,10 +466,10 @@
                 <c:formatCode>General</c:formatCode>
                 <c:ptCount val="2"/>
                 <c:pt idx="0">
-                  <c:v>1.0</c:v>
+                  <c:v>1</c:v>
                 </c:pt>
                 <c:pt idx="1">
-                  <c:v>1.0</c:v>
+                  <c:v>1</c:v>
                 </c:pt>
               </c:numCache>
             </c:numRef>
@@ -484,10 +520,10 @@
                 <c:formatCode>General</c:formatCode>
                 <c:ptCount val="2"/>
                 <c:pt idx="0">
-                  <c:v>2.0</c:v>
+                  <c:v>2</c:v>
                 </c:pt>
                 <c:pt idx="1">
-                  <c:v>2.0</c:v>
+                  <c:v>2</c:v>
                 </c:pt>
               </c:numCache>
             </c:numRef>
@@ -509,8 +545,8 @@
           </c:tx>
           <c:spPr>
             <a:solidFill>
-              <a:schemeClr val="accent1">
-                <a:lumMod val="60000"/>
+              <a:schemeClr val="accent3">
+                <a:lumMod val="75000"/>
               </a:schemeClr>
             </a:solidFill>
             <a:ln>
@@ -540,10 +576,10 @@
                 <c:formatCode>General</c:formatCode>
                 <c:ptCount val="2"/>
                 <c:pt idx="0">
-                  <c:v>1.0</c:v>
+                  <c:v>1</c:v>
                 </c:pt>
                 <c:pt idx="1">
-                  <c:v>3.0</c:v>
+                  <c:v>3</c:v>
                 </c:pt>
               </c:numCache>
             </c:numRef>
@@ -559,11 +595,11 @@
         </c:dLbls>
         <c:gapWidth val="150"/>
         <c:overlap val="100"/>
-        <c:axId val="2123506664"/>
-        <c:axId val="2123510200"/>
+        <c:axId val="303961328"/>
+        <c:axId val="303962112"/>
       </c:barChart>
       <c:catAx>
-        <c:axId val="2123506664"/>
+        <c:axId val="303961328"/>
         <c:scaling>
           <c:orientation val="minMax"/>
         </c:scaling>
@@ -606,7 +642,7 @@
             <a:endParaRPr lang="en-US"/>
           </a:p>
         </c:txPr>
-        <c:crossAx val="2123510200"/>
+        <c:crossAx val="303962112"/>
         <c:crosses val="autoZero"/>
         <c:auto val="1"/>
         <c:lblAlgn val="ctr"/>
@@ -614,7 +650,7 @@
         <c:noMultiLvlLbl val="0"/>
       </c:catAx>
       <c:valAx>
-        <c:axId val="2123510200"/>
+        <c:axId val="303962112"/>
         <c:scaling>
           <c:orientation val="minMax"/>
         </c:scaling>
@@ -665,7 +701,7 @@
             <a:endParaRPr lang="en-US"/>
           </a:p>
         </c:txPr>
-        <c:crossAx val="2123506664"/>
+        <c:crossAx val="303961328"/>
         <c:crosses val="autoZero"/>
         <c:crossBetween val="between"/>
       </c:valAx>
@@ -679,7 +715,16 @@
     </c:plotArea>
     <c:legend>
       <c:legendPos val="b"/>
-      <c:layout/>
+      <c:layout>
+        <c:manualLayout>
+          <c:xMode val="edge"/>
+          <c:yMode val="edge"/>
+          <c:x val="7.7753958232584242E-2"/>
+          <c:y val="0.80568005918586005"/>
+          <c:w val="0.87382790760832352"/>
+          <c:h val="0.17662548642333772"/>
+        </c:manualLayout>
+      </c:layout>
       <c:overlay val="0"/>
       <c:spPr>
         <a:noFill/>
@@ -730,7 +775,7 @@
       <a:endParaRPr lang="en-US"/>
     </a:p>
   </c:txPr>
-  <c:externalData r:id="rId1">
+  <c:externalData r:id="rId3">
     <c:autoUpdate val="0"/>
   </c:externalData>
 </c:chartSpace>
@@ -1523,7 +1568,7 @@
           <a:p>
             <a:fld id="{5A069CB8-F204-4D06-B913-C5A26A89888A}" type="datetimeFigureOut">
               <a:rPr lang="en-US" dirty="0"/>
-              <a:t>4/3/15</a:t>
+              <a:t>4/6/2015</a:t>
             </a:fld>
             <a:endParaRPr lang="en-US" dirty="0"/>
           </a:p>
@@ -1726,7 +1771,7 @@
           <a:p>
             <a:fld id="{50B6E300-0A13-4A81-945A-7333C271A069}" type="datetimeFigureOut">
               <a:rPr lang="en-US" dirty="0"/>
-              <a:t>4/3/15</a:t>
+              <a:t>4/6/2015</a:t>
             </a:fld>
             <a:endParaRPr lang="en-US" dirty="0"/>
           </a:p>
@@ -1977,7 +2022,7 @@
           <a:p>
             <a:fld id="{34671962-1EA4-46E7-BCB0-F36CE46D1A59}" type="datetimeFigureOut">
               <a:rPr lang="en-US" dirty="0"/>
-              <a:t>4/3/15</a:t>
+              <a:t>4/6/2015</a:t>
             </a:fld>
             <a:endParaRPr lang="en-US" dirty="0"/>
           </a:p>
@@ -2142,7 +2187,7 @@
           <a:p>
             <a:fld id="{D30BB376-B19C-488D-ABEB-03C7E6E9E3E0}" type="datetimeFigureOut">
               <a:rPr lang="en-US" dirty="0"/>
-              <a:t>4/3/15</a:t>
+              <a:t>4/6/2015</a:t>
             </a:fld>
             <a:endParaRPr lang="en-US" dirty="0"/>
           </a:p>
@@ -2480,7 +2525,7 @@
           <a:p>
             <a:fld id="{486F077B-A50F-4D64-8574-E2D6A98A5553}" type="datetimeFigureOut">
               <a:rPr lang="en-US" dirty="0"/>
-              <a:t>4/3/15</a:t>
+              <a:t>4/6/2015</a:t>
             </a:fld>
             <a:endParaRPr lang="en-US" dirty="0"/>
           </a:p>
@@ -2750,7 +2795,7 @@
           <a:p>
             <a:fld id="{7D9E2A62-1983-43A1-A163-D8AA46534C80}" type="datetimeFigureOut">
               <a:rPr lang="en-US" dirty="0"/>
-              <a:t>4/3/15</a:t>
+              <a:t>4/6/2015</a:t>
             </a:fld>
             <a:endParaRPr lang="en-US" dirty="0"/>
           </a:p>
@@ -3124,7 +3169,7 @@
           <a:p>
             <a:fld id="{898F3E3B-34E3-4345-B2A1-994B83598A9C}" type="datetimeFigureOut">
               <a:rPr lang="en-US" dirty="0"/>
-              <a:t>4/3/15</a:t>
+              <a:t>4/6/2015</a:t>
             </a:fld>
             <a:endParaRPr lang="en-US" dirty="0"/>
           </a:p>
@@ -3237,7 +3282,7 @@
           <a:p>
             <a:fld id="{FD816C96-82A1-4D77-8ADA-627AC6FE3D65}" type="datetimeFigureOut">
               <a:rPr lang="en-US" dirty="0"/>
-              <a:t>4/3/15</a:t>
+              <a:t>4/6/2015</a:t>
             </a:fld>
             <a:endParaRPr lang="en-US" dirty="0"/>
           </a:p>
@@ -3403,7 +3448,7 @@
           <a:p>
             <a:fld id="{1D102C1E-28F2-47E9-802D-339E64E2F920}" type="datetimeFigureOut">
               <a:rPr lang="en-US" dirty="0"/>
-              <a:t>4/3/15</a:t>
+              <a:t>4/6/2015</a:t>
             </a:fld>
             <a:endParaRPr lang="en-US" dirty="0"/>
           </a:p>
@@ -3753,7 +3798,7 @@
           <a:p>
             <a:fld id="{24271A48-F18A-45B3-BC05-1E27DA3F88AF}" type="datetimeFigureOut">
               <a:rPr lang="en-US" dirty="0"/>
-              <a:t>4/3/15</a:t>
+              <a:t>4/6/2015</a:t>
             </a:fld>
             <a:endParaRPr lang="en-US" dirty="0"/>
           </a:p>
@@ -4126,7 +4171,7 @@
           <a:p>
             <a:fld id="{65B747F8-9654-4282-85D2-65F41AAE7A75}" type="datetimeFigureOut">
               <a:rPr lang="en-US" dirty="0"/>
-              <a:t>4/3/15</a:t>
+              <a:t>4/6/2015</a:t>
             </a:fld>
             <a:endParaRPr lang="en-US" dirty="0"/>
           </a:p>
@@ -4408,7 +4453,7 @@
           <a:p>
             <a:fld id="{5DC5B261-8843-42D1-AAFC-05E20E2D9B97}" type="datetimeFigureOut">
               <a:rPr lang="en-US" dirty="0"/>
-              <a:t>4/3/15</a:t>
+              <a:t>4/6/2015</a:t>
             </a:fld>
             <a:endParaRPr lang="en-US" dirty="0"/>
           </a:p>
@@ -5338,6 +5383,520 @@
           <a:p>
             <a:r>
               <a:rPr lang="en-US" dirty="0" smtClean="0"/>
+              <a:t>Data</a:t>
+            </a:r>
+            <a:endParaRPr lang="en-US" dirty="0"/>
+          </a:p>
+        </p:txBody>
+      </p:sp>
+      <p:sp>
+        <p:nvSpPr>
+          <p:cNvPr id="4" name="Content Placeholder 3"/>
+          <p:cNvSpPr>
+            <a:spLocks noGrp="1"/>
+          </p:cNvSpPr>
+          <p:nvPr>
+            <p:ph sz="half" idx="2"/>
+          </p:nvPr>
+        </p:nvSpPr>
+        <p:spPr/>
+        <p:txBody>
+          <a:bodyPr/>
+          <a:lstStyle/>
+          <a:p>
+            <a:r>
+              <a:rPr lang="en-US" dirty="0">
+                <a:solidFill>
+                  <a:srgbClr val="0070C0"/>
+                </a:solidFill>
+              </a:rPr>
+              <a:t>Interactive: </a:t>
+            </a:r>
+            <a:r>
+              <a:rPr lang="en-US" dirty="0"/>
+              <a:t>open statnetWeb and attempt to upload the dataset that you brought with you</a:t>
+            </a:r>
+          </a:p>
+          <a:p>
+            <a:endParaRPr lang="en-US" dirty="0"/>
+          </a:p>
+        </p:txBody>
+      </p:sp>
+      <p:sp>
+        <p:nvSpPr>
+          <p:cNvPr id="5" name="Content Placeholder 3"/>
+          <p:cNvSpPr>
+            <a:spLocks noGrp="1"/>
+          </p:cNvSpPr>
+          <p:nvPr>
+            <p:ph sz="half" idx="1"/>
+          </p:nvPr>
+        </p:nvSpPr>
+        <p:spPr/>
+        <p:txBody>
+          <a:bodyPr/>
+          <a:lstStyle/>
+          <a:p>
+            <a:r>
+              <a:rPr lang="en-US" dirty="0" smtClean="0"/>
+              <a:t>Uploading to </a:t>
+            </a:r>
+            <a:r>
+              <a:rPr lang="en-US" dirty="0" err="1" smtClean="0"/>
+              <a:t>statnetWeb</a:t>
+            </a:r>
+            <a:endParaRPr lang="en-US" dirty="0" smtClean="0"/>
+          </a:p>
+          <a:p>
+            <a:pPr lvl="1"/>
+            <a:r>
+              <a:rPr lang="en-US" dirty="0" smtClean="0"/>
+              <a:t>Matrices (.</a:t>
+            </a:r>
+            <a:r>
+              <a:rPr lang="en-US" dirty="0" err="1" smtClean="0"/>
+              <a:t>csv</a:t>
+            </a:r>
+            <a:r>
+              <a:rPr lang="en-US" dirty="0" smtClean="0"/>
+              <a:t> or R-object)</a:t>
+            </a:r>
+          </a:p>
+          <a:p>
+            <a:pPr lvl="2"/>
+            <a:r>
+              <a:rPr lang="en-US" dirty="0" smtClean="0"/>
+              <a:t>Adjacency matrices should have node labels in the first row and column of .</a:t>
+            </a:r>
+            <a:r>
+              <a:rPr lang="en-US" dirty="0" err="1" smtClean="0"/>
+              <a:t>csv</a:t>
+            </a:r>
+            <a:r>
+              <a:rPr lang="en-US" dirty="0" smtClean="0"/>
+              <a:t> files</a:t>
+            </a:r>
+          </a:p>
+          <a:p>
+            <a:pPr lvl="2"/>
+            <a:r>
+              <a:rPr lang="en-US" dirty="0" smtClean="0"/>
+              <a:t>Incidence matrices should have edge labels in the first row and node labels in the first column of .</a:t>
+            </a:r>
+            <a:r>
+              <a:rPr lang="en-US" dirty="0" err="1" smtClean="0"/>
+              <a:t>csv</a:t>
+            </a:r>
+            <a:r>
+              <a:rPr lang="en-US" dirty="0" smtClean="0"/>
+              <a:t> files</a:t>
+            </a:r>
+          </a:p>
+          <a:p>
+            <a:pPr lvl="2"/>
+            <a:r>
+              <a:rPr lang="en-US" dirty="0" smtClean="0"/>
+              <a:t>Edge lists should </a:t>
+            </a:r>
+            <a:r>
+              <a:rPr lang="en-US" i="1" dirty="0" smtClean="0"/>
+              <a:t>not</a:t>
+            </a:r>
+            <a:r>
+              <a:rPr lang="en-US" dirty="0" smtClean="0"/>
+              <a:t> have row or column labels in .</a:t>
+            </a:r>
+            <a:r>
+              <a:rPr lang="en-US" dirty="0" err="1" smtClean="0"/>
+              <a:t>csv</a:t>
+            </a:r>
+            <a:r>
+              <a:rPr lang="en-US" dirty="0" smtClean="0"/>
+              <a:t> files</a:t>
+            </a:r>
+          </a:p>
+          <a:p>
+            <a:pPr lvl="1"/>
+            <a:r>
+              <a:rPr lang="en-US" dirty="0" smtClean="0"/>
+              <a:t>Built-in datasets</a:t>
+            </a:r>
+          </a:p>
+          <a:p>
+            <a:pPr lvl="1"/>
+            <a:r>
+              <a:rPr lang="en-US" dirty="0" err="1" smtClean="0"/>
+              <a:t>ergm</a:t>
+            </a:r>
+            <a:r>
+              <a:rPr lang="en-US" dirty="0" smtClean="0"/>
+              <a:t> object (R-object)</a:t>
+            </a:r>
+          </a:p>
+          <a:p>
+            <a:pPr lvl="1"/>
+            <a:r>
+              <a:rPr lang="en-US" dirty="0" err="1" smtClean="0"/>
+              <a:t>Pajek</a:t>
+            </a:r>
+            <a:endParaRPr lang="en-US" dirty="0" smtClean="0"/>
+          </a:p>
+          <a:p>
+            <a:pPr lvl="2"/>
+            <a:r>
+              <a:rPr lang="en-US" dirty="0"/>
+              <a:t>N</a:t>
+            </a:r>
+            <a:r>
+              <a:rPr lang="en-US" dirty="0" smtClean="0"/>
+              <a:t>etwork (</a:t>
+            </a:r>
+            <a:r>
+              <a:rPr lang="en-US" dirty="0" err="1" smtClean="0"/>
+              <a:t>.net</a:t>
+            </a:r>
+            <a:r>
+              <a:rPr lang="en-US" dirty="0" smtClean="0"/>
+              <a:t>)</a:t>
+            </a:r>
+          </a:p>
+          <a:p>
+            <a:pPr lvl="2"/>
+            <a:r>
+              <a:rPr lang="en-US" dirty="0"/>
+              <a:t>P</a:t>
+            </a:r>
+            <a:r>
+              <a:rPr lang="en-US" dirty="0" smtClean="0"/>
+              <a:t>roject (.</a:t>
+            </a:r>
+            <a:r>
+              <a:rPr lang="en-US" dirty="0" err="1" smtClean="0"/>
+              <a:t>paj</a:t>
+            </a:r>
+            <a:r>
+              <a:rPr lang="en-US" dirty="0" smtClean="0"/>
+              <a:t>)</a:t>
+            </a:r>
+          </a:p>
+          <a:p>
+            <a:pPr lvl="1"/>
+            <a:endParaRPr lang="en-US" dirty="0"/>
+          </a:p>
+        </p:txBody>
+      </p:sp>
+      <p:sp>
+        <p:nvSpPr>
+          <p:cNvPr id="6" name="TextBox 5"/>
+          <p:cNvSpPr txBox="1"/>
+          <p:nvPr/>
+        </p:nvSpPr>
+        <p:spPr>
+          <a:xfrm>
+            <a:off x="1097280" y="5290457"/>
+            <a:ext cx="10058400" cy="369332"/>
+          </a:xfrm>
+          <a:prstGeom prst="rect">
+            <a:avLst/>
+          </a:prstGeom>
+          <a:noFill/>
+        </p:spPr>
+        <p:txBody>
+          <a:bodyPr wrap="square" rtlCol="0">
+            <a:spAutoFit/>
+          </a:bodyPr>
+          <a:lstStyle/>
+          <a:p>
+            <a:r>
+              <a:rPr lang="en-US" dirty="0" smtClean="0">
+                <a:solidFill>
+                  <a:schemeClr val="tx1">
+                    <a:lumMod val="75000"/>
+                    <a:lumOff val="25000"/>
+                  </a:schemeClr>
+                </a:solidFill>
+              </a:rPr>
+              <a:t>For most of the workshop we will be using the built-in networks to standardize our results </a:t>
+            </a:r>
+            <a:endParaRPr lang="en-US" dirty="0">
+              <a:solidFill>
+                <a:schemeClr val="tx1">
+                  <a:lumMod val="75000"/>
+                  <a:lumOff val="25000"/>
+                </a:schemeClr>
+              </a:solidFill>
+            </a:endParaRPr>
+          </a:p>
+        </p:txBody>
+      </p:sp>
+      <p:pic>
+        <p:nvPicPr>
+          <p:cNvPr id="7" name="Picture 6"/>
+          <p:cNvPicPr>
+            <a:picLocks noChangeAspect="1"/>
+          </p:cNvPicPr>
+          <p:nvPr/>
+        </p:nvPicPr>
+        <p:blipFill>
+          <a:blip r:embed="rId2">
+            <a:extLst>
+              <a:ext uri="{28A0092B-C50C-407E-A947-70E740481C1C}">
+                <a14:useLocalDpi xmlns:a14="http://schemas.microsoft.com/office/drawing/2010/main" val="0"/>
+              </a:ext>
+            </a:extLst>
+          </a:blip>
+          <a:stretch>
+            <a:fillRect/>
+          </a:stretch>
+        </p:blipFill>
+        <p:spPr>
+          <a:xfrm>
+            <a:off x="6126480" y="2772571"/>
+            <a:ext cx="5266667" cy="1857143"/>
+          </a:xfrm>
+          <a:prstGeom prst="rect">
+            <a:avLst/>
+          </a:prstGeom>
+        </p:spPr>
+      </p:pic>
+    </p:spTree>
+    <p:extLst>
+      <p:ext uri="{BB962C8B-B14F-4D97-AF65-F5344CB8AC3E}">
+        <p14:creationId xmlns:p14="http://schemas.microsoft.com/office/powerpoint/2010/main" val="2117080260"/>
+      </p:ext>
+    </p:extLst>
+  </p:cSld>
+  <p:clrMapOvr>
+    <a:masterClrMapping/>
+  </p:clrMapOvr>
+</p:sld>
+</file>
+
+<file path=ppt/slides/slide11.xml><?xml version="1.0" encoding="utf-8"?>
+<p:sld xmlns:a="http://schemas.openxmlformats.org/drawingml/2006/main" xmlns:r="http://schemas.openxmlformats.org/officeDocument/2006/relationships" xmlns:p="http://schemas.openxmlformats.org/presentationml/2006/main">
+  <p:cSld>
+    <p:spTree>
+      <p:nvGrpSpPr>
+        <p:cNvPr id="1" name=""/>
+        <p:cNvGrpSpPr/>
+        <p:nvPr/>
+      </p:nvGrpSpPr>
+      <p:grpSpPr>
+        <a:xfrm>
+          <a:off x="0" y="0"/>
+          <a:ext cx="0" cy="0"/>
+          <a:chOff x="0" y="0"/>
+          <a:chExt cx="0" cy="0"/>
+        </a:xfrm>
+      </p:grpSpPr>
+      <p:sp>
+        <p:nvSpPr>
+          <p:cNvPr id="2" name="Title 1"/>
+          <p:cNvSpPr>
+            <a:spLocks noGrp="1"/>
+          </p:cNvSpPr>
+          <p:nvPr>
+            <p:ph type="title"/>
+          </p:nvPr>
+        </p:nvSpPr>
+        <p:spPr>
+          <a:xfrm>
+            <a:off x="1097280" y="286604"/>
+            <a:ext cx="10058400" cy="890850"/>
+          </a:xfrm>
+        </p:spPr>
+        <p:txBody>
+          <a:bodyPr/>
+          <a:lstStyle/>
+          <a:p>
+            <a:r>
+              <a:rPr lang="en-US" dirty="0" smtClean="0"/>
+              <a:t>Data</a:t>
+            </a:r>
+            <a:endParaRPr lang="en-US" dirty="0"/>
+          </a:p>
+        </p:txBody>
+      </p:sp>
+      <p:sp>
+        <p:nvSpPr>
+          <p:cNvPr id="3" name="Content Placeholder 2"/>
+          <p:cNvSpPr>
+            <a:spLocks noGrp="1"/>
+          </p:cNvSpPr>
+          <p:nvPr>
+            <p:ph sz="half" idx="1"/>
+          </p:nvPr>
+        </p:nvSpPr>
+        <p:spPr/>
+        <p:txBody>
+          <a:bodyPr>
+            <a:normAutofit/>
+          </a:bodyPr>
+          <a:lstStyle/>
+          <a:p>
+            <a:r>
+              <a:rPr lang="en-US" dirty="0" smtClean="0"/>
+              <a:t>Editing data</a:t>
+            </a:r>
+          </a:p>
+          <a:p>
+            <a:pPr lvl="1"/>
+            <a:r>
+              <a:rPr lang="en-US" dirty="0" smtClean="0"/>
+              <a:t>Symmetrize edges</a:t>
+            </a:r>
+          </a:p>
+          <a:p>
+            <a:pPr lvl="2"/>
+            <a:r>
+              <a:rPr lang="en-US" dirty="0" smtClean="0"/>
+              <a:t>Upper triangle</a:t>
+            </a:r>
+          </a:p>
+          <a:p>
+            <a:pPr lvl="2"/>
+            <a:r>
+              <a:rPr lang="en-US" dirty="0" smtClean="0"/>
+              <a:t>Lower triangle</a:t>
+            </a:r>
+          </a:p>
+          <a:p>
+            <a:pPr lvl="2"/>
+            <a:r>
+              <a:rPr lang="en-US" dirty="0" smtClean="0"/>
+              <a:t>Strong (intersection)</a:t>
+            </a:r>
+          </a:p>
+          <a:p>
+            <a:pPr lvl="2"/>
+            <a:r>
+              <a:rPr lang="en-US" dirty="0" smtClean="0"/>
+              <a:t>Weak (union)</a:t>
+            </a:r>
+          </a:p>
+          <a:p>
+            <a:pPr lvl="1"/>
+            <a:r>
+              <a:rPr lang="en-US" dirty="0" smtClean="0"/>
+              <a:t>Upload new attribute values</a:t>
+            </a:r>
+            <a:endParaRPr lang="en-US" dirty="0" smtClean="0"/>
+          </a:p>
+        </p:txBody>
+      </p:sp>
+      <p:sp>
+        <p:nvSpPr>
+          <p:cNvPr id="10" name="Content Placeholder 9"/>
+          <p:cNvSpPr>
+            <a:spLocks noGrp="1"/>
+          </p:cNvSpPr>
+          <p:nvPr>
+            <p:ph sz="half" idx="2"/>
+          </p:nvPr>
+        </p:nvSpPr>
+        <p:spPr/>
+        <p:txBody>
+          <a:bodyPr/>
+          <a:lstStyle/>
+          <a:p>
+            <a:r>
+              <a:rPr lang="en-US" dirty="0" smtClean="0"/>
+              <a:t>Network summary</a:t>
+            </a:r>
+          </a:p>
+          <a:p>
+            <a:pPr lvl="1"/>
+            <a:r>
+              <a:rPr lang="en-US" dirty="0" smtClean="0"/>
+              <a:t>Verify that the network has the basic characteristics you expect</a:t>
+            </a:r>
+            <a:endParaRPr lang="en-US" dirty="0" smtClean="0"/>
+          </a:p>
+          <a:p>
+            <a:pPr lvl="1"/>
+            <a:r>
+              <a:rPr lang="en-US" dirty="0" smtClean="0"/>
+              <a:t>Can go back to this on almost every page of </a:t>
+            </a:r>
+            <a:r>
+              <a:rPr lang="en-US" dirty="0" err="1" smtClean="0"/>
+              <a:t>statnetWeb</a:t>
+            </a:r>
+            <a:endParaRPr lang="en-US" dirty="0"/>
+          </a:p>
+        </p:txBody>
+      </p:sp>
+      <p:pic>
+        <p:nvPicPr>
+          <p:cNvPr id="5" name="Picture 4"/>
+          <p:cNvPicPr>
+            <a:picLocks noChangeAspect="1"/>
+          </p:cNvPicPr>
+          <p:nvPr/>
+        </p:nvPicPr>
+        <p:blipFill>
+          <a:blip r:embed="rId2"/>
+          <a:stretch>
+            <a:fillRect/>
+          </a:stretch>
+        </p:blipFill>
+        <p:spPr>
+          <a:xfrm>
+            <a:off x="7526156" y="2872183"/>
+            <a:ext cx="2321288" cy="2877120"/>
+          </a:xfrm>
+          <a:prstGeom prst="rect">
+            <a:avLst/>
+          </a:prstGeom>
+        </p:spPr>
+      </p:pic>
+    </p:spTree>
+    <p:extLst>
+      <p:ext uri="{BB962C8B-B14F-4D97-AF65-F5344CB8AC3E}">
+        <p14:creationId xmlns:p14="http://schemas.microsoft.com/office/powerpoint/2010/main" val="4243777039"/>
+      </p:ext>
+    </p:extLst>
+  </p:cSld>
+  <p:clrMapOvr>
+    <a:masterClrMapping/>
+  </p:clrMapOvr>
+</p:sld>
+</file>
+
+<file path=ppt/slides/slide12.xml><?xml version="1.0" encoding="utf-8"?>
+<p:sld xmlns:a="http://schemas.openxmlformats.org/drawingml/2006/main" xmlns:r="http://schemas.openxmlformats.org/officeDocument/2006/relationships" xmlns:p="http://schemas.openxmlformats.org/presentationml/2006/main">
+  <p:cSld>
+    <p:spTree>
+      <p:nvGrpSpPr>
+        <p:cNvPr id="1" name=""/>
+        <p:cNvGrpSpPr/>
+        <p:nvPr/>
+      </p:nvGrpSpPr>
+      <p:grpSpPr>
+        <a:xfrm>
+          <a:off x="0" y="0"/>
+          <a:ext cx="0" cy="0"/>
+          <a:chOff x="0" y="0"/>
+          <a:chExt cx="0" cy="0"/>
+        </a:xfrm>
+      </p:grpSpPr>
+      <p:sp>
+        <p:nvSpPr>
+          <p:cNvPr id="2" name="Title 1"/>
+          <p:cNvSpPr>
+            <a:spLocks noGrp="1"/>
+          </p:cNvSpPr>
+          <p:nvPr>
+            <p:ph type="title"/>
+          </p:nvPr>
+        </p:nvSpPr>
+        <p:spPr/>
+        <p:txBody>
+          <a:bodyPr/>
+          <a:lstStyle/>
+          <a:p>
+            <a:r>
+              <a:rPr lang="en-US" dirty="0" smtClean="0"/>
               <a:t>Network </a:t>
             </a:r>
             <a:r>
@@ -5365,7 +5924,15 @@
           <a:p>
             <a:r>
               <a:rPr lang="en-US" dirty="0"/>
-              <a:t>It is a good idea to look at your data before trying to model</a:t>
+              <a:t>It is </a:t>
+            </a:r>
+            <a:r>
+              <a:rPr lang="en-US" dirty="0" smtClean="0"/>
+              <a:t>always a </a:t>
+            </a:r>
+            <a:r>
+              <a:rPr lang="en-US" dirty="0"/>
+              <a:t>good idea to look at your data before trying to model</a:t>
             </a:r>
           </a:p>
           <a:p>
@@ -5563,258 +6130,88 @@
           </a:prstGeom>
         </p:spPr>
       </p:pic>
+      <p:cxnSp>
+        <p:nvCxnSpPr>
+          <p:cNvPr id="7" name="Straight Arrow Connector 6"/>
+          <p:cNvCxnSpPr/>
+          <p:nvPr/>
+        </p:nvCxnSpPr>
+        <p:spPr>
+          <a:xfrm flipH="1">
+            <a:off x="9726584" y="2841171"/>
+            <a:ext cx="671153" cy="108857"/>
+          </a:xfrm>
+          <a:prstGeom prst="straightConnector1">
+            <a:avLst/>
+          </a:prstGeom>
+          <a:ln>
+            <a:solidFill>
+              <a:schemeClr val="accent2">
+                <a:lumMod val="75000"/>
+                <a:lumOff val="25000"/>
+              </a:schemeClr>
+            </a:solidFill>
+            <a:tailEnd type="triangle"/>
+          </a:ln>
+        </p:spPr>
+        <p:style>
+          <a:lnRef idx="1">
+            <a:schemeClr val="accent1"/>
+          </a:lnRef>
+          <a:fillRef idx="0">
+            <a:schemeClr val="accent1"/>
+          </a:fillRef>
+          <a:effectRef idx="0">
+            <a:schemeClr val="accent1"/>
+          </a:effectRef>
+          <a:fontRef idx="minor">
+            <a:schemeClr val="tx1"/>
+          </a:fontRef>
+        </p:style>
+      </p:cxnSp>
+      <p:cxnSp>
+        <p:nvCxnSpPr>
+          <p:cNvPr id="9" name="Straight Arrow Connector 8"/>
+          <p:cNvCxnSpPr/>
+          <p:nvPr/>
+        </p:nvCxnSpPr>
+        <p:spPr>
+          <a:xfrm flipH="1" flipV="1">
+            <a:off x="9720943" y="3156857"/>
+            <a:ext cx="552401" cy="43543"/>
+          </a:xfrm>
+          <a:prstGeom prst="straightConnector1">
+            <a:avLst/>
+          </a:prstGeom>
+          <a:ln>
+            <a:solidFill>
+              <a:schemeClr val="accent2">
+                <a:lumMod val="75000"/>
+                <a:lumOff val="25000"/>
+              </a:schemeClr>
+            </a:solidFill>
+            <a:tailEnd type="triangle"/>
+          </a:ln>
+        </p:spPr>
+        <p:style>
+          <a:lnRef idx="1">
+            <a:schemeClr val="accent1"/>
+          </a:lnRef>
+          <a:fillRef idx="0">
+            <a:schemeClr val="accent1"/>
+          </a:fillRef>
+          <a:effectRef idx="0">
+            <a:schemeClr val="accent1"/>
+          </a:effectRef>
+          <a:fontRef idx="minor">
+            <a:schemeClr val="tx1"/>
+          </a:fontRef>
+        </p:style>
+      </p:cxnSp>
     </p:spTree>
     <p:extLst>
       <p:ext uri="{BB962C8B-B14F-4D97-AF65-F5344CB8AC3E}">
         <p14:creationId xmlns:p14="http://schemas.microsoft.com/office/powerpoint/2010/main" val="1856423059"/>
-      </p:ext>
-    </p:extLst>
-  </p:cSld>
-  <p:clrMapOvr>
-    <a:masterClrMapping/>
-  </p:clrMapOvr>
-</p:sld>
-</file>
-
-<file path=ppt/slides/slide11.xml><?xml version="1.0" encoding="utf-8"?>
-<p:sld xmlns:a="http://schemas.openxmlformats.org/drawingml/2006/main" xmlns:r="http://schemas.openxmlformats.org/officeDocument/2006/relationships" xmlns:p="http://schemas.openxmlformats.org/presentationml/2006/main">
-  <p:cSld>
-    <p:spTree>
-      <p:nvGrpSpPr>
-        <p:cNvPr id="1" name=""/>
-        <p:cNvGrpSpPr/>
-        <p:nvPr/>
-      </p:nvGrpSpPr>
-      <p:grpSpPr>
-        <a:xfrm>
-          <a:off x="0" y="0"/>
-          <a:ext cx="0" cy="0"/>
-          <a:chOff x="0" y="0"/>
-          <a:chExt cx="0" cy="0"/>
-        </a:xfrm>
-      </p:grpSpPr>
-      <p:sp>
-        <p:nvSpPr>
-          <p:cNvPr id="2" name="Title 1"/>
-          <p:cNvSpPr>
-            <a:spLocks noGrp="1"/>
-          </p:cNvSpPr>
-          <p:nvPr>
-            <p:ph type="title"/>
-          </p:nvPr>
-        </p:nvSpPr>
-        <p:spPr/>
-        <p:txBody>
-          <a:bodyPr/>
-          <a:lstStyle/>
-          <a:p>
-            <a:r>
-              <a:rPr lang="en-US" dirty="0" smtClean="0"/>
-              <a:t>Network Descriptives</a:t>
-            </a:r>
-            <a:endParaRPr lang="en-US" dirty="0"/>
-          </a:p>
-        </p:txBody>
-      </p:sp>
-      <p:sp>
-        <p:nvSpPr>
-          <p:cNvPr id="3" name="Content Placeholder 2"/>
-          <p:cNvSpPr>
-            <a:spLocks noGrp="1"/>
-          </p:cNvSpPr>
-          <p:nvPr>
-            <p:ph sz="half" idx="1"/>
-          </p:nvPr>
-        </p:nvSpPr>
-        <p:spPr/>
-        <p:txBody>
-          <a:bodyPr/>
-          <a:lstStyle/>
-          <a:p>
-            <a:r>
-              <a:rPr lang="en-US" dirty="0"/>
-              <a:t>Degree </a:t>
-            </a:r>
-            <a:r>
-              <a:rPr lang="en-US" dirty="0" smtClean="0"/>
-              <a:t>Distribution</a:t>
-            </a:r>
-          </a:p>
-          <a:p>
-            <a:pPr lvl="1"/>
-            <a:r>
-              <a:rPr lang="en-US" dirty="0" smtClean="0"/>
-              <a:t>Plot of a numerical summary</a:t>
-            </a:r>
-            <a:endParaRPr lang="en-US" dirty="0"/>
-          </a:p>
-          <a:p>
-            <a:pPr lvl="1"/>
-            <a:r>
-              <a:rPr lang="en-US" dirty="0"/>
-              <a:t>How are degrees distributed?</a:t>
-            </a:r>
-          </a:p>
-          <a:p>
-            <a:r>
-              <a:rPr lang="en-US" dirty="0"/>
-              <a:t>Geodesic Distribution</a:t>
-            </a:r>
-          </a:p>
-          <a:p>
-            <a:pPr lvl="1"/>
-            <a:r>
-              <a:rPr lang="en-US" dirty="0"/>
-              <a:t>How “connected” is the network</a:t>
-            </a:r>
-            <a:r>
-              <a:rPr lang="en-US" dirty="0" smtClean="0"/>
-              <a:t>?</a:t>
-            </a:r>
-          </a:p>
-          <a:p>
-            <a:endParaRPr lang="en-US" dirty="0"/>
-          </a:p>
-          <a:p>
-            <a:r>
-              <a:rPr lang="en-US" dirty="0" smtClean="0"/>
-              <a:t>Note about expected values – go back later!</a:t>
-            </a:r>
-            <a:endParaRPr lang="en-US" dirty="0"/>
-          </a:p>
-          <a:p>
-            <a:endParaRPr lang="en-US" dirty="0"/>
-          </a:p>
-        </p:txBody>
-      </p:sp>
-      <p:sp>
-        <p:nvSpPr>
-          <p:cNvPr id="4" name="Content Placeholder 3"/>
-          <p:cNvSpPr>
-            <a:spLocks noGrp="1"/>
-          </p:cNvSpPr>
-          <p:nvPr>
-            <p:ph sz="half" idx="2"/>
-          </p:nvPr>
-        </p:nvSpPr>
-        <p:spPr/>
-        <p:txBody>
-          <a:bodyPr/>
-          <a:lstStyle/>
-          <a:p>
-            <a:endParaRPr lang="en-US"/>
-          </a:p>
-        </p:txBody>
-      </p:sp>
-    </p:spTree>
-    <p:extLst>
-      <p:ext uri="{BB962C8B-B14F-4D97-AF65-F5344CB8AC3E}">
-        <p14:creationId xmlns:p14="http://schemas.microsoft.com/office/powerpoint/2010/main" val="3708573406"/>
-      </p:ext>
-    </p:extLst>
-  </p:cSld>
-  <p:clrMapOvr>
-    <a:masterClrMapping/>
-  </p:clrMapOvr>
-</p:sld>
-</file>
-
-<file path=ppt/slides/slide12.xml><?xml version="1.0" encoding="utf-8"?>
-<p:sld xmlns:a="http://schemas.openxmlformats.org/drawingml/2006/main" xmlns:r="http://schemas.openxmlformats.org/officeDocument/2006/relationships" xmlns:p="http://schemas.openxmlformats.org/presentationml/2006/main">
-  <p:cSld>
-    <p:spTree>
-      <p:nvGrpSpPr>
-        <p:cNvPr id="1" name=""/>
-        <p:cNvGrpSpPr/>
-        <p:nvPr/>
-      </p:nvGrpSpPr>
-      <p:grpSpPr>
-        <a:xfrm>
-          <a:off x="0" y="0"/>
-          <a:ext cx="0" cy="0"/>
-          <a:chOff x="0" y="0"/>
-          <a:chExt cx="0" cy="0"/>
-        </a:xfrm>
-      </p:grpSpPr>
-      <p:sp>
-        <p:nvSpPr>
-          <p:cNvPr id="2" name="Title 1"/>
-          <p:cNvSpPr>
-            <a:spLocks noGrp="1"/>
-          </p:cNvSpPr>
-          <p:nvPr>
-            <p:ph type="title"/>
-          </p:nvPr>
-        </p:nvSpPr>
-        <p:spPr/>
-        <p:txBody>
-          <a:bodyPr/>
-          <a:lstStyle/>
-          <a:p>
-            <a:r>
-              <a:rPr lang="en-US" dirty="0" smtClean="0"/>
-              <a:t>Network Descriptives</a:t>
-            </a:r>
-            <a:endParaRPr lang="en-US" dirty="0"/>
-          </a:p>
-        </p:txBody>
-      </p:sp>
-      <p:sp>
-        <p:nvSpPr>
-          <p:cNvPr id="3" name="Content Placeholder 2"/>
-          <p:cNvSpPr>
-            <a:spLocks noGrp="1"/>
-          </p:cNvSpPr>
-          <p:nvPr>
-            <p:ph sz="half" idx="1"/>
-          </p:nvPr>
-        </p:nvSpPr>
-        <p:spPr/>
-        <p:txBody>
-          <a:bodyPr/>
-          <a:lstStyle/>
-          <a:p>
-            <a:r>
-              <a:rPr lang="en-US" dirty="0" smtClean="0"/>
-              <a:t>Numerical summaries</a:t>
-            </a:r>
-          </a:p>
-          <a:p>
-            <a:pPr lvl="1"/>
-            <a:r>
-              <a:rPr lang="en-US" dirty="0" smtClean="0"/>
-              <a:t>Different levels of measurement</a:t>
-            </a:r>
-            <a:endParaRPr lang="en-US" dirty="0"/>
-          </a:p>
-          <a:p>
-            <a:endParaRPr lang="en-US" dirty="0"/>
-          </a:p>
-        </p:txBody>
-      </p:sp>
-      <p:sp>
-        <p:nvSpPr>
-          <p:cNvPr id="4" name="Content Placeholder 3"/>
-          <p:cNvSpPr>
-            <a:spLocks noGrp="1"/>
-          </p:cNvSpPr>
-          <p:nvPr>
-            <p:ph sz="half" idx="2"/>
-          </p:nvPr>
-        </p:nvSpPr>
-        <p:spPr/>
-        <p:txBody>
-          <a:bodyPr/>
-          <a:lstStyle/>
-          <a:p>
-            <a:endParaRPr lang="en-US"/>
-          </a:p>
-        </p:txBody>
-      </p:sp>
-    </p:spTree>
-    <p:extLst>
-      <p:ext uri="{BB962C8B-B14F-4D97-AF65-F5344CB8AC3E}">
-        <p14:creationId xmlns:p14="http://schemas.microsoft.com/office/powerpoint/2010/main" val="2102049441"/>
       </p:ext>
     </p:extLst>
   </p:cSld>
@@ -5858,7 +6255,7 @@
           <a:p>
             <a:r>
               <a:rPr lang="en-US" dirty="0" smtClean="0"/>
-              <a:t>Statistical Models</a:t>
+              <a:t>Network Descriptives</a:t>
             </a:r>
             <a:endParaRPr lang="en-US" dirty="0"/>
           </a:p>
@@ -5879,25 +6276,130 @@
           <a:bodyPr/>
           <a:lstStyle/>
           <a:p>
-            <a:endParaRPr lang="en-US"/>
-          </a:p>
-        </p:txBody>
-      </p:sp>
-      <p:sp>
-        <p:nvSpPr>
-          <p:cNvPr id="4" name="Content Placeholder 3"/>
-          <p:cNvSpPr>
-            <a:spLocks noGrp="1"/>
-          </p:cNvSpPr>
+            <a:r>
+              <a:rPr lang="en-US" dirty="0"/>
+              <a:t>Degree </a:t>
+            </a:r>
+            <a:r>
+              <a:rPr lang="en-US" dirty="0" smtClean="0"/>
+              <a:t>Distribution</a:t>
+            </a:r>
+          </a:p>
+          <a:p>
+            <a:pPr lvl="1"/>
+            <a:r>
+              <a:rPr lang="en-US" dirty="0" smtClean="0"/>
+              <a:t>Plot of a numerical summary</a:t>
+            </a:r>
+            <a:endParaRPr lang="en-US" dirty="0"/>
+          </a:p>
+          <a:p>
+            <a:pPr lvl="1"/>
+            <a:r>
+              <a:rPr lang="en-US" dirty="0"/>
+              <a:t>How are degrees distributed?</a:t>
+            </a:r>
+          </a:p>
+          <a:p>
+            <a:r>
+              <a:rPr lang="en-US" dirty="0"/>
+              <a:t>Geodesic Distribution</a:t>
+            </a:r>
+          </a:p>
+          <a:p>
+            <a:pPr lvl="1"/>
+            <a:r>
+              <a:rPr lang="en-US" dirty="0"/>
+              <a:t>How “connected” is the network</a:t>
+            </a:r>
+            <a:r>
+              <a:rPr lang="en-US" dirty="0" smtClean="0"/>
+              <a:t>?</a:t>
+            </a:r>
+          </a:p>
+          <a:p>
+            <a:endParaRPr lang="en-US" dirty="0"/>
+          </a:p>
+          <a:p>
+            <a:r>
+              <a:rPr lang="en-US" dirty="0" smtClean="0"/>
+              <a:t>Note: we can compare our network to the expected values under certain conditions – we will come back to this later!</a:t>
+            </a:r>
+            <a:endParaRPr lang="en-US" dirty="0"/>
+          </a:p>
+        </p:txBody>
+      </p:sp>
+      <p:pic>
+        <p:nvPicPr>
+          <p:cNvPr id="9" name="Content Placeholder 8"/>
+          <p:cNvPicPr>
+            <a:picLocks noGrp="1" noChangeAspect="1"/>
+          </p:cNvPicPr>
           <p:nvPr>
             <p:ph sz="half" idx="2"/>
           </p:nvPr>
-        </p:nvSpPr>
-        <p:spPr/>
-        <p:txBody>
-          <a:bodyPr/>
+        </p:nvPicPr>
+        <p:blipFill>
+          <a:blip r:embed="rId2"/>
+          <a:stretch>
+            <a:fillRect/>
+          </a:stretch>
+        </p:blipFill>
+        <p:spPr>
+          <a:xfrm>
+            <a:off x="6881813" y="1608931"/>
+            <a:ext cx="3609975" cy="4000500"/>
+          </a:xfrm>
+          <a:prstGeom prst="rect">
+            <a:avLst/>
+          </a:prstGeom>
+        </p:spPr>
+      </p:pic>
+      <p:sp>
+        <p:nvSpPr>
+          <p:cNvPr id="10" name="Rectangle 9"/>
+          <p:cNvSpPr/>
+          <p:nvPr/>
+        </p:nvSpPr>
+        <p:spPr>
+          <a:xfrm>
+            <a:off x="6881813" y="3701143"/>
+            <a:ext cx="3437844" cy="1208314"/>
+          </a:xfrm>
+          <a:prstGeom prst="rect">
+            <a:avLst/>
+          </a:prstGeom>
+          <a:noFill/>
+          <a:ln w="19050">
+            <a:solidFill>
+              <a:schemeClr val="accent2">
+                <a:lumMod val="75000"/>
+                <a:lumOff val="25000"/>
+              </a:schemeClr>
+            </a:solidFill>
+          </a:ln>
+        </p:spPr>
+        <p:style>
+          <a:lnRef idx="2">
+            <a:schemeClr val="accent1">
+              <a:shade val="50000"/>
+            </a:schemeClr>
+          </a:lnRef>
+          <a:fillRef idx="1">
+            <a:schemeClr val="accent1"/>
+          </a:fillRef>
+          <a:effectRef idx="0">
+            <a:schemeClr val="accent1"/>
+          </a:effectRef>
+          <a:fontRef idx="minor">
+            <a:schemeClr val="lt1"/>
+          </a:fontRef>
+        </p:style>
+        <p:txBody>
+          <a:bodyPr rtlCol="0" anchor="ctr"/>
           <a:lstStyle/>
           <a:p>
+            <a:pPr algn="ctr"/>
             <a:endParaRPr lang="en-US"/>
           </a:p>
         </p:txBody>
@@ -5905,7 +6407,7 @@
     </p:spTree>
     <p:extLst>
       <p:ext uri="{BB962C8B-B14F-4D97-AF65-F5344CB8AC3E}">
-        <p14:creationId xmlns:p14="http://schemas.microsoft.com/office/powerpoint/2010/main" val="2363491526"/>
+        <p14:creationId xmlns:p14="http://schemas.microsoft.com/office/powerpoint/2010/main" val="3708573406"/>
       </p:ext>
     </p:extLst>
   </p:cSld>
@@ -5949,7 +6451,7 @@
           <a:p>
             <a:r>
               <a:rPr lang="en-US" dirty="0" smtClean="0"/>
-              <a:t>Diagnostics</a:t>
+              <a:t>Network Descriptives</a:t>
             </a:r>
             <a:endParaRPr lang="en-US" dirty="0"/>
           </a:p>
@@ -5970,7 +6472,43 @@
           <a:bodyPr/>
           <a:lstStyle/>
           <a:p>
-            <a:endParaRPr lang="en-US"/>
+            <a:r>
+              <a:rPr lang="en-US" dirty="0" smtClean="0"/>
+              <a:t>Numerical summaries</a:t>
+            </a:r>
+          </a:p>
+          <a:p>
+            <a:pPr lvl="1"/>
+            <a:r>
+              <a:rPr lang="en-US" dirty="0" smtClean="0"/>
+              <a:t>Different levels of </a:t>
+            </a:r>
+            <a:r>
+              <a:rPr lang="en-US" dirty="0" smtClean="0"/>
+              <a:t>measurement</a:t>
+            </a:r>
+          </a:p>
+          <a:p>
+            <a:r>
+              <a:rPr lang="en-US" dirty="0" smtClean="0"/>
+              <a:t>Mixing matrices</a:t>
+            </a:r>
+          </a:p>
+          <a:p>
+            <a:r>
+              <a:rPr lang="en-US" dirty="0" smtClean="0"/>
+              <a:t>Node-level indices</a:t>
+            </a:r>
+          </a:p>
+          <a:p>
+            <a:r>
+              <a:rPr lang="en-US" dirty="0" smtClean="0"/>
+              <a:t>Graph-level indices</a:t>
+            </a:r>
+            <a:endParaRPr lang="en-US" dirty="0"/>
+          </a:p>
+          <a:p>
+            <a:endParaRPr lang="en-US" dirty="0"/>
           </a:p>
         </p:txBody>
       </p:sp>
@@ -5996,7 +6534,7 @@
     </p:spTree>
     <p:extLst>
       <p:ext uri="{BB962C8B-B14F-4D97-AF65-F5344CB8AC3E}">
-        <p14:creationId xmlns:p14="http://schemas.microsoft.com/office/powerpoint/2010/main" val="2976517766"/>
+        <p14:creationId xmlns:p14="http://schemas.microsoft.com/office/powerpoint/2010/main" val="2102049441"/>
       </p:ext>
     </p:extLst>
   </p:cSld>
@@ -6040,54 +6578,119 @@
           <a:p>
             <a:r>
               <a:rPr lang="en-US" dirty="0" smtClean="0"/>
-              <a:t>Model-Based Simulation</a:t>
+              <a:t>Statistical Models</a:t>
             </a:r>
             <a:endParaRPr lang="en-US" dirty="0"/>
           </a:p>
         </p:txBody>
       </p:sp>
-      <p:sp>
-        <p:nvSpPr>
-          <p:cNvPr id="3" name="Content Placeholder 2"/>
-          <p:cNvSpPr>
-            <a:spLocks noGrp="1"/>
-          </p:cNvSpPr>
+      <p:pic>
+        <p:nvPicPr>
+          <p:cNvPr id="5" name="Content Placeholder 4"/>
+          <p:cNvPicPr>
+            <a:picLocks noGrp="1" noChangeAspect="1"/>
+          </p:cNvPicPr>
           <p:nvPr>
             <p:ph sz="half" idx="1"/>
           </p:nvPr>
-        </p:nvSpPr>
-        <p:spPr/>
+        </p:nvPicPr>
+        <p:blipFill>
+          <a:blip r:embed="rId2"/>
+          <a:stretch>
+            <a:fillRect/>
+          </a:stretch>
+        </p:blipFill>
+        <p:spPr>
+          <a:xfrm>
+            <a:off x="1097280" y="1621582"/>
+            <a:ext cx="4938712" cy="3704033"/>
+          </a:xfrm>
+          <a:prstGeom prst="rect">
+            <a:avLst/>
+          </a:prstGeom>
+        </p:spPr>
+      </p:pic>
+      <p:sp>
+        <p:nvSpPr>
+          <p:cNvPr id="6" name="Content Placeholder 5"/>
+          <p:cNvSpPr>
+            <a:spLocks noGrp="1"/>
+          </p:cNvSpPr>
+          <p:nvPr>
+            <p:ph sz="half" idx="2"/>
+          </p:nvPr>
+        </p:nvSpPr>
+        <p:spPr>
+          <a:xfrm>
+            <a:off x="6217920" y="1621582"/>
+            <a:ext cx="4937760" cy="4247513"/>
+          </a:xfrm>
+        </p:spPr>
         <p:txBody>
           <a:bodyPr/>
           <a:lstStyle/>
           <a:p>
-            <a:endParaRPr lang="en-US"/>
-          </a:p>
-        </p:txBody>
-      </p:sp>
-      <p:sp>
-        <p:nvSpPr>
-          <p:cNvPr id="4" name="Content Placeholder 3"/>
-          <p:cNvSpPr>
-            <a:spLocks noGrp="1"/>
-          </p:cNvSpPr>
-          <p:nvPr>
-            <p:ph sz="half" idx="2"/>
-          </p:nvPr>
-        </p:nvSpPr>
-        <p:spPr/>
-        <p:txBody>
-          <a:bodyPr/>
-          <a:lstStyle/>
-          <a:p>
-            <a:endParaRPr lang="en-US"/>
+            <a:r>
+              <a:rPr lang="en-US" u="sng" dirty="0" smtClean="0"/>
+              <a:t>Idea: </a:t>
+            </a:r>
+            <a:r>
+              <a:rPr lang="en-US" dirty="0" smtClean="0"/>
+              <a:t>We </a:t>
+            </a:r>
+            <a:r>
+              <a:rPr lang="en-US" dirty="0"/>
+              <a:t>want to capture the underlying structural features of a network with a few parameters. </a:t>
+            </a:r>
+            <a:endParaRPr lang="en-US" dirty="0" smtClean="0"/>
+          </a:p>
+          <a:p>
+            <a:pPr lvl="1"/>
+            <a:r>
+              <a:rPr lang="en-US" dirty="0"/>
+              <a:t>C</a:t>
+            </a:r>
+            <a:r>
+              <a:rPr lang="en-US" dirty="0" smtClean="0"/>
+              <a:t>hosen </a:t>
+            </a:r>
+            <a:r>
+              <a:rPr lang="en-US" dirty="0"/>
+              <a:t>parameters </a:t>
+            </a:r>
+            <a:r>
+              <a:rPr lang="en-US" dirty="0" smtClean="0"/>
+              <a:t>are </a:t>
+            </a:r>
+            <a:r>
+              <a:rPr lang="en-US" dirty="0"/>
+              <a:t>determining factors in specifying the probability of other possible networks. </a:t>
+            </a:r>
+            <a:endParaRPr lang="en-US" dirty="0" smtClean="0"/>
+          </a:p>
+          <a:p>
+            <a:pPr lvl="1"/>
+            <a:r>
+              <a:rPr lang="en-US" dirty="0" smtClean="0"/>
+              <a:t>If </a:t>
+            </a:r>
+            <a:r>
+              <a:rPr lang="en-US" dirty="0"/>
+              <a:t>we have a good model, simulations from it will resemble our original network.</a:t>
+            </a:r>
+          </a:p>
+          <a:p>
+            <a:r>
+              <a:rPr lang="en-US" dirty="0"/>
+              <a:t>The appropriate model depends on the type of data. For now, we consider fully observed binary networks.</a:t>
+            </a:r>
           </a:p>
         </p:txBody>
       </p:sp>
     </p:spTree>
     <p:extLst>
       <p:ext uri="{BB962C8B-B14F-4D97-AF65-F5344CB8AC3E}">
-        <p14:creationId xmlns:p14="http://schemas.microsoft.com/office/powerpoint/2010/main" val="1247503435"/>
+        <p14:creationId xmlns:p14="http://schemas.microsoft.com/office/powerpoint/2010/main" val="2363491526"/>
       </p:ext>
     </p:extLst>
   </p:cSld>
@@ -6126,59 +6729,2264 @@
         </p:nvSpPr>
         <p:spPr/>
         <p:txBody>
-          <a:bodyPr/>
+          <a:bodyPr>
+            <a:normAutofit/>
+          </a:bodyPr>
           <a:lstStyle/>
           <a:p>
             <a:r>
               <a:rPr lang="en-US" dirty="0" smtClean="0"/>
-              <a:t>Review &amp; Further Topics</a:t>
+              <a:t>Statistical Models</a:t>
             </a:r>
             <a:endParaRPr lang="en-US" dirty="0"/>
           </a:p>
         </p:txBody>
       </p:sp>
-      <p:sp>
-        <p:nvSpPr>
-          <p:cNvPr id="3" name="Content Placeholder 2"/>
-          <p:cNvSpPr>
-            <a:spLocks noGrp="1"/>
-          </p:cNvSpPr>
-          <p:nvPr>
-            <p:ph sz="half" idx="1"/>
+      <mc:AlternateContent xmlns:mc="http://schemas.openxmlformats.org/markup-compatibility/2006">
+        <mc:Choice xmlns:a14="http://schemas.microsoft.com/office/drawing/2010/main" Requires="a14">
+          <p:sp>
+            <p:nvSpPr>
+              <p:cNvPr id="3" name="Content Placeholder 2"/>
+              <p:cNvSpPr>
+                <a:spLocks noGrp="1"/>
+              </p:cNvSpPr>
+              <p:nvPr>
+                <p:ph sz="half" idx="1"/>
+              </p:nvPr>
+            </p:nvSpPr>
+            <p:spPr/>
+            <p:txBody>
+              <a:bodyPr>
+                <a:normAutofit/>
+              </a:bodyPr>
+              <a:lstStyle/>
+              <a:p>
+                <a:r>
+                  <a:rPr lang="en-US" b="1" dirty="0" smtClean="0"/>
+                  <a:t>Conditionally uniform models</a:t>
+                </a:r>
+              </a:p>
+              <a:p>
+                <a:pPr lvl="1"/>
+                <a:r>
+                  <a:rPr lang="en-US" dirty="0" smtClean="0"/>
+                  <a:t>Given some condition, every tie has a uniform probability of forming</a:t>
+                </a:r>
+              </a:p>
+              <a:p>
+                <a:pPr lvl="1"/>
+                <a:r>
+                  <a:rPr lang="en-US" dirty="0" smtClean="0"/>
+                  <a:t>Not good models for most networks</a:t>
+                </a:r>
+              </a:p>
+              <a:p>
+                <a:pPr lvl="1"/>
+                <a:r>
+                  <a:rPr lang="en-US" dirty="0" smtClean="0"/>
+                  <a:t>Useful as null models for hypothesis testing</a:t>
+                </a:r>
+              </a:p>
+              <a:p>
+                <a:pPr lvl="2"/>
+                <a:r>
+                  <a:rPr lang="en-US" dirty="0" smtClean="0"/>
+                  <a:t>Comparisons to observed network can reveal important differences</a:t>
+                </a:r>
+              </a:p>
+              <a:p>
+                <a:r>
+                  <a:rPr lang="en-US" dirty="0" smtClean="0"/>
+                  <a:t>BRG(</a:t>
+                </a:r>
+                <a:r>
+                  <a:rPr lang="el-GR" i="1" dirty="0" smtClean="0">
+                    <a:latin typeface="Times New Roman" panose="02020603050405020304" pitchFamily="18" charset="0"/>
+                    <a:cs typeface="Times New Roman" panose="02020603050405020304" pitchFamily="18" charset="0"/>
+                  </a:rPr>
+                  <a:t>ρ</a:t>
+                </a:r>
+                <a:r>
+                  <a:rPr lang="en-US" dirty="0" smtClean="0"/>
+                  <a:t>): Bernoulli random graphs</a:t>
+                </a:r>
+              </a:p>
+              <a:p>
+                <a:pPr lvl="1"/>
+                <a:r>
+                  <a:rPr lang="en-US" dirty="0" smtClean="0"/>
+                  <a:t>The probability of each tie is a constant </a:t>
+                </a:r>
+                <a:r>
+                  <a:rPr lang="el-GR" i="1" dirty="0" smtClean="0">
+                    <a:latin typeface="Times New Roman" panose="02020603050405020304" pitchFamily="18" charset="0"/>
+                    <a:cs typeface="Times New Roman" panose="02020603050405020304" pitchFamily="18" charset="0"/>
+                  </a:rPr>
+                  <a:t>ρ</a:t>
+                </a:r>
+                <a:endParaRPr lang="en-US" i="1" dirty="0" smtClean="0">
+                  <a:latin typeface="Times New Roman" panose="02020603050405020304" pitchFamily="18" charset="0"/>
+                  <a:cs typeface="Times New Roman" panose="02020603050405020304" pitchFamily="18" charset="0"/>
+                </a:endParaRPr>
+              </a:p>
+              <a:p>
+                <a:pPr lvl="1"/>
+                <a:r>
+                  <a:rPr lang="en-US" dirty="0" smtClean="0"/>
+                  <a:t>MLE </a:t>
+                </a:r>
+                <a14:m>
+                  <m:oMath xmlns:m="http://schemas.openxmlformats.org/officeDocument/2006/math">
+                    <m:acc>
+                      <m:accPr>
+                        <m:chr m:val="̂"/>
+                        <m:ctrlPr>
+                          <a:rPr lang="el-GR" i="1" dirty="0" smtClean="0">
+                            <a:latin typeface="Cambria Math" panose="02040503050406030204" pitchFamily="18" charset="0"/>
+                            <a:cs typeface="Times New Roman" panose="02020603050405020304" pitchFamily="18" charset="0"/>
+                          </a:rPr>
+                        </m:ctrlPr>
+                      </m:accPr>
+                      <m:e>
+                        <m:r>
+                          <a:rPr lang="el-GR" i="1" dirty="0" smtClean="0">
+                            <a:latin typeface="Cambria Math" panose="02040503050406030204" pitchFamily="18" charset="0"/>
+                            <a:ea typeface="Cambria Math" panose="02040503050406030204" pitchFamily="18" charset="0"/>
+                            <a:cs typeface="Times New Roman" panose="02020603050405020304" pitchFamily="18" charset="0"/>
+                          </a:rPr>
+                          <m:t>𝜌</m:t>
+                        </m:r>
+                      </m:e>
+                    </m:acc>
+                  </m:oMath>
+                </a14:m>
+                <a:r>
+                  <a:rPr lang="en-US" dirty="0" smtClean="0"/>
+                  <a:t> is the density </a:t>
+                </a:r>
+                <a14:m>
+                  <m:oMath xmlns:m="http://schemas.openxmlformats.org/officeDocument/2006/math">
+                    <m:acc>
+                      <m:accPr>
+                        <m:chr m:val="̅"/>
+                        <m:ctrlPr>
+                          <a:rPr lang="en-US" b="0" i="1" smtClean="0">
+                            <a:latin typeface="Cambria Math" panose="02040503050406030204" pitchFamily="18" charset="0"/>
+                          </a:rPr>
+                        </m:ctrlPr>
+                      </m:accPr>
+                      <m:e>
+                        <m:r>
+                          <a:rPr lang="en-US" b="0" i="1" smtClean="0">
+                            <a:latin typeface="Cambria Math" panose="02040503050406030204" pitchFamily="18" charset="0"/>
+                          </a:rPr>
+                          <m:t>𝑦</m:t>
+                        </m:r>
+                      </m:e>
+                    </m:acc>
+                  </m:oMath>
+                </a14:m>
+                <a:endParaRPr lang="en-US" dirty="0" smtClean="0"/>
+              </a:p>
+              <a:p>
+                <a:r>
+                  <a:rPr lang="en-US" dirty="0" smtClean="0"/>
+                  <a:t>CUG(</a:t>
+                </a:r>
+                <a:r>
+                  <a:rPr lang="en-US" i="1" dirty="0" smtClean="0">
+                    <a:latin typeface="Times New Roman" panose="02020603050405020304" pitchFamily="18" charset="0"/>
+                    <a:cs typeface="Times New Roman" panose="02020603050405020304" pitchFamily="18" charset="0"/>
+                  </a:rPr>
+                  <a:t>s</a:t>
+                </a:r>
+                <a:r>
+                  <a:rPr lang="en-US" dirty="0" smtClean="0"/>
+                  <a:t>): </a:t>
+                </a:r>
+                <a:r>
+                  <a:rPr lang="en-US" dirty="0" err="1" smtClean="0"/>
+                  <a:t>Erdos-Reyni</a:t>
+                </a:r>
+                <a:r>
+                  <a:rPr lang="en-US" dirty="0" smtClean="0"/>
+                  <a:t> graphs</a:t>
+                </a:r>
+              </a:p>
+              <a:p>
+                <a:pPr lvl="1"/>
+                <a:r>
+                  <a:rPr lang="en-US" dirty="0" smtClean="0"/>
+                  <a:t>All networks with </a:t>
+                </a:r>
+                <a:r>
+                  <a:rPr lang="en-US" i="1" dirty="0">
+                    <a:latin typeface="Times New Roman" panose="02020603050405020304" pitchFamily="18" charset="0"/>
+                    <a:cs typeface="Times New Roman" panose="02020603050405020304" pitchFamily="18" charset="0"/>
+                  </a:rPr>
+                  <a:t>s</a:t>
+                </a:r>
+                <a:r>
+                  <a:rPr lang="en-US" dirty="0" smtClean="0"/>
+                  <a:t> total ties are equally probable</a:t>
+                </a:r>
+                <a:endParaRPr lang="en-US" dirty="0"/>
+              </a:p>
+              <a:p>
+                <a:pPr lvl="1"/>
+                <a:r>
+                  <a:rPr lang="en-US" dirty="0" smtClean="0"/>
+                  <a:t>Often similar to the Bernoulli graphs</a:t>
+                </a:r>
+              </a:p>
+            </p:txBody>
+          </p:sp>
+        </mc:Choice>
+        <mc:Fallback>
+          <p:sp>
+            <p:nvSpPr>
+              <p:cNvPr id="3" name="Content Placeholder 2"/>
+              <p:cNvSpPr>
+                <a:spLocks noGrp="1" noRot="1" noChangeAspect="1" noMove="1" noResize="1" noEditPoints="1" noAdjustHandles="1" noChangeArrowheads="1" noChangeShapeType="1" noTextEdit="1"/>
+              </p:cNvSpPr>
+              <p:nvPr>
+                <p:ph sz="half" idx="1"/>
+              </p:nvPr>
+            </p:nvSpPr>
+            <p:spPr>
+              <a:blipFill rotWithShape="0">
+                <a:blip r:embed="rId2"/>
+                <a:stretch>
+                  <a:fillRect l="-1235" t="-1348" b="-809"/>
+                </a:stretch>
+              </a:blipFill>
+            </p:spPr>
+            <p:txBody>
+              <a:bodyPr/>
+              <a:lstStyle/>
+              <a:p>
+                <a:r>
+                  <a:rPr lang="en-US">
+                    <a:noFill/>
+                  </a:rPr>
+                  <a:t> </a:t>
+                </a:r>
+              </a:p>
+            </p:txBody>
+          </p:sp>
+        </mc:Fallback>
+      </mc:AlternateContent>
+      <p:sp>
+        <p:nvSpPr>
+          <p:cNvPr id="4" name="Content Placeholder 3"/>
+          <p:cNvSpPr>
+            <a:spLocks noGrp="1"/>
+          </p:cNvSpPr>
+          <p:nvPr>
+            <p:ph sz="half" idx="2"/>
           </p:nvPr>
         </p:nvSpPr>
         <p:spPr/>
         <p:txBody>
-          <a:bodyPr/>
+          <a:bodyPr>
+            <a:normAutofit/>
+          </a:bodyPr>
           <a:lstStyle/>
           <a:p>
-            <a:endParaRPr lang="en-US"/>
-          </a:p>
-        </p:txBody>
-      </p:sp>
-      <p:sp>
-        <p:nvSpPr>
-          <p:cNvPr id="4" name="Content Placeholder 3"/>
-          <p:cNvSpPr>
-            <a:spLocks noGrp="1"/>
-          </p:cNvSpPr>
-          <p:nvPr>
-            <p:ph sz="half" idx="2"/>
-          </p:nvPr>
-        </p:nvSpPr>
-        <p:spPr/>
-        <p:txBody>
-          <a:bodyPr/>
-          <a:lstStyle/>
-          <a:p>
-            <a:endParaRPr lang="en-US"/>
+            <a:r>
+              <a:rPr lang="en-US" dirty="0" smtClean="0">
+                <a:solidFill>
+                  <a:srgbClr val="3366FF"/>
+                </a:solidFill>
+              </a:rPr>
+              <a:t>Interactive: </a:t>
+            </a:r>
+            <a:r>
+              <a:rPr lang="en-US" dirty="0" smtClean="0"/>
+              <a:t>Revisit the plots of degree and geodesic distributions. </a:t>
+            </a:r>
+          </a:p>
+          <a:p>
+            <a:pPr lvl="1"/>
+            <a:r>
+              <a:rPr lang="en-US" dirty="0" smtClean="0"/>
+              <a:t>Add overlays of expected distributions from the null models.</a:t>
+            </a:r>
+          </a:p>
+          <a:p>
+            <a:pPr lvl="1"/>
+            <a:r>
+              <a:rPr lang="en-US" dirty="0" smtClean="0"/>
+              <a:t>What can we learn about </a:t>
+            </a:r>
+            <a:r>
+              <a:rPr lang="en-US" dirty="0" err="1" smtClean="0"/>
+              <a:t>faux.mesa.high</a:t>
+            </a:r>
+            <a:r>
+              <a:rPr lang="en-US" dirty="0" smtClean="0"/>
+              <a:t> from these comparisons?</a:t>
+            </a:r>
+          </a:p>
+          <a:p>
+            <a:r>
+              <a:rPr lang="en-US" dirty="0" smtClean="0"/>
+              <a:t>What do the null models </a:t>
+            </a:r>
+            <a:r>
+              <a:rPr lang="en-US" b="1" dirty="0" smtClean="0"/>
+              <a:t>not</a:t>
+            </a:r>
+            <a:r>
+              <a:rPr lang="en-US" dirty="0" smtClean="0"/>
+              <a:t> tell us?</a:t>
+            </a:r>
+            <a:endParaRPr lang="en-US" dirty="0"/>
           </a:p>
         </p:txBody>
       </p:sp>
     </p:spTree>
     <p:extLst>
       <p:ext uri="{BB962C8B-B14F-4D97-AF65-F5344CB8AC3E}">
-        <p14:creationId xmlns:p14="http://schemas.microsoft.com/office/powerpoint/2010/main" val="3731357647"/>
+        <p14:creationId xmlns:p14="http://schemas.microsoft.com/office/powerpoint/2010/main" val="2751230690"/>
+      </p:ext>
+    </p:extLst>
+  </p:cSld>
+  <p:clrMapOvr>
+    <a:masterClrMapping/>
+  </p:clrMapOvr>
+</p:sld>
+</file>
+
+<file path=ppt/slides/slide17.xml><?xml version="1.0" encoding="utf-8"?>
+<p:sld xmlns:a="http://schemas.openxmlformats.org/drawingml/2006/main" xmlns:r="http://schemas.openxmlformats.org/officeDocument/2006/relationships" xmlns:p="http://schemas.openxmlformats.org/presentationml/2006/main">
+  <p:cSld>
+    <p:spTree>
+      <p:nvGrpSpPr>
+        <p:cNvPr id="1" name=""/>
+        <p:cNvGrpSpPr/>
+        <p:nvPr/>
+      </p:nvGrpSpPr>
+      <p:grpSpPr>
+        <a:xfrm>
+          <a:off x="0" y="0"/>
+          <a:ext cx="0" cy="0"/>
+          <a:chOff x="0" y="0"/>
+          <a:chExt cx="0" cy="0"/>
+        </a:xfrm>
+      </p:grpSpPr>
+      <p:sp>
+        <p:nvSpPr>
+          <p:cNvPr id="2" name="Title 1"/>
+          <p:cNvSpPr>
+            <a:spLocks noGrp="1"/>
+          </p:cNvSpPr>
+          <p:nvPr>
+            <p:ph type="title"/>
+          </p:nvPr>
+        </p:nvSpPr>
+        <p:spPr/>
+        <p:txBody>
+          <a:bodyPr>
+            <a:normAutofit/>
+          </a:bodyPr>
+          <a:lstStyle/>
+          <a:p>
+            <a:r>
+              <a:rPr lang="en-US" dirty="0" smtClean="0"/>
+              <a:t>Statistical Models</a:t>
+            </a:r>
+            <a:endParaRPr lang="en-US" dirty="0"/>
+          </a:p>
+        </p:txBody>
+      </p:sp>
+      <p:sp>
+        <p:nvSpPr>
+          <p:cNvPr id="3" name="Content Placeholder 2"/>
+          <p:cNvSpPr>
+            <a:spLocks noGrp="1"/>
+          </p:cNvSpPr>
+          <p:nvPr>
+            <p:ph sz="half" idx="1"/>
+          </p:nvPr>
+        </p:nvSpPr>
+        <p:spPr/>
+        <p:txBody>
+          <a:bodyPr>
+            <a:normAutofit fontScale="85000" lnSpcReduction="20000"/>
+          </a:bodyPr>
+          <a:lstStyle/>
+          <a:p>
+            <a:r>
+              <a:rPr lang="en-US" b="1" dirty="0" smtClean="0"/>
+              <a:t>Covariate effects</a:t>
+            </a:r>
+          </a:p>
+          <a:p>
+            <a:pPr lvl="1"/>
+            <a:r>
+              <a:rPr lang="en-US" dirty="0" smtClean="0"/>
+              <a:t>We can rearrange </a:t>
+            </a:r>
+            <a:r>
+              <a:rPr lang="en-US" dirty="0"/>
+              <a:t>the rows and columns of an adjacency matrix to create a </a:t>
+            </a:r>
+            <a:r>
+              <a:rPr lang="en-US" dirty="0" err="1" smtClean="0"/>
+              <a:t>blockmodel</a:t>
+            </a:r>
+            <a:r>
+              <a:rPr lang="en-US" dirty="0" smtClean="0"/>
+              <a:t>, </a:t>
+            </a:r>
+            <a:r>
+              <a:rPr lang="en-US" dirty="0"/>
+              <a:t>where nodes are grouped by values of a nodal </a:t>
+            </a:r>
+            <a:r>
+              <a:rPr lang="en-US" dirty="0" smtClean="0"/>
+              <a:t>covariate</a:t>
+            </a:r>
+          </a:p>
+          <a:p>
+            <a:pPr lvl="1"/>
+            <a:r>
+              <a:rPr lang="en-US" dirty="0"/>
+              <a:t>E</a:t>
+            </a:r>
+            <a:r>
+              <a:rPr lang="en-US" dirty="0" smtClean="0"/>
+              <a:t>ach </a:t>
+            </a:r>
+            <a:r>
+              <a:rPr lang="en-US" dirty="0"/>
+              <a:t>block is a subgraph with its own </a:t>
+            </a:r>
+            <a:r>
+              <a:rPr lang="en-US" dirty="0" smtClean="0"/>
+              <a:t>density</a:t>
+            </a:r>
+          </a:p>
+          <a:p>
+            <a:pPr lvl="1"/>
+            <a:endParaRPr lang="en-US" dirty="0" smtClean="0"/>
+          </a:p>
+          <a:p>
+            <a:pPr lvl="1"/>
+            <a:endParaRPr lang="en-US" dirty="0"/>
+          </a:p>
+          <a:p>
+            <a:pPr lvl="1"/>
+            <a:endParaRPr lang="en-US" dirty="0" smtClean="0"/>
+          </a:p>
+          <a:p>
+            <a:pPr lvl="1"/>
+            <a:endParaRPr lang="en-US" dirty="0"/>
+          </a:p>
+          <a:p>
+            <a:pPr lvl="1"/>
+            <a:endParaRPr lang="en-US" dirty="0" smtClean="0"/>
+          </a:p>
+          <a:p>
+            <a:pPr lvl="1"/>
+            <a:endParaRPr lang="en-US" sz="800" dirty="0" smtClean="0"/>
+          </a:p>
+          <a:p>
+            <a:pPr lvl="1"/>
+            <a:r>
+              <a:rPr lang="en-US" dirty="0" smtClean="0"/>
+              <a:t>The </a:t>
+            </a:r>
+            <a:r>
+              <a:rPr lang="en-US" dirty="0"/>
+              <a:t>relative rates </a:t>
+            </a:r>
+            <a:r>
+              <a:rPr lang="en-US" i="1" dirty="0" smtClean="0">
+                <a:latin typeface="Times New Roman" panose="02020603050405020304" pitchFamily="18" charset="0"/>
+                <a:cs typeface="Times New Roman" panose="02020603050405020304" pitchFamily="18" charset="0"/>
+              </a:rPr>
+              <a:t>              </a:t>
+            </a:r>
+            <a:r>
+              <a:rPr lang="en-US" dirty="0" smtClean="0"/>
+              <a:t>capture </a:t>
+            </a:r>
+            <a:r>
+              <a:rPr lang="en-US" dirty="0"/>
+              <a:t>the relative tendency of ties in heterogeneous pairs compared to the baseline rate </a:t>
+            </a:r>
+            <a:r>
+              <a:rPr lang="en-US" i="1" dirty="0">
+                <a:latin typeface="Times New Roman" panose="02020603050405020304" pitchFamily="18" charset="0"/>
+                <a:cs typeface="Times New Roman" panose="02020603050405020304" pitchFamily="18" charset="0"/>
+              </a:rPr>
+              <a:t>p</a:t>
+            </a:r>
+            <a:r>
+              <a:rPr lang="en-US" i="1" baseline="-25000" dirty="0">
+                <a:latin typeface="Times New Roman" panose="02020603050405020304" pitchFamily="18" charset="0"/>
+                <a:cs typeface="Times New Roman" panose="02020603050405020304" pitchFamily="18" charset="0"/>
+              </a:rPr>
+              <a:t>00 </a:t>
+            </a:r>
+            <a:endParaRPr lang="en-US" i="1" baseline="-25000" dirty="0" smtClean="0">
+              <a:latin typeface="Times New Roman" panose="02020603050405020304" pitchFamily="18" charset="0"/>
+              <a:cs typeface="Times New Roman" panose="02020603050405020304" pitchFamily="18" charset="0"/>
+            </a:endParaRPr>
+          </a:p>
+          <a:p>
+            <a:r>
+              <a:rPr lang="en-US" b="1" dirty="0" smtClean="0"/>
+              <a:t>Odds </a:t>
+            </a:r>
+            <a:r>
+              <a:rPr lang="en-US" b="1" dirty="0"/>
+              <a:t>ratios for tie </a:t>
+            </a:r>
+            <a:r>
+              <a:rPr lang="en-US" b="1" dirty="0" smtClean="0"/>
+              <a:t>preferences</a:t>
+            </a:r>
+          </a:p>
+          <a:p>
+            <a:pPr lvl="1"/>
+            <a:endParaRPr lang="en-US" dirty="0" smtClean="0"/>
+          </a:p>
+          <a:p>
+            <a:pPr marL="201168" lvl="1" indent="0">
+              <a:buNone/>
+            </a:pPr>
+            <a:endParaRPr lang="en-US" dirty="0" smtClean="0"/>
+          </a:p>
+          <a:p>
+            <a:pPr lvl="1"/>
+            <a:endParaRPr lang="en-US" dirty="0" smtClean="0"/>
+          </a:p>
+          <a:p>
+            <a:pPr lvl="1"/>
+            <a:r>
+              <a:rPr lang="en-US" dirty="0" smtClean="0"/>
+              <a:t>The odds ratio                  represents the preference for </a:t>
+            </a:r>
+            <a:r>
+              <a:rPr lang="en-US" dirty="0" err="1" smtClean="0"/>
+              <a:t>homophily</a:t>
+            </a:r>
+            <a:endParaRPr lang="en-US" dirty="0"/>
+          </a:p>
+        </p:txBody>
+      </p:sp>
+      <mc:AlternateContent xmlns:mc="http://schemas.openxmlformats.org/markup-compatibility/2006">
+        <mc:Choice xmlns:a14="http://schemas.microsoft.com/office/drawing/2010/main" Requires="a14">
+          <p:sp>
+            <p:nvSpPr>
+              <p:cNvPr id="4" name="Content Placeholder 3"/>
+              <p:cNvSpPr>
+                <a:spLocks noGrp="1"/>
+              </p:cNvSpPr>
+              <p:nvPr>
+                <p:ph sz="half" idx="2"/>
+              </p:nvPr>
+            </p:nvSpPr>
+            <p:spPr/>
+            <p:txBody>
+              <a:bodyPr>
+                <a:normAutofit fontScale="85000" lnSpcReduction="20000"/>
+              </a:bodyPr>
+              <a:lstStyle/>
+              <a:p>
+                <a:pPr>
+                  <a:lnSpc>
+                    <a:spcPct val="120000"/>
+                  </a:lnSpc>
+                </a:pPr>
+                <a:r>
+                  <a:rPr lang="en-US" sz="2400" dirty="0" smtClean="0">
+                    <a:solidFill>
+                      <a:srgbClr val="3366FF"/>
+                    </a:solidFill>
+                  </a:rPr>
+                  <a:t>Interactive: </a:t>
+                </a:r>
+                <a:r>
+                  <a:rPr lang="en-US" sz="2400" dirty="0" smtClean="0"/>
+                  <a:t>Find the probabilities of ties within and between the sexes in </a:t>
+                </a:r>
+                <a:r>
+                  <a:rPr lang="en-US" sz="2400" dirty="0" err="1" smtClean="0"/>
+                  <a:t>faux.mesa.high</a:t>
+                </a:r>
+                <a:endParaRPr lang="en-US" sz="2400" dirty="0" smtClean="0"/>
+              </a:p>
+              <a:p>
+                <a:pPr lvl="1">
+                  <a:lnSpc>
+                    <a:spcPct val="120000"/>
+                  </a:lnSpc>
+                </a:pPr>
+                <a:r>
+                  <a:rPr lang="en-US" sz="1900" dirty="0" smtClean="0"/>
+                  <a:t>Look at the mixing matrix based on the sex attribute</a:t>
+                </a:r>
+              </a:p>
+              <a:p>
+                <a:pPr lvl="1">
+                  <a:lnSpc>
+                    <a:spcPct val="120000"/>
+                  </a:lnSpc>
+                </a:pPr>
+                <a:r>
+                  <a:rPr lang="en-US" sz="1900" dirty="0" smtClean="0"/>
+                  <a:t>Calculate </a:t>
+                </a:r>
+                <a14:m>
+                  <m:oMath xmlns:m="http://schemas.openxmlformats.org/officeDocument/2006/math">
+                    <m:d>
+                      <m:dPr>
+                        <m:begChr m:val="{"/>
+                        <m:endChr m:val="}"/>
+                        <m:ctrlPr>
+                          <a:rPr lang="en-US" sz="1900" i="1" smtClean="0">
+                            <a:latin typeface="Cambria Math" panose="02040503050406030204" pitchFamily="18" charset="0"/>
+                          </a:rPr>
+                        </m:ctrlPr>
+                      </m:dPr>
+                      <m:e>
+                        <m:sSub>
+                          <m:sSubPr>
+                            <m:ctrlPr>
+                              <a:rPr lang="en-US" sz="1900" i="1" smtClean="0">
+                                <a:latin typeface="Cambria Math" panose="02040503050406030204" pitchFamily="18" charset="0"/>
+                              </a:rPr>
+                            </m:ctrlPr>
+                          </m:sSubPr>
+                          <m:e>
+                            <m:r>
+                              <a:rPr lang="en-US" sz="1900" b="0" i="1" smtClean="0">
+                                <a:latin typeface="Cambria Math" panose="02040503050406030204" pitchFamily="18" charset="0"/>
+                              </a:rPr>
+                              <m:t>𝑝</m:t>
+                            </m:r>
+                          </m:e>
+                          <m:sub>
+                            <m:r>
+                              <a:rPr lang="en-US" sz="1900" b="0" i="1" smtClean="0">
+                                <a:latin typeface="Cambria Math" panose="02040503050406030204" pitchFamily="18" charset="0"/>
+                              </a:rPr>
+                              <m:t>𝐹𝐹</m:t>
+                            </m:r>
+                          </m:sub>
+                        </m:sSub>
+                        <m:r>
+                          <a:rPr lang="en-US" sz="1900" b="0" i="1" smtClean="0">
+                            <a:latin typeface="Cambria Math" panose="02040503050406030204" pitchFamily="18" charset="0"/>
+                          </a:rPr>
+                          <m:t>, </m:t>
+                        </m:r>
+                        <m:sSub>
+                          <m:sSubPr>
+                            <m:ctrlPr>
+                              <a:rPr lang="en-US" sz="1900" i="1">
+                                <a:latin typeface="Cambria Math" panose="02040503050406030204" pitchFamily="18" charset="0"/>
+                              </a:rPr>
+                            </m:ctrlPr>
+                          </m:sSubPr>
+                          <m:e>
+                            <m:r>
+                              <a:rPr lang="en-US" sz="1900" i="1">
+                                <a:latin typeface="Cambria Math" panose="02040503050406030204" pitchFamily="18" charset="0"/>
+                              </a:rPr>
+                              <m:t>𝑝</m:t>
+                            </m:r>
+                          </m:e>
+                          <m:sub>
+                            <m:r>
+                              <a:rPr lang="en-US" sz="1900" i="1">
+                                <a:latin typeface="Cambria Math" panose="02040503050406030204" pitchFamily="18" charset="0"/>
+                              </a:rPr>
+                              <m:t>𝐹</m:t>
+                            </m:r>
+                            <m:r>
+                              <a:rPr lang="en-US" sz="1900" b="0" i="1" smtClean="0">
+                                <a:latin typeface="Cambria Math" panose="02040503050406030204" pitchFamily="18" charset="0"/>
+                              </a:rPr>
+                              <m:t>𝑀</m:t>
+                            </m:r>
+                          </m:sub>
+                        </m:sSub>
+                        <m:r>
+                          <a:rPr lang="en-US" sz="1900" b="0" i="1" smtClean="0">
+                            <a:latin typeface="Cambria Math" panose="02040503050406030204" pitchFamily="18" charset="0"/>
+                          </a:rPr>
+                          <m:t>,</m:t>
+                        </m:r>
+                        <m:sSub>
+                          <m:sSubPr>
+                            <m:ctrlPr>
+                              <a:rPr lang="en-US" sz="1900" i="1">
+                                <a:latin typeface="Cambria Math" panose="02040503050406030204" pitchFamily="18" charset="0"/>
+                              </a:rPr>
+                            </m:ctrlPr>
+                          </m:sSubPr>
+                          <m:e>
+                            <m:r>
+                              <a:rPr lang="en-US" sz="1900" b="0" i="1" smtClean="0">
+                                <a:latin typeface="Cambria Math" panose="02040503050406030204" pitchFamily="18" charset="0"/>
+                              </a:rPr>
+                              <m:t> </m:t>
+                            </m:r>
+                            <m:r>
+                              <a:rPr lang="en-US" sz="1900" i="1">
+                                <a:latin typeface="Cambria Math" panose="02040503050406030204" pitchFamily="18" charset="0"/>
+                              </a:rPr>
+                              <m:t>𝑝</m:t>
+                            </m:r>
+                          </m:e>
+                          <m:sub>
+                            <m:r>
+                              <a:rPr lang="en-US" sz="1900" b="0" i="1" smtClean="0">
+                                <a:latin typeface="Cambria Math" panose="02040503050406030204" pitchFamily="18" charset="0"/>
+                              </a:rPr>
+                              <m:t>𝑀</m:t>
+                            </m:r>
+                            <m:r>
+                              <a:rPr lang="en-US" sz="1900" i="1">
+                                <a:latin typeface="Cambria Math" panose="02040503050406030204" pitchFamily="18" charset="0"/>
+                              </a:rPr>
+                              <m:t>𝐹</m:t>
+                            </m:r>
+                          </m:sub>
+                        </m:sSub>
+                        <m:r>
+                          <a:rPr lang="en-US" sz="1900" b="0" i="1" smtClean="0">
+                            <a:latin typeface="Cambria Math" panose="02040503050406030204" pitchFamily="18" charset="0"/>
+                          </a:rPr>
+                          <m:t>,</m:t>
+                        </m:r>
+                        <m:sSub>
+                          <m:sSubPr>
+                            <m:ctrlPr>
+                              <a:rPr lang="en-US" sz="1900" i="1">
+                                <a:latin typeface="Cambria Math" panose="02040503050406030204" pitchFamily="18" charset="0"/>
+                              </a:rPr>
+                            </m:ctrlPr>
+                          </m:sSubPr>
+                          <m:e>
+                            <m:r>
+                              <a:rPr lang="en-US" sz="1900" i="1">
+                                <a:latin typeface="Cambria Math" panose="02040503050406030204" pitchFamily="18" charset="0"/>
+                              </a:rPr>
+                              <m:t>𝑝</m:t>
+                            </m:r>
+                          </m:e>
+                          <m:sub>
+                            <m:r>
+                              <a:rPr lang="en-US" sz="1900" b="0" i="1" smtClean="0">
+                                <a:latin typeface="Cambria Math" panose="02040503050406030204" pitchFamily="18" charset="0"/>
+                              </a:rPr>
+                              <m:t>𝑀𝑀</m:t>
+                            </m:r>
+                          </m:sub>
+                        </m:sSub>
+                      </m:e>
+                    </m:d>
+                  </m:oMath>
+                </a14:m>
+                <a:r>
+                  <a:rPr lang="en-US" sz="1900" dirty="0" smtClean="0"/>
+                  <a:t> by dividing the total ties in each block by the total number of ties</a:t>
+                </a:r>
+              </a:p>
+              <a:p>
+                <a:pPr lvl="2">
+                  <a:lnSpc>
+                    <a:spcPct val="120000"/>
+                  </a:lnSpc>
+                </a:pPr>
+                <a:r>
+                  <a:rPr lang="en-US" sz="1600" dirty="0" smtClean="0"/>
+                  <a:t>Caution: Is the total number of ties equal to the sum of all four blocks in the mixing matrix?</a:t>
+                </a:r>
+              </a:p>
+              <a:p>
+                <a:pPr lvl="1">
+                  <a:lnSpc>
+                    <a:spcPct val="120000"/>
+                  </a:lnSpc>
+                </a:pPr>
+                <a:r>
+                  <a:rPr lang="en-US" sz="1900" dirty="0" smtClean="0"/>
+                  <a:t>Now find the relative rates</a:t>
+                </a:r>
+                <a:endParaRPr lang="en-US" sz="1900" dirty="0"/>
+              </a:p>
+            </p:txBody>
+          </p:sp>
+        </mc:Choice>
+        <mc:Fallback>
+          <p:sp>
+            <p:nvSpPr>
+              <p:cNvPr id="4" name="Content Placeholder 3"/>
+              <p:cNvSpPr>
+                <a:spLocks noGrp="1" noRot="1" noChangeAspect="1" noMove="1" noResize="1" noEditPoints="1" noAdjustHandles="1" noChangeArrowheads="1" noChangeShapeType="1" noTextEdit="1"/>
+              </p:cNvSpPr>
+              <p:nvPr>
+                <p:ph sz="half" idx="2"/>
+              </p:nvPr>
+            </p:nvSpPr>
+            <p:spPr>
+              <a:blipFill rotWithShape="0">
+                <a:blip r:embed="rId3"/>
+                <a:stretch>
+                  <a:fillRect l="-1235" t="-674" r="-3827"/>
+                </a:stretch>
+              </a:blipFill>
+            </p:spPr>
+            <p:txBody>
+              <a:bodyPr/>
+              <a:lstStyle/>
+              <a:p>
+                <a:r>
+                  <a:rPr lang="en-US">
+                    <a:noFill/>
+                  </a:rPr>
+                  <a:t> </a:t>
+                </a:r>
+              </a:p>
+            </p:txBody>
+          </p:sp>
+        </mc:Fallback>
+      </mc:AlternateContent>
+      <p:pic>
+        <p:nvPicPr>
+          <p:cNvPr id="5" name="Picture 4"/>
+          <p:cNvPicPr>
+            <a:picLocks noChangeAspect="1"/>
+          </p:cNvPicPr>
+          <p:nvPr/>
+        </p:nvPicPr>
+        <p:blipFill rotWithShape="1">
+          <a:blip r:embed="rId4"/>
+          <a:srcRect t="8987" b="9172"/>
+          <a:stretch/>
+        </p:blipFill>
+        <p:spPr>
+          <a:xfrm>
+            <a:off x="2289621" y="2330468"/>
+            <a:ext cx="2152950" cy="1153886"/>
+          </a:xfrm>
+          <a:prstGeom prst="rect">
+            <a:avLst/>
+          </a:prstGeom>
+        </p:spPr>
+      </p:pic>
+      <p:graphicFrame>
+        <p:nvGraphicFramePr>
+          <p:cNvPr id="6" name="Object 5"/>
+          <p:cNvGraphicFramePr>
+            <a:graphicFrameLocks noChangeAspect="1"/>
+          </p:cNvGraphicFramePr>
+          <p:nvPr>
+            <p:extLst>
+              <p:ext uri="{D42A27DB-BD31-4B8C-83A1-F6EECF244321}">
+                <p14:modId xmlns:p14="http://schemas.microsoft.com/office/powerpoint/2010/main" val="3124097030"/>
+              </p:ext>
+            </p:extLst>
+          </p:nvPr>
+        </p:nvGraphicFramePr>
+        <p:xfrm>
+          <a:off x="7182758" y="3759043"/>
+          <a:ext cx="2249334" cy="671443"/>
+        </p:xfrm>
+        <a:graphic>
+          <a:graphicData uri="http://schemas.openxmlformats.org/presentationml/2006/ole">
+            <mc:AlternateContent xmlns:mc="http://schemas.openxmlformats.org/markup-compatibility/2006">
+              <mc:Choice xmlns:v="urn:schemas-microsoft-com:vml" Requires="v">
+                <p:oleObj spid="_x0000_s3103" name="Equation" r:id="rId5" imgW="1701720" imgH="507960" progId="Equation.DSMT4">
+                  <p:embed/>
+                </p:oleObj>
+              </mc:Choice>
+              <mc:Fallback>
+                <p:oleObj name="Equation" r:id="rId5" imgW="1701720" imgH="507960" progId="Equation.DSMT4">
+                  <p:embed/>
+                  <p:pic>
+                    <p:nvPicPr>
+                      <p:cNvPr id="0" name=""/>
+                      <p:cNvPicPr/>
+                      <p:nvPr/>
+                    </p:nvPicPr>
+                    <p:blipFill>
+                      <a:blip r:embed="rId6"/>
+                      <a:stretch>
+                        <a:fillRect/>
+                      </a:stretch>
+                    </p:blipFill>
+                    <p:spPr>
+                      <a:xfrm>
+                        <a:off x="7182758" y="3759043"/>
+                        <a:ext cx="2249334" cy="671443"/>
+                      </a:xfrm>
+                      <a:prstGeom prst="rect">
+                        <a:avLst/>
+                      </a:prstGeom>
+                    </p:spPr>
+                  </p:pic>
+                </p:oleObj>
+              </mc:Fallback>
+            </mc:AlternateContent>
+          </a:graphicData>
+        </a:graphic>
+      </p:graphicFrame>
+      <p:graphicFrame>
+        <p:nvGraphicFramePr>
+          <p:cNvPr id="8" name="Object 7"/>
+          <p:cNvGraphicFramePr>
+            <a:graphicFrameLocks noChangeAspect="1"/>
+          </p:cNvGraphicFramePr>
+          <p:nvPr>
+            <p:extLst>
+              <p:ext uri="{D42A27DB-BD31-4B8C-83A1-F6EECF244321}">
+                <p14:modId xmlns:p14="http://schemas.microsoft.com/office/powerpoint/2010/main" val="3492041823"/>
+              </p:ext>
+            </p:extLst>
+          </p:nvPr>
+        </p:nvGraphicFramePr>
+        <p:xfrm>
+          <a:off x="2950321" y="3451709"/>
+          <a:ext cx="558800" cy="431800"/>
+        </p:xfrm>
+        <a:graphic>
+          <a:graphicData uri="http://schemas.openxmlformats.org/presentationml/2006/ole">
+            <mc:AlternateContent xmlns:mc="http://schemas.openxmlformats.org/markup-compatibility/2006">
+              <mc:Choice xmlns:v="urn:schemas-microsoft-com:vml" Requires="v">
+                <p:oleObj spid="_x0000_s3104" name="Equation" r:id="rId7" imgW="558720" imgH="431640" progId="Equation.DSMT4">
+                  <p:embed/>
+                </p:oleObj>
+              </mc:Choice>
+              <mc:Fallback>
+                <p:oleObj name="Equation" r:id="rId7" imgW="558720" imgH="431640" progId="Equation.DSMT4">
+                  <p:embed/>
+                  <p:pic>
+                    <p:nvPicPr>
+                      <p:cNvPr id="0" name=""/>
+                      <p:cNvPicPr/>
+                      <p:nvPr/>
+                    </p:nvPicPr>
+                    <p:blipFill>
+                      <a:blip r:embed="rId8"/>
+                      <a:stretch>
+                        <a:fillRect/>
+                      </a:stretch>
+                    </p:blipFill>
+                    <p:spPr>
+                      <a:xfrm>
+                        <a:off x="2950321" y="3451709"/>
+                        <a:ext cx="558800" cy="431800"/>
+                      </a:xfrm>
+                      <a:prstGeom prst="rect">
+                        <a:avLst/>
+                      </a:prstGeom>
+                    </p:spPr>
+                  </p:pic>
+                </p:oleObj>
+              </mc:Fallback>
+            </mc:AlternateContent>
+          </a:graphicData>
+        </a:graphic>
+      </p:graphicFrame>
+      <p:graphicFrame>
+        <p:nvGraphicFramePr>
+          <p:cNvPr id="9" name="Object 8"/>
+          <p:cNvGraphicFramePr>
+            <a:graphicFrameLocks noChangeAspect="1"/>
+          </p:cNvGraphicFramePr>
+          <p:nvPr>
+            <p:extLst>
+              <p:ext uri="{D42A27DB-BD31-4B8C-83A1-F6EECF244321}">
+                <p14:modId xmlns:p14="http://schemas.microsoft.com/office/powerpoint/2010/main" val="2938098531"/>
+              </p:ext>
+            </p:extLst>
+          </p:nvPr>
+        </p:nvGraphicFramePr>
+        <p:xfrm>
+          <a:off x="1506133" y="4651684"/>
+          <a:ext cx="1193800" cy="419100"/>
+        </p:xfrm>
+        <a:graphic>
+          <a:graphicData uri="http://schemas.openxmlformats.org/presentationml/2006/ole">
+            <mc:AlternateContent xmlns:mc="http://schemas.openxmlformats.org/markup-compatibility/2006">
+              <mc:Choice xmlns:v="urn:schemas-microsoft-com:vml" Requires="v">
+                <p:oleObj spid="_x0000_s3105" name="Equation" r:id="rId9" imgW="1193760" imgH="419040" progId="Equation.DSMT4">
+                  <p:embed/>
+                </p:oleObj>
+              </mc:Choice>
+              <mc:Fallback>
+                <p:oleObj name="Equation" r:id="rId9" imgW="1193760" imgH="419040" progId="Equation.DSMT4">
+                  <p:embed/>
+                  <p:pic>
+                    <p:nvPicPr>
+                      <p:cNvPr id="0" name=""/>
+                      <p:cNvPicPr/>
+                      <p:nvPr/>
+                    </p:nvPicPr>
+                    <p:blipFill>
+                      <a:blip r:embed="rId10"/>
+                      <a:stretch>
+                        <a:fillRect/>
+                      </a:stretch>
+                    </p:blipFill>
+                    <p:spPr>
+                      <a:xfrm>
+                        <a:off x="1506133" y="4651684"/>
+                        <a:ext cx="1193800" cy="419100"/>
+                      </a:xfrm>
+                      <a:prstGeom prst="rect">
+                        <a:avLst/>
+                      </a:prstGeom>
+                    </p:spPr>
+                  </p:pic>
+                </p:oleObj>
+              </mc:Fallback>
+            </mc:AlternateContent>
+          </a:graphicData>
+        </a:graphic>
+      </p:graphicFrame>
+      <p:graphicFrame>
+        <p:nvGraphicFramePr>
+          <p:cNvPr id="10" name="Object 9"/>
+          <p:cNvGraphicFramePr>
+            <a:graphicFrameLocks noChangeAspect="1"/>
+          </p:cNvGraphicFramePr>
+          <p:nvPr>
+            <p:extLst>
+              <p:ext uri="{D42A27DB-BD31-4B8C-83A1-F6EECF244321}">
+                <p14:modId xmlns:p14="http://schemas.microsoft.com/office/powerpoint/2010/main" val="481818793"/>
+              </p:ext>
+            </p:extLst>
+          </p:nvPr>
+        </p:nvGraphicFramePr>
+        <p:xfrm>
+          <a:off x="3154635" y="4605595"/>
+          <a:ext cx="2425700" cy="419100"/>
+        </p:xfrm>
+        <a:graphic>
+          <a:graphicData uri="http://schemas.openxmlformats.org/presentationml/2006/ole">
+            <mc:AlternateContent xmlns:mc="http://schemas.openxmlformats.org/markup-compatibility/2006">
+              <mc:Choice xmlns:v="urn:schemas-microsoft-com:vml" Requires="v">
+                <p:oleObj spid="_x0000_s3106" name="Equation" r:id="rId11" imgW="2425680" imgH="419040" progId="Equation.DSMT4">
+                  <p:embed/>
+                </p:oleObj>
+              </mc:Choice>
+              <mc:Fallback>
+                <p:oleObj name="Equation" r:id="rId11" imgW="2425680" imgH="419040" progId="Equation.DSMT4">
+                  <p:embed/>
+                  <p:pic>
+                    <p:nvPicPr>
+                      <p:cNvPr id="0" name=""/>
+                      <p:cNvPicPr/>
+                      <p:nvPr/>
+                    </p:nvPicPr>
+                    <p:blipFill>
+                      <a:blip r:embed="rId12"/>
+                      <a:stretch>
+                        <a:fillRect/>
+                      </a:stretch>
+                    </p:blipFill>
+                    <p:spPr>
+                      <a:xfrm>
+                        <a:off x="3154635" y="4605595"/>
+                        <a:ext cx="2425700" cy="419100"/>
+                      </a:xfrm>
+                      <a:prstGeom prst="rect">
+                        <a:avLst/>
+                      </a:prstGeom>
+                    </p:spPr>
+                  </p:pic>
+                </p:oleObj>
+              </mc:Fallback>
+            </mc:AlternateContent>
+          </a:graphicData>
+        </a:graphic>
+      </p:graphicFrame>
+      <p:graphicFrame>
+        <p:nvGraphicFramePr>
+          <p:cNvPr id="11" name="Object 10"/>
+          <p:cNvGraphicFramePr>
+            <a:graphicFrameLocks noChangeAspect="1"/>
+          </p:cNvGraphicFramePr>
+          <p:nvPr>
+            <p:extLst>
+              <p:ext uri="{D42A27DB-BD31-4B8C-83A1-F6EECF244321}">
+                <p14:modId xmlns:p14="http://schemas.microsoft.com/office/powerpoint/2010/main" val="3130042922"/>
+              </p:ext>
+            </p:extLst>
+          </p:nvPr>
+        </p:nvGraphicFramePr>
+        <p:xfrm>
+          <a:off x="2613771" y="5242770"/>
+          <a:ext cx="673100" cy="431800"/>
+        </p:xfrm>
+        <a:graphic>
+          <a:graphicData uri="http://schemas.openxmlformats.org/presentationml/2006/ole">
+            <mc:AlternateContent xmlns:mc="http://schemas.openxmlformats.org/markup-compatibility/2006">
+              <mc:Choice xmlns:v="urn:schemas-microsoft-com:vml" Requires="v">
+                <p:oleObj spid="_x0000_s3107" name="Equation" r:id="rId13" imgW="672840" imgH="431640" progId="Equation.DSMT4">
+                  <p:embed/>
+                </p:oleObj>
+              </mc:Choice>
+              <mc:Fallback>
+                <p:oleObj name="Equation" r:id="rId13" imgW="672840" imgH="431640" progId="Equation.DSMT4">
+                  <p:embed/>
+                  <p:pic>
+                    <p:nvPicPr>
+                      <p:cNvPr id="0" name=""/>
+                      <p:cNvPicPr/>
+                      <p:nvPr/>
+                    </p:nvPicPr>
+                    <p:blipFill>
+                      <a:blip r:embed="rId14"/>
+                      <a:stretch>
+                        <a:fillRect/>
+                      </a:stretch>
+                    </p:blipFill>
+                    <p:spPr>
+                      <a:xfrm>
+                        <a:off x="2613771" y="5242770"/>
+                        <a:ext cx="673100" cy="431800"/>
+                      </a:xfrm>
+                      <a:prstGeom prst="rect">
+                        <a:avLst/>
+                      </a:prstGeom>
+                    </p:spPr>
+                  </p:pic>
+                </p:oleObj>
+              </mc:Fallback>
+            </mc:AlternateContent>
+          </a:graphicData>
+        </a:graphic>
+      </p:graphicFrame>
+    </p:spTree>
+    <p:extLst>
+      <p:ext uri="{BB962C8B-B14F-4D97-AF65-F5344CB8AC3E}">
+        <p14:creationId xmlns:p14="http://schemas.microsoft.com/office/powerpoint/2010/main" val="703964243"/>
+      </p:ext>
+    </p:extLst>
+  </p:cSld>
+  <p:clrMapOvr>
+    <a:masterClrMapping/>
+  </p:clrMapOvr>
+  <p:timing>
+    <p:tnLst>
+      <p:par>
+        <p:cTn id="1" dur="indefinite" restart="never" nodeType="tmRoot"/>
+      </p:par>
+    </p:tnLst>
+  </p:timing>
+</p:sld>
+</file>
+
+<file path=ppt/slides/slide18.xml><?xml version="1.0" encoding="utf-8"?>
+<p:sld xmlns:a="http://schemas.openxmlformats.org/drawingml/2006/main" xmlns:r="http://schemas.openxmlformats.org/officeDocument/2006/relationships" xmlns:p="http://schemas.openxmlformats.org/presentationml/2006/main">
+  <p:cSld>
+    <p:spTree>
+      <p:nvGrpSpPr>
+        <p:cNvPr id="1" name=""/>
+        <p:cNvGrpSpPr/>
+        <p:nvPr/>
+      </p:nvGrpSpPr>
+      <p:grpSpPr>
+        <a:xfrm>
+          <a:off x="0" y="0"/>
+          <a:ext cx="0" cy="0"/>
+          <a:chOff x="0" y="0"/>
+          <a:chExt cx="0" cy="0"/>
+        </a:xfrm>
+      </p:grpSpPr>
+      <p:sp>
+        <p:nvSpPr>
+          <p:cNvPr id="2" name="Title 1"/>
+          <p:cNvSpPr>
+            <a:spLocks noGrp="1"/>
+          </p:cNvSpPr>
+          <p:nvPr>
+            <p:ph type="title"/>
+          </p:nvPr>
+        </p:nvSpPr>
+        <p:spPr/>
+        <p:txBody>
+          <a:bodyPr>
+            <a:normAutofit/>
+          </a:bodyPr>
+          <a:lstStyle/>
+          <a:p>
+            <a:r>
+              <a:rPr lang="en-US" dirty="0" smtClean="0"/>
+              <a:t>Statistical Models</a:t>
+            </a:r>
+            <a:endParaRPr lang="en-US" dirty="0"/>
+          </a:p>
+        </p:txBody>
+      </p:sp>
+      <p:sp>
+        <p:nvSpPr>
+          <p:cNvPr id="3" name="Content Placeholder 2"/>
+          <p:cNvSpPr>
+            <a:spLocks noGrp="1"/>
+          </p:cNvSpPr>
+          <p:nvPr>
+            <p:ph sz="half" idx="1"/>
+          </p:nvPr>
+        </p:nvSpPr>
+        <p:spPr/>
+        <p:txBody>
+          <a:bodyPr/>
+          <a:lstStyle/>
+          <a:p>
+            <a:r>
+              <a:rPr lang="en-US" b="1" dirty="0" smtClean="0"/>
+              <a:t>Logistic regression</a:t>
+            </a:r>
+          </a:p>
+          <a:p>
+            <a:pPr lvl="1"/>
+            <a:r>
+              <a:rPr lang="en-US" dirty="0" smtClean="0"/>
+              <a:t>Model the effect of binary covariates on the likelihood of ties</a:t>
+            </a:r>
+          </a:p>
+          <a:p>
+            <a:pPr lvl="1"/>
+            <a:endParaRPr lang="en-US" dirty="0"/>
+          </a:p>
+          <a:p>
+            <a:pPr marL="566928" lvl="3" indent="0">
+              <a:buNone/>
+            </a:pPr>
+            <a:endParaRPr lang="en-US" sz="1600" dirty="0"/>
+          </a:p>
+          <a:p>
+            <a:pPr marL="566928" lvl="3" indent="0">
+              <a:buNone/>
+            </a:pPr>
+            <a:endParaRPr lang="en-US" dirty="0" smtClean="0"/>
+          </a:p>
+          <a:p>
+            <a:pPr marL="566928" lvl="3" indent="0">
+              <a:buNone/>
+            </a:pPr>
+            <a:r>
+              <a:rPr lang="en-US" sz="1600" dirty="0" smtClean="0"/>
+              <a:t>where </a:t>
+            </a:r>
+            <a:r>
+              <a:rPr lang="en-US" sz="1600" i="1" dirty="0" smtClean="0">
+                <a:latin typeface="Times New Roman" panose="02020603050405020304" pitchFamily="18" charset="0"/>
+                <a:cs typeface="Times New Roman" panose="02020603050405020304" pitchFamily="18" charset="0"/>
+              </a:rPr>
+              <a:t>x</a:t>
+            </a:r>
+            <a:r>
+              <a:rPr lang="en-US" sz="1600" i="1" baseline="-25000" dirty="0" smtClean="0">
+                <a:latin typeface="Times New Roman" panose="02020603050405020304" pitchFamily="18" charset="0"/>
+                <a:cs typeface="Times New Roman" panose="02020603050405020304" pitchFamily="18" charset="0"/>
+              </a:rPr>
+              <a:t>i</a:t>
+            </a:r>
+            <a:r>
+              <a:rPr lang="en-US" sz="1600" dirty="0" smtClean="0"/>
+              <a:t> is the value of a covariate for node </a:t>
+            </a:r>
+            <a:r>
+              <a:rPr lang="en-US" sz="1600" i="1" dirty="0" err="1" smtClean="0">
+                <a:latin typeface="Times New Roman" panose="02020603050405020304" pitchFamily="18" charset="0"/>
+                <a:cs typeface="Times New Roman" panose="02020603050405020304" pitchFamily="18" charset="0"/>
+              </a:rPr>
+              <a:t>i</a:t>
+            </a:r>
+            <a:r>
+              <a:rPr lang="en-US" sz="1600" dirty="0" smtClean="0"/>
+              <a:t>, and </a:t>
+            </a:r>
+            <a:r>
+              <a:rPr lang="en-US" sz="1600" i="1" dirty="0" err="1" smtClean="0">
+                <a:latin typeface="Times New Roman" panose="02020603050405020304" pitchFamily="18" charset="0"/>
+                <a:cs typeface="Times New Roman" panose="02020603050405020304" pitchFamily="18" charset="0"/>
+              </a:rPr>
+              <a:t>x</a:t>
+            </a:r>
+            <a:r>
+              <a:rPr lang="en-US" sz="1600" i="1" baseline="-25000" dirty="0" err="1" smtClean="0">
+                <a:latin typeface="Times New Roman" panose="02020603050405020304" pitchFamily="18" charset="0"/>
+                <a:cs typeface="Times New Roman" panose="02020603050405020304" pitchFamily="18" charset="0"/>
+              </a:rPr>
+              <a:t>j</a:t>
+            </a:r>
+            <a:r>
+              <a:rPr lang="en-US" sz="1600" dirty="0" smtClean="0"/>
+              <a:t> is the value for node </a:t>
+            </a:r>
+            <a:r>
+              <a:rPr lang="en-US" sz="1600" i="1" dirty="0" smtClean="0">
+                <a:latin typeface="Times New Roman" panose="02020603050405020304" pitchFamily="18" charset="0"/>
+                <a:cs typeface="Times New Roman" panose="02020603050405020304" pitchFamily="18" charset="0"/>
+              </a:rPr>
+              <a:t>j</a:t>
+            </a:r>
+            <a:endParaRPr lang="en-US" sz="1200" i="1" dirty="0" smtClean="0">
+              <a:latin typeface="Times New Roman" panose="02020603050405020304" pitchFamily="18" charset="0"/>
+              <a:cs typeface="Times New Roman" panose="02020603050405020304" pitchFamily="18" charset="0"/>
+            </a:endParaRPr>
+          </a:p>
+          <a:p>
+            <a:pPr marL="566928" lvl="3" indent="0">
+              <a:buNone/>
+            </a:pPr>
+            <a:endParaRPr lang="en-US" sz="1200" i="1" dirty="0" smtClean="0">
+              <a:latin typeface="Times New Roman" panose="02020603050405020304" pitchFamily="18" charset="0"/>
+              <a:cs typeface="Times New Roman" panose="02020603050405020304" pitchFamily="18" charset="0"/>
+            </a:endParaRPr>
+          </a:p>
+          <a:p>
+            <a:pPr lvl="1"/>
+            <a:r>
+              <a:rPr lang="el-GR" i="1" dirty="0" smtClean="0">
+                <a:latin typeface="Times New Roman" panose="02020603050405020304" pitchFamily="18" charset="0"/>
+                <a:cs typeface="Times New Roman" panose="02020603050405020304" pitchFamily="18" charset="0"/>
+              </a:rPr>
+              <a:t>β</a:t>
+            </a:r>
+            <a:r>
+              <a:rPr lang="en-US" i="1" baseline="-25000" dirty="0" smtClean="0">
+                <a:latin typeface="Times New Roman" panose="02020603050405020304" pitchFamily="18" charset="0"/>
+                <a:cs typeface="Times New Roman" panose="02020603050405020304" pitchFamily="18" charset="0"/>
+              </a:rPr>
+              <a:t>0</a:t>
+            </a:r>
+            <a:r>
+              <a:rPr lang="en-US" dirty="0" smtClean="0"/>
+              <a:t> is the baseline log odds of a tie when </a:t>
+            </a:r>
+            <a:r>
+              <a:rPr lang="en-US" i="1" dirty="0" smtClean="0">
+                <a:latin typeface="Times New Roman" panose="02020603050405020304" pitchFamily="18" charset="0"/>
+                <a:cs typeface="Times New Roman" panose="02020603050405020304" pitchFamily="18" charset="0"/>
+              </a:rPr>
+              <a:t>x</a:t>
+            </a:r>
+            <a:r>
+              <a:rPr lang="en-US" i="1" baseline="-25000" dirty="0" smtClean="0">
+                <a:latin typeface="Times New Roman" panose="02020603050405020304" pitchFamily="18" charset="0"/>
+                <a:cs typeface="Times New Roman" panose="02020603050405020304" pitchFamily="18" charset="0"/>
+              </a:rPr>
+              <a:t>i</a:t>
+            </a:r>
+            <a:r>
+              <a:rPr lang="en-US" i="1" dirty="0" smtClean="0">
+                <a:latin typeface="Times New Roman" panose="02020603050405020304" pitchFamily="18" charset="0"/>
+                <a:cs typeface="Times New Roman" panose="02020603050405020304" pitchFamily="18" charset="0"/>
+              </a:rPr>
+              <a:t>=</a:t>
+            </a:r>
+            <a:r>
+              <a:rPr lang="en-US" i="1" dirty="0" err="1" smtClean="0">
+                <a:latin typeface="Times New Roman" panose="02020603050405020304" pitchFamily="18" charset="0"/>
+                <a:cs typeface="Times New Roman" panose="02020603050405020304" pitchFamily="18" charset="0"/>
+              </a:rPr>
+              <a:t>x</a:t>
+            </a:r>
+            <a:r>
+              <a:rPr lang="en-US" i="1" baseline="-25000" dirty="0" err="1" smtClean="0">
+                <a:latin typeface="Times New Roman" panose="02020603050405020304" pitchFamily="18" charset="0"/>
+                <a:cs typeface="Times New Roman" panose="02020603050405020304" pitchFamily="18" charset="0"/>
+              </a:rPr>
+              <a:t>j</a:t>
+            </a:r>
+            <a:r>
+              <a:rPr lang="en-US" i="1" dirty="0" smtClean="0">
+                <a:latin typeface="Times New Roman" panose="02020603050405020304" pitchFamily="18" charset="0"/>
+                <a:cs typeface="Times New Roman" panose="02020603050405020304" pitchFamily="18" charset="0"/>
+              </a:rPr>
+              <a:t>=0</a:t>
+            </a:r>
+          </a:p>
+          <a:p>
+            <a:pPr lvl="1"/>
+            <a:r>
+              <a:rPr lang="el-GR" i="1" dirty="0" smtClean="0">
+                <a:latin typeface="Times New Roman" panose="02020603050405020304" pitchFamily="18" charset="0"/>
+                <a:cs typeface="Times New Roman" panose="02020603050405020304" pitchFamily="18" charset="0"/>
+              </a:rPr>
+              <a:t>β</a:t>
+            </a:r>
+            <a:r>
+              <a:rPr lang="en-US" i="1" baseline="-25000" dirty="0" smtClean="0">
+                <a:latin typeface="Times New Roman" panose="02020603050405020304" pitchFamily="18" charset="0"/>
+                <a:cs typeface="Times New Roman" panose="02020603050405020304" pitchFamily="18" charset="0"/>
+              </a:rPr>
+              <a:t>1</a:t>
+            </a:r>
+            <a:r>
+              <a:rPr lang="en-US" dirty="0" smtClean="0"/>
+              <a:t> represents the “effect” of </a:t>
+            </a:r>
+            <a:r>
+              <a:rPr lang="en-US" i="1" dirty="0" smtClean="0">
+                <a:latin typeface="Times New Roman" panose="02020603050405020304" pitchFamily="18" charset="0"/>
+                <a:cs typeface="Times New Roman" panose="02020603050405020304" pitchFamily="18" charset="0"/>
+              </a:rPr>
+              <a:t>x</a:t>
+            </a:r>
+            <a:r>
+              <a:rPr lang="en-US" i="1" baseline="-25000" dirty="0" smtClean="0">
+                <a:latin typeface="Times New Roman" panose="02020603050405020304" pitchFamily="18" charset="0"/>
+                <a:cs typeface="Times New Roman" panose="02020603050405020304" pitchFamily="18" charset="0"/>
+              </a:rPr>
+              <a:t>i</a:t>
+            </a:r>
+          </a:p>
+          <a:p>
+            <a:pPr lvl="1"/>
+            <a:r>
+              <a:rPr lang="el-GR" i="1" dirty="0" smtClean="0">
+                <a:latin typeface="Times New Roman" panose="02020603050405020304" pitchFamily="18" charset="0"/>
+                <a:cs typeface="Times New Roman" panose="02020603050405020304" pitchFamily="18" charset="0"/>
+              </a:rPr>
+              <a:t>β</a:t>
+            </a:r>
+            <a:r>
+              <a:rPr lang="en-US" i="1" baseline="-25000" dirty="0" smtClean="0">
+                <a:latin typeface="Times New Roman" panose="02020603050405020304" pitchFamily="18" charset="0"/>
+                <a:cs typeface="Times New Roman" panose="02020603050405020304" pitchFamily="18" charset="0"/>
+              </a:rPr>
+              <a:t>2</a:t>
+            </a:r>
+            <a:r>
+              <a:rPr lang="en-US" dirty="0" smtClean="0"/>
+              <a:t> </a:t>
+            </a:r>
+            <a:r>
+              <a:rPr lang="en-US" dirty="0"/>
+              <a:t>represents the “effect” of </a:t>
+            </a:r>
+            <a:r>
+              <a:rPr lang="en-US" i="1" dirty="0" err="1" smtClean="0">
+                <a:latin typeface="Times New Roman" panose="02020603050405020304" pitchFamily="18" charset="0"/>
+                <a:cs typeface="Times New Roman" panose="02020603050405020304" pitchFamily="18" charset="0"/>
+              </a:rPr>
+              <a:t>x</a:t>
+            </a:r>
+            <a:r>
+              <a:rPr lang="en-US" i="1" baseline="-25000" dirty="0" err="1" smtClean="0">
+                <a:latin typeface="Times New Roman" panose="02020603050405020304" pitchFamily="18" charset="0"/>
+                <a:cs typeface="Times New Roman" panose="02020603050405020304" pitchFamily="18" charset="0"/>
+              </a:rPr>
+              <a:t>j</a:t>
+            </a:r>
+            <a:endParaRPr lang="en-US" i="1" baseline="-25000" dirty="0">
+              <a:latin typeface="Times New Roman" panose="02020603050405020304" pitchFamily="18" charset="0"/>
+              <a:cs typeface="Times New Roman" panose="02020603050405020304" pitchFamily="18" charset="0"/>
+            </a:endParaRPr>
+          </a:p>
+          <a:p>
+            <a:pPr lvl="1"/>
+            <a:r>
+              <a:rPr lang="el-GR" i="1" dirty="0">
+                <a:latin typeface="Times New Roman" panose="02020603050405020304" pitchFamily="18" charset="0"/>
+                <a:cs typeface="Times New Roman" panose="02020603050405020304" pitchFamily="18" charset="0"/>
+              </a:rPr>
+              <a:t>β</a:t>
+            </a:r>
+            <a:r>
+              <a:rPr lang="en-US" i="1" baseline="-25000" dirty="0" smtClean="0">
+                <a:latin typeface="Times New Roman" panose="02020603050405020304" pitchFamily="18" charset="0"/>
+                <a:cs typeface="Times New Roman" panose="02020603050405020304" pitchFamily="18" charset="0"/>
+              </a:rPr>
+              <a:t>12</a:t>
+            </a:r>
+            <a:r>
+              <a:rPr lang="en-US" dirty="0" smtClean="0"/>
+              <a:t> </a:t>
+            </a:r>
+            <a:r>
+              <a:rPr lang="en-US" dirty="0"/>
+              <a:t>represents the </a:t>
+            </a:r>
+            <a:r>
+              <a:rPr lang="en-US" dirty="0" smtClean="0"/>
+              <a:t>effect of the interaction </a:t>
+            </a:r>
+            <a:r>
+              <a:rPr lang="en-US" i="1" dirty="0" smtClean="0">
+                <a:latin typeface="Times New Roman" panose="02020603050405020304" pitchFamily="18" charset="0"/>
+                <a:cs typeface="Times New Roman" panose="02020603050405020304" pitchFamily="18" charset="0"/>
+              </a:rPr>
+              <a:t>x</a:t>
+            </a:r>
+            <a:r>
+              <a:rPr lang="en-US" i="1" baseline="-25000" dirty="0" smtClean="0">
+                <a:latin typeface="Times New Roman" panose="02020603050405020304" pitchFamily="18" charset="0"/>
+                <a:cs typeface="Times New Roman" panose="02020603050405020304" pitchFamily="18" charset="0"/>
+              </a:rPr>
+              <a:t>i</a:t>
+            </a:r>
+            <a:r>
+              <a:rPr lang="en-US" i="1" dirty="0">
+                <a:latin typeface="Times New Roman" panose="02020603050405020304" pitchFamily="18" charset="0"/>
+                <a:cs typeface="Times New Roman" panose="02020603050405020304" pitchFamily="18" charset="0"/>
+              </a:rPr>
+              <a:t> </a:t>
+            </a:r>
+            <a:r>
+              <a:rPr lang="en-US" i="1" dirty="0" err="1" smtClean="0">
+                <a:latin typeface="Times New Roman" panose="02020603050405020304" pitchFamily="18" charset="0"/>
+                <a:cs typeface="Times New Roman" panose="02020603050405020304" pitchFamily="18" charset="0"/>
+              </a:rPr>
+              <a:t>x</a:t>
+            </a:r>
+            <a:r>
+              <a:rPr lang="en-US" i="1" baseline="-25000" dirty="0" err="1" smtClean="0">
+                <a:latin typeface="Times New Roman" panose="02020603050405020304" pitchFamily="18" charset="0"/>
+                <a:cs typeface="Times New Roman" panose="02020603050405020304" pitchFamily="18" charset="0"/>
+              </a:rPr>
+              <a:t>j</a:t>
+            </a:r>
+            <a:endParaRPr lang="en-US" i="1" baseline="-25000" dirty="0">
+              <a:latin typeface="Times New Roman" panose="02020603050405020304" pitchFamily="18" charset="0"/>
+              <a:cs typeface="Times New Roman" panose="02020603050405020304" pitchFamily="18" charset="0"/>
+            </a:endParaRPr>
+          </a:p>
+          <a:p>
+            <a:pPr lvl="1"/>
+            <a:endParaRPr lang="en-US" i="1" baseline="-25000" dirty="0" smtClean="0">
+              <a:latin typeface="Times New Roman" panose="02020603050405020304" pitchFamily="18" charset="0"/>
+              <a:cs typeface="Times New Roman" panose="02020603050405020304" pitchFamily="18" charset="0"/>
+            </a:endParaRPr>
+          </a:p>
+        </p:txBody>
+      </p:sp>
+      <p:sp>
+        <p:nvSpPr>
+          <p:cNvPr id="4" name="Content Placeholder 3"/>
+          <p:cNvSpPr>
+            <a:spLocks noGrp="1"/>
+          </p:cNvSpPr>
+          <p:nvPr>
+            <p:ph sz="half" idx="2"/>
+          </p:nvPr>
+        </p:nvSpPr>
+        <p:spPr/>
+        <p:txBody>
+          <a:bodyPr/>
+          <a:lstStyle/>
+          <a:p>
+            <a:r>
+              <a:rPr lang="en-US" dirty="0" smtClean="0">
+                <a:solidFill>
+                  <a:srgbClr val="3366FF"/>
+                </a:solidFill>
+              </a:rPr>
+              <a:t>Interactive:</a:t>
+            </a:r>
+            <a:r>
+              <a:rPr lang="en-US" dirty="0" smtClean="0"/>
+              <a:t> Fit this model in </a:t>
+            </a:r>
+            <a:r>
+              <a:rPr lang="en-US" dirty="0" err="1" smtClean="0"/>
+              <a:t>statnetWeb</a:t>
+            </a:r>
+            <a:r>
+              <a:rPr lang="en-US" dirty="0" smtClean="0"/>
+              <a:t>.</a:t>
+            </a:r>
+          </a:p>
+          <a:p>
+            <a:pPr lvl="1"/>
+            <a:r>
+              <a:rPr lang="en-US" dirty="0" smtClean="0"/>
+              <a:t>On the “Fit Model” page enter </a:t>
+            </a:r>
+            <a:r>
+              <a:rPr lang="en-US" dirty="0"/>
+              <a:t>as the </a:t>
+            </a:r>
+            <a:r>
+              <a:rPr lang="en-US" dirty="0" err="1"/>
+              <a:t>ergm</a:t>
+            </a:r>
+            <a:r>
+              <a:rPr lang="en-US" dirty="0"/>
+              <a:t> </a:t>
+            </a:r>
+            <a:r>
+              <a:rPr lang="en-US" dirty="0" smtClean="0"/>
+              <a:t>formula:</a:t>
+            </a:r>
+          </a:p>
+          <a:p>
+            <a:pPr marL="201168" lvl="1" indent="0">
+              <a:buNone/>
+            </a:pPr>
+            <a:r>
+              <a:rPr lang="en-US" sz="1400" dirty="0" smtClean="0">
+                <a:latin typeface="Courier New" panose="02070309020205020404" pitchFamily="49" charset="0"/>
+                <a:cs typeface="Courier New" panose="02070309020205020404" pitchFamily="49" charset="0"/>
+              </a:rPr>
+              <a:t>edges </a:t>
+            </a:r>
+            <a:r>
+              <a:rPr lang="en-US" sz="1400" dirty="0">
+                <a:latin typeface="Courier New" panose="02070309020205020404" pitchFamily="49" charset="0"/>
+                <a:cs typeface="Courier New" panose="02070309020205020404" pitchFamily="49" charset="0"/>
+              </a:rPr>
+              <a:t>+ </a:t>
+            </a:r>
+            <a:r>
+              <a:rPr lang="en-US" sz="1400" dirty="0" err="1">
+                <a:latin typeface="Courier New" panose="02070309020205020404" pitchFamily="49" charset="0"/>
+                <a:cs typeface="Courier New" panose="02070309020205020404" pitchFamily="49" charset="0"/>
+              </a:rPr>
+              <a:t>nodefactor</a:t>
+            </a:r>
+            <a:r>
+              <a:rPr lang="en-US" sz="1400" dirty="0">
+                <a:latin typeface="Courier New" panose="02070309020205020404" pitchFamily="49" charset="0"/>
+                <a:cs typeface="Courier New" panose="02070309020205020404" pitchFamily="49" charset="0"/>
+              </a:rPr>
+              <a:t>("Sex") + </a:t>
+            </a:r>
+            <a:r>
+              <a:rPr lang="en-US" sz="1400" dirty="0" err="1">
+                <a:latin typeface="Courier New" panose="02070309020205020404" pitchFamily="49" charset="0"/>
+                <a:cs typeface="Courier New" panose="02070309020205020404" pitchFamily="49" charset="0"/>
+              </a:rPr>
+              <a:t>nodematch</a:t>
+            </a:r>
+            <a:r>
+              <a:rPr lang="en-US" sz="1400" dirty="0">
+                <a:latin typeface="Courier New" panose="02070309020205020404" pitchFamily="49" charset="0"/>
+                <a:cs typeface="Courier New" panose="02070309020205020404" pitchFamily="49" charset="0"/>
+              </a:rPr>
+              <a:t>("</a:t>
+            </a:r>
+            <a:r>
+              <a:rPr lang="en-US" sz="1400" dirty="0" err="1">
+                <a:latin typeface="Courier New" panose="02070309020205020404" pitchFamily="49" charset="0"/>
+                <a:cs typeface="Courier New" panose="02070309020205020404" pitchFamily="49" charset="0"/>
+              </a:rPr>
+              <a:t>Sex",diff</a:t>
+            </a:r>
+            <a:r>
+              <a:rPr lang="en-US" sz="1400" dirty="0">
+                <a:latin typeface="Courier New" panose="02070309020205020404" pitchFamily="49" charset="0"/>
+                <a:cs typeface="Courier New" panose="02070309020205020404" pitchFamily="49" charset="0"/>
+              </a:rPr>
+              <a:t>=</a:t>
+            </a:r>
+            <a:r>
+              <a:rPr lang="en-US" sz="1400" dirty="0" err="1">
+                <a:latin typeface="Courier New" panose="02070309020205020404" pitchFamily="49" charset="0"/>
+                <a:cs typeface="Courier New" panose="02070309020205020404" pitchFamily="49" charset="0"/>
+              </a:rPr>
+              <a:t>TRUE,keep</a:t>
+            </a:r>
+            <a:r>
+              <a:rPr lang="en-US" sz="1400" dirty="0">
+                <a:latin typeface="Courier New" panose="02070309020205020404" pitchFamily="49" charset="0"/>
+                <a:cs typeface="Courier New" panose="02070309020205020404" pitchFamily="49" charset="0"/>
+              </a:rPr>
+              <a:t>=2))</a:t>
+            </a:r>
+            <a:r>
+              <a:rPr lang="en-US" sz="1400" dirty="0" smtClean="0">
+                <a:latin typeface="Courier New" panose="02070309020205020404" pitchFamily="49" charset="0"/>
+                <a:cs typeface="Courier New" panose="02070309020205020404" pitchFamily="49" charset="0"/>
+              </a:rPr>
+              <a:t> </a:t>
+            </a:r>
+          </a:p>
+          <a:p>
+            <a:pPr lvl="2"/>
+            <a:r>
+              <a:rPr lang="en-US" dirty="0" smtClean="0"/>
+              <a:t>We can do this because logistic regression models are ERGMs! More on this later.</a:t>
+            </a:r>
+          </a:p>
+        </p:txBody>
+      </p:sp>
+      <p:graphicFrame>
+        <p:nvGraphicFramePr>
+          <p:cNvPr id="6" name="Object 5"/>
+          <p:cNvGraphicFramePr>
+            <a:graphicFrameLocks noChangeAspect="1"/>
+          </p:cNvGraphicFramePr>
+          <p:nvPr>
+            <p:extLst>
+              <p:ext uri="{D42A27DB-BD31-4B8C-83A1-F6EECF244321}">
+                <p14:modId xmlns:p14="http://schemas.microsoft.com/office/powerpoint/2010/main" val="1181922507"/>
+              </p:ext>
+            </p:extLst>
+          </p:nvPr>
+        </p:nvGraphicFramePr>
+        <p:xfrm>
+          <a:off x="1588072" y="2329543"/>
+          <a:ext cx="4044414" cy="598714"/>
+        </p:xfrm>
+        <a:graphic>
+          <a:graphicData uri="http://schemas.openxmlformats.org/presentationml/2006/ole">
+            <mc:AlternateContent xmlns:mc="http://schemas.openxmlformats.org/markup-compatibility/2006">
+              <mc:Choice xmlns:v="urn:schemas-microsoft-com:vml" Requires="v">
+                <p:oleObj spid="_x0000_s4102" name="Equation" r:id="rId3" imgW="3174840" imgH="469800" progId="Equation.DSMT4">
+                  <p:embed/>
+                </p:oleObj>
+              </mc:Choice>
+              <mc:Fallback>
+                <p:oleObj name="Equation" r:id="rId3" imgW="3174840" imgH="469800" progId="Equation.DSMT4">
+                  <p:embed/>
+                  <p:pic>
+                    <p:nvPicPr>
+                      <p:cNvPr id="0" name=""/>
+                      <p:cNvPicPr/>
+                      <p:nvPr/>
+                    </p:nvPicPr>
+                    <p:blipFill>
+                      <a:blip r:embed="rId4"/>
+                      <a:stretch>
+                        <a:fillRect/>
+                      </a:stretch>
+                    </p:blipFill>
+                    <p:spPr>
+                      <a:xfrm>
+                        <a:off x="1588072" y="2329543"/>
+                        <a:ext cx="4044414" cy="598714"/>
+                      </a:xfrm>
+                      <a:prstGeom prst="rect">
+                        <a:avLst/>
+                      </a:prstGeom>
+                    </p:spPr>
+                  </p:pic>
+                </p:oleObj>
+              </mc:Fallback>
+            </mc:AlternateContent>
+          </a:graphicData>
+        </a:graphic>
+      </p:graphicFrame>
+    </p:spTree>
+    <p:extLst>
+      <p:ext uri="{BB962C8B-B14F-4D97-AF65-F5344CB8AC3E}">
+        <p14:creationId xmlns:p14="http://schemas.microsoft.com/office/powerpoint/2010/main" val="725866759"/>
+      </p:ext>
+    </p:extLst>
+  </p:cSld>
+  <p:clrMapOvr>
+    <a:masterClrMapping/>
+  </p:clrMapOvr>
+</p:sld>
+</file>
+
+<file path=ppt/slides/slide19.xml><?xml version="1.0" encoding="utf-8"?>
+<p:sld xmlns:a="http://schemas.openxmlformats.org/drawingml/2006/main" xmlns:r="http://schemas.openxmlformats.org/officeDocument/2006/relationships" xmlns:p="http://schemas.openxmlformats.org/presentationml/2006/main">
+  <p:cSld>
+    <p:spTree>
+      <p:nvGrpSpPr>
+        <p:cNvPr id="1" name=""/>
+        <p:cNvGrpSpPr/>
+        <p:nvPr/>
+      </p:nvGrpSpPr>
+      <p:grpSpPr>
+        <a:xfrm>
+          <a:off x="0" y="0"/>
+          <a:ext cx="0" cy="0"/>
+          <a:chOff x="0" y="0"/>
+          <a:chExt cx="0" cy="0"/>
+        </a:xfrm>
+      </p:grpSpPr>
+      <p:sp>
+        <p:nvSpPr>
+          <p:cNvPr id="2" name="Title 1"/>
+          <p:cNvSpPr>
+            <a:spLocks noGrp="1"/>
+          </p:cNvSpPr>
+          <p:nvPr>
+            <p:ph type="title"/>
+          </p:nvPr>
+        </p:nvSpPr>
+        <p:spPr/>
+        <p:txBody>
+          <a:bodyPr>
+            <a:normAutofit/>
+          </a:bodyPr>
+          <a:lstStyle/>
+          <a:p>
+            <a:r>
+              <a:rPr lang="en-US" dirty="0" smtClean="0"/>
+              <a:t>Statistical Models</a:t>
+            </a:r>
+            <a:endParaRPr lang="en-US" dirty="0"/>
+          </a:p>
+        </p:txBody>
+      </p:sp>
+      <p:sp>
+        <p:nvSpPr>
+          <p:cNvPr id="3" name="Content Placeholder 2"/>
+          <p:cNvSpPr>
+            <a:spLocks noGrp="1"/>
+          </p:cNvSpPr>
+          <p:nvPr>
+            <p:ph sz="half" idx="1"/>
+          </p:nvPr>
+        </p:nvSpPr>
+        <p:spPr/>
+        <p:txBody>
+          <a:bodyPr/>
+          <a:lstStyle/>
+          <a:p>
+            <a:r>
+              <a:rPr lang="en-US" b="1" dirty="0" smtClean="0"/>
+              <a:t>Logistic regression</a:t>
+            </a:r>
+          </a:p>
+          <a:p>
+            <a:pPr lvl="1"/>
+            <a:r>
+              <a:rPr lang="en-US" dirty="0" smtClean="0"/>
+              <a:t>Model the effect of binary covariates on the likelihood of ties</a:t>
+            </a:r>
+          </a:p>
+          <a:p>
+            <a:pPr lvl="1"/>
+            <a:endParaRPr lang="en-US" dirty="0"/>
+          </a:p>
+          <a:p>
+            <a:pPr marL="566928" lvl="3" indent="0">
+              <a:buNone/>
+            </a:pPr>
+            <a:endParaRPr lang="en-US" sz="1600" dirty="0"/>
+          </a:p>
+          <a:p>
+            <a:pPr marL="566928" lvl="3" indent="0">
+              <a:buNone/>
+            </a:pPr>
+            <a:r>
+              <a:rPr lang="en-US" sz="1200" dirty="0" smtClean="0"/>
+              <a:t>where </a:t>
+            </a:r>
+            <a:r>
+              <a:rPr lang="en-US" sz="1200" i="1" dirty="0" smtClean="0">
+                <a:latin typeface="Times New Roman" panose="02020603050405020304" pitchFamily="18" charset="0"/>
+                <a:cs typeface="Times New Roman" panose="02020603050405020304" pitchFamily="18" charset="0"/>
+              </a:rPr>
+              <a:t>x</a:t>
+            </a:r>
+            <a:r>
+              <a:rPr lang="en-US" sz="1200" i="1" baseline="-25000" dirty="0" smtClean="0">
+                <a:latin typeface="Times New Roman" panose="02020603050405020304" pitchFamily="18" charset="0"/>
+                <a:cs typeface="Times New Roman" panose="02020603050405020304" pitchFamily="18" charset="0"/>
+              </a:rPr>
+              <a:t>i</a:t>
+            </a:r>
+            <a:r>
+              <a:rPr lang="en-US" sz="1200" dirty="0" smtClean="0"/>
+              <a:t> is the value of a covariate for node </a:t>
+            </a:r>
+            <a:r>
+              <a:rPr lang="en-US" sz="1200" i="1" dirty="0" err="1" smtClean="0">
+                <a:latin typeface="Times New Roman" panose="02020603050405020304" pitchFamily="18" charset="0"/>
+                <a:cs typeface="Times New Roman" panose="02020603050405020304" pitchFamily="18" charset="0"/>
+              </a:rPr>
+              <a:t>i</a:t>
+            </a:r>
+            <a:r>
+              <a:rPr lang="en-US" sz="1200" dirty="0" smtClean="0"/>
+              <a:t>, and </a:t>
+            </a:r>
+            <a:r>
+              <a:rPr lang="en-US" sz="1200" i="1" dirty="0" err="1" smtClean="0">
+                <a:latin typeface="Times New Roman" panose="02020603050405020304" pitchFamily="18" charset="0"/>
+                <a:cs typeface="Times New Roman" panose="02020603050405020304" pitchFamily="18" charset="0"/>
+              </a:rPr>
+              <a:t>x</a:t>
+            </a:r>
+            <a:r>
+              <a:rPr lang="en-US" sz="1200" i="1" baseline="-25000" dirty="0" err="1" smtClean="0">
+                <a:latin typeface="Times New Roman" panose="02020603050405020304" pitchFamily="18" charset="0"/>
+                <a:cs typeface="Times New Roman" panose="02020603050405020304" pitchFamily="18" charset="0"/>
+              </a:rPr>
+              <a:t>j</a:t>
+            </a:r>
+            <a:r>
+              <a:rPr lang="en-US" sz="1200" dirty="0" smtClean="0"/>
+              <a:t> is the value for node </a:t>
+            </a:r>
+            <a:r>
+              <a:rPr lang="en-US" sz="1200" i="1" dirty="0" smtClean="0">
+                <a:latin typeface="Times New Roman" panose="02020603050405020304" pitchFamily="18" charset="0"/>
+                <a:cs typeface="Times New Roman" panose="02020603050405020304" pitchFamily="18" charset="0"/>
+              </a:rPr>
+              <a:t>j</a:t>
+            </a:r>
+          </a:p>
+          <a:p>
+            <a:pPr lvl="1"/>
+            <a:r>
+              <a:rPr lang="el-GR" i="1" dirty="0" smtClean="0">
+                <a:latin typeface="Times New Roman" panose="02020603050405020304" pitchFamily="18" charset="0"/>
+                <a:cs typeface="Times New Roman" panose="02020603050405020304" pitchFamily="18" charset="0"/>
+              </a:rPr>
+              <a:t>β</a:t>
+            </a:r>
+            <a:r>
+              <a:rPr lang="en-US" i="1" baseline="-25000" dirty="0" smtClean="0">
+                <a:latin typeface="Times New Roman" panose="02020603050405020304" pitchFamily="18" charset="0"/>
+                <a:cs typeface="Times New Roman" panose="02020603050405020304" pitchFamily="18" charset="0"/>
+              </a:rPr>
+              <a:t>0</a:t>
+            </a:r>
+            <a:r>
+              <a:rPr lang="en-US" dirty="0" smtClean="0"/>
+              <a:t> is the baseline log odds of a tie when </a:t>
+            </a:r>
+            <a:r>
+              <a:rPr lang="en-US" i="1" dirty="0" smtClean="0">
+                <a:latin typeface="Times New Roman" panose="02020603050405020304" pitchFamily="18" charset="0"/>
+                <a:cs typeface="Times New Roman" panose="02020603050405020304" pitchFamily="18" charset="0"/>
+              </a:rPr>
+              <a:t>x</a:t>
+            </a:r>
+            <a:r>
+              <a:rPr lang="en-US" i="1" baseline="-25000" dirty="0" smtClean="0">
+                <a:latin typeface="Times New Roman" panose="02020603050405020304" pitchFamily="18" charset="0"/>
+                <a:cs typeface="Times New Roman" panose="02020603050405020304" pitchFamily="18" charset="0"/>
+              </a:rPr>
+              <a:t>i</a:t>
+            </a:r>
+            <a:r>
+              <a:rPr lang="en-US" i="1" dirty="0" smtClean="0">
+                <a:latin typeface="Times New Roman" panose="02020603050405020304" pitchFamily="18" charset="0"/>
+                <a:cs typeface="Times New Roman" panose="02020603050405020304" pitchFamily="18" charset="0"/>
+              </a:rPr>
+              <a:t>=</a:t>
+            </a:r>
+            <a:r>
+              <a:rPr lang="en-US" i="1" dirty="0" err="1" smtClean="0">
+                <a:latin typeface="Times New Roman" panose="02020603050405020304" pitchFamily="18" charset="0"/>
+                <a:cs typeface="Times New Roman" panose="02020603050405020304" pitchFamily="18" charset="0"/>
+              </a:rPr>
+              <a:t>x</a:t>
+            </a:r>
+            <a:r>
+              <a:rPr lang="en-US" i="1" baseline="-25000" dirty="0" err="1" smtClean="0">
+                <a:latin typeface="Times New Roman" panose="02020603050405020304" pitchFamily="18" charset="0"/>
+                <a:cs typeface="Times New Roman" panose="02020603050405020304" pitchFamily="18" charset="0"/>
+              </a:rPr>
+              <a:t>j</a:t>
+            </a:r>
+            <a:r>
+              <a:rPr lang="en-US" i="1" dirty="0" smtClean="0">
+                <a:latin typeface="Times New Roman" panose="02020603050405020304" pitchFamily="18" charset="0"/>
+                <a:cs typeface="Times New Roman" panose="02020603050405020304" pitchFamily="18" charset="0"/>
+              </a:rPr>
+              <a:t>=0</a:t>
+            </a:r>
+          </a:p>
+          <a:p>
+            <a:pPr lvl="1"/>
+            <a:r>
+              <a:rPr lang="el-GR" i="1" dirty="0" smtClean="0">
+                <a:latin typeface="Times New Roman" panose="02020603050405020304" pitchFamily="18" charset="0"/>
+                <a:cs typeface="Times New Roman" panose="02020603050405020304" pitchFamily="18" charset="0"/>
+              </a:rPr>
+              <a:t>β</a:t>
+            </a:r>
+            <a:r>
+              <a:rPr lang="en-US" i="1" baseline="-25000" dirty="0" smtClean="0">
+                <a:latin typeface="Times New Roman" panose="02020603050405020304" pitchFamily="18" charset="0"/>
+                <a:cs typeface="Times New Roman" panose="02020603050405020304" pitchFamily="18" charset="0"/>
+              </a:rPr>
+              <a:t>1</a:t>
+            </a:r>
+            <a:r>
+              <a:rPr lang="en-US" dirty="0" smtClean="0"/>
+              <a:t> represents the “effect” of </a:t>
+            </a:r>
+            <a:r>
+              <a:rPr lang="en-US" i="1" dirty="0" smtClean="0">
+                <a:latin typeface="Times New Roman" panose="02020603050405020304" pitchFamily="18" charset="0"/>
+                <a:cs typeface="Times New Roman" panose="02020603050405020304" pitchFamily="18" charset="0"/>
+              </a:rPr>
+              <a:t>x</a:t>
+            </a:r>
+            <a:r>
+              <a:rPr lang="en-US" i="1" baseline="-25000" dirty="0" smtClean="0">
+                <a:latin typeface="Times New Roman" panose="02020603050405020304" pitchFamily="18" charset="0"/>
+                <a:cs typeface="Times New Roman" panose="02020603050405020304" pitchFamily="18" charset="0"/>
+              </a:rPr>
+              <a:t>i</a:t>
+            </a:r>
+          </a:p>
+          <a:p>
+            <a:pPr lvl="1"/>
+            <a:r>
+              <a:rPr lang="el-GR" i="1" dirty="0" smtClean="0">
+                <a:latin typeface="Times New Roman" panose="02020603050405020304" pitchFamily="18" charset="0"/>
+                <a:cs typeface="Times New Roman" panose="02020603050405020304" pitchFamily="18" charset="0"/>
+              </a:rPr>
+              <a:t>β</a:t>
+            </a:r>
+            <a:r>
+              <a:rPr lang="en-US" i="1" baseline="-25000" dirty="0" smtClean="0">
+                <a:latin typeface="Times New Roman" panose="02020603050405020304" pitchFamily="18" charset="0"/>
+                <a:cs typeface="Times New Roman" panose="02020603050405020304" pitchFamily="18" charset="0"/>
+              </a:rPr>
+              <a:t>2</a:t>
+            </a:r>
+            <a:r>
+              <a:rPr lang="en-US" dirty="0" smtClean="0"/>
+              <a:t> </a:t>
+            </a:r>
+            <a:r>
+              <a:rPr lang="en-US" dirty="0"/>
+              <a:t>represents the “effect” of </a:t>
+            </a:r>
+            <a:r>
+              <a:rPr lang="en-US" i="1" dirty="0" err="1" smtClean="0">
+                <a:latin typeface="Times New Roman" panose="02020603050405020304" pitchFamily="18" charset="0"/>
+                <a:cs typeface="Times New Roman" panose="02020603050405020304" pitchFamily="18" charset="0"/>
+              </a:rPr>
+              <a:t>x</a:t>
+            </a:r>
+            <a:r>
+              <a:rPr lang="en-US" i="1" baseline="-25000" dirty="0" err="1" smtClean="0">
+                <a:latin typeface="Times New Roman" panose="02020603050405020304" pitchFamily="18" charset="0"/>
+                <a:cs typeface="Times New Roman" panose="02020603050405020304" pitchFamily="18" charset="0"/>
+              </a:rPr>
+              <a:t>j</a:t>
+            </a:r>
+            <a:endParaRPr lang="en-US" i="1" baseline="-25000" dirty="0">
+              <a:latin typeface="Times New Roman" panose="02020603050405020304" pitchFamily="18" charset="0"/>
+              <a:cs typeface="Times New Roman" panose="02020603050405020304" pitchFamily="18" charset="0"/>
+            </a:endParaRPr>
+          </a:p>
+          <a:p>
+            <a:pPr lvl="1"/>
+            <a:r>
+              <a:rPr lang="el-GR" i="1" dirty="0">
+                <a:latin typeface="Times New Roman" panose="02020603050405020304" pitchFamily="18" charset="0"/>
+                <a:cs typeface="Times New Roman" panose="02020603050405020304" pitchFamily="18" charset="0"/>
+              </a:rPr>
+              <a:t>β</a:t>
+            </a:r>
+            <a:r>
+              <a:rPr lang="en-US" i="1" baseline="-25000" dirty="0" smtClean="0">
+                <a:latin typeface="Times New Roman" panose="02020603050405020304" pitchFamily="18" charset="0"/>
+                <a:cs typeface="Times New Roman" panose="02020603050405020304" pitchFamily="18" charset="0"/>
+              </a:rPr>
+              <a:t>12</a:t>
+            </a:r>
+            <a:r>
+              <a:rPr lang="en-US" dirty="0" smtClean="0"/>
+              <a:t> </a:t>
+            </a:r>
+            <a:r>
+              <a:rPr lang="en-US" dirty="0"/>
+              <a:t>represents the </a:t>
+            </a:r>
+            <a:r>
+              <a:rPr lang="en-US" dirty="0" smtClean="0"/>
+              <a:t>effect of the interaction </a:t>
+            </a:r>
+            <a:r>
+              <a:rPr lang="en-US" i="1" dirty="0" smtClean="0">
+                <a:latin typeface="Times New Roman" panose="02020603050405020304" pitchFamily="18" charset="0"/>
+                <a:cs typeface="Times New Roman" panose="02020603050405020304" pitchFamily="18" charset="0"/>
+              </a:rPr>
+              <a:t>x</a:t>
+            </a:r>
+            <a:r>
+              <a:rPr lang="en-US" i="1" baseline="-25000" dirty="0" smtClean="0">
+                <a:latin typeface="Times New Roman" panose="02020603050405020304" pitchFamily="18" charset="0"/>
+                <a:cs typeface="Times New Roman" panose="02020603050405020304" pitchFamily="18" charset="0"/>
+              </a:rPr>
+              <a:t>i</a:t>
+            </a:r>
+            <a:r>
+              <a:rPr lang="en-US" i="1" dirty="0">
+                <a:latin typeface="Times New Roman" panose="02020603050405020304" pitchFamily="18" charset="0"/>
+                <a:cs typeface="Times New Roman" panose="02020603050405020304" pitchFamily="18" charset="0"/>
+              </a:rPr>
+              <a:t> </a:t>
+            </a:r>
+            <a:r>
+              <a:rPr lang="en-US" i="1" dirty="0" err="1" smtClean="0">
+                <a:latin typeface="Times New Roman" panose="02020603050405020304" pitchFamily="18" charset="0"/>
+                <a:cs typeface="Times New Roman" panose="02020603050405020304" pitchFamily="18" charset="0"/>
+              </a:rPr>
+              <a:t>x</a:t>
+            </a:r>
+            <a:r>
+              <a:rPr lang="en-US" i="1" baseline="-25000" dirty="0" err="1" smtClean="0">
+                <a:latin typeface="Times New Roman" panose="02020603050405020304" pitchFamily="18" charset="0"/>
+                <a:cs typeface="Times New Roman" panose="02020603050405020304" pitchFamily="18" charset="0"/>
+              </a:rPr>
+              <a:t>j</a:t>
+            </a:r>
+            <a:endParaRPr lang="en-US" i="1" baseline="-25000" dirty="0">
+              <a:latin typeface="Times New Roman" panose="02020603050405020304" pitchFamily="18" charset="0"/>
+              <a:cs typeface="Times New Roman" panose="02020603050405020304" pitchFamily="18" charset="0"/>
+            </a:endParaRPr>
+          </a:p>
+          <a:p>
+            <a:pPr lvl="1"/>
+            <a:endParaRPr lang="en-US" i="1" baseline="-25000" dirty="0" smtClean="0">
+              <a:latin typeface="Times New Roman" panose="02020603050405020304" pitchFamily="18" charset="0"/>
+              <a:cs typeface="Times New Roman" panose="02020603050405020304" pitchFamily="18" charset="0"/>
+            </a:endParaRPr>
+          </a:p>
+        </p:txBody>
+      </p:sp>
+      <p:sp>
+        <p:nvSpPr>
+          <p:cNvPr id="4" name="Content Placeholder 3"/>
+          <p:cNvSpPr>
+            <a:spLocks noGrp="1"/>
+          </p:cNvSpPr>
+          <p:nvPr>
+            <p:ph sz="half" idx="2"/>
+          </p:nvPr>
+        </p:nvSpPr>
+        <p:spPr/>
+        <p:txBody>
+          <a:bodyPr/>
+          <a:lstStyle/>
+          <a:p>
+            <a:r>
+              <a:rPr lang="en-US" dirty="0" smtClean="0"/>
+              <a:t>How are {beta,….} related to </a:t>
+            </a:r>
+            <a:endParaRPr lang="en-US" dirty="0"/>
+          </a:p>
+        </p:txBody>
+      </p:sp>
+      <p:graphicFrame>
+        <p:nvGraphicFramePr>
+          <p:cNvPr id="5" name="Object 4"/>
+          <p:cNvGraphicFramePr>
+            <a:graphicFrameLocks noChangeAspect="1"/>
+          </p:cNvGraphicFramePr>
+          <p:nvPr>
+            <p:extLst>
+              <p:ext uri="{D42A27DB-BD31-4B8C-83A1-F6EECF244321}">
+                <p14:modId xmlns:p14="http://schemas.microsoft.com/office/powerpoint/2010/main" val="2214291776"/>
+              </p:ext>
+            </p:extLst>
+          </p:nvPr>
+        </p:nvGraphicFramePr>
+        <p:xfrm>
+          <a:off x="6311901" y="1679872"/>
+          <a:ext cx="2249334" cy="671443"/>
+        </p:xfrm>
+        <a:graphic>
+          <a:graphicData uri="http://schemas.openxmlformats.org/presentationml/2006/ole">
+            <mc:AlternateContent xmlns:mc="http://schemas.openxmlformats.org/markup-compatibility/2006">
+              <mc:Choice xmlns:v="urn:schemas-microsoft-com:vml" Requires="v">
+                <p:oleObj spid="_x0000_s5126" name="Equation" r:id="rId3" imgW="1701720" imgH="507960" progId="Equation.DSMT4">
+                  <p:embed/>
+                </p:oleObj>
+              </mc:Choice>
+              <mc:Fallback>
+                <p:oleObj name="Equation" r:id="rId3" imgW="1701720" imgH="507960" progId="Equation.DSMT4">
+                  <p:embed/>
+                  <p:pic>
+                    <p:nvPicPr>
+                      <p:cNvPr id="0" name=""/>
+                      <p:cNvPicPr/>
+                      <p:nvPr/>
+                    </p:nvPicPr>
+                    <p:blipFill>
+                      <a:blip r:embed="rId4"/>
+                      <a:stretch>
+                        <a:fillRect/>
+                      </a:stretch>
+                    </p:blipFill>
+                    <p:spPr>
+                      <a:xfrm>
+                        <a:off x="6311901" y="1679872"/>
+                        <a:ext cx="2249334" cy="671443"/>
+                      </a:xfrm>
+                      <a:prstGeom prst="rect">
+                        <a:avLst/>
+                      </a:prstGeom>
+                    </p:spPr>
+                  </p:pic>
+                </p:oleObj>
+              </mc:Fallback>
+            </mc:AlternateContent>
+          </a:graphicData>
+        </a:graphic>
+      </p:graphicFrame>
+      <p:graphicFrame>
+        <p:nvGraphicFramePr>
+          <p:cNvPr id="6" name="Object 5"/>
+          <p:cNvGraphicFramePr>
+            <a:graphicFrameLocks noChangeAspect="1"/>
+          </p:cNvGraphicFramePr>
+          <p:nvPr>
+            <p:extLst>
+              <p:ext uri="{D42A27DB-BD31-4B8C-83A1-F6EECF244321}">
+                <p14:modId xmlns:p14="http://schemas.microsoft.com/office/powerpoint/2010/main" val="387348465"/>
+              </p:ext>
+            </p:extLst>
+          </p:nvPr>
+        </p:nvGraphicFramePr>
+        <p:xfrm>
+          <a:off x="1620729" y="2264229"/>
+          <a:ext cx="3635375" cy="538162"/>
+        </p:xfrm>
+        <a:graphic>
+          <a:graphicData uri="http://schemas.openxmlformats.org/presentationml/2006/ole">
+            <mc:AlternateContent xmlns:mc="http://schemas.openxmlformats.org/markup-compatibility/2006">
+              <mc:Choice xmlns:v="urn:schemas-microsoft-com:vml" Requires="v">
+                <p:oleObj spid="_x0000_s5127" name="Equation" r:id="rId5" imgW="3174840" imgH="469800" progId="Equation.DSMT4">
+                  <p:embed/>
+                </p:oleObj>
+              </mc:Choice>
+              <mc:Fallback>
+                <p:oleObj name="Equation" r:id="rId5" imgW="3174840" imgH="469800" progId="Equation.DSMT4">
+                  <p:embed/>
+                  <p:pic>
+                    <p:nvPicPr>
+                      <p:cNvPr id="0" name=""/>
+                      <p:cNvPicPr/>
+                      <p:nvPr/>
+                    </p:nvPicPr>
+                    <p:blipFill>
+                      <a:blip r:embed="rId6"/>
+                      <a:stretch>
+                        <a:fillRect/>
+                      </a:stretch>
+                    </p:blipFill>
+                    <p:spPr>
+                      <a:xfrm>
+                        <a:off x="1620729" y="2264229"/>
+                        <a:ext cx="3635375" cy="538162"/>
+                      </a:xfrm>
+                      <a:prstGeom prst="rect">
+                        <a:avLst/>
+                      </a:prstGeom>
+                    </p:spPr>
+                  </p:pic>
+                </p:oleObj>
+              </mc:Fallback>
+            </mc:AlternateContent>
+          </a:graphicData>
+        </a:graphic>
+      </p:graphicFrame>
+    </p:spTree>
+    <p:extLst>
+      <p:ext uri="{BB962C8B-B14F-4D97-AF65-F5344CB8AC3E}">
+        <p14:creationId xmlns:p14="http://schemas.microsoft.com/office/powerpoint/2010/main" val="3869914274"/>
       </p:ext>
     </p:extLst>
   </p:cSld>
@@ -6254,16 +9062,46 @@
             </a:r>
             <a:r>
               <a:rPr lang="en-US" dirty="0" smtClean="0"/>
-              <a:t> is an interactive web application </a:t>
-            </a:r>
-            <a:r>
-              <a:rPr lang="en-US" dirty="0"/>
-              <a:t>for social network </a:t>
-            </a:r>
-            <a:r>
-              <a:rPr lang="en-US" dirty="0" smtClean="0"/>
-              <a:t>analysis.</a:t>
-            </a:r>
+              <a:t> is </a:t>
+            </a:r>
+            <a:r>
+              <a:rPr lang="en-US" dirty="0" smtClean="0"/>
+              <a:t>a graphical user interface for network analysis</a:t>
+            </a:r>
+          </a:p>
+          <a:p>
+            <a:pPr lvl="1"/>
+            <a:r>
+              <a:rPr lang="en-US" dirty="0" smtClean="0"/>
+              <a:t>Based on </a:t>
+            </a:r>
+            <a:r>
+              <a:rPr lang="en-US" dirty="0" err="1" smtClean="0"/>
+              <a:t>statnet</a:t>
+            </a:r>
+            <a:r>
+              <a:rPr lang="en-US" dirty="0" smtClean="0"/>
+              <a:t> suite of R packages</a:t>
+            </a:r>
+          </a:p>
+          <a:p>
+            <a:pPr lvl="2"/>
+            <a:r>
+              <a:rPr lang="en-US" dirty="0" smtClean="0"/>
+              <a:t>www.statnet.org</a:t>
+            </a:r>
+          </a:p>
+          <a:p>
+            <a:pPr lvl="1"/>
+            <a:r>
+              <a:rPr lang="en-US" dirty="0" smtClean="0"/>
+              <a:t>R</a:t>
+            </a:r>
+            <a:r>
+              <a:rPr lang="en-US" dirty="0" smtClean="0"/>
+              <a:t>uns in a web browser</a:t>
+            </a:r>
+            <a:endParaRPr lang="en-US" dirty="0" smtClean="0"/>
           </a:p>
           <a:p>
             <a:r>
@@ -6349,6 +9187,961 @@
 </p:sld>
 </file>
 
+<file path=ppt/slides/slide20.xml><?xml version="1.0" encoding="utf-8"?>
+<p:sld xmlns:a="http://schemas.openxmlformats.org/drawingml/2006/main" xmlns:r="http://schemas.openxmlformats.org/officeDocument/2006/relationships" xmlns:p="http://schemas.openxmlformats.org/presentationml/2006/main">
+  <p:cSld>
+    <p:spTree>
+      <p:nvGrpSpPr>
+        <p:cNvPr id="1" name=""/>
+        <p:cNvGrpSpPr/>
+        <p:nvPr/>
+      </p:nvGrpSpPr>
+      <p:grpSpPr>
+        <a:xfrm>
+          <a:off x="0" y="0"/>
+          <a:ext cx="0" cy="0"/>
+          <a:chOff x="0" y="0"/>
+          <a:chExt cx="0" cy="0"/>
+        </a:xfrm>
+      </p:grpSpPr>
+      <p:sp>
+        <p:nvSpPr>
+          <p:cNvPr id="2" name="Title 1"/>
+          <p:cNvSpPr>
+            <a:spLocks noGrp="1"/>
+          </p:cNvSpPr>
+          <p:nvPr>
+            <p:ph type="title"/>
+          </p:nvPr>
+        </p:nvSpPr>
+        <p:spPr/>
+        <p:txBody>
+          <a:bodyPr>
+            <a:normAutofit/>
+          </a:bodyPr>
+          <a:lstStyle/>
+          <a:p>
+            <a:r>
+              <a:rPr lang="en-US" dirty="0" smtClean="0"/>
+              <a:t>Statistical Models</a:t>
+            </a:r>
+            <a:endParaRPr lang="en-US" dirty="0"/>
+          </a:p>
+        </p:txBody>
+      </p:sp>
+      <p:sp>
+        <p:nvSpPr>
+          <p:cNvPr id="3" name="Content Placeholder 2"/>
+          <p:cNvSpPr>
+            <a:spLocks noGrp="1"/>
+          </p:cNvSpPr>
+          <p:nvPr>
+            <p:ph sz="half" idx="1"/>
+          </p:nvPr>
+        </p:nvSpPr>
+        <p:spPr/>
+        <p:txBody>
+          <a:bodyPr/>
+          <a:lstStyle/>
+          <a:p>
+            <a:r>
+              <a:rPr lang="en-US" b="1" dirty="0" smtClean="0"/>
+              <a:t>Individual effects</a:t>
+            </a:r>
+          </a:p>
+        </p:txBody>
+      </p:sp>
+      <p:sp>
+        <p:nvSpPr>
+          <p:cNvPr id="4" name="Content Placeholder 3"/>
+          <p:cNvSpPr>
+            <a:spLocks noGrp="1"/>
+          </p:cNvSpPr>
+          <p:nvPr>
+            <p:ph sz="half" idx="2"/>
+          </p:nvPr>
+        </p:nvSpPr>
+        <p:spPr/>
+        <p:txBody>
+          <a:bodyPr/>
+          <a:lstStyle/>
+          <a:p>
+            <a:endParaRPr lang="en-US"/>
+          </a:p>
+        </p:txBody>
+      </p:sp>
+    </p:spTree>
+    <p:extLst>
+      <p:ext uri="{BB962C8B-B14F-4D97-AF65-F5344CB8AC3E}">
+        <p14:creationId xmlns:p14="http://schemas.microsoft.com/office/powerpoint/2010/main" val="2055467869"/>
+      </p:ext>
+    </p:extLst>
+  </p:cSld>
+  <p:clrMapOvr>
+    <a:masterClrMapping/>
+  </p:clrMapOvr>
+</p:sld>
+</file>
+
+<file path=ppt/slides/slide21.xml><?xml version="1.0" encoding="utf-8"?>
+<p:sld xmlns:a="http://schemas.openxmlformats.org/drawingml/2006/main" xmlns:r="http://schemas.openxmlformats.org/officeDocument/2006/relationships" xmlns:p="http://schemas.openxmlformats.org/presentationml/2006/main">
+  <p:cSld>
+    <p:spTree>
+      <p:nvGrpSpPr>
+        <p:cNvPr id="1" name=""/>
+        <p:cNvGrpSpPr/>
+        <p:nvPr/>
+      </p:nvGrpSpPr>
+      <p:grpSpPr>
+        <a:xfrm>
+          <a:off x="0" y="0"/>
+          <a:ext cx="0" cy="0"/>
+          <a:chOff x="0" y="0"/>
+          <a:chExt cx="0" cy="0"/>
+        </a:xfrm>
+      </p:grpSpPr>
+      <p:sp>
+        <p:nvSpPr>
+          <p:cNvPr id="2" name="Title 1"/>
+          <p:cNvSpPr>
+            <a:spLocks noGrp="1"/>
+          </p:cNvSpPr>
+          <p:nvPr>
+            <p:ph type="title"/>
+          </p:nvPr>
+        </p:nvSpPr>
+        <p:spPr/>
+        <p:txBody>
+          <a:bodyPr>
+            <a:normAutofit/>
+          </a:bodyPr>
+          <a:lstStyle/>
+          <a:p>
+            <a:r>
+              <a:rPr lang="en-US" dirty="0" smtClean="0"/>
+              <a:t>Statistical Models</a:t>
+            </a:r>
+            <a:endParaRPr lang="en-US" dirty="0"/>
+          </a:p>
+        </p:txBody>
+      </p:sp>
+      <p:sp>
+        <p:nvSpPr>
+          <p:cNvPr id="3" name="Content Placeholder 2"/>
+          <p:cNvSpPr>
+            <a:spLocks noGrp="1"/>
+          </p:cNvSpPr>
+          <p:nvPr>
+            <p:ph sz="half" idx="1"/>
+          </p:nvPr>
+        </p:nvSpPr>
+        <p:spPr/>
+        <p:txBody>
+          <a:bodyPr/>
+          <a:lstStyle/>
+          <a:p>
+            <a:r>
+              <a:rPr lang="en-US" b="1" dirty="0" smtClean="0"/>
+              <a:t>p</a:t>
+            </a:r>
+            <a:r>
+              <a:rPr lang="en-US" b="1" baseline="-25000" dirty="0" smtClean="0"/>
+              <a:t>1</a:t>
+            </a:r>
+            <a:r>
+              <a:rPr lang="en-US" b="1" dirty="0" smtClean="0"/>
+              <a:t> model</a:t>
+            </a:r>
+          </a:p>
+        </p:txBody>
+      </p:sp>
+      <p:sp>
+        <p:nvSpPr>
+          <p:cNvPr id="4" name="Content Placeholder 3"/>
+          <p:cNvSpPr>
+            <a:spLocks noGrp="1"/>
+          </p:cNvSpPr>
+          <p:nvPr>
+            <p:ph sz="half" idx="2"/>
+          </p:nvPr>
+        </p:nvSpPr>
+        <p:spPr/>
+        <p:txBody>
+          <a:bodyPr/>
+          <a:lstStyle/>
+          <a:p>
+            <a:endParaRPr lang="en-US"/>
+          </a:p>
+        </p:txBody>
+      </p:sp>
+    </p:spTree>
+    <p:extLst>
+      <p:ext uri="{BB962C8B-B14F-4D97-AF65-F5344CB8AC3E}">
+        <p14:creationId xmlns:p14="http://schemas.microsoft.com/office/powerpoint/2010/main" val="4131631640"/>
+      </p:ext>
+    </p:extLst>
+  </p:cSld>
+  <p:clrMapOvr>
+    <a:masterClrMapping/>
+  </p:clrMapOvr>
+</p:sld>
+</file>
+
+<file path=ppt/slides/slide22.xml><?xml version="1.0" encoding="utf-8"?>
+<p:sld xmlns:a="http://schemas.openxmlformats.org/drawingml/2006/main" xmlns:r="http://schemas.openxmlformats.org/officeDocument/2006/relationships" xmlns:p="http://schemas.openxmlformats.org/presentationml/2006/main">
+  <p:cSld>
+    <p:spTree>
+      <p:nvGrpSpPr>
+        <p:cNvPr id="1" name=""/>
+        <p:cNvGrpSpPr/>
+        <p:nvPr/>
+      </p:nvGrpSpPr>
+      <p:grpSpPr>
+        <a:xfrm>
+          <a:off x="0" y="0"/>
+          <a:ext cx="0" cy="0"/>
+          <a:chOff x="0" y="0"/>
+          <a:chExt cx="0" cy="0"/>
+        </a:xfrm>
+      </p:grpSpPr>
+      <p:sp>
+        <p:nvSpPr>
+          <p:cNvPr id="2" name="Title 1"/>
+          <p:cNvSpPr>
+            <a:spLocks noGrp="1"/>
+          </p:cNvSpPr>
+          <p:nvPr>
+            <p:ph type="title"/>
+          </p:nvPr>
+        </p:nvSpPr>
+        <p:spPr/>
+        <p:txBody>
+          <a:bodyPr>
+            <a:normAutofit/>
+          </a:bodyPr>
+          <a:lstStyle/>
+          <a:p>
+            <a:r>
+              <a:rPr lang="en-US" dirty="0" smtClean="0"/>
+              <a:t>Statistical Models</a:t>
+            </a:r>
+            <a:endParaRPr lang="en-US" dirty="0"/>
+          </a:p>
+        </p:txBody>
+      </p:sp>
+      <p:sp>
+        <p:nvSpPr>
+          <p:cNvPr id="3" name="Content Placeholder 2"/>
+          <p:cNvSpPr>
+            <a:spLocks noGrp="1"/>
+          </p:cNvSpPr>
+          <p:nvPr>
+            <p:ph sz="half" idx="1"/>
+          </p:nvPr>
+        </p:nvSpPr>
+        <p:spPr/>
+        <p:txBody>
+          <a:bodyPr/>
+          <a:lstStyle/>
+          <a:p>
+            <a:r>
+              <a:rPr lang="en-US" b="1" dirty="0" smtClean="0"/>
+              <a:t>Markov graphs</a:t>
+            </a:r>
+          </a:p>
+        </p:txBody>
+      </p:sp>
+      <p:sp>
+        <p:nvSpPr>
+          <p:cNvPr id="4" name="Content Placeholder 3"/>
+          <p:cNvSpPr>
+            <a:spLocks noGrp="1"/>
+          </p:cNvSpPr>
+          <p:nvPr>
+            <p:ph sz="half" idx="2"/>
+          </p:nvPr>
+        </p:nvSpPr>
+        <p:spPr/>
+        <p:txBody>
+          <a:bodyPr/>
+          <a:lstStyle/>
+          <a:p>
+            <a:endParaRPr lang="en-US"/>
+          </a:p>
+        </p:txBody>
+      </p:sp>
+    </p:spTree>
+    <p:extLst>
+      <p:ext uri="{BB962C8B-B14F-4D97-AF65-F5344CB8AC3E}">
+        <p14:creationId xmlns:p14="http://schemas.microsoft.com/office/powerpoint/2010/main" val="3004624742"/>
+      </p:ext>
+    </p:extLst>
+  </p:cSld>
+  <p:clrMapOvr>
+    <a:masterClrMapping/>
+  </p:clrMapOvr>
+</p:sld>
+</file>
+
+<file path=ppt/slides/slide23.xml><?xml version="1.0" encoding="utf-8"?>
+<p:sld xmlns:a="http://schemas.openxmlformats.org/drawingml/2006/main" xmlns:r="http://schemas.openxmlformats.org/officeDocument/2006/relationships" xmlns:p="http://schemas.openxmlformats.org/presentationml/2006/main">
+  <p:cSld>
+    <p:spTree>
+      <p:nvGrpSpPr>
+        <p:cNvPr id="1" name=""/>
+        <p:cNvGrpSpPr/>
+        <p:nvPr/>
+      </p:nvGrpSpPr>
+      <p:grpSpPr>
+        <a:xfrm>
+          <a:off x="0" y="0"/>
+          <a:ext cx="0" cy="0"/>
+          <a:chOff x="0" y="0"/>
+          <a:chExt cx="0" cy="0"/>
+        </a:xfrm>
+      </p:grpSpPr>
+      <p:sp>
+        <p:nvSpPr>
+          <p:cNvPr id="2" name="Title 1"/>
+          <p:cNvSpPr>
+            <a:spLocks noGrp="1"/>
+          </p:cNvSpPr>
+          <p:nvPr>
+            <p:ph type="title"/>
+          </p:nvPr>
+        </p:nvSpPr>
+        <p:spPr/>
+        <p:txBody>
+          <a:bodyPr>
+            <a:normAutofit/>
+          </a:bodyPr>
+          <a:lstStyle/>
+          <a:p>
+            <a:r>
+              <a:rPr lang="en-US" dirty="0" smtClean="0"/>
+              <a:t>Statistical Models</a:t>
+            </a:r>
+            <a:endParaRPr lang="en-US" dirty="0"/>
+          </a:p>
+        </p:txBody>
+      </p:sp>
+      <p:sp>
+        <p:nvSpPr>
+          <p:cNvPr id="3" name="Content Placeholder 2"/>
+          <p:cNvSpPr>
+            <a:spLocks noGrp="1"/>
+          </p:cNvSpPr>
+          <p:nvPr>
+            <p:ph sz="half" idx="1"/>
+          </p:nvPr>
+        </p:nvSpPr>
+        <p:spPr/>
+        <p:txBody>
+          <a:bodyPr/>
+          <a:lstStyle/>
+          <a:p>
+            <a:r>
+              <a:rPr lang="en-US" b="1" dirty="0" smtClean="0"/>
+              <a:t>Exponential random graph models (p</a:t>
+            </a:r>
+            <a:r>
+              <a:rPr lang="en-US" b="1" baseline="30000" dirty="0" smtClean="0"/>
+              <a:t>*</a:t>
+            </a:r>
+            <a:r>
+              <a:rPr lang="en-US" b="1" dirty="0" smtClean="0"/>
+              <a:t>)</a:t>
+            </a:r>
+            <a:endParaRPr lang="en-US" b="1" dirty="0"/>
+          </a:p>
+        </p:txBody>
+      </p:sp>
+      <p:sp>
+        <p:nvSpPr>
+          <p:cNvPr id="4" name="Content Placeholder 3"/>
+          <p:cNvSpPr>
+            <a:spLocks noGrp="1"/>
+          </p:cNvSpPr>
+          <p:nvPr>
+            <p:ph sz="half" idx="2"/>
+          </p:nvPr>
+        </p:nvSpPr>
+        <p:spPr/>
+        <p:txBody>
+          <a:bodyPr/>
+          <a:lstStyle/>
+          <a:p>
+            <a:endParaRPr lang="en-US"/>
+          </a:p>
+        </p:txBody>
+      </p:sp>
+    </p:spTree>
+    <p:extLst>
+      <p:ext uri="{BB962C8B-B14F-4D97-AF65-F5344CB8AC3E}">
+        <p14:creationId xmlns:p14="http://schemas.microsoft.com/office/powerpoint/2010/main" val="1052789440"/>
+      </p:ext>
+    </p:extLst>
+  </p:cSld>
+  <p:clrMapOvr>
+    <a:masterClrMapping/>
+  </p:clrMapOvr>
+</p:sld>
+</file>
+
+<file path=ppt/slides/slide24.xml><?xml version="1.0" encoding="utf-8"?>
+<p:sld xmlns:a="http://schemas.openxmlformats.org/drawingml/2006/main" xmlns:r="http://schemas.openxmlformats.org/officeDocument/2006/relationships" xmlns:p="http://schemas.openxmlformats.org/presentationml/2006/main">
+  <p:cSld>
+    <p:spTree>
+      <p:nvGrpSpPr>
+        <p:cNvPr id="1" name=""/>
+        <p:cNvGrpSpPr/>
+        <p:nvPr/>
+      </p:nvGrpSpPr>
+      <p:grpSpPr>
+        <a:xfrm>
+          <a:off x="0" y="0"/>
+          <a:ext cx="0" cy="0"/>
+          <a:chOff x="0" y="0"/>
+          <a:chExt cx="0" cy="0"/>
+        </a:xfrm>
+      </p:grpSpPr>
+      <p:sp>
+        <p:nvSpPr>
+          <p:cNvPr id="2" name="Title 1"/>
+          <p:cNvSpPr>
+            <a:spLocks noGrp="1"/>
+          </p:cNvSpPr>
+          <p:nvPr>
+            <p:ph type="title"/>
+          </p:nvPr>
+        </p:nvSpPr>
+        <p:spPr/>
+        <p:txBody>
+          <a:bodyPr/>
+          <a:lstStyle/>
+          <a:p>
+            <a:r>
+              <a:rPr lang="en-US" dirty="0" smtClean="0"/>
+              <a:t>Statistical Models</a:t>
+            </a:r>
+            <a:endParaRPr lang="en-US" dirty="0"/>
+          </a:p>
+        </p:txBody>
+      </p:sp>
+      <p:sp>
+        <p:nvSpPr>
+          <p:cNvPr id="3" name="Content Placeholder 2"/>
+          <p:cNvSpPr>
+            <a:spLocks noGrp="1"/>
+          </p:cNvSpPr>
+          <p:nvPr>
+            <p:ph sz="half" idx="1"/>
+          </p:nvPr>
+        </p:nvSpPr>
+        <p:spPr/>
+        <p:txBody>
+          <a:bodyPr/>
+          <a:lstStyle/>
+          <a:p>
+            <a:r>
+              <a:rPr lang="en-US" dirty="0" smtClean="0"/>
+              <a:t>What is an ERGM?</a:t>
+            </a:r>
+          </a:p>
+          <a:p>
+            <a:endParaRPr lang="en-US" sz="1100" dirty="0" smtClean="0"/>
+          </a:p>
+          <a:p>
+            <a:pPr lvl="1"/>
+            <a:r>
+              <a:rPr lang="en-US" dirty="0" smtClean="0"/>
+              <a:t>Class of models for specifying the probability distribution for a set of random graphs or networks</a:t>
+            </a:r>
+          </a:p>
+          <a:p>
+            <a:pPr lvl="1"/>
+            <a:endParaRPr lang="en-US" dirty="0"/>
+          </a:p>
+          <a:p>
+            <a:pPr lvl="1"/>
+            <a:r>
+              <a:rPr lang="en-US" i="1" dirty="0" smtClean="0">
+                <a:latin typeface="Times New Roman" panose="02020603050405020304" pitchFamily="18" charset="0"/>
+                <a:cs typeface="Times New Roman" panose="02020603050405020304" pitchFamily="18" charset="0"/>
+              </a:rPr>
+              <a:t>Y</a:t>
+            </a:r>
+            <a:r>
+              <a:rPr lang="en-US" dirty="0" smtClean="0"/>
+              <a:t>: random variable for state of network (with realization </a:t>
+            </a:r>
+            <a:r>
+              <a:rPr lang="en-US" i="1" dirty="0" smtClean="0">
+                <a:latin typeface="Times New Roman" panose="02020603050405020304" pitchFamily="18" charset="0"/>
+                <a:cs typeface="Times New Roman" panose="02020603050405020304" pitchFamily="18" charset="0"/>
+              </a:rPr>
+              <a:t>y</a:t>
+            </a:r>
+            <a:r>
+              <a:rPr lang="en-US" dirty="0" smtClean="0"/>
+              <a:t>)</a:t>
+            </a:r>
+          </a:p>
+          <a:p>
+            <a:pPr lvl="1"/>
+            <a:r>
+              <a:rPr lang="en-US" i="1" dirty="0" smtClean="0">
+                <a:latin typeface="Times New Roman" panose="02020603050405020304" pitchFamily="18" charset="0"/>
+                <a:cs typeface="Times New Roman" panose="02020603050405020304" pitchFamily="18" charset="0"/>
+              </a:rPr>
+              <a:t>g(y)</a:t>
+            </a:r>
+            <a:r>
+              <a:rPr lang="en-US" dirty="0" smtClean="0"/>
+              <a:t>: vector of model statistics for network </a:t>
+            </a:r>
+            <a:r>
+              <a:rPr lang="en-US" i="1" dirty="0" smtClean="0">
+                <a:latin typeface="Times New Roman" panose="02020603050405020304" pitchFamily="18" charset="0"/>
+                <a:cs typeface="Times New Roman" panose="02020603050405020304" pitchFamily="18" charset="0"/>
+              </a:rPr>
+              <a:t>y</a:t>
+            </a:r>
+          </a:p>
+          <a:p>
+            <a:pPr lvl="1"/>
+            <a:r>
+              <a:rPr lang="el-GR" i="1" dirty="0" smtClean="0">
+                <a:latin typeface="Times New Roman" panose="02020603050405020304" pitchFamily="18" charset="0"/>
+                <a:cs typeface="Times New Roman" panose="02020603050405020304" pitchFamily="18" charset="0"/>
+              </a:rPr>
+              <a:t>θ</a:t>
+            </a:r>
+            <a:r>
+              <a:rPr lang="en-US" dirty="0" smtClean="0"/>
+              <a:t>: vector of coefficients for statistics </a:t>
+            </a:r>
+            <a:r>
+              <a:rPr lang="en-US" i="1" dirty="0" smtClean="0">
+                <a:latin typeface="Times New Roman" panose="02020603050405020304" pitchFamily="18" charset="0"/>
+                <a:cs typeface="Times New Roman" panose="02020603050405020304" pitchFamily="18" charset="0"/>
+              </a:rPr>
+              <a:t>g(y)</a:t>
+            </a:r>
+          </a:p>
+          <a:p>
+            <a:pPr lvl="1"/>
+            <a:r>
+              <a:rPr lang="en-US" i="1" dirty="0" smtClean="0">
+                <a:latin typeface="Times New Roman" panose="02020603050405020304" pitchFamily="18" charset="0"/>
+                <a:cs typeface="Times New Roman" panose="02020603050405020304" pitchFamily="18" charset="0"/>
+              </a:rPr>
+              <a:t>k(</a:t>
+            </a:r>
+            <a:r>
+              <a:rPr lang="el-GR" i="1" dirty="0" smtClean="0">
+                <a:latin typeface="Times New Roman" panose="02020603050405020304" pitchFamily="18" charset="0"/>
+                <a:cs typeface="Times New Roman" panose="02020603050405020304" pitchFamily="18" charset="0"/>
+              </a:rPr>
+              <a:t>θ</a:t>
+            </a:r>
+            <a:r>
+              <a:rPr lang="en-US" i="1" dirty="0" smtClean="0">
+                <a:latin typeface="Times New Roman" panose="02020603050405020304" pitchFamily="18" charset="0"/>
+                <a:cs typeface="Times New Roman" panose="02020603050405020304" pitchFamily="18" charset="0"/>
+              </a:rPr>
+              <a:t>)</a:t>
+            </a:r>
+            <a:r>
+              <a:rPr lang="en-US" dirty="0" smtClean="0"/>
+              <a:t>: numerator summed over all possible networks with same node set as </a:t>
+            </a:r>
+            <a:r>
+              <a:rPr lang="en-US" i="1" dirty="0" smtClean="0">
+                <a:latin typeface="Times New Roman" panose="02020603050405020304" pitchFamily="18" charset="0"/>
+                <a:cs typeface="Times New Roman" panose="02020603050405020304" pitchFamily="18" charset="0"/>
+              </a:rPr>
+              <a:t>y</a:t>
+            </a:r>
+          </a:p>
+          <a:p>
+            <a:pPr lvl="1"/>
+            <a:endParaRPr lang="en-US" dirty="0"/>
+          </a:p>
+        </p:txBody>
+      </p:sp>
+      <p:pic>
+        <p:nvPicPr>
+          <p:cNvPr id="6" name="Content Placeholder 5"/>
+          <p:cNvPicPr>
+            <a:picLocks noGrp="1" noChangeAspect="1"/>
+          </p:cNvPicPr>
+          <p:nvPr>
+            <p:ph sz="half" idx="2"/>
+          </p:nvPr>
+        </p:nvPicPr>
+        <p:blipFill>
+          <a:blip r:embed="rId3">
+            <a:extLst>
+              <a:ext uri="{28A0092B-C50C-407E-A947-70E740481C1C}">
+                <a14:useLocalDpi xmlns:a14="http://schemas.microsoft.com/office/drawing/2010/main" val="0"/>
+              </a:ext>
+            </a:extLst>
+          </a:blip>
+          <a:stretch>
+            <a:fillRect/>
+          </a:stretch>
+        </p:blipFill>
+        <p:spPr>
+          <a:xfrm>
+            <a:off x="6035038" y="1447800"/>
+            <a:ext cx="5350405" cy="4012803"/>
+          </a:xfrm>
+        </p:spPr>
+      </p:pic>
+      <p:graphicFrame>
+        <p:nvGraphicFramePr>
+          <p:cNvPr id="7" name="Object 6"/>
+          <p:cNvGraphicFramePr>
+            <a:graphicFrameLocks noChangeAspect="1"/>
+          </p:cNvGraphicFramePr>
+          <p:nvPr>
+            <p:extLst>
+              <p:ext uri="{D42A27DB-BD31-4B8C-83A1-F6EECF244321}">
+                <p14:modId xmlns:p14="http://schemas.microsoft.com/office/powerpoint/2010/main" val="2369384258"/>
+              </p:ext>
+            </p:extLst>
+          </p:nvPr>
+        </p:nvGraphicFramePr>
+        <p:xfrm>
+          <a:off x="2516188" y="2651125"/>
+          <a:ext cx="2097087" cy="582613"/>
+        </p:xfrm>
+        <a:graphic>
+          <a:graphicData uri="http://schemas.openxmlformats.org/presentationml/2006/ole">
+            <mc:AlternateContent xmlns:mc="http://schemas.openxmlformats.org/markup-compatibility/2006">
+              <mc:Choice xmlns:v="urn:schemas-microsoft-com:vml" Requires="v">
+                <p:oleObj spid="_x0000_s1031" name="Equation" r:id="rId4" imgW="1511280" imgH="419040" progId="Equation.DSMT4">
+                  <p:embed/>
+                </p:oleObj>
+              </mc:Choice>
+              <mc:Fallback>
+                <p:oleObj name="Equation" r:id="rId4" imgW="1511280" imgH="419040" progId="Equation.DSMT4">
+                  <p:embed/>
+                  <p:pic>
+                    <p:nvPicPr>
+                      <p:cNvPr id="0" name=""/>
+                      <p:cNvPicPr/>
+                      <p:nvPr/>
+                    </p:nvPicPr>
+                    <p:blipFill>
+                      <a:blip r:embed="rId5"/>
+                      <a:stretch>
+                        <a:fillRect/>
+                      </a:stretch>
+                    </p:blipFill>
+                    <p:spPr>
+                      <a:xfrm>
+                        <a:off x="2516188" y="2651125"/>
+                        <a:ext cx="2097087" cy="582613"/>
+                      </a:xfrm>
+                      <a:prstGeom prst="rect">
+                        <a:avLst/>
+                      </a:prstGeom>
+                    </p:spPr>
+                  </p:pic>
+                </p:oleObj>
+              </mc:Fallback>
+            </mc:AlternateContent>
+          </a:graphicData>
+        </a:graphic>
+      </p:graphicFrame>
+    </p:spTree>
+    <p:extLst>
+      <p:ext uri="{BB962C8B-B14F-4D97-AF65-F5344CB8AC3E}">
+        <p14:creationId xmlns:p14="http://schemas.microsoft.com/office/powerpoint/2010/main" val="1960123899"/>
+      </p:ext>
+    </p:extLst>
+  </p:cSld>
+  <p:clrMapOvr>
+    <a:masterClrMapping/>
+  </p:clrMapOvr>
+</p:sld>
+</file>
+
+<file path=ppt/slides/slide25.xml><?xml version="1.0" encoding="utf-8"?>
+<p:sld xmlns:a="http://schemas.openxmlformats.org/drawingml/2006/main" xmlns:r="http://schemas.openxmlformats.org/officeDocument/2006/relationships" xmlns:p="http://schemas.openxmlformats.org/presentationml/2006/main">
+  <p:cSld>
+    <p:spTree>
+      <p:nvGrpSpPr>
+        <p:cNvPr id="1" name=""/>
+        <p:cNvGrpSpPr/>
+        <p:nvPr/>
+      </p:nvGrpSpPr>
+      <p:grpSpPr>
+        <a:xfrm>
+          <a:off x="0" y="0"/>
+          <a:ext cx="0" cy="0"/>
+          <a:chOff x="0" y="0"/>
+          <a:chExt cx="0" cy="0"/>
+        </a:xfrm>
+      </p:grpSpPr>
+      <p:sp>
+        <p:nvSpPr>
+          <p:cNvPr id="2" name="Title 1"/>
+          <p:cNvSpPr>
+            <a:spLocks noGrp="1"/>
+          </p:cNvSpPr>
+          <p:nvPr>
+            <p:ph type="title"/>
+          </p:nvPr>
+        </p:nvSpPr>
+        <p:spPr/>
+        <p:txBody>
+          <a:bodyPr/>
+          <a:lstStyle/>
+          <a:p>
+            <a:r>
+              <a:rPr lang="en-US" dirty="0" smtClean="0"/>
+              <a:t>Diagnostics</a:t>
+            </a:r>
+            <a:endParaRPr lang="en-US" dirty="0"/>
+          </a:p>
+        </p:txBody>
+      </p:sp>
+      <p:sp>
+        <p:nvSpPr>
+          <p:cNvPr id="3" name="Content Placeholder 2"/>
+          <p:cNvSpPr>
+            <a:spLocks noGrp="1"/>
+          </p:cNvSpPr>
+          <p:nvPr>
+            <p:ph sz="half" idx="1"/>
+          </p:nvPr>
+        </p:nvSpPr>
+        <p:spPr/>
+        <p:txBody>
+          <a:bodyPr/>
+          <a:lstStyle/>
+          <a:p>
+            <a:endParaRPr lang="en-US"/>
+          </a:p>
+        </p:txBody>
+      </p:sp>
+      <p:sp>
+        <p:nvSpPr>
+          <p:cNvPr id="4" name="Content Placeholder 3"/>
+          <p:cNvSpPr>
+            <a:spLocks noGrp="1"/>
+          </p:cNvSpPr>
+          <p:nvPr>
+            <p:ph sz="half" idx="2"/>
+          </p:nvPr>
+        </p:nvSpPr>
+        <p:spPr/>
+        <p:txBody>
+          <a:bodyPr/>
+          <a:lstStyle/>
+          <a:p>
+            <a:endParaRPr lang="en-US"/>
+          </a:p>
+        </p:txBody>
+      </p:sp>
+    </p:spTree>
+    <p:extLst>
+      <p:ext uri="{BB962C8B-B14F-4D97-AF65-F5344CB8AC3E}">
+        <p14:creationId xmlns:p14="http://schemas.microsoft.com/office/powerpoint/2010/main" val="2976517766"/>
+      </p:ext>
+    </p:extLst>
+  </p:cSld>
+  <p:clrMapOvr>
+    <a:masterClrMapping/>
+  </p:clrMapOvr>
+</p:sld>
+</file>
+
+<file path=ppt/slides/slide26.xml><?xml version="1.0" encoding="utf-8"?>
+<p:sld xmlns:a="http://schemas.openxmlformats.org/drawingml/2006/main" xmlns:r="http://schemas.openxmlformats.org/officeDocument/2006/relationships" xmlns:p="http://schemas.openxmlformats.org/presentationml/2006/main">
+  <p:cSld>
+    <p:spTree>
+      <p:nvGrpSpPr>
+        <p:cNvPr id="1" name=""/>
+        <p:cNvGrpSpPr/>
+        <p:nvPr/>
+      </p:nvGrpSpPr>
+      <p:grpSpPr>
+        <a:xfrm>
+          <a:off x="0" y="0"/>
+          <a:ext cx="0" cy="0"/>
+          <a:chOff x="0" y="0"/>
+          <a:chExt cx="0" cy="0"/>
+        </a:xfrm>
+      </p:grpSpPr>
+      <p:sp>
+        <p:nvSpPr>
+          <p:cNvPr id="2" name="Title 1"/>
+          <p:cNvSpPr>
+            <a:spLocks noGrp="1"/>
+          </p:cNvSpPr>
+          <p:nvPr>
+            <p:ph type="title"/>
+          </p:nvPr>
+        </p:nvSpPr>
+        <p:spPr/>
+        <p:txBody>
+          <a:bodyPr/>
+          <a:lstStyle/>
+          <a:p>
+            <a:r>
+              <a:rPr lang="en-US" dirty="0" smtClean="0"/>
+              <a:t>Model-Based Simulation</a:t>
+            </a:r>
+            <a:endParaRPr lang="en-US" dirty="0"/>
+          </a:p>
+        </p:txBody>
+      </p:sp>
+      <p:sp>
+        <p:nvSpPr>
+          <p:cNvPr id="3" name="Content Placeholder 2"/>
+          <p:cNvSpPr>
+            <a:spLocks noGrp="1"/>
+          </p:cNvSpPr>
+          <p:nvPr>
+            <p:ph sz="half" idx="1"/>
+          </p:nvPr>
+        </p:nvSpPr>
+        <p:spPr/>
+        <p:txBody>
+          <a:bodyPr/>
+          <a:lstStyle/>
+          <a:p>
+            <a:endParaRPr lang="en-US"/>
+          </a:p>
+        </p:txBody>
+      </p:sp>
+      <p:sp>
+        <p:nvSpPr>
+          <p:cNvPr id="4" name="Content Placeholder 3"/>
+          <p:cNvSpPr>
+            <a:spLocks noGrp="1"/>
+          </p:cNvSpPr>
+          <p:nvPr>
+            <p:ph sz="half" idx="2"/>
+          </p:nvPr>
+        </p:nvSpPr>
+        <p:spPr/>
+        <p:txBody>
+          <a:bodyPr/>
+          <a:lstStyle/>
+          <a:p>
+            <a:endParaRPr lang="en-US"/>
+          </a:p>
+        </p:txBody>
+      </p:sp>
+    </p:spTree>
+    <p:extLst>
+      <p:ext uri="{BB962C8B-B14F-4D97-AF65-F5344CB8AC3E}">
+        <p14:creationId xmlns:p14="http://schemas.microsoft.com/office/powerpoint/2010/main" val="1247503435"/>
+      </p:ext>
+    </p:extLst>
+  </p:cSld>
+  <p:clrMapOvr>
+    <a:masterClrMapping/>
+  </p:clrMapOvr>
+</p:sld>
+</file>
+
+<file path=ppt/slides/slide27.xml><?xml version="1.0" encoding="utf-8"?>
+<p:sld xmlns:a="http://schemas.openxmlformats.org/drawingml/2006/main" xmlns:r="http://schemas.openxmlformats.org/officeDocument/2006/relationships" xmlns:p="http://schemas.openxmlformats.org/presentationml/2006/main">
+  <p:cSld>
+    <p:spTree>
+      <p:nvGrpSpPr>
+        <p:cNvPr id="1" name=""/>
+        <p:cNvGrpSpPr/>
+        <p:nvPr/>
+      </p:nvGrpSpPr>
+      <p:grpSpPr>
+        <a:xfrm>
+          <a:off x="0" y="0"/>
+          <a:ext cx="0" cy="0"/>
+          <a:chOff x="0" y="0"/>
+          <a:chExt cx="0" cy="0"/>
+        </a:xfrm>
+      </p:grpSpPr>
+      <p:sp>
+        <p:nvSpPr>
+          <p:cNvPr id="2" name="Title 1"/>
+          <p:cNvSpPr>
+            <a:spLocks noGrp="1"/>
+          </p:cNvSpPr>
+          <p:nvPr>
+            <p:ph type="title"/>
+          </p:nvPr>
+        </p:nvSpPr>
+        <p:spPr/>
+        <p:txBody>
+          <a:bodyPr/>
+          <a:lstStyle/>
+          <a:p>
+            <a:r>
+              <a:rPr lang="en-US" dirty="0" smtClean="0"/>
+              <a:t>Review &amp; Further Topics</a:t>
+            </a:r>
+            <a:endParaRPr lang="en-US" dirty="0"/>
+          </a:p>
+        </p:txBody>
+      </p:sp>
+      <p:sp>
+        <p:nvSpPr>
+          <p:cNvPr id="3" name="Content Placeholder 2"/>
+          <p:cNvSpPr>
+            <a:spLocks noGrp="1"/>
+          </p:cNvSpPr>
+          <p:nvPr>
+            <p:ph sz="half" idx="1"/>
+          </p:nvPr>
+        </p:nvSpPr>
+        <p:spPr/>
+        <p:txBody>
+          <a:bodyPr/>
+          <a:lstStyle/>
+          <a:p>
+            <a:endParaRPr lang="en-US"/>
+          </a:p>
+        </p:txBody>
+      </p:sp>
+      <p:sp>
+        <p:nvSpPr>
+          <p:cNvPr id="4" name="Content Placeholder 3"/>
+          <p:cNvSpPr>
+            <a:spLocks noGrp="1"/>
+          </p:cNvSpPr>
+          <p:nvPr>
+            <p:ph sz="half" idx="2"/>
+          </p:nvPr>
+        </p:nvSpPr>
+        <p:spPr/>
+        <p:txBody>
+          <a:bodyPr/>
+          <a:lstStyle/>
+          <a:p>
+            <a:endParaRPr lang="en-US"/>
+          </a:p>
+        </p:txBody>
+      </p:sp>
+    </p:spTree>
+    <p:extLst>
+      <p:ext uri="{BB962C8B-B14F-4D97-AF65-F5344CB8AC3E}">
+        <p14:creationId xmlns:p14="http://schemas.microsoft.com/office/powerpoint/2010/main" val="3731357647"/>
+      </p:ext>
+    </p:extLst>
+  </p:cSld>
+  <p:clrMapOvr>
+    <a:masterClrMapping/>
+  </p:clrMapOvr>
+</p:sld>
+</file>
+
 <file path=ppt/slides/slide3.xml><?xml version="1.0" encoding="utf-8"?>
 <p:sld xmlns:a="http://schemas.openxmlformats.org/drawingml/2006/main" xmlns:r="http://schemas.openxmlformats.org/officeDocument/2006/relationships" xmlns:p="http://schemas.openxmlformats.org/presentationml/2006/main">
   <p:cSld>
@@ -6411,8 +10204,8 @@
         </p:blipFill>
         <p:spPr>
           <a:xfrm>
-            <a:off x="5182733" y="1635115"/>
-            <a:ext cx="6565760" cy="4021831"/>
+            <a:off x="6489306" y="1907193"/>
+            <a:ext cx="5506751" cy="3373139"/>
           </a:xfrm>
           <a:prstGeom prst="rect">
             <a:avLst/>
@@ -6421,13 +10214,13 @@
       </p:pic>
       <p:pic>
         <p:nvPicPr>
-          <p:cNvPr id="6" name="Picture 5" descr="sw_displayoptions.png"/>
+          <p:cNvPr id="3" name="Picture 2"/>
           <p:cNvPicPr>
             <a:picLocks noChangeAspect="1"/>
           </p:cNvPicPr>
           <p:nvPr/>
         </p:nvPicPr>
-        <p:blipFill>
+        <p:blipFill rotWithShape="1">
           <a:blip r:embed="rId3">
             <a:extLst>
               <a:ext uri="{28A0092B-C50C-407E-A947-70E740481C1C}">
@@ -6435,14 +10228,13 @@
               </a:ext>
             </a:extLst>
           </a:blip>
-          <a:stretch>
-            <a:fillRect/>
-          </a:stretch>
+          <a:srcRect r="8237"/>
+          <a:stretch/>
         </p:blipFill>
         <p:spPr>
           <a:xfrm>
-            <a:off x="1177103" y="1693514"/>
-            <a:ext cx="3217488" cy="3990024"/>
+            <a:off x="262483" y="1907193"/>
+            <a:ext cx="5863997" cy="3477673"/>
           </a:xfrm>
           <a:prstGeom prst="rect">
             <a:avLst/>
@@ -6542,11 +10334,7 @@
             <a:pPr lvl="1"/>
             <a:r>
               <a:rPr lang="en-US" dirty="0" smtClean="0"/>
-              <a:t>GUI-based programs: available to wider audience, limited analysis </a:t>
-            </a:r>
-            <a:r>
-              <a:rPr lang="en-US" dirty="0" smtClean="0"/>
-              <a:t>possibilities</a:t>
+              <a:t>GUI-based programs: available to wider audience, limited analysis possibilities</a:t>
             </a:r>
           </a:p>
           <a:p>
@@ -6574,7 +10362,11 @@
             </a:r>
             <a:r>
               <a:rPr lang="en-US" dirty="0" smtClean="0"/>
-              <a:t> allows us to build a graphical user interface for </a:t>
+              <a:t> allows us to build a </a:t>
+            </a:r>
+            <a:r>
+              <a:rPr lang="en-US" dirty="0" smtClean="0"/>
+              <a:t>friendly interface for </a:t>
             </a:r>
             <a:r>
               <a:rPr lang="en-US" dirty="0" err="1" smtClean="0"/>
@@ -6588,16 +10380,90 @@
           </a:p>
           <a:p>
             <a:r>
-              <a:rPr lang="en-US" dirty="0" smtClean="0"/>
-              <a:t>Rather than an isolated GUI, </a:t>
-            </a:r>
-            <a:r>
-              <a:rPr lang="en-US" dirty="0" err="1" smtClean="0"/>
+              <a:rPr lang="en-US" dirty="0" smtClean="0">
+                <a:solidFill>
+                  <a:schemeClr val="accent1"/>
+                </a:solidFill>
+              </a:rPr>
+              <a:t>Rather than </a:t>
+            </a:r>
+            <a:r>
+              <a:rPr lang="en-US" dirty="0" smtClean="0">
+                <a:solidFill>
+                  <a:schemeClr val="accent1"/>
+                </a:solidFill>
+              </a:rPr>
+              <a:t>reinforcing the dichotomy between</a:t>
+            </a:r>
+            <a:r>
+              <a:rPr lang="en-US" dirty="0" smtClean="0">
+                <a:solidFill>
+                  <a:schemeClr val="accent1"/>
+                </a:solidFill>
+              </a:rPr>
+              <a:t> access to the command line and standalone GUIs, </a:t>
+            </a:r>
+            <a:r>
+              <a:rPr lang="en-US" dirty="0" err="1" smtClean="0">
+                <a:solidFill>
+                  <a:schemeClr val="accent1"/>
+                </a:solidFill>
+              </a:rPr>
               <a:t>statnetWeb</a:t>
             </a:r>
             <a:r>
-              <a:rPr lang="en-US" dirty="0" smtClean="0"/>
-              <a:t> occupies a middle ground ________</a:t>
+              <a:rPr lang="en-US" dirty="0" smtClean="0">
+                <a:solidFill>
+                  <a:schemeClr val="accent1"/>
+                </a:solidFill>
+              </a:rPr>
+              <a:t> occupies </a:t>
+            </a:r>
+            <a:r>
+              <a:rPr lang="en-US" dirty="0" smtClean="0">
+                <a:solidFill>
+                  <a:schemeClr val="accent1"/>
+                </a:solidFill>
+              </a:rPr>
+              <a:t>the </a:t>
+            </a:r>
+            <a:r>
+              <a:rPr lang="en-US" dirty="0" smtClean="0">
+                <a:solidFill>
+                  <a:schemeClr val="accent1"/>
+                </a:solidFill>
+              </a:rPr>
+              <a:t>middle </a:t>
+            </a:r>
+            <a:r>
+              <a:rPr lang="en-US" dirty="0" smtClean="0">
+                <a:solidFill>
+                  <a:schemeClr val="accent1"/>
+                </a:solidFill>
+              </a:rPr>
+              <a:t>ground. </a:t>
+            </a:r>
+          </a:p>
+          <a:p>
+            <a:pPr lvl="1"/>
+            <a:r>
+              <a:rPr lang="en-US" dirty="0" smtClean="0"/>
+              <a:t>Teach and learn introductory network analysis</a:t>
+            </a:r>
+          </a:p>
+          <a:p>
+            <a:pPr lvl="1"/>
+            <a:r>
+              <a:rPr lang="en-US" dirty="0" smtClean="0"/>
+              <a:t>Perform exploratory tasks quickly</a:t>
+            </a:r>
+            <a:endParaRPr lang="en-US" dirty="0" smtClean="0"/>
+          </a:p>
+          <a:p>
+            <a:pPr lvl="1"/>
+            <a:r>
+              <a:rPr lang="en-US" dirty="0" smtClean="0"/>
+              <a:t>Transition to the command line for formal research</a:t>
             </a:r>
             <a:endParaRPr lang="en-US" dirty="0"/>
           </a:p>
@@ -6650,7 +10516,7 @@
           <a:p>
             <a:r>
               <a:rPr lang="en-US" dirty="0" smtClean="0"/>
-              <a:t>Course Outlines</a:t>
+              <a:t>This Workshop</a:t>
             </a:r>
             <a:endParaRPr lang="en-US" dirty="0"/>
           </a:p>
@@ -6658,126 +10524,64 @@
       </p:sp>
       <p:sp>
         <p:nvSpPr>
-          <p:cNvPr id="6" name="Content Placeholder 5"/>
-          <p:cNvSpPr>
-            <a:spLocks noGrp="1"/>
-          </p:cNvSpPr>
-          <p:nvPr>
-            <p:ph sz="half" idx="2"/>
-          </p:nvPr>
-        </p:nvSpPr>
-        <p:spPr>
-          <a:xfrm>
-            <a:off x="1097280" y="1786024"/>
-            <a:ext cx="4937760" cy="4174509"/>
-          </a:xfrm>
-        </p:spPr>
+          <p:cNvPr id="3" name="Content Placeholder 2"/>
+          <p:cNvSpPr>
+            <a:spLocks noGrp="1"/>
+          </p:cNvSpPr>
+          <p:nvPr>
+            <p:ph idx="1"/>
+          </p:nvPr>
+        </p:nvSpPr>
+        <p:spPr/>
         <p:txBody>
           <a:bodyPr>
             <a:normAutofit/>
           </a:bodyPr>
           <a:lstStyle/>
           <a:p>
-            <a:pPr marL="457200" indent="-457200">
-              <a:buFont typeface="+mj-lt"/>
-              <a:buAutoNum type="arabicPeriod"/>
-            </a:pPr>
-            <a:r>
-              <a:rPr lang="en-US" dirty="0" smtClean="0"/>
-              <a:t>Network analysis basics</a:t>
-            </a:r>
-          </a:p>
-          <a:p>
-            <a:pPr marL="457200" indent="-457200">
-              <a:buFont typeface="+mj-lt"/>
-              <a:buAutoNum type="arabicPeriod"/>
-            </a:pPr>
-            <a:r>
-              <a:rPr lang="en-US" dirty="0" smtClean="0"/>
-              <a:t>Data</a:t>
-            </a:r>
-          </a:p>
-          <a:p>
-            <a:pPr marL="457200" indent="-457200">
-              <a:buFont typeface="+mj-lt"/>
-              <a:buAutoNum type="arabicPeriod"/>
-            </a:pPr>
-            <a:r>
-              <a:rPr lang="en-US" dirty="0" smtClean="0"/>
-              <a:t>Network descriptives</a:t>
-            </a:r>
-          </a:p>
-          <a:p>
-            <a:pPr marL="457200" indent="-457200">
-              <a:buFont typeface="+mj-lt"/>
-              <a:buAutoNum type="arabicPeriod"/>
-            </a:pPr>
-            <a:r>
-              <a:rPr lang="en-US" dirty="0" smtClean="0"/>
-              <a:t>Statistical models</a:t>
-            </a:r>
-          </a:p>
-          <a:p>
-            <a:pPr marL="457200" indent="-457200">
-              <a:buFont typeface="+mj-lt"/>
-              <a:buAutoNum type="arabicPeriod"/>
-            </a:pPr>
-            <a:r>
-              <a:rPr lang="en-US" dirty="0" smtClean="0"/>
-              <a:t>Diagnostics</a:t>
-            </a:r>
-          </a:p>
-          <a:p>
-            <a:pPr marL="457200" indent="-457200">
-              <a:buFont typeface="+mj-lt"/>
-              <a:buAutoNum type="arabicPeriod"/>
-            </a:pPr>
-            <a:r>
-              <a:rPr lang="en-US" dirty="0" smtClean="0"/>
-              <a:t>Model-based simulation</a:t>
-            </a:r>
-          </a:p>
-          <a:p>
-            <a:pPr marL="457200" indent="-457200">
-              <a:buFont typeface="+mj-lt"/>
-              <a:buAutoNum type="arabicPeriod"/>
-            </a:pPr>
-            <a:r>
-              <a:rPr lang="en-US" dirty="0" smtClean="0"/>
-              <a:t>Review and further topics</a:t>
-            </a:r>
-          </a:p>
-        </p:txBody>
-      </p:sp>
-      <p:graphicFrame>
-        <p:nvGraphicFramePr>
-          <p:cNvPr id="18" name="Content Placeholder 17"/>
-          <p:cNvGraphicFramePr>
-            <a:graphicFrameLocks noGrp="1"/>
-          </p:cNvGraphicFramePr>
-          <p:nvPr>
-            <p:ph sz="quarter" idx="4"/>
-            <p:extLst>
-              <p:ext uri="{D42A27DB-BD31-4B8C-83A1-F6EECF244321}">
-                <p14:modId xmlns:p14="http://schemas.microsoft.com/office/powerpoint/2010/main" val="2413052801"/>
-              </p:ext>
-            </p:extLst>
-          </p:nvPr>
-        </p:nvGraphicFramePr>
-        <p:xfrm>
-          <a:off x="4544175" y="1609255"/>
-          <a:ext cx="6822849" cy="4034292"/>
-        </p:xfrm>
-        <a:graphic>
-          <a:graphicData uri="http://schemas.openxmlformats.org/drawingml/2006/chart">
-            <c:chart xmlns:c="http://schemas.openxmlformats.org/drawingml/2006/chart" xmlns:r="http://schemas.openxmlformats.org/officeDocument/2006/relationships" r:id="rId2"/>
-          </a:graphicData>
-        </a:graphic>
-      </p:graphicFrame>
+            <a:r>
+              <a:rPr lang="en-US" sz="3200" dirty="0" smtClean="0"/>
+              <a:t>1. Accessing </a:t>
+            </a:r>
+            <a:r>
+              <a:rPr lang="en-US" sz="3200" dirty="0" err="1" smtClean="0"/>
+              <a:t>statnetWeb</a:t>
+            </a:r>
+            <a:endParaRPr lang="en-US" sz="3200" dirty="0" smtClean="0"/>
+          </a:p>
+          <a:p>
+            <a:endParaRPr lang="en-US" sz="3200" dirty="0" smtClean="0"/>
+          </a:p>
+          <a:p>
+            <a:r>
+              <a:rPr lang="en-US" sz="3200" dirty="0" smtClean="0"/>
+              <a:t>2. </a:t>
+            </a:r>
+            <a:r>
+              <a:rPr lang="en-US" sz="3200" dirty="0" err="1" smtClean="0"/>
+              <a:t>statnetWeb</a:t>
+            </a:r>
+            <a:r>
+              <a:rPr lang="en-US" sz="3200" dirty="0" smtClean="0"/>
+              <a:t> in the classroom: Intro to Network Analysis</a:t>
+            </a:r>
+          </a:p>
+          <a:p>
+            <a:endParaRPr lang="en-US" sz="3200" dirty="0" smtClean="0"/>
+          </a:p>
+          <a:p>
+            <a:r>
+              <a:rPr lang="en-US" sz="3200" dirty="0" smtClean="0"/>
+              <a:t>3. Development with Shiny</a:t>
+            </a:r>
+            <a:endParaRPr lang="en-US" sz="3200" dirty="0"/>
+          </a:p>
+        </p:txBody>
+      </p:sp>
     </p:spTree>
     <p:extLst>
       <p:ext uri="{BB962C8B-B14F-4D97-AF65-F5344CB8AC3E}">
-        <p14:creationId xmlns:p14="http://schemas.microsoft.com/office/powerpoint/2010/main" val="1776018726"/>
+        <p14:creationId xmlns:p14="http://schemas.microsoft.com/office/powerpoint/2010/main" val="2080986110"/>
       </p:ext>
     </p:extLst>
   </p:cSld>
@@ -6821,7 +10625,11 @@
           <a:p>
             <a:r>
               <a:rPr lang="en-US" dirty="0" smtClean="0"/>
-              <a:t>Network Analysis Basics</a:t>
+              <a:t>Accessing </a:t>
+            </a:r>
+            <a:r>
+              <a:rPr lang="en-US" dirty="0" err="1" smtClean="0"/>
+              <a:t>statnetWeb</a:t>
             </a:r>
             <a:endParaRPr lang="en-US" dirty="0"/>
           </a:p>
@@ -6829,290 +10637,339 @@
       </p:sp>
       <p:sp>
         <p:nvSpPr>
-          <p:cNvPr id="3" name="Content Placeholder 2"/>
-          <p:cNvSpPr>
-            <a:spLocks noGrp="1"/>
-          </p:cNvSpPr>
-          <p:nvPr>
-            <p:ph sz="half" idx="1"/>
+          <p:cNvPr id="3" name="Text Placeholder 2"/>
+          <p:cNvSpPr>
+            <a:spLocks noGrp="1"/>
+          </p:cNvSpPr>
+          <p:nvPr>
+            <p:ph type="body" idx="1"/>
           </p:nvPr>
         </p:nvSpPr>
         <p:spPr/>
         <p:txBody>
-          <a:bodyPr>
-            <a:normAutofit fontScale="92500" lnSpcReduction="10000"/>
-          </a:bodyPr>
+          <a:bodyPr/>
           <a:lstStyle/>
           <a:p>
             <a:r>
-              <a:rPr lang="en-US" dirty="0" smtClean="0"/>
-              <a:t>Motivation</a:t>
+              <a:rPr lang="en-US" u="sng" dirty="0" smtClean="0"/>
+              <a:t>through the web</a:t>
+            </a:r>
+            <a:endParaRPr lang="en-US" u="sng" dirty="0"/>
+          </a:p>
+        </p:txBody>
+      </p:sp>
+      <p:sp>
+        <p:nvSpPr>
+          <p:cNvPr id="4" name="Content Placeholder 3"/>
+          <p:cNvSpPr>
+            <a:spLocks noGrp="1"/>
+          </p:cNvSpPr>
+          <p:nvPr>
+            <p:ph sz="half" idx="2"/>
+          </p:nvPr>
+        </p:nvSpPr>
+        <p:spPr/>
+        <p:txBody>
+          <a:bodyPr/>
+          <a:lstStyle/>
+          <a:p>
+            <a:r>
+              <a:rPr lang="en-US" dirty="0" smtClean="0"/>
+              <a:t>TBD, depends on how we host the app</a:t>
             </a:r>
           </a:p>
           <a:p>
             <a:pPr lvl="1"/>
             <a:r>
               <a:rPr lang="en-US" dirty="0" smtClean="0"/>
-              <a:t>What is a network</a:t>
-            </a:r>
-            <a:r>
-              <a:rPr lang="en-US" dirty="0" smtClean="0"/>
-              <a:t>?</a:t>
-            </a:r>
-          </a:p>
-          <a:p>
-            <a:pPr lvl="2"/>
-            <a:r>
-              <a:rPr lang="en-US" dirty="0" smtClean="0"/>
-              <a:t>Nodes (vertices, actors)</a:t>
-            </a:r>
-          </a:p>
-          <a:p>
-            <a:pPr lvl="3"/>
-            <a:r>
-              <a:rPr lang="en-US" dirty="0" smtClean="0"/>
-              <a:t>Can have attributes associated</a:t>
-            </a:r>
-          </a:p>
-          <a:p>
-            <a:pPr lvl="2"/>
-            <a:r>
-              <a:rPr lang="en-US" dirty="0" smtClean="0"/>
-              <a:t>Ties (edges, links)</a:t>
-            </a:r>
-          </a:p>
-          <a:p>
-            <a:pPr lvl="3"/>
-            <a:r>
-              <a:rPr lang="en-US" dirty="0" smtClean="0"/>
-              <a:t>Can be directed/undirected and valued/binary</a:t>
+              <a:t>Amazon</a:t>
+            </a:r>
+          </a:p>
+          <a:p>
+            <a:pPr lvl="1"/>
+            <a:r>
+              <a:rPr lang="en-US" dirty="0" smtClean="0"/>
+              <a:t>Shinyapps.io</a:t>
+            </a:r>
+          </a:p>
+          <a:p>
+            <a:r>
+              <a:rPr lang="en-US" dirty="0" smtClean="0"/>
+              <a:t>Currently </a:t>
+            </a:r>
+          </a:p>
+          <a:p>
+            <a:pPr lvl="1"/>
+            <a:r>
+              <a:rPr lang="en-US" dirty="0" smtClean="0">
+                <a:hlinkClick r:id="rId2"/>
+              </a:rPr>
+              <a:t>https</a:t>
+            </a:r>
+            <a:r>
+              <a:rPr lang="en-US" dirty="0">
+                <a:hlinkClick r:id="rId2"/>
+              </a:rPr>
+              <a:t>://</a:t>
+            </a:r>
+            <a:r>
+              <a:rPr lang="en-US" dirty="0" smtClean="0">
+                <a:hlinkClick r:id="rId2"/>
+              </a:rPr>
+              <a:t>ebey.shinyapps.io/statnetWeb/</a:t>
             </a:r>
             <a:endParaRPr lang="en-US" dirty="0" smtClean="0"/>
           </a:p>
           <a:p>
+            <a:r>
+              <a:rPr lang="en-US" dirty="0" smtClean="0"/>
+              <a:t>Everything runs on the host server</a:t>
+            </a:r>
+            <a:endParaRPr lang="en-US" dirty="0"/>
+          </a:p>
+        </p:txBody>
+      </p:sp>
+      <p:sp>
+        <p:nvSpPr>
+          <p:cNvPr id="5" name="Text Placeholder 4"/>
+          <p:cNvSpPr>
+            <a:spLocks noGrp="1"/>
+          </p:cNvSpPr>
+          <p:nvPr>
+            <p:ph type="body" sz="quarter" idx="3"/>
+          </p:nvPr>
+        </p:nvSpPr>
+        <p:spPr/>
+        <p:txBody>
+          <a:bodyPr/>
+          <a:lstStyle/>
+          <a:p>
+            <a:r>
+              <a:rPr lang="en-US" u="sng" dirty="0" smtClean="0"/>
+              <a:t>Through </a:t>
+            </a:r>
+            <a:r>
+              <a:rPr lang="en-US" u="sng" dirty="0" err="1" smtClean="0"/>
+              <a:t>rstudio</a:t>
+            </a:r>
+            <a:r>
+              <a:rPr lang="en-US" u="sng" dirty="0" smtClean="0"/>
+              <a:t> and </a:t>
+            </a:r>
+            <a:r>
+              <a:rPr lang="en-US" u="sng" dirty="0" err="1" smtClean="0"/>
+              <a:t>github</a:t>
+            </a:r>
+            <a:endParaRPr lang="en-US" u="sng" dirty="0"/>
+          </a:p>
+        </p:txBody>
+      </p:sp>
+      <p:sp>
+        <p:nvSpPr>
+          <p:cNvPr id="6" name="Content Placeholder 5"/>
+          <p:cNvSpPr>
+            <a:spLocks noGrp="1"/>
+          </p:cNvSpPr>
+          <p:nvPr>
+            <p:ph sz="quarter" idx="4"/>
+          </p:nvPr>
+        </p:nvSpPr>
+        <p:spPr>
+          <a:xfrm>
+            <a:off x="6217920" y="2077079"/>
+            <a:ext cx="4937760" cy="3883455"/>
+          </a:xfrm>
+        </p:spPr>
+        <p:txBody>
+          <a:bodyPr/>
+          <a:lstStyle/>
+          <a:p>
+            <a:r>
+              <a:rPr lang="en-US" dirty="0" smtClean="0"/>
+              <a:t>Install the necessary packages in </a:t>
+            </a:r>
+            <a:r>
+              <a:rPr lang="en-US" dirty="0" err="1" smtClean="0"/>
+              <a:t>RStudio</a:t>
+            </a:r>
+            <a:endParaRPr lang="en-US" dirty="0" smtClean="0"/>
+          </a:p>
+          <a:p>
             <a:pPr lvl="1"/>
             <a:r>
-              <a:rPr lang="en-US" dirty="0" smtClean="0"/>
-              <a:t>What can be represented as a network?</a:t>
+              <a:rPr lang="en-US" sz="1400" dirty="0" err="1">
+                <a:latin typeface="Courier New" panose="02070309020205020404" pitchFamily="49" charset="0"/>
+                <a:cs typeface="Courier New" panose="02070309020205020404" pitchFamily="49" charset="0"/>
+              </a:rPr>
+              <a:t>install.packages</a:t>
+            </a:r>
+            <a:r>
+              <a:rPr lang="en-US" sz="1400" dirty="0">
+                <a:latin typeface="Courier New" panose="02070309020205020404" pitchFamily="49" charset="0"/>
+                <a:cs typeface="Courier New" panose="02070309020205020404" pitchFamily="49" charset="0"/>
+              </a:rPr>
+              <a:t>(c("</a:t>
+            </a:r>
+            <a:r>
+              <a:rPr lang="en-US" sz="1400" dirty="0" err="1">
+                <a:latin typeface="Courier New" panose="02070309020205020404" pitchFamily="49" charset="0"/>
+                <a:cs typeface="Courier New" panose="02070309020205020404" pitchFamily="49" charset="0"/>
+              </a:rPr>
+              <a:t>statnet</a:t>
+            </a:r>
+            <a:r>
+              <a:rPr lang="en-US" sz="1400" dirty="0">
+                <a:latin typeface="Courier New" panose="02070309020205020404" pitchFamily="49" charset="0"/>
+                <a:cs typeface="Courier New" panose="02070309020205020404" pitchFamily="49" charset="0"/>
+              </a:rPr>
+              <a:t>", "shiny</a:t>
+            </a:r>
+            <a:r>
+              <a:rPr lang="en-US" sz="1400" dirty="0" smtClean="0">
+                <a:latin typeface="Courier New" panose="02070309020205020404" pitchFamily="49" charset="0"/>
+                <a:cs typeface="Courier New" panose="02070309020205020404" pitchFamily="49" charset="0"/>
+              </a:rPr>
+              <a:t>", "</a:t>
+            </a:r>
+            <a:r>
+              <a:rPr lang="en-US" sz="1400" dirty="0" err="1" smtClean="0">
+                <a:latin typeface="Courier New" panose="02070309020205020404" pitchFamily="49" charset="0"/>
+                <a:cs typeface="Courier New" panose="02070309020205020404" pitchFamily="49" charset="0"/>
+              </a:rPr>
+              <a:t>shinythemes</a:t>
+            </a:r>
+            <a:r>
+              <a:rPr lang="en-US" sz="1400" dirty="0" smtClean="0">
+                <a:latin typeface="Courier New" panose="02070309020205020404" pitchFamily="49" charset="0"/>
+                <a:cs typeface="Courier New" panose="02070309020205020404" pitchFamily="49" charset="0"/>
+              </a:rPr>
+              <a:t>", </a:t>
+            </a:r>
+            <a:r>
+              <a:rPr lang="en-US" sz="1400" dirty="0">
+                <a:latin typeface="Courier New" panose="02070309020205020404" pitchFamily="49" charset="0"/>
+                <a:cs typeface="Courier New" panose="02070309020205020404" pitchFamily="49" charset="0"/>
+              </a:rPr>
+              <a:t>"</a:t>
+            </a:r>
+            <a:r>
+              <a:rPr lang="en-US" sz="1400" dirty="0" err="1">
+                <a:latin typeface="Courier New" panose="02070309020205020404" pitchFamily="49" charset="0"/>
+                <a:cs typeface="Courier New" panose="02070309020205020404" pitchFamily="49" charset="0"/>
+              </a:rPr>
+              <a:t>shinyBS</a:t>
+            </a:r>
+            <a:r>
+              <a:rPr lang="en-US" sz="1400" dirty="0">
+                <a:latin typeface="Courier New" panose="02070309020205020404" pitchFamily="49" charset="0"/>
+                <a:cs typeface="Courier New" panose="02070309020205020404" pitchFamily="49" charset="0"/>
+              </a:rPr>
+              <a:t>", "</a:t>
+            </a:r>
+            <a:r>
+              <a:rPr lang="en-US" sz="1400" dirty="0" err="1">
+                <a:latin typeface="Courier New" panose="02070309020205020404" pitchFamily="49" charset="0"/>
+                <a:cs typeface="Courier New" panose="02070309020205020404" pitchFamily="49" charset="0"/>
+              </a:rPr>
+              <a:t>RColorBrewer</a:t>
+            </a:r>
+            <a:r>
+              <a:rPr lang="en-US" sz="1400" dirty="0">
+                <a:latin typeface="Courier New" panose="02070309020205020404" pitchFamily="49" charset="0"/>
+                <a:cs typeface="Courier New" panose="02070309020205020404" pitchFamily="49" charset="0"/>
+              </a:rPr>
+              <a:t>", "lattice", "</a:t>
+            </a:r>
+            <a:r>
+              <a:rPr lang="en-US" sz="1400" dirty="0" err="1">
+                <a:latin typeface="Courier New" panose="02070309020205020404" pitchFamily="49" charset="0"/>
+                <a:cs typeface="Courier New" panose="02070309020205020404" pitchFamily="49" charset="0"/>
+              </a:rPr>
+              <a:t>latticeExtra</a:t>
+            </a:r>
+            <a:r>
+              <a:rPr lang="en-US" sz="1400" dirty="0" smtClean="0">
+                <a:latin typeface="Courier New" panose="02070309020205020404" pitchFamily="49" charset="0"/>
+                <a:cs typeface="Courier New" panose="02070309020205020404" pitchFamily="49" charset="0"/>
+              </a:rPr>
+              <a:t>"))</a:t>
+            </a:r>
+          </a:p>
+          <a:p>
+            <a:r>
+              <a:rPr lang="en-US" dirty="0" smtClean="0"/>
+              <a:t>Launch the application by sourcing code from the GitHub repository</a:t>
             </a:r>
           </a:p>
           <a:p>
             <a:pPr lvl="1"/>
             <a:r>
-              <a:rPr lang="en-US" dirty="0" smtClean="0"/>
-              <a:t>What kind of questions can we answer</a:t>
-            </a:r>
-            <a:r>
-              <a:rPr lang="en-US" dirty="0" smtClean="0"/>
-              <a:t>?</a:t>
-            </a:r>
-          </a:p>
-          <a:p>
-            <a:r>
-              <a:rPr lang="en-US" dirty="0" smtClean="0"/>
-              <a:t>Definitions</a:t>
-            </a:r>
-          </a:p>
-          <a:p>
-            <a:pPr lvl="1"/>
-            <a:r>
-              <a:rPr lang="en-US" dirty="0" smtClean="0"/>
-              <a:t>Types of networks</a:t>
-            </a:r>
-          </a:p>
-          <a:p>
-            <a:pPr lvl="1"/>
-            <a:r>
-              <a:rPr lang="en-US" dirty="0" smtClean="0"/>
-              <a:t>Configurations: dyads, triads, k</a:t>
-            </a:r>
-            <a:r>
-              <a:rPr lang="en-US" smtClean="0"/>
-              <a:t>-stars</a:t>
-            </a:r>
-            <a:endParaRPr lang="en-US" dirty="0" smtClean="0"/>
-          </a:p>
-          <a:p>
-            <a:pPr lvl="1"/>
-            <a:endParaRPr lang="en-US" dirty="0" smtClean="0"/>
-          </a:p>
-          <a:p>
-            <a:r>
-              <a:rPr lang="en-US" dirty="0" smtClean="0"/>
-              <a:t>Types </a:t>
-            </a:r>
-            <a:r>
-              <a:rPr lang="en-US" dirty="0" smtClean="0"/>
-              <a:t>of network analysis</a:t>
-            </a:r>
-          </a:p>
-          <a:p>
-            <a:pPr lvl="1"/>
-            <a:r>
-              <a:rPr lang="en-US" dirty="0" smtClean="0"/>
-              <a:t>Descriptive</a:t>
-            </a:r>
-          </a:p>
-          <a:p>
-            <a:pPr lvl="1"/>
-            <a:r>
-              <a:rPr lang="en-US" dirty="0" smtClean="0"/>
-              <a:t>Statistical</a:t>
-            </a:r>
-          </a:p>
-          <a:p>
-            <a:endParaRPr lang="en-US" dirty="0" smtClean="0"/>
-          </a:p>
-          <a:p>
-            <a:endParaRPr lang="en-US" dirty="0"/>
-          </a:p>
-        </p:txBody>
-      </p:sp>
-      <p:sp>
-        <p:nvSpPr>
-          <p:cNvPr id="4" name="Content Placeholder 3"/>
-          <p:cNvSpPr>
-            <a:spLocks noGrp="1"/>
-          </p:cNvSpPr>
-          <p:nvPr>
-            <p:ph sz="half" idx="2"/>
-          </p:nvPr>
-        </p:nvSpPr>
-        <p:spPr/>
-        <p:txBody>
-          <a:bodyPr>
-            <a:normAutofit fontScale="92500" lnSpcReduction="10000"/>
-          </a:bodyPr>
-          <a:lstStyle/>
-          <a:p>
-            <a:r>
-              <a:rPr lang="en-US" dirty="0" smtClean="0"/>
-              <a:t>Examples:</a:t>
-            </a:r>
-          </a:p>
-          <a:p>
-            <a:pPr lvl="1"/>
-            <a:r>
-              <a:rPr lang="en-US" dirty="0" smtClean="0"/>
-              <a:t>Friendship (node </a:t>
-            </a:r>
-            <a:r>
-              <a:rPr lang="en-US" i="1" dirty="0" err="1" smtClean="0">
-                <a:latin typeface="Times New Roman"/>
-                <a:cs typeface="Times New Roman"/>
-              </a:rPr>
-              <a:t>i</a:t>
-            </a:r>
-            <a:r>
-              <a:rPr lang="en-US" dirty="0" smtClean="0"/>
-              <a:t> likes </a:t>
-            </a:r>
-            <a:r>
-              <a:rPr lang="en-US" i="1" dirty="0" smtClean="0">
-                <a:latin typeface="Times New Roman"/>
-                <a:cs typeface="Times New Roman"/>
-              </a:rPr>
-              <a:t>j</a:t>
-            </a:r>
-            <a:r>
-              <a:rPr lang="en-US" dirty="0" smtClean="0"/>
-              <a:t>)</a:t>
-            </a:r>
-          </a:p>
-          <a:p>
-            <a:pPr lvl="1"/>
-            <a:r>
-              <a:rPr lang="en-US" dirty="0" smtClean="0"/>
-              <a:t>Sexual contact (nodes </a:t>
-            </a:r>
-            <a:r>
-              <a:rPr lang="en-US" i="1" dirty="0" err="1" smtClean="0">
-                <a:latin typeface="Times New Roman"/>
-                <a:cs typeface="Times New Roman"/>
-              </a:rPr>
-              <a:t>i</a:t>
-            </a:r>
-            <a:r>
-              <a:rPr lang="en-US" dirty="0" smtClean="0"/>
-              <a:t> and </a:t>
-            </a:r>
-            <a:r>
-              <a:rPr lang="en-US" i="1" dirty="0" smtClean="0">
-                <a:latin typeface="Times New Roman"/>
-                <a:cs typeface="Times New Roman"/>
-              </a:rPr>
-              <a:t>j</a:t>
-            </a:r>
-            <a:r>
-              <a:rPr lang="en-US" dirty="0" smtClean="0"/>
-              <a:t> have a relationship) </a:t>
-            </a:r>
-          </a:p>
-          <a:p>
-            <a:pPr lvl="1"/>
-            <a:r>
-              <a:rPr lang="en-US" dirty="0" smtClean="0"/>
-              <a:t>Affiliation (node </a:t>
-            </a:r>
-            <a:r>
-              <a:rPr lang="en-US" i="1" dirty="0" err="1" smtClean="0">
-                <a:latin typeface="Times New Roman"/>
-                <a:cs typeface="Times New Roman"/>
-              </a:rPr>
-              <a:t>i</a:t>
-            </a:r>
-            <a:r>
-              <a:rPr lang="en-US" dirty="0" smtClean="0"/>
-              <a:t> is a member of club </a:t>
-            </a:r>
-            <a:r>
-              <a:rPr lang="en-US" i="1" dirty="0" smtClean="0">
-                <a:latin typeface="Times New Roman"/>
-                <a:cs typeface="Times New Roman"/>
-              </a:rPr>
-              <a:t>a</a:t>
-            </a:r>
-            <a:r>
-              <a:rPr lang="en-US" dirty="0" smtClean="0"/>
-              <a:t>)</a:t>
-            </a:r>
-          </a:p>
-          <a:p>
-            <a:pPr lvl="1"/>
-            <a:r>
-              <a:rPr lang="en-US" dirty="0" smtClean="0"/>
-              <a:t>Social role (</a:t>
-            </a:r>
-            <a:r>
-              <a:rPr lang="en-US" i="1" dirty="0" err="1" smtClean="0">
-                <a:latin typeface="Times New Roman"/>
-                <a:cs typeface="Times New Roman"/>
-              </a:rPr>
-              <a:t>i</a:t>
-            </a:r>
-            <a:r>
-              <a:rPr lang="en-US" dirty="0" smtClean="0"/>
-              <a:t> gives advice to </a:t>
-            </a:r>
-            <a:r>
-              <a:rPr lang="en-US" i="1" dirty="0" smtClean="0">
-                <a:latin typeface="Times New Roman"/>
-                <a:cs typeface="Times New Roman"/>
-              </a:rPr>
-              <a:t>j</a:t>
-            </a:r>
-            <a:r>
-              <a:rPr lang="en-US" dirty="0" smtClean="0"/>
-              <a:t>)</a:t>
-            </a:r>
-            <a:endParaRPr lang="en-US" dirty="0"/>
+              <a:rPr lang="en-US" sz="1400" dirty="0">
+                <a:latin typeface="Courier New" panose="02070309020205020404" pitchFamily="49" charset="0"/>
+                <a:cs typeface="Courier New" panose="02070309020205020404" pitchFamily="49" charset="0"/>
+              </a:rPr>
+              <a:t>shiny::</a:t>
+            </a:r>
+            <a:r>
+              <a:rPr lang="en-US" sz="1400" dirty="0" err="1">
+                <a:latin typeface="Courier New" panose="02070309020205020404" pitchFamily="49" charset="0"/>
+                <a:cs typeface="Courier New" panose="02070309020205020404" pitchFamily="49" charset="0"/>
+              </a:rPr>
+              <a:t>runGitHub</a:t>
+            </a:r>
+            <a:r>
+              <a:rPr lang="en-US" sz="1400" dirty="0">
+                <a:latin typeface="Courier New" panose="02070309020205020404" pitchFamily="49" charset="0"/>
+                <a:cs typeface="Courier New" panose="02070309020205020404" pitchFamily="49" charset="0"/>
+              </a:rPr>
+              <a:t>("</a:t>
+            </a:r>
+            <a:r>
+              <a:rPr lang="en-US" sz="1400" dirty="0" err="1">
+                <a:latin typeface="Courier New" panose="02070309020205020404" pitchFamily="49" charset="0"/>
+                <a:cs typeface="Courier New" panose="02070309020205020404" pitchFamily="49" charset="0"/>
+              </a:rPr>
+              <a:t>statnetWeb</a:t>
+            </a:r>
+            <a:r>
+              <a:rPr lang="en-US" sz="1400" dirty="0">
+                <a:latin typeface="Courier New" panose="02070309020205020404" pitchFamily="49" charset="0"/>
+                <a:cs typeface="Courier New" panose="02070309020205020404" pitchFamily="49" charset="0"/>
+              </a:rPr>
+              <a:t>","</a:t>
+            </a:r>
+            <a:r>
+              <a:rPr lang="en-US" sz="1400" dirty="0" err="1">
+                <a:latin typeface="Courier New" panose="02070309020205020404" pitchFamily="49" charset="0"/>
+                <a:cs typeface="Courier New" panose="02070309020205020404" pitchFamily="49" charset="0"/>
+              </a:rPr>
+              <a:t>statnet</a:t>
+            </a:r>
+            <a:r>
+              <a:rPr lang="en-US" sz="1400" dirty="0" smtClean="0">
+                <a:latin typeface="Courier New" panose="02070309020205020404" pitchFamily="49" charset="0"/>
+                <a:cs typeface="Courier New" panose="02070309020205020404" pitchFamily="49" charset="0"/>
+              </a:rPr>
+              <a:t>")</a:t>
+            </a:r>
+          </a:p>
+          <a:p>
+            <a:r>
+              <a:rPr lang="en-US" dirty="0" smtClean="0">
+                <a:cs typeface="Courier New" panose="02070309020205020404" pitchFamily="49" charset="0"/>
+              </a:rPr>
+              <a:t>Everything runs on your local machine</a:t>
+            </a:r>
+            <a:endParaRPr lang="en-US" dirty="0">
+              <a:cs typeface="Courier New" panose="02070309020205020404" pitchFamily="49" charset="0"/>
+            </a:endParaRPr>
           </a:p>
         </p:txBody>
       </p:sp>
     </p:spTree>
     <p:extLst>
       <p:ext uri="{BB962C8B-B14F-4D97-AF65-F5344CB8AC3E}">
-        <p14:creationId xmlns:p14="http://schemas.microsoft.com/office/powerpoint/2010/main" val="3056376447"/>
+        <p14:creationId xmlns:p14="http://schemas.microsoft.com/office/powerpoint/2010/main" val="3788360183"/>
       </p:ext>
     </p:extLst>
   </p:cSld>
@@ -7155,8 +11012,12 @@
           <a:lstStyle/>
           <a:p>
             <a:r>
-              <a:rPr lang="en-US" dirty="0" smtClean="0"/>
-              <a:t>Data</a:t>
+              <a:rPr lang="en-US" dirty="0" err="1" smtClean="0"/>
+              <a:t>statnetWeb</a:t>
+            </a:r>
+            <a:r>
+              <a:rPr lang="en-US" dirty="0" smtClean="0"/>
+              <a:t> in the Classroom</a:t>
             </a:r>
             <a:endParaRPr lang="en-US" dirty="0"/>
           </a:p>
@@ -7164,12 +11025,12 @@
       </p:sp>
       <p:sp>
         <p:nvSpPr>
-          <p:cNvPr id="3" name="Content Placeholder 2"/>
-          <p:cNvSpPr>
-            <a:spLocks noGrp="1"/>
-          </p:cNvSpPr>
-          <p:nvPr>
-            <p:ph sz="half" idx="1"/>
+          <p:cNvPr id="3" name="Text Placeholder 2"/>
+          <p:cNvSpPr>
+            <a:spLocks noGrp="1"/>
+          </p:cNvSpPr>
+          <p:nvPr>
+            <p:ph type="body" idx="1"/>
           </p:nvPr>
         </p:nvSpPr>
         <p:spPr/>
@@ -7179,6 +11040,532 @@
           <a:p>
             <a:r>
               <a:rPr lang="en-US" dirty="0" smtClean="0"/>
+              <a:t>Course outline</a:t>
+            </a:r>
+            <a:endParaRPr lang="en-US" dirty="0"/>
+          </a:p>
+        </p:txBody>
+      </p:sp>
+      <p:sp>
+        <p:nvSpPr>
+          <p:cNvPr id="6" name="Content Placeholder 5"/>
+          <p:cNvSpPr>
+            <a:spLocks noGrp="1"/>
+          </p:cNvSpPr>
+          <p:nvPr>
+            <p:ph sz="half" idx="2"/>
+          </p:nvPr>
+        </p:nvSpPr>
+        <p:spPr>
+          <a:xfrm>
+            <a:off x="1097280" y="2077079"/>
+            <a:ext cx="4791891" cy="3883455"/>
+          </a:xfrm>
+        </p:spPr>
+        <p:txBody>
+          <a:bodyPr>
+            <a:normAutofit lnSpcReduction="10000"/>
+          </a:bodyPr>
+          <a:lstStyle/>
+          <a:p>
+            <a:pPr marL="457200" indent="-457200">
+              <a:buFont typeface="+mj-lt"/>
+              <a:buAutoNum type="arabicPeriod"/>
+            </a:pPr>
+            <a:r>
+              <a:rPr lang="en-US" dirty="0" smtClean="0"/>
+              <a:t>Network analysis basics</a:t>
+            </a:r>
+          </a:p>
+          <a:p>
+            <a:pPr marL="457200" indent="-457200">
+              <a:buFont typeface="+mj-lt"/>
+              <a:buAutoNum type="arabicPeriod"/>
+            </a:pPr>
+            <a:r>
+              <a:rPr lang="en-US" dirty="0" smtClean="0"/>
+              <a:t>Data</a:t>
+            </a:r>
+          </a:p>
+          <a:p>
+            <a:pPr marL="457200" indent="-457200">
+              <a:buFont typeface="+mj-lt"/>
+              <a:buAutoNum type="arabicPeriod"/>
+            </a:pPr>
+            <a:r>
+              <a:rPr lang="en-US" dirty="0" smtClean="0"/>
+              <a:t>Network descriptives</a:t>
+            </a:r>
+          </a:p>
+          <a:p>
+            <a:pPr marL="457200" indent="-457200">
+              <a:buFont typeface="+mj-lt"/>
+              <a:buAutoNum type="arabicPeriod"/>
+            </a:pPr>
+            <a:r>
+              <a:rPr lang="en-US" dirty="0" smtClean="0"/>
+              <a:t>Statistical models</a:t>
+            </a:r>
+          </a:p>
+          <a:p>
+            <a:pPr marL="457200" indent="-457200">
+              <a:buFont typeface="+mj-lt"/>
+              <a:buAutoNum type="arabicPeriod"/>
+            </a:pPr>
+            <a:r>
+              <a:rPr lang="en-US" dirty="0" smtClean="0"/>
+              <a:t>Diagnostics</a:t>
+            </a:r>
+          </a:p>
+          <a:p>
+            <a:pPr marL="457200" indent="-457200">
+              <a:buFont typeface="+mj-lt"/>
+              <a:buAutoNum type="arabicPeriod"/>
+            </a:pPr>
+            <a:r>
+              <a:rPr lang="en-US" dirty="0" smtClean="0"/>
+              <a:t>Model-based simulation</a:t>
+            </a:r>
+          </a:p>
+          <a:p>
+            <a:pPr marL="457200" indent="-457200">
+              <a:buFont typeface="+mj-lt"/>
+              <a:buAutoNum type="arabicPeriod"/>
+            </a:pPr>
+            <a:r>
+              <a:rPr lang="en-US" dirty="0" smtClean="0"/>
+              <a:t>Review and further </a:t>
+            </a:r>
+            <a:r>
+              <a:rPr lang="en-US" dirty="0" smtClean="0"/>
+              <a:t>topics</a:t>
+            </a:r>
+          </a:p>
+          <a:p>
+            <a:pPr marL="0" indent="0">
+              <a:buNone/>
+            </a:pPr>
+            <a:r>
+              <a:rPr lang="en-US" dirty="0" smtClean="0"/>
+              <a:t>See the supplemental materials for more background and examples on each of these topics</a:t>
+            </a:r>
+            <a:endParaRPr lang="en-US" dirty="0" smtClean="0"/>
+          </a:p>
+        </p:txBody>
+      </p:sp>
+      <p:graphicFrame>
+        <p:nvGraphicFramePr>
+          <p:cNvPr id="18" name="Content Placeholder 17"/>
+          <p:cNvGraphicFramePr>
+            <a:graphicFrameLocks noGrp="1"/>
+          </p:cNvGraphicFramePr>
+          <p:nvPr>
+            <p:ph sz="quarter" idx="4"/>
+            <p:extLst>
+              <p:ext uri="{D42A27DB-BD31-4B8C-83A1-F6EECF244321}">
+                <p14:modId xmlns:p14="http://schemas.microsoft.com/office/powerpoint/2010/main" val="3103579365"/>
+              </p:ext>
+            </p:extLst>
+          </p:nvPr>
+        </p:nvGraphicFramePr>
+        <p:xfrm>
+          <a:off x="5377542" y="1447802"/>
+          <a:ext cx="6060849" cy="4306434"/>
+        </p:xfrm>
+        <a:graphic>
+          <a:graphicData uri="http://schemas.openxmlformats.org/drawingml/2006/chart">
+            <c:chart xmlns:c="http://schemas.openxmlformats.org/drawingml/2006/chart" xmlns:r="http://schemas.openxmlformats.org/officeDocument/2006/relationships" r:id="rId2"/>
+          </a:graphicData>
+        </a:graphic>
+      </p:graphicFrame>
+    </p:spTree>
+    <p:extLst>
+      <p:ext uri="{BB962C8B-B14F-4D97-AF65-F5344CB8AC3E}">
+        <p14:creationId xmlns:p14="http://schemas.microsoft.com/office/powerpoint/2010/main" val="1776018726"/>
+      </p:ext>
+    </p:extLst>
+  </p:cSld>
+  <p:clrMapOvr>
+    <a:masterClrMapping/>
+  </p:clrMapOvr>
+</p:sld>
+</file>
+
+<file path=ppt/slides/slide8.xml><?xml version="1.0" encoding="utf-8"?>
+<p:sld xmlns:a="http://schemas.openxmlformats.org/drawingml/2006/main" xmlns:r="http://schemas.openxmlformats.org/officeDocument/2006/relationships" xmlns:p="http://schemas.openxmlformats.org/presentationml/2006/main">
+  <p:cSld>
+    <p:spTree>
+      <p:nvGrpSpPr>
+        <p:cNvPr id="1" name=""/>
+        <p:cNvGrpSpPr/>
+        <p:nvPr/>
+      </p:nvGrpSpPr>
+      <p:grpSpPr>
+        <a:xfrm>
+          <a:off x="0" y="0"/>
+          <a:ext cx="0" cy="0"/>
+          <a:chOff x="0" y="0"/>
+          <a:chExt cx="0" cy="0"/>
+        </a:xfrm>
+      </p:grpSpPr>
+      <p:sp>
+        <p:nvSpPr>
+          <p:cNvPr id="2" name="Title 1"/>
+          <p:cNvSpPr>
+            <a:spLocks noGrp="1"/>
+          </p:cNvSpPr>
+          <p:nvPr>
+            <p:ph type="title"/>
+          </p:nvPr>
+        </p:nvSpPr>
+        <p:spPr/>
+        <p:txBody>
+          <a:bodyPr/>
+          <a:lstStyle/>
+          <a:p>
+            <a:r>
+              <a:rPr lang="en-US" dirty="0" smtClean="0"/>
+              <a:t>Network Analysis Basics</a:t>
+            </a:r>
+            <a:endParaRPr lang="en-US" dirty="0"/>
+          </a:p>
+        </p:txBody>
+      </p:sp>
+      <p:sp>
+        <p:nvSpPr>
+          <p:cNvPr id="3" name="Content Placeholder 2"/>
+          <p:cNvSpPr>
+            <a:spLocks noGrp="1"/>
+          </p:cNvSpPr>
+          <p:nvPr>
+            <p:ph sz="half" idx="1"/>
+          </p:nvPr>
+        </p:nvSpPr>
+        <p:spPr/>
+        <p:txBody>
+          <a:bodyPr>
+            <a:normAutofit lnSpcReduction="10000"/>
+          </a:bodyPr>
+          <a:lstStyle/>
+          <a:p>
+            <a:r>
+              <a:rPr lang="en-US" dirty="0" smtClean="0"/>
+              <a:t>Motivation</a:t>
+            </a:r>
+          </a:p>
+          <a:p>
+            <a:pPr lvl="1"/>
+            <a:r>
+              <a:rPr lang="en-US" dirty="0" smtClean="0"/>
+              <a:t>What is a network?</a:t>
+            </a:r>
+          </a:p>
+          <a:p>
+            <a:pPr lvl="2"/>
+            <a:r>
+              <a:rPr lang="en-US" dirty="0" smtClean="0"/>
+              <a:t>Nodes (vertices, actors)</a:t>
+            </a:r>
+          </a:p>
+          <a:p>
+            <a:pPr lvl="3"/>
+            <a:r>
+              <a:rPr lang="en-US" dirty="0" smtClean="0"/>
+              <a:t>Can have attributes associated</a:t>
+            </a:r>
+          </a:p>
+          <a:p>
+            <a:pPr lvl="2"/>
+            <a:r>
+              <a:rPr lang="en-US" dirty="0" smtClean="0"/>
+              <a:t>Ties (edges, links)</a:t>
+            </a:r>
+          </a:p>
+          <a:p>
+            <a:pPr lvl="3"/>
+            <a:r>
+              <a:rPr lang="en-US" dirty="0" smtClean="0"/>
+              <a:t>Can be directed/undirected and valued/binary</a:t>
+            </a:r>
+          </a:p>
+          <a:p>
+            <a:pPr lvl="1"/>
+            <a:r>
+              <a:rPr lang="en-US" dirty="0" smtClean="0"/>
+              <a:t>What can be represented as a network?</a:t>
+            </a:r>
+          </a:p>
+          <a:p>
+            <a:pPr lvl="1"/>
+            <a:r>
+              <a:rPr lang="en-US" dirty="0" smtClean="0"/>
+              <a:t>What kind of questions can we answer?</a:t>
+            </a:r>
+          </a:p>
+          <a:p>
+            <a:r>
+              <a:rPr lang="en-US" dirty="0" smtClean="0"/>
+              <a:t>Definitions</a:t>
+            </a:r>
+          </a:p>
+          <a:p>
+            <a:pPr lvl="1"/>
+            <a:r>
+              <a:rPr lang="en-US" dirty="0" smtClean="0"/>
+              <a:t>Types of networks</a:t>
+            </a:r>
+          </a:p>
+          <a:p>
+            <a:pPr lvl="1"/>
+            <a:r>
+              <a:rPr lang="en-US" dirty="0" smtClean="0"/>
+              <a:t>Configurations: dyads, triads, </a:t>
+            </a:r>
+            <a:r>
+              <a:rPr lang="en-US" dirty="0" smtClean="0"/>
+              <a:t>k-stars</a:t>
+            </a:r>
+            <a:endParaRPr lang="en-US" dirty="0" smtClean="0"/>
+          </a:p>
+          <a:p>
+            <a:r>
+              <a:rPr lang="en-US" dirty="0" smtClean="0"/>
+              <a:t>Types of network analysis</a:t>
+            </a:r>
+          </a:p>
+          <a:p>
+            <a:pPr lvl="1"/>
+            <a:r>
+              <a:rPr lang="en-US" dirty="0" smtClean="0"/>
+              <a:t>Descriptive</a:t>
+            </a:r>
+          </a:p>
+          <a:p>
+            <a:pPr lvl="1"/>
+            <a:r>
+              <a:rPr lang="en-US" dirty="0" smtClean="0"/>
+              <a:t>Statistical</a:t>
+            </a:r>
+          </a:p>
+          <a:p>
+            <a:endParaRPr lang="en-US" dirty="0" smtClean="0"/>
+          </a:p>
+          <a:p>
+            <a:endParaRPr lang="en-US" dirty="0"/>
+          </a:p>
+        </p:txBody>
+      </p:sp>
+      <p:sp>
+        <p:nvSpPr>
+          <p:cNvPr id="4" name="Content Placeholder 3"/>
+          <p:cNvSpPr>
+            <a:spLocks noGrp="1"/>
+          </p:cNvSpPr>
+          <p:nvPr>
+            <p:ph sz="half" idx="2"/>
+          </p:nvPr>
+        </p:nvSpPr>
+        <p:spPr/>
+        <p:txBody>
+          <a:bodyPr>
+            <a:normAutofit lnSpcReduction="10000"/>
+          </a:bodyPr>
+          <a:lstStyle/>
+          <a:p>
+            <a:r>
+              <a:rPr lang="en-US" dirty="0" smtClean="0"/>
+              <a:t>Examples:</a:t>
+            </a:r>
+          </a:p>
+          <a:p>
+            <a:pPr lvl="1"/>
+            <a:r>
+              <a:rPr lang="en-US" dirty="0" smtClean="0"/>
+              <a:t>Friendship (node </a:t>
+            </a:r>
+            <a:r>
+              <a:rPr lang="en-US" i="1" dirty="0" err="1" smtClean="0">
+                <a:latin typeface="Times New Roman"/>
+                <a:cs typeface="Times New Roman"/>
+              </a:rPr>
+              <a:t>i</a:t>
+            </a:r>
+            <a:r>
+              <a:rPr lang="en-US" dirty="0" smtClean="0"/>
+              <a:t> likes </a:t>
+            </a:r>
+            <a:r>
+              <a:rPr lang="en-US" i="1" dirty="0" smtClean="0">
+                <a:latin typeface="Times New Roman"/>
+                <a:cs typeface="Times New Roman"/>
+              </a:rPr>
+              <a:t>j</a:t>
+            </a:r>
+            <a:r>
+              <a:rPr lang="en-US" dirty="0" smtClean="0"/>
+              <a:t>)</a:t>
+            </a:r>
+          </a:p>
+          <a:p>
+            <a:pPr lvl="1"/>
+            <a:r>
+              <a:rPr lang="en-US" dirty="0" smtClean="0"/>
+              <a:t>Sexual contact (nodes </a:t>
+            </a:r>
+            <a:r>
+              <a:rPr lang="en-US" i="1" dirty="0" err="1" smtClean="0">
+                <a:latin typeface="Times New Roman"/>
+                <a:cs typeface="Times New Roman"/>
+              </a:rPr>
+              <a:t>i</a:t>
+            </a:r>
+            <a:r>
+              <a:rPr lang="en-US" dirty="0" smtClean="0"/>
+              <a:t> and </a:t>
+            </a:r>
+            <a:r>
+              <a:rPr lang="en-US" i="1" dirty="0" smtClean="0">
+                <a:latin typeface="Times New Roman"/>
+                <a:cs typeface="Times New Roman"/>
+              </a:rPr>
+              <a:t>j</a:t>
+            </a:r>
+            <a:r>
+              <a:rPr lang="en-US" dirty="0" smtClean="0"/>
+              <a:t> have a relationship) </a:t>
+            </a:r>
+          </a:p>
+          <a:p>
+            <a:pPr lvl="1"/>
+            <a:r>
+              <a:rPr lang="en-US" dirty="0" smtClean="0"/>
+              <a:t>Affiliation (node </a:t>
+            </a:r>
+            <a:r>
+              <a:rPr lang="en-US" i="1" dirty="0" err="1" smtClean="0">
+                <a:latin typeface="Times New Roman"/>
+                <a:cs typeface="Times New Roman"/>
+              </a:rPr>
+              <a:t>i</a:t>
+            </a:r>
+            <a:r>
+              <a:rPr lang="en-US" dirty="0" smtClean="0"/>
+              <a:t> is a member of club </a:t>
+            </a:r>
+            <a:r>
+              <a:rPr lang="en-US" i="1" dirty="0" smtClean="0">
+                <a:latin typeface="Times New Roman"/>
+                <a:cs typeface="Times New Roman"/>
+              </a:rPr>
+              <a:t>a</a:t>
+            </a:r>
+            <a:r>
+              <a:rPr lang="en-US" dirty="0" smtClean="0"/>
+              <a:t>)</a:t>
+            </a:r>
+          </a:p>
+          <a:p>
+            <a:pPr lvl="1"/>
+            <a:r>
+              <a:rPr lang="en-US" dirty="0" smtClean="0"/>
+              <a:t>Social role (</a:t>
+            </a:r>
+            <a:r>
+              <a:rPr lang="en-US" i="1" dirty="0" err="1" smtClean="0">
+                <a:latin typeface="Times New Roman"/>
+                <a:cs typeface="Times New Roman"/>
+              </a:rPr>
+              <a:t>i</a:t>
+            </a:r>
+            <a:r>
+              <a:rPr lang="en-US" dirty="0" smtClean="0"/>
+              <a:t> gives advice to </a:t>
+            </a:r>
+            <a:r>
+              <a:rPr lang="en-US" i="1" dirty="0" smtClean="0">
+                <a:latin typeface="Times New Roman"/>
+                <a:cs typeface="Times New Roman"/>
+              </a:rPr>
+              <a:t>j</a:t>
+            </a:r>
+            <a:r>
+              <a:rPr lang="en-US" dirty="0" smtClean="0"/>
+              <a:t>)</a:t>
+            </a:r>
+            <a:endParaRPr lang="en-US" dirty="0"/>
+          </a:p>
+        </p:txBody>
+      </p:sp>
+    </p:spTree>
+    <p:extLst>
+      <p:ext uri="{BB962C8B-B14F-4D97-AF65-F5344CB8AC3E}">
+        <p14:creationId xmlns:p14="http://schemas.microsoft.com/office/powerpoint/2010/main" val="3056376447"/>
+      </p:ext>
+    </p:extLst>
+  </p:cSld>
+  <p:clrMapOvr>
+    <a:masterClrMapping/>
+  </p:clrMapOvr>
+</p:sld>
+</file>
+
+<file path=ppt/slides/slide9.xml><?xml version="1.0" encoding="utf-8"?>
+<p:sld xmlns:a="http://schemas.openxmlformats.org/drawingml/2006/main" xmlns:r="http://schemas.openxmlformats.org/officeDocument/2006/relationships" xmlns:p="http://schemas.openxmlformats.org/presentationml/2006/main">
+  <p:cSld>
+    <p:spTree>
+      <p:nvGrpSpPr>
+        <p:cNvPr id="1" name=""/>
+        <p:cNvGrpSpPr/>
+        <p:nvPr/>
+      </p:nvGrpSpPr>
+      <p:grpSpPr>
+        <a:xfrm>
+          <a:off x="0" y="0"/>
+          <a:ext cx="0" cy="0"/>
+          <a:chOff x="0" y="0"/>
+          <a:chExt cx="0" cy="0"/>
+        </a:xfrm>
+      </p:grpSpPr>
+      <p:sp>
+        <p:nvSpPr>
+          <p:cNvPr id="2" name="Title 1"/>
+          <p:cNvSpPr>
+            <a:spLocks noGrp="1"/>
+          </p:cNvSpPr>
+          <p:nvPr>
+            <p:ph type="title"/>
+          </p:nvPr>
+        </p:nvSpPr>
+        <p:spPr/>
+        <p:txBody>
+          <a:bodyPr/>
+          <a:lstStyle/>
+          <a:p>
+            <a:r>
+              <a:rPr lang="en-US" dirty="0" smtClean="0"/>
+              <a:t>Data</a:t>
+            </a:r>
+            <a:endParaRPr lang="en-US" dirty="0"/>
+          </a:p>
+        </p:txBody>
+      </p:sp>
+      <p:sp>
+        <p:nvSpPr>
+          <p:cNvPr id="3" name="Content Placeholder 2"/>
+          <p:cNvSpPr>
+            <a:spLocks noGrp="1"/>
+          </p:cNvSpPr>
+          <p:nvPr>
+            <p:ph sz="half" idx="1"/>
+          </p:nvPr>
+        </p:nvSpPr>
+        <p:spPr/>
+        <p:txBody>
+          <a:bodyPr/>
+          <a:lstStyle/>
+          <a:p>
+            <a:r>
+              <a:rPr lang="en-US" dirty="0" smtClean="0"/>
               <a:t>Data collection</a:t>
             </a:r>
           </a:p>
@@ -7199,7 +11586,23 @@
             <a:pPr lvl="1"/>
             <a:r>
               <a:rPr lang="en-US" dirty="0" smtClean="0"/>
-              <a:t>Adjacency matrices, edge lists</a:t>
+              <a:t>Adjacency </a:t>
+            </a:r>
+            <a:r>
+              <a:rPr lang="en-US" dirty="0" smtClean="0"/>
+              <a:t>matrices (</a:t>
+            </a:r>
+            <a:r>
+              <a:rPr lang="en-US" dirty="0" err="1" smtClean="0"/>
+              <a:t>sociomatrices</a:t>
+            </a:r>
+            <a:r>
+              <a:rPr lang="en-US" dirty="0" smtClean="0"/>
+              <a:t>), </a:t>
+            </a:r>
+            <a:r>
+              <a:rPr lang="en-US" dirty="0" smtClean="0"/>
+              <a:t>edge lists</a:t>
             </a:r>
             <a:r>
               <a:rPr lang="en-US" dirty="0"/>
@@ -7339,449 +11742,6 @@
     <p:extLst>
       <p:ext uri="{BB962C8B-B14F-4D97-AF65-F5344CB8AC3E}">
         <p14:creationId xmlns:p14="http://schemas.microsoft.com/office/powerpoint/2010/main" val="4104788348"/>
-      </p:ext>
-    </p:extLst>
-  </p:cSld>
-  <p:clrMapOvr>
-    <a:masterClrMapping/>
-  </p:clrMapOvr>
-</p:sld>
-</file>
-
-<file path=ppt/slides/slide8.xml><?xml version="1.0" encoding="utf-8"?>
-<p:sld xmlns:a="http://schemas.openxmlformats.org/drawingml/2006/main" xmlns:r="http://schemas.openxmlformats.org/officeDocument/2006/relationships" xmlns:p="http://schemas.openxmlformats.org/presentationml/2006/main">
-  <p:cSld>
-    <p:spTree>
-      <p:nvGrpSpPr>
-        <p:cNvPr id="1" name=""/>
-        <p:cNvGrpSpPr/>
-        <p:nvPr/>
-      </p:nvGrpSpPr>
-      <p:grpSpPr>
-        <a:xfrm>
-          <a:off x="0" y="0"/>
-          <a:ext cx="0" cy="0"/>
-          <a:chOff x="0" y="0"/>
-          <a:chExt cx="0" cy="0"/>
-        </a:xfrm>
-      </p:grpSpPr>
-      <p:sp>
-        <p:nvSpPr>
-          <p:cNvPr id="2" name="Title 1"/>
-          <p:cNvSpPr>
-            <a:spLocks noGrp="1"/>
-          </p:cNvSpPr>
-          <p:nvPr>
-            <p:ph type="title"/>
-          </p:nvPr>
-        </p:nvSpPr>
-        <p:spPr/>
-        <p:txBody>
-          <a:bodyPr/>
-          <a:lstStyle/>
-          <a:p>
-            <a:r>
-              <a:rPr lang="en-US" dirty="0" smtClean="0"/>
-              <a:t>Data</a:t>
-            </a:r>
-            <a:endParaRPr lang="en-US" dirty="0"/>
-          </a:p>
-        </p:txBody>
-      </p:sp>
-      <p:sp>
-        <p:nvSpPr>
-          <p:cNvPr id="4" name="Content Placeholder 3"/>
-          <p:cNvSpPr>
-            <a:spLocks noGrp="1"/>
-          </p:cNvSpPr>
-          <p:nvPr>
-            <p:ph sz="half" idx="2"/>
-          </p:nvPr>
-        </p:nvSpPr>
-        <p:spPr/>
-        <p:txBody>
-          <a:bodyPr/>
-          <a:lstStyle/>
-          <a:p>
-            <a:r>
-              <a:rPr lang="en-US" dirty="0">
-                <a:solidFill>
-                  <a:srgbClr val="0070C0"/>
-                </a:solidFill>
-              </a:rPr>
-              <a:t>Interactive: </a:t>
-            </a:r>
-            <a:r>
-              <a:rPr lang="en-US" dirty="0"/>
-              <a:t>open statnetWeb and attempt to upload the dataset that you brought with you</a:t>
-            </a:r>
-          </a:p>
-          <a:p>
-            <a:endParaRPr lang="en-US" dirty="0"/>
-          </a:p>
-        </p:txBody>
-      </p:sp>
-      <p:sp>
-        <p:nvSpPr>
-          <p:cNvPr id="5" name="Content Placeholder 3"/>
-          <p:cNvSpPr>
-            <a:spLocks noGrp="1"/>
-          </p:cNvSpPr>
-          <p:nvPr>
-            <p:ph sz="half" idx="1"/>
-          </p:nvPr>
-        </p:nvSpPr>
-        <p:spPr/>
-        <p:txBody>
-          <a:bodyPr/>
-          <a:lstStyle/>
-          <a:p>
-            <a:r>
-              <a:rPr lang="en-US" dirty="0" smtClean="0"/>
-              <a:t>Uploading to </a:t>
-            </a:r>
-            <a:r>
-              <a:rPr lang="en-US" dirty="0" err="1" smtClean="0"/>
-              <a:t>statnetWeb</a:t>
-            </a:r>
-            <a:endParaRPr lang="en-US" dirty="0" smtClean="0"/>
-          </a:p>
-          <a:p>
-            <a:pPr lvl="1"/>
-            <a:r>
-              <a:rPr lang="en-US" dirty="0" smtClean="0"/>
-              <a:t>Matrices (.</a:t>
-            </a:r>
-            <a:r>
-              <a:rPr lang="en-US" dirty="0" err="1" smtClean="0"/>
-              <a:t>csv</a:t>
-            </a:r>
-            <a:r>
-              <a:rPr lang="en-US" dirty="0" smtClean="0"/>
-              <a:t> or R-object)</a:t>
-            </a:r>
-          </a:p>
-          <a:p>
-            <a:pPr lvl="2"/>
-            <a:r>
-              <a:rPr lang="en-US" dirty="0" smtClean="0"/>
-              <a:t>Adjacency matrices should have node labels in the first row and column of .</a:t>
-            </a:r>
-            <a:r>
-              <a:rPr lang="en-US" dirty="0" err="1" smtClean="0"/>
-              <a:t>csv</a:t>
-            </a:r>
-            <a:r>
-              <a:rPr lang="en-US" dirty="0" smtClean="0"/>
-              <a:t> files</a:t>
-            </a:r>
-          </a:p>
-          <a:p>
-            <a:pPr lvl="2"/>
-            <a:r>
-              <a:rPr lang="en-US" dirty="0" smtClean="0"/>
-              <a:t>Incidence matrices should have edge labels in the first row and node labels in the first column of .</a:t>
-            </a:r>
-            <a:r>
-              <a:rPr lang="en-US" dirty="0" err="1" smtClean="0"/>
-              <a:t>csv</a:t>
-            </a:r>
-            <a:r>
-              <a:rPr lang="en-US" dirty="0" smtClean="0"/>
-              <a:t> files</a:t>
-            </a:r>
-          </a:p>
-          <a:p>
-            <a:pPr lvl="2"/>
-            <a:r>
-              <a:rPr lang="en-US" dirty="0" smtClean="0"/>
-              <a:t>Edge lists should </a:t>
-            </a:r>
-            <a:r>
-              <a:rPr lang="en-US" i="1" dirty="0" smtClean="0"/>
-              <a:t>not</a:t>
-            </a:r>
-            <a:r>
-              <a:rPr lang="en-US" dirty="0" smtClean="0"/>
-              <a:t> have row or column labels in .</a:t>
-            </a:r>
-            <a:r>
-              <a:rPr lang="en-US" dirty="0" err="1" smtClean="0"/>
-              <a:t>csv</a:t>
-            </a:r>
-            <a:r>
-              <a:rPr lang="en-US" dirty="0" smtClean="0"/>
-              <a:t> files</a:t>
-            </a:r>
-          </a:p>
-          <a:p>
-            <a:pPr lvl="1"/>
-            <a:r>
-              <a:rPr lang="en-US" dirty="0" smtClean="0"/>
-              <a:t>Built-in datasets</a:t>
-            </a:r>
-          </a:p>
-          <a:p>
-            <a:pPr lvl="1"/>
-            <a:r>
-              <a:rPr lang="en-US" dirty="0" err="1" smtClean="0"/>
-              <a:t>ergm</a:t>
-            </a:r>
-            <a:r>
-              <a:rPr lang="en-US" dirty="0" smtClean="0"/>
-              <a:t> object (R-object)</a:t>
-            </a:r>
-          </a:p>
-          <a:p>
-            <a:pPr lvl="1"/>
-            <a:r>
-              <a:rPr lang="en-US" dirty="0" err="1" smtClean="0"/>
-              <a:t>Pajek</a:t>
-            </a:r>
-            <a:endParaRPr lang="en-US" dirty="0" smtClean="0"/>
-          </a:p>
-          <a:p>
-            <a:pPr lvl="2"/>
-            <a:r>
-              <a:rPr lang="en-US" dirty="0"/>
-              <a:t>N</a:t>
-            </a:r>
-            <a:r>
-              <a:rPr lang="en-US" dirty="0" smtClean="0"/>
-              <a:t>etwork (</a:t>
-            </a:r>
-            <a:r>
-              <a:rPr lang="en-US" dirty="0" err="1" smtClean="0"/>
-              <a:t>.net</a:t>
-            </a:r>
-            <a:r>
-              <a:rPr lang="en-US" dirty="0" smtClean="0"/>
-              <a:t>)</a:t>
-            </a:r>
-          </a:p>
-          <a:p>
-            <a:pPr lvl="2"/>
-            <a:r>
-              <a:rPr lang="en-US" dirty="0"/>
-              <a:t>P</a:t>
-            </a:r>
-            <a:r>
-              <a:rPr lang="en-US" dirty="0" smtClean="0"/>
-              <a:t>roject (.</a:t>
-            </a:r>
-            <a:r>
-              <a:rPr lang="en-US" dirty="0" err="1" smtClean="0"/>
-              <a:t>paj</a:t>
-            </a:r>
-            <a:r>
-              <a:rPr lang="en-US" dirty="0" smtClean="0"/>
-              <a:t>)</a:t>
-            </a:r>
-          </a:p>
-          <a:p>
-            <a:pPr lvl="1"/>
-            <a:endParaRPr lang="en-US" dirty="0"/>
-          </a:p>
-        </p:txBody>
-      </p:sp>
-      <p:sp>
-        <p:nvSpPr>
-          <p:cNvPr id="6" name="TextBox 5"/>
-          <p:cNvSpPr txBox="1"/>
-          <p:nvPr/>
-        </p:nvSpPr>
-        <p:spPr>
-          <a:xfrm>
-            <a:off x="1097280" y="5290457"/>
-            <a:ext cx="10058400" cy="369332"/>
-          </a:xfrm>
-          <a:prstGeom prst="rect">
-            <a:avLst/>
-          </a:prstGeom>
-          <a:noFill/>
-        </p:spPr>
-        <p:txBody>
-          <a:bodyPr wrap="square" rtlCol="0">
-            <a:spAutoFit/>
-          </a:bodyPr>
-          <a:lstStyle/>
-          <a:p>
-            <a:r>
-              <a:rPr lang="en-US" dirty="0" smtClean="0">
-                <a:solidFill>
-                  <a:schemeClr val="tx1">
-                    <a:lumMod val="75000"/>
-                    <a:lumOff val="25000"/>
-                  </a:schemeClr>
-                </a:solidFill>
-              </a:rPr>
-              <a:t>For most of the workshop we will be using the built-in networks to standardize our results </a:t>
-            </a:r>
-            <a:endParaRPr lang="en-US" dirty="0">
-              <a:solidFill>
-                <a:schemeClr val="tx1">
-                  <a:lumMod val="75000"/>
-                  <a:lumOff val="25000"/>
-                </a:schemeClr>
-              </a:solidFill>
-            </a:endParaRPr>
-          </a:p>
-        </p:txBody>
-      </p:sp>
-      <p:pic>
-        <p:nvPicPr>
-          <p:cNvPr id="7" name="Picture 6"/>
-          <p:cNvPicPr>
-            <a:picLocks noChangeAspect="1"/>
-          </p:cNvPicPr>
-          <p:nvPr/>
-        </p:nvPicPr>
-        <p:blipFill>
-          <a:blip r:embed="rId2">
-            <a:extLst>
-              <a:ext uri="{28A0092B-C50C-407E-A947-70E740481C1C}">
-                <a14:useLocalDpi xmlns:a14="http://schemas.microsoft.com/office/drawing/2010/main" val="0"/>
-              </a:ext>
-            </a:extLst>
-          </a:blip>
-          <a:stretch>
-            <a:fillRect/>
-          </a:stretch>
-        </p:blipFill>
-        <p:spPr>
-          <a:xfrm>
-            <a:off x="6126480" y="2772571"/>
-            <a:ext cx="5266667" cy="1857143"/>
-          </a:xfrm>
-          <a:prstGeom prst="rect">
-            <a:avLst/>
-          </a:prstGeom>
-        </p:spPr>
-      </p:pic>
-    </p:spTree>
-    <p:extLst>
-      <p:ext uri="{BB962C8B-B14F-4D97-AF65-F5344CB8AC3E}">
-        <p14:creationId xmlns:p14="http://schemas.microsoft.com/office/powerpoint/2010/main" val="2117080260"/>
-      </p:ext>
-    </p:extLst>
-  </p:cSld>
-  <p:clrMapOvr>
-    <a:masterClrMapping/>
-  </p:clrMapOvr>
-</p:sld>
-</file>
-
-<file path=ppt/slides/slide9.xml><?xml version="1.0" encoding="utf-8"?>
-<p:sld xmlns:a="http://schemas.openxmlformats.org/drawingml/2006/main" xmlns:r="http://schemas.openxmlformats.org/officeDocument/2006/relationships" xmlns:p="http://schemas.openxmlformats.org/presentationml/2006/main">
-  <p:cSld>
-    <p:spTree>
-      <p:nvGrpSpPr>
-        <p:cNvPr id="1" name=""/>
-        <p:cNvGrpSpPr/>
-        <p:nvPr/>
-      </p:nvGrpSpPr>
-      <p:grpSpPr>
-        <a:xfrm>
-          <a:off x="0" y="0"/>
-          <a:ext cx="0" cy="0"/>
-          <a:chOff x="0" y="0"/>
-          <a:chExt cx="0" cy="0"/>
-        </a:xfrm>
-      </p:grpSpPr>
-      <p:sp>
-        <p:nvSpPr>
-          <p:cNvPr id="2" name="Title 1"/>
-          <p:cNvSpPr>
-            <a:spLocks noGrp="1"/>
-          </p:cNvSpPr>
-          <p:nvPr>
-            <p:ph type="title"/>
-          </p:nvPr>
-        </p:nvSpPr>
-        <p:spPr>
-          <a:xfrm>
-            <a:off x="1097280" y="286604"/>
-            <a:ext cx="10058400" cy="890850"/>
-          </a:xfrm>
-        </p:spPr>
-        <p:txBody>
-          <a:bodyPr/>
-          <a:lstStyle/>
-          <a:p>
-            <a:r>
-              <a:rPr lang="en-US" dirty="0" smtClean="0"/>
-              <a:t>Data</a:t>
-            </a:r>
-            <a:endParaRPr lang="en-US" dirty="0"/>
-          </a:p>
-        </p:txBody>
-      </p:sp>
-      <p:sp>
-        <p:nvSpPr>
-          <p:cNvPr id="3" name="Content Placeholder 2"/>
-          <p:cNvSpPr>
-            <a:spLocks noGrp="1"/>
-          </p:cNvSpPr>
-          <p:nvPr>
-            <p:ph sz="half" idx="1"/>
-          </p:nvPr>
-        </p:nvSpPr>
-        <p:spPr/>
-        <p:txBody>
-          <a:bodyPr>
-            <a:normAutofit/>
-          </a:bodyPr>
-          <a:lstStyle/>
-          <a:p>
-            <a:r>
-              <a:rPr lang="en-US" dirty="0" smtClean="0"/>
-              <a:t>Editing data</a:t>
-            </a:r>
-          </a:p>
-        </p:txBody>
-      </p:sp>
-      <p:sp>
-        <p:nvSpPr>
-          <p:cNvPr id="10" name="Content Placeholder 9"/>
-          <p:cNvSpPr>
-            <a:spLocks noGrp="1"/>
-          </p:cNvSpPr>
-          <p:nvPr>
-            <p:ph sz="half" idx="2"/>
-          </p:nvPr>
-        </p:nvSpPr>
-        <p:spPr/>
-        <p:txBody>
-          <a:bodyPr/>
-          <a:lstStyle/>
-          <a:p>
-            <a:r>
-              <a:rPr lang="en-US" dirty="0" err="1" smtClean="0"/>
-              <a:t>Nw</a:t>
-            </a:r>
-            <a:r>
-              <a:rPr lang="en-US" dirty="0" smtClean="0"/>
-              <a:t> summary</a:t>
-            </a:r>
-          </a:p>
-          <a:p>
-            <a:pPr lvl="1"/>
-            <a:r>
-              <a:rPr lang="en-US" dirty="0" smtClean="0"/>
-              <a:t>Can go back to this on almost every page of </a:t>
-            </a:r>
-            <a:r>
-              <a:rPr lang="en-US" dirty="0" err="1" smtClean="0"/>
-              <a:t>sW</a:t>
-            </a:r>
-            <a:endParaRPr lang="en-US" dirty="0"/>
-          </a:p>
-        </p:txBody>
-      </p:sp>
-    </p:spTree>
-    <p:extLst>
-      <p:ext uri="{BB962C8B-B14F-4D97-AF65-F5344CB8AC3E}">
-        <p14:creationId xmlns:p14="http://schemas.microsoft.com/office/powerpoint/2010/main" val="4243777039"/>
       </p:ext>
     </p:extLst>
   </p:cSld>
@@ -8068,7 +12028,7 @@
   <a:extraClrSchemeLst/>
   <a:extLst>
     <a:ext uri="{05A4C25C-085E-4340-85A3-A5531E510DB2}">
-      <thm15:themeFamily xmlns="" xmlns:thm15="http://schemas.microsoft.com/office/thememl/2012/main" name="Retrospect" id="{5F128B03-DCCA-4EEB-AB3B-CF2899314A46}" vid="{02006FA4-1611-4B07-AF7F-85CF6D20EB3E}"/>
+      <thm15:themeFamily xmlns:thm15="http://schemas.microsoft.com/office/thememl/2012/main" name="Retrospect" id="{5F128B03-DCCA-4EEB-AB3B-CF2899314A46}" vid="{02006FA4-1611-4B07-AF7F-85CF6D20EB3E}"/>
     </a:ext>
   </a:extLst>
 </a:theme>

--- a/statnetWeb_slides.pptx
+++ b/statnetWeb_slides.pptx
@@ -7,8 +7,8 @@
   <p:sldIdLst>
     <p:sldId id="256" r:id="rId2"/>
     <p:sldId id="257" r:id="rId3"/>
-    <p:sldId id="258" r:id="rId4"/>
-    <p:sldId id="270" r:id="rId5"/>
+    <p:sldId id="270" r:id="rId4"/>
+    <p:sldId id="292" r:id="rId5"/>
     <p:sldId id="273" r:id="rId6"/>
     <p:sldId id="272" r:id="rId7"/>
     <p:sldId id="259" r:id="rId8"/>
@@ -20,18 +20,26 @@
     <p:sldId id="268" r:id="rId14"/>
     <p:sldId id="271" r:id="rId15"/>
     <p:sldId id="263" r:id="rId16"/>
-    <p:sldId id="274" r:id="rId17"/>
-    <p:sldId id="275" r:id="rId18"/>
-    <p:sldId id="277" r:id="rId19"/>
-    <p:sldId id="282" r:id="rId20"/>
-    <p:sldId id="278" r:id="rId21"/>
-    <p:sldId id="279" r:id="rId22"/>
-    <p:sldId id="280" r:id="rId23"/>
-    <p:sldId id="281" r:id="rId24"/>
-    <p:sldId id="276" r:id="rId25"/>
-    <p:sldId id="264" r:id="rId26"/>
-    <p:sldId id="265" r:id="rId27"/>
-    <p:sldId id="266" r:id="rId28"/>
+    <p:sldId id="284" r:id="rId17"/>
+    <p:sldId id="276" r:id="rId18"/>
+    <p:sldId id="274" r:id="rId19"/>
+    <p:sldId id="275" r:id="rId20"/>
+    <p:sldId id="286" r:id="rId21"/>
+    <p:sldId id="282" r:id="rId22"/>
+    <p:sldId id="287" r:id="rId23"/>
+    <p:sldId id="285" r:id="rId24"/>
+    <p:sldId id="277" r:id="rId25"/>
+    <p:sldId id="278" r:id="rId26"/>
+    <p:sldId id="283" r:id="rId27"/>
+    <p:sldId id="279" r:id="rId28"/>
+    <p:sldId id="280" r:id="rId29"/>
+    <p:sldId id="289" r:id="rId30"/>
+    <p:sldId id="264" r:id="rId31"/>
+    <p:sldId id="290" r:id="rId32"/>
+    <p:sldId id="288" r:id="rId33"/>
+    <p:sldId id="265" r:id="rId34"/>
+    <p:sldId id="266" r:id="rId35"/>
+    <p:sldId id="291" r:id="rId36"/>
   </p:sldIdLst>
   <p:sldSz cx="12192000" cy="6858000"/>
   <p:notesSz cx="6858000" cy="9144000"/>
@@ -137,8 +145,8 @@
           <p14:sldIdLst>
             <p14:sldId id="256"/>
             <p14:sldId id="257"/>
-            <p14:sldId id="258"/>
             <p14:sldId id="270"/>
+            <p14:sldId id="292"/>
             <p14:sldId id="273"/>
             <p14:sldId id="272"/>
             <p14:sldId id="259"/>
@@ -150,24 +158,32 @@
             <p14:sldId id="268"/>
             <p14:sldId id="271"/>
             <p14:sldId id="263"/>
+            <p14:sldId id="284"/>
+            <p14:sldId id="276"/>
             <p14:sldId id="274"/>
             <p14:sldId id="275"/>
+            <p14:sldId id="286"/>
+            <p14:sldId id="282"/>
+            <p14:sldId id="287"/>
+            <p14:sldId id="285"/>
             <p14:sldId id="277"/>
-            <p14:sldId id="282"/>
             <p14:sldId id="278"/>
+            <p14:sldId id="283"/>
             <p14:sldId id="279"/>
             <p14:sldId id="280"/>
-            <p14:sldId id="281"/>
-            <p14:sldId id="276"/>
+            <p14:sldId id="289"/>
             <p14:sldId id="264"/>
+            <p14:sldId id="290"/>
+            <p14:sldId id="288"/>
             <p14:sldId id="265"/>
             <p14:sldId id="266"/>
+            <p14:sldId id="291"/>
           </p14:sldIdLst>
         </p14:section>
       </p14:sectionLst>
     </p:ext>
     <p:ext uri="{EFAFB233-063F-42B5-8137-9DF3F51BA10A}">
-      <p15:sldGuideLst xmlns:p15="http://schemas.microsoft.com/office/powerpoint/2012/main">
+      <p15:sldGuideLst xmlns:p15="http://schemas.microsoft.com/office/powerpoint/2012/main" xmlns="">
         <p15:guide id="1" orient="horz" pos="2160">
           <p15:clr>
             <a:srgbClr val="A4A3A4"/>
@@ -250,10 +266,10 @@
                 <c:formatCode>General</c:formatCode>
                 <c:ptCount val="2"/>
                 <c:pt idx="0">
-                  <c:v>2</c:v>
+                  <c:v>2.0</c:v>
                 </c:pt>
                 <c:pt idx="1">
-                  <c:v>2</c:v>
+                  <c:v>2.0</c:v>
                 </c:pt>
               </c:numCache>
             </c:numRef>
@@ -304,10 +320,10 @@
                 <c:formatCode>General</c:formatCode>
                 <c:ptCount val="2"/>
                 <c:pt idx="0">
-                  <c:v>1</c:v>
+                  <c:v>1.0</c:v>
                 </c:pt>
                 <c:pt idx="1">
-                  <c:v>1</c:v>
+                  <c:v>1.0</c:v>
                 </c:pt>
               </c:numCache>
             </c:numRef>
@@ -358,10 +374,10 @@
                 <c:formatCode>General</c:formatCode>
                 <c:ptCount val="2"/>
                 <c:pt idx="0">
-                  <c:v>1</c:v>
+                  <c:v>1.0</c:v>
                 </c:pt>
                 <c:pt idx="1">
-                  <c:v>2</c:v>
+                  <c:v>2.0</c:v>
                 </c:pt>
               </c:numCache>
             </c:numRef>
@@ -412,10 +428,10 @@
                 <c:formatCode>General</c:formatCode>
                 <c:ptCount val="2"/>
                 <c:pt idx="0">
-                  <c:v>2</c:v>
+                  <c:v>2.0</c:v>
                 </c:pt>
                 <c:pt idx="1">
-                  <c:v>3</c:v>
+                  <c:v>3.0</c:v>
                 </c:pt>
               </c:numCache>
             </c:numRef>
@@ -466,10 +482,10 @@
                 <c:formatCode>General</c:formatCode>
                 <c:ptCount val="2"/>
                 <c:pt idx="0">
-                  <c:v>1</c:v>
+                  <c:v>1.0</c:v>
                 </c:pt>
                 <c:pt idx="1">
-                  <c:v>1</c:v>
+                  <c:v>1.0</c:v>
                 </c:pt>
               </c:numCache>
             </c:numRef>
@@ -520,10 +536,10 @@
                 <c:formatCode>General</c:formatCode>
                 <c:ptCount val="2"/>
                 <c:pt idx="0">
-                  <c:v>2</c:v>
+                  <c:v>2.0</c:v>
                 </c:pt>
                 <c:pt idx="1">
-                  <c:v>2</c:v>
+                  <c:v>2.0</c:v>
                 </c:pt>
               </c:numCache>
             </c:numRef>
@@ -576,10 +592,10 @@
                 <c:formatCode>General</c:formatCode>
                 <c:ptCount val="2"/>
                 <c:pt idx="0">
-                  <c:v>1</c:v>
+                  <c:v>1.0</c:v>
                 </c:pt>
                 <c:pt idx="1">
-                  <c:v>3</c:v>
+                  <c:v>3.0</c:v>
                 </c:pt>
               </c:numCache>
             </c:numRef>
@@ -595,11 +611,11 @@
         </c:dLbls>
         <c:gapWidth val="150"/>
         <c:overlap val="100"/>
-        <c:axId val="303961328"/>
-        <c:axId val="303962112"/>
+        <c:axId val="346269720"/>
+        <c:axId val="245668760"/>
       </c:barChart>
       <c:catAx>
-        <c:axId val="303961328"/>
+        <c:axId val="346269720"/>
         <c:scaling>
           <c:orientation val="minMax"/>
         </c:scaling>
@@ -642,7 +658,7 @@
             <a:endParaRPr lang="en-US"/>
           </a:p>
         </c:txPr>
-        <c:crossAx val="303962112"/>
+        <c:crossAx val="245668760"/>
         <c:crosses val="autoZero"/>
         <c:auto val="1"/>
         <c:lblAlgn val="ctr"/>
@@ -650,7 +666,7 @@
         <c:noMultiLvlLbl val="0"/>
       </c:catAx>
       <c:valAx>
-        <c:axId val="303962112"/>
+        <c:axId val="245668760"/>
         <c:scaling>
           <c:orientation val="minMax"/>
         </c:scaling>
@@ -701,7 +717,7 @@
             <a:endParaRPr lang="en-US"/>
           </a:p>
         </c:txPr>
-        <c:crossAx val="303961328"/>
+        <c:crossAx val="346269720"/>
         <c:crosses val="autoZero"/>
         <c:crossBetween val="between"/>
       </c:valAx>
@@ -719,10 +735,10 @@
         <c:manualLayout>
           <c:xMode val="edge"/>
           <c:yMode val="edge"/>
-          <c:x val="7.7753958232584242E-2"/>
-          <c:y val="0.80568005918586005"/>
-          <c:w val="0.87382790760832352"/>
-          <c:h val="0.17662548642333772"/>
+          <c:x val="0.0777539582325842"/>
+          <c:y val="0.80568005918586"/>
+          <c:w val="0.873827907608324"/>
+          <c:h val="0.176625486423338"/>
         </c:manualLayout>
       </c:layout>
       <c:overlay val="0"/>
@@ -775,7 +791,7 @@
       <a:endParaRPr lang="en-US"/>
     </a:p>
   </c:txPr>
-  <c:externalData r:id="rId3">
+  <c:externalData r:id="rId1">
     <c:autoUpdate val="0"/>
   </c:externalData>
 </c:chartSpace>
@@ -1568,7 +1584,7 @@
           <a:p>
             <a:fld id="{5A069CB8-F204-4D06-B913-C5A26A89888A}" type="datetimeFigureOut">
               <a:rPr lang="en-US" dirty="0"/>
-              <a:t>4/6/2015</a:t>
+              <a:t>4/6/15</a:t>
             </a:fld>
             <a:endParaRPr lang="en-US" dirty="0"/>
           </a:p>
@@ -1771,7 +1787,7 @@
           <a:p>
             <a:fld id="{50B6E300-0A13-4A81-945A-7333C271A069}" type="datetimeFigureOut">
               <a:rPr lang="en-US" dirty="0"/>
-              <a:t>4/6/2015</a:t>
+              <a:t>4/6/15</a:t>
             </a:fld>
             <a:endParaRPr lang="en-US" dirty="0"/>
           </a:p>
@@ -2022,7 +2038,7 @@
           <a:p>
             <a:fld id="{34671962-1EA4-46E7-BCB0-F36CE46D1A59}" type="datetimeFigureOut">
               <a:rPr lang="en-US" dirty="0"/>
-              <a:t>4/6/2015</a:t>
+              <a:t>4/6/15</a:t>
             </a:fld>
             <a:endParaRPr lang="en-US" dirty="0"/>
           </a:p>
@@ -2187,7 +2203,7 @@
           <a:p>
             <a:fld id="{D30BB376-B19C-488D-ABEB-03C7E6E9E3E0}" type="datetimeFigureOut">
               <a:rPr lang="en-US" dirty="0"/>
-              <a:t>4/6/2015</a:t>
+              <a:t>4/6/15</a:t>
             </a:fld>
             <a:endParaRPr lang="en-US" dirty="0"/>
           </a:p>
@@ -2525,7 +2541,7 @@
           <a:p>
             <a:fld id="{486F077B-A50F-4D64-8574-E2D6A98A5553}" type="datetimeFigureOut">
               <a:rPr lang="en-US" dirty="0"/>
-              <a:t>4/6/2015</a:t>
+              <a:t>4/6/15</a:t>
             </a:fld>
             <a:endParaRPr lang="en-US" dirty="0"/>
           </a:p>
@@ -2795,7 +2811,7 @@
           <a:p>
             <a:fld id="{7D9E2A62-1983-43A1-A163-D8AA46534C80}" type="datetimeFigureOut">
               <a:rPr lang="en-US" dirty="0"/>
-              <a:t>4/6/2015</a:t>
+              <a:t>4/6/15</a:t>
             </a:fld>
             <a:endParaRPr lang="en-US" dirty="0"/>
           </a:p>
@@ -3169,7 +3185,7 @@
           <a:p>
             <a:fld id="{898F3E3B-34E3-4345-B2A1-994B83598A9C}" type="datetimeFigureOut">
               <a:rPr lang="en-US" dirty="0"/>
-              <a:t>4/6/2015</a:t>
+              <a:t>4/6/15</a:t>
             </a:fld>
             <a:endParaRPr lang="en-US" dirty="0"/>
           </a:p>
@@ -3282,7 +3298,7 @@
           <a:p>
             <a:fld id="{FD816C96-82A1-4D77-8ADA-627AC6FE3D65}" type="datetimeFigureOut">
               <a:rPr lang="en-US" dirty="0"/>
-              <a:t>4/6/2015</a:t>
+              <a:t>4/6/15</a:t>
             </a:fld>
             <a:endParaRPr lang="en-US" dirty="0"/>
           </a:p>
@@ -3448,7 +3464,7 @@
           <a:p>
             <a:fld id="{1D102C1E-28F2-47E9-802D-339E64E2F920}" type="datetimeFigureOut">
               <a:rPr lang="en-US" dirty="0"/>
-              <a:t>4/6/2015</a:t>
+              <a:t>4/6/15</a:t>
             </a:fld>
             <a:endParaRPr lang="en-US" dirty="0"/>
           </a:p>
@@ -3798,7 +3814,7 @@
           <a:p>
             <a:fld id="{24271A48-F18A-45B3-BC05-1E27DA3F88AF}" type="datetimeFigureOut">
               <a:rPr lang="en-US" dirty="0"/>
-              <a:t>4/6/2015</a:t>
+              <a:t>4/6/15</a:t>
             </a:fld>
             <a:endParaRPr lang="en-US" dirty="0"/>
           </a:p>
@@ -4171,7 +4187,7 @@
           <a:p>
             <a:fld id="{65B747F8-9654-4282-85D2-65F41AAE7A75}" type="datetimeFigureOut">
               <a:rPr lang="en-US" dirty="0"/>
-              <a:t>4/6/2015</a:t>
+              <a:t>4/6/15</a:t>
             </a:fld>
             <a:endParaRPr lang="en-US" dirty="0"/>
           </a:p>
@@ -4453,7 +4469,7 @@
           <a:p>
             <a:fld id="{5DC5B261-8843-42D1-AAFC-05E20E2D9B97}" type="datetimeFigureOut">
               <a:rPr lang="en-US" dirty="0"/>
-              <a:t>4/6/2015</a:t>
+              <a:t>4/6/15</a:t>
             </a:fld>
             <a:endParaRPr lang="en-US" dirty="0"/>
           </a:p>
@@ -5780,7 +5796,6 @@
               <a:rPr lang="en-US" dirty="0" smtClean="0"/>
               <a:t>Upload new attribute values</a:t>
             </a:r>
-            <a:endParaRPr lang="en-US" dirty="0" smtClean="0"/>
           </a:p>
         </p:txBody>
       </p:sp>
@@ -5810,7 +5825,6 @@
               <a:rPr lang="en-US" dirty="0" smtClean="0"/>
               <a:t>Verify that the network has the basic characteristics you expect</a:t>
             </a:r>
-            <a:endParaRPr lang="en-US" dirty="0" smtClean="0"/>
           </a:p>
           <a:p>
             <a:pPr lvl="1"/>
@@ -6318,6 +6332,26 @@
             </a:r>
           </a:p>
           <a:p>
+            <a:r>
+              <a:rPr lang="en-US" dirty="0" smtClean="0">
+                <a:solidFill>
+                  <a:srgbClr val="3366FF"/>
+                </a:solidFill>
+              </a:rPr>
+              <a:t>Interactive: </a:t>
+            </a:r>
+            <a:r>
+              <a:rPr lang="en-US" dirty="0" smtClean="0"/>
+              <a:t>Explore these plots for the </a:t>
+            </a:r>
+            <a:r>
+              <a:rPr lang="en-US" dirty="0" err="1" smtClean="0"/>
+              <a:t>faux.mesa.high</a:t>
+            </a:r>
+            <a:r>
+              <a:rPr lang="en-US" dirty="0" smtClean="0"/>
+              <a:t> network</a:t>
+            </a:r>
             <a:endParaRPr lang="en-US" dirty="0"/>
           </a:p>
           <a:p>
@@ -6364,7 +6398,7 @@
         <p:spPr>
           <a:xfrm>
             <a:off x="6881813" y="3701143"/>
-            <a:ext cx="3437844" cy="1208314"/>
+            <a:ext cx="3613306" cy="1208314"/>
           </a:xfrm>
           <a:prstGeom prst="rect">
             <a:avLst/>
@@ -6481,18 +6515,30 @@
             <a:pPr lvl="1"/>
             <a:r>
               <a:rPr lang="en-US" dirty="0" smtClean="0"/>
-              <a:t>Different levels of </a:t>
-            </a:r>
-            <a:r>
-              <a:rPr lang="en-US" dirty="0" smtClean="0"/>
-              <a:t>measurement</a:t>
-            </a:r>
-          </a:p>
-          <a:p>
-            <a:r>
-              <a:rPr lang="en-US" dirty="0" smtClean="0"/>
-              <a:t>Mixing matrices</a:t>
-            </a:r>
+              <a:t>Different levels of measurement</a:t>
+            </a:r>
+          </a:p>
+          <a:p>
+            <a:r>
+              <a:rPr lang="en-US" dirty="0" smtClean="0"/>
+              <a:t>Mixing </a:t>
+            </a:r>
+            <a:r>
+              <a:rPr lang="en-US" dirty="0" smtClean="0"/>
+              <a:t>matrices</a:t>
+            </a:r>
+          </a:p>
+          <a:p>
+            <a:pPr lvl="1"/>
+            <a:r>
+              <a:rPr lang="en-US" dirty="0" err="1" smtClean="0"/>
+              <a:t>Assortative</a:t>
+            </a:r>
+            <a:r>
+              <a:rPr lang="en-US" dirty="0" smtClean="0"/>
+              <a:t> mixing – tendency to favor nodes with similar characteristics to one’s own</a:t>
+            </a:r>
+            <a:endParaRPr lang="en-US" dirty="0" smtClean="0"/>
           </a:p>
           <a:p>
             <a:r>
@@ -6527,10 +6573,128 @@
           <a:bodyPr/>
           <a:lstStyle/>
           <a:p>
-            <a:endParaRPr lang="en-US"/>
-          </a:p>
-        </p:txBody>
-      </p:sp>
+            <a:r>
+              <a:rPr lang="en-US" dirty="0" smtClean="0">
+                <a:solidFill>
+                  <a:srgbClr val="3366FF"/>
+                </a:solidFill>
+              </a:rPr>
+              <a:t>Interactive: </a:t>
+            </a:r>
+            <a:r>
+              <a:rPr lang="en-US" dirty="0" smtClean="0">
+                <a:solidFill>
+                  <a:srgbClr val="404040"/>
+                </a:solidFill>
+              </a:rPr>
+              <a:t>Navigat</a:t>
+            </a:r>
+            <a:r>
+              <a:rPr lang="en-US" dirty="0" smtClean="0">
+                <a:solidFill>
+                  <a:srgbClr val="404040"/>
+                </a:solidFill>
+              </a:rPr>
+              <a:t>e to the “More” tab under Network </a:t>
+            </a:r>
+            <a:r>
+              <a:rPr lang="en-US" dirty="0" err="1" smtClean="0">
+                <a:solidFill>
+                  <a:srgbClr val="404040"/>
+                </a:solidFill>
+              </a:rPr>
+              <a:t>Descriptives</a:t>
+            </a:r>
+            <a:endParaRPr lang="en-US" dirty="0" smtClean="0">
+              <a:solidFill>
+                <a:srgbClr val="404040"/>
+              </a:solidFill>
+            </a:endParaRPr>
+          </a:p>
+          <a:p>
+            <a:pPr lvl="1"/>
+            <a:r>
+              <a:rPr lang="en-US" dirty="0" smtClean="0"/>
+              <a:t>What do mixing matrices reveal about tendency toward </a:t>
+            </a:r>
+            <a:r>
+              <a:rPr lang="en-US" dirty="0" err="1" smtClean="0"/>
+              <a:t>assortative</a:t>
+            </a:r>
+            <a:r>
+              <a:rPr lang="en-US" dirty="0" smtClean="0"/>
+              <a:t> mixing/</a:t>
+            </a:r>
+            <a:r>
+              <a:rPr lang="en-US" dirty="0" err="1" smtClean="0"/>
+              <a:t>homophily</a:t>
+            </a:r>
+            <a:r>
+              <a:rPr lang="en-US" dirty="0" smtClean="0"/>
+              <a:t>?</a:t>
+            </a:r>
+          </a:p>
+          <a:p>
+            <a:pPr lvl="1"/>
+            <a:r>
+              <a:rPr lang="en-US" dirty="0" smtClean="0"/>
+              <a:t>Scroll through node-level </a:t>
+            </a:r>
+            <a:r>
+              <a:rPr lang="en-US" dirty="0" err="1" smtClean="0"/>
+              <a:t>descriptives</a:t>
+            </a:r>
+            <a:endParaRPr lang="en-US" dirty="0" smtClean="0"/>
+          </a:p>
+          <a:p>
+            <a:pPr lvl="1"/>
+            <a:endParaRPr lang="en-US" dirty="0"/>
+          </a:p>
+          <a:p>
+            <a:pPr marL="201168" lvl="1" indent="0">
+              <a:buNone/>
+            </a:pPr>
+            <a:endParaRPr lang="en-US" dirty="0">
+              <a:solidFill>
+                <a:schemeClr val="accent2">
+                  <a:lumMod val="50000"/>
+                  <a:lumOff val="50000"/>
+                </a:schemeClr>
+              </a:solidFill>
+            </a:endParaRPr>
+          </a:p>
+        </p:txBody>
+      </p:sp>
+      <p:pic>
+        <p:nvPicPr>
+          <p:cNvPr id="5" name="Picture 4" descr="sw_mixingmatrix.png"/>
+          <p:cNvPicPr>
+            <a:picLocks noChangeAspect="1"/>
+          </p:cNvPicPr>
+          <p:nvPr/>
+        </p:nvPicPr>
+        <p:blipFill>
+          <a:blip r:embed="rId2">
+            <a:extLst>
+              <a:ext uri="{28A0092B-C50C-407E-A947-70E740481C1C}">
+                <a14:useLocalDpi xmlns:a14="http://schemas.microsoft.com/office/drawing/2010/main" val="0"/>
+              </a:ext>
+            </a:extLst>
+          </a:blip>
+          <a:stretch>
+            <a:fillRect/>
+          </a:stretch>
+        </p:blipFill>
+        <p:spPr>
+          <a:xfrm>
+            <a:off x="6424707" y="2980563"/>
+            <a:ext cx="4486834" cy="3234217"/>
+          </a:xfrm>
+          <a:prstGeom prst="rect">
+            <a:avLst/>
+          </a:prstGeom>
+        </p:spPr>
+      </p:pic>
     </p:spTree>
     <p:extLst>
       <p:ext uri="{BB962C8B-B14F-4D97-AF65-F5344CB8AC3E}">
@@ -6584,32 +6748,6 @@
           </a:p>
         </p:txBody>
       </p:sp>
-      <p:pic>
-        <p:nvPicPr>
-          <p:cNvPr id="5" name="Content Placeholder 4"/>
-          <p:cNvPicPr>
-            <a:picLocks noGrp="1" noChangeAspect="1"/>
-          </p:cNvPicPr>
-          <p:nvPr>
-            <p:ph sz="half" idx="1"/>
-          </p:nvPr>
-        </p:nvPicPr>
-        <p:blipFill>
-          <a:blip r:embed="rId2"/>
-          <a:stretch>
-            <a:fillRect/>
-          </a:stretch>
-        </p:blipFill>
-        <p:spPr>
-          <a:xfrm>
-            <a:off x="1097280" y="1621582"/>
-            <a:ext cx="4938712" cy="3704033"/>
-          </a:xfrm>
-          <a:prstGeom prst="rect">
-            <a:avLst/>
-          </a:prstGeom>
-        </p:spPr>
-      </p:pic>
       <p:sp>
         <p:nvSpPr>
           <p:cNvPr id="6" name="Content Placeholder 5"/>
@@ -6687,6 +6825,34 @@
           </a:p>
         </p:txBody>
       </p:sp>
+      <p:pic>
+        <p:nvPicPr>
+          <p:cNvPr id="7" name="Content Placeholder 5"/>
+          <p:cNvPicPr>
+            <a:picLocks noGrp="1" noChangeAspect="1"/>
+          </p:cNvPicPr>
+          <p:nvPr>
+            <p:ph sz="half" idx="1"/>
+          </p:nvPr>
+        </p:nvPicPr>
+        <p:blipFill rotWithShape="1">
+          <a:blip r:embed="rId2">
+            <a:extLst>
+              <a:ext uri="{28A0092B-C50C-407E-A947-70E740481C1C}">
+                <a14:useLocalDpi xmlns:a14="http://schemas.microsoft.com/office/drawing/2010/main" val="0"/>
+              </a:ext>
+            </a:extLst>
+          </a:blip>
+          <a:srcRect l="489" t="661" r="833" b="-661"/>
+          <a:stretch/>
+        </p:blipFill>
+        <p:spPr>
+          <a:xfrm>
+            <a:off x="268942" y="1334433"/>
+            <a:ext cx="5946588" cy="4519613"/>
+          </a:xfrm>
+        </p:spPr>
+      </p:pic>
     </p:spTree>
     <p:extLst>
       <p:ext uri="{BB962C8B-B14F-4D97-AF65-F5344CB8AC3E}">
@@ -6742,8 +6908,820 @@
           </a:p>
         </p:txBody>
       </p:sp>
-      <mc:AlternateContent xmlns:mc="http://schemas.openxmlformats.org/markup-compatibility/2006">
-        <mc:Choice xmlns:a14="http://schemas.microsoft.com/office/drawing/2010/main" Requires="a14">
+      <p:sp>
+        <p:nvSpPr>
+          <p:cNvPr id="3" name="Content Placeholder 2"/>
+          <p:cNvSpPr>
+            <a:spLocks noGrp="1"/>
+          </p:cNvSpPr>
+          <p:nvPr>
+            <p:ph sz="half" idx="1"/>
+          </p:nvPr>
+        </p:nvSpPr>
+        <p:spPr>
+          <a:xfrm>
+            <a:off x="1097277" y="1349440"/>
+            <a:ext cx="10063781" cy="4519654"/>
+          </a:xfrm>
+        </p:spPr>
+        <p:txBody>
+          <a:bodyPr/>
+          <a:lstStyle/>
+          <a:p>
+            <a:r>
+              <a:rPr lang="en-US" b="1" dirty="0" smtClean="0"/>
+              <a:t>Exponential </a:t>
+            </a:r>
+            <a:r>
+              <a:rPr lang="en-US" b="1" dirty="0" smtClean="0"/>
+              <a:t>random graph models </a:t>
+            </a:r>
+            <a:r>
+              <a:rPr lang="en-US" b="1" dirty="0" smtClean="0"/>
+              <a:t>(</a:t>
+            </a:r>
+            <a:r>
+              <a:rPr lang="en-US" b="1" dirty="0" smtClean="0"/>
+              <a:t>ERGMs</a:t>
+            </a:r>
+            <a:r>
+              <a:rPr lang="en-US" b="1" dirty="0" smtClean="0"/>
+              <a:t>)</a:t>
+            </a:r>
+          </a:p>
+          <a:p>
+            <a:pPr lvl="1"/>
+            <a:r>
+              <a:rPr lang="en-US" dirty="0"/>
+              <a:t>A</a:t>
+            </a:r>
+            <a:r>
+              <a:rPr lang="en-US" dirty="0" smtClean="0"/>
+              <a:t> </a:t>
+            </a:r>
+            <a:r>
+              <a:rPr lang="en-US" dirty="0"/>
+              <a:t>class of models for specifying the probability distribution for a set of random graphs or networks. </a:t>
+            </a:r>
+            <a:endParaRPr lang="en-US" dirty="0" smtClean="0"/>
+          </a:p>
+          <a:p>
+            <a:pPr lvl="1"/>
+            <a:endParaRPr lang="en-US" dirty="0" smtClean="0"/>
+          </a:p>
+          <a:p>
+            <a:pPr lvl="1"/>
+            <a:endParaRPr lang="en-US" dirty="0"/>
+          </a:p>
+          <a:p>
+            <a:pPr lvl="1"/>
+            <a:r>
+              <a:rPr lang="en-US" dirty="0" err="1" smtClean="0"/>
+              <a:t>statnetWeb</a:t>
+            </a:r>
+            <a:r>
+              <a:rPr lang="en-US" dirty="0" smtClean="0"/>
+              <a:t> is based on the </a:t>
+            </a:r>
+            <a:r>
+              <a:rPr lang="en-US" dirty="0" err="1" smtClean="0"/>
+              <a:t>ergm</a:t>
+            </a:r>
+            <a:r>
+              <a:rPr lang="en-US" dirty="0" smtClean="0"/>
+              <a:t> package from </a:t>
+            </a:r>
+            <a:r>
+              <a:rPr lang="en-US" dirty="0" err="1" smtClean="0"/>
+              <a:t>statnet</a:t>
+            </a:r>
+            <a:r>
+              <a:rPr lang="en-US" dirty="0" smtClean="0"/>
+              <a:t>, </a:t>
+            </a:r>
+            <a:r>
+              <a:rPr lang="en-US" dirty="0"/>
+              <a:t>a powerful and flexible framework for fitting and simulating from network </a:t>
+            </a:r>
+            <a:r>
+              <a:rPr lang="en-US" dirty="0" smtClean="0"/>
+              <a:t>models</a:t>
+            </a:r>
+          </a:p>
+          <a:p>
+            <a:pPr lvl="1"/>
+            <a:r>
+              <a:rPr lang="en-US" dirty="0" smtClean="0"/>
+              <a:t>Based on what we can observe about our network, we will choose some key network statistics to include as the basis of our model</a:t>
+            </a:r>
+          </a:p>
+          <a:p>
+            <a:pPr lvl="1"/>
+            <a:r>
+              <a:rPr lang="en-US" dirty="0" smtClean="0"/>
+              <a:t>We can choose from any of the </a:t>
+            </a:r>
+            <a:r>
+              <a:rPr lang="en-US" dirty="0" err="1" smtClean="0"/>
+              <a:t>ergm</a:t>
+            </a:r>
+            <a:r>
+              <a:rPr lang="en-US" dirty="0" smtClean="0"/>
+              <a:t> terms</a:t>
+            </a:r>
+          </a:p>
+          <a:p>
+            <a:pPr lvl="2"/>
+            <a:r>
+              <a:rPr lang="en-US" dirty="0" smtClean="0"/>
+              <a:t>See documentation box in </a:t>
+            </a:r>
+            <a:r>
+              <a:rPr lang="en-US" dirty="0" err="1" smtClean="0"/>
+              <a:t>statnetWeb</a:t>
+            </a:r>
+            <a:endParaRPr lang="en-US" dirty="0" smtClean="0"/>
+          </a:p>
+          <a:p>
+            <a:pPr lvl="2"/>
+            <a:r>
+              <a:rPr lang="en-US" dirty="0" smtClean="0"/>
+              <a:t>Use </a:t>
+            </a:r>
+            <a:r>
+              <a:rPr lang="en-US" sz="1200" dirty="0" smtClean="0">
+                <a:latin typeface="Courier"/>
+                <a:cs typeface="Courier"/>
+              </a:rPr>
+              <a:t>help(“</a:t>
+            </a:r>
+            <a:r>
+              <a:rPr lang="en-US" sz="1200" dirty="0" err="1" smtClean="0">
+                <a:latin typeface="Courier"/>
+                <a:cs typeface="Courier"/>
+              </a:rPr>
+              <a:t>ergm</a:t>
+            </a:r>
+            <a:r>
+              <a:rPr lang="en-US" sz="1200" dirty="0" smtClean="0">
+                <a:latin typeface="Courier"/>
+                <a:cs typeface="Courier"/>
+              </a:rPr>
+              <a:t>-terms”) </a:t>
+            </a:r>
+            <a:r>
+              <a:rPr lang="en-US" dirty="0" smtClean="0"/>
+              <a:t>in the R command line</a:t>
+            </a:r>
+          </a:p>
+          <a:p>
+            <a:pPr lvl="2"/>
+            <a:r>
+              <a:rPr lang="en-US" dirty="0" smtClean="0">
+                <a:solidFill>
+                  <a:srgbClr val="FD2F2F"/>
+                </a:solidFill>
+              </a:rPr>
+              <a:t>Skye’s reference page online?</a:t>
+            </a:r>
+          </a:p>
+          <a:p>
+            <a:r>
+              <a:rPr lang="en-US" dirty="0"/>
+              <a:t>Many simple models fit into this framework, even though they were developed far before the ERGM theory.</a:t>
+            </a:r>
+            <a:endParaRPr lang="en-US" dirty="0" smtClean="0">
+              <a:solidFill>
+                <a:srgbClr val="FD2F2F"/>
+              </a:solidFill>
+            </a:endParaRPr>
+          </a:p>
+        </p:txBody>
+      </p:sp>
+      <p:graphicFrame>
+        <p:nvGraphicFramePr>
+          <p:cNvPr id="5" name="Object 4"/>
+          <p:cNvGraphicFramePr>
+            <a:graphicFrameLocks noChangeAspect="1"/>
+          </p:cNvGraphicFramePr>
+          <p:nvPr>
+            <p:extLst>
+              <p:ext uri="{D42A27DB-BD31-4B8C-83A1-F6EECF244321}">
+                <p14:modId xmlns:p14="http://schemas.microsoft.com/office/powerpoint/2010/main" val="1803722063"/>
+              </p:ext>
+            </p:extLst>
+          </p:nvPr>
+        </p:nvGraphicFramePr>
+        <p:xfrm>
+          <a:off x="4458541" y="2098302"/>
+          <a:ext cx="2097087" cy="582613"/>
+        </p:xfrm>
+        <a:graphic>
+          <a:graphicData uri="http://schemas.openxmlformats.org/presentationml/2006/ole">
+            <mc:AlternateContent xmlns:mc="http://schemas.openxmlformats.org/markup-compatibility/2006">
+              <mc:Choice xmlns:v="urn:schemas-microsoft-com:vml" Requires="v">
+                <p:oleObj spid="_x0000_s9224" name="Equation" r:id="rId3" imgW="1511280" imgH="419040" progId="Equation.3">
+                  <p:embed/>
+                </p:oleObj>
+              </mc:Choice>
+              <mc:Fallback>
+                <p:oleObj name="Equation" r:id="rId3" imgW="1511280" imgH="419040" progId="Equation.3">
+                  <p:embed/>
+                  <p:pic>
+                    <p:nvPicPr>
+                      <p:cNvPr id="0" name=""/>
+                      <p:cNvPicPr/>
+                      <p:nvPr/>
+                    </p:nvPicPr>
+                    <p:blipFill>
+                      <a:blip r:embed="rId4"/>
+                      <a:stretch>
+                        <a:fillRect/>
+                      </a:stretch>
+                    </p:blipFill>
+                    <p:spPr>
+                      <a:xfrm>
+                        <a:off x="4458541" y="2098302"/>
+                        <a:ext cx="2097087" cy="582613"/>
+                      </a:xfrm>
+                      <a:prstGeom prst="rect">
+                        <a:avLst/>
+                      </a:prstGeom>
+                    </p:spPr>
+                  </p:pic>
+                </p:oleObj>
+              </mc:Fallback>
+            </mc:AlternateContent>
+          </a:graphicData>
+        </a:graphic>
+      </p:graphicFrame>
+    </p:spTree>
+    <p:extLst>
+      <p:ext uri="{BB962C8B-B14F-4D97-AF65-F5344CB8AC3E}">
+        <p14:creationId xmlns:p14="http://schemas.microsoft.com/office/powerpoint/2010/main" val="2301076333"/>
+      </p:ext>
+    </p:extLst>
+  </p:cSld>
+  <p:clrMapOvr>
+    <a:masterClrMapping/>
+  </p:clrMapOvr>
+</p:sld>
+</file>
+
+<file path=ppt/slides/slide17.xml><?xml version="1.0" encoding="utf-8"?>
+<p:sld xmlns:a="http://schemas.openxmlformats.org/drawingml/2006/main" xmlns:r="http://schemas.openxmlformats.org/officeDocument/2006/relationships" xmlns:p="http://schemas.openxmlformats.org/presentationml/2006/main">
+  <p:cSld>
+    <p:spTree>
+      <p:nvGrpSpPr>
+        <p:cNvPr id="1" name=""/>
+        <p:cNvGrpSpPr/>
+        <p:nvPr/>
+      </p:nvGrpSpPr>
+      <p:grpSpPr>
+        <a:xfrm>
+          <a:off x="0" y="0"/>
+          <a:ext cx="0" cy="0"/>
+          <a:chOff x="0" y="0"/>
+          <a:chExt cx="0" cy="0"/>
+        </a:xfrm>
+      </p:grpSpPr>
+      <p:sp>
+        <p:nvSpPr>
+          <p:cNvPr id="2" name="Title 1"/>
+          <p:cNvSpPr>
+            <a:spLocks noGrp="1"/>
+          </p:cNvSpPr>
+          <p:nvPr>
+            <p:ph type="title"/>
+          </p:nvPr>
+        </p:nvSpPr>
+        <p:spPr/>
+        <p:txBody>
+          <a:bodyPr/>
+          <a:lstStyle/>
+          <a:p>
+            <a:r>
+              <a:rPr lang="en-US" dirty="0" smtClean="0"/>
+              <a:t>Statistical Models</a:t>
+            </a:r>
+            <a:endParaRPr lang="en-US" dirty="0"/>
+          </a:p>
+        </p:txBody>
+      </p:sp>
+      <p:sp>
+        <p:nvSpPr>
+          <p:cNvPr id="3" name="Content Placeholder 2"/>
+          <p:cNvSpPr>
+            <a:spLocks noGrp="1"/>
+          </p:cNvSpPr>
+          <p:nvPr>
+            <p:ph sz="half" idx="1"/>
+          </p:nvPr>
+        </p:nvSpPr>
+        <p:spPr/>
+        <p:txBody>
+          <a:bodyPr/>
+          <a:lstStyle/>
+          <a:p>
+            <a:r>
+              <a:rPr lang="en-US" b="1" dirty="0"/>
+              <a:t>Exponential random graph models (p</a:t>
+            </a:r>
+            <a:r>
+              <a:rPr lang="en-US" b="1" baseline="30000" dirty="0"/>
+              <a:t>*</a:t>
+            </a:r>
+            <a:r>
+              <a:rPr lang="en-US" b="1" dirty="0"/>
+              <a:t>)</a:t>
+            </a:r>
+          </a:p>
+          <a:p>
+            <a:endParaRPr lang="en-US" sz="1100" dirty="0" smtClean="0"/>
+          </a:p>
+          <a:p>
+            <a:pPr lvl="1"/>
+            <a:endParaRPr lang="en-US" dirty="0"/>
+          </a:p>
+          <a:p>
+            <a:pPr lvl="1"/>
+            <a:r>
+              <a:rPr lang="en-US" i="1" dirty="0" smtClean="0">
+                <a:latin typeface="Times New Roman" panose="02020603050405020304" pitchFamily="18" charset="0"/>
+                <a:cs typeface="Times New Roman" panose="02020603050405020304" pitchFamily="18" charset="0"/>
+              </a:rPr>
+              <a:t>Y</a:t>
+            </a:r>
+            <a:r>
+              <a:rPr lang="en-US" dirty="0" smtClean="0"/>
+              <a:t>: random variable for state of network (with realization </a:t>
+            </a:r>
+            <a:r>
+              <a:rPr lang="en-US" i="1" dirty="0" smtClean="0">
+                <a:latin typeface="Times New Roman" panose="02020603050405020304" pitchFamily="18" charset="0"/>
+                <a:cs typeface="Times New Roman" panose="02020603050405020304" pitchFamily="18" charset="0"/>
+              </a:rPr>
+              <a:t>y</a:t>
+            </a:r>
+            <a:r>
+              <a:rPr lang="en-US" dirty="0" smtClean="0"/>
+              <a:t>)</a:t>
+            </a:r>
+          </a:p>
+          <a:p>
+            <a:pPr lvl="1"/>
+            <a:r>
+              <a:rPr lang="en-US" i="1" dirty="0" smtClean="0">
+                <a:latin typeface="Times New Roman" panose="02020603050405020304" pitchFamily="18" charset="0"/>
+                <a:cs typeface="Times New Roman" panose="02020603050405020304" pitchFamily="18" charset="0"/>
+              </a:rPr>
+              <a:t>g(y)</a:t>
+            </a:r>
+            <a:r>
+              <a:rPr lang="en-US" dirty="0" smtClean="0"/>
+              <a:t>: vector of model statistics for network </a:t>
+            </a:r>
+            <a:r>
+              <a:rPr lang="en-US" i="1" dirty="0" smtClean="0">
+                <a:latin typeface="Times New Roman" panose="02020603050405020304" pitchFamily="18" charset="0"/>
+                <a:cs typeface="Times New Roman" panose="02020603050405020304" pitchFamily="18" charset="0"/>
+              </a:rPr>
+              <a:t>y</a:t>
+            </a:r>
+          </a:p>
+          <a:p>
+            <a:pPr lvl="2"/>
+            <a:r>
+              <a:rPr lang="en-US" dirty="0" smtClean="0">
+                <a:cs typeface="Times New Roman" panose="02020603050405020304" pitchFamily="18" charset="0"/>
+              </a:rPr>
+              <a:t>We choose </a:t>
+            </a:r>
+            <a:r>
+              <a:rPr lang="en-US" i="1" dirty="0" smtClean="0">
+                <a:latin typeface="Times New Roman"/>
+                <a:cs typeface="Times New Roman"/>
+              </a:rPr>
+              <a:t>g</a:t>
+            </a:r>
+            <a:r>
+              <a:rPr lang="en-US" dirty="0" smtClean="0">
+                <a:cs typeface="Times New Roman" panose="02020603050405020304" pitchFamily="18" charset="0"/>
+              </a:rPr>
+              <a:t> from the collection of </a:t>
+            </a:r>
+            <a:r>
+              <a:rPr lang="en-US" dirty="0" err="1" smtClean="0">
+                <a:cs typeface="Times New Roman" panose="02020603050405020304" pitchFamily="18" charset="0"/>
+              </a:rPr>
+              <a:t>ergm</a:t>
+            </a:r>
+            <a:r>
+              <a:rPr lang="en-US" dirty="0" smtClean="0">
+                <a:cs typeface="Times New Roman" panose="02020603050405020304" pitchFamily="18" charset="0"/>
+              </a:rPr>
+              <a:t> terms</a:t>
+            </a:r>
+          </a:p>
+          <a:p>
+            <a:pPr lvl="2"/>
+            <a:r>
+              <a:rPr lang="en-US" dirty="0" smtClean="0">
+                <a:cs typeface="Times New Roman" panose="02020603050405020304" pitchFamily="18" charset="0"/>
+              </a:rPr>
+              <a:t>We can see </a:t>
+            </a:r>
+            <a:r>
+              <a:rPr lang="en-US" i="1" dirty="0" smtClean="0">
+                <a:latin typeface="Times New Roman"/>
+                <a:cs typeface="Times New Roman"/>
+              </a:rPr>
+              <a:t>g(</a:t>
+            </a:r>
+            <a:r>
+              <a:rPr lang="en-US" i="1" dirty="0" err="1" smtClean="0">
+                <a:latin typeface="Times New Roman"/>
+                <a:cs typeface="Times New Roman"/>
+              </a:rPr>
+              <a:t>y</a:t>
+            </a:r>
+            <a:r>
+              <a:rPr lang="en-US" i="1" baseline="-25000" dirty="0" err="1" smtClean="0">
+                <a:latin typeface="Times New Roman"/>
+                <a:cs typeface="Times New Roman"/>
+              </a:rPr>
+              <a:t>obs</a:t>
+            </a:r>
+            <a:r>
+              <a:rPr lang="en-US" i="1" dirty="0" smtClean="0">
+                <a:latin typeface="Times New Roman"/>
+                <a:cs typeface="Times New Roman"/>
+              </a:rPr>
+              <a:t>) </a:t>
+            </a:r>
+            <a:r>
+              <a:rPr lang="en-US" dirty="0" smtClean="0">
+                <a:cs typeface="Times New Roman" panose="02020603050405020304" pitchFamily="18" charset="0"/>
+              </a:rPr>
+              <a:t>in the model summary statistics</a:t>
+            </a:r>
+            <a:endParaRPr lang="en-US" dirty="0" smtClean="0">
+              <a:cs typeface="Times New Roman" panose="02020603050405020304" pitchFamily="18" charset="0"/>
+            </a:endParaRPr>
+          </a:p>
+          <a:p>
+            <a:pPr lvl="1"/>
+            <a:r>
+              <a:rPr lang="el-GR" i="1" dirty="0" smtClean="0">
+                <a:latin typeface="Times New Roman" panose="02020603050405020304" pitchFamily="18" charset="0"/>
+                <a:cs typeface="Times New Roman" panose="02020603050405020304" pitchFamily="18" charset="0"/>
+              </a:rPr>
+              <a:t>θ</a:t>
+            </a:r>
+            <a:r>
+              <a:rPr lang="en-US" dirty="0" smtClean="0"/>
+              <a:t>: vector of coefficients for statistics </a:t>
+            </a:r>
+            <a:r>
+              <a:rPr lang="en-US" i="1" dirty="0" smtClean="0">
+                <a:latin typeface="Times New Roman" panose="02020603050405020304" pitchFamily="18" charset="0"/>
+                <a:cs typeface="Times New Roman" panose="02020603050405020304" pitchFamily="18" charset="0"/>
+              </a:rPr>
+              <a:t>g(y</a:t>
+            </a:r>
+            <a:r>
+              <a:rPr lang="en-US" i="1" dirty="0" smtClean="0">
+                <a:latin typeface="Times New Roman" panose="02020603050405020304" pitchFamily="18" charset="0"/>
+                <a:cs typeface="Times New Roman" panose="02020603050405020304" pitchFamily="18" charset="0"/>
+              </a:rPr>
+              <a:t>)</a:t>
+            </a:r>
+            <a:endParaRPr lang="en-US" dirty="0" smtClean="0">
+              <a:cs typeface="Times New Roman" panose="02020603050405020304" pitchFamily="18" charset="0"/>
+            </a:endParaRPr>
+          </a:p>
+          <a:p>
+            <a:pPr lvl="2"/>
+            <a:r>
+              <a:rPr lang="en-US" dirty="0" err="1" smtClean="0">
+                <a:cs typeface="Times New Roman" panose="02020603050405020304" pitchFamily="18" charset="0"/>
+              </a:rPr>
+              <a:t>statnetWeb</a:t>
+            </a:r>
+            <a:r>
+              <a:rPr lang="en-US" dirty="0" smtClean="0">
+                <a:cs typeface="Times New Roman" panose="02020603050405020304" pitchFamily="18" charset="0"/>
+              </a:rPr>
+              <a:t> estimates these</a:t>
+            </a:r>
+            <a:endParaRPr lang="en-US" dirty="0" smtClean="0">
+              <a:cs typeface="Times New Roman" panose="02020603050405020304" pitchFamily="18" charset="0"/>
+            </a:endParaRPr>
+          </a:p>
+          <a:p>
+            <a:pPr lvl="1"/>
+            <a:r>
+              <a:rPr lang="en-US" i="1" dirty="0" smtClean="0">
+                <a:latin typeface="Times New Roman" panose="02020603050405020304" pitchFamily="18" charset="0"/>
+                <a:cs typeface="Times New Roman" panose="02020603050405020304" pitchFamily="18" charset="0"/>
+              </a:rPr>
+              <a:t>k(</a:t>
+            </a:r>
+            <a:r>
+              <a:rPr lang="el-GR" i="1" dirty="0" smtClean="0">
+                <a:latin typeface="Times New Roman" panose="02020603050405020304" pitchFamily="18" charset="0"/>
+                <a:cs typeface="Times New Roman" panose="02020603050405020304" pitchFamily="18" charset="0"/>
+              </a:rPr>
+              <a:t>θ</a:t>
+            </a:r>
+            <a:r>
+              <a:rPr lang="en-US" i="1" dirty="0" smtClean="0">
+                <a:latin typeface="Times New Roman" panose="02020603050405020304" pitchFamily="18" charset="0"/>
+                <a:cs typeface="Times New Roman" panose="02020603050405020304" pitchFamily="18" charset="0"/>
+              </a:rPr>
+              <a:t>)</a:t>
+            </a:r>
+            <a:r>
+              <a:rPr lang="en-US" dirty="0" smtClean="0"/>
+              <a:t>: numerator summed over all possible networks with same node set as </a:t>
+            </a:r>
+            <a:r>
+              <a:rPr lang="en-US" i="1" dirty="0" smtClean="0">
+                <a:latin typeface="Times New Roman" panose="02020603050405020304" pitchFamily="18" charset="0"/>
+                <a:cs typeface="Times New Roman" panose="02020603050405020304" pitchFamily="18" charset="0"/>
+              </a:rPr>
+              <a:t>y</a:t>
+            </a:r>
+          </a:p>
+          <a:p>
+            <a:pPr lvl="2"/>
+            <a:r>
+              <a:rPr lang="en-US" dirty="0" smtClean="0"/>
+              <a:t>Hard to calculate!</a:t>
+            </a:r>
+            <a:endParaRPr lang="en-US" dirty="0"/>
+          </a:p>
+        </p:txBody>
+      </p:sp>
+      <p:graphicFrame>
+        <p:nvGraphicFramePr>
+          <p:cNvPr id="7" name="Object 6"/>
+          <p:cNvGraphicFramePr>
+            <a:graphicFrameLocks noChangeAspect="1"/>
+          </p:cNvGraphicFramePr>
+          <p:nvPr>
+            <p:extLst>
+              <p:ext uri="{D42A27DB-BD31-4B8C-83A1-F6EECF244321}">
+                <p14:modId xmlns:p14="http://schemas.microsoft.com/office/powerpoint/2010/main" val="3172103612"/>
+              </p:ext>
+            </p:extLst>
+          </p:nvPr>
+        </p:nvGraphicFramePr>
+        <p:xfrm>
+          <a:off x="2426541" y="1799478"/>
+          <a:ext cx="2097087" cy="582613"/>
+        </p:xfrm>
+        <a:graphic>
+          <a:graphicData uri="http://schemas.openxmlformats.org/presentationml/2006/ole">
+            <mc:AlternateContent xmlns:mc="http://schemas.openxmlformats.org/markup-compatibility/2006">
+              <mc:Choice xmlns:v="urn:schemas-microsoft-com:vml" Requires="v">
+                <p:oleObj spid="_x0000_s1041" name="Equation" r:id="rId3" imgW="1511280" imgH="419040" progId="Equation.3">
+                  <p:embed/>
+                </p:oleObj>
+              </mc:Choice>
+              <mc:Fallback>
+                <p:oleObj name="Equation" r:id="rId3" imgW="1511280" imgH="419040" progId="Equation.3">
+                  <p:embed/>
+                  <p:pic>
+                    <p:nvPicPr>
+                      <p:cNvPr id="0" name=""/>
+                      <p:cNvPicPr/>
+                      <p:nvPr/>
+                    </p:nvPicPr>
+                    <p:blipFill>
+                      <a:blip r:embed="rId4"/>
+                      <a:stretch>
+                        <a:fillRect/>
+                      </a:stretch>
+                    </p:blipFill>
+                    <p:spPr>
+                      <a:xfrm>
+                        <a:off x="2426541" y="1799478"/>
+                        <a:ext cx="2097087" cy="582613"/>
+                      </a:xfrm>
+                      <a:prstGeom prst="rect">
+                        <a:avLst/>
+                      </a:prstGeom>
+                    </p:spPr>
+                  </p:pic>
+                </p:oleObj>
+              </mc:Fallback>
+            </mc:AlternateContent>
+          </a:graphicData>
+        </a:graphic>
+      </p:graphicFrame>
+      <p:pic>
+        <p:nvPicPr>
+          <p:cNvPr id="5" name="Content Placeholder 4" descr="sw_fitpage.png"/>
+          <p:cNvPicPr>
+            <a:picLocks noGrp="1" noChangeAspect="1"/>
+          </p:cNvPicPr>
+          <p:nvPr>
+            <p:ph sz="half" idx="2"/>
+          </p:nvPr>
+        </p:nvPicPr>
+        <p:blipFill rotWithShape="1">
+          <a:blip r:embed="rId5">
+            <a:extLst>
+              <a:ext uri="{28A0092B-C50C-407E-A947-70E740481C1C}">
+                <a14:useLocalDpi xmlns:a14="http://schemas.microsoft.com/office/drawing/2010/main" val="0"/>
+              </a:ext>
+            </a:extLst>
+          </a:blip>
+          <a:srcRect l="-2671" r="-2671"/>
+          <a:stretch/>
+        </p:blipFill>
+        <p:spPr>
+          <a:xfrm>
+            <a:off x="6218238" y="1314824"/>
+            <a:ext cx="4937125" cy="4960564"/>
+          </a:xfrm>
+        </p:spPr>
+      </p:pic>
+      <p:cxnSp>
+        <p:nvCxnSpPr>
+          <p:cNvPr id="9" name="Straight Arrow Connector 8"/>
+          <p:cNvCxnSpPr/>
+          <p:nvPr/>
+        </p:nvCxnSpPr>
+        <p:spPr>
+          <a:xfrm>
+            <a:off x="5588000" y="4243294"/>
+            <a:ext cx="1807882" cy="687294"/>
+          </a:xfrm>
+          <a:prstGeom prst="straightConnector1">
+            <a:avLst/>
+          </a:prstGeom>
+          <a:ln w="28575" cmpd="sng">
+            <a:solidFill>
+              <a:schemeClr val="accent2">
+                <a:lumMod val="50000"/>
+                <a:lumOff val="50000"/>
+              </a:schemeClr>
+            </a:solidFill>
+            <a:tailEnd type="arrow"/>
+          </a:ln>
+        </p:spPr>
+        <p:style>
+          <a:lnRef idx="2">
+            <a:schemeClr val="accent1"/>
+          </a:lnRef>
+          <a:fillRef idx="0">
+            <a:schemeClr val="accent1"/>
+          </a:fillRef>
+          <a:effectRef idx="1">
+            <a:schemeClr val="accent1"/>
+          </a:effectRef>
+          <a:fontRef idx="minor">
+            <a:schemeClr val="tx1"/>
+          </a:fontRef>
+        </p:style>
+      </p:cxnSp>
+      <p:cxnSp>
+        <p:nvCxnSpPr>
+          <p:cNvPr id="11" name="Straight Arrow Connector 10"/>
+          <p:cNvCxnSpPr/>
+          <p:nvPr/>
+        </p:nvCxnSpPr>
+        <p:spPr>
+          <a:xfrm flipV="1">
+            <a:off x="5707529" y="2196353"/>
+            <a:ext cx="2525059" cy="1419412"/>
+          </a:xfrm>
+          <a:prstGeom prst="straightConnector1">
+            <a:avLst/>
+          </a:prstGeom>
+          <a:ln w="28575" cmpd="sng">
+            <a:solidFill>
+              <a:schemeClr val="accent2">
+                <a:lumMod val="50000"/>
+                <a:lumOff val="50000"/>
+              </a:schemeClr>
+            </a:solidFill>
+            <a:tailEnd type="arrow"/>
+          </a:ln>
+        </p:spPr>
+        <p:style>
+          <a:lnRef idx="2">
+            <a:schemeClr val="accent1"/>
+          </a:lnRef>
+          <a:fillRef idx="0">
+            <a:schemeClr val="accent1"/>
+          </a:fillRef>
+          <a:effectRef idx="1">
+            <a:schemeClr val="accent1"/>
+          </a:effectRef>
+          <a:fontRef idx="minor">
+            <a:schemeClr val="tx1"/>
+          </a:fontRef>
+        </p:style>
+      </p:cxnSp>
+      <p:cxnSp>
+        <p:nvCxnSpPr>
+          <p:cNvPr id="15" name="Straight Arrow Connector 14"/>
+          <p:cNvCxnSpPr/>
+          <p:nvPr/>
+        </p:nvCxnSpPr>
+        <p:spPr>
+          <a:xfrm flipV="1">
+            <a:off x="5737412" y="1658471"/>
+            <a:ext cx="2002117" cy="1598705"/>
+          </a:xfrm>
+          <a:prstGeom prst="straightConnector1">
+            <a:avLst/>
+          </a:prstGeom>
+          <a:ln w="28575" cmpd="sng">
+            <a:solidFill>
+              <a:schemeClr val="accent2">
+                <a:lumMod val="50000"/>
+                <a:lumOff val="50000"/>
+              </a:schemeClr>
+            </a:solidFill>
+            <a:tailEnd type="arrow"/>
+          </a:ln>
+        </p:spPr>
+        <p:style>
+          <a:lnRef idx="2">
+            <a:schemeClr val="accent1"/>
+          </a:lnRef>
+          <a:fillRef idx="0">
+            <a:schemeClr val="accent1"/>
+          </a:fillRef>
+          <a:effectRef idx="1">
+            <a:schemeClr val="accent1"/>
+          </a:effectRef>
+          <a:fontRef idx="minor">
+            <a:schemeClr val="tx1"/>
+          </a:fontRef>
+        </p:style>
+      </p:cxnSp>
+    </p:spTree>
+    <p:extLst>
+      <p:ext uri="{BB962C8B-B14F-4D97-AF65-F5344CB8AC3E}">
+        <p14:creationId xmlns:p14="http://schemas.microsoft.com/office/powerpoint/2010/main" val="1960123899"/>
+      </p:ext>
+    </p:extLst>
+  </p:cSld>
+  <p:clrMapOvr>
+    <a:masterClrMapping/>
+  </p:clrMapOvr>
+</p:sld>
+</file>
+
+<file path=ppt/slides/slide18.xml><?xml version="1.0" encoding="utf-8"?>
+<p:sld xmlns:a="http://schemas.openxmlformats.org/drawingml/2006/main" xmlns:r="http://schemas.openxmlformats.org/officeDocument/2006/relationships" xmlns:p="http://schemas.openxmlformats.org/presentationml/2006/main">
+  <p:cSld>
+    <p:spTree>
+      <p:nvGrpSpPr>
+        <p:cNvPr id="1" name=""/>
+        <p:cNvGrpSpPr/>
+        <p:nvPr/>
+      </p:nvGrpSpPr>
+      <p:grpSpPr>
+        <a:xfrm>
+          <a:off x="0" y="0"/>
+          <a:ext cx="0" cy="0"/>
+          <a:chOff x="0" y="0"/>
+          <a:chExt cx="0" cy="0"/>
+        </a:xfrm>
+      </p:grpSpPr>
+      <p:sp>
+        <p:nvSpPr>
+          <p:cNvPr id="2" name="Title 1"/>
+          <p:cNvSpPr>
+            <a:spLocks noGrp="1"/>
+          </p:cNvSpPr>
+          <p:nvPr>
+            <p:ph type="title"/>
+          </p:nvPr>
+        </p:nvSpPr>
+        <p:spPr/>
+        <p:txBody>
+          <a:bodyPr>
+            <a:normAutofit/>
+          </a:bodyPr>
+          <a:lstStyle/>
+          <a:p>
+            <a:r>
+              <a:rPr lang="en-US" dirty="0" smtClean="0"/>
+              <a:t>Statistical Models</a:t>
+            </a:r>
+            <a:endParaRPr lang="en-US" dirty="0"/>
+          </a:p>
+        </p:txBody>
+      </p:sp>
+      <mc:AlternateContent xmlns:mc="http://schemas.openxmlformats.org/markup-compatibility/2006" xmlns:a14="http://schemas.microsoft.com/office/drawing/2010/main">
+        <mc:Choice Requires="a14">
           <p:sp>
             <p:nvSpPr>
               <p:cNvPr id="3" name="Content Placeholder 2"/>
@@ -6836,7 +7814,7 @@
                   <a:t>MLE </a:t>
                 </a:r>
                 <a14:m>
-                  <m:oMath xmlns:m="http://schemas.openxmlformats.org/officeDocument/2006/math">
+                  <m:oMath xmlns:m="http://schemas.openxmlformats.org/officeDocument/2006/math" xmlns="">
                     <m:acc>
                       <m:accPr>
                         <m:chr m:val="̂"/>
@@ -6865,7 +7843,7 @@
                   <a:t> is the density </a:t>
                 </a:r>
                 <a14:m>
-                  <m:oMath xmlns:m="http://schemas.openxmlformats.org/officeDocument/2006/math">
+                  <m:oMath xmlns:m="http://schemas.openxmlformats.org/officeDocument/2006/math" xmlns="">
                     <m:acc>
                       <m:accPr>
                         <m:chr m:val="̅"/>
@@ -6942,7 +7920,7 @@
             </p:txBody>
           </p:sp>
         </mc:Choice>
-        <mc:Fallback>
+        <mc:Fallback xmlns="">
           <p:sp>
             <p:nvSpPr>
               <p:cNvPr id="3" name="Content Placeholder 2"/>
@@ -7058,7 +8036,7 @@
 </p:sld>
 </file>
 
-<file path=ppt/slides/slide17.xml><?xml version="1.0" encoding="utf-8"?>
+<file path=ppt/slides/slide19.xml><?xml version="1.0" encoding="utf-8"?>
 <p:sld xmlns:a="http://schemas.openxmlformats.org/drawingml/2006/main" xmlns:r="http://schemas.openxmlformats.org/officeDocument/2006/relationships" xmlns:p="http://schemas.openxmlformats.org/presentationml/2006/main">
   <p:cSld>
     <p:spTree>
@@ -7113,7 +8091,7 @@
         <p:spPr/>
         <p:txBody>
           <a:bodyPr>
-            <a:normAutofit fontScale="85000" lnSpcReduction="20000"/>
+            <a:normAutofit/>
           </a:bodyPr>
           <a:lstStyle/>
           <a:p>
@@ -7236,38 +8214,61 @@
               <a:cs typeface="Times New Roman" panose="02020603050405020304" pitchFamily="18" charset="0"/>
             </a:endParaRPr>
           </a:p>
-          <a:p>
-            <a:r>
-              <a:rPr lang="en-US" b="1" dirty="0" smtClean="0"/>
-              <a:t>Odds </a:t>
-            </a:r>
+        </p:txBody>
+      </p:sp>
+      <p:sp>
+        <p:nvSpPr>
+          <p:cNvPr id="4" name="Content Placeholder 3"/>
+          <p:cNvSpPr>
+            <a:spLocks noGrp="1"/>
+          </p:cNvSpPr>
+          <p:nvPr>
+            <p:ph sz="half" idx="2"/>
+          </p:nvPr>
+        </p:nvSpPr>
+        <p:spPr>
+          <a:xfrm>
+            <a:off x="6203323" y="1349440"/>
+            <a:ext cx="4937760" cy="4519655"/>
+          </a:xfrm>
+        </p:spPr>
+        <p:txBody>
+          <a:bodyPr>
+            <a:normAutofit/>
+          </a:bodyPr>
+          <a:lstStyle/>
+          <a:p>
             <a:r>
               <a:rPr lang="en-US" b="1" dirty="0"/>
-              <a:t>ratios for tie </a:t>
-            </a:r>
-            <a:r>
-              <a:rPr lang="en-US" b="1" dirty="0" smtClean="0"/>
-              <a:t>preferences</a:t>
-            </a:r>
-          </a:p>
-          <a:p>
-            <a:pPr lvl="1"/>
-            <a:endParaRPr lang="en-US" dirty="0" smtClean="0"/>
+              <a:t>Odds ratios for tie preferences</a:t>
+            </a:r>
+          </a:p>
+          <a:p>
+            <a:pPr lvl="1"/>
+            <a:endParaRPr lang="en-US" dirty="0"/>
           </a:p>
           <a:p>
             <a:pPr marL="201168" lvl="1" indent="0">
               <a:buNone/>
             </a:pPr>
+            <a:endParaRPr lang="en-US" dirty="0"/>
+          </a:p>
+          <a:p>
+            <a:pPr lvl="1"/>
             <a:endParaRPr lang="en-US" dirty="0" smtClean="0"/>
           </a:p>
           <a:p>
             <a:pPr lvl="1"/>
-            <a:endParaRPr lang="en-US" dirty="0" smtClean="0"/>
-          </a:p>
-          <a:p>
-            <a:pPr lvl="1"/>
-            <a:r>
-              <a:rPr lang="en-US" dirty="0" smtClean="0"/>
+            <a:endParaRPr lang="en-US" dirty="0"/>
+          </a:p>
+          <a:p>
+            <a:pPr lvl="1"/>
+            <a:endParaRPr lang="en-US" dirty="0"/>
+          </a:p>
+          <a:p>
+            <a:pPr lvl="1"/>
+            <a:r>
+              <a:rPr lang="en-US" dirty="0"/>
               <a:t>The odds ratio                  represents the preference for </a:t>
             </a:r>
             <a:r>
@@ -7278,338 +8279,34 @@
           </a:p>
         </p:txBody>
       </p:sp>
-      <mc:AlternateContent xmlns:mc="http://schemas.openxmlformats.org/markup-compatibility/2006">
-        <mc:Choice xmlns:a14="http://schemas.microsoft.com/office/drawing/2010/main" Requires="a14">
-          <p:sp>
-            <p:nvSpPr>
-              <p:cNvPr id="4" name="Content Placeholder 3"/>
-              <p:cNvSpPr>
-                <a:spLocks noGrp="1"/>
-              </p:cNvSpPr>
-              <p:nvPr>
-                <p:ph sz="half" idx="2"/>
-              </p:nvPr>
-            </p:nvSpPr>
-            <p:spPr/>
-            <p:txBody>
-              <a:bodyPr>
-                <a:normAutofit fontScale="85000" lnSpcReduction="20000"/>
-              </a:bodyPr>
-              <a:lstStyle/>
-              <a:p>
-                <a:pPr>
-                  <a:lnSpc>
-                    <a:spcPct val="120000"/>
-                  </a:lnSpc>
-                </a:pPr>
-                <a:r>
-                  <a:rPr lang="en-US" sz="2400" dirty="0" smtClean="0">
-                    <a:solidFill>
-                      <a:srgbClr val="3366FF"/>
-                    </a:solidFill>
-                  </a:rPr>
-                  <a:t>Interactive: </a:t>
-                </a:r>
-                <a:r>
-                  <a:rPr lang="en-US" sz="2400" dirty="0" smtClean="0"/>
-                  <a:t>Find the probabilities of ties within and between the sexes in </a:t>
-                </a:r>
-                <a:r>
-                  <a:rPr lang="en-US" sz="2400" dirty="0" err="1" smtClean="0"/>
-                  <a:t>faux.mesa.high</a:t>
-                </a:r>
-                <a:endParaRPr lang="en-US" sz="2400" dirty="0" smtClean="0"/>
-              </a:p>
-              <a:p>
-                <a:pPr lvl="1">
-                  <a:lnSpc>
-                    <a:spcPct val="120000"/>
-                  </a:lnSpc>
-                </a:pPr>
-                <a:r>
-                  <a:rPr lang="en-US" sz="1900" dirty="0" smtClean="0"/>
-                  <a:t>Look at the mixing matrix based on the sex attribute</a:t>
-                </a:r>
-              </a:p>
-              <a:p>
-                <a:pPr lvl="1">
-                  <a:lnSpc>
-                    <a:spcPct val="120000"/>
-                  </a:lnSpc>
-                </a:pPr>
-                <a:r>
-                  <a:rPr lang="en-US" sz="1900" dirty="0" smtClean="0"/>
-                  <a:t>Calculate </a:t>
-                </a:r>
-                <a14:m>
-                  <m:oMath xmlns:m="http://schemas.openxmlformats.org/officeDocument/2006/math">
-                    <m:d>
-                      <m:dPr>
-                        <m:begChr m:val="{"/>
-                        <m:endChr m:val="}"/>
-                        <m:ctrlPr>
-                          <a:rPr lang="en-US" sz="1900" i="1" smtClean="0">
-                            <a:latin typeface="Cambria Math" panose="02040503050406030204" pitchFamily="18" charset="0"/>
-                          </a:rPr>
-                        </m:ctrlPr>
-                      </m:dPr>
-                      <m:e>
-                        <m:sSub>
-                          <m:sSubPr>
-                            <m:ctrlPr>
-                              <a:rPr lang="en-US" sz="1900" i="1" smtClean="0">
-                                <a:latin typeface="Cambria Math" panose="02040503050406030204" pitchFamily="18" charset="0"/>
-                              </a:rPr>
-                            </m:ctrlPr>
-                          </m:sSubPr>
-                          <m:e>
-                            <m:r>
-                              <a:rPr lang="en-US" sz="1900" b="0" i="1" smtClean="0">
-                                <a:latin typeface="Cambria Math" panose="02040503050406030204" pitchFamily="18" charset="0"/>
-                              </a:rPr>
-                              <m:t>𝑝</m:t>
-                            </m:r>
-                          </m:e>
-                          <m:sub>
-                            <m:r>
-                              <a:rPr lang="en-US" sz="1900" b="0" i="1" smtClean="0">
-                                <a:latin typeface="Cambria Math" panose="02040503050406030204" pitchFamily="18" charset="0"/>
-                              </a:rPr>
-                              <m:t>𝐹𝐹</m:t>
-                            </m:r>
-                          </m:sub>
-                        </m:sSub>
-                        <m:r>
-                          <a:rPr lang="en-US" sz="1900" b="0" i="1" smtClean="0">
-                            <a:latin typeface="Cambria Math" panose="02040503050406030204" pitchFamily="18" charset="0"/>
-                          </a:rPr>
-                          <m:t>, </m:t>
-                        </m:r>
-                        <m:sSub>
-                          <m:sSubPr>
-                            <m:ctrlPr>
-                              <a:rPr lang="en-US" sz="1900" i="1">
-                                <a:latin typeface="Cambria Math" panose="02040503050406030204" pitchFamily="18" charset="0"/>
-                              </a:rPr>
-                            </m:ctrlPr>
-                          </m:sSubPr>
-                          <m:e>
-                            <m:r>
-                              <a:rPr lang="en-US" sz="1900" i="1">
-                                <a:latin typeface="Cambria Math" panose="02040503050406030204" pitchFamily="18" charset="0"/>
-                              </a:rPr>
-                              <m:t>𝑝</m:t>
-                            </m:r>
-                          </m:e>
-                          <m:sub>
-                            <m:r>
-                              <a:rPr lang="en-US" sz="1900" i="1">
-                                <a:latin typeface="Cambria Math" panose="02040503050406030204" pitchFamily="18" charset="0"/>
-                              </a:rPr>
-                              <m:t>𝐹</m:t>
-                            </m:r>
-                            <m:r>
-                              <a:rPr lang="en-US" sz="1900" b="0" i="1" smtClean="0">
-                                <a:latin typeface="Cambria Math" panose="02040503050406030204" pitchFamily="18" charset="0"/>
-                              </a:rPr>
-                              <m:t>𝑀</m:t>
-                            </m:r>
-                          </m:sub>
-                        </m:sSub>
-                        <m:r>
-                          <a:rPr lang="en-US" sz="1900" b="0" i="1" smtClean="0">
-                            <a:latin typeface="Cambria Math" panose="02040503050406030204" pitchFamily="18" charset="0"/>
-                          </a:rPr>
-                          <m:t>,</m:t>
-                        </m:r>
-                        <m:sSub>
-                          <m:sSubPr>
-                            <m:ctrlPr>
-                              <a:rPr lang="en-US" sz="1900" i="1">
-                                <a:latin typeface="Cambria Math" panose="02040503050406030204" pitchFamily="18" charset="0"/>
-                              </a:rPr>
-                            </m:ctrlPr>
-                          </m:sSubPr>
-                          <m:e>
-                            <m:r>
-                              <a:rPr lang="en-US" sz="1900" b="0" i="1" smtClean="0">
-                                <a:latin typeface="Cambria Math" panose="02040503050406030204" pitchFamily="18" charset="0"/>
-                              </a:rPr>
-                              <m:t> </m:t>
-                            </m:r>
-                            <m:r>
-                              <a:rPr lang="en-US" sz="1900" i="1">
-                                <a:latin typeface="Cambria Math" panose="02040503050406030204" pitchFamily="18" charset="0"/>
-                              </a:rPr>
-                              <m:t>𝑝</m:t>
-                            </m:r>
-                          </m:e>
-                          <m:sub>
-                            <m:r>
-                              <a:rPr lang="en-US" sz="1900" b="0" i="1" smtClean="0">
-                                <a:latin typeface="Cambria Math" panose="02040503050406030204" pitchFamily="18" charset="0"/>
-                              </a:rPr>
-                              <m:t>𝑀</m:t>
-                            </m:r>
-                            <m:r>
-                              <a:rPr lang="en-US" sz="1900" i="1">
-                                <a:latin typeface="Cambria Math" panose="02040503050406030204" pitchFamily="18" charset="0"/>
-                              </a:rPr>
-                              <m:t>𝐹</m:t>
-                            </m:r>
-                          </m:sub>
-                        </m:sSub>
-                        <m:r>
-                          <a:rPr lang="en-US" sz="1900" b="0" i="1" smtClean="0">
-                            <a:latin typeface="Cambria Math" panose="02040503050406030204" pitchFamily="18" charset="0"/>
-                          </a:rPr>
-                          <m:t>,</m:t>
-                        </m:r>
-                        <m:sSub>
-                          <m:sSubPr>
-                            <m:ctrlPr>
-                              <a:rPr lang="en-US" sz="1900" i="1">
-                                <a:latin typeface="Cambria Math" panose="02040503050406030204" pitchFamily="18" charset="0"/>
-                              </a:rPr>
-                            </m:ctrlPr>
-                          </m:sSubPr>
-                          <m:e>
-                            <m:r>
-                              <a:rPr lang="en-US" sz="1900" i="1">
-                                <a:latin typeface="Cambria Math" panose="02040503050406030204" pitchFamily="18" charset="0"/>
-                              </a:rPr>
-                              <m:t>𝑝</m:t>
-                            </m:r>
-                          </m:e>
-                          <m:sub>
-                            <m:r>
-                              <a:rPr lang="en-US" sz="1900" b="0" i="1" smtClean="0">
-                                <a:latin typeface="Cambria Math" panose="02040503050406030204" pitchFamily="18" charset="0"/>
-                              </a:rPr>
-                              <m:t>𝑀𝑀</m:t>
-                            </m:r>
-                          </m:sub>
-                        </m:sSub>
-                      </m:e>
-                    </m:d>
-                  </m:oMath>
-                </a14:m>
-                <a:r>
-                  <a:rPr lang="en-US" sz="1900" dirty="0" smtClean="0"/>
-                  <a:t> by dividing the total ties in each block by the total number of ties</a:t>
-                </a:r>
-              </a:p>
-              <a:p>
-                <a:pPr lvl="2">
-                  <a:lnSpc>
-                    <a:spcPct val="120000"/>
-                  </a:lnSpc>
-                </a:pPr>
-                <a:r>
-                  <a:rPr lang="en-US" sz="1600" dirty="0" smtClean="0"/>
-                  <a:t>Caution: Is the total number of ties equal to the sum of all four blocks in the mixing matrix?</a:t>
-                </a:r>
-              </a:p>
-              <a:p>
-                <a:pPr lvl="1">
-                  <a:lnSpc>
-                    <a:spcPct val="120000"/>
-                  </a:lnSpc>
-                </a:pPr>
-                <a:r>
-                  <a:rPr lang="en-US" sz="1900" dirty="0" smtClean="0"/>
-                  <a:t>Now find the relative rates</a:t>
-                </a:r>
-                <a:endParaRPr lang="en-US" sz="1900" dirty="0"/>
-              </a:p>
-            </p:txBody>
-          </p:sp>
-        </mc:Choice>
-        <mc:Fallback>
-          <p:sp>
-            <p:nvSpPr>
-              <p:cNvPr id="4" name="Content Placeholder 3"/>
-              <p:cNvSpPr>
-                <a:spLocks noGrp="1" noRot="1" noChangeAspect="1" noMove="1" noResize="1" noEditPoints="1" noAdjustHandles="1" noChangeArrowheads="1" noChangeShapeType="1" noTextEdit="1"/>
-              </p:cNvSpPr>
-              <p:nvPr>
-                <p:ph sz="half" idx="2"/>
-              </p:nvPr>
-            </p:nvSpPr>
-            <p:spPr>
-              <a:blipFill rotWithShape="0">
-                <a:blip r:embed="rId3"/>
-                <a:stretch>
-                  <a:fillRect l="-1235" t="-674" r="-3827"/>
-                </a:stretch>
-              </a:blipFill>
-            </p:spPr>
-            <p:txBody>
-              <a:bodyPr/>
-              <a:lstStyle/>
-              <a:p>
-                <a:r>
-                  <a:rPr lang="en-US">
-                    <a:noFill/>
-                  </a:rPr>
-                  <a:t> </a:t>
-                </a:r>
-              </a:p>
-            </p:txBody>
-          </p:sp>
-        </mc:Fallback>
-      </mc:AlternateContent>
-      <p:pic>
-        <p:nvPicPr>
-          <p:cNvPr id="5" name="Picture 4"/>
-          <p:cNvPicPr>
-            <a:picLocks noChangeAspect="1"/>
-          </p:cNvPicPr>
-          <p:nvPr/>
-        </p:nvPicPr>
-        <p:blipFill rotWithShape="1">
-          <a:blip r:embed="rId4"/>
-          <a:srcRect t="8987" b="9172"/>
-          <a:stretch/>
-        </p:blipFill>
-        <p:spPr>
-          <a:xfrm>
-            <a:off x="2289621" y="2330468"/>
-            <a:ext cx="2152950" cy="1153886"/>
-          </a:xfrm>
-          <a:prstGeom prst="rect">
-            <a:avLst/>
-          </a:prstGeom>
-        </p:spPr>
-      </p:pic>
       <p:graphicFrame>
         <p:nvGraphicFramePr>
-          <p:cNvPr id="6" name="Object 5"/>
+          <p:cNvPr id="8" name="Object 7"/>
           <p:cNvGraphicFramePr>
             <a:graphicFrameLocks noChangeAspect="1"/>
           </p:cNvGraphicFramePr>
           <p:nvPr>
             <p:extLst>
               <p:ext uri="{D42A27DB-BD31-4B8C-83A1-F6EECF244321}">
-                <p14:modId xmlns:p14="http://schemas.microsoft.com/office/powerpoint/2010/main" val="3124097030"/>
+                <p14:modId xmlns:p14="http://schemas.microsoft.com/office/powerpoint/2010/main" val="501580223"/>
               </p:ext>
             </p:extLst>
           </p:nvPr>
         </p:nvGraphicFramePr>
         <p:xfrm>
-          <a:off x="7182758" y="3759043"/>
-          <a:ext cx="2249334" cy="671443"/>
+          <a:off x="3234203" y="4527474"/>
+          <a:ext cx="558800" cy="431800"/>
         </p:xfrm>
         <a:graphic>
           <a:graphicData uri="http://schemas.openxmlformats.org/presentationml/2006/ole">
             <mc:AlternateContent xmlns:mc="http://schemas.openxmlformats.org/markup-compatibility/2006">
               <mc:Choice xmlns:v="urn:schemas-microsoft-com:vml" Requires="v">
-                <p:oleObj spid="_x0000_s3103" name="Equation" r:id="rId5" imgW="1701720" imgH="507960" progId="Equation.DSMT4">
+                <p:oleObj spid="_x0000_s3137" name="Equation" r:id="rId3" imgW="558720" imgH="431640" progId="Equation.DSMT4">
                   <p:embed/>
                 </p:oleObj>
               </mc:Choice>
               <mc:Fallback>
-                <p:oleObj name="Equation" r:id="rId5" imgW="1701720" imgH="507960" progId="Equation.DSMT4">
+                <p:oleObj name="Equation" r:id="rId3" imgW="558720" imgH="431640" progId="Equation.DSMT4">
                   <p:embed/>
                   <p:pic>
                     <p:nvPicPr>
@@ -7618,71 +8315,14 @@
                       <p:nvPr/>
                     </p:nvPicPr>
                     <p:blipFill>
-                      <a:blip r:embed="rId6"/>
+                      <a:blip r:embed="rId4"/>
                       <a:stretch>
                         <a:fillRect/>
                       </a:stretch>
                     </p:blipFill>
                     <p:spPr>
                       <a:xfrm>
-                        <a:off x="7182758" y="3759043"/>
-                        <a:ext cx="2249334" cy="671443"/>
-                      </a:xfrm>
-                      <a:prstGeom prst="rect">
-                        <a:avLst/>
-                      </a:prstGeom>
-                    </p:spPr>
-                  </p:pic>
-                </p:oleObj>
-              </mc:Fallback>
-            </mc:AlternateContent>
-          </a:graphicData>
-        </a:graphic>
-      </p:graphicFrame>
-      <p:graphicFrame>
-        <p:nvGraphicFramePr>
-          <p:cNvPr id="8" name="Object 7"/>
-          <p:cNvGraphicFramePr>
-            <a:graphicFrameLocks noChangeAspect="1"/>
-          </p:cNvGraphicFramePr>
-          <p:nvPr>
-            <p:extLst>
-              <p:ext uri="{D42A27DB-BD31-4B8C-83A1-F6EECF244321}">
-                <p14:modId xmlns:p14="http://schemas.microsoft.com/office/powerpoint/2010/main" val="3492041823"/>
-              </p:ext>
-            </p:extLst>
-          </p:nvPr>
-        </p:nvGraphicFramePr>
-        <p:xfrm>
-          <a:off x="2950321" y="3451709"/>
-          <a:ext cx="558800" cy="431800"/>
-        </p:xfrm>
-        <a:graphic>
-          <a:graphicData uri="http://schemas.openxmlformats.org/presentationml/2006/ole">
-            <mc:AlternateContent xmlns:mc="http://schemas.openxmlformats.org/markup-compatibility/2006">
-              <mc:Choice xmlns:v="urn:schemas-microsoft-com:vml" Requires="v">
-                <p:oleObj spid="_x0000_s3104" name="Equation" r:id="rId7" imgW="558720" imgH="431640" progId="Equation.DSMT4">
-                  <p:embed/>
-                </p:oleObj>
-              </mc:Choice>
-              <mc:Fallback>
-                <p:oleObj name="Equation" r:id="rId7" imgW="558720" imgH="431640" progId="Equation.DSMT4">
-                  <p:embed/>
-                  <p:pic>
-                    <p:nvPicPr>
-                      <p:cNvPr id="0" name=""/>
-                      <p:cNvPicPr/>
-                      <p:nvPr/>
-                    </p:nvPicPr>
-                    <p:blipFill>
-                      <a:blip r:embed="rId8"/>
-                      <a:stretch>
-                        <a:fillRect/>
-                      </a:stretch>
-                    </p:blipFill>
-                    <p:spPr>
-                      <a:xfrm>
-                        <a:off x="2950321" y="3451709"/>
+                        <a:off x="3234203" y="4527474"/>
                         <a:ext cx="558800" cy="431800"/>
                       </a:xfrm>
                       <a:prstGeom prst="rect">
@@ -7705,25 +8345,25 @@
           <p:nvPr>
             <p:extLst>
               <p:ext uri="{D42A27DB-BD31-4B8C-83A1-F6EECF244321}">
-                <p14:modId xmlns:p14="http://schemas.microsoft.com/office/powerpoint/2010/main" val="2938098531"/>
+                <p14:modId xmlns:p14="http://schemas.microsoft.com/office/powerpoint/2010/main" val="1161795117"/>
               </p:ext>
             </p:extLst>
           </p:nvPr>
         </p:nvGraphicFramePr>
         <p:xfrm>
-          <a:off x="1506133" y="4651684"/>
-          <a:ext cx="1193800" cy="419100"/>
+          <a:off x="6645897" y="1812861"/>
+          <a:ext cx="1475407" cy="517962"/>
         </p:xfrm>
         <a:graphic>
           <a:graphicData uri="http://schemas.openxmlformats.org/presentationml/2006/ole">
             <mc:AlternateContent xmlns:mc="http://schemas.openxmlformats.org/markup-compatibility/2006">
               <mc:Choice xmlns:v="urn:schemas-microsoft-com:vml" Requires="v">
-                <p:oleObj spid="_x0000_s3105" name="Equation" r:id="rId9" imgW="1193760" imgH="419040" progId="Equation.DSMT4">
+                <p:oleObj spid="_x0000_s3138" name="Equation" r:id="rId5" imgW="1193760" imgH="419040" progId="Equation.DSMT4">
                   <p:embed/>
                 </p:oleObj>
               </mc:Choice>
               <mc:Fallback>
-                <p:oleObj name="Equation" r:id="rId9" imgW="1193760" imgH="419040" progId="Equation.DSMT4">
+                <p:oleObj name="Equation" r:id="rId5" imgW="1193760" imgH="419040" progId="Equation.DSMT4">
                   <p:embed/>
                   <p:pic>
                     <p:nvPicPr>
@@ -7732,15 +8372,15 @@
                       <p:nvPr/>
                     </p:nvPicPr>
                     <p:blipFill>
-                      <a:blip r:embed="rId10"/>
+                      <a:blip r:embed="rId6"/>
                       <a:stretch>
                         <a:fillRect/>
                       </a:stretch>
                     </p:blipFill>
                     <p:spPr>
                       <a:xfrm>
-                        <a:off x="1506133" y="4651684"/>
-                        <a:ext cx="1193800" cy="419100"/>
+                        <a:off x="6645897" y="1812861"/>
+                        <a:ext cx="1475407" cy="517962"/>
                       </a:xfrm>
                       <a:prstGeom prst="rect">
                         <a:avLst/>
@@ -7762,25 +8402,25 @@
           <p:nvPr>
             <p:extLst>
               <p:ext uri="{D42A27DB-BD31-4B8C-83A1-F6EECF244321}">
-                <p14:modId xmlns:p14="http://schemas.microsoft.com/office/powerpoint/2010/main" val="481818793"/>
+                <p14:modId xmlns:p14="http://schemas.microsoft.com/office/powerpoint/2010/main" val="955786585"/>
               </p:ext>
             </p:extLst>
           </p:nvPr>
         </p:nvGraphicFramePr>
         <p:xfrm>
-          <a:off x="3154635" y="4605595"/>
-          <a:ext cx="2425700" cy="419100"/>
+          <a:off x="6654730" y="2495176"/>
+          <a:ext cx="3139016" cy="542343"/>
         </p:xfrm>
         <a:graphic>
           <a:graphicData uri="http://schemas.openxmlformats.org/presentationml/2006/ole">
             <mc:AlternateContent xmlns:mc="http://schemas.openxmlformats.org/markup-compatibility/2006">
               <mc:Choice xmlns:v="urn:schemas-microsoft-com:vml" Requires="v">
-                <p:oleObj spid="_x0000_s3106" name="Equation" r:id="rId11" imgW="2425680" imgH="419040" progId="Equation.DSMT4">
+                <p:oleObj spid="_x0000_s3139" name="Equation" r:id="rId7" imgW="2425680" imgH="419040" progId="Equation.DSMT4">
                   <p:embed/>
                 </p:oleObj>
               </mc:Choice>
               <mc:Fallback>
-                <p:oleObj name="Equation" r:id="rId11" imgW="2425680" imgH="419040" progId="Equation.DSMT4">
+                <p:oleObj name="Equation" r:id="rId7" imgW="2425680" imgH="419040" progId="Equation.DSMT4">
                   <p:embed/>
                   <p:pic>
                     <p:nvPicPr>
@@ -7789,15 +8429,15 @@
                       <p:nvPr/>
                     </p:nvPicPr>
                     <p:blipFill>
-                      <a:blip r:embed="rId12"/>
+                      <a:blip r:embed="rId8"/>
                       <a:stretch>
                         <a:fillRect/>
                       </a:stretch>
                     </p:blipFill>
                     <p:spPr>
                       <a:xfrm>
-                        <a:off x="3154635" y="4605595"/>
-                        <a:ext cx="2425700" cy="419100"/>
+                        <a:off x="6654730" y="2495176"/>
+                        <a:ext cx="3139016" cy="542343"/>
                       </a:xfrm>
                       <a:prstGeom prst="rect">
                         <a:avLst/>
@@ -7819,25 +8459,25 @@
           <p:nvPr>
             <p:extLst>
               <p:ext uri="{D42A27DB-BD31-4B8C-83A1-F6EECF244321}">
-                <p14:modId xmlns:p14="http://schemas.microsoft.com/office/powerpoint/2010/main" val="3130042922"/>
+                <p14:modId xmlns:p14="http://schemas.microsoft.com/office/powerpoint/2010/main" val="3310869107"/>
               </p:ext>
             </p:extLst>
           </p:nvPr>
         </p:nvGraphicFramePr>
         <p:xfrm>
-          <a:off x="2613771" y="5242770"/>
-          <a:ext cx="673100" cy="431800"/>
+          <a:off x="7973088" y="3137646"/>
+          <a:ext cx="856959" cy="549747"/>
         </p:xfrm>
         <a:graphic>
           <a:graphicData uri="http://schemas.openxmlformats.org/presentationml/2006/ole">
             <mc:AlternateContent xmlns:mc="http://schemas.openxmlformats.org/markup-compatibility/2006">
               <mc:Choice xmlns:v="urn:schemas-microsoft-com:vml" Requires="v">
-                <p:oleObj spid="_x0000_s3107" name="Equation" r:id="rId13" imgW="672840" imgH="431640" progId="Equation.DSMT4">
+                <p:oleObj spid="_x0000_s3140" name="Equation" r:id="rId9" imgW="672840" imgH="431640" progId="Equation.DSMT4">
                   <p:embed/>
                 </p:oleObj>
               </mc:Choice>
               <mc:Fallback>
-                <p:oleObj name="Equation" r:id="rId13" imgW="672840" imgH="431640" progId="Equation.DSMT4">
+                <p:oleObj name="Equation" r:id="rId9" imgW="672840" imgH="431640" progId="Equation.DSMT4">
                   <p:embed/>
                   <p:pic>
                     <p:nvPicPr>
@@ -7846,15 +8486,15 @@
                       <p:nvPr/>
                     </p:nvPicPr>
                     <p:blipFill>
-                      <a:blip r:embed="rId14"/>
+                      <a:blip r:embed="rId10"/>
                       <a:stretch>
                         <a:fillRect/>
                       </a:stretch>
                     </p:blipFill>
                     <p:spPr>
                       <a:xfrm>
-                        <a:off x="2613771" y="5242770"/>
-                        <a:ext cx="673100" cy="431800"/>
+                        <a:off x="7973088" y="3137646"/>
+                        <a:ext cx="856959" cy="549747"/>
                       </a:xfrm>
                       <a:prstGeom prst="rect">
                         <a:avLst/>
@@ -7867,6 +8507,36 @@
           </a:graphicData>
         </a:graphic>
       </p:graphicFrame>
+      <p:pic>
+        <p:nvPicPr>
+          <p:cNvPr id="7" name="Picture 6" descr="blockmodel.png"/>
+          <p:cNvPicPr>
+            <a:picLocks noChangeAspect="1"/>
+          </p:cNvPicPr>
+          <p:nvPr/>
+        </p:nvPicPr>
+        <p:blipFill>
+          <a:blip r:embed="rId11">
+            <a:extLst>
+              <a:ext uri="{28A0092B-C50C-407E-A947-70E740481C1C}">
+                <a14:useLocalDpi xmlns:a14="http://schemas.microsoft.com/office/drawing/2010/main" val="0"/>
+              </a:ext>
+            </a:extLst>
+          </a:blip>
+          <a:stretch>
+            <a:fillRect/>
+          </a:stretch>
+        </p:blipFill>
+        <p:spPr>
+          <a:xfrm>
+            <a:off x="2222498" y="2777563"/>
+            <a:ext cx="2626073" cy="1719729"/>
+          </a:xfrm>
+          <a:prstGeom prst="rect">
+            <a:avLst/>
+          </a:prstGeom>
+        </p:spPr>
+      </p:pic>
     </p:spTree>
     <p:extLst>
       <p:ext uri="{BB962C8B-B14F-4D97-AF65-F5344CB8AC3E}">
@@ -7880,1119 +8550,10 @@
   <p:timing>
     <p:tnLst>
       <p:par>
-        <p:cTn id="1" dur="indefinite" restart="never" nodeType="tmRoot"/>
+        <p:cTn xmlns:p14="http://schemas.microsoft.com/office/powerpoint/2010/main" id="1" dur="indefinite" restart="never" nodeType="tmRoot"/>
       </p:par>
     </p:tnLst>
   </p:timing>
-</p:sld>
-</file>
-
-<file path=ppt/slides/slide18.xml><?xml version="1.0" encoding="utf-8"?>
-<p:sld xmlns:a="http://schemas.openxmlformats.org/drawingml/2006/main" xmlns:r="http://schemas.openxmlformats.org/officeDocument/2006/relationships" xmlns:p="http://schemas.openxmlformats.org/presentationml/2006/main">
-  <p:cSld>
-    <p:spTree>
-      <p:nvGrpSpPr>
-        <p:cNvPr id="1" name=""/>
-        <p:cNvGrpSpPr/>
-        <p:nvPr/>
-      </p:nvGrpSpPr>
-      <p:grpSpPr>
-        <a:xfrm>
-          <a:off x="0" y="0"/>
-          <a:ext cx="0" cy="0"/>
-          <a:chOff x="0" y="0"/>
-          <a:chExt cx="0" cy="0"/>
-        </a:xfrm>
-      </p:grpSpPr>
-      <p:sp>
-        <p:nvSpPr>
-          <p:cNvPr id="2" name="Title 1"/>
-          <p:cNvSpPr>
-            <a:spLocks noGrp="1"/>
-          </p:cNvSpPr>
-          <p:nvPr>
-            <p:ph type="title"/>
-          </p:nvPr>
-        </p:nvSpPr>
-        <p:spPr/>
-        <p:txBody>
-          <a:bodyPr>
-            <a:normAutofit/>
-          </a:bodyPr>
-          <a:lstStyle/>
-          <a:p>
-            <a:r>
-              <a:rPr lang="en-US" dirty="0" smtClean="0"/>
-              <a:t>Statistical Models</a:t>
-            </a:r>
-            <a:endParaRPr lang="en-US" dirty="0"/>
-          </a:p>
-        </p:txBody>
-      </p:sp>
-      <p:sp>
-        <p:nvSpPr>
-          <p:cNvPr id="3" name="Content Placeholder 2"/>
-          <p:cNvSpPr>
-            <a:spLocks noGrp="1"/>
-          </p:cNvSpPr>
-          <p:nvPr>
-            <p:ph sz="half" idx="1"/>
-          </p:nvPr>
-        </p:nvSpPr>
-        <p:spPr/>
-        <p:txBody>
-          <a:bodyPr/>
-          <a:lstStyle/>
-          <a:p>
-            <a:r>
-              <a:rPr lang="en-US" b="1" dirty="0" smtClean="0"/>
-              <a:t>Logistic regression</a:t>
-            </a:r>
-          </a:p>
-          <a:p>
-            <a:pPr lvl="1"/>
-            <a:r>
-              <a:rPr lang="en-US" dirty="0" smtClean="0"/>
-              <a:t>Model the effect of binary covariates on the likelihood of ties</a:t>
-            </a:r>
-          </a:p>
-          <a:p>
-            <a:pPr lvl="1"/>
-            <a:endParaRPr lang="en-US" dirty="0"/>
-          </a:p>
-          <a:p>
-            <a:pPr marL="566928" lvl="3" indent="0">
-              <a:buNone/>
-            </a:pPr>
-            <a:endParaRPr lang="en-US" sz="1600" dirty="0"/>
-          </a:p>
-          <a:p>
-            <a:pPr marL="566928" lvl="3" indent="0">
-              <a:buNone/>
-            </a:pPr>
-            <a:endParaRPr lang="en-US" dirty="0" smtClean="0"/>
-          </a:p>
-          <a:p>
-            <a:pPr marL="566928" lvl="3" indent="0">
-              <a:buNone/>
-            </a:pPr>
-            <a:r>
-              <a:rPr lang="en-US" sz="1600" dirty="0" smtClean="0"/>
-              <a:t>where </a:t>
-            </a:r>
-            <a:r>
-              <a:rPr lang="en-US" sz="1600" i="1" dirty="0" smtClean="0">
-                <a:latin typeface="Times New Roman" panose="02020603050405020304" pitchFamily="18" charset="0"/>
-                <a:cs typeface="Times New Roman" panose="02020603050405020304" pitchFamily="18" charset="0"/>
-              </a:rPr>
-              <a:t>x</a:t>
-            </a:r>
-            <a:r>
-              <a:rPr lang="en-US" sz="1600" i="1" baseline="-25000" dirty="0" smtClean="0">
-                <a:latin typeface="Times New Roman" panose="02020603050405020304" pitchFamily="18" charset="0"/>
-                <a:cs typeface="Times New Roman" panose="02020603050405020304" pitchFamily="18" charset="0"/>
-              </a:rPr>
-              <a:t>i</a:t>
-            </a:r>
-            <a:r>
-              <a:rPr lang="en-US" sz="1600" dirty="0" smtClean="0"/>
-              <a:t> is the value of a covariate for node </a:t>
-            </a:r>
-            <a:r>
-              <a:rPr lang="en-US" sz="1600" i="1" dirty="0" err="1" smtClean="0">
-                <a:latin typeface="Times New Roman" panose="02020603050405020304" pitchFamily="18" charset="0"/>
-                <a:cs typeface="Times New Roman" panose="02020603050405020304" pitchFamily="18" charset="0"/>
-              </a:rPr>
-              <a:t>i</a:t>
-            </a:r>
-            <a:r>
-              <a:rPr lang="en-US" sz="1600" dirty="0" smtClean="0"/>
-              <a:t>, and </a:t>
-            </a:r>
-            <a:r>
-              <a:rPr lang="en-US" sz="1600" i="1" dirty="0" err="1" smtClean="0">
-                <a:latin typeface="Times New Roman" panose="02020603050405020304" pitchFamily="18" charset="0"/>
-                <a:cs typeface="Times New Roman" panose="02020603050405020304" pitchFamily="18" charset="0"/>
-              </a:rPr>
-              <a:t>x</a:t>
-            </a:r>
-            <a:r>
-              <a:rPr lang="en-US" sz="1600" i="1" baseline="-25000" dirty="0" err="1" smtClean="0">
-                <a:latin typeface="Times New Roman" panose="02020603050405020304" pitchFamily="18" charset="0"/>
-                <a:cs typeface="Times New Roman" panose="02020603050405020304" pitchFamily="18" charset="0"/>
-              </a:rPr>
-              <a:t>j</a:t>
-            </a:r>
-            <a:r>
-              <a:rPr lang="en-US" sz="1600" dirty="0" smtClean="0"/>
-              <a:t> is the value for node </a:t>
-            </a:r>
-            <a:r>
-              <a:rPr lang="en-US" sz="1600" i="1" dirty="0" smtClean="0">
-                <a:latin typeface="Times New Roman" panose="02020603050405020304" pitchFamily="18" charset="0"/>
-                <a:cs typeface="Times New Roman" panose="02020603050405020304" pitchFamily="18" charset="0"/>
-              </a:rPr>
-              <a:t>j</a:t>
-            </a:r>
-            <a:endParaRPr lang="en-US" sz="1200" i="1" dirty="0" smtClean="0">
-              <a:latin typeface="Times New Roman" panose="02020603050405020304" pitchFamily="18" charset="0"/>
-              <a:cs typeface="Times New Roman" panose="02020603050405020304" pitchFamily="18" charset="0"/>
-            </a:endParaRPr>
-          </a:p>
-          <a:p>
-            <a:pPr marL="566928" lvl="3" indent="0">
-              <a:buNone/>
-            </a:pPr>
-            <a:endParaRPr lang="en-US" sz="1200" i="1" dirty="0" smtClean="0">
-              <a:latin typeface="Times New Roman" panose="02020603050405020304" pitchFamily="18" charset="0"/>
-              <a:cs typeface="Times New Roman" panose="02020603050405020304" pitchFamily="18" charset="0"/>
-            </a:endParaRPr>
-          </a:p>
-          <a:p>
-            <a:pPr lvl="1"/>
-            <a:r>
-              <a:rPr lang="el-GR" i="1" dirty="0" smtClean="0">
-                <a:latin typeface="Times New Roman" panose="02020603050405020304" pitchFamily="18" charset="0"/>
-                <a:cs typeface="Times New Roman" panose="02020603050405020304" pitchFamily="18" charset="0"/>
-              </a:rPr>
-              <a:t>β</a:t>
-            </a:r>
-            <a:r>
-              <a:rPr lang="en-US" i="1" baseline="-25000" dirty="0" smtClean="0">
-                <a:latin typeface="Times New Roman" panose="02020603050405020304" pitchFamily="18" charset="0"/>
-                <a:cs typeface="Times New Roman" panose="02020603050405020304" pitchFamily="18" charset="0"/>
-              </a:rPr>
-              <a:t>0</a:t>
-            </a:r>
-            <a:r>
-              <a:rPr lang="en-US" dirty="0" smtClean="0"/>
-              <a:t> is the baseline log odds of a tie when </a:t>
-            </a:r>
-            <a:r>
-              <a:rPr lang="en-US" i="1" dirty="0" smtClean="0">
-                <a:latin typeface="Times New Roman" panose="02020603050405020304" pitchFamily="18" charset="0"/>
-                <a:cs typeface="Times New Roman" panose="02020603050405020304" pitchFamily="18" charset="0"/>
-              </a:rPr>
-              <a:t>x</a:t>
-            </a:r>
-            <a:r>
-              <a:rPr lang="en-US" i="1" baseline="-25000" dirty="0" smtClean="0">
-                <a:latin typeface="Times New Roman" panose="02020603050405020304" pitchFamily="18" charset="0"/>
-                <a:cs typeface="Times New Roman" panose="02020603050405020304" pitchFamily="18" charset="0"/>
-              </a:rPr>
-              <a:t>i</a:t>
-            </a:r>
-            <a:r>
-              <a:rPr lang="en-US" i="1" dirty="0" smtClean="0">
-                <a:latin typeface="Times New Roman" panose="02020603050405020304" pitchFamily="18" charset="0"/>
-                <a:cs typeface="Times New Roman" panose="02020603050405020304" pitchFamily="18" charset="0"/>
-              </a:rPr>
-              <a:t>=</a:t>
-            </a:r>
-            <a:r>
-              <a:rPr lang="en-US" i="1" dirty="0" err="1" smtClean="0">
-                <a:latin typeface="Times New Roman" panose="02020603050405020304" pitchFamily="18" charset="0"/>
-                <a:cs typeface="Times New Roman" panose="02020603050405020304" pitchFamily="18" charset="0"/>
-              </a:rPr>
-              <a:t>x</a:t>
-            </a:r>
-            <a:r>
-              <a:rPr lang="en-US" i="1" baseline="-25000" dirty="0" err="1" smtClean="0">
-                <a:latin typeface="Times New Roman" panose="02020603050405020304" pitchFamily="18" charset="0"/>
-                <a:cs typeface="Times New Roman" panose="02020603050405020304" pitchFamily="18" charset="0"/>
-              </a:rPr>
-              <a:t>j</a:t>
-            </a:r>
-            <a:r>
-              <a:rPr lang="en-US" i="1" dirty="0" smtClean="0">
-                <a:latin typeface="Times New Roman" panose="02020603050405020304" pitchFamily="18" charset="0"/>
-                <a:cs typeface="Times New Roman" panose="02020603050405020304" pitchFamily="18" charset="0"/>
-              </a:rPr>
-              <a:t>=0</a:t>
-            </a:r>
-          </a:p>
-          <a:p>
-            <a:pPr lvl="1"/>
-            <a:r>
-              <a:rPr lang="el-GR" i="1" dirty="0" smtClean="0">
-                <a:latin typeface="Times New Roman" panose="02020603050405020304" pitchFamily="18" charset="0"/>
-                <a:cs typeface="Times New Roman" panose="02020603050405020304" pitchFamily="18" charset="0"/>
-              </a:rPr>
-              <a:t>β</a:t>
-            </a:r>
-            <a:r>
-              <a:rPr lang="en-US" i="1" baseline="-25000" dirty="0" smtClean="0">
-                <a:latin typeface="Times New Roman" panose="02020603050405020304" pitchFamily="18" charset="0"/>
-                <a:cs typeface="Times New Roman" panose="02020603050405020304" pitchFamily="18" charset="0"/>
-              </a:rPr>
-              <a:t>1</a:t>
-            </a:r>
-            <a:r>
-              <a:rPr lang="en-US" dirty="0" smtClean="0"/>
-              <a:t> represents the “effect” of </a:t>
-            </a:r>
-            <a:r>
-              <a:rPr lang="en-US" i="1" dirty="0" smtClean="0">
-                <a:latin typeface="Times New Roman" panose="02020603050405020304" pitchFamily="18" charset="0"/>
-                <a:cs typeface="Times New Roman" panose="02020603050405020304" pitchFamily="18" charset="0"/>
-              </a:rPr>
-              <a:t>x</a:t>
-            </a:r>
-            <a:r>
-              <a:rPr lang="en-US" i="1" baseline="-25000" dirty="0" smtClean="0">
-                <a:latin typeface="Times New Roman" panose="02020603050405020304" pitchFamily="18" charset="0"/>
-                <a:cs typeface="Times New Roman" panose="02020603050405020304" pitchFamily="18" charset="0"/>
-              </a:rPr>
-              <a:t>i</a:t>
-            </a:r>
-          </a:p>
-          <a:p>
-            <a:pPr lvl="1"/>
-            <a:r>
-              <a:rPr lang="el-GR" i="1" dirty="0" smtClean="0">
-                <a:latin typeface="Times New Roman" panose="02020603050405020304" pitchFamily="18" charset="0"/>
-                <a:cs typeface="Times New Roman" panose="02020603050405020304" pitchFamily="18" charset="0"/>
-              </a:rPr>
-              <a:t>β</a:t>
-            </a:r>
-            <a:r>
-              <a:rPr lang="en-US" i="1" baseline="-25000" dirty="0" smtClean="0">
-                <a:latin typeface="Times New Roman" panose="02020603050405020304" pitchFamily="18" charset="0"/>
-                <a:cs typeface="Times New Roman" panose="02020603050405020304" pitchFamily="18" charset="0"/>
-              </a:rPr>
-              <a:t>2</a:t>
-            </a:r>
-            <a:r>
-              <a:rPr lang="en-US" dirty="0" smtClean="0"/>
-              <a:t> </a:t>
-            </a:r>
-            <a:r>
-              <a:rPr lang="en-US" dirty="0"/>
-              <a:t>represents the “effect” of </a:t>
-            </a:r>
-            <a:r>
-              <a:rPr lang="en-US" i="1" dirty="0" err="1" smtClean="0">
-                <a:latin typeface="Times New Roman" panose="02020603050405020304" pitchFamily="18" charset="0"/>
-                <a:cs typeface="Times New Roman" panose="02020603050405020304" pitchFamily="18" charset="0"/>
-              </a:rPr>
-              <a:t>x</a:t>
-            </a:r>
-            <a:r>
-              <a:rPr lang="en-US" i="1" baseline="-25000" dirty="0" err="1" smtClean="0">
-                <a:latin typeface="Times New Roman" panose="02020603050405020304" pitchFamily="18" charset="0"/>
-                <a:cs typeface="Times New Roman" panose="02020603050405020304" pitchFamily="18" charset="0"/>
-              </a:rPr>
-              <a:t>j</a:t>
-            </a:r>
-            <a:endParaRPr lang="en-US" i="1" baseline="-25000" dirty="0">
-              <a:latin typeface="Times New Roman" panose="02020603050405020304" pitchFamily="18" charset="0"/>
-              <a:cs typeface="Times New Roman" panose="02020603050405020304" pitchFamily="18" charset="0"/>
-            </a:endParaRPr>
-          </a:p>
-          <a:p>
-            <a:pPr lvl="1"/>
-            <a:r>
-              <a:rPr lang="el-GR" i="1" dirty="0">
-                <a:latin typeface="Times New Roman" panose="02020603050405020304" pitchFamily="18" charset="0"/>
-                <a:cs typeface="Times New Roman" panose="02020603050405020304" pitchFamily="18" charset="0"/>
-              </a:rPr>
-              <a:t>β</a:t>
-            </a:r>
-            <a:r>
-              <a:rPr lang="en-US" i="1" baseline="-25000" dirty="0" smtClean="0">
-                <a:latin typeface="Times New Roman" panose="02020603050405020304" pitchFamily="18" charset="0"/>
-                <a:cs typeface="Times New Roman" panose="02020603050405020304" pitchFamily="18" charset="0"/>
-              </a:rPr>
-              <a:t>12</a:t>
-            </a:r>
-            <a:r>
-              <a:rPr lang="en-US" dirty="0" smtClean="0"/>
-              <a:t> </a:t>
-            </a:r>
-            <a:r>
-              <a:rPr lang="en-US" dirty="0"/>
-              <a:t>represents the </a:t>
-            </a:r>
-            <a:r>
-              <a:rPr lang="en-US" dirty="0" smtClean="0"/>
-              <a:t>effect of the interaction </a:t>
-            </a:r>
-            <a:r>
-              <a:rPr lang="en-US" i="1" dirty="0" smtClean="0">
-                <a:latin typeface="Times New Roman" panose="02020603050405020304" pitchFamily="18" charset="0"/>
-                <a:cs typeface="Times New Roman" panose="02020603050405020304" pitchFamily="18" charset="0"/>
-              </a:rPr>
-              <a:t>x</a:t>
-            </a:r>
-            <a:r>
-              <a:rPr lang="en-US" i="1" baseline="-25000" dirty="0" smtClean="0">
-                <a:latin typeface="Times New Roman" panose="02020603050405020304" pitchFamily="18" charset="0"/>
-                <a:cs typeface="Times New Roman" panose="02020603050405020304" pitchFamily="18" charset="0"/>
-              </a:rPr>
-              <a:t>i</a:t>
-            </a:r>
-            <a:r>
-              <a:rPr lang="en-US" i="1" dirty="0">
-                <a:latin typeface="Times New Roman" panose="02020603050405020304" pitchFamily="18" charset="0"/>
-                <a:cs typeface="Times New Roman" panose="02020603050405020304" pitchFamily="18" charset="0"/>
-              </a:rPr>
-              <a:t> </a:t>
-            </a:r>
-            <a:r>
-              <a:rPr lang="en-US" i="1" dirty="0" err="1" smtClean="0">
-                <a:latin typeface="Times New Roman" panose="02020603050405020304" pitchFamily="18" charset="0"/>
-                <a:cs typeface="Times New Roman" panose="02020603050405020304" pitchFamily="18" charset="0"/>
-              </a:rPr>
-              <a:t>x</a:t>
-            </a:r>
-            <a:r>
-              <a:rPr lang="en-US" i="1" baseline="-25000" dirty="0" err="1" smtClean="0">
-                <a:latin typeface="Times New Roman" panose="02020603050405020304" pitchFamily="18" charset="0"/>
-                <a:cs typeface="Times New Roman" panose="02020603050405020304" pitchFamily="18" charset="0"/>
-              </a:rPr>
-              <a:t>j</a:t>
-            </a:r>
-            <a:endParaRPr lang="en-US" i="1" baseline="-25000" dirty="0">
-              <a:latin typeface="Times New Roman" panose="02020603050405020304" pitchFamily="18" charset="0"/>
-              <a:cs typeface="Times New Roman" panose="02020603050405020304" pitchFamily="18" charset="0"/>
-            </a:endParaRPr>
-          </a:p>
-          <a:p>
-            <a:pPr lvl="1"/>
-            <a:endParaRPr lang="en-US" i="1" baseline="-25000" dirty="0" smtClean="0">
-              <a:latin typeface="Times New Roman" panose="02020603050405020304" pitchFamily="18" charset="0"/>
-              <a:cs typeface="Times New Roman" panose="02020603050405020304" pitchFamily="18" charset="0"/>
-            </a:endParaRPr>
-          </a:p>
-        </p:txBody>
-      </p:sp>
-      <p:sp>
-        <p:nvSpPr>
-          <p:cNvPr id="4" name="Content Placeholder 3"/>
-          <p:cNvSpPr>
-            <a:spLocks noGrp="1"/>
-          </p:cNvSpPr>
-          <p:nvPr>
-            <p:ph sz="half" idx="2"/>
-          </p:nvPr>
-        </p:nvSpPr>
-        <p:spPr/>
-        <p:txBody>
-          <a:bodyPr/>
-          <a:lstStyle/>
-          <a:p>
-            <a:r>
-              <a:rPr lang="en-US" dirty="0" smtClean="0">
-                <a:solidFill>
-                  <a:srgbClr val="3366FF"/>
-                </a:solidFill>
-              </a:rPr>
-              <a:t>Interactive:</a:t>
-            </a:r>
-            <a:r>
-              <a:rPr lang="en-US" dirty="0" smtClean="0"/>
-              <a:t> Fit this model in </a:t>
-            </a:r>
-            <a:r>
-              <a:rPr lang="en-US" dirty="0" err="1" smtClean="0"/>
-              <a:t>statnetWeb</a:t>
-            </a:r>
-            <a:r>
-              <a:rPr lang="en-US" dirty="0" smtClean="0"/>
-              <a:t>.</a:t>
-            </a:r>
-          </a:p>
-          <a:p>
-            <a:pPr lvl="1"/>
-            <a:r>
-              <a:rPr lang="en-US" dirty="0" smtClean="0"/>
-              <a:t>On the “Fit Model” page enter </a:t>
-            </a:r>
-            <a:r>
-              <a:rPr lang="en-US" dirty="0"/>
-              <a:t>as the </a:t>
-            </a:r>
-            <a:r>
-              <a:rPr lang="en-US" dirty="0" err="1"/>
-              <a:t>ergm</a:t>
-            </a:r>
-            <a:r>
-              <a:rPr lang="en-US" dirty="0"/>
-              <a:t> </a:t>
-            </a:r>
-            <a:r>
-              <a:rPr lang="en-US" dirty="0" smtClean="0"/>
-              <a:t>formula:</a:t>
-            </a:r>
-          </a:p>
-          <a:p>
-            <a:pPr marL="201168" lvl="1" indent="0">
-              <a:buNone/>
-            </a:pPr>
-            <a:r>
-              <a:rPr lang="en-US" sz="1400" dirty="0" smtClean="0">
-                <a:latin typeface="Courier New" panose="02070309020205020404" pitchFamily="49" charset="0"/>
-                <a:cs typeface="Courier New" panose="02070309020205020404" pitchFamily="49" charset="0"/>
-              </a:rPr>
-              <a:t>edges </a:t>
-            </a:r>
-            <a:r>
-              <a:rPr lang="en-US" sz="1400" dirty="0">
-                <a:latin typeface="Courier New" panose="02070309020205020404" pitchFamily="49" charset="0"/>
-                <a:cs typeface="Courier New" panose="02070309020205020404" pitchFamily="49" charset="0"/>
-              </a:rPr>
-              <a:t>+ </a:t>
-            </a:r>
-            <a:r>
-              <a:rPr lang="en-US" sz="1400" dirty="0" err="1">
-                <a:latin typeface="Courier New" panose="02070309020205020404" pitchFamily="49" charset="0"/>
-                <a:cs typeface="Courier New" panose="02070309020205020404" pitchFamily="49" charset="0"/>
-              </a:rPr>
-              <a:t>nodefactor</a:t>
-            </a:r>
-            <a:r>
-              <a:rPr lang="en-US" sz="1400" dirty="0">
-                <a:latin typeface="Courier New" panose="02070309020205020404" pitchFamily="49" charset="0"/>
-                <a:cs typeface="Courier New" panose="02070309020205020404" pitchFamily="49" charset="0"/>
-              </a:rPr>
-              <a:t>("Sex") + </a:t>
-            </a:r>
-            <a:r>
-              <a:rPr lang="en-US" sz="1400" dirty="0" err="1">
-                <a:latin typeface="Courier New" panose="02070309020205020404" pitchFamily="49" charset="0"/>
-                <a:cs typeface="Courier New" panose="02070309020205020404" pitchFamily="49" charset="0"/>
-              </a:rPr>
-              <a:t>nodematch</a:t>
-            </a:r>
-            <a:r>
-              <a:rPr lang="en-US" sz="1400" dirty="0">
-                <a:latin typeface="Courier New" panose="02070309020205020404" pitchFamily="49" charset="0"/>
-                <a:cs typeface="Courier New" panose="02070309020205020404" pitchFamily="49" charset="0"/>
-              </a:rPr>
-              <a:t>("</a:t>
-            </a:r>
-            <a:r>
-              <a:rPr lang="en-US" sz="1400" dirty="0" err="1">
-                <a:latin typeface="Courier New" panose="02070309020205020404" pitchFamily="49" charset="0"/>
-                <a:cs typeface="Courier New" panose="02070309020205020404" pitchFamily="49" charset="0"/>
-              </a:rPr>
-              <a:t>Sex",diff</a:t>
-            </a:r>
-            <a:r>
-              <a:rPr lang="en-US" sz="1400" dirty="0">
-                <a:latin typeface="Courier New" panose="02070309020205020404" pitchFamily="49" charset="0"/>
-                <a:cs typeface="Courier New" panose="02070309020205020404" pitchFamily="49" charset="0"/>
-              </a:rPr>
-              <a:t>=</a:t>
-            </a:r>
-            <a:r>
-              <a:rPr lang="en-US" sz="1400" dirty="0" err="1">
-                <a:latin typeface="Courier New" panose="02070309020205020404" pitchFamily="49" charset="0"/>
-                <a:cs typeface="Courier New" panose="02070309020205020404" pitchFamily="49" charset="0"/>
-              </a:rPr>
-              <a:t>TRUE,keep</a:t>
-            </a:r>
-            <a:r>
-              <a:rPr lang="en-US" sz="1400" dirty="0">
-                <a:latin typeface="Courier New" panose="02070309020205020404" pitchFamily="49" charset="0"/>
-                <a:cs typeface="Courier New" panose="02070309020205020404" pitchFamily="49" charset="0"/>
-              </a:rPr>
-              <a:t>=2))</a:t>
-            </a:r>
-            <a:r>
-              <a:rPr lang="en-US" sz="1400" dirty="0" smtClean="0">
-                <a:latin typeface="Courier New" panose="02070309020205020404" pitchFamily="49" charset="0"/>
-                <a:cs typeface="Courier New" panose="02070309020205020404" pitchFamily="49" charset="0"/>
-              </a:rPr>
-              <a:t> </a:t>
-            </a:r>
-          </a:p>
-          <a:p>
-            <a:pPr lvl="2"/>
-            <a:r>
-              <a:rPr lang="en-US" dirty="0" smtClean="0"/>
-              <a:t>We can do this because logistic regression models are ERGMs! More on this later.</a:t>
-            </a:r>
-          </a:p>
-        </p:txBody>
-      </p:sp>
-      <p:graphicFrame>
-        <p:nvGraphicFramePr>
-          <p:cNvPr id="6" name="Object 5"/>
-          <p:cNvGraphicFramePr>
-            <a:graphicFrameLocks noChangeAspect="1"/>
-          </p:cNvGraphicFramePr>
-          <p:nvPr>
-            <p:extLst>
-              <p:ext uri="{D42A27DB-BD31-4B8C-83A1-F6EECF244321}">
-                <p14:modId xmlns:p14="http://schemas.microsoft.com/office/powerpoint/2010/main" val="1181922507"/>
-              </p:ext>
-            </p:extLst>
-          </p:nvPr>
-        </p:nvGraphicFramePr>
-        <p:xfrm>
-          <a:off x="1588072" y="2329543"/>
-          <a:ext cx="4044414" cy="598714"/>
-        </p:xfrm>
-        <a:graphic>
-          <a:graphicData uri="http://schemas.openxmlformats.org/presentationml/2006/ole">
-            <mc:AlternateContent xmlns:mc="http://schemas.openxmlformats.org/markup-compatibility/2006">
-              <mc:Choice xmlns:v="urn:schemas-microsoft-com:vml" Requires="v">
-                <p:oleObj spid="_x0000_s4102" name="Equation" r:id="rId3" imgW="3174840" imgH="469800" progId="Equation.DSMT4">
-                  <p:embed/>
-                </p:oleObj>
-              </mc:Choice>
-              <mc:Fallback>
-                <p:oleObj name="Equation" r:id="rId3" imgW="3174840" imgH="469800" progId="Equation.DSMT4">
-                  <p:embed/>
-                  <p:pic>
-                    <p:nvPicPr>
-                      <p:cNvPr id="0" name=""/>
-                      <p:cNvPicPr/>
-                      <p:nvPr/>
-                    </p:nvPicPr>
-                    <p:blipFill>
-                      <a:blip r:embed="rId4"/>
-                      <a:stretch>
-                        <a:fillRect/>
-                      </a:stretch>
-                    </p:blipFill>
-                    <p:spPr>
-                      <a:xfrm>
-                        <a:off x="1588072" y="2329543"/>
-                        <a:ext cx="4044414" cy="598714"/>
-                      </a:xfrm>
-                      <a:prstGeom prst="rect">
-                        <a:avLst/>
-                      </a:prstGeom>
-                    </p:spPr>
-                  </p:pic>
-                </p:oleObj>
-              </mc:Fallback>
-            </mc:AlternateContent>
-          </a:graphicData>
-        </a:graphic>
-      </p:graphicFrame>
-    </p:spTree>
-    <p:extLst>
-      <p:ext uri="{BB962C8B-B14F-4D97-AF65-F5344CB8AC3E}">
-        <p14:creationId xmlns:p14="http://schemas.microsoft.com/office/powerpoint/2010/main" val="725866759"/>
-      </p:ext>
-    </p:extLst>
-  </p:cSld>
-  <p:clrMapOvr>
-    <a:masterClrMapping/>
-  </p:clrMapOvr>
-</p:sld>
-</file>
-
-<file path=ppt/slides/slide19.xml><?xml version="1.0" encoding="utf-8"?>
-<p:sld xmlns:a="http://schemas.openxmlformats.org/drawingml/2006/main" xmlns:r="http://schemas.openxmlformats.org/officeDocument/2006/relationships" xmlns:p="http://schemas.openxmlformats.org/presentationml/2006/main">
-  <p:cSld>
-    <p:spTree>
-      <p:nvGrpSpPr>
-        <p:cNvPr id="1" name=""/>
-        <p:cNvGrpSpPr/>
-        <p:nvPr/>
-      </p:nvGrpSpPr>
-      <p:grpSpPr>
-        <a:xfrm>
-          <a:off x="0" y="0"/>
-          <a:ext cx="0" cy="0"/>
-          <a:chOff x="0" y="0"/>
-          <a:chExt cx="0" cy="0"/>
-        </a:xfrm>
-      </p:grpSpPr>
-      <p:sp>
-        <p:nvSpPr>
-          <p:cNvPr id="2" name="Title 1"/>
-          <p:cNvSpPr>
-            <a:spLocks noGrp="1"/>
-          </p:cNvSpPr>
-          <p:nvPr>
-            <p:ph type="title"/>
-          </p:nvPr>
-        </p:nvSpPr>
-        <p:spPr/>
-        <p:txBody>
-          <a:bodyPr>
-            <a:normAutofit/>
-          </a:bodyPr>
-          <a:lstStyle/>
-          <a:p>
-            <a:r>
-              <a:rPr lang="en-US" dirty="0" smtClean="0"/>
-              <a:t>Statistical Models</a:t>
-            </a:r>
-            <a:endParaRPr lang="en-US" dirty="0"/>
-          </a:p>
-        </p:txBody>
-      </p:sp>
-      <p:sp>
-        <p:nvSpPr>
-          <p:cNvPr id="3" name="Content Placeholder 2"/>
-          <p:cNvSpPr>
-            <a:spLocks noGrp="1"/>
-          </p:cNvSpPr>
-          <p:nvPr>
-            <p:ph sz="half" idx="1"/>
-          </p:nvPr>
-        </p:nvSpPr>
-        <p:spPr/>
-        <p:txBody>
-          <a:bodyPr/>
-          <a:lstStyle/>
-          <a:p>
-            <a:r>
-              <a:rPr lang="en-US" b="1" dirty="0" smtClean="0"/>
-              <a:t>Logistic regression</a:t>
-            </a:r>
-          </a:p>
-          <a:p>
-            <a:pPr lvl="1"/>
-            <a:r>
-              <a:rPr lang="en-US" dirty="0" smtClean="0"/>
-              <a:t>Model the effect of binary covariates on the likelihood of ties</a:t>
-            </a:r>
-          </a:p>
-          <a:p>
-            <a:pPr lvl="1"/>
-            <a:endParaRPr lang="en-US" dirty="0"/>
-          </a:p>
-          <a:p>
-            <a:pPr marL="566928" lvl="3" indent="0">
-              <a:buNone/>
-            </a:pPr>
-            <a:endParaRPr lang="en-US" sz="1600" dirty="0"/>
-          </a:p>
-          <a:p>
-            <a:pPr marL="566928" lvl="3" indent="0">
-              <a:buNone/>
-            </a:pPr>
-            <a:r>
-              <a:rPr lang="en-US" sz="1200" dirty="0" smtClean="0"/>
-              <a:t>where </a:t>
-            </a:r>
-            <a:r>
-              <a:rPr lang="en-US" sz="1200" i="1" dirty="0" smtClean="0">
-                <a:latin typeface="Times New Roman" panose="02020603050405020304" pitchFamily="18" charset="0"/>
-                <a:cs typeface="Times New Roman" panose="02020603050405020304" pitchFamily="18" charset="0"/>
-              </a:rPr>
-              <a:t>x</a:t>
-            </a:r>
-            <a:r>
-              <a:rPr lang="en-US" sz="1200" i="1" baseline="-25000" dirty="0" smtClean="0">
-                <a:latin typeface="Times New Roman" panose="02020603050405020304" pitchFamily="18" charset="0"/>
-                <a:cs typeface="Times New Roman" panose="02020603050405020304" pitchFamily="18" charset="0"/>
-              </a:rPr>
-              <a:t>i</a:t>
-            </a:r>
-            <a:r>
-              <a:rPr lang="en-US" sz="1200" dirty="0" smtClean="0"/>
-              <a:t> is the value of a covariate for node </a:t>
-            </a:r>
-            <a:r>
-              <a:rPr lang="en-US" sz="1200" i="1" dirty="0" err="1" smtClean="0">
-                <a:latin typeface="Times New Roman" panose="02020603050405020304" pitchFamily="18" charset="0"/>
-                <a:cs typeface="Times New Roman" panose="02020603050405020304" pitchFamily="18" charset="0"/>
-              </a:rPr>
-              <a:t>i</a:t>
-            </a:r>
-            <a:r>
-              <a:rPr lang="en-US" sz="1200" dirty="0" smtClean="0"/>
-              <a:t>, and </a:t>
-            </a:r>
-            <a:r>
-              <a:rPr lang="en-US" sz="1200" i="1" dirty="0" err="1" smtClean="0">
-                <a:latin typeface="Times New Roman" panose="02020603050405020304" pitchFamily="18" charset="0"/>
-                <a:cs typeface="Times New Roman" panose="02020603050405020304" pitchFamily="18" charset="0"/>
-              </a:rPr>
-              <a:t>x</a:t>
-            </a:r>
-            <a:r>
-              <a:rPr lang="en-US" sz="1200" i="1" baseline="-25000" dirty="0" err="1" smtClean="0">
-                <a:latin typeface="Times New Roman" panose="02020603050405020304" pitchFamily="18" charset="0"/>
-                <a:cs typeface="Times New Roman" panose="02020603050405020304" pitchFamily="18" charset="0"/>
-              </a:rPr>
-              <a:t>j</a:t>
-            </a:r>
-            <a:r>
-              <a:rPr lang="en-US" sz="1200" dirty="0" smtClean="0"/>
-              <a:t> is the value for node </a:t>
-            </a:r>
-            <a:r>
-              <a:rPr lang="en-US" sz="1200" i="1" dirty="0" smtClean="0">
-                <a:latin typeface="Times New Roman" panose="02020603050405020304" pitchFamily="18" charset="0"/>
-                <a:cs typeface="Times New Roman" panose="02020603050405020304" pitchFamily="18" charset="0"/>
-              </a:rPr>
-              <a:t>j</a:t>
-            </a:r>
-          </a:p>
-          <a:p>
-            <a:pPr lvl="1"/>
-            <a:r>
-              <a:rPr lang="el-GR" i="1" dirty="0" smtClean="0">
-                <a:latin typeface="Times New Roman" panose="02020603050405020304" pitchFamily="18" charset="0"/>
-                <a:cs typeface="Times New Roman" panose="02020603050405020304" pitchFamily="18" charset="0"/>
-              </a:rPr>
-              <a:t>β</a:t>
-            </a:r>
-            <a:r>
-              <a:rPr lang="en-US" i="1" baseline="-25000" dirty="0" smtClean="0">
-                <a:latin typeface="Times New Roman" panose="02020603050405020304" pitchFamily="18" charset="0"/>
-                <a:cs typeface="Times New Roman" panose="02020603050405020304" pitchFamily="18" charset="0"/>
-              </a:rPr>
-              <a:t>0</a:t>
-            </a:r>
-            <a:r>
-              <a:rPr lang="en-US" dirty="0" smtClean="0"/>
-              <a:t> is the baseline log odds of a tie when </a:t>
-            </a:r>
-            <a:r>
-              <a:rPr lang="en-US" i="1" dirty="0" smtClean="0">
-                <a:latin typeface="Times New Roman" panose="02020603050405020304" pitchFamily="18" charset="0"/>
-                <a:cs typeface="Times New Roman" panose="02020603050405020304" pitchFamily="18" charset="0"/>
-              </a:rPr>
-              <a:t>x</a:t>
-            </a:r>
-            <a:r>
-              <a:rPr lang="en-US" i="1" baseline="-25000" dirty="0" smtClean="0">
-                <a:latin typeface="Times New Roman" panose="02020603050405020304" pitchFamily="18" charset="0"/>
-                <a:cs typeface="Times New Roman" panose="02020603050405020304" pitchFamily="18" charset="0"/>
-              </a:rPr>
-              <a:t>i</a:t>
-            </a:r>
-            <a:r>
-              <a:rPr lang="en-US" i="1" dirty="0" smtClean="0">
-                <a:latin typeface="Times New Roman" panose="02020603050405020304" pitchFamily="18" charset="0"/>
-                <a:cs typeface="Times New Roman" panose="02020603050405020304" pitchFamily="18" charset="0"/>
-              </a:rPr>
-              <a:t>=</a:t>
-            </a:r>
-            <a:r>
-              <a:rPr lang="en-US" i="1" dirty="0" err="1" smtClean="0">
-                <a:latin typeface="Times New Roman" panose="02020603050405020304" pitchFamily="18" charset="0"/>
-                <a:cs typeface="Times New Roman" panose="02020603050405020304" pitchFamily="18" charset="0"/>
-              </a:rPr>
-              <a:t>x</a:t>
-            </a:r>
-            <a:r>
-              <a:rPr lang="en-US" i="1" baseline="-25000" dirty="0" err="1" smtClean="0">
-                <a:latin typeface="Times New Roman" panose="02020603050405020304" pitchFamily="18" charset="0"/>
-                <a:cs typeface="Times New Roman" panose="02020603050405020304" pitchFamily="18" charset="0"/>
-              </a:rPr>
-              <a:t>j</a:t>
-            </a:r>
-            <a:r>
-              <a:rPr lang="en-US" i="1" dirty="0" smtClean="0">
-                <a:latin typeface="Times New Roman" panose="02020603050405020304" pitchFamily="18" charset="0"/>
-                <a:cs typeface="Times New Roman" panose="02020603050405020304" pitchFamily="18" charset="0"/>
-              </a:rPr>
-              <a:t>=0</a:t>
-            </a:r>
-          </a:p>
-          <a:p>
-            <a:pPr lvl="1"/>
-            <a:r>
-              <a:rPr lang="el-GR" i="1" dirty="0" smtClean="0">
-                <a:latin typeface="Times New Roman" panose="02020603050405020304" pitchFamily="18" charset="0"/>
-                <a:cs typeface="Times New Roman" panose="02020603050405020304" pitchFamily="18" charset="0"/>
-              </a:rPr>
-              <a:t>β</a:t>
-            </a:r>
-            <a:r>
-              <a:rPr lang="en-US" i="1" baseline="-25000" dirty="0" smtClean="0">
-                <a:latin typeface="Times New Roman" panose="02020603050405020304" pitchFamily="18" charset="0"/>
-                <a:cs typeface="Times New Roman" panose="02020603050405020304" pitchFamily="18" charset="0"/>
-              </a:rPr>
-              <a:t>1</a:t>
-            </a:r>
-            <a:r>
-              <a:rPr lang="en-US" dirty="0" smtClean="0"/>
-              <a:t> represents the “effect” of </a:t>
-            </a:r>
-            <a:r>
-              <a:rPr lang="en-US" i="1" dirty="0" smtClean="0">
-                <a:latin typeface="Times New Roman" panose="02020603050405020304" pitchFamily="18" charset="0"/>
-                <a:cs typeface="Times New Roman" panose="02020603050405020304" pitchFamily="18" charset="0"/>
-              </a:rPr>
-              <a:t>x</a:t>
-            </a:r>
-            <a:r>
-              <a:rPr lang="en-US" i="1" baseline="-25000" dirty="0" smtClean="0">
-                <a:latin typeface="Times New Roman" panose="02020603050405020304" pitchFamily="18" charset="0"/>
-                <a:cs typeface="Times New Roman" panose="02020603050405020304" pitchFamily="18" charset="0"/>
-              </a:rPr>
-              <a:t>i</a:t>
-            </a:r>
-          </a:p>
-          <a:p>
-            <a:pPr lvl="1"/>
-            <a:r>
-              <a:rPr lang="el-GR" i="1" dirty="0" smtClean="0">
-                <a:latin typeface="Times New Roman" panose="02020603050405020304" pitchFamily="18" charset="0"/>
-                <a:cs typeface="Times New Roman" panose="02020603050405020304" pitchFamily="18" charset="0"/>
-              </a:rPr>
-              <a:t>β</a:t>
-            </a:r>
-            <a:r>
-              <a:rPr lang="en-US" i="1" baseline="-25000" dirty="0" smtClean="0">
-                <a:latin typeface="Times New Roman" panose="02020603050405020304" pitchFamily="18" charset="0"/>
-                <a:cs typeface="Times New Roman" panose="02020603050405020304" pitchFamily="18" charset="0"/>
-              </a:rPr>
-              <a:t>2</a:t>
-            </a:r>
-            <a:r>
-              <a:rPr lang="en-US" dirty="0" smtClean="0"/>
-              <a:t> </a:t>
-            </a:r>
-            <a:r>
-              <a:rPr lang="en-US" dirty="0"/>
-              <a:t>represents the “effect” of </a:t>
-            </a:r>
-            <a:r>
-              <a:rPr lang="en-US" i="1" dirty="0" err="1" smtClean="0">
-                <a:latin typeface="Times New Roman" panose="02020603050405020304" pitchFamily="18" charset="0"/>
-                <a:cs typeface="Times New Roman" panose="02020603050405020304" pitchFamily="18" charset="0"/>
-              </a:rPr>
-              <a:t>x</a:t>
-            </a:r>
-            <a:r>
-              <a:rPr lang="en-US" i="1" baseline="-25000" dirty="0" err="1" smtClean="0">
-                <a:latin typeface="Times New Roman" panose="02020603050405020304" pitchFamily="18" charset="0"/>
-                <a:cs typeface="Times New Roman" panose="02020603050405020304" pitchFamily="18" charset="0"/>
-              </a:rPr>
-              <a:t>j</a:t>
-            </a:r>
-            <a:endParaRPr lang="en-US" i="1" baseline="-25000" dirty="0">
-              <a:latin typeface="Times New Roman" panose="02020603050405020304" pitchFamily="18" charset="0"/>
-              <a:cs typeface="Times New Roman" panose="02020603050405020304" pitchFamily="18" charset="0"/>
-            </a:endParaRPr>
-          </a:p>
-          <a:p>
-            <a:pPr lvl="1"/>
-            <a:r>
-              <a:rPr lang="el-GR" i="1" dirty="0">
-                <a:latin typeface="Times New Roman" panose="02020603050405020304" pitchFamily="18" charset="0"/>
-                <a:cs typeface="Times New Roman" panose="02020603050405020304" pitchFamily="18" charset="0"/>
-              </a:rPr>
-              <a:t>β</a:t>
-            </a:r>
-            <a:r>
-              <a:rPr lang="en-US" i="1" baseline="-25000" dirty="0" smtClean="0">
-                <a:latin typeface="Times New Roman" panose="02020603050405020304" pitchFamily="18" charset="0"/>
-                <a:cs typeface="Times New Roman" panose="02020603050405020304" pitchFamily="18" charset="0"/>
-              </a:rPr>
-              <a:t>12</a:t>
-            </a:r>
-            <a:r>
-              <a:rPr lang="en-US" dirty="0" smtClean="0"/>
-              <a:t> </a:t>
-            </a:r>
-            <a:r>
-              <a:rPr lang="en-US" dirty="0"/>
-              <a:t>represents the </a:t>
-            </a:r>
-            <a:r>
-              <a:rPr lang="en-US" dirty="0" smtClean="0"/>
-              <a:t>effect of the interaction </a:t>
-            </a:r>
-            <a:r>
-              <a:rPr lang="en-US" i="1" dirty="0" smtClean="0">
-                <a:latin typeface="Times New Roman" panose="02020603050405020304" pitchFamily="18" charset="0"/>
-                <a:cs typeface="Times New Roman" panose="02020603050405020304" pitchFamily="18" charset="0"/>
-              </a:rPr>
-              <a:t>x</a:t>
-            </a:r>
-            <a:r>
-              <a:rPr lang="en-US" i="1" baseline="-25000" dirty="0" smtClean="0">
-                <a:latin typeface="Times New Roman" panose="02020603050405020304" pitchFamily="18" charset="0"/>
-                <a:cs typeface="Times New Roman" panose="02020603050405020304" pitchFamily="18" charset="0"/>
-              </a:rPr>
-              <a:t>i</a:t>
-            </a:r>
-            <a:r>
-              <a:rPr lang="en-US" i="1" dirty="0">
-                <a:latin typeface="Times New Roman" panose="02020603050405020304" pitchFamily="18" charset="0"/>
-                <a:cs typeface="Times New Roman" panose="02020603050405020304" pitchFamily="18" charset="0"/>
-              </a:rPr>
-              <a:t> </a:t>
-            </a:r>
-            <a:r>
-              <a:rPr lang="en-US" i="1" dirty="0" err="1" smtClean="0">
-                <a:latin typeface="Times New Roman" panose="02020603050405020304" pitchFamily="18" charset="0"/>
-                <a:cs typeface="Times New Roman" panose="02020603050405020304" pitchFamily="18" charset="0"/>
-              </a:rPr>
-              <a:t>x</a:t>
-            </a:r>
-            <a:r>
-              <a:rPr lang="en-US" i="1" baseline="-25000" dirty="0" err="1" smtClean="0">
-                <a:latin typeface="Times New Roman" panose="02020603050405020304" pitchFamily="18" charset="0"/>
-                <a:cs typeface="Times New Roman" panose="02020603050405020304" pitchFamily="18" charset="0"/>
-              </a:rPr>
-              <a:t>j</a:t>
-            </a:r>
-            <a:endParaRPr lang="en-US" i="1" baseline="-25000" dirty="0">
-              <a:latin typeface="Times New Roman" panose="02020603050405020304" pitchFamily="18" charset="0"/>
-              <a:cs typeface="Times New Roman" panose="02020603050405020304" pitchFamily="18" charset="0"/>
-            </a:endParaRPr>
-          </a:p>
-          <a:p>
-            <a:pPr lvl="1"/>
-            <a:endParaRPr lang="en-US" i="1" baseline="-25000" dirty="0" smtClean="0">
-              <a:latin typeface="Times New Roman" panose="02020603050405020304" pitchFamily="18" charset="0"/>
-              <a:cs typeface="Times New Roman" panose="02020603050405020304" pitchFamily="18" charset="0"/>
-            </a:endParaRPr>
-          </a:p>
-        </p:txBody>
-      </p:sp>
-      <p:sp>
-        <p:nvSpPr>
-          <p:cNvPr id="4" name="Content Placeholder 3"/>
-          <p:cNvSpPr>
-            <a:spLocks noGrp="1"/>
-          </p:cNvSpPr>
-          <p:nvPr>
-            <p:ph sz="half" idx="2"/>
-          </p:nvPr>
-        </p:nvSpPr>
-        <p:spPr/>
-        <p:txBody>
-          <a:bodyPr/>
-          <a:lstStyle/>
-          <a:p>
-            <a:r>
-              <a:rPr lang="en-US" dirty="0" smtClean="0"/>
-              <a:t>How are {beta,….} related to </a:t>
-            </a:r>
-            <a:endParaRPr lang="en-US" dirty="0"/>
-          </a:p>
-        </p:txBody>
-      </p:sp>
-      <p:graphicFrame>
-        <p:nvGraphicFramePr>
-          <p:cNvPr id="5" name="Object 4"/>
-          <p:cNvGraphicFramePr>
-            <a:graphicFrameLocks noChangeAspect="1"/>
-          </p:cNvGraphicFramePr>
-          <p:nvPr>
-            <p:extLst>
-              <p:ext uri="{D42A27DB-BD31-4B8C-83A1-F6EECF244321}">
-                <p14:modId xmlns:p14="http://schemas.microsoft.com/office/powerpoint/2010/main" val="2214291776"/>
-              </p:ext>
-            </p:extLst>
-          </p:nvPr>
-        </p:nvGraphicFramePr>
-        <p:xfrm>
-          <a:off x="6311901" y="1679872"/>
-          <a:ext cx="2249334" cy="671443"/>
-        </p:xfrm>
-        <a:graphic>
-          <a:graphicData uri="http://schemas.openxmlformats.org/presentationml/2006/ole">
-            <mc:AlternateContent xmlns:mc="http://schemas.openxmlformats.org/markup-compatibility/2006">
-              <mc:Choice xmlns:v="urn:schemas-microsoft-com:vml" Requires="v">
-                <p:oleObj spid="_x0000_s5126" name="Equation" r:id="rId3" imgW="1701720" imgH="507960" progId="Equation.DSMT4">
-                  <p:embed/>
-                </p:oleObj>
-              </mc:Choice>
-              <mc:Fallback>
-                <p:oleObj name="Equation" r:id="rId3" imgW="1701720" imgH="507960" progId="Equation.DSMT4">
-                  <p:embed/>
-                  <p:pic>
-                    <p:nvPicPr>
-                      <p:cNvPr id="0" name=""/>
-                      <p:cNvPicPr/>
-                      <p:nvPr/>
-                    </p:nvPicPr>
-                    <p:blipFill>
-                      <a:blip r:embed="rId4"/>
-                      <a:stretch>
-                        <a:fillRect/>
-                      </a:stretch>
-                    </p:blipFill>
-                    <p:spPr>
-                      <a:xfrm>
-                        <a:off x="6311901" y="1679872"/>
-                        <a:ext cx="2249334" cy="671443"/>
-                      </a:xfrm>
-                      <a:prstGeom prst="rect">
-                        <a:avLst/>
-                      </a:prstGeom>
-                    </p:spPr>
-                  </p:pic>
-                </p:oleObj>
-              </mc:Fallback>
-            </mc:AlternateContent>
-          </a:graphicData>
-        </a:graphic>
-      </p:graphicFrame>
-      <p:graphicFrame>
-        <p:nvGraphicFramePr>
-          <p:cNvPr id="6" name="Object 5"/>
-          <p:cNvGraphicFramePr>
-            <a:graphicFrameLocks noChangeAspect="1"/>
-          </p:cNvGraphicFramePr>
-          <p:nvPr>
-            <p:extLst>
-              <p:ext uri="{D42A27DB-BD31-4B8C-83A1-F6EECF244321}">
-                <p14:modId xmlns:p14="http://schemas.microsoft.com/office/powerpoint/2010/main" val="387348465"/>
-              </p:ext>
-            </p:extLst>
-          </p:nvPr>
-        </p:nvGraphicFramePr>
-        <p:xfrm>
-          <a:off x="1620729" y="2264229"/>
-          <a:ext cx="3635375" cy="538162"/>
-        </p:xfrm>
-        <a:graphic>
-          <a:graphicData uri="http://schemas.openxmlformats.org/presentationml/2006/ole">
-            <mc:AlternateContent xmlns:mc="http://schemas.openxmlformats.org/markup-compatibility/2006">
-              <mc:Choice xmlns:v="urn:schemas-microsoft-com:vml" Requires="v">
-                <p:oleObj spid="_x0000_s5127" name="Equation" r:id="rId5" imgW="3174840" imgH="469800" progId="Equation.DSMT4">
-                  <p:embed/>
-                </p:oleObj>
-              </mc:Choice>
-              <mc:Fallback>
-                <p:oleObj name="Equation" r:id="rId5" imgW="3174840" imgH="469800" progId="Equation.DSMT4">
-                  <p:embed/>
-                  <p:pic>
-                    <p:nvPicPr>
-                      <p:cNvPr id="0" name=""/>
-                      <p:cNvPicPr/>
-                      <p:nvPr/>
-                    </p:nvPicPr>
-                    <p:blipFill>
-                      <a:blip r:embed="rId6"/>
-                      <a:stretch>
-                        <a:fillRect/>
-                      </a:stretch>
-                    </p:blipFill>
-                    <p:spPr>
-                      <a:xfrm>
-                        <a:off x="1620729" y="2264229"/>
-                        <a:ext cx="3635375" cy="538162"/>
-                      </a:xfrm>
-                      <a:prstGeom prst="rect">
-                        <a:avLst/>
-                      </a:prstGeom>
-                    </p:spPr>
-                  </p:pic>
-                </p:oleObj>
-              </mc:Fallback>
-            </mc:AlternateContent>
-          </a:graphicData>
-        </a:graphic>
-      </p:graphicFrame>
-    </p:spTree>
-    <p:extLst>
-      <p:ext uri="{BB962C8B-B14F-4D97-AF65-F5344CB8AC3E}">
-        <p14:creationId xmlns:p14="http://schemas.microsoft.com/office/powerpoint/2010/main" val="3869914274"/>
-      </p:ext>
-    </p:extLst>
-  </p:cSld>
-  <p:clrMapOvr>
-    <a:masterClrMapping/>
-  </p:clrMapOvr>
 </p:sld>
 </file>
 
@@ -9062,11 +8623,7 @@
             </a:r>
             <a:r>
               <a:rPr lang="en-US" dirty="0" smtClean="0"/>
-              <a:t> is </a:t>
-            </a:r>
-            <a:r>
-              <a:rPr lang="en-US" dirty="0" smtClean="0"/>
-              <a:t>a graphical user interface for network analysis</a:t>
+              <a:t> is a graphical user interface for network analysis</a:t>
             </a:r>
           </a:p>
           <a:p>
@@ -9095,13 +8652,8 @@
             <a:pPr lvl="1"/>
             <a:r>
               <a:rPr lang="en-US" dirty="0" smtClean="0"/>
-              <a:t>R</a:t>
-            </a:r>
-            <a:r>
-              <a:rPr lang="en-US" dirty="0" smtClean="0"/>
-              <a:t>uns in a web browser</a:t>
-            </a:r>
-            <a:endParaRPr lang="en-US" dirty="0" smtClean="0"/>
+              <a:t>Runs in a web browser</a:t>
+            </a:r>
           </a:p>
           <a:p>
             <a:r>
@@ -9231,28 +8783,6 @@
       </p:sp>
       <p:sp>
         <p:nvSpPr>
-          <p:cNvPr id="3" name="Content Placeholder 2"/>
-          <p:cNvSpPr>
-            <a:spLocks noGrp="1"/>
-          </p:cNvSpPr>
-          <p:nvPr>
-            <p:ph sz="half" idx="1"/>
-          </p:nvPr>
-        </p:nvSpPr>
-        <p:spPr/>
-        <p:txBody>
-          <a:bodyPr/>
-          <a:lstStyle/>
-          <a:p>
-            <a:r>
-              <a:rPr lang="en-US" b="1" dirty="0" smtClean="0"/>
-              <a:t>Individual effects</a:t>
-            </a:r>
-          </a:p>
-        </p:txBody>
-      </p:sp>
-      <p:sp>
-        <p:nvSpPr>
           <p:cNvPr id="4" name="Content Placeholder 3"/>
           <p:cNvSpPr>
             <a:spLocks noGrp="1"/>
@@ -9261,25 +8791,266 @@
             <p:ph sz="half" idx="2"/>
           </p:nvPr>
         </p:nvSpPr>
-        <p:spPr/>
-        <p:txBody>
-          <a:bodyPr/>
+        <p:spPr>
+          <a:xfrm>
+            <a:off x="1060824" y="1349440"/>
+            <a:ext cx="10080259" cy="4519655"/>
+          </a:xfrm>
+        </p:spPr>
+        <p:txBody>
+          <a:bodyPr>
+            <a:normAutofit/>
+          </a:bodyPr>
           <a:lstStyle/>
           <a:p>
-            <a:endParaRPr lang="en-US"/>
-          </a:p>
-        </p:txBody>
-      </p:sp>
+            <a:pPr>
+              <a:lnSpc>
+                <a:spcPct val="120000"/>
+              </a:lnSpc>
+            </a:pPr>
+            <a:r>
+              <a:rPr lang="en-US" sz="2400" dirty="0" smtClean="0">
+                <a:solidFill>
+                  <a:srgbClr val="3366FF"/>
+                </a:solidFill>
+              </a:rPr>
+              <a:t>Interactive: </a:t>
+            </a:r>
+            <a:r>
+              <a:rPr lang="en-US" sz="2400" dirty="0" smtClean="0"/>
+              <a:t>Find the probabilities of ties within and between the sexes in </a:t>
+            </a:r>
+            <a:r>
+              <a:rPr lang="en-US" sz="2400" dirty="0" err="1" smtClean="0"/>
+              <a:t>faux.mesa.high</a:t>
+            </a:r>
+            <a:endParaRPr lang="en-US" sz="2400" dirty="0" smtClean="0"/>
+          </a:p>
+          <a:p>
+            <a:pPr lvl="1">
+              <a:lnSpc>
+                <a:spcPct val="120000"/>
+              </a:lnSpc>
+            </a:pPr>
+            <a:r>
+              <a:rPr lang="en-US" sz="1900" dirty="0" smtClean="0"/>
+              <a:t>Look at the mixing matrix based on the sex attribute</a:t>
+            </a:r>
+          </a:p>
+          <a:p>
+            <a:pPr lvl="1">
+              <a:lnSpc>
+                <a:spcPct val="120000"/>
+              </a:lnSpc>
+            </a:pPr>
+            <a:r>
+              <a:rPr lang="en-US" sz="1900" dirty="0" smtClean="0"/>
+              <a:t>Calculate </a:t>
+            </a:r>
+            <a:r>
+              <a:rPr lang="en-US" sz="1900" dirty="0" smtClean="0"/>
+              <a:t>{</a:t>
+            </a:r>
+            <a:r>
+              <a:rPr lang="en-US" sz="1900" i="1" dirty="0" err="1" smtClean="0">
+                <a:latin typeface="Times New Roman"/>
+                <a:cs typeface="Times New Roman"/>
+              </a:rPr>
+              <a:t>p</a:t>
+            </a:r>
+            <a:r>
+              <a:rPr lang="en-US" sz="1900" i="1" baseline="-25000" dirty="0" err="1" smtClean="0">
+                <a:latin typeface="Times New Roman"/>
+                <a:cs typeface="Times New Roman"/>
+              </a:rPr>
+              <a:t>FF</a:t>
+            </a:r>
+            <a:r>
+              <a:rPr lang="en-US" sz="1900" i="1" dirty="0" smtClean="0">
+                <a:latin typeface="Times New Roman"/>
+                <a:cs typeface="Times New Roman"/>
+              </a:rPr>
+              <a:t>, </a:t>
+            </a:r>
+            <a:r>
+              <a:rPr lang="en-US" sz="1900" i="1" dirty="0" err="1" smtClean="0">
+                <a:latin typeface="Times New Roman"/>
+                <a:cs typeface="Times New Roman"/>
+              </a:rPr>
+              <a:t>p</a:t>
+            </a:r>
+            <a:r>
+              <a:rPr lang="en-US" sz="1900" i="1" baseline="-25000" dirty="0" err="1" smtClean="0">
+                <a:latin typeface="Times New Roman"/>
+                <a:cs typeface="Times New Roman"/>
+              </a:rPr>
+              <a:t>FM</a:t>
+            </a:r>
+            <a:r>
+              <a:rPr lang="en-US" sz="1900" i="1" dirty="0" smtClean="0">
+                <a:latin typeface="Times New Roman"/>
+                <a:cs typeface="Times New Roman"/>
+              </a:rPr>
+              <a:t>, </a:t>
+            </a:r>
+            <a:r>
+              <a:rPr lang="en-US" sz="1900" i="1" dirty="0" err="1" smtClean="0">
+                <a:latin typeface="Times New Roman"/>
+                <a:cs typeface="Times New Roman"/>
+              </a:rPr>
+              <a:t>p</a:t>
+            </a:r>
+            <a:r>
+              <a:rPr lang="en-US" sz="1900" i="1" baseline="-25000" dirty="0" err="1" smtClean="0">
+                <a:latin typeface="Times New Roman"/>
+                <a:cs typeface="Times New Roman"/>
+              </a:rPr>
+              <a:t>MF</a:t>
+            </a:r>
+            <a:r>
+              <a:rPr lang="en-US" sz="1900" i="1" dirty="0" smtClean="0">
+                <a:latin typeface="Times New Roman"/>
+                <a:cs typeface="Times New Roman"/>
+              </a:rPr>
+              <a:t>, </a:t>
+            </a:r>
+            <a:r>
+              <a:rPr lang="en-US" sz="1900" i="1" dirty="0" err="1" smtClean="0">
+                <a:latin typeface="Times New Roman"/>
+                <a:cs typeface="Times New Roman"/>
+              </a:rPr>
+              <a:t>p</a:t>
+            </a:r>
+            <a:r>
+              <a:rPr lang="en-US" sz="1900" i="1" baseline="-25000" dirty="0" err="1" smtClean="0">
+                <a:latin typeface="Times New Roman"/>
+                <a:cs typeface="Times New Roman"/>
+              </a:rPr>
+              <a:t>MM</a:t>
+            </a:r>
+            <a:r>
+              <a:rPr lang="en-US" sz="1900" dirty="0" smtClean="0"/>
+              <a:t>} by </a:t>
+            </a:r>
+            <a:r>
+              <a:rPr lang="en-US" sz="1900" dirty="0" smtClean="0"/>
+              <a:t>dividing the total ties in each block by the total number of ties</a:t>
+            </a:r>
+          </a:p>
+          <a:p>
+            <a:pPr lvl="2">
+              <a:lnSpc>
+                <a:spcPct val="120000"/>
+              </a:lnSpc>
+            </a:pPr>
+            <a:r>
+              <a:rPr lang="en-US" sz="1600" dirty="0" smtClean="0">
+                <a:solidFill>
+                  <a:schemeClr val="accent2">
+                    <a:lumMod val="75000"/>
+                    <a:lumOff val="25000"/>
+                  </a:schemeClr>
+                </a:solidFill>
+              </a:rPr>
+              <a:t>Caution:</a:t>
+            </a:r>
+            <a:r>
+              <a:rPr lang="en-US" sz="1600" dirty="0" smtClean="0"/>
+              <a:t> Is the total number of ties equal to the sum of all four blocks in the mixing matrix?</a:t>
+            </a:r>
+          </a:p>
+          <a:p>
+            <a:pPr lvl="1">
+              <a:lnSpc>
+                <a:spcPct val="120000"/>
+              </a:lnSpc>
+            </a:pPr>
+            <a:r>
+              <a:rPr lang="en-US" sz="1900" dirty="0" smtClean="0"/>
+              <a:t>Now find the relative </a:t>
+            </a:r>
+            <a:r>
+              <a:rPr lang="en-US" sz="1900" dirty="0" smtClean="0"/>
+              <a:t>rates and interpret</a:t>
+            </a:r>
+            <a:endParaRPr lang="en-US" sz="1900" dirty="0"/>
+          </a:p>
+        </p:txBody>
+      </p:sp>
+      <p:graphicFrame>
+        <p:nvGraphicFramePr>
+          <p:cNvPr id="6" name="Object 5"/>
+          <p:cNvGraphicFramePr>
+            <a:graphicFrameLocks noChangeAspect="1"/>
+          </p:cNvGraphicFramePr>
+          <p:nvPr>
+            <p:extLst>
+              <p:ext uri="{D42A27DB-BD31-4B8C-83A1-F6EECF244321}">
+                <p14:modId xmlns:p14="http://schemas.microsoft.com/office/powerpoint/2010/main" val="1682539108"/>
+              </p:ext>
+            </p:extLst>
+          </p:nvPr>
+        </p:nvGraphicFramePr>
+        <p:xfrm>
+          <a:off x="1505111" y="3982819"/>
+          <a:ext cx="2249334" cy="671443"/>
+        </p:xfrm>
+        <a:graphic>
+          <a:graphicData uri="http://schemas.openxmlformats.org/presentationml/2006/ole">
+            <mc:AlternateContent xmlns:mc="http://schemas.openxmlformats.org/markup-compatibility/2006">
+              <mc:Choice xmlns:v="urn:schemas-microsoft-com:vml" Requires="v">
+                <p:oleObj spid="_x0000_s7176" name="Equation" r:id="rId3" imgW="1701720" imgH="507960" progId="Equation.DSMT4">
+                  <p:embed/>
+                </p:oleObj>
+              </mc:Choice>
+              <mc:Fallback>
+                <p:oleObj name="Equation" r:id="rId3" imgW="1701720" imgH="507960" progId="Equation.DSMT4">
+                  <p:embed/>
+                  <p:pic>
+                    <p:nvPicPr>
+                      <p:cNvPr id="0" name=""/>
+                      <p:cNvPicPr/>
+                      <p:nvPr/>
+                    </p:nvPicPr>
+                    <p:blipFill>
+                      <a:blip r:embed="rId4"/>
+                      <a:stretch>
+                        <a:fillRect/>
+                      </a:stretch>
+                    </p:blipFill>
+                    <p:spPr>
+                      <a:xfrm>
+                        <a:off x="1505111" y="3982819"/>
+                        <a:ext cx="2249334" cy="671443"/>
+                      </a:xfrm>
+                      <a:prstGeom prst="rect">
+                        <a:avLst/>
+                      </a:prstGeom>
+                    </p:spPr>
+                  </p:pic>
+                </p:oleObj>
+              </mc:Fallback>
+            </mc:AlternateContent>
+          </a:graphicData>
+        </a:graphic>
+      </p:graphicFrame>
     </p:spTree>
     <p:extLst>
       <p:ext uri="{BB962C8B-B14F-4D97-AF65-F5344CB8AC3E}">
-        <p14:creationId xmlns:p14="http://schemas.microsoft.com/office/powerpoint/2010/main" val="2055467869"/>
+        <p14:creationId xmlns:p14="http://schemas.microsoft.com/office/powerpoint/2010/main" val="3629036763"/>
       </p:ext>
     </p:extLst>
   </p:cSld>
   <p:clrMapOvr>
     <a:masterClrMapping/>
   </p:clrMapOvr>
+  <p:timing>
+    <p:tnLst>
+      <p:par>
+        <p:cTn xmlns:p14="http://schemas.microsoft.com/office/powerpoint/2010/main" id="1" dur="indefinite" restart="never" nodeType="tmRoot"/>
+      </p:par>
+    </p:tnLst>
+  </p:timing>
 </p:sld>
 </file>
 
@@ -9327,7 +9098,7 @@
       </p:sp>
       <p:sp>
         <p:nvSpPr>
-          <p:cNvPr id="3" name="Content Placeholder 2"/>
+          <p:cNvPr id="9" name="Content Placeholder 2"/>
           <p:cNvSpPr>
             <a:spLocks noGrp="1"/>
           </p:cNvSpPr>
@@ -9335,49 +9106,281 @@
             <p:ph sz="half" idx="1"/>
           </p:nvPr>
         </p:nvSpPr>
-        <p:spPr/>
+        <p:spPr>
+          <a:xfrm>
+            <a:off x="1111875" y="1349440"/>
+            <a:ext cx="4937760" cy="4519654"/>
+          </a:xfrm>
+        </p:spPr>
         <p:txBody>
           <a:bodyPr/>
           <a:lstStyle/>
           <a:p>
             <a:r>
               <a:rPr lang="en-US" b="1" dirty="0" smtClean="0"/>
-              <a:t>p</a:t>
-            </a:r>
-            <a:r>
-              <a:rPr lang="en-US" b="1" baseline="-25000" dirty="0" smtClean="0"/>
+              <a:t>Logistic </a:t>
+            </a:r>
+            <a:r>
+              <a:rPr lang="en-US" b="1" dirty="0" smtClean="0"/>
+              <a:t>regression</a:t>
+            </a:r>
+          </a:p>
+          <a:p>
+            <a:endParaRPr lang="en-US" b="1" dirty="0" smtClean="0"/>
+          </a:p>
+          <a:p>
+            <a:pPr lvl="1"/>
+            <a:r>
+              <a:rPr lang="en-US" dirty="0" smtClean="0"/>
+              <a:t>Model the effect </a:t>
+            </a:r>
+            <a:r>
+              <a:rPr lang="en-US" dirty="0" smtClean="0"/>
+              <a:t>of a covariate </a:t>
+            </a:r>
+            <a:r>
+              <a:rPr lang="en-US" i="1" dirty="0" smtClean="0">
+                <a:latin typeface="Times New Roman"/>
+                <a:cs typeface="Times New Roman"/>
+              </a:rPr>
+              <a:t>x</a:t>
+            </a:r>
+            <a:r>
+              <a:rPr lang="en-US" dirty="0" smtClean="0"/>
+              <a:t> </a:t>
+            </a:r>
+            <a:r>
+              <a:rPr lang="en-US" dirty="0" smtClean="0"/>
+              <a:t>on the likelihood of ties</a:t>
+            </a:r>
+          </a:p>
+          <a:p>
+            <a:pPr lvl="1"/>
+            <a:endParaRPr lang="en-US" dirty="0"/>
+          </a:p>
+          <a:p>
+            <a:pPr marL="566928" lvl="3" indent="0">
+              <a:buNone/>
+            </a:pPr>
+            <a:endParaRPr lang="en-US" sz="1600" dirty="0" smtClean="0"/>
+          </a:p>
+          <a:p>
+            <a:pPr marL="566928" lvl="3" indent="0">
+              <a:buNone/>
+            </a:pPr>
+            <a:endParaRPr lang="en-US" sz="1600" dirty="0"/>
+          </a:p>
+          <a:p>
+            <a:pPr marL="566928" lvl="3" indent="0">
+              <a:buNone/>
+            </a:pPr>
+            <a:endParaRPr lang="en-US" sz="1200" i="1" dirty="0" smtClean="0">
+              <a:latin typeface="Times New Roman" panose="02020603050405020304" pitchFamily="18" charset="0"/>
+              <a:cs typeface="Times New Roman" panose="02020603050405020304" pitchFamily="18" charset="0"/>
+            </a:endParaRPr>
+          </a:p>
+          <a:p>
+            <a:pPr lvl="1"/>
+            <a:r>
+              <a:rPr lang="el-GR" i="1" dirty="0" smtClean="0">
+                <a:latin typeface="Times New Roman" panose="02020603050405020304" pitchFamily="18" charset="0"/>
+                <a:cs typeface="Times New Roman" panose="02020603050405020304" pitchFamily="18" charset="0"/>
+              </a:rPr>
+              <a:t>β</a:t>
+            </a:r>
+            <a:r>
+              <a:rPr lang="en-US" i="1" baseline="-25000" dirty="0" smtClean="0">
+                <a:latin typeface="Times New Roman" panose="02020603050405020304" pitchFamily="18" charset="0"/>
+                <a:cs typeface="Times New Roman" panose="02020603050405020304" pitchFamily="18" charset="0"/>
+              </a:rPr>
+              <a:t>0</a:t>
+            </a:r>
+            <a:r>
+              <a:rPr lang="en-US" dirty="0" smtClean="0"/>
+              <a:t> is the baseline log odds of a tie when </a:t>
+            </a:r>
+            <a:r>
+              <a:rPr lang="en-US" i="1" dirty="0" smtClean="0">
+                <a:latin typeface="Times New Roman" panose="02020603050405020304" pitchFamily="18" charset="0"/>
+                <a:cs typeface="Times New Roman" panose="02020603050405020304" pitchFamily="18" charset="0"/>
+              </a:rPr>
+              <a:t>x=</a:t>
+            </a:r>
+            <a:r>
+              <a:rPr lang="en-US" i="1" dirty="0" smtClean="0">
+                <a:latin typeface="Times New Roman" panose="02020603050405020304" pitchFamily="18" charset="0"/>
+                <a:cs typeface="Times New Roman" panose="02020603050405020304" pitchFamily="18" charset="0"/>
+              </a:rPr>
+              <a:t>0</a:t>
+            </a:r>
+          </a:p>
+          <a:p>
+            <a:pPr lvl="1"/>
+            <a:r>
+              <a:rPr lang="el-GR" i="1" dirty="0" smtClean="0">
+                <a:latin typeface="Times New Roman" panose="02020603050405020304" pitchFamily="18" charset="0"/>
+                <a:cs typeface="Times New Roman" panose="02020603050405020304" pitchFamily="18" charset="0"/>
+              </a:rPr>
+              <a:t>β</a:t>
+            </a:r>
+            <a:r>
+              <a:rPr lang="en-US" i="1" baseline="-25000" dirty="0" smtClean="0">
+                <a:latin typeface="Times New Roman" panose="02020603050405020304" pitchFamily="18" charset="0"/>
+                <a:cs typeface="Times New Roman" panose="02020603050405020304" pitchFamily="18" charset="0"/>
+              </a:rPr>
               <a:t>1</a:t>
             </a:r>
             <a:r>
-              <a:rPr lang="en-US" b="1" dirty="0" smtClean="0"/>
-              <a:t> model</a:t>
-            </a:r>
-          </a:p>
-        </p:txBody>
-      </p:sp>
-      <p:sp>
-        <p:nvSpPr>
-          <p:cNvPr id="4" name="Content Placeholder 3"/>
-          <p:cNvSpPr>
-            <a:spLocks noGrp="1"/>
-          </p:cNvSpPr>
-          <p:nvPr>
-            <p:ph sz="half" idx="2"/>
-          </p:nvPr>
-        </p:nvSpPr>
-        <p:spPr/>
-        <p:txBody>
-          <a:bodyPr/>
-          <a:lstStyle/>
-          <a:p>
-            <a:endParaRPr lang="en-US"/>
-          </a:p>
-        </p:txBody>
-      </p:sp>
+              <a:rPr lang="en-US" dirty="0" smtClean="0"/>
+              <a:t> represents the </a:t>
+            </a:r>
+            <a:r>
+              <a:rPr lang="en-US" dirty="0" smtClean="0"/>
+              <a:t>effect </a:t>
+            </a:r>
+            <a:r>
+              <a:rPr lang="en-US" dirty="0" smtClean="0"/>
+              <a:t>of </a:t>
+            </a:r>
+            <a:r>
+              <a:rPr lang="en-US" i="1" dirty="0" smtClean="0">
+                <a:latin typeface="Times New Roman" panose="02020603050405020304" pitchFamily="18" charset="0"/>
+                <a:cs typeface="Times New Roman" panose="02020603050405020304" pitchFamily="18" charset="0"/>
+              </a:rPr>
+              <a:t>x</a:t>
+            </a:r>
+            <a:endParaRPr lang="en-US" i="1" baseline="-25000" dirty="0">
+              <a:latin typeface="Times New Roman" panose="02020603050405020304" pitchFamily="18" charset="0"/>
+              <a:cs typeface="Times New Roman" panose="02020603050405020304" pitchFamily="18" charset="0"/>
+            </a:endParaRPr>
+          </a:p>
+          <a:p>
+            <a:pPr lvl="1"/>
+            <a:endParaRPr lang="en-US" dirty="0" smtClean="0">
+              <a:cs typeface="Times New Roman" panose="02020603050405020304" pitchFamily="18" charset="0"/>
+            </a:endParaRPr>
+          </a:p>
+        </p:txBody>
+      </p:sp>
+      <p:graphicFrame>
+        <p:nvGraphicFramePr>
+          <p:cNvPr id="10" name="Object 9"/>
+          <p:cNvGraphicFramePr>
+            <a:graphicFrameLocks noChangeAspect="1"/>
+          </p:cNvGraphicFramePr>
+          <p:nvPr>
+            <p:extLst>
+              <p:ext uri="{D42A27DB-BD31-4B8C-83A1-F6EECF244321}">
+                <p14:modId xmlns:p14="http://schemas.microsoft.com/office/powerpoint/2010/main" val="433595735"/>
+              </p:ext>
+            </p:extLst>
+          </p:nvPr>
+        </p:nvGraphicFramePr>
+        <p:xfrm>
+          <a:off x="1805829" y="2806981"/>
+          <a:ext cx="3367976" cy="838666"/>
+        </p:xfrm>
+        <a:graphic>
+          <a:graphicData uri="http://schemas.openxmlformats.org/presentationml/2006/ole">
+            <mc:AlternateContent xmlns:mc="http://schemas.openxmlformats.org/markup-compatibility/2006">
+              <mc:Choice xmlns:v="urn:schemas-microsoft-com:vml" Requires="v">
+                <p:oleObj spid="_x0000_s5150" name="Equation" r:id="rId3" imgW="1892300" imgH="469900" progId="Equation.3">
+                  <p:embed/>
+                </p:oleObj>
+              </mc:Choice>
+              <mc:Fallback>
+                <p:oleObj name="Equation" r:id="rId3" imgW="1892300" imgH="469900" progId="Equation.3">
+                  <p:embed/>
+                  <p:pic>
+                    <p:nvPicPr>
+                      <p:cNvPr id="0" name=""/>
+                      <p:cNvPicPr/>
+                      <p:nvPr/>
+                    </p:nvPicPr>
+                    <p:blipFill>
+                      <a:blip r:embed="rId4"/>
+                      <a:stretch>
+                        <a:fillRect/>
+                      </a:stretch>
+                    </p:blipFill>
+                    <p:spPr>
+                      <a:xfrm>
+                        <a:off x="1805829" y="2806981"/>
+                        <a:ext cx="3367976" cy="838666"/>
+                      </a:xfrm>
+                      <a:prstGeom prst="rect">
+                        <a:avLst/>
+                      </a:prstGeom>
+                    </p:spPr>
+                  </p:pic>
+                </p:oleObj>
+              </mc:Fallback>
+            </mc:AlternateContent>
+          </a:graphicData>
+        </a:graphic>
+      </p:graphicFrame>
+      <p:pic>
+        <p:nvPicPr>
+          <p:cNvPr id="13" name="Picture 12" descr="logreg.png"/>
+          <p:cNvPicPr>
+            <a:picLocks noChangeAspect="1"/>
+          </p:cNvPicPr>
+          <p:nvPr/>
+        </p:nvPicPr>
+        <p:blipFill rotWithShape="1">
+          <a:blip r:embed="rId5">
+            <a:extLst>
+              <a:ext uri="{28A0092B-C50C-407E-A947-70E740481C1C}">
+                <a14:useLocalDpi xmlns:a14="http://schemas.microsoft.com/office/drawing/2010/main" val="0"/>
+              </a:ext>
+            </a:extLst>
+          </a:blip>
+          <a:srcRect r="53511"/>
+          <a:stretch/>
+        </p:blipFill>
+        <p:spPr>
+          <a:xfrm>
+            <a:off x="6324600" y="1432112"/>
+            <a:ext cx="4507753" cy="2257425"/>
+          </a:xfrm>
+          <a:prstGeom prst="rect">
+            <a:avLst/>
+          </a:prstGeom>
+        </p:spPr>
+      </p:pic>
+      <p:pic>
+        <p:nvPicPr>
+          <p:cNvPr id="14" name="Picture 13" descr="logreg.png"/>
+          <p:cNvPicPr>
+            <a:picLocks noChangeAspect="1"/>
+          </p:cNvPicPr>
+          <p:nvPr/>
+        </p:nvPicPr>
+        <p:blipFill rotWithShape="1">
+          <a:blip r:embed="rId5">
+            <a:extLst>
+              <a:ext uri="{28A0092B-C50C-407E-A947-70E740481C1C}">
+                <a14:useLocalDpi xmlns:a14="http://schemas.microsoft.com/office/drawing/2010/main" val="0"/>
+              </a:ext>
+            </a:extLst>
+          </a:blip>
+          <a:srcRect l="46643"/>
+          <a:stretch/>
+        </p:blipFill>
+        <p:spPr>
+          <a:xfrm>
+            <a:off x="6215529" y="3404347"/>
+            <a:ext cx="5173756" cy="2257425"/>
+          </a:xfrm>
+          <a:prstGeom prst="rect">
+            <a:avLst/>
+          </a:prstGeom>
+        </p:spPr>
+      </p:pic>
     </p:spTree>
     <p:extLst>
       <p:ext uri="{BB962C8B-B14F-4D97-AF65-F5344CB8AC3E}">
-        <p14:creationId xmlns:p14="http://schemas.microsoft.com/office/powerpoint/2010/main" val="4131631640"/>
+        <p14:creationId xmlns:p14="http://schemas.microsoft.com/office/powerpoint/2010/main" val="3869914274"/>
       </p:ext>
     </p:extLst>
   </p:cSld>
@@ -9431,28 +9434,6 @@
       </p:sp>
       <p:sp>
         <p:nvSpPr>
-          <p:cNvPr id="3" name="Content Placeholder 2"/>
-          <p:cNvSpPr>
-            <a:spLocks noGrp="1"/>
-          </p:cNvSpPr>
-          <p:nvPr>
-            <p:ph sz="half" idx="1"/>
-          </p:nvPr>
-        </p:nvSpPr>
-        <p:spPr/>
-        <p:txBody>
-          <a:bodyPr/>
-          <a:lstStyle/>
-          <a:p>
-            <a:r>
-              <a:rPr lang="en-US" b="1" dirty="0" smtClean="0"/>
-              <a:t>Markov graphs</a:t>
-            </a:r>
-          </a:p>
-        </p:txBody>
-      </p:sp>
-      <p:sp>
-        <p:nvSpPr>
           <p:cNvPr id="4" name="Content Placeholder 3"/>
           <p:cNvSpPr>
             <a:spLocks noGrp="1"/>
@@ -9461,19 +9442,158 @@
             <p:ph sz="half" idx="2"/>
           </p:nvPr>
         </p:nvSpPr>
-        <p:spPr/>
+        <p:spPr>
+          <a:xfrm>
+            <a:off x="1045883" y="1349440"/>
+            <a:ext cx="10064974" cy="4519655"/>
+          </a:xfrm>
+        </p:spPr>
         <p:txBody>
           <a:bodyPr/>
           <a:lstStyle/>
           <a:p>
-            <a:endParaRPr lang="en-US"/>
-          </a:p>
-        </p:txBody>
-      </p:sp>
+            <a:r>
+              <a:rPr lang="en-US" dirty="0" smtClean="0">
+                <a:cs typeface="Times New Roman"/>
+              </a:rPr>
+              <a:t>Why can we fit logistic regression models in </a:t>
+            </a:r>
+            <a:r>
+              <a:rPr lang="en-US" dirty="0" err="1" smtClean="0">
+                <a:cs typeface="Times New Roman"/>
+              </a:rPr>
+              <a:t>statnetWeb</a:t>
+            </a:r>
+            <a:r>
+              <a:rPr lang="en-US" dirty="0" smtClean="0">
+                <a:cs typeface="Times New Roman"/>
+              </a:rPr>
+              <a:t>?</a:t>
+            </a:r>
+          </a:p>
+          <a:p>
+            <a:pPr lvl="1"/>
+            <a:r>
+              <a:rPr lang="en-US" dirty="0" smtClean="0"/>
+              <a:t>Logistic regression </a:t>
+            </a:r>
+            <a:r>
+              <a:rPr lang="en-US" dirty="0"/>
+              <a:t>models are ERGMs! </a:t>
+            </a:r>
+            <a:endParaRPr lang="en-US" dirty="0" smtClean="0"/>
+          </a:p>
+          <a:p>
+            <a:r>
+              <a:rPr lang="en-US" dirty="0" smtClean="0">
+                <a:cs typeface="Times New Roman"/>
+              </a:rPr>
+              <a:t>How do we fit a logistic regression (or any) model in </a:t>
+            </a:r>
+            <a:r>
+              <a:rPr lang="en-US" dirty="0" err="1" smtClean="0">
+                <a:cs typeface="Times New Roman"/>
+              </a:rPr>
+              <a:t>statnetWeb</a:t>
+            </a:r>
+            <a:r>
+              <a:rPr lang="en-US" dirty="0" smtClean="0">
+                <a:cs typeface="Times New Roman"/>
+              </a:rPr>
+              <a:t>?</a:t>
+            </a:r>
+          </a:p>
+          <a:p>
+            <a:pPr lvl="1"/>
+            <a:r>
+              <a:rPr lang="en-US" dirty="0" smtClean="0">
+                <a:cs typeface="Times New Roman"/>
+              </a:rPr>
+              <a:t>Decide which terms correspond to the model </a:t>
+            </a:r>
+          </a:p>
+          <a:p>
+            <a:pPr lvl="1"/>
+            <a:r>
+              <a:rPr lang="en-US" dirty="0" smtClean="0">
+                <a:cs typeface="Times New Roman"/>
+              </a:rPr>
+              <a:t>Enter terms (and any necessary arguments) into the formula box</a:t>
+            </a:r>
+          </a:p>
+          <a:p>
+            <a:pPr lvl="1"/>
+            <a:r>
+              <a:rPr lang="en-US" dirty="0" smtClean="0">
+                <a:cs typeface="Times New Roman"/>
+              </a:rPr>
+              <a:t>Note that after adding terms to a formula, you can see a summary of those statistics in your network</a:t>
+            </a:r>
+          </a:p>
+          <a:p>
+            <a:r>
+              <a:rPr lang="en-US" dirty="0" smtClean="0">
+                <a:cs typeface="Times New Roman"/>
+              </a:rPr>
+              <a:t>Model summary</a:t>
+            </a:r>
+          </a:p>
+          <a:p>
+            <a:pPr lvl="1"/>
+            <a:r>
+              <a:rPr lang="en-US" dirty="0" smtClean="0">
+                <a:cs typeface="Times New Roman"/>
+              </a:rPr>
+              <a:t>Estimates of coefficients, standard errors, p-values</a:t>
+            </a:r>
+          </a:p>
+          <a:p>
+            <a:pPr lvl="1"/>
+            <a:endParaRPr lang="en-US" dirty="0" smtClean="0">
+              <a:cs typeface="Times New Roman"/>
+            </a:endParaRPr>
+          </a:p>
+          <a:p>
+            <a:pPr lvl="1"/>
+            <a:endParaRPr lang="en-US" dirty="0">
+              <a:cs typeface="Times New Roman"/>
+            </a:endParaRPr>
+          </a:p>
+        </p:txBody>
+      </p:sp>
+      <p:pic>
+        <p:nvPicPr>
+          <p:cNvPr id="12" name="Picture 11" descr="sW_logregsumm.png"/>
+          <p:cNvPicPr>
+            <a:picLocks noChangeAspect="1"/>
+          </p:cNvPicPr>
+          <p:nvPr/>
+        </p:nvPicPr>
+        <p:blipFill rotWithShape="1">
+          <a:blip r:embed="rId2">
+            <a:extLst>
+              <a:ext uri="{28A0092B-C50C-407E-A947-70E740481C1C}">
+                <a14:useLocalDpi xmlns:a14="http://schemas.microsoft.com/office/drawing/2010/main" val="0"/>
+              </a:ext>
+            </a:extLst>
+          </a:blip>
+          <a:srcRect r="2144"/>
+          <a:stretch/>
+        </p:blipFill>
+        <p:spPr>
+          <a:xfrm>
+            <a:off x="3158564" y="4236570"/>
+            <a:ext cx="5865906" cy="1689100"/>
+          </a:xfrm>
+          <a:prstGeom prst="rect">
+            <a:avLst/>
+          </a:prstGeom>
+        </p:spPr>
+      </p:pic>
     </p:spTree>
     <p:extLst>
       <p:ext uri="{BB962C8B-B14F-4D97-AF65-F5344CB8AC3E}">
-        <p14:creationId xmlns:p14="http://schemas.microsoft.com/office/powerpoint/2010/main" val="3004624742"/>
+        <p14:creationId xmlns:p14="http://schemas.microsoft.com/office/powerpoint/2010/main" val="1731568070"/>
       </p:ext>
     </p:extLst>
   </p:cSld>
@@ -9527,7 +9647,7 @@
       </p:sp>
       <p:sp>
         <p:nvSpPr>
-          <p:cNvPr id="3" name="Content Placeholder 2"/>
+          <p:cNvPr id="9" name="Content Placeholder 2"/>
           <p:cNvSpPr>
             <a:spLocks noGrp="1"/>
           </p:cNvSpPr>
@@ -9535,30 +9655,422 @@
             <p:ph sz="half" idx="1"/>
           </p:nvPr>
         </p:nvSpPr>
-        <p:spPr/>
+        <p:spPr>
+          <a:xfrm>
+            <a:off x="1111875" y="1349440"/>
+            <a:ext cx="4937760" cy="4519654"/>
+          </a:xfrm>
+        </p:spPr>
         <p:txBody>
           <a:bodyPr/>
           <a:lstStyle/>
           <a:p>
             <a:r>
               <a:rPr lang="en-US" b="1" dirty="0" smtClean="0"/>
-              <a:t>Exponential random graph models (p</a:t>
-            </a:r>
-            <a:r>
-              <a:rPr lang="en-US" b="1" baseline="30000" dirty="0" smtClean="0"/>
-              <a:t>*</a:t>
-            </a:r>
-            <a:r>
-              <a:rPr lang="en-US" b="1" dirty="0" smtClean="0"/>
-              <a:t>)</a:t>
-            </a:r>
-            <a:endParaRPr lang="en-US" b="1" dirty="0"/>
-          </a:p>
-        </p:txBody>
-      </p:sp>
-      <p:sp>
-        <p:nvSpPr>
-          <p:cNvPr id="4" name="Content Placeholder 3"/>
+              <a:t>Logistic regression</a:t>
+            </a:r>
+          </a:p>
+          <a:p>
+            <a:pPr lvl="1"/>
+            <a:r>
+              <a:rPr lang="en-US" dirty="0" smtClean="0"/>
+              <a:t>Model the effect of </a:t>
+            </a:r>
+            <a:r>
+              <a:rPr lang="en-US" dirty="0" smtClean="0"/>
+              <a:t>multiple covariates </a:t>
+            </a:r>
+            <a:r>
+              <a:rPr lang="en-US" dirty="0" smtClean="0"/>
+              <a:t>on the likelihood of ties</a:t>
+            </a:r>
+          </a:p>
+          <a:p>
+            <a:pPr lvl="1"/>
+            <a:endParaRPr lang="en-US" dirty="0"/>
+          </a:p>
+          <a:p>
+            <a:pPr marL="566928" lvl="3" indent="0">
+              <a:buNone/>
+            </a:pPr>
+            <a:endParaRPr lang="en-US" sz="1600" dirty="0"/>
+          </a:p>
+          <a:p>
+            <a:pPr marL="566928" lvl="3" indent="0">
+              <a:buNone/>
+            </a:pPr>
+            <a:endParaRPr lang="en-US" dirty="0" smtClean="0"/>
+          </a:p>
+          <a:p>
+            <a:pPr marL="566928" lvl="3" indent="0">
+              <a:buNone/>
+            </a:pPr>
+            <a:r>
+              <a:rPr lang="en-US" sz="1600" dirty="0" smtClean="0"/>
+              <a:t>where </a:t>
+            </a:r>
+            <a:r>
+              <a:rPr lang="en-US" sz="1600" i="1" dirty="0" smtClean="0">
+                <a:latin typeface="Times New Roman" panose="02020603050405020304" pitchFamily="18" charset="0"/>
+                <a:cs typeface="Times New Roman" panose="02020603050405020304" pitchFamily="18" charset="0"/>
+              </a:rPr>
+              <a:t>x</a:t>
+            </a:r>
+            <a:r>
+              <a:rPr lang="en-US" sz="1600" i="1" baseline="-25000" dirty="0" smtClean="0">
+                <a:latin typeface="Times New Roman" panose="02020603050405020304" pitchFamily="18" charset="0"/>
+                <a:cs typeface="Times New Roman" panose="02020603050405020304" pitchFamily="18" charset="0"/>
+              </a:rPr>
+              <a:t>i</a:t>
+            </a:r>
+            <a:r>
+              <a:rPr lang="en-US" sz="1600" dirty="0" smtClean="0"/>
+              <a:t> is the value of a covariate for node </a:t>
+            </a:r>
+            <a:r>
+              <a:rPr lang="en-US" sz="1600" i="1" dirty="0" err="1" smtClean="0">
+                <a:latin typeface="Times New Roman" panose="02020603050405020304" pitchFamily="18" charset="0"/>
+                <a:cs typeface="Times New Roman" panose="02020603050405020304" pitchFamily="18" charset="0"/>
+              </a:rPr>
+              <a:t>i</a:t>
+            </a:r>
+            <a:r>
+              <a:rPr lang="en-US" sz="1600" dirty="0" smtClean="0"/>
+              <a:t>, and </a:t>
+            </a:r>
+            <a:r>
+              <a:rPr lang="en-US" sz="1600" i="1" dirty="0" err="1" smtClean="0">
+                <a:latin typeface="Times New Roman" panose="02020603050405020304" pitchFamily="18" charset="0"/>
+                <a:cs typeface="Times New Roman" panose="02020603050405020304" pitchFamily="18" charset="0"/>
+              </a:rPr>
+              <a:t>x</a:t>
+            </a:r>
+            <a:r>
+              <a:rPr lang="en-US" sz="1600" i="1" baseline="-25000" dirty="0" err="1" smtClean="0">
+                <a:latin typeface="Times New Roman" panose="02020603050405020304" pitchFamily="18" charset="0"/>
+                <a:cs typeface="Times New Roman" panose="02020603050405020304" pitchFamily="18" charset="0"/>
+              </a:rPr>
+              <a:t>j</a:t>
+            </a:r>
+            <a:r>
+              <a:rPr lang="en-US" sz="1600" dirty="0" smtClean="0"/>
+              <a:t> is the value for node </a:t>
+            </a:r>
+            <a:r>
+              <a:rPr lang="en-US" sz="1600" i="1" dirty="0" smtClean="0">
+                <a:latin typeface="Times New Roman" panose="02020603050405020304" pitchFamily="18" charset="0"/>
+                <a:cs typeface="Times New Roman" panose="02020603050405020304" pitchFamily="18" charset="0"/>
+              </a:rPr>
+              <a:t>j</a:t>
+            </a:r>
+            <a:endParaRPr lang="en-US" sz="1200" i="1" dirty="0" smtClean="0">
+              <a:latin typeface="Times New Roman" panose="02020603050405020304" pitchFamily="18" charset="0"/>
+              <a:cs typeface="Times New Roman" panose="02020603050405020304" pitchFamily="18" charset="0"/>
+            </a:endParaRPr>
+          </a:p>
+          <a:p>
+            <a:pPr marL="566928" lvl="3" indent="0">
+              <a:buNone/>
+            </a:pPr>
+            <a:endParaRPr lang="en-US" sz="1200" i="1" dirty="0" smtClean="0">
+              <a:latin typeface="Times New Roman" panose="02020603050405020304" pitchFamily="18" charset="0"/>
+              <a:cs typeface="Times New Roman" panose="02020603050405020304" pitchFamily="18" charset="0"/>
+            </a:endParaRPr>
+          </a:p>
+          <a:p>
+            <a:pPr lvl="1"/>
+            <a:r>
+              <a:rPr lang="el-GR" i="1" dirty="0" smtClean="0">
+                <a:latin typeface="Times New Roman" panose="02020603050405020304" pitchFamily="18" charset="0"/>
+                <a:cs typeface="Times New Roman" panose="02020603050405020304" pitchFamily="18" charset="0"/>
+              </a:rPr>
+              <a:t>β</a:t>
+            </a:r>
+            <a:r>
+              <a:rPr lang="en-US" i="1" baseline="-25000" dirty="0" smtClean="0">
+                <a:latin typeface="Times New Roman" panose="02020603050405020304" pitchFamily="18" charset="0"/>
+                <a:cs typeface="Times New Roman" panose="02020603050405020304" pitchFamily="18" charset="0"/>
+              </a:rPr>
+              <a:t>0</a:t>
+            </a:r>
+            <a:r>
+              <a:rPr lang="en-US" dirty="0" smtClean="0"/>
+              <a:t> is the baseline log odds of a tie when </a:t>
+            </a:r>
+            <a:r>
+              <a:rPr lang="en-US" i="1" dirty="0" smtClean="0">
+                <a:latin typeface="Times New Roman" panose="02020603050405020304" pitchFamily="18" charset="0"/>
+                <a:cs typeface="Times New Roman" panose="02020603050405020304" pitchFamily="18" charset="0"/>
+              </a:rPr>
+              <a:t>x</a:t>
+            </a:r>
+            <a:r>
+              <a:rPr lang="en-US" i="1" baseline="-25000" dirty="0" smtClean="0">
+                <a:latin typeface="Times New Roman" panose="02020603050405020304" pitchFamily="18" charset="0"/>
+                <a:cs typeface="Times New Roman" panose="02020603050405020304" pitchFamily="18" charset="0"/>
+              </a:rPr>
+              <a:t>i</a:t>
+            </a:r>
+            <a:r>
+              <a:rPr lang="en-US" i="1" dirty="0" smtClean="0">
+                <a:latin typeface="Times New Roman" panose="02020603050405020304" pitchFamily="18" charset="0"/>
+                <a:cs typeface="Times New Roman" panose="02020603050405020304" pitchFamily="18" charset="0"/>
+              </a:rPr>
+              <a:t>=</a:t>
+            </a:r>
+            <a:r>
+              <a:rPr lang="en-US" i="1" dirty="0" err="1" smtClean="0">
+                <a:latin typeface="Times New Roman" panose="02020603050405020304" pitchFamily="18" charset="0"/>
+                <a:cs typeface="Times New Roman" panose="02020603050405020304" pitchFamily="18" charset="0"/>
+              </a:rPr>
+              <a:t>x</a:t>
+            </a:r>
+            <a:r>
+              <a:rPr lang="en-US" i="1" baseline="-25000" dirty="0" err="1" smtClean="0">
+                <a:latin typeface="Times New Roman" panose="02020603050405020304" pitchFamily="18" charset="0"/>
+                <a:cs typeface="Times New Roman" panose="02020603050405020304" pitchFamily="18" charset="0"/>
+              </a:rPr>
+              <a:t>j</a:t>
+            </a:r>
+            <a:r>
+              <a:rPr lang="en-US" i="1" dirty="0" smtClean="0">
+                <a:latin typeface="Times New Roman" panose="02020603050405020304" pitchFamily="18" charset="0"/>
+                <a:cs typeface="Times New Roman" panose="02020603050405020304" pitchFamily="18" charset="0"/>
+              </a:rPr>
+              <a:t>=0</a:t>
+            </a:r>
+          </a:p>
+          <a:p>
+            <a:pPr lvl="1"/>
+            <a:r>
+              <a:rPr lang="el-GR" i="1" dirty="0" smtClean="0">
+                <a:latin typeface="Times New Roman" panose="02020603050405020304" pitchFamily="18" charset="0"/>
+                <a:cs typeface="Times New Roman" panose="02020603050405020304" pitchFamily="18" charset="0"/>
+              </a:rPr>
+              <a:t>β</a:t>
+            </a:r>
+            <a:r>
+              <a:rPr lang="en-US" i="1" baseline="-25000" dirty="0" smtClean="0">
+                <a:latin typeface="Times New Roman" panose="02020603050405020304" pitchFamily="18" charset="0"/>
+                <a:cs typeface="Times New Roman" panose="02020603050405020304" pitchFamily="18" charset="0"/>
+              </a:rPr>
+              <a:t>1</a:t>
+            </a:r>
+            <a:r>
+              <a:rPr lang="en-US" dirty="0" smtClean="0"/>
+              <a:t> represents the </a:t>
+            </a:r>
+            <a:r>
+              <a:rPr lang="en-US" dirty="0" smtClean="0"/>
+              <a:t>effect </a:t>
+            </a:r>
+            <a:r>
+              <a:rPr lang="en-US" dirty="0" smtClean="0"/>
+              <a:t>of </a:t>
+            </a:r>
+            <a:r>
+              <a:rPr lang="en-US" i="1" dirty="0" smtClean="0">
+                <a:latin typeface="Times New Roman" panose="02020603050405020304" pitchFamily="18" charset="0"/>
+                <a:cs typeface="Times New Roman" panose="02020603050405020304" pitchFamily="18" charset="0"/>
+              </a:rPr>
+              <a:t>x</a:t>
+            </a:r>
+            <a:r>
+              <a:rPr lang="en-US" i="1" baseline="-25000" dirty="0" smtClean="0">
+                <a:latin typeface="Times New Roman" panose="02020603050405020304" pitchFamily="18" charset="0"/>
+                <a:cs typeface="Times New Roman" panose="02020603050405020304" pitchFamily="18" charset="0"/>
+              </a:rPr>
+              <a:t>i</a:t>
+            </a:r>
+          </a:p>
+          <a:p>
+            <a:pPr lvl="1"/>
+            <a:r>
+              <a:rPr lang="el-GR" i="1" dirty="0" smtClean="0">
+                <a:latin typeface="Times New Roman" panose="02020603050405020304" pitchFamily="18" charset="0"/>
+                <a:cs typeface="Times New Roman" panose="02020603050405020304" pitchFamily="18" charset="0"/>
+              </a:rPr>
+              <a:t>β</a:t>
+            </a:r>
+            <a:r>
+              <a:rPr lang="en-US" i="1" baseline="-25000" dirty="0" smtClean="0">
+                <a:latin typeface="Times New Roman" panose="02020603050405020304" pitchFamily="18" charset="0"/>
+                <a:cs typeface="Times New Roman" panose="02020603050405020304" pitchFamily="18" charset="0"/>
+              </a:rPr>
+              <a:t>2</a:t>
+            </a:r>
+            <a:r>
+              <a:rPr lang="en-US" dirty="0" smtClean="0"/>
+              <a:t> </a:t>
+            </a:r>
+            <a:r>
+              <a:rPr lang="en-US" dirty="0"/>
+              <a:t>represents the </a:t>
+            </a:r>
+            <a:r>
+              <a:rPr lang="en-US" dirty="0" smtClean="0"/>
+              <a:t>effect </a:t>
+            </a:r>
+            <a:r>
+              <a:rPr lang="en-US" dirty="0"/>
+              <a:t>of </a:t>
+            </a:r>
+            <a:r>
+              <a:rPr lang="en-US" i="1" dirty="0" err="1" smtClean="0">
+                <a:latin typeface="Times New Roman" panose="02020603050405020304" pitchFamily="18" charset="0"/>
+                <a:cs typeface="Times New Roman" panose="02020603050405020304" pitchFamily="18" charset="0"/>
+              </a:rPr>
+              <a:t>x</a:t>
+            </a:r>
+            <a:r>
+              <a:rPr lang="en-US" i="1" baseline="-25000" dirty="0" err="1" smtClean="0">
+                <a:latin typeface="Times New Roman" panose="02020603050405020304" pitchFamily="18" charset="0"/>
+                <a:cs typeface="Times New Roman" panose="02020603050405020304" pitchFamily="18" charset="0"/>
+              </a:rPr>
+              <a:t>j</a:t>
+            </a:r>
+            <a:endParaRPr lang="en-US" i="1" baseline="-25000" dirty="0">
+              <a:latin typeface="Times New Roman" panose="02020603050405020304" pitchFamily="18" charset="0"/>
+              <a:cs typeface="Times New Roman" panose="02020603050405020304" pitchFamily="18" charset="0"/>
+            </a:endParaRPr>
+          </a:p>
+          <a:p>
+            <a:pPr lvl="1"/>
+            <a:r>
+              <a:rPr lang="el-GR" i="1" dirty="0">
+                <a:latin typeface="Times New Roman" panose="02020603050405020304" pitchFamily="18" charset="0"/>
+                <a:cs typeface="Times New Roman" panose="02020603050405020304" pitchFamily="18" charset="0"/>
+              </a:rPr>
+              <a:t>β</a:t>
+            </a:r>
+            <a:r>
+              <a:rPr lang="en-US" i="1" baseline="-25000" dirty="0" smtClean="0">
+                <a:latin typeface="Times New Roman" panose="02020603050405020304" pitchFamily="18" charset="0"/>
+                <a:cs typeface="Times New Roman" panose="02020603050405020304" pitchFamily="18" charset="0"/>
+              </a:rPr>
+              <a:t>12</a:t>
+            </a:r>
+            <a:r>
+              <a:rPr lang="en-US" dirty="0" smtClean="0"/>
+              <a:t> </a:t>
+            </a:r>
+            <a:r>
+              <a:rPr lang="en-US" dirty="0"/>
+              <a:t>represents the </a:t>
+            </a:r>
+            <a:r>
+              <a:rPr lang="en-US" dirty="0" smtClean="0"/>
+              <a:t>effect of the interaction </a:t>
+            </a:r>
+            <a:r>
+              <a:rPr lang="en-US" i="1" dirty="0" smtClean="0">
+                <a:latin typeface="Times New Roman" panose="02020603050405020304" pitchFamily="18" charset="0"/>
+                <a:cs typeface="Times New Roman" panose="02020603050405020304" pitchFamily="18" charset="0"/>
+              </a:rPr>
+              <a:t>x</a:t>
+            </a:r>
+            <a:r>
+              <a:rPr lang="en-US" i="1" baseline="-25000" dirty="0" smtClean="0">
+                <a:latin typeface="Times New Roman" panose="02020603050405020304" pitchFamily="18" charset="0"/>
+                <a:cs typeface="Times New Roman" panose="02020603050405020304" pitchFamily="18" charset="0"/>
+              </a:rPr>
+              <a:t>i</a:t>
+            </a:r>
+            <a:r>
+              <a:rPr lang="en-US" i="1" dirty="0">
+                <a:latin typeface="Times New Roman" panose="02020603050405020304" pitchFamily="18" charset="0"/>
+                <a:cs typeface="Times New Roman" panose="02020603050405020304" pitchFamily="18" charset="0"/>
+              </a:rPr>
+              <a:t> </a:t>
+            </a:r>
+            <a:r>
+              <a:rPr lang="en-US" i="1" dirty="0" err="1" smtClean="0">
+                <a:latin typeface="Times New Roman" panose="02020603050405020304" pitchFamily="18" charset="0"/>
+                <a:cs typeface="Times New Roman" panose="02020603050405020304" pitchFamily="18" charset="0"/>
+              </a:rPr>
+              <a:t>x</a:t>
+            </a:r>
+            <a:r>
+              <a:rPr lang="en-US" i="1" baseline="-25000" dirty="0" err="1" smtClean="0">
+                <a:latin typeface="Times New Roman" panose="02020603050405020304" pitchFamily="18" charset="0"/>
+                <a:cs typeface="Times New Roman" panose="02020603050405020304" pitchFamily="18" charset="0"/>
+              </a:rPr>
+              <a:t>j</a:t>
+            </a:r>
+            <a:endParaRPr lang="en-US" i="1" baseline="-25000" dirty="0">
+              <a:latin typeface="Times New Roman" panose="02020603050405020304" pitchFamily="18" charset="0"/>
+              <a:cs typeface="Times New Roman" panose="02020603050405020304" pitchFamily="18" charset="0"/>
+            </a:endParaRPr>
+          </a:p>
+          <a:p>
+            <a:pPr lvl="1"/>
+            <a:endParaRPr lang="en-US" i="1" baseline="-25000" dirty="0" smtClean="0">
+              <a:latin typeface="Times New Roman" panose="02020603050405020304" pitchFamily="18" charset="0"/>
+              <a:cs typeface="Times New Roman" panose="02020603050405020304" pitchFamily="18" charset="0"/>
+            </a:endParaRPr>
+          </a:p>
+        </p:txBody>
+      </p:sp>
+      <p:graphicFrame>
+        <p:nvGraphicFramePr>
+          <p:cNvPr id="10" name="Object 9"/>
+          <p:cNvGraphicFramePr>
+            <a:graphicFrameLocks noChangeAspect="1"/>
+          </p:cNvGraphicFramePr>
+          <p:nvPr>
+            <p:extLst>
+              <p:ext uri="{D42A27DB-BD31-4B8C-83A1-F6EECF244321}">
+                <p14:modId xmlns:p14="http://schemas.microsoft.com/office/powerpoint/2010/main" val="2399602278"/>
+              </p:ext>
+            </p:extLst>
+          </p:nvPr>
+        </p:nvGraphicFramePr>
+        <p:xfrm>
+          <a:off x="1588072" y="2329543"/>
+          <a:ext cx="4044414" cy="598714"/>
+        </p:xfrm>
+        <a:graphic>
+          <a:graphicData uri="http://schemas.openxmlformats.org/presentationml/2006/ole">
+            <mc:AlternateContent xmlns:mc="http://schemas.openxmlformats.org/markup-compatibility/2006">
+              <mc:Choice xmlns:v="urn:schemas-microsoft-com:vml" Requires="v">
+                <p:oleObj spid="_x0000_s6153" name="Equation" r:id="rId3" imgW="3174840" imgH="469800" progId="Equation.3">
+                  <p:embed/>
+                </p:oleObj>
+              </mc:Choice>
+              <mc:Fallback>
+                <p:oleObj name="Equation" r:id="rId3" imgW="3174840" imgH="469800" progId="Equation.3">
+                  <p:embed/>
+                  <p:pic>
+                    <p:nvPicPr>
+                      <p:cNvPr id="0" name=""/>
+                      <p:cNvPicPr/>
+                      <p:nvPr/>
+                    </p:nvPicPr>
+                    <p:blipFill>
+                      <a:blip r:embed="rId4"/>
+                      <a:stretch>
+                        <a:fillRect/>
+                      </a:stretch>
+                    </p:blipFill>
+                    <p:spPr>
+                      <a:xfrm>
+                        <a:off x="1588072" y="2329543"/>
+                        <a:ext cx="4044414" cy="598714"/>
+                      </a:xfrm>
+                      <a:prstGeom prst="rect">
+                        <a:avLst/>
+                      </a:prstGeom>
+                    </p:spPr>
+                  </p:pic>
+                </p:oleObj>
+              </mc:Fallback>
+            </mc:AlternateContent>
+          </a:graphicData>
+        </a:graphic>
+      </p:graphicFrame>
+      <p:sp>
+        <p:nvSpPr>
+          <p:cNvPr id="12" name="Content Placeholder 3"/>
           <p:cNvSpPr>
             <a:spLocks noGrp="1"/>
           </p:cNvSpPr>
@@ -9566,19 +10078,265 @@
             <p:ph sz="half" idx="2"/>
           </p:nvPr>
         </p:nvSpPr>
-        <p:spPr/>
+        <p:spPr>
+          <a:xfrm>
+            <a:off x="6217919" y="1334498"/>
+            <a:ext cx="4937760" cy="4519655"/>
+          </a:xfrm>
+        </p:spPr>
         <p:txBody>
           <a:bodyPr/>
           <a:lstStyle/>
           <a:p>
-            <a:endParaRPr lang="en-US"/>
+            <a:r>
+              <a:rPr lang="en-US" dirty="0" smtClean="0">
+                <a:solidFill>
+                  <a:srgbClr val="3366FF"/>
+                </a:solidFill>
+              </a:rPr>
+              <a:t>Interactive:</a:t>
+            </a:r>
+            <a:r>
+              <a:rPr lang="en-US" dirty="0" smtClean="0"/>
+              <a:t> Fit this model in </a:t>
+            </a:r>
+            <a:r>
+              <a:rPr lang="en-US" dirty="0" err="1" smtClean="0"/>
+              <a:t>statnetWeb</a:t>
+            </a:r>
+            <a:r>
+              <a:rPr lang="en-US" dirty="0" smtClean="0"/>
+              <a:t>.</a:t>
+            </a:r>
+          </a:p>
+          <a:p>
+            <a:pPr lvl="1"/>
+            <a:r>
+              <a:rPr lang="en-US" dirty="0" smtClean="0"/>
+              <a:t>Let </a:t>
+            </a:r>
+            <a:r>
+              <a:rPr lang="en-US" i="1" dirty="0" smtClean="0">
+                <a:latin typeface="Times New Roman"/>
+                <a:cs typeface="Times New Roman"/>
+              </a:rPr>
+              <a:t>x</a:t>
+            </a:r>
+            <a:r>
+              <a:rPr lang="en-US" i="1" baseline="-25000" dirty="0" smtClean="0">
+                <a:latin typeface="Times New Roman"/>
+                <a:cs typeface="Times New Roman"/>
+              </a:rPr>
+              <a:t>i</a:t>
+            </a:r>
+            <a:r>
+              <a:rPr lang="en-US" dirty="0" smtClean="0">
+                <a:latin typeface="Times New Roman"/>
+                <a:cs typeface="Times New Roman"/>
+              </a:rPr>
+              <a:t>=1</a:t>
+            </a:r>
+            <a:r>
+              <a:rPr lang="en-US" dirty="0" smtClean="0"/>
+              <a:t> if node </a:t>
+            </a:r>
+            <a:r>
+              <a:rPr lang="en-US" i="1" dirty="0" err="1" smtClean="0">
+                <a:latin typeface="Times New Roman"/>
+                <a:cs typeface="Times New Roman"/>
+              </a:rPr>
+              <a:t>i</a:t>
+            </a:r>
+            <a:r>
+              <a:rPr lang="en-US" dirty="0" smtClean="0"/>
+              <a:t> is male</a:t>
+            </a:r>
+          </a:p>
+          <a:p>
+            <a:pPr lvl="1"/>
+            <a:r>
+              <a:rPr lang="en-US" dirty="0" smtClean="0"/>
+              <a:t>Read the help documentation for the </a:t>
+            </a:r>
+            <a:r>
+              <a:rPr lang="en-US" dirty="0" err="1" smtClean="0"/>
+              <a:t>ergm</a:t>
+            </a:r>
+            <a:r>
+              <a:rPr lang="en-US" dirty="0" smtClean="0"/>
+              <a:t> terms </a:t>
+            </a:r>
+            <a:r>
+              <a:rPr lang="en-US" dirty="0" err="1" smtClean="0"/>
+              <a:t>nodefactor</a:t>
+            </a:r>
+            <a:r>
+              <a:rPr lang="en-US" dirty="0" smtClean="0"/>
+              <a:t> and </a:t>
+            </a:r>
+            <a:r>
+              <a:rPr lang="en-US" dirty="0" err="1" smtClean="0"/>
+              <a:t>nodematch</a:t>
+            </a:r>
+            <a:endParaRPr lang="en-US" dirty="0" smtClean="0"/>
+          </a:p>
+          <a:p>
+            <a:pPr lvl="1"/>
+            <a:r>
+              <a:rPr lang="en-US" dirty="0" smtClean="0"/>
+              <a:t>Does it make sense that the following </a:t>
+            </a:r>
+            <a:r>
+              <a:rPr lang="en-US" dirty="0" err="1" smtClean="0"/>
+              <a:t>ergm</a:t>
+            </a:r>
+            <a:r>
+              <a:rPr lang="en-US" dirty="0" smtClean="0"/>
+              <a:t> formula is fitting the same model as on the left?</a:t>
+            </a:r>
+            <a:endParaRPr lang="en-US" dirty="0" smtClean="0"/>
+          </a:p>
+          <a:p>
+            <a:pPr marL="201168" lvl="1" indent="0">
+              <a:buNone/>
+            </a:pPr>
+            <a:r>
+              <a:rPr lang="en-US" sz="1400" dirty="0" smtClean="0">
+                <a:latin typeface="Courier New" panose="02070309020205020404" pitchFamily="49" charset="0"/>
+                <a:cs typeface="Courier New" panose="02070309020205020404" pitchFamily="49" charset="0"/>
+              </a:rPr>
+              <a:t>	edges </a:t>
+            </a:r>
+            <a:r>
+              <a:rPr lang="en-US" sz="1400" dirty="0">
+                <a:latin typeface="Courier New" panose="02070309020205020404" pitchFamily="49" charset="0"/>
+                <a:cs typeface="Courier New" panose="02070309020205020404" pitchFamily="49" charset="0"/>
+              </a:rPr>
+              <a:t>+ </a:t>
+            </a:r>
+            <a:r>
+              <a:rPr lang="en-US" sz="1400" dirty="0" err="1">
+                <a:latin typeface="Courier New" panose="02070309020205020404" pitchFamily="49" charset="0"/>
+                <a:cs typeface="Courier New" panose="02070309020205020404" pitchFamily="49" charset="0"/>
+              </a:rPr>
+              <a:t>nodefactor</a:t>
+            </a:r>
+            <a:r>
+              <a:rPr lang="en-US" sz="1400" dirty="0">
+                <a:latin typeface="Courier New" panose="02070309020205020404" pitchFamily="49" charset="0"/>
+                <a:cs typeface="Courier New" panose="02070309020205020404" pitchFamily="49" charset="0"/>
+              </a:rPr>
+              <a:t>("Sex") + </a:t>
+            </a:r>
+            <a:r>
+              <a:rPr lang="en-US" sz="1400" dirty="0" smtClean="0">
+                <a:latin typeface="Courier New" panose="02070309020205020404" pitchFamily="49" charset="0"/>
+                <a:cs typeface="Courier New" panose="02070309020205020404" pitchFamily="49" charset="0"/>
+              </a:rPr>
+              <a:t>	</a:t>
+            </a:r>
+            <a:r>
+              <a:rPr lang="en-US" sz="1400" dirty="0" err="1" smtClean="0">
+                <a:latin typeface="Courier New" panose="02070309020205020404" pitchFamily="49" charset="0"/>
+                <a:cs typeface="Courier New" panose="02070309020205020404" pitchFamily="49" charset="0"/>
+              </a:rPr>
+              <a:t>nodematch</a:t>
+            </a:r>
+            <a:r>
+              <a:rPr lang="en-US" sz="1400" dirty="0">
+                <a:latin typeface="Courier New" panose="02070309020205020404" pitchFamily="49" charset="0"/>
+                <a:cs typeface="Courier New" panose="02070309020205020404" pitchFamily="49" charset="0"/>
+              </a:rPr>
+              <a:t>("</a:t>
+            </a:r>
+            <a:r>
+              <a:rPr lang="en-US" sz="1400" dirty="0" err="1">
+                <a:latin typeface="Courier New" panose="02070309020205020404" pitchFamily="49" charset="0"/>
+                <a:cs typeface="Courier New" panose="02070309020205020404" pitchFamily="49" charset="0"/>
+              </a:rPr>
+              <a:t>Sex",diff</a:t>
+            </a:r>
+            <a:r>
+              <a:rPr lang="en-US" sz="1400" dirty="0">
+                <a:latin typeface="Courier New" panose="02070309020205020404" pitchFamily="49" charset="0"/>
+                <a:cs typeface="Courier New" panose="02070309020205020404" pitchFamily="49" charset="0"/>
+              </a:rPr>
+              <a:t>=</a:t>
+            </a:r>
+            <a:r>
+              <a:rPr lang="en-US" sz="1400" dirty="0" err="1">
+                <a:latin typeface="Courier New" panose="02070309020205020404" pitchFamily="49" charset="0"/>
+                <a:cs typeface="Courier New" panose="02070309020205020404" pitchFamily="49" charset="0"/>
+              </a:rPr>
+              <a:t>TRUE,keep</a:t>
+            </a:r>
+            <a:r>
+              <a:rPr lang="en-US" sz="1400" dirty="0">
+                <a:latin typeface="Courier New" panose="02070309020205020404" pitchFamily="49" charset="0"/>
+                <a:cs typeface="Courier New" panose="02070309020205020404" pitchFamily="49" charset="0"/>
+              </a:rPr>
+              <a:t>=2))</a:t>
+            </a:r>
+            <a:r>
+              <a:rPr lang="en-US" sz="1400" dirty="0" smtClean="0">
+                <a:latin typeface="Courier New" panose="02070309020205020404" pitchFamily="49" charset="0"/>
+                <a:cs typeface="Courier New" panose="02070309020205020404" pitchFamily="49" charset="0"/>
+              </a:rPr>
+              <a:t> </a:t>
+            </a:r>
+          </a:p>
+          <a:p>
+            <a:pPr lvl="1"/>
+            <a:r>
+              <a:rPr lang="en-US" dirty="0" smtClean="0">
+                <a:solidFill>
+                  <a:srgbClr val="404040"/>
+                </a:solidFill>
+              </a:rPr>
+              <a:t>Fit the model</a:t>
+            </a:r>
+          </a:p>
+          <a:p>
+            <a:pPr lvl="1"/>
+            <a:r>
+              <a:rPr lang="en-US" dirty="0" smtClean="0">
+                <a:solidFill>
+                  <a:srgbClr val="404040"/>
+                </a:solidFill>
+              </a:rPr>
+              <a:t>Interpret the coefficients</a:t>
+            </a:r>
+          </a:p>
+          <a:p>
+            <a:pPr lvl="1"/>
+            <a:r>
+              <a:rPr lang="en-US" dirty="0" err="1" smtClean="0">
+                <a:solidFill>
+                  <a:srgbClr val="404040"/>
+                </a:solidFill>
+              </a:rPr>
+              <a:t>Exponentiate</a:t>
+            </a:r>
+            <a:r>
+              <a:rPr lang="en-US" dirty="0" smtClean="0">
+                <a:solidFill>
+                  <a:srgbClr val="404040"/>
+                </a:solidFill>
+              </a:rPr>
+              <a:t> the coefficients and compare to relative rates</a:t>
+            </a:r>
+            <a:endParaRPr lang="en-US" dirty="0" smtClean="0">
+              <a:solidFill>
+                <a:srgbClr val="404040"/>
+              </a:solidFill>
+            </a:endParaRPr>
           </a:p>
         </p:txBody>
       </p:sp>
     </p:spTree>
     <p:extLst>
       <p:ext uri="{BB962C8B-B14F-4D97-AF65-F5344CB8AC3E}">
-        <p14:creationId xmlns:p14="http://schemas.microsoft.com/office/powerpoint/2010/main" val="1052789440"/>
+        <p14:creationId xmlns:p14="http://schemas.microsoft.com/office/powerpoint/2010/main" val="3056862091"/>
       </p:ext>
     </p:extLst>
   </p:cSld>
@@ -9617,7 +10375,9 @@
         </p:nvSpPr>
         <p:spPr/>
         <p:txBody>
-          <a:bodyPr/>
+          <a:bodyPr>
+            <a:normAutofit/>
+          </a:bodyPr>
           <a:lstStyle/>
           <a:p>
             <a:r>
@@ -9638,195 +10398,298 @@
             <p:ph sz="half" idx="1"/>
           </p:nvPr>
         </p:nvSpPr>
-        <p:spPr/>
-        <p:txBody>
-          <a:bodyPr/>
-          <a:lstStyle/>
-          <a:p>
-            <a:r>
-              <a:rPr lang="en-US" dirty="0" smtClean="0"/>
-              <a:t>What is an ERGM?</a:t>
-            </a:r>
-          </a:p>
-          <a:p>
-            <a:endParaRPr lang="en-US" sz="1100" dirty="0" smtClean="0"/>
-          </a:p>
-          <a:p>
-            <a:pPr lvl="1"/>
-            <a:r>
-              <a:rPr lang="en-US" dirty="0" smtClean="0"/>
-              <a:t>Class of models for specifying the probability distribution for a set of random graphs or networks</a:t>
-            </a:r>
-          </a:p>
-          <a:p>
-            <a:pPr lvl="1"/>
-            <a:endParaRPr lang="en-US" dirty="0"/>
-          </a:p>
-          <a:p>
-            <a:pPr lvl="1"/>
-            <a:r>
-              <a:rPr lang="en-US" i="1" dirty="0" smtClean="0">
-                <a:latin typeface="Times New Roman" panose="02020603050405020304" pitchFamily="18" charset="0"/>
-                <a:cs typeface="Times New Roman" panose="02020603050405020304" pitchFamily="18" charset="0"/>
-              </a:rPr>
-              <a:t>Y</a:t>
-            </a:r>
-            <a:r>
-              <a:rPr lang="en-US" dirty="0" smtClean="0"/>
-              <a:t>: random variable for state of network (with realization </a:t>
-            </a:r>
-            <a:r>
-              <a:rPr lang="en-US" i="1" dirty="0" smtClean="0">
-                <a:latin typeface="Times New Roman" panose="02020603050405020304" pitchFamily="18" charset="0"/>
-                <a:cs typeface="Times New Roman" panose="02020603050405020304" pitchFamily="18" charset="0"/>
-              </a:rPr>
-              <a:t>y</a:t>
-            </a:r>
-            <a:r>
-              <a:rPr lang="en-US" dirty="0" smtClean="0"/>
-              <a:t>)</a:t>
-            </a:r>
-          </a:p>
-          <a:p>
-            <a:pPr lvl="1"/>
-            <a:r>
-              <a:rPr lang="en-US" i="1" dirty="0" smtClean="0">
-                <a:latin typeface="Times New Roman" panose="02020603050405020304" pitchFamily="18" charset="0"/>
-                <a:cs typeface="Times New Roman" panose="02020603050405020304" pitchFamily="18" charset="0"/>
-              </a:rPr>
-              <a:t>g(y)</a:t>
-            </a:r>
-            <a:r>
-              <a:rPr lang="en-US" dirty="0" smtClean="0"/>
-              <a:t>: vector of model statistics for network </a:t>
-            </a:r>
-            <a:r>
-              <a:rPr lang="en-US" i="1" dirty="0" smtClean="0">
-                <a:latin typeface="Times New Roman" panose="02020603050405020304" pitchFamily="18" charset="0"/>
-                <a:cs typeface="Times New Roman" panose="02020603050405020304" pitchFamily="18" charset="0"/>
-              </a:rPr>
-              <a:t>y</a:t>
-            </a:r>
-          </a:p>
-          <a:p>
-            <a:pPr lvl="1"/>
-            <a:r>
-              <a:rPr lang="el-GR" i="1" dirty="0" smtClean="0">
-                <a:latin typeface="Times New Roman" panose="02020603050405020304" pitchFamily="18" charset="0"/>
-                <a:cs typeface="Times New Roman" panose="02020603050405020304" pitchFamily="18" charset="0"/>
-              </a:rPr>
-              <a:t>θ</a:t>
-            </a:r>
-            <a:r>
-              <a:rPr lang="en-US" dirty="0" smtClean="0"/>
-              <a:t>: vector of coefficients for statistics </a:t>
-            </a:r>
-            <a:r>
-              <a:rPr lang="en-US" i="1" dirty="0" smtClean="0">
-                <a:latin typeface="Times New Roman" panose="02020603050405020304" pitchFamily="18" charset="0"/>
-                <a:cs typeface="Times New Roman" panose="02020603050405020304" pitchFamily="18" charset="0"/>
-              </a:rPr>
-              <a:t>g(y)</a:t>
-            </a:r>
-          </a:p>
-          <a:p>
-            <a:pPr lvl="1"/>
-            <a:r>
-              <a:rPr lang="en-US" i="1" dirty="0" smtClean="0">
-                <a:latin typeface="Times New Roman" panose="02020603050405020304" pitchFamily="18" charset="0"/>
-                <a:cs typeface="Times New Roman" panose="02020603050405020304" pitchFamily="18" charset="0"/>
-              </a:rPr>
-              <a:t>k(</a:t>
-            </a:r>
-            <a:r>
-              <a:rPr lang="el-GR" i="1" dirty="0" smtClean="0">
-                <a:latin typeface="Times New Roman" panose="02020603050405020304" pitchFamily="18" charset="0"/>
-                <a:cs typeface="Times New Roman" panose="02020603050405020304" pitchFamily="18" charset="0"/>
-              </a:rPr>
-              <a:t>θ</a:t>
-            </a:r>
-            <a:r>
-              <a:rPr lang="en-US" i="1" dirty="0" smtClean="0">
-                <a:latin typeface="Times New Roman" panose="02020603050405020304" pitchFamily="18" charset="0"/>
-                <a:cs typeface="Times New Roman" panose="02020603050405020304" pitchFamily="18" charset="0"/>
-              </a:rPr>
-              <a:t>)</a:t>
-            </a:r>
-            <a:r>
-              <a:rPr lang="en-US" dirty="0" smtClean="0"/>
-              <a:t>: numerator summed over all possible networks with same node set as </a:t>
-            </a:r>
-            <a:r>
-              <a:rPr lang="en-US" i="1" dirty="0" smtClean="0">
-                <a:latin typeface="Times New Roman" panose="02020603050405020304" pitchFamily="18" charset="0"/>
-                <a:cs typeface="Times New Roman" panose="02020603050405020304" pitchFamily="18" charset="0"/>
-              </a:rPr>
-              <a:t>y</a:t>
-            </a:r>
-          </a:p>
-          <a:p>
-            <a:pPr lvl="1"/>
-            <a:endParaRPr lang="en-US" dirty="0"/>
-          </a:p>
-        </p:txBody>
-      </p:sp>
-      <p:pic>
-        <p:nvPicPr>
-          <p:cNvPr id="6" name="Content Placeholder 5"/>
-          <p:cNvPicPr>
-            <a:picLocks noGrp="1" noChangeAspect="1"/>
-          </p:cNvPicPr>
-          <p:nvPr>
-            <p:ph sz="half" idx="2"/>
-          </p:nvPr>
-        </p:nvPicPr>
-        <p:blipFill>
-          <a:blip r:embed="rId3">
-            <a:extLst>
-              <a:ext uri="{28A0092B-C50C-407E-A947-70E740481C1C}">
-                <a14:useLocalDpi xmlns:a14="http://schemas.microsoft.com/office/drawing/2010/main" val="0"/>
-              </a:ext>
-            </a:extLst>
-          </a:blip>
-          <a:stretch>
-            <a:fillRect/>
-          </a:stretch>
-        </p:blipFill>
         <p:spPr>
           <a:xfrm>
-            <a:off x="6035038" y="1447800"/>
-            <a:ext cx="5350405" cy="4012803"/>
+            <a:off x="1111875" y="1349440"/>
+            <a:ext cx="4937760" cy="4519654"/>
           </a:xfrm>
         </p:spPr>
-      </p:pic>
+        <p:txBody>
+          <a:bodyPr>
+            <a:normAutofit lnSpcReduction="10000"/>
+          </a:bodyPr>
+          <a:lstStyle/>
+          <a:p>
+            <a:r>
+              <a:rPr lang="en-US" b="1" dirty="0" smtClean="0"/>
+              <a:t>Logistic </a:t>
+            </a:r>
+            <a:r>
+              <a:rPr lang="en-US" b="1" dirty="0" smtClean="0"/>
+              <a:t>regression</a:t>
+            </a:r>
+            <a:endParaRPr lang="en-US" dirty="0"/>
+          </a:p>
+          <a:p>
+            <a:endParaRPr lang="en-US" dirty="0" smtClean="0"/>
+          </a:p>
+          <a:p>
+            <a:endParaRPr lang="en-US" dirty="0" smtClean="0"/>
+          </a:p>
+          <a:p>
+            <a:r>
+              <a:rPr lang="en-US" dirty="0" smtClean="0"/>
+              <a:t>How </a:t>
+            </a:r>
+            <a:r>
+              <a:rPr lang="en-US" dirty="0"/>
+              <a:t>are {</a:t>
+            </a:r>
+            <a:r>
+              <a:rPr lang="en-US" i="1" dirty="0">
+                <a:latin typeface="Times New Roman"/>
+                <a:cs typeface="Times New Roman"/>
+              </a:rPr>
+              <a:t>β</a:t>
+            </a:r>
+            <a:r>
+              <a:rPr lang="en-US" i="1" baseline="-25000" dirty="0">
+                <a:latin typeface="Times New Roman"/>
+                <a:cs typeface="Times New Roman"/>
+              </a:rPr>
+              <a:t>0</a:t>
+            </a:r>
+            <a:r>
+              <a:rPr lang="en-US" i="1" dirty="0">
+                <a:latin typeface="Times New Roman"/>
+                <a:cs typeface="Times New Roman"/>
+              </a:rPr>
+              <a:t>, β</a:t>
+            </a:r>
+            <a:r>
+              <a:rPr lang="en-US" i="1" baseline="-25000" dirty="0">
+                <a:latin typeface="Times New Roman"/>
+                <a:cs typeface="Times New Roman"/>
+              </a:rPr>
+              <a:t>1</a:t>
+            </a:r>
+            <a:r>
+              <a:rPr lang="en-US" i="1" dirty="0">
+                <a:latin typeface="Times New Roman"/>
+                <a:cs typeface="Times New Roman"/>
+              </a:rPr>
+              <a:t>, β</a:t>
+            </a:r>
+            <a:r>
+              <a:rPr lang="en-US" i="1" baseline="-25000" dirty="0">
+                <a:latin typeface="Times New Roman"/>
+                <a:cs typeface="Times New Roman"/>
+              </a:rPr>
+              <a:t>2</a:t>
+            </a:r>
+            <a:r>
+              <a:rPr lang="en-US" i="1" dirty="0">
+                <a:latin typeface="Times New Roman"/>
+                <a:cs typeface="Times New Roman"/>
+              </a:rPr>
+              <a:t>, β</a:t>
+            </a:r>
+            <a:r>
+              <a:rPr lang="en-US" i="1" baseline="-25000" dirty="0">
+                <a:latin typeface="Times New Roman"/>
+                <a:cs typeface="Times New Roman"/>
+              </a:rPr>
+              <a:t>12</a:t>
+            </a:r>
+            <a:r>
+              <a:rPr lang="en-US" dirty="0"/>
+              <a:t>} from our model related to                            ?</a:t>
+            </a:r>
+          </a:p>
+          <a:p>
+            <a:endParaRPr lang="en-US" dirty="0"/>
+          </a:p>
+          <a:p>
+            <a:pPr lvl="1"/>
+            <a:r>
+              <a:rPr lang="en-US" dirty="0"/>
+              <a:t>If network density is low, </a:t>
+            </a:r>
+            <a:r>
+              <a:rPr lang="en-US" i="1" dirty="0">
+                <a:latin typeface="Times New Roman"/>
+                <a:cs typeface="Times New Roman"/>
+              </a:rPr>
+              <a:t>1-p</a:t>
+            </a:r>
+            <a:r>
+              <a:rPr lang="en-US" i="1" baseline="-25000" dirty="0">
+                <a:latin typeface="Times New Roman"/>
+                <a:cs typeface="Times New Roman"/>
+              </a:rPr>
+              <a:t>xixj</a:t>
+            </a:r>
+            <a:r>
+              <a:rPr lang="en-US" i="1" dirty="0">
+                <a:latin typeface="Times New Roman"/>
+                <a:cs typeface="Times New Roman"/>
+              </a:rPr>
+              <a:t> ≈ 1</a:t>
+            </a:r>
+          </a:p>
+          <a:p>
+            <a:pPr lvl="1"/>
+            <a:r>
+              <a:rPr lang="en-US" i="1" dirty="0" err="1">
+                <a:latin typeface="Times New Roman"/>
+                <a:cs typeface="Times New Roman"/>
+              </a:rPr>
+              <a:t>o</a:t>
+            </a:r>
+            <a:r>
+              <a:rPr lang="en-US" i="1" baseline="-25000" dirty="0" err="1">
+                <a:latin typeface="Times New Roman"/>
+                <a:cs typeface="Times New Roman"/>
+              </a:rPr>
+              <a:t>xixj</a:t>
+            </a:r>
+            <a:r>
+              <a:rPr lang="en-US" i="1" baseline="-25000" dirty="0">
+                <a:latin typeface="Times New Roman"/>
+                <a:cs typeface="Times New Roman"/>
+              </a:rPr>
+              <a:t> </a:t>
+            </a:r>
+            <a:r>
+              <a:rPr lang="en-US" i="1" dirty="0">
+                <a:latin typeface="Times New Roman"/>
+                <a:cs typeface="Times New Roman"/>
+              </a:rPr>
+              <a:t>= </a:t>
+            </a:r>
+            <a:r>
+              <a:rPr lang="en-US" i="1" dirty="0" err="1">
+                <a:latin typeface="Times New Roman"/>
+                <a:cs typeface="Times New Roman"/>
+              </a:rPr>
+              <a:t>p</a:t>
+            </a:r>
+            <a:r>
+              <a:rPr lang="en-US" i="1" baseline="-25000" dirty="0" err="1">
+                <a:latin typeface="Times New Roman"/>
+                <a:cs typeface="Times New Roman"/>
+              </a:rPr>
+              <a:t>xixj</a:t>
+            </a:r>
+            <a:r>
+              <a:rPr lang="en-US" i="1" dirty="0">
+                <a:latin typeface="Times New Roman"/>
+                <a:cs typeface="Times New Roman"/>
+              </a:rPr>
+              <a:t> / (1-p</a:t>
+            </a:r>
+            <a:r>
+              <a:rPr lang="en-US" i="1" baseline="-25000" dirty="0">
+                <a:latin typeface="Times New Roman"/>
+                <a:cs typeface="Times New Roman"/>
+              </a:rPr>
+              <a:t>xixj</a:t>
+            </a:r>
+            <a:r>
+              <a:rPr lang="en-US" i="1" dirty="0">
+                <a:latin typeface="Times New Roman"/>
+                <a:cs typeface="Times New Roman"/>
+              </a:rPr>
+              <a:t>) ≈ </a:t>
+            </a:r>
+            <a:r>
+              <a:rPr lang="en-US" i="1" dirty="0" err="1">
+                <a:latin typeface="Times New Roman"/>
+                <a:cs typeface="Times New Roman"/>
+              </a:rPr>
+              <a:t>p</a:t>
+            </a:r>
+            <a:r>
+              <a:rPr lang="en-US" i="1" baseline="-25000" dirty="0" err="1">
+                <a:latin typeface="Times New Roman"/>
+                <a:cs typeface="Times New Roman"/>
+              </a:rPr>
+              <a:t>xixj</a:t>
+            </a:r>
+            <a:endParaRPr lang="en-US" i="1" baseline="-25000" dirty="0">
+              <a:latin typeface="Times New Roman"/>
+              <a:cs typeface="Times New Roman"/>
+            </a:endParaRPr>
+          </a:p>
+          <a:p>
+            <a:pPr lvl="1"/>
+            <a:endParaRPr lang="en-US" i="1" baseline="-25000" dirty="0">
+              <a:latin typeface="Times New Roman"/>
+              <a:cs typeface="Times New Roman"/>
+            </a:endParaRPr>
+          </a:p>
+          <a:p>
+            <a:pPr lvl="1"/>
+            <a:endParaRPr lang="en-US" i="1" baseline="-25000" dirty="0">
+              <a:latin typeface="Times New Roman"/>
+              <a:cs typeface="Times New Roman"/>
+            </a:endParaRPr>
+          </a:p>
+          <a:p>
+            <a:pPr lvl="1"/>
+            <a:endParaRPr lang="en-US" i="1" baseline="-25000" dirty="0">
+              <a:latin typeface="Times New Roman"/>
+              <a:cs typeface="Times New Roman"/>
+            </a:endParaRPr>
+          </a:p>
+          <a:p>
+            <a:pPr lvl="1"/>
+            <a:endParaRPr lang="en-US" i="1" baseline="-25000" dirty="0">
+              <a:latin typeface="Times New Roman"/>
+              <a:cs typeface="Times New Roman"/>
+            </a:endParaRPr>
+          </a:p>
+          <a:p>
+            <a:pPr lvl="1"/>
+            <a:endParaRPr lang="en-US" dirty="0">
+              <a:cs typeface="Times New Roman"/>
+            </a:endParaRPr>
+          </a:p>
+          <a:p>
+            <a:pPr lvl="1"/>
+            <a:r>
+              <a:rPr lang="en-US" dirty="0">
+                <a:solidFill>
+                  <a:srgbClr val="FF0000"/>
+                </a:solidFill>
+                <a:cs typeface="Times New Roman"/>
+              </a:rPr>
+              <a:t>Edit these equations on windows</a:t>
+            </a:r>
+          </a:p>
+          <a:p>
+            <a:endParaRPr lang="en-US" dirty="0" smtClean="0"/>
+          </a:p>
+        </p:txBody>
+      </p:sp>
       <p:graphicFrame>
         <p:nvGraphicFramePr>
-          <p:cNvPr id="7" name="Object 6"/>
+          <p:cNvPr id="6" name="Object 5"/>
           <p:cNvGraphicFramePr>
             <a:graphicFrameLocks noChangeAspect="1"/>
           </p:cNvGraphicFramePr>
           <p:nvPr>
             <p:extLst>
               <p:ext uri="{D42A27DB-BD31-4B8C-83A1-F6EECF244321}">
-                <p14:modId xmlns:p14="http://schemas.microsoft.com/office/powerpoint/2010/main" val="2369384258"/>
+                <p14:modId xmlns:p14="http://schemas.microsoft.com/office/powerpoint/2010/main" val="1981330464"/>
               </p:ext>
             </p:extLst>
           </p:nvPr>
         </p:nvGraphicFramePr>
         <p:xfrm>
-          <a:off x="2516188" y="2651125"/>
-          <a:ext cx="2097087" cy="582613"/>
+          <a:off x="1498425" y="1774771"/>
+          <a:ext cx="4044414" cy="598714"/>
         </p:xfrm>
         <a:graphic>
           <a:graphicData uri="http://schemas.openxmlformats.org/presentationml/2006/ole">
             <mc:AlternateContent xmlns:mc="http://schemas.openxmlformats.org/markup-compatibility/2006">
               <mc:Choice xmlns:v="urn:schemas-microsoft-com:vml" Requires="v">
-                <p:oleObj spid="_x0000_s1031" name="Equation" r:id="rId4" imgW="1511280" imgH="419040" progId="Equation.DSMT4">
+                <p:oleObj spid="_x0000_s4132" name="Equation" r:id="rId3" imgW="3174840" imgH="469800" progId="Equation.3">
                   <p:embed/>
                 </p:oleObj>
               </mc:Choice>
               <mc:Fallback>
-                <p:oleObj name="Equation" r:id="rId4" imgW="1511280" imgH="419040" progId="Equation.DSMT4">
+                <p:oleObj name="Equation" r:id="rId3" imgW="3174840" imgH="469800" progId="Equation.3">
                   <p:embed/>
                   <p:pic>
                     <p:nvPicPr>
@@ -9835,15 +10698,530 @@
                       <p:nvPr/>
                     </p:nvPicPr>
                     <p:blipFill>
-                      <a:blip r:embed="rId5"/>
+                      <a:blip r:embed="rId4"/>
                       <a:stretch>
                         <a:fillRect/>
                       </a:stretch>
                     </p:blipFill>
                     <p:spPr>
                       <a:xfrm>
-                        <a:off x="2516188" y="2651125"/>
-                        <a:ext cx="2097087" cy="582613"/>
+                        <a:off x="1498425" y="1774771"/>
+                        <a:ext cx="4044414" cy="598714"/>
+                      </a:xfrm>
+                      <a:prstGeom prst="rect">
+                        <a:avLst/>
+                      </a:prstGeom>
+                    </p:spPr>
+                  </p:pic>
+                </p:oleObj>
+              </mc:Fallback>
+            </mc:AlternateContent>
+          </a:graphicData>
+        </a:graphic>
+      </p:graphicFrame>
+      <p:sp>
+        <p:nvSpPr>
+          <p:cNvPr id="8" name="Content Placeholder 3"/>
+          <p:cNvSpPr txBox="1">
+            <a:spLocks/>
+          </p:cNvSpPr>
+          <p:nvPr/>
+        </p:nvSpPr>
+        <p:spPr>
+          <a:xfrm>
+            <a:off x="6340438" y="1337286"/>
+            <a:ext cx="4937760" cy="4519655"/>
+          </a:xfrm>
+          <a:prstGeom prst="rect">
+            <a:avLst/>
+          </a:prstGeom>
+        </p:spPr>
+        <p:txBody>
+          <a:bodyPr vert="horz" lIns="0" tIns="45720" rIns="0" bIns="45720" rtlCol="0">
+            <a:normAutofit/>
+          </a:bodyPr>
+          <a:lstStyle>
+            <a:lvl1pPr marL="91440" indent="-91440" algn="l" defTabSz="914400" rtl="0" eaLnBrk="1" latinLnBrk="0" hangingPunct="1">
+              <a:lnSpc>
+                <a:spcPct val="90000"/>
+              </a:lnSpc>
+              <a:spcBef>
+                <a:spcPts val="1200"/>
+              </a:spcBef>
+              <a:spcAft>
+                <a:spcPts val="200"/>
+              </a:spcAft>
+              <a:buClr>
+                <a:schemeClr val="accent1"/>
+              </a:buClr>
+              <a:buSzPct val="100000"/>
+              <a:buFont typeface="Calibri" panose="020F0502020204030204" pitchFamily="34" charset="0"/>
+              <a:buChar char=" "/>
+              <a:defRPr sz="2000" kern="1200">
+                <a:solidFill>
+                  <a:schemeClr val="tx1">
+                    <a:lumMod val="75000"/>
+                    <a:lumOff val="25000"/>
+                  </a:schemeClr>
+                </a:solidFill>
+                <a:latin typeface="+mn-lt"/>
+                <a:ea typeface="+mn-ea"/>
+                <a:cs typeface="+mn-cs"/>
+              </a:defRPr>
+            </a:lvl1pPr>
+            <a:lvl2pPr marL="384048" indent="-182880" algn="l" defTabSz="914400" rtl="0" eaLnBrk="1" latinLnBrk="0" hangingPunct="1">
+              <a:lnSpc>
+                <a:spcPct val="90000"/>
+              </a:lnSpc>
+              <a:spcBef>
+                <a:spcPts val="200"/>
+              </a:spcBef>
+              <a:spcAft>
+                <a:spcPts val="400"/>
+              </a:spcAft>
+              <a:buClr>
+                <a:schemeClr val="accent1"/>
+              </a:buClr>
+              <a:buFont typeface="Calibri" pitchFamily="34" charset="0"/>
+              <a:buChar char="◦"/>
+              <a:defRPr sz="1800" kern="1200">
+                <a:solidFill>
+                  <a:schemeClr val="tx1">
+                    <a:lumMod val="75000"/>
+                    <a:lumOff val="25000"/>
+                  </a:schemeClr>
+                </a:solidFill>
+                <a:latin typeface="+mn-lt"/>
+                <a:ea typeface="+mn-ea"/>
+                <a:cs typeface="+mn-cs"/>
+              </a:defRPr>
+            </a:lvl2pPr>
+            <a:lvl3pPr marL="566928" indent="-182880" algn="l" defTabSz="914400" rtl="0" eaLnBrk="1" latinLnBrk="0" hangingPunct="1">
+              <a:lnSpc>
+                <a:spcPct val="90000"/>
+              </a:lnSpc>
+              <a:spcBef>
+                <a:spcPts val="200"/>
+              </a:spcBef>
+              <a:spcAft>
+                <a:spcPts val="400"/>
+              </a:spcAft>
+              <a:buClr>
+                <a:schemeClr val="accent1"/>
+              </a:buClr>
+              <a:buFont typeface="Calibri" pitchFamily="34" charset="0"/>
+              <a:buChar char="◦"/>
+              <a:defRPr sz="1400" kern="1200">
+                <a:solidFill>
+                  <a:schemeClr val="tx1">
+                    <a:lumMod val="75000"/>
+                    <a:lumOff val="25000"/>
+                  </a:schemeClr>
+                </a:solidFill>
+                <a:latin typeface="+mn-lt"/>
+                <a:ea typeface="+mn-ea"/>
+                <a:cs typeface="+mn-cs"/>
+              </a:defRPr>
+            </a:lvl3pPr>
+            <a:lvl4pPr marL="749808" indent="-182880" algn="l" defTabSz="914400" rtl="0" eaLnBrk="1" latinLnBrk="0" hangingPunct="1">
+              <a:lnSpc>
+                <a:spcPct val="90000"/>
+              </a:lnSpc>
+              <a:spcBef>
+                <a:spcPts val="200"/>
+              </a:spcBef>
+              <a:spcAft>
+                <a:spcPts val="400"/>
+              </a:spcAft>
+              <a:buClr>
+                <a:schemeClr val="accent1"/>
+              </a:buClr>
+              <a:buFont typeface="Calibri" pitchFamily="34" charset="0"/>
+              <a:buChar char="◦"/>
+              <a:defRPr sz="1400" kern="1200">
+                <a:solidFill>
+                  <a:schemeClr val="tx1">
+                    <a:lumMod val="75000"/>
+                    <a:lumOff val="25000"/>
+                  </a:schemeClr>
+                </a:solidFill>
+                <a:latin typeface="+mn-lt"/>
+                <a:ea typeface="+mn-ea"/>
+                <a:cs typeface="+mn-cs"/>
+              </a:defRPr>
+            </a:lvl4pPr>
+            <a:lvl5pPr marL="932688" indent="-182880" algn="l" defTabSz="914400" rtl="0" eaLnBrk="1" latinLnBrk="0" hangingPunct="1">
+              <a:lnSpc>
+                <a:spcPct val="90000"/>
+              </a:lnSpc>
+              <a:spcBef>
+                <a:spcPts val="200"/>
+              </a:spcBef>
+              <a:spcAft>
+                <a:spcPts val="400"/>
+              </a:spcAft>
+              <a:buClr>
+                <a:schemeClr val="accent1"/>
+              </a:buClr>
+              <a:buFont typeface="Calibri" pitchFamily="34" charset="0"/>
+              <a:buChar char="◦"/>
+              <a:defRPr sz="1400" kern="1200">
+                <a:solidFill>
+                  <a:schemeClr val="tx1">
+                    <a:lumMod val="75000"/>
+                    <a:lumOff val="25000"/>
+                  </a:schemeClr>
+                </a:solidFill>
+                <a:latin typeface="+mn-lt"/>
+                <a:ea typeface="+mn-ea"/>
+                <a:cs typeface="+mn-cs"/>
+              </a:defRPr>
+            </a:lvl5pPr>
+            <a:lvl6pPr marL="1100000" indent="-228600" algn="l" defTabSz="914400" rtl="0" eaLnBrk="1" latinLnBrk="0" hangingPunct="1">
+              <a:lnSpc>
+                <a:spcPct val="90000"/>
+              </a:lnSpc>
+              <a:spcBef>
+                <a:spcPts val="200"/>
+              </a:spcBef>
+              <a:spcAft>
+                <a:spcPts val="400"/>
+              </a:spcAft>
+              <a:buClr>
+                <a:schemeClr val="accent1"/>
+              </a:buClr>
+              <a:buFont typeface="Calibri" pitchFamily="34" charset="0"/>
+              <a:buChar char="◦"/>
+              <a:defRPr sz="1400" kern="1200">
+                <a:solidFill>
+                  <a:schemeClr val="tx1">
+                    <a:lumMod val="75000"/>
+                    <a:lumOff val="25000"/>
+                  </a:schemeClr>
+                </a:solidFill>
+                <a:latin typeface="+mn-lt"/>
+                <a:ea typeface="+mn-ea"/>
+                <a:cs typeface="+mn-cs"/>
+              </a:defRPr>
+            </a:lvl6pPr>
+            <a:lvl7pPr marL="1300000" indent="-228600" algn="l" defTabSz="914400" rtl="0" eaLnBrk="1" latinLnBrk="0" hangingPunct="1">
+              <a:lnSpc>
+                <a:spcPct val="90000"/>
+              </a:lnSpc>
+              <a:spcBef>
+                <a:spcPts val="200"/>
+              </a:spcBef>
+              <a:spcAft>
+                <a:spcPts val="400"/>
+              </a:spcAft>
+              <a:buClr>
+                <a:schemeClr val="accent1"/>
+              </a:buClr>
+              <a:buFont typeface="Calibri" pitchFamily="34" charset="0"/>
+              <a:buChar char="◦"/>
+              <a:defRPr sz="1400" kern="1200">
+                <a:solidFill>
+                  <a:schemeClr val="tx1">
+                    <a:lumMod val="75000"/>
+                    <a:lumOff val="25000"/>
+                  </a:schemeClr>
+                </a:solidFill>
+                <a:latin typeface="+mn-lt"/>
+                <a:ea typeface="+mn-ea"/>
+                <a:cs typeface="+mn-cs"/>
+              </a:defRPr>
+            </a:lvl7pPr>
+            <a:lvl8pPr marL="1500000" indent="-228600" algn="l" defTabSz="914400" rtl="0" eaLnBrk="1" latinLnBrk="0" hangingPunct="1">
+              <a:lnSpc>
+                <a:spcPct val="90000"/>
+              </a:lnSpc>
+              <a:spcBef>
+                <a:spcPts val="200"/>
+              </a:spcBef>
+              <a:spcAft>
+                <a:spcPts val="400"/>
+              </a:spcAft>
+              <a:buClr>
+                <a:schemeClr val="accent1"/>
+              </a:buClr>
+              <a:buFont typeface="Calibri" pitchFamily="34" charset="0"/>
+              <a:buChar char="◦"/>
+              <a:defRPr sz="1400" kern="1200">
+                <a:solidFill>
+                  <a:schemeClr val="tx1">
+                    <a:lumMod val="75000"/>
+                    <a:lumOff val="25000"/>
+                  </a:schemeClr>
+                </a:solidFill>
+                <a:latin typeface="+mn-lt"/>
+                <a:ea typeface="+mn-ea"/>
+                <a:cs typeface="+mn-cs"/>
+              </a:defRPr>
+            </a:lvl8pPr>
+            <a:lvl9pPr marL="1700000" indent="-228600" algn="l" defTabSz="914400" rtl="0" eaLnBrk="1" latinLnBrk="0" hangingPunct="1">
+              <a:lnSpc>
+                <a:spcPct val="90000"/>
+              </a:lnSpc>
+              <a:spcBef>
+                <a:spcPts val="200"/>
+              </a:spcBef>
+              <a:spcAft>
+                <a:spcPts val="400"/>
+              </a:spcAft>
+              <a:buClr>
+                <a:schemeClr val="accent1"/>
+              </a:buClr>
+              <a:buFont typeface="Calibri" pitchFamily="34" charset="0"/>
+              <a:buChar char="◦"/>
+              <a:defRPr sz="1400" kern="1200">
+                <a:solidFill>
+                  <a:schemeClr val="tx1">
+                    <a:lumMod val="75000"/>
+                    <a:lumOff val="25000"/>
+                  </a:schemeClr>
+                </a:solidFill>
+                <a:latin typeface="+mn-lt"/>
+                <a:ea typeface="+mn-ea"/>
+                <a:cs typeface="+mn-cs"/>
+              </a:defRPr>
+            </a:lvl9pPr>
+          </a:lstStyle>
+          <a:p>
+            <a:r>
+              <a:rPr lang="en-US" dirty="0" smtClean="0"/>
+              <a:t>Note </a:t>
+            </a:r>
+            <a:r>
+              <a:rPr lang="en-US" dirty="0"/>
+              <a:t>that if we don’t include any covariates our logistic regression model becomes much simpler</a:t>
+            </a:r>
+          </a:p>
+          <a:p>
+            <a:pPr marL="201168" lvl="1" indent="0">
+              <a:buNone/>
+            </a:pPr>
+            <a:endParaRPr lang="en-US" dirty="0"/>
+          </a:p>
+          <a:p>
+            <a:pPr marL="566928" lvl="3" indent="0">
+              <a:buNone/>
+            </a:pPr>
+            <a:endParaRPr lang="en-US" sz="1200" i="1" dirty="0">
+              <a:latin typeface="Times New Roman" panose="02020603050405020304" pitchFamily="18" charset="0"/>
+              <a:cs typeface="Times New Roman" panose="02020603050405020304" pitchFamily="18" charset="0"/>
+            </a:endParaRPr>
+          </a:p>
+          <a:p>
+            <a:pPr lvl="1"/>
+            <a:endParaRPr lang="en-US" i="1" dirty="0" smtClean="0">
+              <a:latin typeface="Times New Roman" panose="02020603050405020304" pitchFamily="18" charset="0"/>
+              <a:cs typeface="Times New Roman" panose="02020603050405020304" pitchFamily="18" charset="0"/>
+            </a:endParaRPr>
+          </a:p>
+          <a:p>
+            <a:pPr lvl="1"/>
+            <a:r>
+              <a:rPr lang="el-GR" i="1" dirty="0" smtClean="0">
+                <a:latin typeface="Times New Roman" panose="02020603050405020304" pitchFamily="18" charset="0"/>
+                <a:cs typeface="Times New Roman" panose="02020603050405020304" pitchFamily="18" charset="0"/>
+              </a:rPr>
+              <a:t>β</a:t>
+            </a:r>
+            <a:r>
+              <a:rPr lang="en-US" i="1" baseline="-25000" dirty="0" smtClean="0">
+                <a:latin typeface="Times New Roman" panose="02020603050405020304" pitchFamily="18" charset="0"/>
+                <a:cs typeface="Times New Roman" panose="02020603050405020304" pitchFamily="18" charset="0"/>
+              </a:rPr>
+              <a:t>0</a:t>
+            </a:r>
+            <a:r>
+              <a:rPr lang="en-US" dirty="0" smtClean="0"/>
+              <a:t> </a:t>
+            </a:r>
+            <a:r>
+              <a:rPr lang="en-US" dirty="0"/>
+              <a:t>is the log odds of any tie </a:t>
+            </a:r>
+          </a:p>
+          <a:p>
+            <a:pPr lvl="1"/>
+            <a:r>
+              <a:rPr lang="en-US" dirty="0">
+                <a:cs typeface="Times New Roman" panose="02020603050405020304" pitchFamily="18" charset="0"/>
+              </a:rPr>
+              <a:t>This is the Bernoulli model</a:t>
+            </a:r>
+          </a:p>
+          <a:p>
+            <a:endParaRPr lang="en-US" dirty="0">
+              <a:solidFill>
+                <a:srgbClr val="FF0000"/>
+              </a:solidFill>
+              <a:cs typeface="Times New Roman"/>
+            </a:endParaRPr>
+          </a:p>
+        </p:txBody>
+      </p:sp>
+      <p:graphicFrame>
+        <p:nvGraphicFramePr>
+          <p:cNvPr id="10" name="Content Placeholder 9"/>
+          <p:cNvGraphicFramePr>
+            <a:graphicFrameLocks noGrp="1" noChangeAspect="1"/>
+          </p:cNvGraphicFramePr>
+          <p:nvPr>
+            <p:ph sz="half" idx="2"/>
+            <p:extLst>
+              <p:ext uri="{D42A27DB-BD31-4B8C-83A1-F6EECF244321}">
+                <p14:modId xmlns:p14="http://schemas.microsoft.com/office/powerpoint/2010/main" val="592082728"/>
+              </p:ext>
+            </p:extLst>
+          </p:nvPr>
+        </p:nvGraphicFramePr>
+        <p:xfrm>
+          <a:off x="2346887" y="2915539"/>
+          <a:ext cx="1384300" cy="520700"/>
+        </p:xfrm>
+        <a:graphic>
+          <a:graphicData uri="http://schemas.openxmlformats.org/presentationml/2006/ole">
+            <mc:AlternateContent xmlns:mc="http://schemas.openxmlformats.org/markup-compatibility/2006">
+              <mc:Choice xmlns:v="urn:schemas-microsoft-com:vml" Requires="v">
+                <p:oleObj spid="_x0000_s4133" name="Equation" r:id="rId5" imgW="1384300" imgH="520700" progId="Equation.3">
+                  <p:embed/>
+                </p:oleObj>
+              </mc:Choice>
+              <mc:Fallback>
+                <p:oleObj name="Equation" r:id="rId5" imgW="1384300" imgH="520700" progId="Equation.3">
+                  <p:embed/>
+                  <p:pic>
+                    <p:nvPicPr>
+                      <p:cNvPr id="0" name=""/>
+                      <p:cNvPicPr/>
+                      <p:nvPr/>
+                    </p:nvPicPr>
+                    <p:blipFill>
+                      <a:blip r:embed="rId6"/>
+                      <a:stretch>
+                        <a:fillRect/>
+                      </a:stretch>
+                    </p:blipFill>
+                    <p:spPr>
+                      <a:xfrm>
+                        <a:off x="2346887" y="2915539"/>
+                        <a:ext cx="1384300" cy="520700"/>
+                      </a:xfrm>
+                      <a:prstGeom prst="rect">
+                        <a:avLst/>
+                      </a:prstGeom>
+                    </p:spPr>
+                  </p:pic>
+                </p:oleObj>
+              </mc:Fallback>
+            </mc:AlternateContent>
+          </a:graphicData>
+        </a:graphic>
+      </p:graphicFrame>
+      <p:graphicFrame>
+        <p:nvGraphicFramePr>
+          <p:cNvPr id="11" name="Object 10"/>
+          <p:cNvGraphicFramePr>
+            <a:graphicFrameLocks noChangeAspect="1"/>
+          </p:cNvGraphicFramePr>
+          <p:nvPr>
+            <p:extLst>
+              <p:ext uri="{D42A27DB-BD31-4B8C-83A1-F6EECF244321}">
+                <p14:modId xmlns:p14="http://schemas.microsoft.com/office/powerpoint/2010/main" val="3096840010"/>
+              </p:ext>
+            </p:extLst>
+          </p:nvPr>
+        </p:nvGraphicFramePr>
+        <p:xfrm>
+          <a:off x="1744009" y="4431366"/>
+          <a:ext cx="2655888" cy="752475"/>
+        </p:xfrm>
+        <a:graphic>
+          <a:graphicData uri="http://schemas.openxmlformats.org/presentationml/2006/ole">
+            <mc:AlternateContent xmlns:mc="http://schemas.openxmlformats.org/markup-compatibility/2006">
+              <mc:Choice xmlns:v="urn:schemas-microsoft-com:vml" Requires="v">
+                <p:oleObj spid="_x0000_s4134" name="Equation" r:id="rId7" imgW="1841500" imgH="520700" progId="Equation.3">
+                  <p:embed/>
+                </p:oleObj>
+              </mc:Choice>
+              <mc:Fallback>
+                <p:oleObj name="Equation" r:id="rId7" imgW="1841500" imgH="520700" progId="Equation.3">
+                  <p:embed/>
+                  <p:pic>
+                    <p:nvPicPr>
+                      <p:cNvPr id="0" name=""/>
+                      <p:cNvPicPr/>
+                      <p:nvPr/>
+                    </p:nvPicPr>
+                    <p:blipFill>
+                      <a:blip r:embed="rId8"/>
+                      <a:stretch>
+                        <a:fillRect/>
+                      </a:stretch>
+                    </p:blipFill>
+                    <p:spPr>
+                      <a:xfrm>
+                        <a:off x="1744009" y="4431366"/>
+                        <a:ext cx="2655888" cy="752475"/>
+                      </a:xfrm>
+                      <a:prstGeom prst="rect">
+                        <a:avLst/>
+                      </a:prstGeom>
+                    </p:spPr>
+                  </p:pic>
+                </p:oleObj>
+              </mc:Fallback>
+            </mc:AlternateContent>
+          </a:graphicData>
+        </a:graphic>
+      </p:graphicFrame>
+      <p:graphicFrame>
+        <p:nvGraphicFramePr>
+          <p:cNvPr id="12" name="Object 11"/>
+          <p:cNvGraphicFramePr>
+            <a:graphicFrameLocks noChangeAspect="1"/>
+          </p:cNvGraphicFramePr>
+          <p:nvPr>
+            <p:extLst>
+              <p:ext uri="{D42A27DB-BD31-4B8C-83A1-F6EECF244321}">
+                <p14:modId xmlns:p14="http://schemas.microsoft.com/office/powerpoint/2010/main" val="1329881680"/>
+              </p:ext>
+            </p:extLst>
+          </p:nvPr>
+        </p:nvGraphicFramePr>
+        <p:xfrm>
+          <a:off x="7173259" y="2181412"/>
+          <a:ext cx="3054253" cy="836705"/>
+        </p:xfrm>
+        <a:graphic>
+          <a:graphicData uri="http://schemas.openxmlformats.org/presentationml/2006/ole">
+            <mc:AlternateContent xmlns:mc="http://schemas.openxmlformats.org/markup-compatibility/2006">
+              <mc:Choice xmlns:v="urn:schemas-microsoft-com:vml" Requires="v">
+                <p:oleObj spid="_x0000_s4135" name="Equation" r:id="rId9" imgW="1778000" imgH="469900" progId="Equation.3">
+                  <p:embed/>
+                </p:oleObj>
+              </mc:Choice>
+              <mc:Fallback>
+                <p:oleObj name="Equation" r:id="rId9" imgW="1778000" imgH="469900" progId="Equation.3">
+                  <p:embed/>
+                  <p:pic>
+                    <p:nvPicPr>
+                      <p:cNvPr id="0" name=""/>
+                      <p:cNvPicPr/>
+                      <p:nvPr/>
+                    </p:nvPicPr>
+                    <p:blipFill>
+                      <a:blip r:embed="rId10"/>
+                      <a:stretch>
+                        <a:fillRect/>
+                      </a:stretch>
+                    </p:blipFill>
+                    <p:spPr>
+                      <a:xfrm>
+                        <a:off x="7173259" y="2181412"/>
+                        <a:ext cx="3054253" cy="836705"/>
                       </a:xfrm>
                       <a:prstGeom prst="rect">
                         <a:avLst/>
@@ -9859,7 +11237,7 @@
     </p:spTree>
     <p:extLst>
       <p:ext uri="{BB962C8B-B14F-4D97-AF65-F5344CB8AC3E}">
-        <p14:creationId xmlns:p14="http://schemas.microsoft.com/office/powerpoint/2010/main" val="1960123899"/>
+        <p14:creationId xmlns:p14="http://schemas.microsoft.com/office/powerpoint/2010/main" val="725866759"/>
       </p:ext>
     </p:extLst>
   </p:cSld>
@@ -9898,12 +11276,14 @@
         </p:nvSpPr>
         <p:spPr/>
         <p:txBody>
-          <a:bodyPr/>
+          <a:bodyPr>
+            <a:normAutofit/>
+          </a:bodyPr>
           <a:lstStyle/>
           <a:p>
             <a:r>
               <a:rPr lang="en-US" dirty="0" smtClean="0"/>
-              <a:t>Diagnostics</a:t>
+              <a:t>Statistical Models</a:t>
             </a:r>
             <a:endParaRPr lang="en-US" dirty="0"/>
           </a:p>
@@ -9921,36 +11301,126 @@
         </p:nvSpPr>
         <p:spPr/>
         <p:txBody>
-          <a:bodyPr/>
+          <a:bodyPr>
+            <a:normAutofit/>
+          </a:bodyPr>
           <a:lstStyle/>
           <a:p>
-            <a:endParaRPr lang="en-US"/>
-          </a:p>
-        </p:txBody>
-      </p:sp>
-      <p:sp>
-        <p:nvSpPr>
-          <p:cNvPr id="4" name="Content Placeholder 3"/>
-          <p:cNvSpPr>
-            <a:spLocks noGrp="1"/>
-          </p:cNvSpPr>
-          <p:nvPr>
-            <p:ph sz="half" idx="2"/>
-          </p:nvPr>
-        </p:nvSpPr>
-        <p:spPr/>
-        <p:txBody>
-          <a:bodyPr/>
-          <a:lstStyle/>
-          <a:p>
-            <a:endParaRPr lang="en-US"/>
-          </a:p>
-        </p:txBody>
-      </p:sp>
+            <a:r>
+              <a:rPr lang="en-US" b="1" dirty="0" smtClean="0"/>
+              <a:t>Individual </a:t>
+            </a:r>
+            <a:r>
+              <a:rPr lang="en-US" b="1" dirty="0" smtClean="0"/>
+              <a:t>effects </a:t>
+            </a:r>
+            <a:r>
+              <a:rPr lang="en-US" dirty="0" smtClean="0"/>
+              <a:t>(</a:t>
+            </a:r>
+            <a:r>
+              <a:rPr lang="en-US" dirty="0"/>
+              <a:t>d</a:t>
+            </a:r>
+            <a:r>
+              <a:rPr lang="en-US" dirty="0" smtClean="0"/>
+              <a:t>irected networks)</a:t>
+            </a:r>
+          </a:p>
+          <a:p>
+            <a:pPr lvl="1"/>
+            <a:r>
+              <a:rPr lang="en-US" dirty="0" smtClean="0"/>
+              <a:t>Some are </a:t>
+            </a:r>
+            <a:r>
+              <a:rPr lang="en-US" dirty="0"/>
+              <a:t>more likely to send ties (more sociable</a:t>
+            </a:r>
+            <a:r>
+              <a:rPr lang="en-US" dirty="0" smtClean="0"/>
+              <a:t>)</a:t>
+            </a:r>
+          </a:p>
+          <a:p>
+            <a:pPr lvl="1"/>
+            <a:r>
+              <a:rPr lang="en-US" dirty="0" smtClean="0"/>
+              <a:t>Some are more </a:t>
+            </a:r>
+            <a:r>
+              <a:rPr lang="en-US" dirty="0"/>
+              <a:t>likely to receive ties (more popular</a:t>
+            </a:r>
+            <a:r>
+              <a:rPr lang="en-US" dirty="0" smtClean="0"/>
+              <a:t>)</a:t>
+            </a:r>
+          </a:p>
+          <a:p>
+            <a:r>
+              <a:rPr lang="en-US" dirty="0"/>
+              <a:t>C</a:t>
+            </a:r>
+            <a:r>
+              <a:rPr lang="en-US" dirty="0" smtClean="0"/>
+              <a:t>apture </a:t>
+            </a:r>
+            <a:r>
+              <a:rPr lang="en-US" dirty="0"/>
+              <a:t>the variability of out-degree and in-degree by fitting the marginal totals of a network’s adjacency matrix</a:t>
+            </a:r>
+            <a:r>
+              <a:rPr lang="en-US" dirty="0" smtClean="0"/>
+              <a:t>.</a:t>
+            </a:r>
+          </a:p>
+          <a:p>
+            <a:endParaRPr lang="en-US" dirty="0"/>
+          </a:p>
+          <a:p>
+            <a:endParaRPr lang="en-US" dirty="0" smtClean="0">
+              <a:solidFill>
+                <a:srgbClr val="FF0000"/>
+              </a:solidFill>
+            </a:endParaRPr>
+          </a:p>
+        </p:txBody>
+      </p:sp>
+      <p:pic>
+        <p:nvPicPr>
+          <p:cNvPr id="5" name="Picture 4" descr="snet_margins.png"/>
+          <p:cNvPicPr>
+            <a:picLocks noChangeAspect="1"/>
+          </p:cNvPicPr>
+          <p:nvPr/>
+        </p:nvPicPr>
+        <p:blipFill>
+          <a:blip r:embed="rId2">
+            <a:extLst>
+              <a:ext uri="{28A0092B-C50C-407E-A947-70E740481C1C}">
+                <a14:useLocalDpi xmlns:a14="http://schemas.microsoft.com/office/drawing/2010/main" val="0"/>
+              </a:ext>
+            </a:extLst>
+          </a:blip>
+          <a:stretch>
+            <a:fillRect/>
+          </a:stretch>
+        </p:blipFill>
+        <p:spPr>
+          <a:xfrm>
+            <a:off x="5949363" y="1718236"/>
+            <a:ext cx="5551608" cy="3499411"/>
+          </a:xfrm>
+          <a:prstGeom prst="rect">
+            <a:avLst/>
+          </a:prstGeom>
+        </p:spPr>
+      </p:pic>
     </p:spTree>
     <p:extLst>
       <p:ext uri="{BB962C8B-B14F-4D97-AF65-F5344CB8AC3E}">
-        <p14:creationId xmlns:p14="http://schemas.microsoft.com/office/powerpoint/2010/main" val="2976517766"/>
+        <p14:creationId xmlns:p14="http://schemas.microsoft.com/office/powerpoint/2010/main" val="2055467869"/>
       </p:ext>
     </p:extLst>
   </p:cSld>
@@ -9989,12 +11459,14 @@
         </p:nvSpPr>
         <p:spPr/>
         <p:txBody>
-          <a:bodyPr/>
+          <a:bodyPr>
+            <a:normAutofit/>
+          </a:bodyPr>
           <a:lstStyle/>
           <a:p>
             <a:r>
               <a:rPr lang="en-US" dirty="0" smtClean="0"/>
-              <a:t>Model-Based Simulation</a:t>
+              <a:t>Statistical Models</a:t>
             </a:r>
             <a:endParaRPr lang="en-US" dirty="0"/>
           </a:p>
@@ -10012,10 +11484,89 @@
         </p:nvSpPr>
         <p:spPr/>
         <p:txBody>
-          <a:bodyPr/>
+          <a:bodyPr>
+            <a:normAutofit/>
+          </a:bodyPr>
           <a:lstStyle/>
           <a:p>
-            <a:endParaRPr lang="en-US"/>
+            <a:r>
+              <a:rPr lang="en-US" b="1" dirty="0" smtClean="0"/>
+              <a:t>Individual </a:t>
+            </a:r>
+            <a:r>
+              <a:rPr lang="en-US" b="1" dirty="0" smtClean="0"/>
+              <a:t>effects </a:t>
+            </a:r>
+            <a:r>
+              <a:rPr lang="en-US" dirty="0" smtClean="0"/>
+              <a:t>(</a:t>
+            </a:r>
+            <a:r>
+              <a:rPr lang="en-US" dirty="0"/>
+              <a:t>d</a:t>
+            </a:r>
+            <a:r>
+              <a:rPr lang="en-US" dirty="0" smtClean="0"/>
+              <a:t>irected networks)</a:t>
+            </a:r>
+          </a:p>
+          <a:p>
+            <a:pPr lvl="1"/>
+            <a:r>
+              <a:rPr lang="en-US" dirty="0" smtClean="0"/>
+              <a:t>Some are </a:t>
+            </a:r>
+            <a:r>
+              <a:rPr lang="en-US" dirty="0"/>
+              <a:t>more likely to send ties (more sociable</a:t>
+            </a:r>
+            <a:r>
+              <a:rPr lang="en-US" dirty="0" smtClean="0"/>
+              <a:t>)</a:t>
+            </a:r>
+          </a:p>
+          <a:p>
+            <a:pPr lvl="1"/>
+            <a:r>
+              <a:rPr lang="en-US" dirty="0" smtClean="0"/>
+              <a:t>Some are more </a:t>
+            </a:r>
+            <a:r>
+              <a:rPr lang="en-US" dirty="0"/>
+              <a:t>likely to receive ties (more popular</a:t>
+            </a:r>
+            <a:r>
+              <a:rPr lang="en-US" dirty="0" smtClean="0"/>
+              <a:t>)</a:t>
+            </a:r>
+          </a:p>
+          <a:p>
+            <a:r>
+              <a:rPr lang="en-US" dirty="0"/>
+              <a:t>C</a:t>
+            </a:r>
+            <a:r>
+              <a:rPr lang="en-US" dirty="0" smtClean="0"/>
+              <a:t>apture </a:t>
+            </a:r>
+            <a:r>
+              <a:rPr lang="en-US" dirty="0"/>
+              <a:t>the variability of out-degree and in-degree by fitting the marginal totals of a network’s adjacency matrix</a:t>
+            </a:r>
+            <a:r>
+              <a:rPr lang="en-US" dirty="0" smtClean="0"/>
+              <a:t>.</a:t>
+            </a:r>
+          </a:p>
+          <a:p>
+            <a:endParaRPr lang="en-US" dirty="0"/>
+          </a:p>
+          <a:p>
+            <a:endParaRPr lang="en-US" dirty="0" smtClean="0">
+              <a:solidFill>
+                <a:srgbClr val="FF0000"/>
+              </a:solidFill>
+            </a:endParaRPr>
           </a:p>
         </p:txBody>
       </p:sp>
@@ -10031,17 +11582,97 @@
         </p:nvSpPr>
         <p:spPr/>
         <p:txBody>
-          <a:bodyPr/>
+          <a:bodyPr>
+            <a:normAutofit/>
+          </a:bodyPr>
           <a:lstStyle/>
           <a:p>
-            <a:endParaRPr lang="en-US"/>
+            <a:r>
+              <a:rPr lang="en-US" dirty="0" smtClean="0">
+                <a:solidFill>
+                  <a:srgbClr val="3366FF"/>
+                </a:solidFill>
+              </a:rPr>
+              <a:t>Interactive:</a:t>
+            </a:r>
+            <a:r>
+              <a:rPr lang="en-US" dirty="0" smtClean="0"/>
+              <a:t> Fit an individual effects model.</a:t>
+            </a:r>
+          </a:p>
+          <a:p>
+            <a:pPr lvl="1"/>
+            <a:r>
+              <a:rPr lang="en-US" dirty="0" smtClean="0"/>
+              <a:t>Load the </a:t>
+            </a:r>
+            <a:r>
+              <a:rPr lang="en-US" dirty="0" err="1" smtClean="0"/>
+              <a:t>samplike</a:t>
+            </a:r>
+            <a:r>
+              <a:rPr lang="en-US" dirty="0" smtClean="0"/>
+              <a:t> dataset.</a:t>
+            </a:r>
+          </a:p>
+          <a:p>
+            <a:pPr lvl="1"/>
+            <a:r>
+              <a:rPr lang="en-US" dirty="0" smtClean="0"/>
+              <a:t>Perform some exploratory analysis and discuss with your neighbors.</a:t>
+            </a:r>
+          </a:p>
+          <a:p>
+            <a:pPr lvl="1"/>
+            <a:r>
+              <a:rPr lang="en-US" dirty="0" smtClean="0">
+                <a:solidFill>
+                  <a:srgbClr val="FF0000"/>
+                </a:solidFill>
+              </a:rPr>
+              <a:t>Image</a:t>
+            </a:r>
+          </a:p>
+          <a:p>
+            <a:pPr lvl="1"/>
+            <a:r>
+              <a:rPr lang="en-US" dirty="0" smtClean="0"/>
+              <a:t>Fit this model with </a:t>
+            </a:r>
+          </a:p>
+          <a:p>
+            <a:pPr marL="201168" lvl="1" indent="0">
+              <a:buNone/>
+            </a:pPr>
+            <a:r>
+              <a:rPr lang="en-US" dirty="0"/>
+              <a:t>	</a:t>
+            </a:r>
+            <a:r>
+              <a:rPr lang="en-US" sz="1400" dirty="0" err="1" smtClean="0">
+                <a:latin typeface="Courier"/>
+                <a:cs typeface="Courier"/>
+              </a:rPr>
+              <a:t>samplike</a:t>
+            </a:r>
+            <a:r>
+              <a:rPr lang="en-US" sz="1400" dirty="0" smtClean="0">
+                <a:latin typeface="Courier"/>
+                <a:cs typeface="Courier"/>
+              </a:rPr>
+              <a:t> ~ edges + sender + receiver</a:t>
+            </a:r>
+            <a:endParaRPr lang="en-US" sz="1400" dirty="0">
+              <a:latin typeface="Courier"/>
+              <a:cs typeface="Courier"/>
+            </a:endParaRPr>
           </a:p>
         </p:txBody>
       </p:sp>
     </p:spTree>
     <p:extLst>
       <p:ext uri="{BB962C8B-B14F-4D97-AF65-F5344CB8AC3E}">
-        <p14:creationId xmlns:p14="http://schemas.microsoft.com/office/powerpoint/2010/main" val="1247503435"/>
+        <p14:creationId xmlns:p14="http://schemas.microsoft.com/office/powerpoint/2010/main" val="2025953906"/>
       </p:ext>
     </p:extLst>
   </p:cSld>
@@ -10080,12 +11711,14 @@
         </p:nvSpPr>
         <p:spPr/>
         <p:txBody>
-          <a:bodyPr/>
+          <a:bodyPr>
+            <a:normAutofit/>
+          </a:bodyPr>
           <a:lstStyle/>
           <a:p>
             <a:r>
               <a:rPr lang="en-US" dirty="0" smtClean="0"/>
-              <a:t>Review &amp; Further Topics</a:t>
+              <a:t>Statistical Models</a:t>
             </a:r>
             <a:endParaRPr lang="en-US" dirty="0"/>
           </a:p>
@@ -10106,7 +11739,98 @@
           <a:bodyPr/>
           <a:lstStyle/>
           <a:p>
-            <a:endParaRPr lang="en-US"/>
+            <a:r>
+              <a:rPr lang="en-US" b="1" dirty="0" smtClean="0"/>
+              <a:t>p</a:t>
+            </a:r>
+            <a:r>
+              <a:rPr lang="en-US" b="1" baseline="-25000" dirty="0" smtClean="0"/>
+              <a:t>1</a:t>
+            </a:r>
+            <a:r>
+              <a:rPr lang="en-US" b="1" dirty="0" smtClean="0"/>
+              <a:t> </a:t>
+            </a:r>
+            <a:r>
+              <a:rPr lang="en-US" b="1" dirty="0" smtClean="0"/>
+              <a:t>model</a:t>
+            </a:r>
+          </a:p>
+          <a:p>
+            <a:r>
+              <a:rPr lang="en-US" dirty="0" smtClean="0"/>
+              <a:t>So far we have assumed independence between all ties.</a:t>
+            </a:r>
+          </a:p>
+          <a:p>
+            <a:r>
+              <a:rPr lang="en-US" dirty="0" smtClean="0"/>
+              <a:t>In the p</a:t>
+            </a:r>
+            <a:r>
+              <a:rPr lang="en-US" baseline="-25000" dirty="0" smtClean="0"/>
+              <a:t>1</a:t>
+            </a:r>
+            <a:r>
+              <a:rPr lang="en-US" dirty="0" smtClean="0"/>
+              <a:t> model we allow for dependence within dyads.</a:t>
+            </a:r>
+          </a:p>
+          <a:p>
+            <a:pPr lvl="1"/>
+            <a:r>
+              <a:rPr lang="en-US" dirty="0"/>
+              <a:t>S</a:t>
+            </a:r>
+            <a:r>
+              <a:rPr lang="en-US" dirty="0" smtClean="0"/>
+              <a:t>ame </a:t>
+            </a:r>
+            <a:r>
+              <a:rPr lang="en-US" dirty="0"/>
+              <a:t>sender and receiver effects as the individual effects </a:t>
+            </a:r>
+            <a:r>
+              <a:rPr lang="en-US" dirty="0" smtClean="0"/>
+              <a:t>model</a:t>
+            </a:r>
+          </a:p>
+          <a:p>
+            <a:pPr lvl="1"/>
+            <a:r>
+              <a:rPr lang="en-US" dirty="0" smtClean="0"/>
+              <a:t>Additional </a:t>
+            </a:r>
+            <a:r>
+              <a:rPr lang="en-US" dirty="0"/>
+              <a:t>parameter </a:t>
+            </a:r>
+            <a:r>
+              <a:rPr lang="en-US" i="1" dirty="0" err="1" smtClean="0">
+                <a:latin typeface="Times New Roman"/>
+                <a:cs typeface="Times New Roman"/>
+              </a:rPr>
+              <a:t>γ</a:t>
+            </a:r>
+            <a:r>
+              <a:rPr lang="en-US" dirty="0" smtClean="0"/>
+              <a:t> measures tendency </a:t>
+            </a:r>
+            <a:r>
+              <a:rPr lang="en-US" dirty="0"/>
+              <a:t>for ties to be </a:t>
+            </a:r>
+            <a:r>
+              <a:rPr lang="en-US" dirty="0" smtClean="0"/>
+              <a:t>mutual</a:t>
+            </a:r>
+          </a:p>
+          <a:p>
+            <a:r>
+              <a:rPr lang="en-US" dirty="0" smtClean="0"/>
+              <a:t>Relations between dyads are still independent.</a:t>
+            </a:r>
+            <a:endParaRPr lang="en-US" dirty="0" smtClean="0"/>
           </a:p>
         </p:txBody>
       </p:sp>
@@ -10125,14 +11849,445 @@
           <a:bodyPr/>
           <a:lstStyle/>
           <a:p>
-            <a:endParaRPr lang="en-US"/>
+            <a:r>
+              <a:rPr lang="en-US" dirty="0" smtClean="0">
+                <a:solidFill>
+                  <a:srgbClr val="3366FF"/>
+                </a:solidFill>
+              </a:rPr>
+              <a:t>Interactive:</a:t>
+            </a:r>
+            <a:r>
+              <a:rPr lang="en-US" dirty="0" smtClean="0">
+                <a:solidFill>
+                  <a:srgbClr val="404040"/>
+                </a:solidFill>
+              </a:rPr>
+              <a:t> Fit model.</a:t>
+            </a:r>
+          </a:p>
+          <a:p>
+            <a:r>
+              <a:rPr lang="en-US" dirty="0" smtClean="0">
+                <a:solidFill>
+                  <a:schemeClr val="accent2">
+                    <a:lumMod val="50000"/>
+                    <a:lumOff val="50000"/>
+                  </a:schemeClr>
+                </a:solidFill>
+              </a:rPr>
+              <a:t>Image</a:t>
+            </a:r>
+          </a:p>
+          <a:p>
+            <a:r>
+              <a:rPr lang="en-US" dirty="0" smtClean="0"/>
+              <a:t>As you can see, this model includes many parameters, which are all specific to the network in question. </a:t>
+            </a:r>
+          </a:p>
+          <a:p>
+            <a:r>
+              <a:rPr lang="en-US" dirty="0" smtClean="0"/>
+              <a:t>Ideally, we want to work with a model that is more generalizable and parsimonious.</a:t>
+            </a:r>
+            <a:endParaRPr lang="en-US" dirty="0"/>
           </a:p>
         </p:txBody>
       </p:sp>
     </p:spTree>
     <p:extLst>
       <p:ext uri="{BB962C8B-B14F-4D97-AF65-F5344CB8AC3E}">
-        <p14:creationId xmlns:p14="http://schemas.microsoft.com/office/powerpoint/2010/main" val="3731357647"/>
+        <p14:creationId xmlns:p14="http://schemas.microsoft.com/office/powerpoint/2010/main" val="4131631640"/>
+      </p:ext>
+    </p:extLst>
+  </p:cSld>
+  <p:clrMapOvr>
+    <a:masterClrMapping/>
+  </p:clrMapOvr>
+</p:sld>
+</file>
+
+<file path=ppt/slides/slide28.xml><?xml version="1.0" encoding="utf-8"?>
+<p:sld xmlns:a="http://schemas.openxmlformats.org/drawingml/2006/main" xmlns:r="http://schemas.openxmlformats.org/officeDocument/2006/relationships" xmlns:p="http://schemas.openxmlformats.org/presentationml/2006/main">
+  <p:cSld>
+    <p:spTree>
+      <p:nvGrpSpPr>
+        <p:cNvPr id="1" name=""/>
+        <p:cNvGrpSpPr/>
+        <p:nvPr/>
+      </p:nvGrpSpPr>
+      <p:grpSpPr>
+        <a:xfrm>
+          <a:off x="0" y="0"/>
+          <a:ext cx="0" cy="0"/>
+          <a:chOff x="0" y="0"/>
+          <a:chExt cx="0" cy="0"/>
+        </a:xfrm>
+      </p:grpSpPr>
+      <p:sp>
+        <p:nvSpPr>
+          <p:cNvPr id="2" name="Title 1"/>
+          <p:cNvSpPr>
+            <a:spLocks noGrp="1"/>
+          </p:cNvSpPr>
+          <p:nvPr>
+            <p:ph type="title"/>
+          </p:nvPr>
+        </p:nvSpPr>
+        <p:spPr/>
+        <p:txBody>
+          <a:bodyPr>
+            <a:normAutofit/>
+          </a:bodyPr>
+          <a:lstStyle/>
+          <a:p>
+            <a:r>
+              <a:rPr lang="en-US" dirty="0" smtClean="0"/>
+              <a:t>Statistical Models</a:t>
+            </a:r>
+            <a:endParaRPr lang="en-US" dirty="0"/>
+          </a:p>
+        </p:txBody>
+      </p:sp>
+      <p:sp>
+        <p:nvSpPr>
+          <p:cNvPr id="3" name="Content Placeholder 2"/>
+          <p:cNvSpPr>
+            <a:spLocks noGrp="1"/>
+          </p:cNvSpPr>
+          <p:nvPr>
+            <p:ph sz="half" idx="1"/>
+          </p:nvPr>
+        </p:nvSpPr>
+        <p:spPr/>
+        <p:txBody>
+          <a:bodyPr/>
+          <a:lstStyle/>
+          <a:p>
+            <a:r>
+              <a:rPr lang="en-US" b="1" dirty="0" smtClean="0"/>
+              <a:t>Markov </a:t>
+            </a:r>
+            <a:r>
+              <a:rPr lang="en-US" b="1" dirty="0" smtClean="0"/>
+              <a:t>graphs</a:t>
+            </a:r>
+          </a:p>
+          <a:p>
+            <a:pPr lvl="1"/>
+            <a:r>
+              <a:rPr lang="en-US" dirty="0" smtClean="0"/>
+              <a:t>Dyads are dependent only if they share a node</a:t>
+            </a:r>
+          </a:p>
+          <a:p>
+            <a:pPr lvl="1"/>
+            <a:r>
+              <a:rPr lang="en-US" dirty="0" smtClean="0"/>
+              <a:t>Groups of nodes that are all dependent on each other form triangles and k-stars</a:t>
+            </a:r>
+          </a:p>
+          <a:p>
+            <a:r>
+              <a:rPr lang="en-US" dirty="0" smtClean="0"/>
+              <a:t>“A friend of my friend is my friend”</a:t>
+            </a:r>
+          </a:p>
+          <a:p>
+            <a:pPr lvl="1"/>
+            <a:r>
+              <a:rPr lang="en-US" dirty="0" smtClean="0"/>
+              <a:t>Example of a Markov graph is one where individuals are more likely to become friends if they have existing friends in common</a:t>
+            </a:r>
+          </a:p>
+          <a:p>
+            <a:pPr lvl="1"/>
+            <a:r>
+              <a:rPr lang="en-US" dirty="0" smtClean="0"/>
+              <a:t>More friends in common </a:t>
+            </a:r>
+            <a:r>
+              <a:rPr lang="en-US" dirty="0" smtClean="0">
+                <a:latin typeface="Times New Roman"/>
+                <a:ea typeface="Wingdings"/>
+                <a:cs typeface="Times New Roman"/>
+                <a:sym typeface="Wingdings"/>
+              </a:rPr>
+              <a:t></a:t>
+            </a:r>
+            <a:r>
+              <a:rPr lang="en-US" dirty="0" smtClean="0"/>
+              <a:t> more triangles will close as a result of friendship</a:t>
+            </a:r>
+          </a:p>
+          <a:p>
+            <a:pPr lvl="1"/>
+            <a:endParaRPr lang="en-US" dirty="0" smtClean="0"/>
+          </a:p>
+        </p:txBody>
+      </p:sp>
+      <p:sp>
+        <p:nvSpPr>
+          <p:cNvPr id="4" name="Content Placeholder 3"/>
+          <p:cNvSpPr>
+            <a:spLocks noGrp="1"/>
+          </p:cNvSpPr>
+          <p:nvPr>
+            <p:ph sz="half" idx="2"/>
+          </p:nvPr>
+        </p:nvSpPr>
+        <p:spPr/>
+        <p:txBody>
+          <a:bodyPr/>
+          <a:lstStyle/>
+          <a:p>
+            <a:r>
+              <a:rPr lang="en-US" dirty="0" smtClean="0">
+                <a:solidFill>
+                  <a:srgbClr val="3366FF"/>
+                </a:solidFill>
+              </a:rPr>
+              <a:t>Interactive: </a:t>
+            </a:r>
+            <a:r>
+              <a:rPr lang="en-US" dirty="0" smtClean="0"/>
+              <a:t>Fit a Markov graph model using the triangle term.</a:t>
+            </a:r>
+          </a:p>
+          <a:p>
+            <a:r>
+              <a:rPr lang="en-US" sz="1600" dirty="0" err="1" smtClean="0">
+                <a:latin typeface="Courier"/>
+                <a:cs typeface="Courier"/>
+              </a:rPr>
+              <a:t>faux.mesa.high</a:t>
+            </a:r>
+            <a:r>
+              <a:rPr lang="en-US" sz="1600" dirty="0" smtClean="0">
+                <a:latin typeface="Courier"/>
+                <a:cs typeface="Courier"/>
+              </a:rPr>
+              <a:t> ~ edges + triangle</a:t>
+            </a:r>
+          </a:p>
+          <a:p>
+            <a:endParaRPr lang="en-US" dirty="0"/>
+          </a:p>
+          <a:p>
+            <a:r>
+              <a:rPr lang="en-US" dirty="0" smtClean="0"/>
+              <a:t>What happens when you fit this model?</a:t>
+            </a:r>
+            <a:endParaRPr lang="en-US" dirty="0"/>
+          </a:p>
+        </p:txBody>
+      </p:sp>
+      <p:pic>
+        <p:nvPicPr>
+          <p:cNvPr id="6" name="Picture 5" descr="triangles.png"/>
+          <p:cNvPicPr>
+            <a:picLocks noChangeAspect="1"/>
+          </p:cNvPicPr>
+          <p:nvPr/>
+        </p:nvPicPr>
+        <p:blipFill rotWithShape="1">
+          <a:blip r:embed="rId2">
+            <a:extLst>
+              <a:ext uri="{28A0092B-C50C-407E-A947-70E740481C1C}">
+                <a14:useLocalDpi xmlns:a14="http://schemas.microsoft.com/office/drawing/2010/main" val="0"/>
+              </a:ext>
+            </a:extLst>
+          </a:blip>
+          <a:srcRect l="5826" t="13011" r="6432" b="9448"/>
+          <a:stretch/>
+        </p:blipFill>
+        <p:spPr>
+          <a:xfrm>
+            <a:off x="1314823" y="4676588"/>
+            <a:ext cx="4646705" cy="1299883"/>
+          </a:xfrm>
+          <a:prstGeom prst="rect">
+            <a:avLst/>
+          </a:prstGeom>
+        </p:spPr>
+      </p:pic>
+    </p:spTree>
+    <p:extLst>
+      <p:ext uri="{BB962C8B-B14F-4D97-AF65-F5344CB8AC3E}">
+        <p14:creationId xmlns:p14="http://schemas.microsoft.com/office/powerpoint/2010/main" val="3004624742"/>
+      </p:ext>
+    </p:extLst>
+  </p:cSld>
+  <p:clrMapOvr>
+    <a:masterClrMapping/>
+  </p:clrMapOvr>
+</p:sld>
+</file>
+
+<file path=ppt/slides/slide29.xml><?xml version="1.0" encoding="utf-8"?>
+<p:sld xmlns:a="http://schemas.openxmlformats.org/drawingml/2006/main" xmlns:r="http://schemas.openxmlformats.org/officeDocument/2006/relationships" xmlns:p="http://schemas.openxmlformats.org/presentationml/2006/main">
+  <p:cSld>
+    <p:spTree>
+      <p:nvGrpSpPr>
+        <p:cNvPr id="1" name=""/>
+        <p:cNvGrpSpPr/>
+        <p:nvPr/>
+      </p:nvGrpSpPr>
+      <p:grpSpPr>
+        <a:xfrm>
+          <a:off x="0" y="0"/>
+          <a:ext cx="0" cy="0"/>
+          <a:chOff x="0" y="0"/>
+          <a:chExt cx="0" cy="0"/>
+        </a:xfrm>
+      </p:grpSpPr>
+      <p:sp>
+        <p:nvSpPr>
+          <p:cNvPr id="2" name="Title 1"/>
+          <p:cNvSpPr>
+            <a:spLocks noGrp="1"/>
+          </p:cNvSpPr>
+          <p:nvPr>
+            <p:ph type="title"/>
+          </p:nvPr>
+        </p:nvSpPr>
+        <p:spPr/>
+        <p:txBody>
+          <a:bodyPr/>
+          <a:lstStyle/>
+          <a:p>
+            <a:r>
+              <a:rPr lang="en-US" dirty="0" smtClean="0"/>
+              <a:t>Statistical Models</a:t>
+            </a:r>
+            <a:endParaRPr lang="en-US" dirty="0"/>
+          </a:p>
+        </p:txBody>
+      </p:sp>
+      <p:sp>
+        <p:nvSpPr>
+          <p:cNvPr id="3" name="Content Placeholder 2"/>
+          <p:cNvSpPr>
+            <a:spLocks noGrp="1"/>
+          </p:cNvSpPr>
+          <p:nvPr>
+            <p:ph idx="1"/>
+          </p:nvPr>
+        </p:nvSpPr>
+        <p:spPr>
+          <a:xfrm>
+            <a:off x="1097280" y="2599764"/>
+            <a:ext cx="10058400" cy="3269329"/>
+          </a:xfrm>
+        </p:spPr>
+        <p:txBody>
+          <a:bodyPr/>
+          <a:lstStyle/>
+          <a:p>
+            <a:r>
+              <a:rPr lang="en-US" dirty="0" smtClean="0"/>
+              <a:t>Markov chain Monte Carlo estimation</a:t>
+            </a:r>
+          </a:p>
+          <a:p>
+            <a:pPr lvl="1"/>
+            <a:r>
+              <a:rPr lang="en-US" dirty="0" smtClean="0"/>
+              <a:t>Used in models that involved dyadic dependence.</a:t>
+            </a:r>
+          </a:p>
+          <a:p>
+            <a:pPr lvl="1"/>
+            <a:r>
+              <a:rPr lang="en-US" dirty="0"/>
+              <a:t>I</a:t>
+            </a:r>
+            <a:r>
+              <a:rPr lang="en-US" dirty="0" smtClean="0"/>
+              <a:t>teratively </a:t>
+            </a:r>
+            <a:r>
+              <a:rPr lang="en-US" dirty="0"/>
+              <a:t>simulate graphs and approximate coefficients that approach the maximum likelihood estimates. </a:t>
+            </a:r>
+            <a:endParaRPr lang="en-US" dirty="0" smtClean="0"/>
+          </a:p>
+          <a:p>
+            <a:pPr lvl="1"/>
+            <a:r>
+              <a:rPr lang="en-US" dirty="0" smtClean="0"/>
+              <a:t>Computationally </a:t>
+            </a:r>
+            <a:r>
+              <a:rPr lang="en-US" dirty="0"/>
+              <a:t>intensive process and comes with limitations.</a:t>
+            </a:r>
+            <a:endParaRPr lang="en-US" dirty="0" smtClean="0"/>
+          </a:p>
+          <a:p>
+            <a:r>
+              <a:rPr lang="en-US" dirty="0" smtClean="0"/>
+              <a:t>Degeneracy</a:t>
+            </a:r>
+          </a:p>
+          <a:p>
+            <a:pPr lvl="1"/>
+            <a:r>
+              <a:rPr lang="en-US" dirty="0" smtClean="0"/>
+              <a:t>For certain </a:t>
+            </a:r>
+            <a:r>
+              <a:rPr lang="en-US" dirty="0"/>
+              <a:t>sets of parameters, dyadic dependence quickly cascades across the network, causing the </a:t>
+            </a:r>
+            <a:r>
+              <a:rPr lang="en-US" dirty="0" smtClean="0"/>
+              <a:t>outcome graphs to become unreasonably dense.</a:t>
+            </a:r>
+          </a:p>
+          <a:p>
+            <a:pPr lvl="1"/>
+            <a:r>
+              <a:rPr lang="en-US" dirty="0" smtClean="0"/>
+              <a:t>The triangle term is one of the worst offenders. </a:t>
+            </a:r>
+          </a:p>
+        </p:txBody>
+      </p:sp>
+      <p:pic>
+        <p:nvPicPr>
+          <p:cNvPr id="4" name="Picture 3" descr="mcmc_error.png"/>
+          <p:cNvPicPr>
+            <a:picLocks noChangeAspect="1"/>
+          </p:cNvPicPr>
+          <p:nvPr/>
+        </p:nvPicPr>
+        <p:blipFill>
+          <a:blip r:embed="rId2">
+            <a:extLst>
+              <a:ext uri="{28A0092B-C50C-407E-A947-70E740481C1C}">
+                <a14:useLocalDpi xmlns:a14="http://schemas.microsoft.com/office/drawing/2010/main" val="0"/>
+              </a:ext>
+            </a:extLst>
+          </a:blip>
+          <a:stretch>
+            <a:fillRect/>
+          </a:stretch>
+        </p:blipFill>
+        <p:spPr>
+          <a:xfrm>
+            <a:off x="1130300" y="1321547"/>
+            <a:ext cx="9931400" cy="1333500"/>
+          </a:xfrm>
+          <a:prstGeom prst="rect">
+            <a:avLst/>
+          </a:prstGeom>
+        </p:spPr>
+      </p:pic>
+    </p:spTree>
+    <p:extLst>
+      <p:ext uri="{BB962C8B-B14F-4D97-AF65-F5344CB8AC3E}">
+        <p14:creationId xmlns:p14="http://schemas.microsoft.com/office/powerpoint/2010/main" val="2374718138"/>
       </p:ext>
     </p:extLst>
   </p:cSld>
@@ -10182,9 +12337,391 @@
           </a:p>
         </p:txBody>
       </p:sp>
+      <p:sp>
+        <p:nvSpPr>
+          <p:cNvPr id="3" name="Content Placeholder 2"/>
+          <p:cNvSpPr>
+            <a:spLocks noGrp="1"/>
+          </p:cNvSpPr>
+          <p:nvPr>
+            <p:ph sz="half" idx="1"/>
+          </p:nvPr>
+        </p:nvSpPr>
+        <p:spPr>
+          <a:xfrm>
+            <a:off x="1097278" y="2614707"/>
+            <a:ext cx="4937760" cy="986118"/>
+          </a:xfrm>
+        </p:spPr>
+        <p:txBody>
+          <a:bodyPr>
+            <a:normAutofit/>
+          </a:bodyPr>
+          <a:lstStyle/>
+          <a:p>
+            <a:r>
+              <a:rPr lang="en-US" dirty="0" smtClean="0"/>
+              <a:t>The </a:t>
+            </a:r>
+            <a:r>
+              <a:rPr lang="en-US" dirty="0" err="1" smtClean="0"/>
+              <a:t>statnet</a:t>
+            </a:r>
+            <a:r>
+              <a:rPr lang="en-US" dirty="0" smtClean="0"/>
+              <a:t> suite of R packages gives users powerful network analysis tools, accessed from the flexibility of the R command line</a:t>
+            </a:r>
+            <a:r>
+              <a:rPr lang="en-US" dirty="0" smtClean="0"/>
+              <a:t>.</a:t>
+            </a:r>
+            <a:endParaRPr lang="en-US" dirty="0" smtClean="0"/>
+          </a:p>
+        </p:txBody>
+      </p:sp>
+      <p:sp>
+        <p:nvSpPr>
+          <p:cNvPr id="4" name="Content Placeholder 3"/>
+          <p:cNvSpPr>
+            <a:spLocks noGrp="1"/>
+          </p:cNvSpPr>
+          <p:nvPr>
+            <p:ph sz="half" idx="2"/>
+          </p:nvPr>
+        </p:nvSpPr>
+        <p:spPr>
+          <a:xfrm>
+            <a:off x="6217920" y="2614707"/>
+            <a:ext cx="4937760" cy="986118"/>
+          </a:xfrm>
+        </p:spPr>
+        <p:txBody>
+          <a:bodyPr>
+            <a:normAutofit/>
+          </a:bodyPr>
+          <a:lstStyle/>
+          <a:p>
+            <a:r>
+              <a:rPr lang="en-US" dirty="0"/>
+              <a:t>The Shiny framework from </a:t>
+            </a:r>
+            <a:r>
+              <a:rPr lang="en-US" dirty="0" err="1"/>
+              <a:t>RStudio</a:t>
+            </a:r>
+            <a:r>
+              <a:rPr lang="en-US" dirty="0"/>
+              <a:t> allows us to build a friendly interface for </a:t>
+            </a:r>
+            <a:r>
+              <a:rPr lang="en-US" dirty="0" err="1"/>
+              <a:t>statnet</a:t>
+            </a:r>
+            <a:r>
+              <a:rPr lang="en-US" dirty="0"/>
+              <a:t> that runs in a web browser.</a:t>
+            </a:r>
+          </a:p>
+          <a:p>
+            <a:endParaRPr lang="en-US" dirty="0"/>
+          </a:p>
+        </p:txBody>
+      </p:sp>
+      <p:sp>
+        <p:nvSpPr>
+          <p:cNvPr id="5" name="TextBox 4"/>
+          <p:cNvSpPr txBox="1"/>
+          <p:nvPr/>
+        </p:nvSpPr>
+        <p:spPr>
+          <a:xfrm>
+            <a:off x="1105647" y="1255059"/>
+            <a:ext cx="9950824" cy="1200329"/>
+          </a:xfrm>
+          <a:prstGeom prst="rect">
+            <a:avLst/>
+          </a:prstGeom>
+          <a:noFill/>
+        </p:spPr>
+        <p:txBody>
+          <a:bodyPr wrap="square" rtlCol="0">
+            <a:spAutoFit/>
+          </a:bodyPr>
+          <a:lstStyle/>
+          <a:p>
+            <a:r>
+              <a:rPr lang="en-US" dirty="0">
+                <a:solidFill>
+                  <a:schemeClr val="tx1">
+                    <a:lumMod val="75000"/>
+                    <a:lumOff val="25000"/>
+                  </a:schemeClr>
+                </a:solidFill>
+              </a:rPr>
+              <a:t>Network analysis techniques have progressed immensely over the past 60 years and continue to develop quickly.</a:t>
+            </a:r>
+          </a:p>
+          <a:p>
+            <a:pPr marL="285750" indent="-285750">
+              <a:buFont typeface="Arial"/>
+              <a:buChar char="•"/>
+            </a:pPr>
+            <a:r>
+              <a:rPr lang="en-US" dirty="0">
+                <a:solidFill>
+                  <a:schemeClr val="tx1">
+                    <a:lumMod val="75000"/>
+                    <a:lumOff val="25000"/>
+                  </a:schemeClr>
+                </a:solidFill>
+              </a:rPr>
+              <a:t>Command line programs: flexible analysis possibilities, requires initial investment </a:t>
+            </a:r>
+            <a:endParaRPr lang="en-US" dirty="0" smtClean="0">
+              <a:solidFill>
+                <a:schemeClr val="tx1">
+                  <a:lumMod val="75000"/>
+                  <a:lumOff val="25000"/>
+                </a:schemeClr>
+              </a:solidFill>
+            </a:endParaRPr>
+          </a:p>
+          <a:p>
+            <a:pPr marL="285750" indent="-285750">
+              <a:buFont typeface="Arial"/>
+              <a:buChar char="•"/>
+            </a:pPr>
+            <a:r>
+              <a:rPr lang="en-US" dirty="0" smtClean="0">
+                <a:solidFill>
+                  <a:schemeClr val="tx1">
+                    <a:lumMod val="75000"/>
+                    <a:lumOff val="25000"/>
+                  </a:schemeClr>
+                </a:solidFill>
+              </a:rPr>
+              <a:t>GUI</a:t>
+            </a:r>
+            <a:r>
+              <a:rPr lang="en-US" dirty="0">
+                <a:solidFill>
+                  <a:schemeClr val="tx1">
+                    <a:lumMod val="75000"/>
+                    <a:lumOff val="25000"/>
+                  </a:schemeClr>
+                </a:solidFill>
+              </a:rPr>
+              <a:t>-based programs: available to wider audience, limited analysis possibilities</a:t>
+            </a:r>
+          </a:p>
+        </p:txBody>
+      </p:sp>
       <p:pic>
         <p:nvPicPr>
-          <p:cNvPr id="4" name="Picture 3" descr="commandline.png"/>
+          <p:cNvPr id="6" name="Picture 5"/>
+          <p:cNvPicPr>
+            <a:picLocks noChangeAspect="1"/>
+          </p:cNvPicPr>
+          <p:nvPr/>
+        </p:nvPicPr>
+        <p:blipFill rotWithShape="1">
+          <a:blip r:embed="rId2">
+            <a:extLst>
+              <a:ext uri="{28A0092B-C50C-407E-A947-70E740481C1C}">
+                <a14:useLocalDpi xmlns:a14="http://schemas.microsoft.com/office/drawing/2010/main" val="0"/>
+              </a:ext>
+            </a:extLst>
+          </a:blip>
+          <a:srcRect r="8237"/>
+          <a:stretch/>
+        </p:blipFill>
+        <p:spPr>
+          <a:xfrm>
+            <a:off x="6574118" y="3613507"/>
+            <a:ext cx="4019774" cy="2383947"/>
+          </a:xfrm>
+          <a:prstGeom prst="rect">
+            <a:avLst/>
+          </a:prstGeom>
+        </p:spPr>
+      </p:pic>
+      <p:pic>
+        <p:nvPicPr>
+          <p:cNvPr id="7" name="Picture 6" descr="commandline.png"/>
+          <p:cNvPicPr>
+            <a:picLocks noChangeAspect="1"/>
+          </p:cNvPicPr>
+          <p:nvPr/>
+        </p:nvPicPr>
+        <p:blipFill>
+          <a:blip r:embed="rId3">
+            <a:extLst>
+              <a:ext uri="{28A0092B-C50C-407E-A947-70E740481C1C}">
+                <a14:useLocalDpi xmlns:a14="http://schemas.microsoft.com/office/drawing/2010/main" val="0"/>
+              </a:ext>
+            </a:extLst>
+          </a:blip>
+          <a:stretch>
+            <a:fillRect/>
+          </a:stretch>
+        </p:blipFill>
+        <p:spPr>
+          <a:xfrm>
+            <a:off x="1329763" y="3620482"/>
+            <a:ext cx="4002527" cy="2451732"/>
+          </a:xfrm>
+          <a:prstGeom prst="rect">
+            <a:avLst/>
+          </a:prstGeom>
+        </p:spPr>
+      </p:pic>
+    </p:spTree>
+    <p:extLst>
+      <p:ext uri="{BB962C8B-B14F-4D97-AF65-F5344CB8AC3E}">
+        <p14:creationId xmlns:p14="http://schemas.microsoft.com/office/powerpoint/2010/main" val="1125714840"/>
+      </p:ext>
+    </p:extLst>
+  </p:cSld>
+  <p:clrMapOvr>
+    <a:masterClrMapping/>
+  </p:clrMapOvr>
+</p:sld>
+</file>
+
+<file path=ppt/slides/slide30.xml><?xml version="1.0" encoding="utf-8"?>
+<p:sld xmlns:a="http://schemas.openxmlformats.org/drawingml/2006/main" xmlns:r="http://schemas.openxmlformats.org/officeDocument/2006/relationships" xmlns:p="http://schemas.openxmlformats.org/presentationml/2006/main">
+  <p:cSld>
+    <p:spTree>
+      <p:nvGrpSpPr>
+        <p:cNvPr id="1" name=""/>
+        <p:cNvGrpSpPr/>
+        <p:nvPr/>
+      </p:nvGrpSpPr>
+      <p:grpSpPr>
+        <a:xfrm>
+          <a:off x="0" y="0"/>
+          <a:ext cx="0" cy="0"/>
+          <a:chOff x="0" y="0"/>
+          <a:chExt cx="0" cy="0"/>
+        </a:xfrm>
+      </p:grpSpPr>
+      <p:sp>
+        <p:nvSpPr>
+          <p:cNvPr id="2" name="Title 1"/>
+          <p:cNvSpPr>
+            <a:spLocks noGrp="1"/>
+          </p:cNvSpPr>
+          <p:nvPr>
+            <p:ph type="title"/>
+          </p:nvPr>
+        </p:nvSpPr>
+        <p:spPr/>
+        <p:txBody>
+          <a:bodyPr/>
+          <a:lstStyle/>
+          <a:p>
+            <a:r>
+              <a:rPr lang="en-US" dirty="0" smtClean="0"/>
+              <a:t>Diagnostics</a:t>
+            </a:r>
+            <a:endParaRPr lang="en-US" dirty="0"/>
+          </a:p>
+        </p:txBody>
+      </p:sp>
+      <p:sp>
+        <p:nvSpPr>
+          <p:cNvPr id="5" name="Text Placeholder 4"/>
+          <p:cNvSpPr>
+            <a:spLocks noGrp="1"/>
+          </p:cNvSpPr>
+          <p:nvPr>
+            <p:ph type="body" idx="1"/>
+          </p:nvPr>
+        </p:nvSpPr>
+        <p:spPr/>
+        <p:txBody>
+          <a:bodyPr/>
+          <a:lstStyle/>
+          <a:p>
+            <a:r>
+              <a:rPr lang="en-US" dirty="0" smtClean="0"/>
+              <a:t>MCMC Diagnostics</a:t>
+            </a:r>
+            <a:endParaRPr lang="en-US" dirty="0"/>
+          </a:p>
+        </p:txBody>
+      </p:sp>
+      <p:sp>
+        <p:nvSpPr>
+          <p:cNvPr id="6" name="Content Placeholder 5"/>
+          <p:cNvSpPr>
+            <a:spLocks noGrp="1"/>
+          </p:cNvSpPr>
+          <p:nvPr>
+            <p:ph sz="half" idx="2"/>
+          </p:nvPr>
+        </p:nvSpPr>
+        <p:spPr>
+          <a:xfrm>
+            <a:off x="1097279" y="2077079"/>
+            <a:ext cx="10063779" cy="3883455"/>
+          </a:xfrm>
+        </p:spPr>
+        <p:txBody>
+          <a:bodyPr/>
+          <a:lstStyle/>
+          <a:p>
+            <a:r>
+              <a:rPr lang="en-US" dirty="0"/>
+              <a:t>To verify that our model is not </a:t>
+            </a:r>
+            <a:r>
+              <a:rPr lang="en-US" dirty="0" smtClean="0"/>
+              <a:t>degenerate:</a:t>
+            </a:r>
+            <a:endParaRPr lang="en-US" dirty="0"/>
+          </a:p>
+          <a:p>
+            <a:pPr lvl="1"/>
+            <a:r>
+              <a:rPr lang="en-US" dirty="0"/>
+              <a:t>W</a:t>
+            </a:r>
+            <a:r>
+              <a:rPr lang="en-US" dirty="0" smtClean="0"/>
+              <a:t>e </a:t>
+            </a:r>
+            <a:r>
+              <a:rPr lang="en-US" dirty="0"/>
+              <a:t>want the MCMC sample statistics to vary randomly around the observed values </a:t>
+            </a:r>
+            <a:endParaRPr lang="en-US" dirty="0" smtClean="0"/>
+          </a:p>
+          <a:p>
+            <a:pPr lvl="1"/>
+            <a:r>
+              <a:rPr lang="en-US" dirty="0"/>
+              <a:t>A</a:t>
+            </a:r>
+            <a:r>
+              <a:rPr lang="en-US" dirty="0" smtClean="0"/>
+              <a:t>nd </a:t>
+            </a:r>
+            <a:r>
+              <a:rPr lang="en-US" dirty="0"/>
+              <a:t>the difference between the observed and simulated values of the sample statistics to have a roughly bell-shaped distribution, centered at </a:t>
+            </a:r>
+            <a:r>
+              <a:rPr lang="en-US" dirty="0" smtClean="0"/>
+              <a:t>0</a:t>
+            </a:r>
+            <a:endParaRPr lang="en-US" dirty="0"/>
+          </a:p>
+        </p:txBody>
+      </p:sp>
+      <p:pic>
+        <p:nvPicPr>
+          <p:cNvPr id="11" name="Picture 10" descr="mcmc_good.png"/>
           <p:cNvPicPr>
             <a:picLocks noChangeAspect="1"/>
           </p:cNvPicPr>
@@ -10204,37 +12741,8 @@
         </p:blipFill>
         <p:spPr>
           <a:xfrm>
-            <a:off x="6489306" y="1907193"/>
-            <a:ext cx="5506751" cy="3373139"/>
-          </a:xfrm>
-          <a:prstGeom prst="rect">
-            <a:avLst/>
-          </a:prstGeom>
-        </p:spPr>
-      </p:pic>
-      <p:pic>
-        <p:nvPicPr>
-          <p:cNvPr id="3" name="Picture 2"/>
-          <p:cNvPicPr>
-            <a:picLocks noChangeAspect="1"/>
-          </p:cNvPicPr>
-          <p:nvPr/>
-        </p:nvPicPr>
-        <p:blipFill rotWithShape="1">
-          <a:blip r:embed="rId3">
-            <a:extLst>
-              <a:ext uri="{28A0092B-C50C-407E-A947-70E740481C1C}">
-                <a14:useLocalDpi xmlns:a14="http://schemas.microsoft.com/office/drawing/2010/main" val="0"/>
-              </a:ext>
-            </a:extLst>
-          </a:blip>
-          <a:srcRect r="8237"/>
-          <a:stretch/>
-        </p:blipFill>
-        <p:spPr>
-          <a:xfrm>
-            <a:off x="262483" y="1907193"/>
-            <a:ext cx="5863997" cy="3477673"/>
+            <a:off x="1553881" y="3306637"/>
+            <a:ext cx="8785411" cy="2854543"/>
           </a:xfrm>
           <a:prstGeom prst="rect">
             <a:avLst/>
@@ -10244,7 +12752,734 @@
     </p:spTree>
     <p:extLst>
       <p:ext uri="{BB962C8B-B14F-4D97-AF65-F5344CB8AC3E}">
-        <p14:creationId xmlns:p14="http://schemas.microsoft.com/office/powerpoint/2010/main" val="1437564066"/>
+        <p14:creationId xmlns:p14="http://schemas.microsoft.com/office/powerpoint/2010/main" val="2976517766"/>
+      </p:ext>
+    </p:extLst>
+  </p:cSld>
+  <p:clrMapOvr>
+    <a:masterClrMapping/>
+  </p:clrMapOvr>
+</p:sld>
+</file>
+
+<file path=ppt/slides/slide31.xml><?xml version="1.0" encoding="utf-8"?>
+<p:sld xmlns:a="http://schemas.openxmlformats.org/drawingml/2006/main" xmlns:r="http://schemas.openxmlformats.org/officeDocument/2006/relationships" xmlns:p="http://schemas.openxmlformats.org/presentationml/2006/main">
+  <p:cSld>
+    <p:spTree>
+      <p:nvGrpSpPr>
+        <p:cNvPr id="1" name=""/>
+        <p:cNvGrpSpPr/>
+        <p:nvPr/>
+      </p:nvGrpSpPr>
+      <p:grpSpPr>
+        <a:xfrm>
+          <a:off x="0" y="0"/>
+          <a:ext cx="0" cy="0"/>
+          <a:chOff x="0" y="0"/>
+          <a:chExt cx="0" cy="0"/>
+        </a:xfrm>
+      </p:grpSpPr>
+      <p:sp>
+        <p:nvSpPr>
+          <p:cNvPr id="2" name="Title 1"/>
+          <p:cNvSpPr>
+            <a:spLocks noGrp="1"/>
+          </p:cNvSpPr>
+          <p:nvPr>
+            <p:ph type="title"/>
+          </p:nvPr>
+        </p:nvSpPr>
+        <p:spPr/>
+        <p:txBody>
+          <a:bodyPr/>
+          <a:lstStyle/>
+          <a:p>
+            <a:r>
+              <a:rPr lang="en-US" dirty="0" smtClean="0"/>
+              <a:t>Diagnostics</a:t>
+            </a:r>
+            <a:endParaRPr lang="en-US" dirty="0"/>
+          </a:p>
+        </p:txBody>
+      </p:sp>
+      <p:sp>
+        <p:nvSpPr>
+          <p:cNvPr id="7" name="Text Placeholder 6"/>
+          <p:cNvSpPr>
+            <a:spLocks noGrp="1"/>
+          </p:cNvSpPr>
+          <p:nvPr>
+            <p:ph type="body" sz="quarter" idx="3"/>
+          </p:nvPr>
+        </p:nvSpPr>
+        <p:spPr>
+          <a:xfrm>
+            <a:off x="1090706" y="1343320"/>
+            <a:ext cx="10064974" cy="736282"/>
+          </a:xfrm>
+        </p:spPr>
+        <p:txBody>
+          <a:bodyPr/>
+          <a:lstStyle/>
+          <a:p>
+            <a:r>
+              <a:rPr lang="en-US" dirty="0" smtClean="0"/>
+              <a:t>Goodness of fit</a:t>
+            </a:r>
+            <a:endParaRPr lang="en-US" dirty="0"/>
+          </a:p>
+        </p:txBody>
+      </p:sp>
+      <p:sp>
+        <p:nvSpPr>
+          <p:cNvPr id="8" name="Content Placeholder 7"/>
+          <p:cNvSpPr>
+            <a:spLocks noGrp="1"/>
+          </p:cNvSpPr>
+          <p:nvPr>
+            <p:ph sz="quarter" idx="4"/>
+          </p:nvPr>
+        </p:nvSpPr>
+        <p:spPr>
+          <a:xfrm>
+            <a:off x="1090706" y="2077079"/>
+            <a:ext cx="10064974" cy="3883455"/>
+          </a:xfrm>
+        </p:spPr>
+        <p:txBody>
+          <a:bodyPr>
+            <a:normAutofit/>
+          </a:bodyPr>
+          <a:lstStyle/>
+          <a:p>
+            <a:r>
+              <a:rPr lang="en-US" dirty="0"/>
+              <a:t>If a statistic is included in our model, simulations should always reproduce the observed value </a:t>
+            </a:r>
+            <a:endParaRPr lang="en-US" dirty="0" smtClean="0"/>
+          </a:p>
+          <a:p>
+            <a:pPr lvl="1"/>
+            <a:r>
+              <a:rPr lang="en-US" dirty="0"/>
+              <a:t>C</a:t>
+            </a:r>
+            <a:r>
+              <a:rPr lang="en-US" dirty="0" smtClean="0"/>
+              <a:t>hecking </a:t>
+            </a:r>
+            <a:r>
+              <a:rPr lang="en-US" dirty="0"/>
+              <a:t>this verifies that the model is performing the way we expect it to. </a:t>
+            </a:r>
+            <a:endParaRPr lang="en-US" dirty="0" smtClean="0"/>
+          </a:p>
+          <a:p>
+            <a:r>
+              <a:rPr lang="en-US" dirty="0" smtClean="0"/>
+              <a:t>If </a:t>
+            </a:r>
+            <a:r>
+              <a:rPr lang="en-US" dirty="0"/>
+              <a:t>a model is able to reproduce statistics that are not explicitly included in the model, this is a sign that we have captured the key structural features of the data.</a:t>
+            </a:r>
+          </a:p>
+          <a:p>
+            <a:pPr lvl="1"/>
+            <a:r>
+              <a:rPr lang="en-US" dirty="0" err="1" smtClean="0"/>
+              <a:t>statnetWeb</a:t>
+            </a:r>
+            <a:r>
+              <a:rPr lang="en-US" dirty="0" smtClean="0"/>
+              <a:t> </a:t>
+            </a:r>
+            <a:r>
+              <a:rPr lang="en-US" dirty="0"/>
+              <a:t>has a built in goodness of fit mechanism. </a:t>
+            </a:r>
+            <a:endParaRPr lang="en-US" dirty="0" smtClean="0"/>
+          </a:p>
+          <a:p>
+            <a:pPr lvl="1"/>
+            <a:r>
+              <a:rPr lang="en-US" dirty="0" smtClean="0"/>
+              <a:t>For </a:t>
+            </a:r>
+            <a:r>
+              <a:rPr lang="en-US" dirty="0"/>
+              <a:t>various terms (degree, </a:t>
+            </a:r>
+            <a:r>
+              <a:rPr lang="en-US" dirty="0" err="1"/>
+              <a:t>egdewise</a:t>
+            </a:r>
+            <a:r>
+              <a:rPr lang="en-US" dirty="0"/>
+              <a:t> shared partners, geodesic distance and more), the user can check statistics and boxplots of simulated values and compared them to the observed network.</a:t>
+            </a:r>
+            <a:endParaRPr lang="en-US" dirty="0" smtClean="0"/>
+          </a:p>
+          <a:p>
+            <a:pPr marL="0" indent="0">
+              <a:buNone/>
+            </a:pPr>
+            <a:endParaRPr lang="en-US" dirty="0"/>
+          </a:p>
+          <a:p>
+            <a:r>
+              <a:rPr lang="en-US" dirty="0" smtClean="0"/>
+              <a:t>When </a:t>
+            </a:r>
+            <a:r>
+              <a:rPr lang="en-US" dirty="0"/>
+              <a:t>multiple models are saved, compare GOF plots in a chart.</a:t>
+            </a:r>
+            <a:endParaRPr lang="en-US" dirty="0"/>
+          </a:p>
+        </p:txBody>
+      </p:sp>
+    </p:spTree>
+    <p:extLst>
+      <p:ext uri="{BB962C8B-B14F-4D97-AF65-F5344CB8AC3E}">
+        <p14:creationId xmlns:p14="http://schemas.microsoft.com/office/powerpoint/2010/main" val="2258388746"/>
+      </p:ext>
+    </p:extLst>
+  </p:cSld>
+  <p:clrMapOvr>
+    <a:masterClrMapping/>
+  </p:clrMapOvr>
+</p:sld>
+</file>
+
+<file path=ppt/slides/slide32.xml><?xml version="1.0" encoding="utf-8"?>
+<p:sld xmlns:a="http://schemas.openxmlformats.org/drawingml/2006/main" xmlns:r="http://schemas.openxmlformats.org/officeDocument/2006/relationships" xmlns:p="http://schemas.openxmlformats.org/presentationml/2006/main">
+  <p:cSld>
+    <p:spTree>
+      <p:nvGrpSpPr>
+        <p:cNvPr id="1" name=""/>
+        <p:cNvGrpSpPr/>
+        <p:nvPr/>
+      </p:nvGrpSpPr>
+      <p:grpSpPr>
+        <a:xfrm>
+          <a:off x="0" y="0"/>
+          <a:ext cx="0" cy="0"/>
+          <a:chOff x="0" y="0"/>
+          <a:chExt cx="0" cy="0"/>
+        </a:xfrm>
+      </p:grpSpPr>
+      <p:sp>
+        <p:nvSpPr>
+          <p:cNvPr id="2" name="Title 1"/>
+          <p:cNvSpPr>
+            <a:spLocks noGrp="1"/>
+          </p:cNvSpPr>
+          <p:nvPr>
+            <p:ph type="title"/>
+          </p:nvPr>
+        </p:nvSpPr>
+        <p:spPr/>
+        <p:txBody>
+          <a:bodyPr/>
+          <a:lstStyle/>
+          <a:p>
+            <a:r>
+              <a:rPr lang="en-US" dirty="0" smtClean="0"/>
+              <a:t>Statistical Models</a:t>
+            </a:r>
+            <a:endParaRPr lang="en-US" dirty="0"/>
+          </a:p>
+        </p:txBody>
+      </p:sp>
+      <p:sp>
+        <p:nvSpPr>
+          <p:cNvPr id="3" name="Content Placeholder 2"/>
+          <p:cNvSpPr>
+            <a:spLocks noGrp="1"/>
+          </p:cNvSpPr>
+          <p:nvPr>
+            <p:ph sz="half" idx="1"/>
+          </p:nvPr>
+        </p:nvSpPr>
+        <p:spPr/>
+        <p:txBody>
+          <a:bodyPr/>
+          <a:lstStyle/>
+          <a:p>
+            <a:r>
+              <a:rPr lang="en-US" b="1" dirty="0" smtClean="0"/>
+              <a:t>Back to ERGMs</a:t>
+            </a:r>
+          </a:p>
+          <a:p>
+            <a:r>
+              <a:rPr lang="en-US" dirty="0" smtClean="0"/>
+              <a:t>More examples</a:t>
+            </a:r>
+          </a:p>
+          <a:p>
+            <a:r>
+              <a:rPr lang="en-US" dirty="0" smtClean="0">
+                <a:cs typeface="Times New Roman" panose="02020603050405020304" pitchFamily="18" charset="0"/>
+              </a:rPr>
+              <a:t>Save multiple models and compare results</a:t>
+            </a:r>
+            <a:endParaRPr lang="en-US" dirty="0" smtClean="0">
+              <a:cs typeface="Times New Roman" panose="02020603050405020304" pitchFamily="18" charset="0"/>
+            </a:endParaRPr>
+          </a:p>
+          <a:p>
+            <a:pPr lvl="1"/>
+            <a:endParaRPr lang="en-US" dirty="0"/>
+          </a:p>
+        </p:txBody>
+      </p:sp>
+      <p:sp>
+        <p:nvSpPr>
+          <p:cNvPr id="4" name="Content Placeholder 3"/>
+          <p:cNvSpPr>
+            <a:spLocks noGrp="1"/>
+          </p:cNvSpPr>
+          <p:nvPr>
+            <p:ph sz="half" idx="2"/>
+          </p:nvPr>
+        </p:nvSpPr>
+        <p:spPr/>
+        <p:txBody>
+          <a:bodyPr/>
+          <a:lstStyle/>
+          <a:p>
+            <a:endParaRPr lang="en-US"/>
+          </a:p>
+        </p:txBody>
+      </p:sp>
+    </p:spTree>
+    <p:extLst>
+      <p:ext uri="{BB962C8B-B14F-4D97-AF65-F5344CB8AC3E}">
+        <p14:creationId xmlns:p14="http://schemas.microsoft.com/office/powerpoint/2010/main" val="3466283549"/>
+      </p:ext>
+    </p:extLst>
+  </p:cSld>
+  <p:clrMapOvr>
+    <a:masterClrMapping/>
+  </p:clrMapOvr>
+</p:sld>
+</file>
+
+<file path=ppt/slides/slide33.xml><?xml version="1.0" encoding="utf-8"?>
+<p:sld xmlns:a="http://schemas.openxmlformats.org/drawingml/2006/main" xmlns:r="http://schemas.openxmlformats.org/officeDocument/2006/relationships" xmlns:p="http://schemas.openxmlformats.org/presentationml/2006/main">
+  <p:cSld>
+    <p:spTree>
+      <p:nvGrpSpPr>
+        <p:cNvPr id="1" name=""/>
+        <p:cNvGrpSpPr/>
+        <p:nvPr/>
+      </p:nvGrpSpPr>
+      <p:grpSpPr>
+        <a:xfrm>
+          <a:off x="0" y="0"/>
+          <a:ext cx="0" cy="0"/>
+          <a:chOff x="0" y="0"/>
+          <a:chExt cx="0" cy="0"/>
+        </a:xfrm>
+      </p:grpSpPr>
+      <p:sp>
+        <p:nvSpPr>
+          <p:cNvPr id="2" name="Title 1"/>
+          <p:cNvSpPr>
+            <a:spLocks noGrp="1"/>
+          </p:cNvSpPr>
+          <p:nvPr>
+            <p:ph type="title"/>
+          </p:nvPr>
+        </p:nvSpPr>
+        <p:spPr/>
+        <p:txBody>
+          <a:bodyPr/>
+          <a:lstStyle/>
+          <a:p>
+            <a:r>
+              <a:rPr lang="en-US" dirty="0" smtClean="0"/>
+              <a:t>Model-Based Simulation</a:t>
+            </a:r>
+            <a:endParaRPr lang="en-US" dirty="0"/>
+          </a:p>
+        </p:txBody>
+      </p:sp>
+      <p:sp>
+        <p:nvSpPr>
+          <p:cNvPr id="3" name="Content Placeholder 2"/>
+          <p:cNvSpPr>
+            <a:spLocks noGrp="1"/>
+          </p:cNvSpPr>
+          <p:nvPr>
+            <p:ph sz="half" idx="1"/>
+          </p:nvPr>
+        </p:nvSpPr>
+        <p:spPr>
+          <a:xfrm>
+            <a:off x="1097277" y="1349440"/>
+            <a:ext cx="10018957" cy="2191619"/>
+          </a:xfrm>
+        </p:spPr>
+        <p:txBody>
+          <a:bodyPr/>
+          <a:lstStyle/>
+          <a:p>
+            <a:r>
+              <a:rPr lang="en-US" dirty="0" smtClean="0"/>
+              <a:t>Choose the number of simulations and e</a:t>
+            </a:r>
+            <a:r>
+              <a:rPr lang="en-US" dirty="0" smtClean="0"/>
+              <a:t>dit MCMC control options if desired</a:t>
+            </a:r>
+          </a:p>
+          <a:p>
+            <a:r>
+              <a:rPr lang="en-US" dirty="0" smtClean="0"/>
+              <a:t>Browse through plots of each simulation</a:t>
+            </a:r>
+          </a:p>
+          <a:p>
+            <a:r>
+              <a:rPr lang="en-US" dirty="0" smtClean="0"/>
+              <a:t>Plot simulation statistics compared to targets</a:t>
+            </a:r>
+          </a:p>
+          <a:p>
+            <a:r>
+              <a:rPr lang="en-US" dirty="0" smtClean="0"/>
+              <a:t>Download files of simulation summary</a:t>
+            </a:r>
+          </a:p>
+          <a:p>
+            <a:endParaRPr lang="en-US" dirty="0"/>
+          </a:p>
+        </p:txBody>
+      </p:sp>
+      <p:pic>
+        <p:nvPicPr>
+          <p:cNvPr id="5" name="Content Placeholder 4" descr="simstats.png"/>
+          <p:cNvPicPr>
+            <a:picLocks noGrp="1" noChangeAspect="1"/>
+          </p:cNvPicPr>
+          <p:nvPr>
+            <p:ph sz="half" idx="2"/>
+          </p:nvPr>
+        </p:nvPicPr>
+        <p:blipFill rotWithShape="1">
+          <a:blip r:embed="rId2">
+            <a:extLst>
+              <a:ext uri="{28A0092B-C50C-407E-A947-70E740481C1C}">
+                <a14:useLocalDpi xmlns:a14="http://schemas.microsoft.com/office/drawing/2010/main" val="0"/>
+              </a:ext>
+            </a:extLst>
+          </a:blip>
+          <a:srcRect t="2202" b="774"/>
+          <a:stretch/>
+        </p:blipFill>
+        <p:spPr>
+          <a:xfrm>
+            <a:off x="253919" y="3182470"/>
+            <a:ext cx="7853761" cy="3018119"/>
+          </a:xfrm>
+        </p:spPr>
+      </p:pic>
+      <p:pic>
+        <p:nvPicPr>
+          <p:cNvPr id="6" name="Picture 5" descr="simstats_sum.png"/>
+          <p:cNvPicPr>
+            <a:picLocks noChangeAspect="1"/>
+          </p:cNvPicPr>
+          <p:nvPr/>
+        </p:nvPicPr>
+        <p:blipFill>
+          <a:blip r:embed="rId3">
+            <a:extLst>
+              <a:ext uri="{28A0092B-C50C-407E-A947-70E740481C1C}">
+                <a14:useLocalDpi xmlns:a14="http://schemas.microsoft.com/office/drawing/2010/main" val="0"/>
+              </a:ext>
+            </a:extLst>
+          </a:blip>
+          <a:stretch>
+            <a:fillRect/>
+          </a:stretch>
+        </p:blipFill>
+        <p:spPr>
+          <a:xfrm>
+            <a:off x="8098117" y="2484109"/>
+            <a:ext cx="3399863" cy="3696308"/>
+          </a:xfrm>
+          <a:prstGeom prst="rect">
+            <a:avLst/>
+          </a:prstGeom>
+        </p:spPr>
+      </p:pic>
+    </p:spTree>
+    <p:extLst>
+      <p:ext uri="{BB962C8B-B14F-4D97-AF65-F5344CB8AC3E}">
+        <p14:creationId xmlns:p14="http://schemas.microsoft.com/office/powerpoint/2010/main" val="1247503435"/>
+      </p:ext>
+    </p:extLst>
+  </p:cSld>
+  <p:clrMapOvr>
+    <a:masterClrMapping/>
+  </p:clrMapOvr>
+</p:sld>
+</file>
+
+<file path=ppt/slides/slide34.xml><?xml version="1.0" encoding="utf-8"?>
+<p:sld xmlns:a="http://schemas.openxmlformats.org/drawingml/2006/main" xmlns:r="http://schemas.openxmlformats.org/officeDocument/2006/relationships" xmlns:p="http://schemas.openxmlformats.org/presentationml/2006/main">
+  <p:cSld>
+    <p:spTree>
+      <p:nvGrpSpPr>
+        <p:cNvPr id="1" name=""/>
+        <p:cNvGrpSpPr/>
+        <p:nvPr/>
+      </p:nvGrpSpPr>
+      <p:grpSpPr>
+        <a:xfrm>
+          <a:off x="0" y="0"/>
+          <a:ext cx="0" cy="0"/>
+          <a:chOff x="0" y="0"/>
+          <a:chExt cx="0" cy="0"/>
+        </a:xfrm>
+      </p:grpSpPr>
+      <p:sp>
+        <p:nvSpPr>
+          <p:cNvPr id="2" name="Title 1"/>
+          <p:cNvSpPr>
+            <a:spLocks noGrp="1"/>
+          </p:cNvSpPr>
+          <p:nvPr>
+            <p:ph type="title"/>
+          </p:nvPr>
+        </p:nvSpPr>
+        <p:spPr/>
+        <p:txBody>
+          <a:bodyPr/>
+          <a:lstStyle/>
+          <a:p>
+            <a:r>
+              <a:rPr lang="en-US" dirty="0" smtClean="0"/>
+              <a:t>Review &amp; Further Topics</a:t>
+            </a:r>
+            <a:endParaRPr lang="en-US" dirty="0"/>
+          </a:p>
+        </p:txBody>
+      </p:sp>
+      <p:sp>
+        <p:nvSpPr>
+          <p:cNvPr id="4" name="Content Placeholder 3"/>
+          <p:cNvSpPr>
+            <a:spLocks noGrp="1"/>
+          </p:cNvSpPr>
+          <p:nvPr>
+            <p:ph sz="half" idx="2"/>
+          </p:nvPr>
+        </p:nvSpPr>
+        <p:spPr>
+          <a:xfrm>
+            <a:off x="1090706" y="1349440"/>
+            <a:ext cx="10064974" cy="4519655"/>
+          </a:xfrm>
+        </p:spPr>
+        <p:txBody>
+          <a:bodyPr/>
+          <a:lstStyle/>
+          <a:p>
+            <a:r>
+              <a:rPr lang="en-US" dirty="0" smtClean="0"/>
+              <a:t>Missing data</a:t>
+            </a:r>
+          </a:p>
+          <a:p>
+            <a:r>
+              <a:rPr lang="en-US" dirty="0" smtClean="0"/>
+              <a:t>Longitudinal analysis (STERGMs)</a:t>
+            </a:r>
+            <a:endParaRPr lang="en-US" dirty="0"/>
+          </a:p>
+        </p:txBody>
+      </p:sp>
+    </p:spTree>
+    <p:extLst>
+      <p:ext uri="{BB962C8B-B14F-4D97-AF65-F5344CB8AC3E}">
+        <p14:creationId xmlns:p14="http://schemas.microsoft.com/office/powerpoint/2010/main" val="3731357647"/>
+      </p:ext>
+    </p:extLst>
+  </p:cSld>
+  <p:clrMapOvr>
+    <a:masterClrMapping/>
+  </p:clrMapOvr>
+</p:sld>
+</file>
+
+<file path=ppt/slides/slide35.xml><?xml version="1.0" encoding="utf-8"?>
+<p:sld xmlns:a="http://schemas.openxmlformats.org/drawingml/2006/main" xmlns:r="http://schemas.openxmlformats.org/officeDocument/2006/relationships" xmlns:p="http://schemas.openxmlformats.org/presentationml/2006/main">
+  <p:cSld>
+    <p:spTree>
+      <p:nvGrpSpPr>
+        <p:cNvPr id="1" name=""/>
+        <p:cNvGrpSpPr/>
+        <p:nvPr/>
+      </p:nvGrpSpPr>
+      <p:grpSpPr>
+        <a:xfrm>
+          <a:off x="0" y="0"/>
+          <a:ext cx="0" cy="0"/>
+          <a:chOff x="0" y="0"/>
+          <a:chExt cx="0" cy="0"/>
+        </a:xfrm>
+      </p:grpSpPr>
+      <p:sp>
+        <p:nvSpPr>
+          <p:cNvPr id="2" name="Title 1"/>
+          <p:cNvSpPr>
+            <a:spLocks noGrp="1"/>
+          </p:cNvSpPr>
+          <p:nvPr>
+            <p:ph type="title"/>
+          </p:nvPr>
+        </p:nvSpPr>
+        <p:spPr/>
+        <p:txBody>
+          <a:bodyPr/>
+          <a:lstStyle/>
+          <a:p>
+            <a:r>
+              <a:rPr lang="en-US" dirty="0" err="1" smtClean="0"/>
+              <a:t>statnetWeb</a:t>
+            </a:r>
+            <a:r>
+              <a:rPr lang="en-US" dirty="0" smtClean="0"/>
+              <a:t> Development</a:t>
+            </a:r>
+            <a:endParaRPr lang="en-US" dirty="0"/>
+          </a:p>
+        </p:txBody>
+      </p:sp>
+      <p:sp>
+        <p:nvSpPr>
+          <p:cNvPr id="3" name="Content Placeholder 2"/>
+          <p:cNvSpPr>
+            <a:spLocks noGrp="1"/>
+          </p:cNvSpPr>
+          <p:nvPr>
+            <p:ph idx="1"/>
+          </p:nvPr>
+        </p:nvSpPr>
+        <p:spPr/>
+        <p:txBody>
+          <a:bodyPr/>
+          <a:lstStyle/>
+          <a:p>
+            <a:r>
+              <a:rPr lang="en-US" dirty="0" err="1" smtClean="0"/>
+              <a:t>statnetWeb</a:t>
+            </a:r>
+            <a:r>
+              <a:rPr lang="en-US" dirty="0" smtClean="0"/>
+              <a:t> is written in Shiny, a framework for creating web applications with content written in R</a:t>
+            </a:r>
+          </a:p>
+          <a:p>
+            <a:pPr lvl="1"/>
+            <a:r>
+              <a:rPr lang="en-US" dirty="0"/>
+              <a:t>http://</a:t>
+            </a:r>
+            <a:r>
+              <a:rPr lang="en-US" dirty="0" err="1"/>
+              <a:t>shiny.rstudio.com</a:t>
+            </a:r>
+            <a:r>
+              <a:rPr lang="en-US" dirty="0"/>
+              <a:t>/</a:t>
+            </a:r>
+          </a:p>
+          <a:p>
+            <a:endParaRPr lang="en-US" dirty="0" smtClean="0"/>
+          </a:p>
+          <a:p>
+            <a:r>
+              <a:rPr lang="en-US" dirty="0" smtClean="0"/>
+              <a:t>The </a:t>
+            </a:r>
+            <a:r>
+              <a:rPr lang="en-US" dirty="0"/>
+              <a:t>code for </a:t>
+            </a:r>
+            <a:r>
+              <a:rPr lang="en-US" dirty="0" err="1"/>
+              <a:t>statnetWeb</a:t>
+            </a:r>
+            <a:r>
+              <a:rPr lang="en-US" dirty="0"/>
+              <a:t> is publicly available at </a:t>
+            </a:r>
+            <a:r>
+              <a:rPr lang="en-US" dirty="0" smtClean="0"/>
+              <a:t>our </a:t>
+            </a:r>
+            <a:r>
+              <a:rPr lang="en-US" dirty="0" err="1" smtClean="0"/>
+              <a:t>GitHub</a:t>
+            </a:r>
+            <a:r>
+              <a:rPr lang="en-US" dirty="0" smtClean="0"/>
+              <a:t> repository</a:t>
+            </a:r>
+          </a:p>
+          <a:p>
+            <a:pPr lvl="1"/>
+            <a:r>
+              <a:rPr lang="en-US" dirty="0">
+                <a:solidFill>
+                  <a:srgbClr val="404040"/>
+                </a:solidFill>
+              </a:rPr>
+              <a:t>https://github.com/statnet/</a:t>
+            </a:r>
+            <a:r>
+              <a:rPr lang="en-US" dirty="0" smtClean="0">
+                <a:solidFill>
+                  <a:srgbClr val="404040"/>
+                </a:solidFill>
+              </a:rPr>
+              <a:t>statnetWeb</a:t>
+            </a:r>
+            <a:endParaRPr lang="en-US" dirty="0" smtClean="0">
+              <a:solidFill>
+                <a:srgbClr val="404040"/>
+              </a:solidFill>
+            </a:endParaRPr>
+          </a:p>
+          <a:p>
+            <a:endParaRPr lang="en-US" dirty="0" smtClean="0">
+              <a:solidFill>
+                <a:srgbClr val="404040"/>
+              </a:solidFill>
+            </a:endParaRPr>
+          </a:p>
+          <a:p>
+            <a:r>
+              <a:rPr lang="en-US" dirty="0" smtClean="0">
+                <a:solidFill>
+                  <a:srgbClr val="404040"/>
+                </a:solidFill>
+              </a:rPr>
+              <a:t>Feel free to browse the code, make suggestions and report issues.</a:t>
+            </a:r>
+          </a:p>
+        </p:txBody>
+      </p:sp>
+    </p:spTree>
+    <p:extLst>
+      <p:ext uri="{BB962C8B-B14F-4D97-AF65-F5344CB8AC3E}">
+        <p14:creationId xmlns:p14="http://schemas.microsoft.com/office/powerpoint/2010/main" val="3199526157"/>
       </p:ext>
     </p:extLst>
   </p:cSld>
@@ -10306,8 +13541,8 @@
         </p:nvSpPr>
         <p:spPr>
           <a:xfrm>
-            <a:off x="1097278" y="1349440"/>
-            <a:ext cx="10001692" cy="4519654"/>
+            <a:off x="1097278" y="1897529"/>
+            <a:ext cx="10001692" cy="3971565"/>
           </a:xfrm>
         </p:spPr>
         <p:txBody>
@@ -10315,134 +13550,49 @@
           <a:lstStyle/>
           <a:p>
             <a:r>
-              <a:rPr lang="en-US" dirty="0"/>
-              <a:t>Network analysis techniques have progressed immensely over the past 60 years and continue to develop quickly</a:t>
-            </a:r>
-            <a:r>
-              <a:rPr lang="en-US" dirty="0" smtClean="0"/>
-              <a:t>.</a:t>
-            </a:r>
-          </a:p>
-          <a:p>
-            <a:pPr lvl="1"/>
-            <a:r>
-              <a:rPr lang="en-US" dirty="0" smtClean="0"/>
-              <a:t>Command line programs: flexible analysis possibilities, requires initial investment </a:t>
-            </a:r>
-          </a:p>
-          <a:p>
-            <a:pPr lvl="1"/>
-            <a:r>
-              <a:rPr lang="en-US" dirty="0" smtClean="0"/>
-              <a:t>GUI-based programs: available to wider audience, limited analysis possibilities</a:t>
-            </a:r>
-          </a:p>
-          <a:p>
-            <a:r>
-              <a:rPr lang="en-US" dirty="0" smtClean="0"/>
-              <a:t>The </a:t>
-            </a:r>
-            <a:r>
-              <a:rPr lang="en-US" dirty="0" err="1" smtClean="0"/>
-              <a:t>statnet</a:t>
-            </a:r>
-            <a:r>
-              <a:rPr lang="en-US" dirty="0" smtClean="0"/>
-              <a:t> suite of R packages gives users powerful network analysis tools, accessed from the flexibility of the R command line.</a:t>
-            </a:r>
-          </a:p>
-          <a:p>
-            <a:r>
-              <a:rPr lang="en-US" dirty="0" smtClean="0"/>
-              <a:t>The Shiny framework from </a:t>
-            </a:r>
-            <a:r>
-              <a:rPr lang="en-US" dirty="0" err="1" smtClean="0"/>
-              <a:t>RStudio</a:t>
-            </a:r>
-            <a:r>
-              <a:rPr lang="en-US" dirty="0" smtClean="0"/>
-              <a:t> allows us to build a </a:t>
-            </a:r>
-            <a:r>
-              <a:rPr lang="en-US" dirty="0" smtClean="0"/>
-              <a:t>friendly interface for </a:t>
-            </a:r>
-            <a:r>
-              <a:rPr lang="en-US" dirty="0" err="1" smtClean="0"/>
-              <a:t>statnet</a:t>
-            </a:r>
-            <a:r>
-              <a:rPr lang="en-US" dirty="0" smtClean="0"/>
-              <a:t> that runs in a web browser.</a:t>
-            </a:r>
-            <a:endParaRPr lang="en-US" dirty="0"/>
-          </a:p>
-          <a:p>
-            <a:r>
               <a:rPr lang="en-US" dirty="0" smtClean="0">
                 <a:solidFill>
-                  <a:schemeClr val="accent1"/>
+                  <a:srgbClr val="404040"/>
                 </a:solidFill>
               </a:rPr>
-              <a:t>Rather than </a:t>
+              <a:t>Rather </a:t>
             </a:r>
             <a:r>
               <a:rPr lang="en-US" dirty="0" smtClean="0">
                 <a:solidFill>
-                  <a:schemeClr val="accent1"/>
+                  <a:srgbClr val="404040"/>
                 </a:solidFill>
               </a:rPr>
-              <a:t>reinforcing the dichotomy between</a:t>
+              <a:t>than reinforcing the dichotomy between access to the command line and standalone GUIs, </a:t>
+            </a:r>
+            <a:r>
+              <a:rPr lang="en-US" dirty="0" err="1" smtClean="0">
+                <a:solidFill>
+                  <a:srgbClr val="404040"/>
+                </a:solidFill>
+              </a:rPr>
+              <a:t>statnetWeb</a:t>
             </a:r>
             <a:r>
               <a:rPr lang="en-US" dirty="0" smtClean="0">
                 <a:solidFill>
-                  <a:schemeClr val="accent1"/>
+                  <a:srgbClr val="404040"/>
                 </a:solidFill>
               </a:rPr>
-              <a:t> access to the command line and standalone GUIs, </a:t>
-            </a:r>
-            <a:r>
-              <a:rPr lang="en-US" dirty="0" err="1" smtClean="0">
-                <a:solidFill>
-                  <a:schemeClr val="accent1"/>
-                </a:solidFill>
-              </a:rPr>
-              <a:t>statnetWeb</a:t>
-            </a:r>
-            <a:r>
-              <a:rPr lang="en-US" dirty="0" smtClean="0">
-                <a:solidFill>
-                  <a:schemeClr val="accent1"/>
-                </a:solidFill>
-              </a:rPr>
-              <a:t> occupies </a:t>
-            </a:r>
-            <a:r>
-              <a:rPr lang="en-US" dirty="0" smtClean="0">
-                <a:solidFill>
-                  <a:schemeClr val="accent1"/>
-                </a:solidFill>
-              </a:rPr>
-              <a:t>the </a:t>
-            </a:r>
-            <a:r>
-              <a:rPr lang="en-US" dirty="0" smtClean="0">
-                <a:solidFill>
-                  <a:schemeClr val="accent1"/>
-                </a:solidFill>
-              </a:rPr>
-              <a:t>middle </a:t>
-            </a:r>
-            <a:r>
-              <a:rPr lang="en-US" dirty="0" smtClean="0">
-                <a:solidFill>
-                  <a:schemeClr val="accent1"/>
-                </a:solidFill>
-              </a:rPr>
-              <a:t>ground. </a:t>
-            </a:r>
+              <a:t> occupies the middle ground. </a:t>
+            </a:r>
+            <a:endParaRPr lang="en-US" dirty="0" smtClean="0">
+              <a:solidFill>
+                <a:srgbClr val="404040"/>
+              </a:solidFill>
+            </a:endParaRPr>
+          </a:p>
+          <a:p>
+            <a:endParaRPr lang="en-US" dirty="0" smtClean="0">
+              <a:solidFill>
+                <a:srgbClr val="404040"/>
+              </a:solidFill>
+            </a:endParaRPr>
           </a:p>
           <a:p>
             <a:pPr lvl="1"/>
@@ -10457,7 +13607,6 @@
               <a:rPr lang="en-US" dirty="0" smtClean="0"/>
               <a:t>Perform exploratory tasks quickly</a:t>
             </a:r>
-            <a:endParaRPr lang="en-US" dirty="0" smtClean="0"/>
           </a:p>
           <a:p>
             <a:pPr lvl="1"/>
@@ -10472,7 +13621,7 @@
     </p:spTree>
     <p:extLst>
       <p:ext uri="{BB962C8B-B14F-4D97-AF65-F5344CB8AC3E}">
-        <p14:creationId xmlns:p14="http://schemas.microsoft.com/office/powerpoint/2010/main" val="1125714840"/>
+        <p14:creationId xmlns:p14="http://schemas.microsoft.com/office/powerpoint/2010/main" val="211441686"/>
       </p:ext>
     </p:extLst>
   </p:cSld>
@@ -10701,24 +13850,17 @@
           <a:p>
             <a:pPr lvl="1"/>
             <a:r>
-              <a:rPr lang="en-US" dirty="0" smtClean="0">
-                <a:hlinkClick r:id="rId2"/>
-              </a:rPr>
+              <a:rPr lang="en-US" dirty="0" smtClean="0"/>
               <a:t>https</a:t>
             </a:r>
             <a:r>
-              <a:rPr lang="en-US" dirty="0">
-                <a:hlinkClick r:id="rId2"/>
-              </a:rPr>
+              <a:rPr lang="en-US" dirty="0"/>
               <a:t>://</a:t>
             </a:r>
             <a:r>
-              <a:rPr lang="en-US" dirty="0" smtClean="0">
-                <a:hlinkClick r:id="rId2"/>
-              </a:rPr>
+              <a:rPr lang="en-US" dirty="0" smtClean="0"/>
               <a:t>ebey.shinyapps.io/statnetWeb/</a:t>
             </a:r>
-            <a:endParaRPr lang="en-US" dirty="0" smtClean="0"/>
           </a:p>
           <a:p>
             <a:r>
@@ -11134,11 +14276,7 @@
             </a:pPr>
             <a:r>
               <a:rPr lang="en-US" dirty="0" smtClean="0"/>
-              <a:t>Review and further </a:t>
-            </a:r>
-            <a:r>
-              <a:rPr lang="en-US" dirty="0" smtClean="0"/>
-              <a:t>topics</a:t>
+              <a:t>Review and further topics</a:t>
             </a:r>
           </a:p>
           <a:p>
@@ -11149,7 +14287,6 @@
               <a:rPr lang="en-US" dirty="0" smtClean="0"/>
               <a:t>See the supplemental materials for more background and examples on each of these topics</a:t>
             </a:r>
-            <a:endParaRPr lang="en-US" dirty="0" smtClean="0"/>
           </a:p>
         </p:txBody>
       </p:sp>
@@ -11319,13 +14456,8 @@
             <a:pPr lvl="1"/>
             <a:r>
               <a:rPr lang="en-US" dirty="0" smtClean="0"/>
-              <a:t>Configurations: dyads, triads, </a:t>
-            </a:r>
-            <a:r>
-              <a:rPr lang="en-US" dirty="0" smtClean="0"/>
-              <a:t>k-stars</a:t>
-            </a:r>
-            <a:endParaRPr lang="en-US" dirty="0" smtClean="0"/>
+              <a:t>Configurations: dyads, triads, k-stars</a:t>
+            </a:r>
           </a:p>
           <a:p>
             <a:r>
@@ -11586,11 +14718,7 @@
             <a:pPr lvl="1"/>
             <a:r>
               <a:rPr lang="en-US" dirty="0" smtClean="0"/>
-              <a:t>Adjacency </a:t>
-            </a:r>
-            <a:r>
-              <a:rPr lang="en-US" dirty="0" smtClean="0"/>
-              <a:t>matrices (</a:t>
+              <a:t>Adjacency matrices (</a:t>
             </a:r>
             <a:r>
               <a:rPr lang="en-US" dirty="0" err="1" smtClean="0"/>
@@ -11598,11 +14726,7 @@
             </a:r>
             <a:r>
               <a:rPr lang="en-US" dirty="0" smtClean="0"/>
-              <a:t>), </a:t>
-            </a:r>
-            <a:r>
-              <a:rPr lang="en-US" dirty="0" smtClean="0"/>
-              <a:t>edge lists</a:t>
+              <a:t>), edge lists</a:t>
             </a:r>
             <a:r>
               <a:rPr lang="en-US" dirty="0"/>
@@ -12028,7 +15152,7 @@
   <a:extraClrSchemeLst/>
   <a:extLst>
     <a:ext uri="{05A4C25C-085E-4340-85A3-A5531E510DB2}">
-      <thm15:themeFamily xmlns:thm15="http://schemas.microsoft.com/office/thememl/2012/main" name="Retrospect" id="{5F128B03-DCCA-4EEB-AB3B-CF2899314A46}" vid="{02006FA4-1611-4B07-AF7F-85CF6D20EB3E}"/>
+      <thm15:themeFamily xmlns:thm15="http://schemas.microsoft.com/office/thememl/2012/main" xmlns="" name="Retrospect" id="{5F128B03-DCCA-4EEB-AB3B-CF2899314A46}" vid="{02006FA4-1611-4B07-AF7F-85CF6D20EB3E}"/>
     </a:ext>
   </a:extLst>
 </a:theme>

--- a/statnetWeb_slides.pptx
+++ b/statnetWeb_slides.pptx
@@ -11,35 +11,36 @@
     <p:sldId id="292" r:id="rId5"/>
     <p:sldId id="273" r:id="rId6"/>
     <p:sldId id="272" r:id="rId7"/>
-    <p:sldId id="259" r:id="rId8"/>
-    <p:sldId id="260" r:id="rId9"/>
-    <p:sldId id="261" r:id="rId10"/>
-    <p:sldId id="267" r:id="rId11"/>
-    <p:sldId id="262" r:id="rId12"/>
-    <p:sldId id="269" r:id="rId13"/>
-    <p:sldId id="268" r:id="rId14"/>
-    <p:sldId id="271" r:id="rId15"/>
-    <p:sldId id="263" r:id="rId16"/>
-    <p:sldId id="284" r:id="rId17"/>
-    <p:sldId id="276" r:id="rId18"/>
-    <p:sldId id="274" r:id="rId19"/>
-    <p:sldId id="275" r:id="rId20"/>
-    <p:sldId id="286" r:id="rId21"/>
-    <p:sldId id="282" r:id="rId22"/>
-    <p:sldId id="287" r:id="rId23"/>
-    <p:sldId id="285" r:id="rId24"/>
-    <p:sldId id="277" r:id="rId25"/>
-    <p:sldId id="278" r:id="rId26"/>
-    <p:sldId id="283" r:id="rId27"/>
-    <p:sldId id="279" r:id="rId28"/>
-    <p:sldId id="280" r:id="rId29"/>
-    <p:sldId id="289" r:id="rId30"/>
-    <p:sldId id="264" r:id="rId31"/>
-    <p:sldId id="290" r:id="rId32"/>
-    <p:sldId id="288" r:id="rId33"/>
-    <p:sldId id="265" r:id="rId34"/>
-    <p:sldId id="266" r:id="rId35"/>
-    <p:sldId id="291" r:id="rId36"/>
+    <p:sldId id="293" r:id="rId8"/>
+    <p:sldId id="259" r:id="rId9"/>
+    <p:sldId id="260" r:id="rId10"/>
+    <p:sldId id="261" r:id="rId11"/>
+    <p:sldId id="267" r:id="rId12"/>
+    <p:sldId id="262" r:id="rId13"/>
+    <p:sldId id="269" r:id="rId14"/>
+    <p:sldId id="268" r:id="rId15"/>
+    <p:sldId id="271" r:id="rId16"/>
+    <p:sldId id="263" r:id="rId17"/>
+    <p:sldId id="284" r:id="rId18"/>
+    <p:sldId id="276" r:id="rId19"/>
+    <p:sldId id="274" r:id="rId20"/>
+    <p:sldId id="275" r:id="rId21"/>
+    <p:sldId id="286" r:id="rId22"/>
+    <p:sldId id="282" r:id="rId23"/>
+    <p:sldId id="287" r:id="rId24"/>
+    <p:sldId id="285" r:id="rId25"/>
+    <p:sldId id="277" r:id="rId26"/>
+    <p:sldId id="278" r:id="rId27"/>
+    <p:sldId id="283" r:id="rId28"/>
+    <p:sldId id="279" r:id="rId29"/>
+    <p:sldId id="280" r:id="rId30"/>
+    <p:sldId id="289" r:id="rId31"/>
+    <p:sldId id="264" r:id="rId32"/>
+    <p:sldId id="290" r:id="rId33"/>
+    <p:sldId id="288" r:id="rId34"/>
+    <p:sldId id="265" r:id="rId35"/>
+    <p:sldId id="266" r:id="rId36"/>
+    <p:sldId id="291" r:id="rId37"/>
   </p:sldIdLst>
   <p:sldSz cx="12192000" cy="6858000"/>
   <p:notesSz cx="6858000" cy="9144000"/>
@@ -149,6 +150,7 @@
             <p14:sldId id="292"/>
             <p14:sldId id="273"/>
             <p14:sldId id="272"/>
+            <p14:sldId id="293"/>
             <p14:sldId id="259"/>
             <p14:sldId id="260"/>
             <p14:sldId id="261"/>
@@ -183,7 +185,7 @@
       </p14:sectionLst>
     </p:ext>
     <p:ext uri="{EFAFB233-063F-42B5-8137-9DF3F51BA10A}">
-      <p15:sldGuideLst xmlns:p15="http://schemas.microsoft.com/office/powerpoint/2012/main" xmlns="">
+      <p15:sldGuideLst xmlns:p15="http://schemas.microsoft.com/office/powerpoint/2012/main">
         <p15:guide id="1" orient="horz" pos="2160">
           <p15:clr>
             <a:srgbClr val="A4A3A4"/>
@@ -266,10 +268,10 @@
                 <c:formatCode>General</c:formatCode>
                 <c:ptCount val="2"/>
                 <c:pt idx="0">
-                  <c:v>2.0</c:v>
+                  <c:v>2</c:v>
                 </c:pt>
                 <c:pt idx="1">
-                  <c:v>2.0</c:v>
+                  <c:v>2</c:v>
                 </c:pt>
               </c:numCache>
             </c:numRef>
@@ -320,10 +322,10 @@
                 <c:formatCode>General</c:formatCode>
                 <c:ptCount val="2"/>
                 <c:pt idx="0">
-                  <c:v>1.0</c:v>
+                  <c:v>1</c:v>
                 </c:pt>
                 <c:pt idx="1">
-                  <c:v>1.0</c:v>
+                  <c:v>1</c:v>
                 </c:pt>
               </c:numCache>
             </c:numRef>
@@ -374,10 +376,10 @@
                 <c:formatCode>General</c:formatCode>
                 <c:ptCount val="2"/>
                 <c:pt idx="0">
-                  <c:v>1.0</c:v>
+                  <c:v>1</c:v>
                 </c:pt>
                 <c:pt idx="1">
-                  <c:v>2.0</c:v>
+                  <c:v>2</c:v>
                 </c:pt>
               </c:numCache>
             </c:numRef>
@@ -428,10 +430,10 @@
                 <c:formatCode>General</c:formatCode>
                 <c:ptCount val="2"/>
                 <c:pt idx="0">
-                  <c:v>2.0</c:v>
+                  <c:v>2</c:v>
                 </c:pt>
                 <c:pt idx="1">
-                  <c:v>3.0</c:v>
+                  <c:v>3</c:v>
                 </c:pt>
               </c:numCache>
             </c:numRef>
@@ -482,10 +484,10 @@
                 <c:formatCode>General</c:formatCode>
                 <c:ptCount val="2"/>
                 <c:pt idx="0">
-                  <c:v>1.0</c:v>
+                  <c:v>1</c:v>
                 </c:pt>
                 <c:pt idx="1">
-                  <c:v>1.0</c:v>
+                  <c:v>1</c:v>
                 </c:pt>
               </c:numCache>
             </c:numRef>
@@ -536,10 +538,10 @@
                 <c:formatCode>General</c:formatCode>
                 <c:ptCount val="2"/>
                 <c:pt idx="0">
-                  <c:v>2.0</c:v>
+                  <c:v>2</c:v>
                 </c:pt>
                 <c:pt idx="1">
-                  <c:v>2.0</c:v>
+                  <c:v>2</c:v>
                 </c:pt>
               </c:numCache>
             </c:numRef>
@@ -592,10 +594,10 @@
                 <c:formatCode>General</c:formatCode>
                 <c:ptCount val="2"/>
                 <c:pt idx="0">
-                  <c:v>1.0</c:v>
+                  <c:v>1</c:v>
                 </c:pt>
                 <c:pt idx="1">
-                  <c:v>3.0</c:v>
+                  <c:v>3</c:v>
                 </c:pt>
               </c:numCache>
             </c:numRef>
@@ -611,11 +613,11 @@
         </c:dLbls>
         <c:gapWidth val="150"/>
         <c:overlap val="100"/>
-        <c:axId val="346269720"/>
-        <c:axId val="245668760"/>
+        <c:axId val="345023904"/>
+        <c:axId val="345018808"/>
       </c:barChart>
       <c:catAx>
-        <c:axId val="346269720"/>
+        <c:axId val="345023904"/>
         <c:scaling>
           <c:orientation val="minMax"/>
         </c:scaling>
@@ -658,7 +660,7 @@
             <a:endParaRPr lang="en-US"/>
           </a:p>
         </c:txPr>
-        <c:crossAx val="245668760"/>
+        <c:crossAx val="345018808"/>
         <c:crosses val="autoZero"/>
         <c:auto val="1"/>
         <c:lblAlgn val="ctr"/>
@@ -666,7 +668,7 @@
         <c:noMultiLvlLbl val="0"/>
       </c:catAx>
       <c:valAx>
-        <c:axId val="245668760"/>
+        <c:axId val="345018808"/>
         <c:scaling>
           <c:orientation val="minMax"/>
         </c:scaling>
@@ -717,7 +719,7 @@
             <a:endParaRPr lang="en-US"/>
           </a:p>
         </c:txPr>
-        <c:crossAx val="346269720"/>
+        <c:crossAx val="345023904"/>
         <c:crosses val="autoZero"/>
         <c:crossBetween val="between"/>
       </c:valAx>
@@ -735,9 +737,9 @@
         <c:manualLayout>
           <c:xMode val="edge"/>
           <c:yMode val="edge"/>
-          <c:x val="0.0777539582325842"/>
-          <c:y val="0.80568005918586"/>
-          <c:w val="0.873827907608324"/>
+          <c:x val="7.77539582325842E-2"/>
+          <c:y val="0.80568005918586005"/>
+          <c:w val="0.87382790760832396"/>
           <c:h val="0.176625486423338"/>
         </c:manualLayout>
       </c:layout>
@@ -791,7 +793,7 @@
       <a:endParaRPr lang="en-US"/>
     </a:p>
   </c:txPr>
-  <c:externalData r:id="rId1">
+  <c:externalData r:id="rId3">
     <c:autoUpdate val="0"/>
   </c:externalData>
 </c:chartSpace>
@@ -1584,7 +1586,7 @@
           <a:p>
             <a:fld id="{5A069CB8-F204-4D06-B913-C5A26A89888A}" type="datetimeFigureOut">
               <a:rPr lang="en-US" dirty="0"/>
-              <a:t>4/6/15</a:t>
+              <a:t>4/7/2015</a:t>
             </a:fld>
             <a:endParaRPr lang="en-US" dirty="0"/>
           </a:p>
@@ -1787,7 +1789,7 @@
           <a:p>
             <a:fld id="{50B6E300-0A13-4A81-945A-7333C271A069}" type="datetimeFigureOut">
               <a:rPr lang="en-US" dirty="0"/>
-              <a:t>4/6/15</a:t>
+              <a:t>4/7/2015</a:t>
             </a:fld>
             <a:endParaRPr lang="en-US" dirty="0"/>
           </a:p>
@@ -2038,7 +2040,7 @@
           <a:p>
             <a:fld id="{34671962-1EA4-46E7-BCB0-F36CE46D1A59}" type="datetimeFigureOut">
               <a:rPr lang="en-US" dirty="0"/>
-              <a:t>4/6/15</a:t>
+              <a:t>4/7/2015</a:t>
             </a:fld>
             <a:endParaRPr lang="en-US" dirty="0"/>
           </a:p>
@@ -2203,7 +2205,7 @@
           <a:p>
             <a:fld id="{D30BB376-B19C-488D-ABEB-03C7E6E9E3E0}" type="datetimeFigureOut">
               <a:rPr lang="en-US" dirty="0"/>
-              <a:t>4/6/15</a:t>
+              <a:t>4/7/2015</a:t>
             </a:fld>
             <a:endParaRPr lang="en-US" dirty="0"/>
           </a:p>
@@ -2541,7 +2543,7 @@
           <a:p>
             <a:fld id="{486F077B-A50F-4D64-8574-E2D6A98A5553}" type="datetimeFigureOut">
               <a:rPr lang="en-US" dirty="0"/>
-              <a:t>4/6/15</a:t>
+              <a:t>4/7/2015</a:t>
             </a:fld>
             <a:endParaRPr lang="en-US" dirty="0"/>
           </a:p>
@@ -2811,7 +2813,7 @@
           <a:p>
             <a:fld id="{7D9E2A62-1983-43A1-A163-D8AA46534C80}" type="datetimeFigureOut">
               <a:rPr lang="en-US" dirty="0"/>
-              <a:t>4/6/15</a:t>
+              <a:t>4/7/2015</a:t>
             </a:fld>
             <a:endParaRPr lang="en-US" dirty="0"/>
           </a:p>
@@ -3185,7 +3187,7 @@
           <a:p>
             <a:fld id="{898F3E3B-34E3-4345-B2A1-994B83598A9C}" type="datetimeFigureOut">
               <a:rPr lang="en-US" dirty="0"/>
-              <a:t>4/6/15</a:t>
+              <a:t>4/7/2015</a:t>
             </a:fld>
             <a:endParaRPr lang="en-US" dirty="0"/>
           </a:p>
@@ -3298,7 +3300,7 @@
           <a:p>
             <a:fld id="{FD816C96-82A1-4D77-8ADA-627AC6FE3D65}" type="datetimeFigureOut">
               <a:rPr lang="en-US" dirty="0"/>
-              <a:t>4/6/15</a:t>
+              <a:t>4/7/2015</a:t>
             </a:fld>
             <a:endParaRPr lang="en-US" dirty="0"/>
           </a:p>
@@ -3464,7 +3466,7 @@
           <a:p>
             <a:fld id="{1D102C1E-28F2-47E9-802D-339E64E2F920}" type="datetimeFigureOut">
               <a:rPr lang="en-US" dirty="0"/>
-              <a:t>4/6/15</a:t>
+              <a:t>4/7/2015</a:t>
             </a:fld>
             <a:endParaRPr lang="en-US" dirty="0"/>
           </a:p>
@@ -3814,7 +3816,7 @@
           <a:p>
             <a:fld id="{24271A48-F18A-45B3-BC05-1E27DA3F88AF}" type="datetimeFigureOut">
               <a:rPr lang="en-US" dirty="0"/>
-              <a:t>4/6/15</a:t>
+              <a:t>4/7/2015</a:t>
             </a:fld>
             <a:endParaRPr lang="en-US" dirty="0"/>
           </a:p>
@@ -4187,7 +4189,7 @@
           <a:p>
             <a:fld id="{65B747F8-9654-4282-85D2-65F41AAE7A75}" type="datetimeFigureOut">
               <a:rPr lang="en-US" dirty="0"/>
-              <a:t>4/6/15</a:t>
+              <a:t>4/7/2015</a:t>
             </a:fld>
             <a:endParaRPr lang="en-US" dirty="0"/>
           </a:p>
@@ -4469,7 +4471,7 @@
           <a:p>
             <a:fld id="{5DC5B261-8843-42D1-AAFC-05E20E2D9B97}" type="datetimeFigureOut">
               <a:rPr lang="en-US" dirty="0"/>
-              <a:t>4/6/15</a:t>
+              <a:t>4/7/2015</a:t>
             </a:fld>
             <a:endParaRPr lang="en-US" dirty="0"/>
           </a:p>
@@ -5362,10 +5364,258 @@
   <p:clrMapOvr>
     <a:masterClrMapping/>
   </p:clrMapOvr>
+  <p:timing>
+    <p:tnLst>
+      <p:par>
+        <p:cTn id="1" dur="indefinite" restart="never" nodeType="tmRoot"/>
+      </p:par>
+    </p:tnLst>
+  </p:timing>
 </p:sld>
 </file>
 
 <file path=ppt/slides/slide10.xml><?xml version="1.0" encoding="utf-8"?>
+<p:sld xmlns:a="http://schemas.openxmlformats.org/drawingml/2006/main" xmlns:r="http://schemas.openxmlformats.org/officeDocument/2006/relationships" xmlns:p="http://schemas.openxmlformats.org/presentationml/2006/main">
+  <p:cSld>
+    <p:spTree>
+      <p:nvGrpSpPr>
+        <p:cNvPr id="1" name=""/>
+        <p:cNvGrpSpPr/>
+        <p:nvPr/>
+      </p:nvGrpSpPr>
+      <p:grpSpPr>
+        <a:xfrm>
+          <a:off x="0" y="0"/>
+          <a:ext cx="0" cy="0"/>
+          <a:chOff x="0" y="0"/>
+          <a:chExt cx="0" cy="0"/>
+        </a:xfrm>
+      </p:grpSpPr>
+      <p:sp>
+        <p:nvSpPr>
+          <p:cNvPr id="2" name="Title 1"/>
+          <p:cNvSpPr>
+            <a:spLocks noGrp="1"/>
+          </p:cNvSpPr>
+          <p:nvPr>
+            <p:ph type="title"/>
+          </p:nvPr>
+        </p:nvSpPr>
+        <p:spPr/>
+        <p:txBody>
+          <a:bodyPr/>
+          <a:lstStyle/>
+          <a:p>
+            <a:r>
+              <a:rPr lang="en-US" dirty="0" smtClean="0"/>
+              <a:t>Data</a:t>
+            </a:r>
+            <a:endParaRPr lang="en-US" dirty="0"/>
+          </a:p>
+        </p:txBody>
+      </p:sp>
+      <p:sp>
+        <p:nvSpPr>
+          <p:cNvPr id="3" name="Content Placeholder 2"/>
+          <p:cNvSpPr>
+            <a:spLocks noGrp="1"/>
+          </p:cNvSpPr>
+          <p:nvPr>
+            <p:ph sz="half" idx="1"/>
+          </p:nvPr>
+        </p:nvSpPr>
+        <p:spPr/>
+        <p:txBody>
+          <a:bodyPr/>
+          <a:lstStyle/>
+          <a:p>
+            <a:r>
+              <a:rPr lang="en-US" dirty="0" smtClean="0"/>
+              <a:t>Data collection</a:t>
+            </a:r>
+          </a:p>
+          <a:p>
+            <a:pPr lvl="1"/>
+            <a:r>
+              <a:rPr lang="en-US" dirty="0" smtClean="0"/>
+              <a:t>Sampling designs</a:t>
+            </a:r>
+          </a:p>
+          <a:p>
+            <a:r>
+              <a:rPr lang="en-US" dirty="0" smtClean="0"/>
+              <a:t>Data storage</a:t>
+            </a:r>
+          </a:p>
+          <a:p>
+            <a:pPr lvl="1"/>
+            <a:r>
+              <a:rPr lang="en-US" dirty="0" smtClean="0"/>
+              <a:t>Adjacency matrices (</a:t>
+            </a:r>
+            <a:r>
+              <a:rPr lang="en-US" dirty="0" err="1" smtClean="0"/>
+              <a:t>sociomatrices</a:t>
+            </a:r>
+            <a:r>
+              <a:rPr lang="en-US" dirty="0" smtClean="0"/>
+              <a:t>), edge lists</a:t>
+            </a:r>
+            <a:r>
+              <a:rPr lang="en-US" dirty="0"/>
+              <a:t>, incidence matrices</a:t>
+            </a:r>
+            <a:endParaRPr lang="en-US" dirty="0" smtClean="0"/>
+          </a:p>
+          <a:p>
+            <a:r>
+              <a:rPr lang="en-US" dirty="0" smtClean="0"/>
+              <a:t>Data presentation</a:t>
+            </a:r>
+          </a:p>
+          <a:p>
+            <a:pPr lvl="1"/>
+            <a:r>
+              <a:rPr lang="en-US" dirty="0" smtClean="0"/>
+              <a:t>Numeric (matrices)</a:t>
+            </a:r>
+          </a:p>
+          <a:p>
+            <a:pPr lvl="1"/>
+            <a:r>
+              <a:rPr lang="en-US" dirty="0" smtClean="0"/>
+              <a:t>Pictorial (graphs)</a:t>
+            </a:r>
+          </a:p>
+          <a:p>
+            <a:pPr lvl="2"/>
+            <a:r>
+              <a:rPr lang="en-US" dirty="0" smtClean="0"/>
+              <a:t>Graph notation</a:t>
+            </a:r>
+          </a:p>
+          <a:p>
+            <a:pPr lvl="2"/>
+            <a:r>
+              <a:rPr lang="en-US" dirty="0" smtClean="0"/>
+              <a:t>Graph terminology</a:t>
+            </a:r>
+          </a:p>
+          <a:p>
+            <a:endParaRPr lang="en-US" dirty="0"/>
+          </a:p>
+        </p:txBody>
+      </p:sp>
+      <p:pic>
+        <p:nvPicPr>
+          <p:cNvPr id="8" name="Content Placeholder 7"/>
+          <p:cNvPicPr>
+            <a:picLocks noGrp="1" noChangeAspect="1"/>
+          </p:cNvPicPr>
+          <p:nvPr>
+            <p:ph sz="half" idx="2"/>
+          </p:nvPr>
+        </p:nvPicPr>
+        <p:blipFill>
+          <a:blip r:embed="rId2">
+            <a:extLst>
+              <a:ext uri="{28A0092B-C50C-407E-A947-70E740481C1C}">
+                <a14:useLocalDpi xmlns:a14="http://schemas.microsoft.com/office/drawing/2010/main" val="0"/>
+              </a:ext>
+            </a:extLst>
+          </a:blip>
+          <a:stretch>
+            <a:fillRect/>
+          </a:stretch>
+        </p:blipFill>
+        <p:spPr>
+          <a:xfrm>
+            <a:off x="9314038" y="1934256"/>
+            <a:ext cx="1009650" cy="2714625"/>
+          </a:xfrm>
+        </p:spPr>
+      </p:pic>
+      <p:pic>
+        <p:nvPicPr>
+          <p:cNvPr id="9" name="Picture 8"/>
+          <p:cNvPicPr>
+            <a:picLocks noChangeAspect="1"/>
+          </p:cNvPicPr>
+          <p:nvPr/>
+        </p:nvPicPr>
+        <p:blipFill>
+          <a:blip r:embed="rId3">
+            <a:extLst>
+              <a:ext uri="{28A0092B-C50C-407E-A947-70E740481C1C}">
+                <a14:useLocalDpi xmlns:a14="http://schemas.microsoft.com/office/drawing/2010/main" val="0"/>
+              </a:ext>
+            </a:extLst>
+          </a:blip>
+          <a:stretch>
+            <a:fillRect/>
+          </a:stretch>
+        </p:blipFill>
+        <p:spPr>
+          <a:xfrm>
+            <a:off x="6035038" y="2122355"/>
+            <a:ext cx="2686050" cy="1781175"/>
+          </a:xfrm>
+          <a:prstGeom prst="rect">
+            <a:avLst/>
+          </a:prstGeom>
+        </p:spPr>
+      </p:pic>
+      <p:pic>
+        <p:nvPicPr>
+          <p:cNvPr id="4" name="Picture 3" descr="snet_plot.png"/>
+          <p:cNvPicPr>
+            <a:picLocks noChangeAspect="1"/>
+          </p:cNvPicPr>
+          <p:nvPr/>
+        </p:nvPicPr>
+        <p:blipFill>
+          <a:blip r:embed="rId4">
+            <a:extLst>
+              <a:ext uri="{28A0092B-C50C-407E-A947-70E740481C1C}">
+                <a14:useLocalDpi xmlns:a14="http://schemas.microsoft.com/office/drawing/2010/main" val="0"/>
+              </a:ext>
+            </a:extLst>
+          </a:blip>
+          <a:stretch>
+            <a:fillRect/>
+          </a:stretch>
+        </p:blipFill>
+        <p:spPr>
+          <a:xfrm>
+            <a:off x="6260284" y="3872216"/>
+            <a:ext cx="2581275" cy="2400300"/>
+          </a:xfrm>
+          <a:prstGeom prst="rect">
+            <a:avLst/>
+          </a:prstGeom>
+        </p:spPr>
+      </p:pic>
+    </p:spTree>
+    <p:extLst>
+      <p:ext uri="{BB962C8B-B14F-4D97-AF65-F5344CB8AC3E}">
+        <p14:creationId xmlns:p14="http://schemas.microsoft.com/office/powerpoint/2010/main" val="4104788348"/>
+      </p:ext>
+    </p:extLst>
+  </p:cSld>
+  <p:clrMapOvr>
+    <a:masterClrMapping/>
+  </p:clrMapOvr>
+  <p:timing>
+    <p:tnLst>
+      <p:par>
+        <p:cTn id="1" dur="indefinite" restart="never" nodeType="tmRoot"/>
+      </p:par>
+    </p:tnLst>
+  </p:timing>
+</p:sld>
+</file>
+
+<file path=ppt/slides/slide11.xml><?xml version="1.0" encoding="utf-8"?>
 <p:sld xmlns:a="http://schemas.openxmlformats.org/drawingml/2006/main" xmlns:r="http://schemas.openxmlformats.org/officeDocument/2006/relationships" xmlns:p="http://schemas.openxmlformats.org/presentationml/2006/main">
   <p:cSld>
     <p:spTree>
@@ -5685,10 +5935,17 @@
   <p:clrMapOvr>
     <a:masterClrMapping/>
   </p:clrMapOvr>
+  <p:timing>
+    <p:tnLst>
+      <p:par>
+        <p:cTn id="1" dur="indefinite" restart="never" nodeType="tmRoot"/>
+      </p:par>
+    </p:tnLst>
+  </p:timing>
 </p:sld>
 </file>
 
-<file path=ppt/slides/slide11.xml><?xml version="1.0" encoding="utf-8"?>
+<file path=ppt/slides/slide12.xml><?xml version="1.0" encoding="utf-8"?>
 <p:sld xmlns:a="http://schemas.openxmlformats.org/drawingml/2006/main" xmlns:r="http://schemas.openxmlformats.org/officeDocument/2006/relationships" xmlns:p="http://schemas.openxmlformats.org/presentationml/2006/main">
   <p:cSld>
     <p:spTree>
@@ -5874,10 +6131,17 @@
   <p:clrMapOvr>
     <a:masterClrMapping/>
   </p:clrMapOvr>
+  <p:timing>
+    <p:tnLst>
+      <p:par>
+        <p:cTn id="1" dur="indefinite" restart="never" nodeType="tmRoot"/>
+      </p:par>
+    </p:tnLst>
+  </p:timing>
 </p:sld>
 </file>
 
-<file path=ppt/slides/slide12.xml><?xml version="1.0" encoding="utf-8"?>
+<file path=ppt/slides/slide13.xml><?xml version="1.0" encoding="utf-8"?>
 <p:sld xmlns:a="http://schemas.openxmlformats.org/drawingml/2006/main" xmlns:r="http://schemas.openxmlformats.org/officeDocument/2006/relationships" xmlns:p="http://schemas.openxmlformats.org/presentationml/2006/main">
   <p:cSld>
     <p:spTree>
@@ -6232,10 +6496,17 @@
   <p:clrMapOvr>
     <a:masterClrMapping/>
   </p:clrMapOvr>
+  <p:timing>
+    <p:tnLst>
+      <p:par>
+        <p:cTn id="1" dur="indefinite" restart="never" nodeType="tmRoot"/>
+      </p:par>
+    </p:tnLst>
+  </p:timing>
 </p:sld>
 </file>
 
-<file path=ppt/slides/slide13.xml><?xml version="1.0" encoding="utf-8"?>
+<file path=ppt/slides/slide14.xml><?xml version="1.0" encoding="utf-8"?>
 <p:sld xmlns:a="http://schemas.openxmlformats.org/drawingml/2006/main" xmlns:r="http://schemas.openxmlformats.org/officeDocument/2006/relationships" xmlns:p="http://schemas.openxmlformats.org/presentationml/2006/main">
   <p:cSld>
     <p:spTree>
@@ -6448,10 +6719,17 @@
   <p:clrMapOvr>
     <a:masterClrMapping/>
   </p:clrMapOvr>
+  <p:timing>
+    <p:tnLst>
+      <p:par>
+        <p:cTn id="1" dur="indefinite" restart="never" nodeType="tmRoot"/>
+      </p:par>
+    </p:tnLst>
+  </p:timing>
 </p:sld>
 </file>
 
-<file path=ppt/slides/slide14.xml><?xml version="1.0" encoding="utf-8"?>
+<file path=ppt/slides/slide15.xml><?xml version="1.0" encoding="utf-8"?>
 <p:sld xmlns:a="http://schemas.openxmlformats.org/drawingml/2006/main" xmlns:r="http://schemas.openxmlformats.org/officeDocument/2006/relationships" xmlns:p="http://schemas.openxmlformats.org/presentationml/2006/main">
   <p:cSld>
     <p:spTree>
@@ -6521,11 +6799,7 @@
           <a:p>
             <a:r>
               <a:rPr lang="en-US" dirty="0" smtClean="0"/>
-              <a:t>Mixing </a:t>
-            </a:r>
-            <a:r>
-              <a:rPr lang="en-US" dirty="0" smtClean="0"/>
-              <a:t>matrices</a:t>
+              <a:t>Mixing matrices</a:t>
             </a:r>
           </a:p>
           <a:p>
@@ -6538,7 +6812,6 @@
               <a:rPr lang="en-US" dirty="0" smtClean="0"/>
               <a:t> mixing – tendency to favor nodes with similar characteristics to one’s own</a:t>
             </a:r>
-            <a:endParaRPr lang="en-US" dirty="0" smtClean="0"/>
           </a:p>
           <a:p>
             <a:r>
@@ -6587,15 +6860,7 @@
                   <a:srgbClr val="404040"/>
                 </a:solidFill>
               </a:rPr>
-              <a:t>Navigat</a:t>
-            </a:r>
-            <a:r>
-              <a:rPr lang="en-US" dirty="0" smtClean="0">
-                <a:solidFill>
-                  <a:srgbClr val="404040"/>
-                </a:solidFill>
-              </a:rPr>
-              <a:t>e to the “More” tab under Network </a:t>
+              <a:t>Navigate to the “More” tab under Network </a:t>
             </a:r>
             <a:r>
               <a:rPr lang="en-US" dirty="0" err="1" smtClean="0">
@@ -6708,7 +6973,7 @@
 </p:sld>
 </file>
 
-<file path=ppt/slides/slide15.xml><?xml version="1.0" encoding="utf-8"?>
+<file path=ppt/slides/slide16.xml><?xml version="1.0" encoding="utf-8"?>
 <p:sld xmlns:a="http://schemas.openxmlformats.org/drawingml/2006/main" xmlns:r="http://schemas.openxmlformats.org/officeDocument/2006/relationships" xmlns:p="http://schemas.openxmlformats.org/presentationml/2006/main">
   <p:cSld>
     <p:spTree>
@@ -6866,7 +7131,7 @@
 </p:sld>
 </file>
 
-<file path=ppt/slides/slide16.xml><?xml version="1.0" encoding="utf-8"?>
+<file path=ppt/slides/slide17.xml><?xml version="1.0" encoding="utf-8"?>
 <p:sld xmlns:a="http://schemas.openxmlformats.org/drawingml/2006/main" xmlns:r="http://schemas.openxmlformats.org/officeDocument/2006/relationships" xmlns:p="http://schemas.openxmlformats.org/presentationml/2006/main">
   <p:cSld>
     <p:spTree>
@@ -6930,23 +7195,7 @@
           <a:p>
             <a:r>
               <a:rPr lang="en-US" b="1" dirty="0" smtClean="0"/>
-              <a:t>Exponential </a:t>
-            </a:r>
-            <a:r>
-              <a:rPr lang="en-US" b="1" dirty="0" smtClean="0"/>
-              <a:t>random graph models </a:t>
-            </a:r>
-            <a:r>
-              <a:rPr lang="en-US" b="1" dirty="0" smtClean="0"/>
-              <a:t>(</a:t>
-            </a:r>
-            <a:r>
-              <a:rPr lang="en-US" b="1" dirty="0" smtClean="0"/>
-              <a:t>ERGMs</a:t>
-            </a:r>
-            <a:r>
-              <a:rPr lang="en-US" b="1" dirty="0" smtClean="0"/>
-              <a:t>)</a:t>
+              <a:t>Exponential random graph models (ERGMs)</a:t>
             </a:r>
           </a:p>
           <a:p>
@@ -7120,7 +7369,7 @@
           <a:graphicData uri="http://schemas.openxmlformats.org/presentationml/2006/ole">
             <mc:AlternateContent xmlns:mc="http://schemas.openxmlformats.org/markup-compatibility/2006">
               <mc:Choice xmlns:v="urn:schemas-microsoft-com:vml" Requires="v">
-                <p:oleObj spid="_x0000_s9224" name="Equation" r:id="rId3" imgW="1511280" imgH="419040" progId="Equation.3">
+                <p:oleObj spid="_x0000_s9227" name="Equation" r:id="rId3" imgW="1511280" imgH="419040" progId="Equation.3">
                   <p:embed/>
                 </p:oleObj>
               </mc:Choice>
@@ -7168,7 +7417,7 @@
 </p:sld>
 </file>
 
-<file path=ppt/slides/slide17.xml><?xml version="1.0" encoding="utf-8"?>
+<file path=ppt/slides/slide18.xml><?xml version="1.0" encoding="utf-8"?>
 <p:sld xmlns:a="http://schemas.openxmlformats.org/drawingml/2006/main" xmlns:r="http://schemas.openxmlformats.org/officeDocument/2006/relationships" xmlns:p="http://schemas.openxmlformats.org/presentationml/2006/main">
   <p:cSld>
     <p:spTree>
@@ -7365,42 +7614,32 @@
               </a:rPr>
               <a:t>in the model summary statistics</a:t>
             </a:r>
+          </a:p>
+          <a:p>
+            <a:pPr lvl="1"/>
+            <a:r>
+              <a:rPr lang="el-GR" i="1" dirty="0" smtClean="0">
+                <a:latin typeface="Times New Roman" panose="02020603050405020304" pitchFamily="18" charset="0"/>
+                <a:cs typeface="Times New Roman" panose="02020603050405020304" pitchFamily="18" charset="0"/>
+              </a:rPr>
+              <a:t>θ</a:t>
+            </a:r>
+            <a:r>
+              <a:rPr lang="en-US" dirty="0" smtClean="0"/>
+              <a:t>: vector of coefficients for statistics </a:t>
+            </a:r>
+            <a:r>
+              <a:rPr lang="en-US" i="1" dirty="0" smtClean="0">
+                <a:latin typeface="Times New Roman" panose="02020603050405020304" pitchFamily="18" charset="0"/>
+                <a:cs typeface="Times New Roman" panose="02020603050405020304" pitchFamily="18" charset="0"/>
+              </a:rPr>
+              <a:t>g(y)</a:t>
+            </a:r>
             <a:endParaRPr lang="en-US" dirty="0" smtClean="0">
               <a:cs typeface="Times New Roman" panose="02020603050405020304" pitchFamily="18" charset="0"/>
             </a:endParaRPr>
           </a:p>
           <a:p>
-            <a:pPr lvl="1"/>
-            <a:r>
-              <a:rPr lang="el-GR" i="1" dirty="0" smtClean="0">
-                <a:latin typeface="Times New Roman" panose="02020603050405020304" pitchFamily="18" charset="0"/>
-                <a:cs typeface="Times New Roman" panose="02020603050405020304" pitchFamily="18" charset="0"/>
-              </a:rPr>
-              <a:t>θ</a:t>
-            </a:r>
-            <a:r>
-              <a:rPr lang="en-US" dirty="0" smtClean="0"/>
-              <a:t>: vector of coefficients for statistics </a:t>
-            </a:r>
-            <a:r>
-              <a:rPr lang="en-US" i="1" dirty="0" smtClean="0">
-                <a:latin typeface="Times New Roman" panose="02020603050405020304" pitchFamily="18" charset="0"/>
-                <a:cs typeface="Times New Roman" panose="02020603050405020304" pitchFamily="18" charset="0"/>
-              </a:rPr>
-              <a:t>g(y</a:t>
-            </a:r>
-            <a:r>
-              <a:rPr lang="en-US" i="1" dirty="0" smtClean="0">
-                <a:latin typeface="Times New Roman" panose="02020603050405020304" pitchFamily="18" charset="0"/>
-                <a:cs typeface="Times New Roman" panose="02020603050405020304" pitchFamily="18" charset="0"/>
-              </a:rPr>
-              <a:t>)</a:t>
-            </a:r>
-            <a:endParaRPr lang="en-US" dirty="0" smtClean="0">
-              <a:cs typeface="Times New Roman" panose="02020603050405020304" pitchFamily="18" charset="0"/>
-            </a:endParaRPr>
-          </a:p>
-          <a:p>
             <a:pPr lvl="2"/>
             <a:r>
               <a:rPr lang="en-US" dirty="0" err="1" smtClean="0">
@@ -7414,9 +7653,6 @@
               </a:rPr>
               <a:t> estimates these</a:t>
             </a:r>
-            <a:endParaRPr lang="en-US" dirty="0" smtClean="0">
-              <a:cs typeface="Times New Roman" panose="02020603050405020304" pitchFamily="18" charset="0"/>
-            </a:endParaRPr>
           </a:p>
           <a:p>
             <a:pPr lvl="1"/>
@@ -7485,7 +7721,7 @@
           <a:graphicData uri="http://schemas.openxmlformats.org/presentationml/2006/ole">
             <mc:AlternateContent xmlns:mc="http://schemas.openxmlformats.org/markup-compatibility/2006">
               <mc:Choice xmlns:v="urn:schemas-microsoft-com:vml" Requires="v">
-                <p:oleObj spid="_x0000_s1041" name="Equation" r:id="rId3" imgW="1511280" imgH="419040" progId="Equation.3">
+                <p:oleObj spid="_x0000_s1044" name="Equation" r:id="rId3" imgW="1511280" imgH="419040" progId="Equation.3">
                   <p:embed/>
                 </p:oleObj>
               </mc:Choice>
@@ -7678,7 +7914,7 @@
 </p:sld>
 </file>
 
-<file path=ppt/slides/slide18.xml><?xml version="1.0" encoding="utf-8"?>
+<file path=ppt/slides/slide19.xml><?xml version="1.0" encoding="utf-8"?>
 <p:sld xmlns:a="http://schemas.openxmlformats.org/drawingml/2006/main" xmlns:r="http://schemas.openxmlformats.org/officeDocument/2006/relationships" xmlns:p="http://schemas.openxmlformats.org/presentationml/2006/main">
   <p:cSld>
     <p:spTree>
@@ -7814,7 +8050,7 @@
                   <a:t>MLE </a:t>
                 </a:r>
                 <a14:m>
-                  <m:oMath xmlns:m="http://schemas.openxmlformats.org/officeDocument/2006/math" xmlns="">
+                  <m:oMath xmlns:m="http://schemas.openxmlformats.org/officeDocument/2006/math">
                     <m:acc>
                       <m:accPr>
                         <m:chr m:val="̂"/>
@@ -7843,7 +8079,7 @@
                   <a:t> is the density </a:t>
                 </a:r>
                 <a14:m>
-                  <m:oMath xmlns:m="http://schemas.openxmlformats.org/officeDocument/2006/math" xmlns="">
+                  <m:oMath xmlns:m="http://schemas.openxmlformats.org/officeDocument/2006/math">
                     <m:acc>
                       <m:accPr>
                         <m:chr m:val="̅"/>
@@ -8036,7 +8272,7 @@
 </p:sld>
 </file>
 
-<file path=ppt/slides/slide19.xml><?xml version="1.0" encoding="utf-8"?>
+<file path=ppt/slides/slide2.xml><?xml version="1.0" encoding="utf-8"?>
 <p:sld xmlns:a="http://schemas.openxmlformats.org/drawingml/2006/main" xmlns:r="http://schemas.openxmlformats.org/officeDocument/2006/relationships" xmlns:p="http://schemas.openxmlformats.org/presentationml/2006/main">
   <p:cSld>
     <p:spTree>
@@ -8065,6 +8301,195 @@
         </p:nvSpPr>
         <p:spPr/>
         <p:txBody>
+          <a:bodyPr/>
+          <a:lstStyle/>
+          <a:p>
+            <a:r>
+              <a:rPr lang="en-US" dirty="0" smtClean="0"/>
+              <a:t>What is statnetWeb?</a:t>
+            </a:r>
+            <a:endParaRPr lang="en-US" dirty="0"/>
+          </a:p>
+        </p:txBody>
+      </p:sp>
+      <p:sp>
+        <p:nvSpPr>
+          <p:cNvPr id="4" name="Content Placeholder 3"/>
+          <p:cNvSpPr>
+            <a:spLocks noGrp="1"/>
+          </p:cNvSpPr>
+          <p:nvPr>
+            <p:ph sz="half" idx="1"/>
+          </p:nvPr>
+        </p:nvSpPr>
+        <p:spPr>
+          <a:xfrm>
+            <a:off x="1097277" y="1349440"/>
+            <a:ext cx="4696941" cy="4519654"/>
+          </a:xfrm>
+        </p:spPr>
+        <p:txBody>
+          <a:bodyPr/>
+          <a:lstStyle/>
+          <a:p>
+            <a:r>
+              <a:rPr lang="en-US" dirty="0" err="1" smtClean="0"/>
+              <a:t>statnetWeb</a:t>
+            </a:r>
+            <a:r>
+              <a:rPr lang="en-US" dirty="0" smtClean="0"/>
+              <a:t> is a graphical user interface for network analysis</a:t>
+            </a:r>
+          </a:p>
+          <a:p>
+            <a:pPr lvl="1"/>
+            <a:r>
+              <a:rPr lang="en-US" dirty="0" smtClean="0"/>
+              <a:t>Based on </a:t>
+            </a:r>
+            <a:r>
+              <a:rPr lang="en-US" dirty="0" err="1" smtClean="0"/>
+              <a:t>statnet</a:t>
+            </a:r>
+            <a:r>
+              <a:rPr lang="en-US" dirty="0" smtClean="0"/>
+              <a:t> suite of R packages</a:t>
+            </a:r>
+          </a:p>
+          <a:p>
+            <a:pPr lvl="2"/>
+            <a:r>
+              <a:rPr lang="en-US" dirty="0" smtClean="0"/>
+              <a:t>www.statnet.org</a:t>
+            </a:r>
+          </a:p>
+          <a:p>
+            <a:pPr lvl="1"/>
+            <a:r>
+              <a:rPr lang="en-US" dirty="0" smtClean="0"/>
+              <a:t>Runs in a web browser</a:t>
+            </a:r>
+          </a:p>
+          <a:p>
+            <a:r>
+              <a:rPr lang="en-US" dirty="0" smtClean="0"/>
+              <a:t>Users </a:t>
+            </a:r>
+            <a:r>
+              <a:rPr lang="en-US" dirty="0"/>
+              <a:t>can perform complete analyses of relational data </a:t>
+            </a:r>
+            <a:endParaRPr lang="en-US" dirty="0" smtClean="0"/>
+          </a:p>
+          <a:p>
+            <a:pPr lvl="1"/>
+            <a:r>
+              <a:rPr lang="en-US" dirty="0" smtClean="0"/>
+              <a:t>Network visualization</a:t>
+            </a:r>
+          </a:p>
+          <a:p>
+            <a:pPr lvl="1"/>
+            <a:r>
+              <a:rPr lang="en-US" dirty="0" smtClean="0"/>
+              <a:t>Model estimation and evaluation</a:t>
+            </a:r>
+          </a:p>
+          <a:p>
+            <a:pPr lvl="1"/>
+            <a:r>
+              <a:rPr lang="en-US" dirty="0" smtClean="0"/>
+              <a:t>Model-based simulation</a:t>
+            </a:r>
+          </a:p>
+          <a:p>
+            <a:r>
+              <a:rPr lang="en-US" dirty="0" smtClean="0"/>
+              <a:t>And download results and figures throughout the process</a:t>
+            </a:r>
+            <a:endParaRPr lang="en-US" dirty="0"/>
+          </a:p>
+        </p:txBody>
+      </p:sp>
+      <p:pic>
+        <p:nvPicPr>
+          <p:cNvPr id="8" name="Picture 7" descr="mesa_racegrade.png"/>
+          <p:cNvPicPr>
+            <a:picLocks noChangeAspect="1"/>
+          </p:cNvPicPr>
+          <p:nvPr/>
+        </p:nvPicPr>
+        <p:blipFill>
+          <a:blip r:embed="rId2">
+            <a:extLst>
+              <a:ext uri="{28A0092B-C50C-407E-A947-70E740481C1C}">
+                <a14:useLocalDpi xmlns:a14="http://schemas.microsoft.com/office/drawing/2010/main" val="0"/>
+              </a:ext>
+            </a:extLst>
+          </a:blip>
+          <a:stretch>
+            <a:fillRect/>
+          </a:stretch>
+        </p:blipFill>
+        <p:spPr>
+          <a:xfrm>
+            <a:off x="6361028" y="1245958"/>
+            <a:ext cx="4499824" cy="4240411"/>
+          </a:xfrm>
+          <a:prstGeom prst="rect">
+            <a:avLst/>
+          </a:prstGeom>
+        </p:spPr>
+      </p:pic>
+    </p:spTree>
+    <p:extLst>
+      <p:ext uri="{BB962C8B-B14F-4D97-AF65-F5344CB8AC3E}">
+        <p14:creationId xmlns:p14="http://schemas.microsoft.com/office/powerpoint/2010/main" val="409862737"/>
+      </p:ext>
+    </p:extLst>
+  </p:cSld>
+  <p:clrMapOvr>
+    <a:masterClrMapping/>
+  </p:clrMapOvr>
+  <p:timing>
+    <p:tnLst>
+      <p:par>
+        <p:cTn id="1" dur="indefinite" restart="never" nodeType="tmRoot"/>
+      </p:par>
+    </p:tnLst>
+  </p:timing>
+</p:sld>
+</file>
+
+<file path=ppt/slides/slide20.xml><?xml version="1.0" encoding="utf-8"?>
+<p:sld xmlns:a="http://schemas.openxmlformats.org/drawingml/2006/main" xmlns:r="http://schemas.openxmlformats.org/officeDocument/2006/relationships" xmlns:p="http://schemas.openxmlformats.org/presentationml/2006/main">
+  <p:cSld>
+    <p:spTree>
+      <p:nvGrpSpPr>
+        <p:cNvPr id="1" name=""/>
+        <p:cNvGrpSpPr/>
+        <p:nvPr/>
+      </p:nvGrpSpPr>
+      <p:grpSpPr>
+        <a:xfrm>
+          <a:off x="0" y="0"/>
+          <a:ext cx="0" cy="0"/>
+          <a:chOff x="0" y="0"/>
+          <a:chExt cx="0" cy="0"/>
+        </a:xfrm>
+      </p:grpSpPr>
+      <p:sp>
+        <p:nvSpPr>
+          <p:cNvPr id="2" name="Title 1"/>
+          <p:cNvSpPr>
+            <a:spLocks noGrp="1"/>
+          </p:cNvSpPr>
+          <p:nvPr>
+            <p:ph type="title"/>
+          </p:nvPr>
+        </p:nvSpPr>
+        <p:spPr/>
+        <p:txBody>
           <a:bodyPr>
             <a:normAutofit/>
           </a:bodyPr>
@@ -8301,7 +8726,7 @@
           <a:graphicData uri="http://schemas.openxmlformats.org/presentationml/2006/ole">
             <mc:AlternateContent xmlns:mc="http://schemas.openxmlformats.org/markup-compatibility/2006">
               <mc:Choice xmlns:v="urn:schemas-microsoft-com:vml" Requires="v">
-                <p:oleObj spid="_x0000_s3137" name="Equation" r:id="rId3" imgW="558720" imgH="431640" progId="Equation.DSMT4">
+                <p:oleObj spid="_x0000_s3149" name="Equation" r:id="rId3" imgW="558720" imgH="431640" progId="Equation.DSMT4">
                   <p:embed/>
                 </p:oleObj>
               </mc:Choice>
@@ -8358,7 +8783,7 @@
           <a:graphicData uri="http://schemas.openxmlformats.org/presentationml/2006/ole">
             <mc:AlternateContent xmlns:mc="http://schemas.openxmlformats.org/markup-compatibility/2006">
               <mc:Choice xmlns:v="urn:schemas-microsoft-com:vml" Requires="v">
-                <p:oleObj spid="_x0000_s3138" name="Equation" r:id="rId5" imgW="1193760" imgH="419040" progId="Equation.DSMT4">
+                <p:oleObj spid="_x0000_s3150" name="Equation" r:id="rId5" imgW="1193760" imgH="419040" progId="Equation.DSMT4">
                   <p:embed/>
                 </p:oleObj>
               </mc:Choice>
@@ -8415,7 +8840,7 @@
           <a:graphicData uri="http://schemas.openxmlformats.org/presentationml/2006/ole">
             <mc:AlternateContent xmlns:mc="http://schemas.openxmlformats.org/markup-compatibility/2006">
               <mc:Choice xmlns:v="urn:schemas-microsoft-com:vml" Requires="v">
-                <p:oleObj spid="_x0000_s3139" name="Equation" r:id="rId7" imgW="2425680" imgH="419040" progId="Equation.DSMT4">
+                <p:oleObj spid="_x0000_s3151" name="Equation" r:id="rId7" imgW="2425680" imgH="419040" progId="Equation.DSMT4">
                   <p:embed/>
                 </p:oleObj>
               </mc:Choice>
@@ -8472,7 +8897,7 @@
           <a:graphicData uri="http://schemas.openxmlformats.org/presentationml/2006/ole">
             <mc:AlternateContent xmlns:mc="http://schemas.openxmlformats.org/markup-compatibility/2006">
               <mc:Choice xmlns:v="urn:schemas-microsoft-com:vml" Requires="v">
-                <p:oleObj spid="_x0000_s3140" name="Equation" r:id="rId9" imgW="672840" imgH="431640" progId="Equation.DSMT4">
+                <p:oleObj spid="_x0000_s3152" name="Equation" r:id="rId9" imgW="672840" imgH="431640" progId="Equation.DSMT4">
                   <p:embed/>
                 </p:oleObj>
               </mc:Choice>
@@ -8550,14 +8975,14 @@
   <p:timing>
     <p:tnLst>
       <p:par>
-        <p:cTn xmlns:p14="http://schemas.microsoft.com/office/powerpoint/2010/main" id="1" dur="indefinite" restart="never" nodeType="tmRoot"/>
+        <p:cTn id="1" dur="indefinite" restart="never" nodeType="tmRoot"/>
       </p:par>
     </p:tnLst>
   </p:timing>
 </p:sld>
 </file>
 
-<file path=ppt/slides/slide2.xml><?xml version="1.0" encoding="utf-8"?>
+<file path=ppt/slides/slide21.xml><?xml version="1.0" encoding="utf-8"?>
 <p:sld xmlns:a="http://schemas.openxmlformats.org/drawingml/2006/main" xmlns:r="http://schemas.openxmlformats.org/officeDocument/2006/relationships" xmlns:p="http://schemas.openxmlformats.org/presentationml/2006/main">
   <p:cSld>
     <p:spTree>
@@ -8586,188 +9011,6 @@
         </p:nvSpPr>
         <p:spPr/>
         <p:txBody>
-          <a:bodyPr/>
-          <a:lstStyle/>
-          <a:p>
-            <a:r>
-              <a:rPr lang="en-US" dirty="0" smtClean="0"/>
-              <a:t>What is statnetWeb?</a:t>
-            </a:r>
-            <a:endParaRPr lang="en-US" dirty="0"/>
-          </a:p>
-        </p:txBody>
-      </p:sp>
-      <p:sp>
-        <p:nvSpPr>
-          <p:cNvPr id="4" name="Content Placeholder 3"/>
-          <p:cNvSpPr>
-            <a:spLocks noGrp="1"/>
-          </p:cNvSpPr>
-          <p:nvPr>
-            <p:ph sz="half" idx="1"/>
-          </p:nvPr>
-        </p:nvSpPr>
-        <p:spPr>
-          <a:xfrm>
-            <a:off x="1097277" y="1349440"/>
-            <a:ext cx="4696941" cy="4519654"/>
-          </a:xfrm>
-        </p:spPr>
-        <p:txBody>
-          <a:bodyPr/>
-          <a:lstStyle/>
-          <a:p>
-            <a:r>
-              <a:rPr lang="en-US" dirty="0" err="1" smtClean="0"/>
-              <a:t>statnetWeb</a:t>
-            </a:r>
-            <a:r>
-              <a:rPr lang="en-US" dirty="0" smtClean="0"/>
-              <a:t> is a graphical user interface for network analysis</a:t>
-            </a:r>
-          </a:p>
-          <a:p>
-            <a:pPr lvl="1"/>
-            <a:r>
-              <a:rPr lang="en-US" dirty="0" smtClean="0"/>
-              <a:t>Based on </a:t>
-            </a:r>
-            <a:r>
-              <a:rPr lang="en-US" dirty="0" err="1" smtClean="0"/>
-              <a:t>statnet</a:t>
-            </a:r>
-            <a:r>
-              <a:rPr lang="en-US" dirty="0" smtClean="0"/>
-              <a:t> suite of R packages</a:t>
-            </a:r>
-          </a:p>
-          <a:p>
-            <a:pPr lvl="2"/>
-            <a:r>
-              <a:rPr lang="en-US" dirty="0" smtClean="0"/>
-              <a:t>www.statnet.org</a:t>
-            </a:r>
-          </a:p>
-          <a:p>
-            <a:pPr lvl="1"/>
-            <a:r>
-              <a:rPr lang="en-US" dirty="0" smtClean="0"/>
-              <a:t>Runs in a web browser</a:t>
-            </a:r>
-          </a:p>
-          <a:p>
-            <a:r>
-              <a:rPr lang="en-US" dirty="0" smtClean="0"/>
-              <a:t>Users </a:t>
-            </a:r>
-            <a:r>
-              <a:rPr lang="en-US" dirty="0"/>
-              <a:t>can perform complete analyses of relational data </a:t>
-            </a:r>
-            <a:endParaRPr lang="en-US" dirty="0" smtClean="0"/>
-          </a:p>
-          <a:p>
-            <a:pPr lvl="1"/>
-            <a:r>
-              <a:rPr lang="en-US" dirty="0" smtClean="0"/>
-              <a:t>Network visualization</a:t>
-            </a:r>
-          </a:p>
-          <a:p>
-            <a:pPr lvl="1"/>
-            <a:r>
-              <a:rPr lang="en-US" dirty="0" smtClean="0"/>
-              <a:t>Model estimation and evaluation</a:t>
-            </a:r>
-          </a:p>
-          <a:p>
-            <a:pPr lvl="1"/>
-            <a:r>
-              <a:rPr lang="en-US" dirty="0" smtClean="0"/>
-              <a:t>Model-based simulation</a:t>
-            </a:r>
-          </a:p>
-          <a:p>
-            <a:r>
-              <a:rPr lang="en-US" dirty="0" smtClean="0"/>
-              <a:t>And download results and figures throughout the process</a:t>
-            </a:r>
-            <a:endParaRPr lang="en-US" dirty="0"/>
-          </a:p>
-        </p:txBody>
-      </p:sp>
-      <p:pic>
-        <p:nvPicPr>
-          <p:cNvPr id="8" name="Picture 7" descr="mesa_racegrade.png"/>
-          <p:cNvPicPr>
-            <a:picLocks noChangeAspect="1"/>
-          </p:cNvPicPr>
-          <p:nvPr/>
-        </p:nvPicPr>
-        <p:blipFill>
-          <a:blip r:embed="rId2">
-            <a:extLst>
-              <a:ext uri="{28A0092B-C50C-407E-A947-70E740481C1C}">
-                <a14:useLocalDpi xmlns:a14="http://schemas.microsoft.com/office/drawing/2010/main" val="0"/>
-              </a:ext>
-            </a:extLst>
-          </a:blip>
-          <a:stretch>
-            <a:fillRect/>
-          </a:stretch>
-        </p:blipFill>
-        <p:spPr>
-          <a:xfrm>
-            <a:off x="6361028" y="1245958"/>
-            <a:ext cx="4499824" cy="4240411"/>
-          </a:xfrm>
-          <a:prstGeom prst="rect">
-            <a:avLst/>
-          </a:prstGeom>
-        </p:spPr>
-      </p:pic>
-    </p:spTree>
-    <p:extLst>
-      <p:ext uri="{BB962C8B-B14F-4D97-AF65-F5344CB8AC3E}">
-        <p14:creationId xmlns:p14="http://schemas.microsoft.com/office/powerpoint/2010/main" val="409862737"/>
-      </p:ext>
-    </p:extLst>
-  </p:cSld>
-  <p:clrMapOvr>
-    <a:masterClrMapping/>
-  </p:clrMapOvr>
-</p:sld>
-</file>
-
-<file path=ppt/slides/slide20.xml><?xml version="1.0" encoding="utf-8"?>
-<p:sld xmlns:a="http://schemas.openxmlformats.org/drawingml/2006/main" xmlns:r="http://schemas.openxmlformats.org/officeDocument/2006/relationships" xmlns:p="http://schemas.openxmlformats.org/presentationml/2006/main">
-  <p:cSld>
-    <p:spTree>
-      <p:nvGrpSpPr>
-        <p:cNvPr id="1" name=""/>
-        <p:cNvGrpSpPr/>
-        <p:nvPr/>
-      </p:nvGrpSpPr>
-      <p:grpSpPr>
-        <a:xfrm>
-          <a:off x="0" y="0"/>
-          <a:ext cx="0" cy="0"/>
-          <a:chOff x="0" y="0"/>
-          <a:chExt cx="0" cy="0"/>
-        </a:xfrm>
-      </p:grpSpPr>
-      <p:sp>
-        <p:nvSpPr>
-          <p:cNvPr id="2" name="Title 1"/>
-          <p:cNvSpPr>
-            <a:spLocks noGrp="1"/>
-          </p:cNvSpPr>
-          <p:nvPr>
-            <p:ph type="title"/>
-          </p:nvPr>
-        </p:nvSpPr>
-        <p:spPr/>
-        <p:txBody>
           <a:bodyPr>
             <a:normAutofit/>
           </a:bodyPr>
@@ -8845,11 +9088,7 @@
             </a:pPr>
             <a:r>
               <a:rPr lang="en-US" sz="1900" dirty="0" smtClean="0"/>
-              <a:t>Calculate </a:t>
-            </a:r>
-            <a:r>
-              <a:rPr lang="en-US" sz="1900" dirty="0" smtClean="0"/>
-              <a:t>{</a:t>
+              <a:t>Calculate {</a:t>
             </a:r>
             <a:r>
               <a:rPr lang="en-US" sz="1900" i="1" dirty="0" err="1" smtClean="0">
@@ -8930,11 +9169,7 @@
             </a:r>
             <a:r>
               <a:rPr lang="en-US" sz="1900" dirty="0" smtClean="0"/>
-              <a:t>} by </a:t>
-            </a:r>
-            <a:r>
-              <a:rPr lang="en-US" sz="1900" dirty="0" smtClean="0"/>
-              <a:t>dividing the total ties in each block by the total number of ties</a:t>
+              <a:t>} by dividing the total ties in each block by the total number of ties</a:t>
             </a:r>
           </a:p>
           <a:p>
@@ -8967,11 +9202,7 @@
             </a:pPr>
             <a:r>
               <a:rPr lang="en-US" sz="1900" dirty="0" smtClean="0"/>
-              <a:t>Now find the relative </a:t>
-            </a:r>
-            <a:r>
-              <a:rPr lang="en-US" sz="1900" dirty="0" smtClean="0"/>
-              <a:t>rates and interpret</a:t>
+              <a:t>Now find the relative rates and interpret</a:t>
             </a:r>
             <a:endParaRPr lang="en-US" sz="1900" dirty="0"/>
           </a:p>
@@ -8999,7 +9230,7 @@
           <a:graphicData uri="http://schemas.openxmlformats.org/presentationml/2006/ole">
             <mc:AlternateContent xmlns:mc="http://schemas.openxmlformats.org/markup-compatibility/2006">
               <mc:Choice xmlns:v="urn:schemas-microsoft-com:vml" Requires="v">
-                <p:oleObj spid="_x0000_s7176" name="Equation" r:id="rId3" imgW="1701720" imgH="507960" progId="Equation.DSMT4">
+                <p:oleObj spid="_x0000_s7179" name="Equation" r:id="rId3" imgW="1701720" imgH="507960" progId="Equation.DSMT4">
                   <p:embed/>
                 </p:oleObj>
               </mc:Choice>
@@ -9047,14 +9278,14 @@
   <p:timing>
     <p:tnLst>
       <p:par>
-        <p:cTn xmlns:p14="http://schemas.microsoft.com/office/powerpoint/2010/main" id="1" dur="indefinite" restart="never" nodeType="tmRoot"/>
+        <p:cTn id="1" dur="indefinite" restart="never" nodeType="tmRoot"/>
       </p:par>
     </p:tnLst>
   </p:timing>
 </p:sld>
 </file>
 
-<file path=ppt/slides/slide21.xml><?xml version="1.0" encoding="utf-8"?>
+<file path=ppt/slides/slide22.xml><?xml version="1.0" encoding="utf-8"?>
 <p:sld xmlns:a="http://schemas.openxmlformats.org/drawingml/2006/main" xmlns:r="http://schemas.openxmlformats.org/officeDocument/2006/relationships" xmlns:p="http://schemas.openxmlformats.org/presentationml/2006/main">
   <p:cSld>
     <p:spTree>
@@ -9118,11 +9349,7 @@
           <a:p>
             <a:r>
               <a:rPr lang="en-US" b="1" dirty="0" smtClean="0"/>
-              <a:t>Logistic </a:t>
-            </a:r>
-            <a:r>
-              <a:rPr lang="en-US" b="1" dirty="0" smtClean="0"/>
-              <a:t>regression</a:t>
+              <a:t>Logistic regression</a:t>
             </a:r>
           </a:p>
           <a:p>
@@ -9132,11 +9359,7 @@
             <a:pPr lvl="1"/>
             <a:r>
               <a:rPr lang="en-US" dirty="0" smtClean="0"/>
-              <a:t>Model the effect </a:t>
-            </a:r>
-            <a:r>
-              <a:rPr lang="en-US" dirty="0" smtClean="0"/>
-              <a:t>of a covariate </a:t>
+              <a:t>Model the effect of a covariate </a:t>
             </a:r>
             <a:r>
               <a:rPr lang="en-US" i="1" dirty="0" smtClean="0">
@@ -9147,11 +9370,7 @@
             </a:r>
             <a:r>
               <a:rPr lang="en-US" dirty="0" smtClean="0"/>
-              <a:t> </a:t>
-            </a:r>
-            <a:r>
-              <a:rPr lang="en-US" dirty="0" smtClean="0"/>
-              <a:t>on the likelihood of ties</a:t>
+              <a:t> on the likelihood of ties</a:t>
             </a:r>
           </a:p>
           <a:p>
@@ -9204,14 +9423,7 @@
                 <a:latin typeface="Times New Roman" panose="02020603050405020304" pitchFamily="18" charset="0"/>
                 <a:cs typeface="Times New Roman" panose="02020603050405020304" pitchFamily="18" charset="0"/>
               </a:rPr>
-              <a:t>x=</a:t>
-            </a:r>
-            <a:r>
-              <a:rPr lang="en-US" i="1" dirty="0" smtClean="0">
-                <a:latin typeface="Times New Roman" panose="02020603050405020304" pitchFamily="18" charset="0"/>
-                <a:cs typeface="Times New Roman" panose="02020603050405020304" pitchFamily="18" charset="0"/>
-              </a:rPr>
-              <a:t>0</a:t>
+              <a:t>x=0</a:t>
             </a:r>
           </a:p>
           <a:p>
@@ -9232,15 +9444,7 @@
             </a:r>
             <a:r>
               <a:rPr lang="en-US" dirty="0" smtClean="0"/>
-              <a:t> represents the </a:t>
-            </a:r>
-            <a:r>
-              <a:rPr lang="en-US" dirty="0" smtClean="0"/>
-              <a:t>effect </a:t>
-            </a:r>
-            <a:r>
-              <a:rPr lang="en-US" dirty="0" smtClean="0"/>
-              <a:t>of </a:t>
+              <a:t> represents the effect of </a:t>
             </a:r>
             <a:r>
               <a:rPr lang="en-US" i="1" dirty="0" smtClean="0">
@@ -9284,7 +9488,7 @@
           <a:graphicData uri="http://schemas.openxmlformats.org/presentationml/2006/ole">
             <mc:AlternateContent xmlns:mc="http://schemas.openxmlformats.org/markup-compatibility/2006">
               <mc:Choice xmlns:v="urn:schemas-microsoft-com:vml" Requires="v">
-                <p:oleObj spid="_x0000_s5150" name="Equation" r:id="rId3" imgW="1892300" imgH="469900" progId="Equation.3">
+                <p:oleObj spid="_x0000_s5153" name="Equation" r:id="rId3" imgW="1892300" imgH="469900" progId="Equation.3">
                   <p:embed/>
                 </p:oleObj>
               </mc:Choice>
@@ -9390,7 +9594,7 @@
 </p:sld>
 </file>
 
-<file path=ppt/slides/slide22.xml><?xml version="1.0" encoding="utf-8"?>
+<file path=ppt/slides/slide23.xml><?xml version="1.0" encoding="utf-8"?>
 <p:sld xmlns:a="http://schemas.openxmlformats.org/drawingml/2006/main" xmlns:r="http://schemas.openxmlformats.org/officeDocument/2006/relationships" xmlns:p="http://schemas.openxmlformats.org/presentationml/2006/main">
   <p:cSld>
     <p:spTree>
@@ -9603,7 +9807,7 @@
 </p:sld>
 </file>
 
-<file path=ppt/slides/slide23.xml><?xml version="1.0" encoding="utf-8"?>
+<file path=ppt/slides/slide24.xml><?xml version="1.0" encoding="utf-8"?>
 <p:sld xmlns:a="http://schemas.openxmlformats.org/drawingml/2006/main" xmlns:r="http://schemas.openxmlformats.org/officeDocument/2006/relationships" xmlns:p="http://schemas.openxmlformats.org/presentationml/2006/main">
   <p:cSld>
     <p:spTree>
@@ -9674,15 +9878,7 @@
             <a:pPr lvl="1"/>
             <a:r>
               <a:rPr lang="en-US" dirty="0" smtClean="0"/>
-              <a:t>Model the effect of </a:t>
-            </a:r>
-            <a:r>
-              <a:rPr lang="en-US" dirty="0" smtClean="0"/>
-              <a:t>multiple covariates </a:t>
-            </a:r>
-            <a:r>
-              <a:rPr lang="en-US" dirty="0" smtClean="0"/>
-              <a:t>on the likelihood of ties</a:t>
+              <a:t>Model the effect of multiple covariates on the likelihood of ties</a:t>
             </a:r>
           </a:p>
           <a:p>
@@ -9858,15 +10054,7 @@
             </a:r>
             <a:r>
               <a:rPr lang="en-US" dirty="0" smtClean="0"/>
-              <a:t> represents the </a:t>
-            </a:r>
-            <a:r>
-              <a:rPr lang="en-US" dirty="0" smtClean="0"/>
-              <a:t>effect </a:t>
-            </a:r>
-            <a:r>
-              <a:rPr lang="en-US" dirty="0" smtClean="0"/>
-              <a:t>of </a:t>
+              <a:t> represents the effect of </a:t>
             </a:r>
             <a:r>
               <a:rPr lang="en-US" i="1" dirty="0" smtClean="0">
@@ -10033,7 +10221,7 @@
           <a:graphicData uri="http://schemas.openxmlformats.org/presentationml/2006/ole">
             <mc:AlternateContent xmlns:mc="http://schemas.openxmlformats.org/markup-compatibility/2006">
               <mc:Choice xmlns:v="urn:schemas-microsoft-com:vml" Requires="v">
-                <p:oleObj spid="_x0000_s6153" name="Equation" r:id="rId3" imgW="3174840" imgH="469800" progId="Equation.3">
+                <p:oleObj spid="_x0000_s6156" name="Equation" r:id="rId3" imgW="3174840" imgH="469800" progId="Equation.3">
                   <p:embed/>
                 </p:oleObj>
               </mc:Choice>
@@ -10194,7 +10382,6 @@
               <a:rPr lang="en-US" dirty="0" smtClean="0"/>
               <a:t> formula is fitting the same model as on the left?</a:t>
             </a:r>
-            <a:endParaRPr lang="en-US" dirty="0" smtClean="0"/>
           </a:p>
           <a:p>
             <a:pPr marL="201168" lvl="1" indent="0">
@@ -10325,11 +10512,6 @@
               </a:rPr>
               <a:t> the coefficients and compare to relative rates</a:t>
             </a:r>
-            <a:endParaRPr lang="en-US" dirty="0" smtClean="0">
-              <a:solidFill>
-                <a:srgbClr val="404040"/>
-              </a:solidFill>
-            </a:endParaRPr>
           </a:p>
         </p:txBody>
       </p:sp>
@@ -10346,7 +10528,7 @@
 </p:sld>
 </file>
 
-<file path=ppt/slides/slide24.xml><?xml version="1.0" encoding="utf-8"?>
+<file path=ppt/slides/slide25.xml><?xml version="1.0" encoding="utf-8"?>
 <p:sld xmlns:a="http://schemas.openxmlformats.org/drawingml/2006/main" xmlns:r="http://schemas.openxmlformats.org/officeDocument/2006/relationships" xmlns:p="http://schemas.openxmlformats.org/presentationml/2006/main">
   <p:cSld>
     <p:spTree>
@@ -10406,17 +10588,13 @@
         </p:spPr>
         <p:txBody>
           <a:bodyPr>
-            <a:normAutofit lnSpcReduction="10000"/>
+            <a:normAutofit/>
           </a:bodyPr>
           <a:lstStyle/>
           <a:p>
             <a:r>
               <a:rPr lang="en-US" b="1" dirty="0" smtClean="0"/>
-              <a:t>Logistic </a:t>
-            </a:r>
-            <a:r>
-              <a:rPr lang="en-US" b="1" dirty="0" smtClean="0"/>
-              <a:t>regression</a:t>
+              <a:t>Logistic regression</a:t>
             </a:r>
             <a:endParaRPr lang="en-US" dirty="0"/>
           </a:p>
@@ -10493,8 +10671,13 @@
             </a:r>
             <a:r>
               <a:rPr lang="en-US" dirty="0"/>
-              <a:t>} from our model related to                            ?</a:t>
-            </a:r>
+              <a:t>} from our model related to                          </a:t>
+            </a:r>
+            <a:r>
+              <a:rPr lang="en-US" dirty="0" smtClean="0"/>
+              <a:t>?</a:t>
+            </a:r>
+            <a:endParaRPr lang="en-US" dirty="0"/>
           </a:p>
           <a:p>
             <a:endParaRPr lang="en-US" dirty="0"/>
@@ -10644,18 +10827,6 @@
             <a:endParaRPr lang="en-US" dirty="0">
               <a:cs typeface="Times New Roman"/>
             </a:endParaRPr>
-          </a:p>
-          <a:p>
-            <a:pPr lvl="1"/>
-            <a:r>
-              <a:rPr lang="en-US" dirty="0">
-                <a:solidFill>
-                  <a:srgbClr val="FF0000"/>
-                </a:solidFill>
-                <a:cs typeface="Times New Roman"/>
-              </a:rPr>
-              <a:t>Edit these equations on windows</a:t>
-            </a:r>
           </a:p>
           <a:p>
             <a:endParaRPr lang="en-US" dirty="0" smtClean="0"/>
@@ -10684,7 +10855,7 @@
           <a:graphicData uri="http://schemas.openxmlformats.org/presentationml/2006/ole">
             <mc:AlternateContent xmlns:mc="http://schemas.openxmlformats.org/markup-compatibility/2006">
               <mc:Choice xmlns:v="urn:schemas-microsoft-com:vml" Requires="v">
-                <p:oleObj spid="_x0000_s4132" name="Equation" r:id="rId3" imgW="3174840" imgH="469800" progId="Equation.3">
+                <p:oleObj spid="_x0000_s4144" name="Equation" r:id="rId3" imgW="3174840" imgH="469800" progId="Equation.3">
                   <p:embed/>
                 </p:oleObj>
               </mc:Choice>
@@ -11072,25 +11243,25 @@
             <p:ph sz="half" idx="2"/>
             <p:extLst>
               <p:ext uri="{D42A27DB-BD31-4B8C-83A1-F6EECF244321}">
-                <p14:modId xmlns:p14="http://schemas.microsoft.com/office/powerpoint/2010/main" val="592082728"/>
+                <p14:modId xmlns:p14="http://schemas.microsoft.com/office/powerpoint/2010/main" val="3636654703"/>
               </p:ext>
             </p:extLst>
           </p:nvPr>
         </p:nvGraphicFramePr>
         <p:xfrm>
-          <a:off x="2346887" y="2915539"/>
-          <a:ext cx="1384300" cy="520700"/>
+          <a:off x="2291896" y="3018117"/>
+          <a:ext cx="1384300" cy="485775"/>
         </p:xfrm>
         <a:graphic>
           <a:graphicData uri="http://schemas.openxmlformats.org/presentationml/2006/ole">
             <mc:AlternateContent xmlns:mc="http://schemas.openxmlformats.org/markup-compatibility/2006">
               <mc:Choice xmlns:v="urn:schemas-microsoft-com:vml" Requires="v">
-                <p:oleObj spid="_x0000_s4133" name="Equation" r:id="rId5" imgW="1384300" imgH="520700" progId="Equation.3">
+                <p:oleObj spid="_x0000_s4145" name="Equation" r:id="rId5" imgW="1447560" imgH="507960" progId="Equation.DSMT4">
                   <p:embed/>
                 </p:oleObj>
               </mc:Choice>
               <mc:Fallback>
-                <p:oleObj name="Equation" r:id="rId5" imgW="1384300" imgH="520700" progId="Equation.3">
+                <p:oleObj name="Equation" r:id="rId5" imgW="1447560" imgH="507960" progId="Equation.DSMT4">
                   <p:embed/>
                   <p:pic>
                     <p:nvPicPr>
@@ -11106,8 +11277,8 @@
                     </p:blipFill>
                     <p:spPr>
                       <a:xfrm>
-                        <a:off x="2346887" y="2915539"/>
-                        <a:ext cx="1384300" cy="520700"/>
+                        <a:off x="2291896" y="3018117"/>
+                        <a:ext cx="1384300" cy="485775"/>
                       </a:xfrm>
                       <a:prstGeom prst="rect">
                         <a:avLst/>
@@ -11129,25 +11300,25 @@
           <p:nvPr>
             <p:extLst>
               <p:ext uri="{D42A27DB-BD31-4B8C-83A1-F6EECF244321}">
-                <p14:modId xmlns:p14="http://schemas.microsoft.com/office/powerpoint/2010/main" val="3096840010"/>
+                <p14:modId xmlns:p14="http://schemas.microsoft.com/office/powerpoint/2010/main" val="3448113365"/>
               </p:ext>
             </p:extLst>
           </p:nvPr>
         </p:nvGraphicFramePr>
         <p:xfrm>
-          <a:off x="1744009" y="4431366"/>
-          <a:ext cx="2655888" cy="752475"/>
+          <a:off x="1319217" y="4506913"/>
+          <a:ext cx="4157663" cy="1209675"/>
         </p:xfrm>
         <a:graphic>
           <a:graphicData uri="http://schemas.openxmlformats.org/presentationml/2006/ole">
             <mc:AlternateContent xmlns:mc="http://schemas.openxmlformats.org/markup-compatibility/2006">
               <mc:Choice xmlns:v="urn:schemas-microsoft-com:vml" Requires="v">
-                <p:oleObj spid="_x0000_s4134" name="Equation" r:id="rId7" imgW="1841500" imgH="520700" progId="Equation.3">
+                <p:oleObj spid="_x0000_s4146" name="Equation" r:id="rId7" imgW="2882880" imgH="838080" progId="Equation.DSMT4">
                   <p:embed/>
                 </p:oleObj>
               </mc:Choice>
               <mc:Fallback>
-                <p:oleObj name="Equation" r:id="rId7" imgW="1841500" imgH="520700" progId="Equation.3">
+                <p:oleObj name="Equation" r:id="rId7" imgW="2882880" imgH="838080" progId="Equation.DSMT4">
                   <p:embed/>
                   <p:pic>
                     <p:nvPicPr>
@@ -11163,8 +11334,8 @@
                     </p:blipFill>
                     <p:spPr>
                       <a:xfrm>
-                        <a:off x="1744009" y="4431366"/>
-                        <a:ext cx="2655888" cy="752475"/>
+                        <a:off x="1319217" y="4506913"/>
+                        <a:ext cx="4157663" cy="1209675"/>
                       </a:xfrm>
                       <a:prstGeom prst="rect">
                         <a:avLst/>
@@ -11199,7 +11370,7 @@
           <a:graphicData uri="http://schemas.openxmlformats.org/presentationml/2006/ole">
             <mc:AlternateContent xmlns:mc="http://schemas.openxmlformats.org/markup-compatibility/2006">
               <mc:Choice xmlns:v="urn:schemas-microsoft-com:vml" Requires="v">
-                <p:oleObj spid="_x0000_s4135" name="Equation" r:id="rId9" imgW="1778000" imgH="469900" progId="Equation.3">
+                <p:oleObj spid="_x0000_s4147" name="Equation" r:id="rId9" imgW="1778000" imgH="469900" progId="Equation.3">
                   <p:embed/>
                 </p:oleObj>
               </mc:Choice>
@@ -11247,7 +11418,7 @@
 </p:sld>
 </file>
 
-<file path=ppt/slides/slide25.xml><?xml version="1.0" encoding="utf-8"?>
+<file path=ppt/slides/slide26.xml><?xml version="1.0" encoding="utf-8"?>
 <p:sld xmlns:a="http://schemas.openxmlformats.org/drawingml/2006/main" xmlns:r="http://schemas.openxmlformats.org/officeDocument/2006/relationships" xmlns:p="http://schemas.openxmlformats.org/presentationml/2006/main">
   <p:cSld>
     <p:spTree>
@@ -11308,11 +11479,7 @@
           <a:p>
             <a:r>
               <a:rPr lang="en-US" b="1" dirty="0" smtClean="0"/>
-              <a:t>Individual </a:t>
-            </a:r>
-            <a:r>
-              <a:rPr lang="en-US" b="1" dirty="0" smtClean="0"/>
-              <a:t>effects </a:t>
+              <a:t>Individual effects </a:t>
             </a:r>
             <a:r>
               <a:rPr lang="en-US" dirty="0" smtClean="0"/>
@@ -11430,258 +11597,6 @@
 </p:sld>
 </file>
 
-<file path=ppt/slides/slide26.xml><?xml version="1.0" encoding="utf-8"?>
-<p:sld xmlns:a="http://schemas.openxmlformats.org/drawingml/2006/main" xmlns:r="http://schemas.openxmlformats.org/officeDocument/2006/relationships" xmlns:p="http://schemas.openxmlformats.org/presentationml/2006/main">
-  <p:cSld>
-    <p:spTree>
-      <p:nvGrpSpPr>
-        <p:cNvPr id="1" name=""/>
-        <p:cNvGrpSpPr/>
-        <p:nvPr/>
-      </p:nvGrpSpPr>
-      <p:grpSpPr>
-        <a:xfrm>
-          <a:off x="0" y="0"/>
-          <a:ext cx="0" cy="0"/>
-          <a:chOff x="0" y="0"/>
-          <a:chExt cx="0" cy="0"/>
-        </a:xfrm>
-      </p:grpSpPr>
-      <p:sp>
-        <p:nvSpPr>
-          <p:cNvPr id="2" name="Title 1"/>
-          <p:cNvSpPr>
-            <a:spLocks noGrp="1"/>
-          </p:cNvSpPr>
-          <p:nvPr>
-            <p:ph type="title"/>
-          </p:nvPr>
-        </p:nvSpPr>
-        <p:spPr/>
-        <p:txBody>
-          <a:bodyPr>
-            <a:normAutofit/>
-          </a:bodyPr>
-          <a:lstStyle/>
-          <a:p>
-            <a:r>
-              <a:rPr lang="en-US" dirty="0" smtClean="0"/>
-              <a:t>Statistical Models</a:t>
-            </a:r>
-            <a:endParaRPr lang="en-US" dirty="0"/>
-          </a:p>
-        </p:txBody>
-      </p:sp>
-      <p:sp>
-        <p:nvSpPr>
-          <p:cNvPr id="3" name="Content Placeholder 2"/>
-          <p:cNvSpPr>
-            <a:spLocks noGrp="1"/>
-          </p:cNvSpPr>
-          <p:nvPr>
-            <p:ph sz="half" idx="1"/>
-          </p:nvPr>
-        </p:nvSpPr>
-        <p:spPr/>
-        <p:txBody>
-          <a:bodyPr>
-            <a:normAutofit/>
-          </a:bodyPr>
-          <a:lstStyle/>
-          <a:p>
-            <a:r>
-              <a:rPr lang="en-US" b="1" dirty="0" smtClean="0"/>
-              <a:t>Individual </a:t>
-            </a:r>
-            <a:r>
-              <a:rPr lang="en-US" b="1" dirty="0" smtClean="0"/>
-              <a:t>effects </a:t>
-            </a:r>
-            <a:r>
-              <a:rPr lang="en-US" dirty="0" smtClean="0"/>
-              <a:t>(</a:t>
-            </a:r>
-            <a:r>
-              <a:rPr lang="en-US" dirty="0"/>
-              <a:t>d</a:t>
-            </a:r>
-            <a:r>
-              <a:rPr lang="en-US" dirty="0" smtClean="0"/>
-              <a:t>irected networks)</a:t>
-            </a:r>
-          </a:p>
-          <a:p>
-            <a:pPr lvl="1"/>
-            <a:r>
-              <a:rPr lang="en-US" dirty="0" smtClean="0"/>
-              <a:t>Some are </a:t>
-            </a:r>
-            <a:r>
-              <a:rPr lang="en-US" dirty="0"/>
-              <a:t>more likely to send ties (more sociable</a:t>
-            </a:r>
-            <a:r>
-              <a:rPr lang="en-US" dirty="0" smtClean="0"/>
-              <a:t>)</a:t>
-            </a:r>
-          </a:p>
-          <a:p>
-            <a:pPr lvl="1"/>
-            <a:r>
-              <a:rPr lang="en-US" dirty="0" smtClean="0"/>
-              <a:t>Some are more </a:t>
-            </a:r>
-            <a:r>
-              <a:rPr lang="en-US" dirty="0"/>
-              <a:t>likely to receive ties (more popular</a:t>
-            </a:r>
-            <a:r>
-              <a:rPr lang="en-US" dirty="0" smtClean="0"/>
-              <a:t>)</a:t>
-            </a:r>
-          </a:p>
-          <a:p>
-            <a:r>
-              <a:rPr lang="en-US" dirty="0"/>
-              <a:t>C</a:t>
-            </a:r>
-            <a:r>
-              <a:rPr lang="en-US" dirty="0" smtClean="0"/>
-              <a:t>apture </a:t>
-            </a:r>
-            <a:r>
-              <a:rPr lang="en-US" dirty="0"/>
-              <a:t>the variability of out-degree and in-degree by fitting the marginal totals of a network’s adjacency matrix</a:t>
-            </a:r>
-            <a:r>
-              <a:rPr lang="en-US" dirty="0" smtClean="0"/>
-              <a:t>.</a:t>
-            </a:r>
-          </a:p>
-          <a:p>
-            <a:endParaRPr lang="en-US" dirty="0"/>
-          </a:p>
-          <a:p>
-            <a:endParaRPr lang="en-US" dirty="0" smtClean="0">
-              <a:solidFill>
-                <a:srgbClr val="FF0000"/>
-              </a:solidFill>
-            </a:endParaRPr>
-          </a:p>
-        </p:txBody>
-      </p:sp>
-      <p:sp>
-        <p:nvSpPr>
-          <p:cNvPr id="4" name="Content Placeholder 3"/>
-          <p:cNvSpPr>
-            <a:spLocks noGrp="1"/>
-          </p:cNvSpPr>
-          <p:nvPr>
-            <p:ph sz="half" idx="2"/>
-          </p:nvPr>
-        </p:nvSpPr>
-        <p:spPr/>
-        <p:txBody>
-          <a:bodyPr>
-            <a:normAutofit/>
-          </a:bodyPr>
-          <a:lstStyle/>
-          <a:p>
-            <a:r>
-              <a:rPr lang="en-US" dirty="0" smtClean="0">
-                <a:solidFill>
-                  <a:srgbClr val="3366FF"/>
-                </a:solidFill>
-              </a:rPr>
-              <a:t>Interactive:</a:t>
-            </a:r>
-            <a:r>
-              <a:rPr lang="en-US" dirty="0" smtClean="0"/>
-              <a:t> Fit an individual effects model.</a:t>
-            </a:r>
-          </a:p>
-          <a:p>
-            <a:pPr lvl="1"/>
-            <a:r>
-              <a:rPr lang="en-US" dirty="0" smtClean="0"/>
-              <a:t>Load the </a:t>
-            </a:r>
-            <a:r>
-              <a:rPr lang="en-US" dirty="0" err="1" smtClean="0"/>
-              <a:t>samplike</a:t>
-            </a:r>
-            <a:r>
-              <a:rPr lang="en-US" dirty="0" smtClean="0"/>
-              <a:t> dataset.</a:t>
-            </a:r>
-          </a:p>
-          <a:p>
-            <a:pPr lvl="1"/>
-            <a:r>
-              <a:rPr lang="en-US" dirty="0" smtClean="0"/>
-              <a:t>Perform some exploratory analysis and discuss with your neighbors.</a:t>
-            </a:r>
-          </a:p>
-          <a:p>
-            <a:pPr lvl="1"/>
-            <a:r>
-              <a:rPr lang="en-US" dirty="0" smtClean="0">
-                <a:solidFill>
-                  <a:srgbClr val="FF0000"/>
-                </a:solidFill>
-              </a:rPr>
-              <a:t>Image</a:t>
-            </a:r>
-          </a:p>
-          <a:p>
-            <a:pPr lvl="1"/>
-            <a:r>
-              <a:rPr lang="en-US" dirty="0" smtClean="0"/>
-              <a:t>Fit this model with </a:t>
-            </a:r>
-          </a:p>
-          <a:p>
-            <a:pPr marL="201168" lvl="1" indent="0">
-              <a:buNone/>
-            </a:pPr>
-            <a:r>
-              <a:rPr lang="en-US" dirty="0"/>
-              <a:t>	</a:t>
-            </a:r>
-            <a:r>
-              <a:rPr lang="en-US" sz="1400" dirty="0" err="1" smtClean="0">
-                <a:latin typeface="Courier"/>
-                <a:cs typeface="Courier"/>
-              </a:rPr>
-              <a:t>samplike</a:t>
-            </a:r>
-            <a:r>
-              <a:rPr lang="en-US" sz="1400" dirty="0" smtClean="0">
-                <a:latin typeface="Courier"/>
-                <a:cs typeface="Courier"/>
-              </a:rPr>
-              <a:t> ~ edges + sender + receiver</a:t>
-            </a:r>
-            <a:endParaRPr lang="en-US" sz="1400" dirty="0">
-              <a:latin typeface="Courier"/>
-              <a:cs typeface="Courier"/>
-            </a:endParaRPr>
-          </a:p>
-        </p:txBody>
-      </p:sp>
-    </p:spTree>
-    <p:extLst>
-      <p:ext uri="{BB962C8B-B14F-4D97-AF65-F5344CB8AC3E}">
-        <p14:creationId xmlns:p14="http://schemas.microsoft.com/office/powerpoint/2010/main" val="2025953906"/>
-      </p:ext>
-    </p:extLst>
-  </p:cSld>
-  <p:clrMapOvr>
-    <a:masterClrMapping/>
-  </p:clrMapOvr>
-</p:sld>
-</file>
-
 <file path=ppt/slides/slide27.xml><?xml version="1.0" encoding="utf-8"?>
 <p:sld xmlns:a="http://schemas.openxmlformats.org/drawingml/2006/main" xmlns:r="http://schemas.openxmlformats.org/officeDocument/2006/relationships" xmlns:p="http://schemas.openxmlformats.org/presentationml/2006/main">
   <p:cSld>
@@ -11736,101 +11651,85 @@
         </p:nvSpPr>
         <p:spPr/>
         <p:txBody>
-          <a:bodyPr/>
+          <a:bodyPr>
+            <a:normAutofit/>
+          </a:bodyPr>
           <a:lstStyle/>
           <a:p>
             <a:r>
               <a:rPr lang="en-US" b="1" dirty="0" smtClean="0"/>
-              <a:t>p</a:t>
-            </a:r>
-            <a:r>
-              <a:rPr lang="en-US" b="1" baseline="-25000" dirty="0" smtClean="0"/>
-              <a:t>1</a:t>
-            </a:r>
-            <a:r>
-              <a:rPr lang="en-US" b="1" dirty="0" smtClean="0"/>
-              <a:t> </a:t>
-            </a:r>
-            <a:r>
-              <a:rPr lang="en-US" b="1" dirty="0" smtClean="0"/>
-              <a:t>model</a:t>
-            </a:r>
-          </a:p>
-          <a:p>
-            <a:r>
-              <a:rPr lang="en-US" dirty="0" smtClean="0"/>
-              <a:t>So far we have assumed independence between all ties.</a:t>
-            </a:r>
-          </a:p>
-          <a:p>
-            <a:r>
-              <a:rPr lang="en-US" dirty="0" smtClean="0"/>
-              <a:t>In the p</a:t>
-            </a:r>
-            <a:r>
-              <a:rPr lang="en-US" baseline="-25000" dirty="0" smtClean="0"/>
-              <a:t>1</a:t>
-            </a:r>
-            <a:r>
-              <a:rPr lang="en-US" dirty="0" smtClean="0"/>
-              <a:t> model we allow for dependence within dyads.</a:t>
-            </a:r>
-          </a:p>
-          <a:p>
-            <a:pPr lvl="1"/>
+              <a:t>Individual effects </a:t>
+            </a:r>
+            <a:r>
+              <a:rPr lang="en-US" dirty="0" smtClean="0"/>
+              <a:t>(</a:t>
+            </a:r>
             <a:r>
               <a:rPr lang="en-US" dirty="0"/>
-              <a:t>S</a:t>
-            </a:r>
-            <a:r>
-              <a:rPr lang="en-US" dirty="0" smtClean="0"/>
-              <a:t>ame </a:t>
+              <a:t>d</a:t>
+            </a:r>
+            <a:r>
+              <a:rPr lang="en-US" dirty="0" smtClean="0"/>
+              <a:t>irected networks)</a:t>
+            </a:r>
+          </a:p>
+          <a:p>
+            <a:pPr lvl="1"/>
+            <a:r>
+              <a:rPr lang="en-US" dirty="0" smtClean="0"/>
+              <a:t>Some are </a:t>
             </a:r>
             <a:r>
               <a:rPr lang="en-US" dirty="0"/>
-              <a:t>sender and receiver effects as the individual effects </a:t>
-            </a:r>
-            <a:r>
-              <a:rPr lang="en-US" dirty="0" smtClean="0"/>
-              <a:t>model</a:t>
-            </a:r>
-          </a:p>
-          <a:p>
-            <a:pPr lvl="1"/>
-            <a:r>
-              <a:rPr lang="en-US" dirty="0" smtClean="0"/>
-              <a:t>Additional </a:t>
+              <a:t>more likely to send ties (more sociable</a:t>
+            </a:r>
+            <a:r>
+              <a:rPr lang="en-US" dirty="0" smtClean="0"/>
+              <a:t>)</a:t>
+            </a:r>
+          </a:p>
+          <a:p>
+            <a:pPr lvl="1"/>
+            <a:r>
+              <a:rPr lang="en-US" dirty="0" smtClean="0"/>
+              <a:t>Some are more </a:t>
             </a:r>
             <a:r>
               <a:rPr lang="en-US" dirty="0"/>
-              <a:t>parameter </a:t>
-            </a:r>
-            <a:r>
-              <a:rPr lang="en-US" i="1" dirty="0" err="1" smtClean="0">
-                <a:latin typeface="Times New Roman"/>
-                <a:cs typeface="Times New Roman"/>
-              </a:rPr>
-              <a:t>γ</a:t>
-            </a:r>
-            <a:r>
-              <a:rPr lang="en-US" dirty="0" smtClean="0"/>
-              <a:t> measures tendency </a:t>
-            </a:r>
+              <a:t>likely to receive ties (more popular</a:t>
+            </a:r>
+            <a:r>
+              <a:rPr lang="en-US" dirty="0" smtClean="0"/>
+              <a:t>)</a:t>
+            </a:r>
+          </a:p>
+          <a:p>
             <a:r>
               <a:rPr lang="en-US" dirty="0"/>
-              <a:t>for ties to be </a:t>
-            </a:r>
-            <a:r>
-              <a:rPr lang="en-US" dirty="0" smtClean="0"/>
-              <a:t>mutual</a:t>
-            </a:r>
-          </a:p>
-          <a:p>
-            <a:r>
-              <a:rPr lang="en-US" dirty="0" smtClean="0"/>
-              <a:t>Relations between dyads are still independent.</a:t>
-            </a:r>
-            <a:endParaRPr lang="en-US" dirty="0" smtClean="0"/>
+              <a:t>C</a:t>
+            </a:r>
+            <a:r>
+              <a:rPr lang="en-US" dirty="0" smtClean="0"/>
+              <a:t>apture </a:t>
+            </a:r>
+            <a:r>
+              <a:rPr lang="en-US" dirty="0"/>
+              <a:t>the variability of out-degree and in-degree by fitting the marginal totals of a network’s adjacency matrix</a:t>
+            </a:r>
+            <a:r>
+              <a:rPr lang="en-US" dirty="0" smtClean="0"/>
+              <a:t>.</a:t>
+            </a:r>
+          </a:p>
+          <a:p>
+            <a:endParaRPr lang="en-US" dirty="0"/>
+          </a:p>
+          <a:p>
+            <a:endParaRPr lang="en-US" dirty="0" smtClean="0">
+              <a:solidFill>
+                <a:srgbClr val="FF0000"/>
+              </a:solidFill>
+            </a:endParaRPr>
           </a:p>
         </p:txBody>
       </p:sp>
@@ -11846,7 +11745,9 @@
         </p:nvSpPr>
         <p:spPr/>
         <p:txBody>
-          <a:bodyPr/>
+          <a:bodyPr>
+            <a:normAutofit/>
+          </a:bodyPr>
           <a:lstStyle/>
           <a:p>
             <a:r>
@@ -11858,46 +11759,104 @@
               <a:t>Interactive:</a:t>
             </a:r>
             <a:r>
+              <a:rPr lang="en-US" dirty="0" smtClean="0"/>
+              <a:t> Fit an individual effects model.</a:t>
+            </a:r>
+          </a:p>
+          <a:p>
+            <a:pPr lvl="1"/>
+            <a:r>
+              <a:rPr lang="en-US" dirty="0" smtClean="0"/>
+              <a:t>Load the </a:t>
+            </a:r>
+            <a:r>
+              <a:rPr lang="en-US" dirty="0" err="1" smtClean="0"/>
+              <a:t>samplike</a:t>
+            </a:r>
+            <a:r>
+              <a:rPr lang="en-US" dirty="0" smtClean="0"/>
+              <a:t> dataset.</a:t>
+            </a:r>
+          </a:p>
+          <a:p>
+            <a:pPr lvl="1"/>
+            <a:r>
+              <a:rPr lang="en-US" dirty="0" smtClean="0"/>
+              <a:t>Perform some exploratory analysis and discuss with your neighbors.</a:t>
+            </a:r>
+          </a:p>
+          <a:p>
+            <a:pPr lvl="1"/>
+            <a:r>
               <a:rPr lang="en-US" dirty="0" smtClean="0">
                 <a:solidFill>
-                  <a:srgbClr val="404040"/>
+                  <a:srgbClr val="FF0000"/>
                 </a:solidFill>
               </a:rPr>
-              <a:t> Fit model.</a:t>
-            </a:r>
-          </a:p>
-          <a:p>
-            <a:r>
-              <a:rPr lang="en-US" dirty="0" smtClean="0">
+              <a:t>Image of </a:t>
+            </a:r>
+            <a:r>
+              <a:rPr lang="en-US" dirty="0" err="1" smtClean="0">
                 <a:solidFill>
-                  <a:schemeClr val="accent2">
-                    <a:lumMod val="50000"/>
-                    <a:lumOff val="50000"/>
-                  </a:schemeClr>
+                  <a:srgbClr val="FF0000"/>
                 </a:solidFill>
               </a:rPr>
-              <a:t>Image</a:t>
-            </a:r>
-          </a:p>
-          <a:p>
-            <a:r>
-              <a:rPr lang="en-US" dirty="0" smtClean="0"/>
-              <a:t>As you can see, this model includes many parameters, which are all specific to the network in question. </a:t>
-            </a:r>
-          </a:p>
-          <a:p>
-            <a:r>
-              <a:rPr lang="en-US" dirty="0" smtClean="0"/>
-              <a:t>Ideally, we want to work with a model that is more generalizable and parsimonious.</a:t>
-            </a:r>
-            <a:endParaRPr lang="en-US" dirty="0"/>
+              <a:t>nw</a:t>
+            </a:r>
+            <a:endParaRPr lang="en-US" dirty="0" smtClean="0">
+              <a:solidFill>
+                <a:srgbClr val="FF0000"/>
+              </a:solidFill>
+            </a:endParaRPr>
+          </a:p>
+          <a:p>
+            <a:pPr lvl="1"/>
+            <a:r>
+              <a:rPr lang="en-US" dirty="0" smtClean="0"/>
+              <a:t>Fit this </a:t>
+            </a:r>
+            <a:r>
+              <a:rPr lang="en-US" dirty="0" smtClean="0"/>
+              <a:t>individual effects model </a:t>
+            </a:r>
+            <a:r>
+              <a:rPr lang="en-US" dirty="0" smtClean="0"/>
+              <a:t>with </a:t>
+            </a:r>
+          </a:p>
+          <a:p>
+            <a:pPr marL="201168" lvl="1" indent="0">
+              <a:buNone/>
+            </a:pPr>
+            <a:r>
+              <a:rPr lang="en-US" dirty="0"/>
+              <a:t>	</a:t>
+            </a:r>
+            <a:r>
+              <a:rPr lang="en-US" sz="1400" dirty="0" err="1" smtClean="0">
+                <a:latin typeface="Courier"/>
+                <a:cs typeface="Courier"/>
+              </a:rPr>
+              <a:t>samplike</a:t>
+            </a:r>
+            <a:r>
+              <a:rPr lang="en-US" sz="1400" dirty="0" smtClean="0">
+                <a:latin typeface="Courier"/>
+                <a:cs typeface="Courier"/>
+              </a:rPr>
+              <a:t> ~ edges + sender + receiver</a:t>
+            </a:r>
+            <a:endParaRPr lang="en-US" sz="1400" dirty="0">
+              <a:latin typeface="Courier"/>
+              <a:cs typeface="Courier"/>
+            </a:endParaRPr>
           </a:p>
         </p:txBody>
       </p:sp>
     </p:spTree>
     <p:extLst>
       <p:ext uri="{BB962C8B-B14F-4D97-AF65-F5344CB8AC3E}">
-        <p14:creationId xmlns:p14="http://schemas.microsoft.com/office/powerpoint/2010/main" val="4131631640"/>
+        <p14:creationId xmlns:p14="http://schemas.microsoft.com/office/powerpoint/2010/main" val="2025953906"/>
       </p:ext>
     </p:extLst>
   </p:cSld>
@@ -11966,11 +11925,270 @@
           <a:p>
             <a:r>
               <a:rPr lang="en-US" b="1" dirty="0" smtClean="0"/>
-              <a:t>Markov </a:t>
+              <a:t>p</a:t>
+            </a:r>
+            <a:r>
+              <a:rPr lang="en-US" b="1" baseline="-25000" dirty="0" smtClean="0"/>
+              <a:t>1</a:t>
             </a:r>
             <a:r>
               <a:rPr lang="en-US" b="1" dirty="0" smtClean="0"/>
-              <a:t>graphs</a:t>
+              <a:t> model</a:t>
+            </a:r>
+          </a:p>
+          <a:p>
+            <a:r>
+              <a:rPr lang="en-US" dirty="0" smtClean="0"/>
+              <a:t>So far we have assumed independence between all ties.</a:t>
+            </a:r>
+          </a:p>
+          <a:p>
+            <a:r>
+              <a:rPr lang="en-US" dirty="0" smtClean="0"/>
+              <a:t>In the p</a:t>
+            </a:r>
+            <a:r>
+              <a:rPr lang="en-US" baseline="-25000" dirty="0" smtClean="0"/>
+              <a:t>1</a:t>
+            </a:r>
+            <a:r>
+              <a:rPr lang="en-US" dirty="0" smtClean="0"/>
+              <a:t> model we allow for dependence within dyads.</a:t>
+            </a:r>
+          </a:p>
+          <a:p>
+            <a:pPr lvl="1"/>
+            <a:r>
+              <a:rPr lang="en-US" dirty="0"/>
+              <a:t>S</a:t>
+            </a:r>
+            <a:r>
+              <a:rPr lang="en-US" dirty="0" smtClean="0"/>
+              <a:t>ame </a:t>
+            </a:r>
+            <a:r>
+              <a:rPr lang="en-US" dirty="0"/>
+              <a:t>sender and receiver effects as the individual effects </a:t>
+            </a:r>
+            <a:r>
+              <a:rPr lang="en-US" dirty="0" smtClean="0"/>
+              <a:t>model</a:t>
+            </a:r>
+          </a:p>
+          <a:p>
+            <a:pPr lvl="1"/>
+            <a:r>
+              <a:rPr lang="en-US" dirty="0" smtClean="0"/>
+              <a:t>Additional </a:t>
+            </a:r>
+            <a:r>
+              <a:rPr lang="en-US" dirty="0"/>
+              <a:t>parameter </a:t>
+            </a:r>
+            <a:r>
+              <a:rPr lang="en-US" i="1" dirty="0" err="1" smtClean="0">
+                <a:latin typeface="Times New Roman"/>
+                <a:cs typeface="Times New Roman"/>
+              </a:rPr>
+              <a:t>γ</a:t>
+            </a:r>
+            <a:r>
+              <a:rPr lang="en-US" dirty="0" smtClean="0"/>
+              <a:t> measures tendency </a:t>
+            </a:r>
+            <a:r>
+              <a:rPr lang="en-US" dirty="0"/>
+              <a:t>for ties to be </a:t>
+            </a:r>
+            <a:r>
+              <a:rPr lang="en-US" dirty="0" smtClean="0"/>
+              <a:t>mutual</a:t>
+            </a:r>
+          </a:p>
+          <a:p>
+            <a:r>
+              <a:rPr lang="en-US" dirty="0" smtClean="0"/>
+              <a:t>Relations between dyads are still independent.</a:t>
+            </a:r>
+          </a:p>
+        </p:txBody>
+      </p:sp>
+      <p:sp>
+        <p:nvSpPr>
+          <p:cNvPr id="4" name="Content Placeholder 3"/>
+          <p:cNvSpPr>
+            <a:spLocks noGrp="1"/>
+          </p:cNvSpPr>
+          <p:nvPr>
+            <p:ph sz="half" idx="2"/>
+          </p:nvPr>
+        </p:nvSpPr>
+        <p:spPr/>
+        <p:txBody>
+          <a:bodyPr/>
+          <a:lstStyle/>
+          <a:p>
+            <a:r>
+              <a:rPr lang="en-US" dirty="0" smtClean="0">
+                <a:solidFill>
+                  <a:srgbClr val="3366FF"/>
+                </a:solidFill>
+              </a:rPr>
+              <a:t>Interactive:</a:t>
+            </a:r>
+            <a:r>
+              <a:rPr lang="en-US" dirty="0" smtClean="0">
+                <a:solidFill>
+                  <a:srgbClr val="404040"/>
+                </a:solidFill>
+              </a:rPr>
+              <a:t> Fit model.</a:t>
+            </a:r>
+          </a:p>
+          <a:p>
+            <a:r>
+              <a:rPr lang="en-US" dirty="0" smtClean="0">
+                <a:solidFill>
+                  <a:schemeClr val="accent2">
+                    <a:lumMod val="50000"/>
+                    <a:lumOff val="50000"/>
+                  </a:schemeClr>
+                </a:solidFill>
+              </a:rPr>
+              <a:t>Image of </a:t>
+            </a:r>
+            <a:r>
+              <a:rPr lang="en-US" dirty="0" err="1" smtClean="0">
+                <a:solidFill>
+                  <a:schemeClr val="accent2">
+                    <a:lumMod val="50000"/>
+                    <a:lumOff val="50000"/>
+                  </a:schemeClr>
+                </a:solidFill>
+              </a:rPr>
+              <a:t>coefs</a:t>
+            </a:r>
+            <a:endParaRPr lang="en-US" dirty="0" smtClean="0">
+              <a:solidFill>
+                <a:schemeClr val="accent2">
+                  <a:lumMod val="50000"/>
+                  <a:lumOff val="50000"/>
+                </a:schemeClr>
+              </a:solidFill>
+            </a:endParaRPr>
+          </a:p>
+          <a:p>
+            <a:r>
+              <a:rPr lang="en-US" dirty="0" smtClean="0"/>
+              <a:t>As you can see, </a:t>
+            </a:r>
+            <a:r>
+              <a:rPr lang="en-US" dirty="0" smtClean="0"/>
+              <a:t>the individual effects and p</a:t>
+            </a:r>
+            <a:r>
+              <a:rPr lang="en-US" baseline="-25000" dirty="0" smtClean="0"/>
+              <a:t>1</a:t>
+            </a:r>
+            <a:r>
+              <a:rPr lang="en-US" dirty="0" smtClean="0"/>
+              <a:t> models include </a:t>
+            </a:r>
+            <a:r>
+              <a:rPr lang="en-US" dirty="0" smtClean="0"/>
+              <a:t>many parameters, which </a:t>
+            </a:r>
+            <a:r>
+              <a:rPr lang="en-US" dirty="0" smtClean="0"/>
+              <a:t>are </a:t>
+            </a:r>
+            <a:r>
+              <a:rPr lang="en-US" dirty="0" smtClean="0"/>
+              <a:t>specific to the network in question. </a:t>
+            </a:r>
+          </a:p>
+          <a:p>
+            <a:r>
+              <a:rPr lang="en-US" dirty="0" smtClean="0"/>
+              <a:t>Ideally, we want to work with a model that is more generalizable and parsimonious.</a:t>
+            </a:r>
+            <a:endParaRPr lang="en-US" dirty="0"/>
+          </a:p>
+        </p:txBody>
+      </p:sp>
+    </p:spTree>
+    <p:extLst>
+      <p:ext uri="{BB962C8B-B14F-4D97-AF65-F5344CB8AC3E}">
+        <p14:creationId xmlns:p14="http://schemas.microsoft.com/office/powerpoint/2010/main" val="4131631640"/>
+      </p:ext>
+    </p:extLst>
+  </p:cSld>
+  <p:clrMapOvr>
+    <a:masterClrMapping/>
+  </p:clrMapOvr>
+</p:sld>
+</file>
+
+<file path=ppt/slides/slide29.xml><?xml version="1.0" encoding="utf-8"?>
+<p:sld xmlns:a="http://schemas.openxmlformats.org/drawingml/2006/main" xmlns:r="http://schemas.openxmlformats.org/officeDocument/2006/relationships" xmlns:p="http://schemas.openxmlformats.org/presentationml/2006/main">
+  <p:cSld>
+    <p:spTree>
+      <p:nvGrpSpPr>
+        <p:cNvPr id="1" name=""/>
+        <p:cNvGrpSpPr/>
+        <p:nvPr/>
+      </p:nvGrpSpPr>
+      <p:grpSpPr>
+        <a:xfrm>
+          <a:off x="0" y="0"/>
+          <a:ext cx="0" cy="0"/>
+          <a:chOff x="0" y="0"/>
+          <a:chExt cx="0" cy="0"/>
+        </a:xfrm>
+      </p:grpSpPr>
+      <p:sp>
+        <p:nvSpPr>
+          <p:cNvPr id="2" name="Title 1"/>
+          <p:cNvSpPr>
+            <a:spLocks noGrp="1"/>
+          </p:cNvSpPr>
+          <p:nvPr>
+            <p:ph type="title"/>
+          </p:nvPr>
+        </p:nvSpPr>
+        <p:spPr/>
+        <p:txBody>
+          <a:bodyPr>
+            <a:normAutofit/>
+          </a:bodyPr>
+          <a:lstStyle/>
+          <a:p>
+            <a:r>
+              <a:rPr lang="en-US" dirty="0" smtClean="0"/>
+              <a:t>Statistical Models</a:t>
+            </a:r>
+            <a:endParaRPr lang="en-US" dirty="0"/>
+          </a:p>
+        </p:txBody>
+      </p:sp>
+      <p:sp>
+        <p:nvSpPr>
+          <p:cNvPr id="3" name="Content Placeholder 2"/>
+          <p:cNvSpPr>
+            <a:spLocks noGrp="1"/>
+          </p:cNvSpPr>
+          <p:nvPr>
+            <p:ph sz="half" idx="1"/>
+          </p:nvPr>
+        </p:nvSpPr>
+        <p:spPr/>
+        <p:txBody>
+          <a:bodyPr/>
+          <a:lstStyle/>
+          <a:p>
+            <a:r>
+              <a:rPr lang="en-US" b="1" dirty="0" smtClean="0"/>
+              <a:t>Markov graphs</a:t>
             </a:r>
           </a:p>
           <a:p>
@@ -12124,179 +12342,6 @@
 </p:sld>
 </file>
 
-<file path=ppt/slides/slide29.xml><?xml version="1.0" encoding="utf-8"?>
-<p:sld xmlns:a="http://schemas.openxmlformats.org/drawingml/2006/main" xmlns:r="http://schemas.openxmlformats.org/officeDocument/2006/relationships" xmlns:p="http://schemas.openxmlformats.org/presentationml/2006/main">
-  <p:cSld>
-    <p:spTree>
-      <p:nvGrpSpPr>
-        <p:cNvPr id="1" name=""/>
-        <p:cNvGrpSpPr/>
-        <p:nvPr/>
-      </p:nvGrpSpPr>
-      <p:grpSpPr>
-        <a:xfrm>
-          <a:off x="0" y="0"/>
-          <a:ext cx="0" cy="0"/>
-          <a:chOff x="0" y="0"/>
-          <a:chExt cx="0" cy="0"/>
-        </a:xfrm>
-      </p:grpSpPr>
-      <p:sp>
-        <p:nvSpPr>
-          <p:cNvPr id="2" name="Title 1"/>
-          <p:cNvSpPr>
-            <a:spLocks noGrp="1"/>
-          </p:cNvSpPr>
-          <p:nvPr>
-            <p:ph type="title"/>
-          </p:nvPr>
-        </p:nvSpPr>
-        <p:spPr/>
-        <p:txBody>
-          <a:bodyPr/>
-          <a:lstStyle/>
-          <a:p>
-            <a:r>
-              <a:rPr lang="en-US" dirty="0" smtClean="0"/>
-              <a:t>Statistical Models</a:t>
-            </a:r>
-            <a:endParaRPr lang="en-US" dirty="0"/>
-          </a:p>
-        </p:txBody>
-      </p:sp>
-      <p:sp>
-        <p:nvSpPr>
-          <p:cNvPr id="3" name="Content Placeholder 2"/>
-          <p:cNvSpPr>
-            <a:spLocks noGrp="1"/>
-          </p:cNvSpPr>
-          <p:nvPr>
-            <p:ph idx="1"/>
-          </p:nvPr>
-        </p:nvSpPr>
-        <p:spPr>
-          <a:xfrm>
-            <a:off x="1097280" y="2599764"/>
-            <a:ext cx="10058400" cy="3269329"/>
-          </a:xfrm>
-        </p:spPr>
-        <p:txBody>
-          <a:bodyPr/>
-          <a:lstStyle/>
-          <a:p>
-            <a:r>
-              <a:rPr lang="en-US" dirty="0" smtClean="0"/>
-              <a:t>Markov chain Monte Carlo estimation</a:t>
-            </a:r>
-          </a:p>
-          <a:p>
-            <a:pPr lvl="1"/>
-            <a:r>
-              <a:rPr lang="en-US" dirty="0" smtClean="0"/>
-              <a:t>Used in models that involved dyadic dependence.</a:t>
-            </a:r>
-          </a:p>
-          <a:p>
-            <a:pPr lvl="1"/>
-            <a:r>
-              <a:rPr lang="en-US" dirty="0"/>
-              <a:t>I</a:t>
-            </a:r>
-            <a:r>
-              <a:rPr lang="en-US" dirty="0" smtClean="0"/>
-              <a:t>teratively </a:t>
-            </a:r>
-            <a:r>
-              <a:rPr lang="en-US" dirty="0"/>
-              <a:t>simulate graphs and approximate coefficients that approach the maximum likelihood estimates. </a:t>
-            </a:r>
-            <a:endParaRPr lang="en-US" dirty="0" smtClean="0"/>
-          </a:p>
-          <a:p>
-            <a:pPr lvl="1"/>
-            <a:r>
-              <a:rPr lang="en-US" dirty="0" smtClean="0"/>
-              <a:t>Computationally </a:t>
-            </a:r>
-            <a:r>
-              <a:rPr lang="en-US" dirty="0"/>
-              <a:t>intensive process and comes with limitations.</a:t>
-            </a:r>
-            <a:endParaRPr lang="en-US" dirty="0" smtClean="0"/>
-          </a:p>
-          <a:p>
-            <a:r>
-              <a:rPr lang="en-US" dirty="0" smtClean="0"/>
-              <a:t>Degeneracy</a:t>
-            </a:r>
-          </a:p>
-          <a:p>
-            <a:pPr lvl="1"/>
-            <a:r>
-              <a:rPr lang="en-US" dirty="0" smtClean="0"/>
-              <a:t>For certain </a:t>
-            </a:r>
-            <a:r>
-              <a:rPr lang="en-US" dirty="0"/>
-              <a:t>sets of parameters, dyadic dependence quickly cascades across the network, causing the </a:t>
-            </a:r>
-            <a:r>
-              <a:rPr lang="en-US" dirty="0" smtClean="0"/>
-              <a:t>outcome graphs to become unreasonably dense.</a:t>
-            </a:r>
-          </a:p>
-          <a:p>
-            <a:pPr lvl="1"/>
-            <a:r>
-              <a:rPr lang="en-US" dirty="0" smtClean="0"/>
-              <a:t>The triangle term is one of the worst offenders. </a:t>
-            </a:r>
-          </a:p>
-        </p:txBody>
-      </p:sp>
-      <p:pic>
-        <p:nvPicPr>
-          <p:cNvPr id="4" name="Picture 3" descr="mcmc_error.png"/>
-          <p:cNvPicPr>
-            <a:picLocks noChangeAspect="1"/>
-          </p:cNvPicPr>
-          <p:nvPr/>
-        </p:nvPicPr>
-        <p:blipFill>
-          <a:blip r:embed="rId2">
-            <a:extLst>
-              <a:ext uri="{28A0092B-C50C-407E-A947-70E740481C1C}">
-                <a14:useLocalDpi xmlns:a14="http://schemas.microsoft.com/office/drawing/2010/main" val="0"/>
-              </a:ext>
-            </a:extLst>
-          </a:blip>
-          <a:stretch>
-            <a:fillRect/>
-          </a:stretch>
-        </p:blipFill>
-        <p:spPr>
-          <a:xfrm>
-            <a:off x="1130300" y="1321547"/>
-            <a:ext cx="9931400" cy="1333500"/>
-          </a:xfrm>
-          <a:prstGeom prst="rect">
-            <a:avLst/>
-          </a:prstGeom>
-        </p:spPr>
-      </p:pic>
-    </p:spTree>
-    <p:extLst>
-      <p:ext uri="{BB962C8B-B14F-4D97-AF65-F5344CB8AC3E}">
-        <p14:creationId xmlns:p14="http://schemas.microsoft.com/office/powerpoint/2010/main" val="2374718138"/>
-      </p:ext>
-    </p:extLst>
-  </p:cSld>
-  <p:clrMapOvr>
-    <a:masterClrMapping/>
-  </p:clrMapOvr>
-</p:sld>
-</file>
-
 <file path=ppt/slides/slide3.xml><?xml version="1.0" encoding="utf-8"?>
 <p:sld xmlns:a="http://schemas.openxmlformats.org/drawingml/2006/main" xmlns:r="http://schemas.openxmlformats.org/officeDocument/2006/relationships" xmlns:p="http://schemas.openxmlformats.org/presentationml/2006/main">
   <p:cSld>
@@ -12369,13 +12414,8 @@
             </a:r>
             <a:r>
               <a:rPr lang="en-US" dirty="0" smtClean="0"/>
-              <a:t> suite of R packages gives users powerful network analysis tools, accessed from the flexibility of the R command line</a:t>
-            </a:r>
-            <a:r>
-              <a:rPr lang="en-US" dirty="0" smtClean="0"/>
-              <a:t>.</a:t>
-            </a:r>
-            <a:endParaRPr lang="en-US" dirty="0" smtClean="0"/>
+              <a:t> suite of R packages gives users powerful network analysis tools, accessed from the flexibility of the R command line.</a:t>
+            </a:r>
           </a:p>
         </p:txBody>
       </p:sp>
@@ -12585,10 +12625,190 @@
   <p:clrMapOvr>
     <a:masterClrMapping/>
   </p:clrMapOvr>
+  <p:timing>
+    <p:tnLst>
+      <p:par>
+        <p:cTn id="1" dur="indefinite" restart="never" nodeType="tmRoot"/>
+      </p:par>
+    </p:tnLst>
+  </p:timing>
 </p:sld>
 </file>
 
 <file path=ppt/slides/slide30.xml><?xml version="1.0" encoding="utf-8"?>
+<p:sld xmlns:a="http://schemas.openxmlformats.org/drawingml/2006/main" xmlns:r="http://schemas.openxmlformats.org/officeDocument/2006/relationships" xmlns:p="http://schemas.openxmlformats.org/presentationml/2006/main">
+  <p:cSld>
+    <p:spTree>
+      <p:nvGrpSpPr>
+        <p:cNvPr id="1" name=""/>
+        <p:cNvGrpSpPr/>
+        <p:nvPr/>
+      </p:nvGrpSpPr>
+      <p:grpSpPr>
+        <a:xfrm>
+          <a:off x="0" y="0"/>
+          <a:ext cx="0" cy="0"/>
+          <a:chOff x="0" y="0"/>
+          <a:chExt cx="0" cy="0"/>
+        </a:xfrm>
+      </p:grpSpPr>
+      <p:sp>
+        <p:nvSpPr>
+          <p:cNvPr id="2" name="Title 1"/>
+          <p:cNvSpPr>
+            <a:spLocks noGrp="1"/>
+          </p:cNvSpPr>
+          <p:nvPr>
+            <p:ph type="title"/>
+          </p:nvPr>
+        </p:nvSpPr>
+        <p:spPr/>
+        <p:txBody>
+          <a:bodyPr/>
+          <a:lstStyle/>
+          <a:p>
+            <a:r>
+              <a:rPr lang="en-US" dirty="0" smtClean="0"/>
+              <a:t>Statistical Models</a:t>
+            </a:r>
+            <a:endParaRPr lang="en-US" dirty="0"/>
+          </a:p>
+        </p:txBody>
+      </p:sp>
+      <p:sp>
+        <p:nvSpPr>
+          <p:cNvPr id="3" name="Content Placeholder 2"/>
+          <p:cNvSpPr>
+            <a:spLocks noGrp="1"/>
+          </p:cNvSpPr>
+          <p:nvPr>
+            <p:ph idx="1"/>
+          </p:nvPr>
+        </p:nvSpPr>
+        <p:spPr>
+          <a:xfrm>
+            <a:off x="1097280" y="2599764"/>
+            <a:ext cx="10058400" cy="3269329"/>
+          </a:xfrm>
+        </p:spPr>
+        <p:txBody>
+          <a:bodyPr/>
+          <a:lstStyle/>
+          <a:p>
+            <a:r>
+              <a:rPr lang="en-US" dirty="0" smtClean="0"/>
+              <a:t>Markov chain Monte Carlo estimation</a:t>
+            </a:r>
+          </a:p>
+          <a:p>
+            <a:pPr lvl="1"/>
+            <a:r>
+              <a:rPr lang="en-US" dirty="0" smtClean="0"/>
+              <a:t>Used in models that involved dyadic dependence.</a:t>
+            </a:r>
+          </a:p>
+          <a:p>
+            <a:pPr lvl="1"/>
+            <a:r>
+              <a:rPr lang="en-US" dirty="0"/>
+              <a:t>I</a:t>
+            </a:r>
+            <a:r>
+              <a:rPr lang="en-US" dirty="0" smtClean="0"/>
+              <a:t>teratively </a:t>
+            </a:r>
+            <a:r>
+              <a:rPr lang="en-US" dirty="0"/>
+              <a:t>simulate graphs and approximate coefficients that approach the maximum likelihood estimates. </a:t>
+            </a:r>
+            <a:endParaRPr lang="en-US" dirty="0" smtClean="0"/>
+          </a:p>
+          <a:p>
+            <a:pPr lvl="1"/>
+            <a:r>
+              <a:rPr lang="en-US" dirty="0" smtClean="0"/>
+              <a:t>Computationally </a:t>
+            </a:r>
+            <a:r>
+              <a:rPr lang="en-US" dirty="0"/>
+              <a:t>intensive process and comes with limitations.</a:t>
+            </a:r>
+            <a:endParaRPr lang="en-US" dirty="0" smtClean="0"/>
+          </a:p>
+          <a:p>
+            <a:r>
+              <a:rPr lang="en-US" dirty="0" smtClean="0"/>
+              <a:t>Degeneracy</a:t>
+            </a:r>
+          </a:p>
+          <a:p>
+            <a:pPr lvl="1"/>
+            <a:r>
+              <a:rPr lang="en-US" dirty="0" smtClean="0"/>
+              <a:t>For certain </a:t>
+            </a:r>
+            <a:r>
+              <a:rPr lang="en-US" dirty="0"/>
+              <a:t>sets of parameters, dyadic dependence quickly cascades across the network, causing the </a:t>
+            </a:r>
+            <a:r>
+              <a:rPr lang="en-US" dirty="0" smtClean="0"/>
+              <a:t>outcome graphs to become unreasonably dense.</a:t>
+            </a:r>
+          </a:p>
+          <a:p>
+            <a:pPr lvl="1"/>
+            <a:r>
+              <a:rPr lang="en-US" dirty="0" smtClean="0"/>
+              <a:t>The triangle term is one of the worst offenders. </a:t>
+            </a:r>
+          </a:p>
+        </p:txBody>
+      </p:sp>
+      <p:pic>
+        <p:nvPicPr>
+          <p:cNvPr id="4" name="Picture 3" descr="mcmc_error.png"/>
+          <p:cNvPicPr>
+            <a:picLocks noChangeAspect="1"/>
+          </p:cNvPicPr>
+          <p:nvPr/>
+        </p:nvPicPr>
+        <p:blipFill>
+          <a:blip r:embed="rId2">
+            <a:extLst>
+              <a:ext uri="{28A0092B-C50C-407E-A947-70E740481C1C}">
+                <a14:useLocalDpi xmlns:a14="http://schemas.microsoft.com/office/drawing/2010/main" val="0"/>
+              </a:ext>
+            </a:extLst>
+          </a:blip>
+          <a:stretch>
+            <a:fillRect/>
+          </a:stretch>
+        </p:blipFill>
+        <p:spPr>
+          <a:xfrm>
+            <a:off x="1130300" y="1321547"/>
+            <a:ext cx="9931400" cy="1333500"/>
+          </a:xfrm>
+          <a:prstGeom prst="rect">
+            <a:avLst/>
+          </a:prstGeom>
+        </p:spPr>
+      </p:pic>
+    </p:spTree>
+    <p:extLst>
+      <p:ext uri="{BB962C8B-B14F-4D97-AF65-F5344CB8AC3E}">
+        <p14:creationId xmlns:p14="http://schemas.microsoft.com/office/powerpoint/2010/main" val="2374718138"/>
+      </p:ext>
+    </p:extLst>
+  </p:cSld>
+  <p:clrMapOvr>
+    <a:masterClrMapping/>
+  </p:clrMapOvr>
+</p:sld>
+</file>
+
+<file path=ppt/slides/slide31.xml><?xml version="1.0" encoding="utf-8"?>
 <p:sld xmlns:a="http://schemas.openxmlformats.org/drawingml/2006/main" xmlns:r="http://schemas.openxmlformats.org/officeDocument/2006/relationships" xmlns:p="http://schemas.openxmlformats.org/presentationml/2006/main">
   <p:cSld>
     <p:spTree>
@@ -12762,196 +12982,6 @@
 </p:sld>
 </file>
 
-<file path=ppt/slides/slide31.xml><?xml version="1.0" encoding="utf-8"?>
-<p:sld xmlns:a="http://schemas.openxmlformats.org/drawingml/2006/main" xmlns:r="http://schemas.openxmlformats.org/officeDocument/2006/relationships" xmlns:p="http://schemas.openxmlformats.org/presentationml/2006/main">
-  <p:cSld>
-    <p:spTree>
-      <p:nvGrpSpPr>
-        <p:cNvPr id="1" name=""/>
-        <p:cNvGrpSpPr/>
-        <p:nvPr/>
-      </p:nvGrpSpPr>
-      <p:grpSpPr>
-        <a:xfrm>
-          <a:off x="0" y="0"/>
-          <a:ext cx="0" cy="0"/>
-          <a:chOff x="0" y="0"/>
-          <a:chExt cx="0" cy="0"/>
-        </a:xfrm>
-      </p:grpSpPr>
-      <p:sp>
-        <p:nvSpPr>
-          <p:cNvPr id="2" name="Title 1"/>
-          <p:cNvSpPr>
-            <a:spLocks noGrp="1"/>
-          </p:cNvSpPr>
-          <p:nvPr>
-            <p:ph type="title"/>
-          </p:nvPr>
-        </p:nvSpPr>
-        <p:spPr/>
-        <p:txBody>
-          <a:bodyPr/>
-          <a:lstStyle/>
-          <a:p>
-            <a:r>
-              <a:rPr lang="en-US" dirty="0" smtClean="0"/>
-              <a:t>Diagnostics</a:t>
-            </a:r>
-            <a:endParaRPr lang="en-US" dirty="0"/>
-          </a:p>
-        </p:txBody>
-      </p:sp>
-      <p:sp>
-        <p:nvSpPr>
-          <p:cNvPr id="7" name="Text Placeholder 6"/>
-          <p:cNvSpPr>
-            <a:spLocks noGrp="1"/>
-          </p:cNvSpPr>
-          <p:nvPr>
-            <p:ph type="body" sz="quarter" idx="3"/>
-          </p:nvPr>
-        </p:nvSpPr>
-        <p:spPr>
-          <a:xfrm>
-            <a:off x="1090706" y="1343320"/>
-            <a:ext cx="10064974" cy="736282"/>
-          </a:xfrm>
-        </p:spPr>
-        <p:txBody>
-          <a:bodyPr/>
-          <a:lstStyle/>
-          <a:p>
-            <a:r>
-              <a:rPr lang="en-US" dirty="0" smtClean="0"/>
-              <a:t>Goodness of fit</a:t>
-            </a:r>
-            <a:endParaRPr lang="en-US" dirty="0"/>
-          </a:p>
-        </p:txBody>
-      </p:sp>
-      <p:sp>
-        <p:nvSpPr>
-          <p:cNvPr id="8" name="Content Placeholder 7"/>
-          <p:cNvSpPr>
-            <a:spLocks noGrp="1"/>
-          </p:cNvSpPr>
-          <p:nvPr>
-            <p:ph sz="quarter" idx="4"/>
-          </p:nvPr>
-        </p:nvSpPr>
-        <p:spPr>
-          <a:xfrm>
-            <a:off x="1090706" y="2077079"/>
-            <a:ext cx="10064974" cy="3883455"/>
-          </a:xfrm>
-        </p:spPr>
-        <p:txBody>
-          <a:bodyPr>
-            <a:normAutofit/>
-          </a:bodyPr>
-          <a:lstStyle/>
-          <a:p>
-            <a:r>
-              <a:rPr lang="en-US" dirty="0"/>
-              <a:t>If a statistic is included in our model, simulations should always reproduce the observed value </a:t>
-            </a:r>
-            <a:endParaRPr lang="en-US" dirty="0" smtClean="0"/>
-          </a:p>
-          <a:p>
-            <a:pPr lvl="1"/>
-            <a:r>
-              <a:rPr lang="en-US" dirty="0"/>
-              <a:t>C</a:t>
-            </a:r>
-            <a:r>
-              <a:rPr lang="en-US" dirty="0" smtClean="0"/>
-              <a:t>hecking </a:t>
-            </a:r>
-            <a:r>
-              <a:rPr lang="en-US" dirty="0"/>
-              <a:t>this verifies that the model is performing the way we expect it to. </a:t>
-            </a:r>
-            <a:endParaRPr lang="en-US" dirty="0" smtClean="0"/>
-          </a:p>
-          <a:p>
-            <a:r>
-              <a:rPr lang="en-US" dirty="0" smtClean="0"/>
-              <a:t>If </a:t>
-            </a:r>
-            <a:r>
-              <a:rPr lang="en-US" dirty="0"/>
-              <a:t>a model is able to reproduce statistics that are not explicitly included in the model, this is a sign that we have captured the key structural features of the data.</a:t>
-            </a:r>
-          </a:p>
-          <a:p>
-            <a:pPr lvl="1"/>
-            <a:r>
-              <a:rPr lang="en-US" dirty="0" err="1" smtClean="0"/>
-              <a:t>statnetWeb</a:t>
-            </a:r>
-            <a:r>
-              <a:rPr lang="en-US" dirty="0" smtClean="0"/>
-              <a:t> </a:t>
-            </a:r>
-            <a:r>
-              <a:rPr lang="en-US" dirty="0"/>
-              <a:t>has a built in goodness of fit mechanism. </a:t>
-            </a:r>
-            <a:endParaRPr lang="en-US" dirty="0" smtClean="0"/>
-          </a:p>
-          <a:p>
-            <a:pPr lvl="1"/>
-            <a:r>
-              <a:rPr lang="en-US" dirty="0" smtClean="0"/>
-              <a:t>For </a:t>
-            </a:r>
-            <a:r>
-              <a:rPr lang="en-US" dirty="0"/>
-              <a:t>various terms (degree, </a:t>
-            </a:r>
-            <a:r>
-              <a:rPr lang="en-US" dirty="0" err="1"/>
-              <a:t>egdewise</a:t>
-            </a:r>
-            <a:r>
-              <a:rPr lang="en-US" dirty="0"/>
-              <a:t> shared partners, geodesic distance and more), the user can check statistics and boxplots of simulated values and compared them to the observed network.</a:t>
-            </a:r>
-            <a:endParaRPr lang="en-US" dirty="0" smtClean="0"/>
-          </a:p>
-          <a:p>
-            <a:pPr marL="0" indent="0">
-              <a:buNone/>
-            </a:pPr>
-            <a:endParaRPr lang="en-US" dirty="0"/>
-          </a:p>
-          <a:p>
-            <a:r>
-              <a:rPr lang="en-US" dirty="0" smtClean="0"/>
-              <a:t>When </a:t>
-            </a:r>
-            <a:r>
-              <a:rPr lang="en-US" dirty="0"/>
-              <a:t>multiple models are saved, compare GOF plots in a chart.</a:t>
-            </a:r>
-            <a:endParaRPr lang="en-US" dirty="0"/>
-          </a:p>
-        </p:txBody>
-      </p:sp>
-    </p:spTree>
-    <p:extLst>
-      <p:ext uri="{BB962C8B-B14F-4D97-AF65-F5344CB8AC3E}">
-        <p14:creationId xmlns:p14="http://schemas.microsoft.com/office/powerpoint/2010/main" val="2258388746"/>
-      </p:ext>
-    </p:extLst>
-  </p:cSld>
-  <p:clrMapOvr>
-    <a:masterClrMapping/>
-  </p:clrMapOvr>
-</p:sld>
-</file>
-
 <file path=ppt/slides/slide32.xml><?xml version="1.0" encoding="utf-8"?>
 <p:sld xmlns:a="http://schemas.openxmlformats.org/drawingml/2006/main" xmlns:r="http://schemas.openxmlformats.org/officeDocument/2006/relationships" xmlns:p="http://schemas.openxmlformats.org/presentationml/2006/main">
   <p:cSld>
@@ -12986,7 +13016,7 @@
           <a:p>
             <a:r>
               <a:rPr lang="en-US" dirty="0" smtClean="0"/>
-              <a:t>Statistical Models</a:t>
+              <a:t>Diagnostics</a:t>
             </a:r>
             <a:endParaRPr lang="en-US" dirty="0"/>
           </a:p>
@@ -12994,70 +13024,144 @@
       </p:sp>
       <p:sp>
         <p:nvSpPr>
-          <p:cNvPr id="3" name="Content Placeholder 2"/>
+          <p:cNvPr id="7" name="Text Placeholder 6"/>
           <p:cNvSpPr>
             <a:spLocks noGrp="1"/>
           </p:cNvSpPr>
           <p:nvPr>
-            <p:ph sz="half" idx="1"/>
-          </p:nvPr>
-        </p:nvSpPr>
-        <p:spPr/>
+            <p:ph type="body" sz="quarter" idx="3"/>
+          </p:nvPr>
+        </p:nvSpPr>
+        <p:spPr>
+          <a:xfrm>
+            <a:off x="1090706" y="1343320"/>
+            <a:ext cx="10064974" cy="736282"/>
+          </a:xfrm>
+        </p:spPr>
         <p:txBody>
           <a:bodyPr/>
           <a:lstStyle/>
           <a:p>
             <a:r>
-              <a:rPr lang="en-US" b="1" dirty="0" smtClean="0"/>
-              <a:t>Back to ERGMs</a:t>
-            </a:r>
-          </a:p>
-          <a:p>
-            <a:r>
-              <a:rPr lang="en-US" dirty="0" smtClean="0"/>
-              <a:t>More examples</a:t>
-            </a:r>
-          </a:p>
-          <a:p>
-            <a:r>
-              <a:rPr lang="en-US" dirty="0" smtClean="0">
-                <a:cs typeface="Times New Roman" panose="02020603050405020304" pitchFamily="18" charset="0"/>
-              </a:rPr>
-              <a:t>Save multiple models and compare results</a:t>
-            </a:r>
-            <a:endParaRPr lang="en-US" dirty="0" smtClean="0">
-              <a:cs typeface="Times New Roman" panose="02020603050405020304" pitchFamily="18" charset="0"/>
-            </a:endParaRPr>
-          </a:p>
-          <a:p>
-            <a:pPr lvl="1"/>
+              <a:rPr lang="en-US" dirty="0" smtClean="0"/>
+              <a:t>Goodness of fit</a:t>
+            </a:r>
             <a:endParaRPr lang="en-US" dirty="0"/>
           </a:p>
         </p:txBody>
       </p:sp>
       <p:sp>
         <p:nvSpPr>
-          <p:cNvPr id="4" name="Content Placeholder 3"/>
+          <p:cNvPr id="8" name="Content Placeholder 7"/>
           <p:cNvSpPr>
             <a:spLocks noGrp="1"/>
           </p:cNvSpPr>
           <p:nvPr>
-            <p:ph sz="half" idx="2"/>
-          </p:nvPr>
-        </p:nvSpPr>
-        <p:spPr/>
-        <p:txBody>
-          <a:bodyPr/>
+            <p:ph sz="quarter" idx="4"/>
+          </p:nvPr>
+        </p:nvSpPr>
+        <p:spPr>
+          <a:xfrm>
+            <a:off x="1090706" y="2077079"/>
+            <a:ext cx="10064974" cy="3883455"/>
+          </a:xfrm>
+        </p:spPr>
+        <p:txBody>
+          <a:bodyPr>
+            <a:normAutofit/>
+          </a:bodyPr>
           <a:lstStyle/>
           <a:p>
-            <a:endParaRPr lang="en-US"/>
+            <a:r>
+              <a:rPr lang="en-US" dirty="0"/>
+              <a:t>If a statistic is included in our model, simulations should always reproduce the observed value </a:t>
+            </a:r>
+            <a:endParaRPr lang="en-US" dirty="0" smtClean="0"/>
+          </a:p>
+          <a:p>
+            <a:pPr lvl="1"/>
+            <a:r>
+              <a:rPr lang="en-US" dirty="0"/>
+              <a:t>C</a:t>
+            </a:r>
+            <a:r>
+              <a:rPr lang="en-US" dirty="0" smtClean="0"/>
+              <a:t>hecking </a:t>
+            </a:r>
+            <a:r>
+              <a:rPr lang="en-US" dirty="0"/>
+              <a:t>this verifies that the model is performing the way we expect it to. </a:t>
+            </a:r>
+            <a:endParaRPr lang="en-US" dirty="0" smtClean="0"/>
+          </a:p>
+          <a:p>
+            <a:r>
+              <a:rPr lang="en-US" dirty="0" smtClean="0"/>
+              <a:t>If </a:t>
+            </a:r>
+            <a:r>
+              <a:rPr lang="en-US" dirty="0"/>
+              <a:t>a model is able to reproduce statistics that are not explicitly included in the model, this is a sign that we have captured the key structural features of the data.</a:t>
+            </a:r>
+          </a:p>
+          <a:p>
+            <a:pPr lvl="1"/>
+            <a:r>
+              <a:rPr lang="en-US" dirty="0" err="1" smtClean="0"/>
+              <a:t>statnetWeb</a:t>
+            </a:r>
+            <a:r>
+              <a:rPr lang="en-US" dirty="0" smtClean="0"/>
+              <a:t> </a:t>
+            </a:r>
+            <a:r>
+              <a:rPr lang="en-US" dirty="0"/>
+              <a:t>has a built in goodness of fit mechanism. </a:t>
+            </a:r>
+            <a:endParaRPr lang="en-US" dirty="0" smtClean="0"/>
+          </a:p>
+          <a:p>
+            <a:pPr lvl="1"/>
+            <a:r>
+              <a:rPr lang="en-US" dirty="0" smtClean="0"/>
+              <a:t>For </a:t>
+            </a:r>
+            <a:r>
+              <a:rPr lang="en-US" dirty="0"/>
+              <a:t>various terms (degree, </a:t>
+            </a:r>
+            <a:r>
+              <a:rPr lang="en-US" dirty="0" err="1"/>
+              <a:t>egdewise</a:t>
+            </a:r>
+            <a:r>
+              <a:rPr lang="en-US" dirty="0"/>
+              <a:t> shared partners, geodesic distance and more), the user can check statistics and boxplots of simulated values and compared them to the observed network.</a:t>
+            </a:r>
+            <a:endParaRPr lang="en-US" dirty="0" smtClean="0"/>
+          </a:p>
+          <a:p>
+            <a:pPr marL="0" indent="0">
+              <a:buNone/>
+            </a:pPr>
+            <a:endParaRPr lang="en-US" dirty="0"/>
+          </a:p>
+          <a:p>
+            <a:r>
+              <a:rPr lang="en-US" dirty="0" smtClean="0"/>
+              <a:t>When </a:t>
+            </a:r>
+            <a:r>
+              <a:rPr lang="en-US" dirty="0"/>
+              <a:t>multiple models are saved, compare GOF plots in a chart.</a:t>
+            </a:r>
           </a:p>
         </p:txBody>
       </p:sp>
     </p:spTree>
     <p:extLst>
       <p:ext uri="{BB962C8B-B14F-4D97-AF65-F5344CB8AC3E}">
-        <p14:creationId xmlns:p14="http://schemas.microsoft.com/office/powerpoint/2010/main" val="3466283549"/>
+        <p14:creationId xmlns:p14="http://schemas.microsoft.com/office/powerpoint/2010/main" val="2258388746"/>
       </p:ext>
     </p:extLst>
   </p:cSld>
@@ -13101,6 +13205,118 @@
           <a:p>
             <a:r>
               <a:rPr lang="en-US" dirty="0" smtClean="0"/>
+              <a:t>Statistical Models</a:t>
+            </a:r>
+            <a:endParaRPr lang="en-US" dirty="0"/>
+          </a:p>
+        </p:txBody>
+      </p:sp>
+      <p:sp>
+        <p:nvSpPr>
+          <p:cNvPr id="3" name="Content Placeholder 2"/>
+          <p:cNvSpPr>
+            <a:spLocks noGrp="1"/>
+          </p:cNvSpPr>
+          <p:nvPr>
+            <p:ph sz="half" idx="1"/>
+          </p:nvPr>
+        </p:nvSpPr>
+        <p:spPr/>
+        <p:txBody>
+          <a:bodyPr/>
+          <a:lstStyle/>
+          <a:p>
+            <a:r>
+              <a:rPr lang="en-US" b="1" dirty="0" smtClean="0"/>
+              <a:t>Back to ERGMs</a:t>
+            </a:r>
+          </a:p>
+          <a:p>
+            <a:r>
+              <a:rPr lang="en-US" dirty="0" smtClean="0"/>
+              <a:t>More examples</a:t>
+            </a:r>
+          </a:p>
+          <a:p>
+            <a:r>
+              <a:rPr lang="en-US" dirty="0" smtClean="0">
+                <a:cs typeface="Times New Roman" panose="02020603050405020304" pitchFamily="18" charset="0"/>
+              </a:rPr>
+              <a:t>Save multiple models and compare results</a:t>
+            </a:r>
+          </a:p>
+          <a:p>
+            <a:pPr lvl="1"/>
+            <a:endParaRPr lang="en-US" dirty="0"/>
+          </a:p>
+        </p:txBody>
+      </p:sp>
+      <p:sp>
+        <p:nvSpPr>
+          <p:cNvPr id="4" name="Content Placeholder 3"/>
+          <p:cNvSpPr>
+            <a:spLocks noGrp="1"/>
+          </p:cNvSpPr>
+          <p:nvPr>
+            <p:ph sz="half" idx="2"/>
+          </p:nvPr>
+        </p:nvSpPr>
+        <p:spPr/>
+        <p:txBody>
+          <a:bodyPr/>
+          <a:lstStyle/>
+          <a:p>
+            <a:endParaRPr lang="en-US"/>
+          </a:p>
+        </p:txBody>
+      </p:sp>
+    </p:spTree>
+    <p:extLst>
+      <p:ext uri="{BB962C8B-B14F-4D97-AF65-F5344CB8AC3E}">
+        <p14:creationId xmlns:p14="http://schemas.microsoft.com/office/powerpoint/2010/main" val="3466283549"/>
+      </p:ext>
+    </p:extLst>
+  </p:cSld>
+  <p:clrMapOvr>
+    <a:masterClrMapping/>
+  </p:clrMapOvr>
+</p:sld>
+</file>
+
+<file path=ppt/slides/slide34.xml><?xml version="1.0" encoding="utf-8"?>
+<p:sld xmlns:a="http://schemas.openxmlformats.org/drawingml/2006/main" xmlns:r="http://schemas.openxmlformats.org/officeDocument/2006/relationships" xmlns:p="http://schemas.openxmlformats.org/presentationml/2006/main">
+  <p:cSld>
+    <p:spTree>
+      <p:nvGrpSpPr>
+        <p:cNvPr id="1" name=""/>
+        <p:cNvGrpSpPr/>
+        <p:nvPr/>
+      </p:nvGrpSpPr>
+      <p:grpSpPr>
+        <a:xfrm>
+          <a:off x="0" y="0"/>
+          <a:ext cx="0" cy="0"/>
+          <a:chOff x="0" y="0"/>
+          <a:chExt cx="0" cy="0"/>
+        </a:xfrm>
+      </p:grpSpPr>
+      <p:sp>
+        <p:nvSpPr>
+          <p:cNvPr id="2" name="Title 1"/>
+          <p:cNvSpPr>
+            <a:spLocks noGrp="1"/>
+          </p:cNvSpPr>
+          <p:nvPr>
+            <p:ph type="title"/>
+          </p:nvPr>
+        </p:nvSpPr>
+        <p:spPr/>
+        <p:txBody>
+          <a:bodyPr/>
+          <a:lstStyle/>
+          <a:p>
+            <a:r>
+              <a:rPr lang="en-US" dirty="0" smtClean="0"/>
               <a:t>Model-Based Simulation</a:t>
             </a:r>
             <a:endParaRPr lang="en-US" dirty="0"/>
@@ -13129,11 +13345,7 @@
           <a:p>
             <a:r>
               <a:rPr lang="en-US" dirty="0" smtClean="0"/>
-              <a:t>Choose the number of simulations and e</a:t>
-            </a:r>
-            <a:r>
-              <a:rPr lang="en-US" dirty="0" smtClean="0"/>
-              <a:t>dit MCMC control options if desired</a:t>
+              <a:t>Choose the number of simulations and edit MCMC control options if desired</a:t>
             </a:r>
           </a:p>
           <a:p>
@@ -13230,93 +13442,6 @@
 </p:sld>
 </file>
 
-<file path=ppt/slides/slide34.xml><?xml version="1.0" encoding="utf-8"?>
-<p:sld xmlns:a="http://schemas.openxmlformats.org/drawingml/2006/main" xmlns:r="http://schemas.openxmlformats.org/officeDocument/2006/relationships" xmlns:p="http://schemas.openxmlformats.org/presentationml/2006/main">
-  <p:cSld>
-    <p:spTree>
-      <p:nvGrpSpPr>
-        <p:cNvPr id="1" name=""/>
-        <p:cNvGrpSpPr/>
-        <p:nvPr/>
-      </p:nvGrpSpPr>
-      <p:grpSpPr>
-        <a:xfrm>
-          <a:off x="0" y="0"/>
-          <a:ext cx="0" cy="0"/>
-          <a:chOff x="0" y="0"/>
-          <a:chExt cx="0" cy="0"/>
-        </a:xfrm>
-      </p:grpSpPr>
-      <p:sp>
-        <p:nvSpPr>
-          <p:cNvPr id="2" name="Title 1"/>
-          <p:cNvSpPr>
-            <a:spLocks noGrp="1"/>
-          </p:cNvSpPr>
-          <p:nvPr>
-            <p:ph type="title"/>
-          </p:nvPr>
-        </p:nvSpPr>
-        <p:spPr/>
-        <p:txBody>
-          <a:bodyPr/>
-          <a:lstStyle/>
-          <a:p>
-            <a:r>
-              <a:rPr lang="en-US" dirty="0" smtClean="0"/>
-              <a:t>Review &amp; Further Topics</a:t>
-            </a:r>
-            <a:endParaRPr lang="en-US" dirty="0"/>
-          </a:p>
-        </p:txBody>
-      </p:sp>
-      <p:sp>
-        <p:nvSpPr>
-          <p:cNvPr id="4" name="Content Placeholder 3"/>
-          <p:cNvSpPr>
-            <a:spLocks noGrp="1"/>
-          </p:cNvSpPr>
-          <p:nvPr>
-            <p:ph sz="half" idx="2"/>
-          </p:nvPr>
-        </p:nvSpPr>
-        <p:spPr>
-          <a:xfrm>
-            <a:off x="1090706" y="1349440"/>
-            <a:ext cx="10064974" cy="4519655"/>
-          </a:xfrm>
-        </p:spPr>
-        <p:txBody>
-          <a:bodyPr/>
-          <a:lstStyle/>
-          <a:p>
-            <a:r>
-              <a:rPr lang="en-US" dirty="0" smtClean="0"/>
-              <a:t>Missing data</a:t>
-            </a:r>
-          </a:p>
-          <a:p>
-            <a:r>
-              <a:rPr lang="en-US" dirty="0" smtClean="0"/>
-              <a:t>Longitudinal analysis (STERGMs)</a:t>
-            </a:r>
-            <a:endParaRPr lang="en-US" dirty="0"/>
-          </a:p>
-        </p:txBody>
-      </p:sp>
-    </p:spTree>
-    <p:extLst>
-      <p:ext uri="{BB962C8B-B14F-4D97-AF65-F5344CB8AC3E}">
-        <p14:creationId xmlns:p14="http://schemas.microsoft.com/office/powerpoint/2010/main" val="3731357647"/>
-      </p:ext>
-    </p:extLst>
-  </p:cSld>
-  <p:clrMapOvr>
-    <a:masterClrMapping/>
-  </p:clrMapOvr>
-</p:sld>
-</file>
-
 <file path=ppt/slides/slide35.xml><?xml version="1.0" encoding="utf-8"?>
 <p:sld xmlns:a="http://schemas.openxmlformats.org/drawingml/2006/main" xmlns:r="http://schemas.openxmlformats.org/officeDocument/2006/relationships" xmlns:p="http://schemas.openxmlformats.org/presentationml/2006/main">
   <p:cSld>
@@ -13350,6 +13475,93 @@
           <a:lstStyle/>
           <a:p>
             <a:r>
+              <a:rPr lang="en-US" dirty="0" smtClean="0"/>
+              <a:t>Review &amp; Further Topics</a:t>
+            </a:r>
+            <a:endParaRPr lang="en-US" dirty="0"/>
+          </a:p>
+        </p:txBody>
+      </p:sp>
+      <p:sp>
+        <p:nvSpPr>
+          <p:cNvPr id="4" name="Content Placeholder 3"/>
+          <p:cNvSpPr>
+            <a:spLocks noGrp="1"/>
+          </p:cNvSpPr>
+          <p:nvPr>
+            <p:ph sz="half" idx="2"/>
+          </p:nvPr>
+        </p:nvSpPr>
+        <p:spPr>
+          <a:xfrm>
+            <a:off x="1090706" y="1349440"/>
+            <a:ext cx="10064974" cy="4519655"/>
+          </a:xfrm>
+        </p:spPr>
+        <p:txBody>
+          <a:bodyPr/>
+          <a:lstStyle/>
+          <a:p>
+            <a:r>
+              <a:rPr lang="en-US" dirty="0" smtClean="0"/>
+              <a:t>Missing data</a:t>
+            </a:r>
+          </a:p>
+          <a:p>
+            <a:r>
+              <a:rPr lang="en-US" dirty="0" smtClean="0"/>
+              <a:t>Longitudinal analysis (STERGMs)</a:t>
+            </a:r>
+            <a:endParaRPr lang="en-US" dirty="0"/>
+          </a:p>
+        </p:txBody>
+      </p:sp>
+    </p:spTree>
+    <p:extLst>
+      <p:ext uri="{BB962C8B-B14F-4D97-AF65-F5344CB8AC3E}">
+        <p14:creationId xmlns:p14="http://schemas.microsoft.com/office/powerpoint/2010/main" val="3731357647"/>
+      </p:ext>
+    </p:extLst>
+  </p:cSld>
+  <p:clrMapOvr>
+    <a:masterClrMapping/>
+  </p:clrMapOvr>
+</p:sld>
+</file>
+
+<file path=ppt/slides/slide36.xml><?xml version="1.0" encoding="utf-8"?>
+<p:sld xmlns:a="http://schemas.openxmlformats.org/drawingml/2006/main" xmlns:r="http://schemas.openxmlformats.org/officeDocument/2006/relationships" xmlns:p="http://schemas.openxmlformats.org/presentationml/2006/main">
+  <p:cSld>
+    <p:spTree>
+      <p:nvGrpSpPr>
+        <p:cNvPr id="1" name=""/>
+        <p:cNvGrpSpPr/>
+        <p:nvPr/>
+      </p:nvGrpSpPr>
+      <p:grpSpPr>
+        <a:xfrm>
+          <a:off x="0" y="0"/>
+          <a:ext cx="0" cy="0"/>
+          <a:chOff x="0" y="0"/>
+          <a:chExt cx="0" cy="0"/>
+        </a:xfrm>
+      </p:grpSpPr>
+      <p:sp>
+        <p:nvSpPr>
+          <p:cNvPr id="2" name="Title 1"/>
+          <p:cNvSpPr>
+            <a:spLocks noGrp="1"/>
+          </p:cNvSpPr>
+          <p:nvPr>
+            <p:ph type="title"/>
+          </p:nvPr>
+        </p:nvSpPr>
+        <p:spPr/>
+        <p:txBody>
+          <a:bodyPr/>
+          <a:lstStyle/>
+          <a:p>
+            <a:r>
               <a:rPr lang="en-US" dirty="0" err="1" smtClean="0"/>
               <a:t>statnetWeb</a:t>
             </a:r>
@@ -13451,11 +13663,6 @@
               </a:rPr>
               <a:t>statnetWeb</a:t>
             </a:r>
-            <a:endParaRPr lang="en-US" dirty="0" smtClean="0">
-              <a:solidFill>
-                <a:srgbClr val="404040"/>
-              </a:solidFill>
-            </a:endParaRPr>
           </a:p>
           <a:p>
             <a:endParaRPr lang="en-US" dirty="0" smtClean="0">
@@ -13555,7 +13762,15 @@
                   <a:srgbClr val="404040"/>
                 </a:solidFill>
               </a:rPr>
-              <a:t>Rather </a:t>
+              <a:t>Rather than reinforcing the dichotomy between access to the command line and standalone GUIs, </a:t>
+            </a:r>
+            <a:r>
+              <a:rPr lang="en-US" dirty="0" err="1" smtClean="0">
+                <a:solidFill>
+                  <a:srgbClr val="404040"/>
+                </a:solidFill>
+              </a:rPr>
+              <a:t>statnetWeb</a:t>
             </a:r>
             <a:r>
               <a:rPr lang="en-US" dirty="0" smtClean="0">
@@ -13563,29 +13778,8 @@
                   <a:srgbClr val="404040"/>
                 </a:solidFill>
               </a:rPr>
-              <a:t>than reinforcing the dichotomy between access to the command line and standalone GUIs, </a:t>
-            </a:r>
-            <a:r>
-              <a:rPr lang="en-US" dirty="0" err="1" smtClean="0">
-                <a:solidFill>
-                  <a:srgbClr val="404040"/>
-                </a:solidFill>
-              </a:rPr>
-              <a:t>statnetWeb</a:t>
-            </a:r>
-            <a:r>
-              <a:rPr lang="en-US" dirty="0" smtClean="0">
-                <a:solidFill>
-                  <a:srgbClr val="404040"/>
-                </a:solidFill>
-              </a:rPr>
               <a:t> occupies the middle ground. </a:t>
             </a:r>
-            <a:endParaRPr lang="en-US" dirty="0" smtClean="0">
-              <a:solidFill>
-                <a:srgbClr val="404040"/>
-              </a:solidFill>
-            </a:endParaRPr>
           </a:p>
           <a:p>
             <a:endParaRPr lang="en-US" dirty="0" smtClean="0">
@@ -13628,6 +13822,13 @@
   <p:clrMapOvr>
     <a:masterClrMapping/>
   </p:clrMapOvr>
+  <p:timing>
+    <p:tnLst>
+      <p:par>
+        <p:cTn id="1" dur="indefinite" restart="never" nodeType="tmRoot"/>
+      </p:par>
+    </p:tnLst>
+  </p:timing>
 </p:sld>
 </file>
 
@@ -13737,6 +13938,13 @@
   <p:clrMapOvr>
     <a:masterClrMapping/>
   </p:clrMapOvr>
+  <p:timing>
+    <p:tnLst>
+      <p:par>
+        <p:cTn id="1" dur="indefinite" restart="never" nodeType="tmRoot"/>
+      </p:par>
+    </p:tnLst>
+  </p:timing>
 </p:sld>
 </file>
 
@@ -13887,22 +14095,52 @@
           <a:lstStyle/>
           <a:p>
             <a:r>
-              <a:rPr lang="en-US" u="sng" dirty="0" smtClean="0"/>
+              <a:rPr lang="en-US" u="sng" dirty="0" smtClean="0">
+                <a:solidFill>
+                  <a:schemeClr val="bg2">
+                    <a:lumMod val="90000"/>
+                  </a:schemeClr>
+                </a:solidFill>
+              </a:rPr>
               <a:t>Through </a:t>
             </a:r>
             <a:r>
-              <a:rPr lang="en-US" u="sng" dirty="0" err="1" smtClean="0"/>
+              <a:rPr lang="en-US" u="sng" dirty="0" err="1" smtClean="0">
+                <a:solidFill>
+                  <a:schemeClr val="bg2">
+                    <a:lumMod val="90000"/>
+                  </a:schemeClr>
+                </a:solidFill>
+              </a:rPr>
               <a:t>rstudio</a:t>
             </a:r>
             <a:r>
-              <a:rPr lang="en-US" u="sng" dirty="0" smtClean="0"/>
+              <a:rPr lang="en-US" u="sng" dirty="0" smtClean="0">
+                <a:solidFill>
+                  <a:schemeClr val="bg2">
+                    <a:lumMod val="90000"/>
+                  </a:schemeClr>
+                </a:solidFill>
+              </a:rPr>
               <a:t> and </a:t>
             </a:r>
             <a:r>
-              <a:rPr lang="en-US" u="sng" dirty="0" err="1" smtClean="0"/>
+              <a:rPr lang="en-US" u="sng" dirty="0" err="1" smtClean="0">
+                <a:solidFill>
+                  <a:schemeClr val="bg2">
+                    <a:lumMod val="90000"/>
+                  </a:schemeClr>
+                </a:solidFill>
+              </a:rPr>
               <a:t>github</a:t>
             </a:r>
-            <a:endParaRPr lang="en-US" u="sng" dirty="0"/>
+            <a:endParaRPr lang="en-US" u="sng" dirty="0">
+              <a:solidFill>
+                <a:schemeClr val="bg2">
+                  <a:lumMod val="90000"/>
+                </a:schemeClr>
+              </a:solidFill>
+            </a:endParaRPr>
           </a:p>
         </p:txBody>
       </p:sp>
@@ -13927,19 +14165,42 @@
           <a:lstStyle/>
           <a:p>
             <a:r>
-              <a:rPr lang="en-US" dirty="0" smtClean="0"/>
+              <a:rPr lang="en-US" dirty="0" smtClean="0">
+                <a:solidFill>
+                  <a:schemeClr val="bg2">
+                    <a:lumMod val="90000"/>
+                  </a:schemeClr>
+                </a:solidFill>
+              </a:rPr>
               <a:t>Install the necessary packages in </a:t>
             </a:r>
             <a:r>
-              <a:rPr lang="en-US" dirty="0" err="1" smtClean="0"/>
+              <a:rPr lang="en-US" dirty="0" err="1" smtClean="0">
+                <a:solidFill>
+                  <a:schemeClr val="bg2">
+                    <a:lumMod val="90000"/>
+                  </a:schemeClr>
+                </a:solidFill>
+              </a:rPr>
               <a:t>RStudio</a:t>
             </a:r>
-            <a:endParaRPr lang="en-US" dirty="0" smtClean="0"/>
+            <a:endParaRPr lang="en-US" dirty="0" smtClean="0">
+              <a:solidFill>
+                <a:schemeClr val="bg2">
+                  <a:lumMod val="90000"/>
+                </a:schemeClr>
+              </a:solidFill>
+            </a:endParaRPr>
           </a:p>
           <a:p>
             <a:pPr lvl="1"/>
             <a:r>
               <a:rPr lang="en-US" sz="1400" dirty="0" err="1">
+                <a:solidFill>
+                  <a:schemeClr val="bg2">
+                    <a:lumMod val="90000"/>
+                  </a:schemeClr>
+                </a:solidFill>
                 <a:latin typeface="Courier New" panose="02070309020205020404" pitchFamily="49" charset="0"/>
                 <a:cs typeface="Courier New" panose="02070309020205020404" pitchFamily="49" charset="0"/>
               </a:rPr>
@@ -13947,6 +14208,11 @@
             </a:r>
             <a:r>
               <a:rPr lang="en-US" sz="1400" dirty="0">
+                <a:solidFill>
+                  <a:schemeClr val="bg2">
+                    <a:lumMod val="90000"/>
+                  </a:schemeClr>
+                </a:solidFill>
                 <a:latin typeface="Courier New" panose="02070309020205020404" pitchFamily="49" charset="0"/>
                 <a:cs typeface="Courier New" panose="02070309020205020404" pitchFamily="49" charset="0"/>
               </a:rPr>
@@ -13954,6 +14220,11 @@
             </a:r>
             <a:r>
               <a:rPr lang="en-US" sz="1400" dirty="0" err="1">
+                <a:solidFill>
+                  <a:schemeClr val="bg2">
+                    <a:lumMod val="90000"/>
+                  </a:schemeClr>
+                </a:solidFill>
                 <a:latin typeface="Courier New" panose="02070309020205020404" pitchFamily="49" charset="0"/>
                 <a:cs typeface="Courier New" panose="02070309020205020404" pitchFamily="49" charset="0"/>
               </a:rPr>
@@ -13961,6 +14232,11 @@
             </a:r>
             <a:r>
               <a:rPr lang="en-US" sz="1400" dirty="0">
+                <a:solidFill>
+                  <a:schemeClr val="bg2">
+                    <a:lumMod val="90000"/>
+                  </a:schemeClr>
+                </a:solidFill>
                 <a:latin typeface="Courier New" panose="02070309020205020404" pitchFamily="49" charset="0"/>
                 <a:cs typeface="Courier New" panose="02070309020205020404" pitchFamily="49" charset="0"/>
               </a:rPr>
@@ -13968,6 +14244,11 @@
             </a:r>
             <a:r>
               <a:rPr lang="en-US" sz="1400" dirty="0" smtClean="0">
+                <a:solidFill>
+                  <a:schemeClr val="bg2">
+                    <a:lumMod val="90000"/>
+                  </a:schemeClr>
+                </a:solidFill>
                 <a:latin typeface="Courier New" panose="02070309020205020404" pitchFamily="49" charset="0"/>
                 <a:cs typeface="Courier New" panose="02070309020205020404" pitchFamily="49" charset="0"/>
               </a:rPr>
@@ -13975,6 +14256,11 @@
             </a:r>
             <a:r>
               <a:rPr lang="en-US" sz="1400" dirty="0" err="1" smtClean="0">
+                <a:solidFill>
+                  <a:schemeClr val="bg2">
+                    <a:lumMod val="90000"/>
+                  </a:schemeClr>
+                </a:solidFill>
                 <a:latin typeface="Courier New" panose="02070309020205020404" pitchFamily="49" charset="0"/>
                 <a:cs typeface="Courier New" panose="02070309020205020404" pitchFamily="49" charset="0"/>
               </a:rPr>
@@ -13982,6 +14268,11 @@
             </a:r>
             <a:r>
               <a:rPr lang="en-US" sz="1400" dirty="0" smtClean="0">
+                <a:solidFill>
+                  <a:schemeClr val="bg2">
+                    <a:lumMod val="90000"/>
+                  </a:schemeClr>
+                </a:solidFill>
                 <a:latin typeface="Courier New" panose="02070309020205020404" pitchFamily="49" charset="0"/>
                 <a:cs typeface="Courier New" panose="02070309020205020404" pitchFamily="49" charset="0"/>
               </a:rPr>
@@ -13989,6 +14280,11 @@
             </a:r>
             <a:r>
               <a:rPr lang="en-US" sz="1400" dirty="0">
+                <a:solidFill>
+                  <a:schemeClr val="bg2">
+                    <a:lumMod val="90000"/>
+                  </a:schemeClr>
+                </a:solidFill>
                 <a:latin typeface="Courier New" panose="02070309020205020404" pitchFamily="49" charset="0"/>
                 <a:cs typeface="Courier New" panose="02070309020205020404" pitchFamily="49" charset="0"/>
               </a:rPr>
@@ -13996,6 +14292,11 @@
             </a:r>
             <a:r>
               <a:rPr lang="en-US" sz="1400" dirty="0" err="1">
+                <a:solidFill>
+                  <a:schemeClr val="bg2">
+                    <a:lumMod val="90000"/>
+                  </a:schemeClr>
+                </a:solidFill>
                 <a:latin typeface="Courier New" panose="02070309020205020404" pitchFamily="49" charset="0"/>
                 <a:cs typeface="Courier New" panose="02070309020205020404" pitchFamily="49" charset="0"/>
               </a:rPr>
@@ -14003,6 +14304,11 @@
             </a:r>
             <a:r>
               <a:rPr lang="en-US" sz="1400" dirty="0">
+                <a:solidFill>
+                  <a:schemeClr val="bg2">
+                    <a:lumMod val="90000"/>
+                  </a:schemeClr>
+                </a:solidFill>
                 <a:latin typeface="Courier New" panose="02070309020205020404" pitchFamily="49" charset="0"/>
                 <a:cs typeface="Courier New" panose="02070309020205020404" pitchFamily="49" charset="0"/>
               </a:rPr>
@@ -14010,6 +14316,11 @@
             </a:r>
             <a:r>
               <a:rPr lang="en-US" sz="1400" dirty="0" err="1">
+                <a:solidFill>
+                  <a:schemeClr val="bg2">
+                    <a:lumMod val="90000"/>
+                  </a:schemeClr>
+                </a:solidFill>
                 <a:latin typeface="Courier New" panose="02070309020205020404" pitchFamily="49" charset="0"/>
                 <a:cs typeface="Courier New" panose="02070309020205020404" pitchFamily="49" charset="0"/>
               </a:rPr>
@@ -14017,6 +14328,11 @@
             </a:r>
             <a:r>
               <a:rPr lang="en-US" sz="1400" dirty="0">
+                <a:solidFill>
+                  <a:schemeClr val="bg2">
+                    <a:lumMod val="90000"/>
+                  </a:schemeClr>
+                </a:solidFill>
                 <a:latin typeface="Courier New" panose="02070309020205020404" pitchFamily="49" charset="0"/>
                 <a:cs typeface="Courier New" panose="02070309020205020404" pitchFamily="49" charset="0"/>
               </a:rPr>
@@ -14024,6 +14340,11 @@
             </a:r>
             <a:r>
               <a:rPr lang="en-US" sz="1400" dirty="0" err="1">
+                <a:solidFill>
+                  <a:schemeClr val="bg2">
+                    <a:lumMod val="90000"/>
+                  </a:schemeClr>
+                </a:solidFill>
                 <a:latin typeface="Courier New" panose="02070309020205020404" pitchFamily="49" charset="0"/>
                 <a:cs typeface="Courier New" panose="02070309020205020404" pitchFamily="49" charset="0"/>
               </a:rPr>
@@ -14031,6 +14352,11 @@
             </a:r>
             <a:r>
               <a:rPr lang="en-US" sz="1400" dirty="0" smtClean="0">
+                <a:solidFill>
+                  <a:schemeClr val="bg2">
+                    <a:lumMod val="90000"/>
+                  </a:schemeClr>
+                </a:solidFill>
                 <a:latin typeface="Courier New" panose="02070309020205020404" pitchFamily="49" charset="0"/>
                 <a:cs typeface="Courier New" panose="02070309020205020404" pitchFamily="49" charset="0"/>
               </a:rPr>
@@ -14039,7 +14365,13 @@
           </a:p>
           <a:p>
             <a:r>
-              <a:rPr lang="en-US" dirty="0" smtClean="0"/>
+              <a:rPr lang="en-US" dirty="0" smtClean="0">
+                <a:solidFill>
+                  <a:schemeClr val="bg2">
+                    <a:lumMod val="90000"/>
+                  </a:schemeClr>
+                </a:solidFill>
+              </a:rPr>
               <a:t>Launch the application by sourcing code from the GitHub repository</a:t>
             </a:r>
           </a:p>
@@ -14047,6 +14379,11 @@
             <a:pPr lvl="1"/>
             <a:r>
               <a:rPr lang="en-US" sz="1400" dirty="0">
+                <a:solidFill>
+                  <a:schemeClr val="bg2">
+                    <a:lumMod val="90000"/>
+                  </a:schemeClr>
+                </a:solidFill>
                 <a:latin typeface="Courier New" panose="02070309020205020404" pitchFamily="49" charset="0"/>
                 <a:cs typeface="Courier New" panose="02070309020205020404" pitchFamily="49" charset="0"/>
               </a:rPr>
@@ -14054,6 +14391,11 @@
             </a:r>
             <a:r>
               <a:rPr lang="en-US" sz="1400" dirty="0" err="1">
+                <a:solidFill>
+                  <a:schemeClr val="bg2">
+                    <a:lumMod val="90000"/>
+                  </a:schemeClr>
+                </a:solidFill>
                 <a:latin typeface="Courier New" panose="02070309020205020404" pitchFamily="49" charset="0"/>
                 <a:cs typeface="Courier New" panose="02070309020205020404" pitchFamily="49" charset="0"/>
               </a:rPr>
@@ -14061,6 +14403,11 @@
             </a:r>
             <a:r>
               <a:rPr lang="en-US" sz="1400" dirty="0">
+                <a:solidFill>
+                  <a:schemeClr val="bg2">
+                    <a:lumMod val="90000"/>
+                  </a:schemeClr>
+                </a:solidFill>
                 <a:latin typeface="Courier New" panose="02070309020205020404" pitchFamily="49" charset="0"/>
                 <a:cs typeface="Courier New" panose="02070309020205020404" pitchFamily="49" charset="0"/>
               </a:rPr>
@@ -14068,6 +14415,11 @@
             </a:r>
             <a:r>
               <a:rPr lang="en-US" sz="1400" dirty="0" err="1">
+                <a:solidFill>
+                  <a:schemeClr val="bg2">
+                    <a:lumMod val="90000"/>
+                  </a:schemeClr>
+                </a:solidFill>
                 <a:latin typeface="Courier New" panose="02070309020205020404" pitchFamily="49" charset="0"/>
                 <a:cs typeface="Courier New" panose="02070309020205020404" pitchFamily="49" charset="0"/>
               </a:rPr>
@@ -14075,6 +14427,11 @@
             </a:r>
             <a:r>
               <a:rPr lang="en-US" sz="1400" dirty="0">
+                <a:solidFill>
+                  <a:schemeClr val="bg2">
+                    <a:lumMod val="90000"/>
+                  </a:schemeClr>
+                </a:solidFill>
                 <a:latin typeface="Courier New" panose="02070309020205020404" pitchFamily="49" charset="0"/>
                 <a:cs typeface="Courier New" panose="02070309020205020404" pitchFamily="49" charset="0"/>
               </a:rPr>
@@ -14082,6 +14439,11 @@
             </a:r>
             <a:r>
               <a:rPr lang="en-US" sz="1400" dirty="0" err="1">
+                <a:solidFill>
+                  <a:schemeClr val="bg2">
+                    <a:lumMod val="90000"/>
+                  </a:schemeClr>
+                </a:solidFill>
                 <a:latin typeface="Courier New" panose="02070309020205020404" pitchFamily="49" charset="0"/>
                 <a:cs typeface="Courier New" panose="02070309020205020404" pitchFamily="49" charset="0"/>
               </a:rPr>
@@ -14089,6 +14451,11 @@
             </a:r>
             <a:r>
               <a:rPr lang="en-US" sz="1400" dirty="0" smtClean="0">
+                <a:solidFill>
+                  <a:schemeClr val="bg2">
+                    <a:lumMod val="90000"/>
+                  </a:schemeClr>
+                </a:solidFill>
                 <a:latin typeface="Courier New" panose="02070309020205020404" pitchFamily="49" charset="0"/>
                 <a:cs typeface="Courier New" panose="02070309020205020404" pitchFamily="49" charset="0"/>
               </a:rPr>
@@ -14098,11 +14465,21 @@
           <a:p>
             <a:r>
               <a:rPr lang="en-US" dirty="0" smtClean="0">
+                <a:solidFill>
+                  <a:schemeClr val="bg2">
+                    <a:lumMod val="90000"/>
+                  </a:schemeClr>
+                </a:solidFill>
                 <a:cs typeface="Courier New" panose="02070309020205020404" pitchFamily="49" charset="0"/>
               </a:rPr>
               <a:t>Everything runs on your local machine</a:t>
             </a:r>
             <a:endParaRPr lang="en-US" dirty="0">
+              <a:solidFill>
+                <a:schemeClr val="bg2">
+                  <a:lumMod val="90000"/>
+                </a:schemeClr>
+              </a:solidFill>
               <a:cs typeface="Courier New" panose="02070309020205020404" pitchFamily="49" charset="0"/>
             </a:endParaRPr>
           </a:p>
@@ -14118,10 +14495,471 @@
   <p:clrMapOvr>
     <a:masterClrMapping/>
   </p:clrMapOvr>
+  <p:timing>
+    <p:tnLst>
+      <p:par>
+        <p:cTn id="1" dur="indefinite" restart="never" nodeType="tmRoot"/>
+      </p:par>
+    </p:tnLst>
+  </p:timing>
 </p:sld>
 </file>
 
 <file path=ppt/slides/slide7.xml><?xml version="1.0" encoding="utf-8"?>
+<p:sld xmlns:a="http://schemas.openxmlformats.org/drawingml/2006/main" xmlns:r="http://schemas.openxmlformats.org/officeDocument/2006/relationships" xmlns:p="http://schemas.openxmlformats.org/presentationml/2006/main">
+  <p:cSld>
+    <p:spTree>
+      <p:nvGrpSpPr>
+        <p:cNvPr id="1" name=""/>
+        <p:cNvGrpSpPr/>
+        <p:nvPr/>
+      </p:nvGrpSpPr>
+      <p:grpSpPr>
+        <a:xfrm>
+          <a:off x="0" y="0"/>
+          <a:ext cx="0" cy="0"/>
+          <a:chOff x="0" y="0"/>
+          <a:chExt cx="0" cy="0"/>
+        </a:xfrm>
+      </p:grpSpPr>
+      <p:sp>
+        <p:nvSpPr>
+          <p:cNvPr id="2" name="Title 1"/>
+          <p:cNvSpPr>
+            <a:spLocks noGrp="1"/>
+          </p:cNvSpPr>
+          <p:nvPr>
+            <p:ph type="title"/>
+          </p:nvPr>
+        </p:nvSpPr>
+        <p:spPr/>
+        <p:txBody>
+          <a:bodyPr/>
+          <a:lstStyle/>
+          <a:p>
+            <a:r>
+              <a:rPr lang="en-US" dirty="0" smtClean="0"/>
+              <a:t>Accessing </a:t>
+            </a:r>
+            <a:r>
+              <a:rPr lang="en-US" dirty="0" err="1" smtClean="0"/>
+              <a:t>statnetWeb</a:t>
+            </a:r>
+            <a:endParaRPr lang="en-US" dirty="0"/>
+          </a:p>
+        </p:txBody>
+      </p:sp>
+      <p:sp>
+        <p:nvSpPr>
+          <p:cNvPr id="3" name="Text Placeholder 2"/>
+          <p:cNvSpPr>
+            <a:spLocks noGrp="1"/>
+          </p:cNvSpPr>
+          <p:nvPr>
+            <p:ph type="body" idx="1"/>
+          </p:nvPr>
+        </p:nvSpPr>
+        <p:spPr/>
+        <p:txBody>
+          <a:bodyPr/>
+          <a:lstStyle/>
+          <a:p>
+            <a:r>
+              <a:rPr lang="en-US" u="sng" dirty="0" smtClean="0">
+                <a:solidFill>
+                  <a:schemeClr val="bg2">
+                    <a:lumMod val="90000"/>
+                  </a:schemeClr>
+                </a:solidFill>
+              </a:rPr>
+              <a:t>through the web</a:t>
+            </a:r>
+            <a:endParaRPr lang="en-US" u="sng" dirty="0">
+              <a:solidFill>
+                <a:schemeClr val="bg2">
+                  <a:lumMod val="90000"/>
+                </a:schemeClr>
+              </a:solidFill>
+            </a:endParaRPr>
+          </a:p>
+        </p:txBody>
+      </p:sp>
+      <p:sp>
+        <p:nvSpPr>
+          <p:cNvPr id="4" name="Content Placeholder 3"/>
+          <p:cNvSpPr>
+            <a:spLocks noGrp="1"/>
+          </p:cNvSpPr>
+          <p:nvPr>
+            <p:ph sz="half" idx="2"/>
+          </p:nvPr>
+        </p:nvSpPr>
+        <p:spPr/>
+        <p:txBody>
+          <a:bodyPr/>
+          <a:lstStyle/>
+          <a:p>
+            <a:r>
+              <a:rPr lang="en-US" dirty="0" smtClean="0">
+                <a:solidFill>
+                  <a:schemeClr val="bg2">
+                    <a:lumMod val="90000"/>
+                  </a:schemeClr>
+                </a:solidFill>
+              </a:rPr>
+              <a:t>TBD, depends on how we host the app</a:t>
+            </a:r>
+          </a:p>
+          <a:p>
+            <a:pPr lvl="1"/>
+            <a:r>
+              <a:rPr lang="en-US" dirty="0" smtClean="0">
+                <a:solidFill>
+                  <a:schemeClr val="bg2">
+                    <a:lumMod val="90000"/>
+                  </a:schemeClr>
+                </a:solidFill>
+              </a:rPr>
+              <a:t>Amazon</a:t>
+            </a:r>
+          </a:p>
+          <a:p>
+            <a:pPr lvl="1"/>
+            <a:r>
+              <a:rPr lang="en-US" dirty="0" smtClean="0">
+                <a:solidFill>
+                  <a:schemeClr val="bg2">
+                    <a:lumMod val="90000"/>
+                  </a:schemeClr>
+                </a:solidFill>
+              </a:rPr>
+              <a:t>Shinyapps.io</a:t>
+            </a:r>
+          </a:p>
+          <a:p>
+            <a:r>
+              <a:rPr lang="en-US" dirty="0" smtClean="0">
+                <a:solidFill>
+                  <a:schemeClr val="bg2">
+                    <a:lumMod val="90000"/>
+                  </a:schemeClr>
+                </a:solidFill>
+              </a:rPr>
+              <a:t>Currently </a:t>
+            </a:r>
+          </a:p>
+          <a:p>
+            <a:pPr lvl="1"/>
+            <a:r>
+              <a:rPr lang="en-US" dirty="0" smtClean="0">
+                <a:solidFill>
+                  <a:schemeClr val="bg2">
+                    <a:lumMod val="90000"/>
+                  </a:schemeClr>
+                </a:solidFill>
+              </a:rPr>
+              <a:t>https</a:t>
+            </a:r>
+            <a:r>
+              <a:rPr lang="en-US" dirty="0">
+                <a:solidFill>
+                  <a:schemeClr val="bg2">
+                    <a:lumMod val="90000"/>
+                  </a:schemeClr>
+                </a:solidFill>
+              </a:rPr>
+              <a:t>://</a:t>
+            </a:r>
+            <a:r>
+              <a:rPr lang="en-US" dirty="0" smtClean="0">
+                <a:solidFill>
+                  <a:schemeClr val="bg2">
+                    <a:lumMod val="90000"/>
+                  </a:schemeClr>
+                </a:solidFill>
+              </a:rPr>
+              <a:t>ebey.shinyapps.io/statnetWeb/</a:t>
+            </a:r>
+          </a:p>
+          <a:p>
+            <a:r>
+              <a:rPr lang="en-US" dirty="0" smtClean="0">
+                <a:solidFill>
+                  <a:schemeClr val="bg2">
+                    <a:lumMod val="90000"/>
+                  </a:schemeClr>
+                </a:solidFill>
+              </a:rPr>
+              <a:t>Everything runs on the host server</a:t>
+            </a:r>
+            <a:endParaRPr lang="en-US" dirty="0">
+              <a:solidFill>
+                <a:schemeClr val="bg2">
+                  <a:lumMod val="90000"/>
+                </a:schemeClr>
+              </a:solidFill>
+            </a:endParaRPr>
+          </a:p>
+        </p:txBody>
+      </p:sp>
+      <p:sp>
+        <p:nvSpPr>
+          <p:cNvPr id="5" name="Text Placeholder 4"/>
+          <p:cNvSpPr>
+            <a:spLocks noGrp="1"/>
+          </p:cNvSpPr>
+          <p:nvPr>
+            <p:ph type="body" sz="quarter" idx="3"/>
+          </p:nvPr>
+        </p:nvSpPr>
+        <p:spPr/>
+        <p:txBody>
+          <a:bodyPr/>
+          <a:lstStyle/>
+          <a:p>
+            <a:r>
+              <a:rPr lang="en-US" u="sng" dirty="0" smtClean="0"/>
+              <a:t>Through </a:t>
+            </a:r>
+            <a:r>
+              <a:rPr lang="en-US" u="sng" dirty="0" err="1" smtClean="0"/>
+              <a:t>rstudio</a:t>
+            </a:r>
+            <a:r>
+              <a:rPr lang="en-US" u="sng" dirty="0" smtClean="0"/>
+              <a:t> and </a:t>
+            </a:r>
+            <a:r>
+              <a:rPr lang="en-US" u="sng" dirty="0" err="1" smtClean="0"/>
+              <a:t>github</a:t>
+            </a:r>
+            <a:endParaRPr lang="en-US" u="sng" dirty="0"/>
+          </a:p>
+        </p:txBody>
+      </p:sp>
+      <p:sp>
+        <p:nvSpPr>
+          <p:cNvPr id="6" name="Content Placeholder 5"/>
+          <p:cNvSpPr>
+            <a:spLocks noGrp="1"/>
+          </p:cNvSpPr>
+          <p:nvPr>
+            <p:ph sz="quarter" idx="4"/>
+          </p:nvPr>
+        </p:nvSpPr>
+        <p:spPr>
+          <a:xfrm>
+            <a:off x="6217920" y="2077079"/>
+            <a:ext cx="4937760" cy="3883455"/>
+          </a:xfrm>
+        </p:spPr>
+        <p:txBody>
+          <a:bodyPr/>
+          <a:lstStyle/>
+          <a:p>
+            <a:r>
+              <a:rPr lang="en-US" dirty="0" smtClean="0"/>
+              <a:t>Install the necessary packages in </a:t>
+            </a:r>
+            <a:r>
+              <a:rPr lang="en-US" dirty="0" err="1" smtClean="0"/>
+              <a:t>RStudio</a:t>
+            </a:r>
+            <a:endParaRPr lang="en-US" dirty="0" smtClean="0"/>
+          </a:p>
+          <a:p>
+            <a:pPr lvl="1"/>
+            <a:r>
+              <a:rPr lang="en-US" sz="1400" dirty="0" err="1">
+                <a:latin typeface="Courier New" panose="02070309020205020404" pitchFamily="49" charset="0"/>
+                <a:cs typeface="Courier New" panose="02070309020205020404" pitchFamily="49" charset="0"/>
+              </a:rPr>
+              <a:t>install.packages</a:t>
+            </a:r>
+            <a:r>
+              <a:rPr lang="en-US" sz="1400" dirty="0">
+                <a:latin typeface="Courier New" panose="02070309020205020404" pitchFamily="49" charset="0"/>
+                <a:cs typeface="Courier New" panose="02070309020205020404" pitchFamily="49" charset="0"/>
+              </a:rPr>
+              <a:t>(c("</a:t>
+            </a:r>
+            <a:r>
+              <a:rPr lang="en-US" sz="1400" dirty="0" err="1">
+                <a:latin typeface="Courier New" panose="02070309020205020404" pitchFamily="49" charset="0"/>
+                <a:cs typeface="Courier New" panose="02070309020205020404" pitchFamily="49" charset="0"/>
+              </a:rPr>
+              <a:t>statnet</a:t>
+            </a:r>
+            <a:r>
+              <a:rPr lang="en-US" sz="1400" dirty="0">
+                <a:latin typeface="Courier New" panose="02070309020205020404" pitchFamily="49" charset="0"/>
+                <a:cs typeface="Courier New" panose="02070309020205020404" pitchFamily="49" charset="0"/>
+              </a:rPr>
+              <a:t>", "shiny</a:t>
+            </a:r>
+            <a:r>
+              <a:rPr lang="en-US" sz="1400" dirty="0" smtClean="0">
+                <a:latin typeface="Courier New" panose="02070309020205020404" pitchFamily="49" charset="0"/>
+                <a:cs typeface="Courier New" panose="02070309020205020404" pitchFamily="49" charset="0"/>
+              </a:rPr>
+              <a:t>", "</a:t>
+            </a:r>
+            <a:r>
+              <a:rPr lang="en-US" sz="1400" dirty="0" err="1" smtClean="0">
+                <a:latin typeface="Courier New" panose="02070309020205020404" pitchFamily="49" charset="0"/>
+                <a:cs typeface="Courier New" panose="02070309020205020404" pitchFamily="49" charset="0"/>
+              </a:rPr>
+              <a:t>shinythemes</a:t>
+            </a:r>
+            <a:r>
+              <a:rPr lang="en-US" sz="1400" dirty="0" smtClean="0">
+                <a:latin typeface="Courier New" panose="02070309020205020404" pitchFamily="49" charset="0"/>
+                <a:cs typeface="Courier New" panose="02070309020205020404" pitchFamily="49" charset="0"/>
+              </a:rPr>
+              <a:t>", </a:t>
+            </a:r>
+            <a:r>
+              <a:rPr lang="en-US" sz="1400" dirty="0">
+                <a:latin typeface="Courier New" panose="02070309020205020404" pitchFamily="49" charset="0"/>
+                <a:cs typeface="Courier New" panose="02070309020205020404" pitchFamily="49" charset="0"/>
+              </a:rPr>
+              <a:t>"</a:t>
+            </a:r>
+            <a:r>
+              <a:rPr lang="en-US" sz="1400" dirty="0" err="1">
+                <a:latin typeface="Courier New" panose="02070309020205020404" pitchFamily="49" charset="0"/>
+                <a:cs typeface="Courier New" panose="02070309020205020404" pitchFamily="49" charset="0"/>
+              </a:rPr>
+              <a:t>shinyBS</a:t>
+            </a:r>
+            <a:r>
+              <a:rPr lang="en-US" sz="1400" dirty="0">
+                <a:latin typeface="Courier New" panose="02070309020205020404" pitchFamily="49" charset="0"/>
+                <a:cs typeface="Courier New" panose="02070309020205020404" pitchFamily="49" charset="0"/>
+              </a:rPr>
+              <a:t>", "</a:t>
+            </a:r>
+            <a:r>
+              <a:rPr lang="en-US" sz="1400" dirty="0" err="1">
+                <a:latin typeface="Courier New" panose="02070309020205020404" pitchFamily="49" charset="0"/>
+                <a:cs typeface="Courier New" panose="02070309020205020404" pitchFamily="49" charset="0"/>
+              </a:rPr>
+              <a:t>RColorBrewer</a:t>
+            </a:r>
+            <a:r>
+              <a:rPr lang="en-US" sz="1400" dirty="0">
+                <a:latin typeface="Courier New" panose="02070309020205020404" pitchFamily="49" charset="0"/>
+                <a:cs typeface="Courier New" panose="02070309020205020404" pitchFamily="49" charset="0"/>
+              </a:rPr>
+              <a:t>", "lattice", "</a:t>
+            </a:r>
+            <a:r>
+              <a:rPr lang="en-US" sz="1400" dirty="0" err="1">
+                <a:latin typeface="Courier New" panose="02070309020205020404" pitchFamily="49" charset="0"/>
+                <a:cs typeface="Courier New" panose="02070309020205020404" pitchFamily="49" charset="0"/>
+              </a:rPr>
+              <a:t>latticeExtra</a:t>
+            </a:r>
+            <a:r>
+              <a:rPr lang="en-US" sz="1400" dirty="0" smtClean="0">
+                <a:latin typeface="Courier New" panose="02070309020205020404" pitchFamily="49" charset="0"/>
+                <a:cs typeface="Courier New" panose="02070309020205020404" pitchFamily="49" charset="0"/>
+              </a:rPr>
+              <a:t>"))</a:t>
+            </a:r>
+          </a:p>
+          <a:p>
+            <a:r>
+              <a:rPr lang="en-US" dirty="0" smtClean="0"/>
+              <a:t>Launch the application by sourcing code from the GitHub repository</a:t>
+            </a:r>
+          </a:p>
+          <a:p>
+            <a:pPr lvl="1"/>
+            <a:r>
+              <a:rPr lang="en-US" sz="1400" dirty="0">
+                <a:latin typeface="Courier New" panose="02070309020205020404" pitchFamily="49" charset="0"/>
+                <a:cs typeface="Courier New" panose="02070309020205020404" pitchFamily="49" charset="0"/>
+              </a:rPr>
+              <a:t>shiny::</a:t>
+            </a:r>
+            <a:r>
+              <a:rPr lang="en-US" sz="1400" dirty="0" err="1">
+                <a:latin typeface="Courier New" panose="02070309020205020404" pitchFamily="49" charset="0"/>
+                <a:cs typeface="Courier New" panose="02070309020205020404" pitchFamily="49" charset="0"/>
+              </a:rPr>
+              <a:t>runGitHub</a:t>
+            </a:r>
+            <a:r>
+              <a:rPr lang="en-US" sz="1400" dirty="0">
+                <a:latin typeface="Courier New" panose="02070309020205020404" pitchFamily="49" charset="0"/>
+                <a:cs typeface="Courier New" panose="02070309020205020404" pitchFamily="49" charset="0"/>
+              </a:rPr>
+              <a:t>("</a:t>
+            </a:r>
+            <a:r>
+              <a:rPr lang="en-US" sz="1400" dirty="0" err="1">
+                <a:latin typeface="Courier New" panose="02070309020205020404" pitchFamily="49" charset="0"/>
+                <a:cs typeface="Courier New" panose="02070309020205020404" pitchFamily="49" charset="0"/>
+              </a:rPr>
+              <a:t>statnetWeb</a:t>
+            </a:r>
+            <a:r>
+              <a:rPr lang="en-US" sz="1400" dirty="0">
+                <a:latin typeface="Courier New" panose="02070309020205020404" pitchFamily="49" charset="0"/>
+                <a:cs typeface="Courier New" panose="02070309020205020404" pitchFamily="49" charset="0"/>
+              </a:rPr>
+              <a:t>","</a:t>
+            </a:r>
+            <a:r>
+              <a:rPr lang="en-US" sz="1400" dirty="0" err="1">
+                <a:latin typeface="Courier New" panose="02070309020205020404" pitchFamily="49" charset="0"/>
+                <a:cs typeface="Courier New" panose="02070309020205020404" pitchFamily="49" charset="0"/>
+              </a:rPr>
+              <a:t>statnet</a:t>
+            </a:r>
+            <a:r>
+              <a:rPr lang="en-US" sz="1400" dirty="0" smtClean="0">
+                <a:latin typeface="Courier New" panose="02070309020205020404" pitchFamily="49" charset="0"/>
+                <a:cs typeface="Courier New" panose="02070309020205020404" pitchFamily="49" charset="0"/>
+              </a:rPr>
+              <a:t>")</a:t>
+            </a:r>
+          </a:p>
+          <a:p>
+            <a:r>
+              <a:rPr lang="en-US" dirty="0" smtClean="0">
+                <a:cs typeface="Courier New" panose="02070309020205020404" pitchFamily="49" charset="0"/>
+              </a:rPr>
+              <a:t>Everything runs on your local machine</a:t>
+            </a:r>
+            <a:endParaRPr lang="en-US" dirty="0">
+              <a:cs typeface="Courier New" panose="02070309020205020404" pitchFamily="49" charset="0"/>
+            </a:endParaRPr>
+          </a:p>
+        </p:txBody>
+      </p:sp>
+    </p:spTree>
+    <p:extLst>
+      <p:ext uri="{BB962C8B-B14F-4D97-AF65-F5344CB8AC3E}">
+        <p14:creationId xmlns:p14="http://schemas.microsoft.com/office/powerpoint/2010/main" val="606453475"/>
+      </p:ext>
+    </p:extLst>
+  </p:cSld>
+  <p:clrMapOvr>
+    <a:masterClrMapping/>
+  </p:clrMapOvr>
+  <p:timing>
+    <p:tnLst>
+      <p:par>
+        <p:cTn id="1" dur="indefinite" restart="never" nodeType="tmRoot"/>
+      </p:par>
+    </p:tnLst>
+  </p:timing>
+</p:sld>
+</file>
+
+<file path=ppt/slides/slide8.xml><?xml version="1.0" encoding="utf-8"?>
 <p:sld xmlns:a="http://schemas.openxmlformats.org/drawingml/2006/main" xmlns:r="http://schemas.openxmlformats.org/officeDocument/2006/relationships" xmlns:p="http://schemas.openxmlformats.org/presentationml/2006/main">
   <p:cSld>
     <p:spTree>
@@ -14325,319 +15163,13 @@
   <p:clrMapOvr>
     <a:masterClrMapping/>
   </p:clrMapOvr>
-</p:sld>
-</file>
-
-<file path=ppt/slides/slide8.xml><?xml version="1.0" encoding="utf-8"?>
-<p:sld xmlns:a="http://schemas.openxmlformats.org/drawingml/2006/main" xmlns:r="http://schemas.openxmlformats.org/officeDocument/2006/relationships" xmlns:p="http://schemas.openxmlformats.org/presentationml/2006/main">
-  <p:cSld>
-    <p:spTree>
-      <p:nvGrpSpPr>
-        <p:cNvPr id="1" name=""/>
-        <p:cNvGrpSpPr/>
-        <p:nvPr/>
-      </p:nvGrpSpPr>
-      <p:grpSpPr>
-        <a:xfrm>
-          <a:off x="0" y="0"/>
-          <a:ext cx="0" cy="0"/>
-          <a:chOff x="0" y="0"/>
-          <a:chExt cx="0" cy="0"/>
-        </a:xfrm>
-      </p:grpSpPr>
-      <p:sp>
-        <p:nvSpPr>
-          <p:cNvPr id="2" name="Title 1"/>
-          <p:cNvSpPr>
-            <a:spLocks noGrp="1"/>
-          </p:cNvSpPr>
-          <p:nvPr>
-            <p:ph type="title"/>
-          </p:nvPr>
-        </p:nvSpPr>
-        <p:spPr/>
-        <p:txBody>
-          <a:bodyPr/>
-          <a:lstStyle/>
-          <a:p>
-            <a:r>
-              <a:rPr lang="en-US" dirty="0" smtClean="0"/>
-              <a:t>Network Analysis Basics</a:t>
-            </a:r>
-            <a:endParaRPr lang="en-US" dirty="0"/>
-          </a:p>
-        </p:txBody>
-      </p:sp>
-      <p:sp>
-        <p:nvSpPr>
-          <p:cNvPr id="3" name="Content Placeholder 2"/>
-          <p:cNvSpPr>
-            <a:spLocks noGrp="1"/>
-          </p:cNvSpPr>
-          <p:nvPr>
-            <p:ph sz="half" idx="1"/>
-          </p:nvPr>
-        </p:nvSpPr>
-        <p:spPr/>
-        <p:txBody>
-          <a:bodyPr>
-            <a:normAutofit lnSpcReduction="10000"/>
-          </a:bodyPr>
-          <a:lstStyle/>
-          <a:p>
-            <a:r>
-              <a:rPr lang="en-US" dirty="0" smtClean="0"/>
-              <a:t>Motivation</a:t>
-            </a:r>
-          </a:p>
-          <a:p>
-            <a:pPr lvl="1"/>
-            <a:r>
-              <a:rPr lang="en-US" dirty="0" smtClean="0"/>
-              <a:t>What is a network?</a:t>
-            </a:r>
-          </a:p>
-          <a:p>
-            <a:pPr lvl="2"/>
-            <a:r>
-              <a:rPr lang="en-US" dirty="0" smtClean="0"/>
-              <a:t>Nodes (vertices, actors)</a:t>
-            </a:r>
-          </a:p>
-          <a:p>
-            <a:pPr lvl="3"/>
-            <a:r>
-              <a:rPr lang="en-US" dirty="0" smtClean="0"/>
-              <a:t>Can have attributes associated</a:t>
-            </a:r>
-          </a:p>
-          <a:p>
-            <a:pPr lvl="2"/>
-            <a:r>
-              <a:rPr lang="en-US" dirty="0" smtClean="0"/>
-              <a:t>Ties (edges, links)</a:t>
-            </a:r>
-          </a:p>
-          <a:p>
-            <a:pPr lvl="3"/>
-            <a:r>
-              <a:rPr lang="en-US" dirty="0" smtClean="0"/>
-              <a:t>Can be directed/undirected and valued/binary</a:t>
-            </a:r>
-          </a:p>
-          <a:p>
-            <a:pPr lvl="1"/>
-            <a:r>
-              <a:rPr lang="en-US" dirty="0" smtClean="0"/>
-              <a:t>What can be represented as a network?</a:t>
-            </a:r>
-          </a:p>
-          <a:p>
-            <a:pPr lvl="1"/>
-            <a:r>
-              <a:rPr lang="en-US" dirty="0" smtClean="0"/>
-              <a:t>What kind of questions can we answer?</a:t>
-            </a:r>
-          </a:p>
-          <a:p>
-            <a:r>
-              <a:rPr lang="en-US" dirty="0" smtClean="0"/>
-              <a:t>Definitions</a:t>
-            </a:r>
-          </a:p>
-          <a:p>
-            <a:pPr lvl="1"/>
-            <a:r>
-              <a:rPr lang="en-US" dirty="0" smtClean="0"/>
-              <a:t>Types of networks</a:t>
-            </a:r>
-          </a:p>
-          <a:p>
-            <a:pPr lvl="1"/>
-            <a:r>
-              <a:rPr lang="en-US" dirty="0" smtClean="0"/>
-              <a:t>Configurations: dyads, triads, k-stars</a:t>
-            </a:r>
-          </a:p>
-          <a:p>
-            <a:r>
-              <a:rPr lang="en-US" dirty="0" smtClean="0"/>
-              <a:t>Types of network analysis</a:t>
-            </a:r>
-          </a:p>
-          <a:p>
-            <a:pPr lvl="1"/>
-            <a:r>
-              <a:rPr lang="en-US" dirty="0" smtClean="0"/>
-              <a:t>Descriptive</a:t>
-            </a:r>
-          </a:p>
-          <a:p>
-            <a:pPr lvl="1"/>
-            <a:r>
-              <a:rPr lang="en-US" dirty="0" smtClean="0"/>
-              <a:t>Statistical</a:t>
-            </a:r>
-          </a:p>
-          <a:p>
-            <a:endParaRPr lang="en-US" dirty="0" smtClean="0"/>
-          </a:p>
-          <a:p>
-            <a:endParaRPr lang="en-US" dirty="0"/>
-          </a:p>
-        </p:txBody>
-      </p:sp>
-      <p:sp>
-        <p:nvSpPr>
-          <p:cNvPr id="4" name="Content Placeholder 3"/>
-          <p:cNvSpPr>
-            <a:spLocks noGrp="1"/>
-          </p:cNvSpPr>
-          <p:nvPr>
-            <p:ph sz="half" idx="2"/>
-          </p:nvPr>
-        </p:nvSpPr>
-        <p:spPr/>
-        <p:txBody>
-          <a:bodyPr>
-            <a:normAutofit lnSpcReduction="10000"/>
-          </a:bodyPr>
-          <a:lstStyle/>
-          <a:p>
-            <a:r>
-              <a:rPr lang="en-US" dirty="0" smtClean="0"/>
-              <a:t>Examples:</a:t>
-            </a:r>
-          </a:p>
-          <a:p>
-            <a:pPr lvl="1"/>
-            <a:r>
-              <a:rPr lang="en-US" dirty="0" smtClean="0"/>
-              <a:t>Friendship (node </a:t>
-            </a:r>
-            <a:r>
-              <a:rPr lang="en-US" i="1" dirty="0" err="1" smtClean="0">
-                <a:latin typeface="Times New Roman"/>
-                <a:cs typeface="Times New Roman"/>
-              </a:rPr>
-              <a:t>i</a:t>
-            </a:r>
-            <a:r>
-              <a:rPr lang="en-US" dirty="0" smtClean="0"/>
-              <a:t> likes </a:t>
-            </a:r>
-            <a:r>
-              <a:rPr lang="en-US" i="1" dirty="0" smtClean="0">
-                <a:latin typeface="Times New Roman"/>
-                <a:cs typeface="Times New Roman"/>
-              </a:rPr>
-              <a:t>j</a:t>
-            </a:r>
-            <a:r>
-              <a:rPr lang="en-US" dirty="0" smtClean="0"/>
-              <a:t>)</a:t>
-            </a:r>
-          </a:p>
-          <a:p>
-            <a:pPr lvl="1"/>
-            <a:r>
-              <a:rPr lang="en-US" dirty="0" smtClean="0"/>
-              <a:t>Sexual contact (nodes </a:t>
-            </a:r>
-            <a:r>
-              <a:rPr lang="en-US" i="1" dirty="0" err="1" smtClean="0">
-                <a:latin typeface="Times New Roman"/>
-                <a:cs typeface="Times New Roman"/>
-              </a:rPr>
-              <a:t>i</a:t>
-            </a:r>
-            <a:r>
-              <a:rPr lang="en-US" dirty="0" smtClean="0"/>
-              <a:t> and </a:t>
-            </a:r>
-            <a:r>
-              <a:rPr lang="en-US" i="1" dirty="0" smtClean="0">
-                <a:latin typeface="Times New Roman"/>
-                <a:cs typeface="Times New Roman"/>
-              </a:rPr>
-              <a:t>j</a:t>
-            </a:r>
-            <a:r>
-              <a:rPr lang="en-US" dirty="0" smtClean="0"/>
-              <a:t> have a relationship) </a:t>
-            </a:r>
-          </a:p>
-          <a:p>
-            <a:pPr lvl="1"/>
-            <a:r>
-              <a:rPr lang="en-US" dirty="0" smtClean="0"/>
-              <a:t>Affiliation (node </a:t>
-            </a:r>
-            <a:r>
-              <a:rPr lang="en-US" i="1" dirty="0" err="1" smtClean="0">
-                <a:latin typeface="Times New Roman"/>
-                <a:cs typeface="Times New Roman"/>
-              </a:rPr>
-              <a:t>i</a:t>
-            </a:r>
-            <a:r>
-              <a:rPr lang="en-US" dirty="0" smtClean="0"/>
-              <a:t> is a member of club </a:t>
-            </a:r>
-            <a:r>
-              <a:rPr lang="en-US" i="1" dirty="0" smtClean="0">
-                <a:latin typeface="Times New Roman"/>
-                <a:cs typeface="Times New Roman"/>
-              </a:rPr>
-              <a:t>a</a:t>
-            </a:r>
-            <a:r>
-              <a:rPr lang="en-US" dirty="0" smtClean="0"/>
-              <a:t>)</a:t>
-            </a:r>
-          </a:p>
-          <a:p>
-            <a:pPr lvl="1"/>
-            <a:r>
-              <a:rPr lang="en-US" dirty="0" smtClean="0"/>
-              <a:t>Social role (</a:t>
-            </a:r>
-            <a:r>
-              <a:rPr lang="en-US" i="1" dirty="0" err="1" smtClean="0">
-                <a:latin typeface="Times New Roman"/>
-                <a:cs typeface="Times New Roman"/>
-              </a:rPr>
-              <a:t>i</a:t>
-            </a:r>
-            <a:r>
-              <a:rPr lang="en-US" dirty="0" smtClean="0"/>
-              <a:t> gives advice to </a:t>
-            </a:r>
-            <a:r>
-              <a:rPr lang="en-US" i="1" dirty="0" smtClean="0">
-                <a:latin typeface="Times New Roman"/>
-                <a:cs typeface="Times New Roman"/>
-              </a:rPr>
-              <a:t>j</a:t>
-            </a:r>
-            <a:r>
-              <a:rPr lang="en-US" dirty="0" smtClean="0"/>
-              <a:t>)</a:t>
-            </a:r>
-            <a:endParaRPr lang="en-US" dirty="0"/>
-          </a:p>
-        </p:txBody>
-      </p:sp>
-    </p:spTree>
-    <p:extLst>
-      <p:ext uri="{BB962C8B-B14F-4D97-AF65-F5344CB8AC3E}">
-        <p14:creationId xmlns:p14="http://schemas.microsoft.com/office/powerpoint/2010/main" val="3056376447"/>
-      </p:ext>
-    </p:extLst>
-  </p:cSld>
-  <p:clrMapOvr>
-    <a:masterClrMapping/>
-  </p:clrMapOvr>
+  <p:timing>
+    <p:tnLst>
+      <p:par>
+        <p:cTn id="1" dur="indefinite" restart="never" nodeType="tmRoot"/>
+      </p:par>
+    </p:tnLst>
+  </p:timing>
 </p:sld>
 </file>
 
@@ -14675,7 +15207,7 @@
           <a:p>
             <a:r>
               <a:rPr lang="en-US" dirty="0" smtClean="0"/>
-              <a:t>Data</a:t>
+              <a:t>Network Analysis Basics</a:t>
             </a:r>
             <a:endParaRPr lang="en-US" dirty="0"/>
           </a:p>
@@ -14693,185 +15225,271 @@
         </p:nvSpPr>
         <p:spPr/>
         <p:txBody>
-          <a:bodyPr/>
+          <a:bodyPr>
+            <a:normAutofit lnSpcReduction="10000"/>
+          </a:bodyPr>
           <a:lstStyle/>
           <a:p>
             <a:r>
               <a:rPr lang="en-US" dirty="0" smtClean="0"/>
-              <a:t>Data collection</a:t>
-            </a:r>
-          </a:p>
-          <a:p>
-            <a:pPr lvl="1"/>
-            <a:r>
-              <a:rPr lang="en-US" dirty="0" smtClean="0"/>
-              <a:t>Sampling designs</a:t>
-            </a:r>
-          </a:p>
-          <a:p>
-            <a:r>
-              <a:rPr lang="en-US" dirty="0" smtClean="0"/>
-              <a:t>Data storage</a:t>
-            </a:r>
-          </a:p>
-          <a:p>
-            <a:pPr lvl="1"/>
-            <a:r>
-              <a:rPr lang="en-US" dirty="0" smtClean="0"/>
-              <a:t>Adjacency matrices (</a:t>
-            </a:r>
-            <a:r>
-              <a:rPr lang="en-US" dirty="0" err="1" smtClean="0"/>
-              <a:t>sociomatrices</a:t>
-            </a:r>
-            <a:r>
-              <a:rPr lang="en-US" dirty="0" smtClean="0"/>
-              <a:t>), edge lists</a:t>
-            </a:r>
-            <a:r>
-              <a:rPr lang="en-US" dirty="0"/>
-              <a:t>, incidence matrices</a:t>
-            </a:r>
+              <a:t>Motivation</a:t>
+            </a:r>
+          </a:p>
+          <a:p>
+            <a:pPr lvl="1"/>
+            <a:r>
+              <a:rPr lang="en-US" dirty="0" smtClean="0"/>
+              <a:t>What is a network?</a:t>
+            </a:r>
+          </a:p>
+          <a:p>
+            <a:pPr lvl="2"/>
+            <a:r>
+              <a:rPr lang="en-US" dirty="0" smtClean="0"/>
+              <a:t>Nodes (vertices, actors)</a:t>
+            </a:r>
+          </a:p>
+          <a:p>
+            <a:pPr lvl="3"/>
+            <a:r>
+              <a:rPr lang="en-US" dirty="0" smtClean="0"/>
+              <a:t>Can have attributes associated</a:t>
+            </a:r>
+          </a:p>
+          <a:p>
+            <a:pPr lvl="2"/>
+            <a:r>
+              <a:rPr lang="en-US" dirty="0" smtClean="0"/>
+              <a:t>Ties (edges, links)</a:t>
+            </a:r>
+          </a:p>
+          <a:p>
+            <a:pPr lvl="3"/>
+            <a:r>
+              <a:rPr lang="en-US" dirty="0" smtClean="0"/>
+              <a:t>Can be directed/undirected and valued/binary</a:t>
+            </a:r>
+          </a:p>
+          <a:p>
+            <a:pPr lvl="1"/>
+            <a:r>
+              <a:rPr lang="en-US" dirty="0" smtClean="0"/>
+              <a:t>What can be represented as a network?</a:t>
+            </a:r>
+          </a:p>
+          <a:p>
+            <a:pPr lvl="1"/>
+            <a:r>
+              <a:rPr lang="en-US" dirty="0" smtClean="0"/>
+              <a:t>What kind of questions can we answer?</a:t>
+            </a:r>
+          </a:p>
+          <a:p>
+            <a:r>
+              <a:rPr lang="en-US" dirty="0" smtClean="0"/>
+              <a:t>Definitions</a:t>
+            </a:r>
+          </a:p>
+          <a:p>
+            <a:pPr lvl="1"/>
+            <a:r>
+              <a:rPr lang="en-US" dirty="0" smtClean="0"/>
+              <a:t>Types of networks</a:t>
+            </a:r>
+          </a:p>
+          <a:p>
+            <a:pPr lvl="1"/>
+            <a:r>
+              <a:rPr lang="en-US" dirty="0" smtClean="0"/>
+              <a:t>Configurations: dyads, triads, k-stars</a:t>
+            </a:r>
+          </a:p>
+          <a:p>
+            <a:r>
+              <a:rPr lang="en-US" dirty="0" smtClean="0"/>
+              <a:t>Types of network analysis</a:t>
+            </a:r>
+          </a:p>
+          <a:p>
+            <a:pPr lvl="1"/>
+            <a:r>
+              <a:rPr lang="en-US" dirty="0" smtClean="0"/>
+              <a:t>Descriptive</a:t>
+            </a:r>
+          </a:p>
+          <a:p>
+            <a:pPr lvl="1"/>
+            <a:r>
+              <a:rPr lang="en-US" dirty="0" smtClean="0"/>
+              <a:t>Statistical</a:t>
+            </a:r>
+          </a:p>
+          <a:p>
             <a:endParaRPr lang="en-US" dirty="0" smtClean="0"/>
           </a:p>
           <a:p>
-            <a:r>
-              <a:rPr lang="en-US" dirty="0" smtClean="0"/>
-              <a:t>Data presentation</a:t>
-            </a:r>
-          </a:p>
-          <a:p>
-            <a:pPr lvl="1"/>
-            <a:r>
-              <a:rPr lang="en-US" dirty="0" smtClean="0"/>
-              <a:t>Numeric (matrices)</a:t>
-            </a:r>
-          </a:p>
-          <a:p>
-            <a:pPr lvl="1"/>
-            <a:r>
-              <a:rPr lang="en-US" dirty="0" smtClean="0"/>
-              <a:t>Pictorial (graphs)</a:t>
-            </a:r>
-          </a:p>
-          <a:p>
-            <a:pPr lvl="2"/>
-            <a:r>
-              <a:rPr lang="en-US" dirty="0" smtClean="0"/>
-              <a:t>Graph notation</a:t>
-            </a:r>
-          </a:p>
-          <a:p>
-            <a:pPr lvl="2"/>
-            <a:r>
-              <a:rPr lang="en-US" dirty="0" smtClean="0"/>
-              <a:t>Graph terminology</a:t>
-            </a:r>
-          </a:p>
-          <a:p>
             <a:endParaRPr lang="en-US" dirty="0"/>
           </a:p>
         </p:txBody>
       </p:sp>
-      <p:pic>
-        <p:nvPicPr>
-          <p:cNvPr id="8" name="Content Placeholder 7"/>
-          <p:cNvPicPr>
-            <a:picLocks noGrp="1" noChangeAspect="1"/>
-          </p:cNvPicPr>
+      <p:sp>
+        <p:nvSpPr>
+          <p:cNvPr id="4" name="Content Placeholder 3"/>
+          <p:cNvSpPr>
+            <a:spLocks noGrp="1"/>
+          </p:cNvSpPr>
           <p:nvPr>
             <p:ph sz="half" idx="2"/>
           </p:nvPr>
-        </p:nvPicPr>
-        <p:blipFill>
-          <a:blip r:embed="rId2">
-            <a:extLst>
-              <a:ext uri="{28A0092B-C50C-407E-A947-70E740481C1C}">
-                <a14:useLocalDpi xmlns:a14="http://schemas.microsoft.com/office/drawing/2010/main" val="0"/>
-              </a:ext>
-            </a:extLst>
-          </a:blip>
-          <a:stretch>
-            <a:fillRect/>
-          </a:stretch>
-        </p:blipFill>
-        <p:spPr>
-          <a:xfrm>
-            <a:off x="9314038" y="1934256"/>
-            <a:ext cx="1009650" cy="2714625"/>
-          </a:xfrm>
-        </p:spPr>
-      </p:pic>
-      <p:pic>
-        <p:nvPicPr>
-          <p:cNvPr id="9" name="Picture 8"/>
-          <p:cNvPicPr>
-            <a:picLocks noChangeAspect="1"/>
-          </p:cNvPicPr>
-          <p:nvPr/>
-        </p:nvPicPr>
-        <p:blipFill>
-          <a:blip r:embed="rId3">
-            <a:extLst>
-              <a:ext uri="{28A0092B-C50C-407E-A947-70E740481C1C}">
-                <a14:useLocalDpi xmlns:a14="http://schemas.microsoft.com/office/drawing/2010/main" val="0"/>
-              </a:ext>
-            </a:extLst>
-          </a:blip>
-          <a:stretch>
-            <a:fillRect/>
-          </a:stretch>
-        </p:blipFill>
-        <p:spPr>
-          <a:xfrm>
-            <a:off x="6035038" y="2122355"/>
-            <a:ext cx="2686050" cy="1781175"/>
-          </a:xfrm>
-          <a:prstGeom prst="rect">
-            <a:avLst/>
-          </a:prstGeom>
-        </p:spPr>
-      </p:pic>
-      <p:pic>
-        <p:nvPicPr>
-          <p:cNvPr id="4" name="Picture 3" descr="snet_plot.png"/>
-          <p:cNvPicPr>
-            <a:picLocks noChangeAspect="1"/>
-          </p:cNvPicPr>
-          <p:nvPr/>
-        </p:nvPicPr>
-        <p:blipFill>
-          <a:blip r:embed="rId4">
-            <a:extLst>
-              <a:ext uri="{28A0092B-C50C-407E-A947-70E740481C1C}">
-                <a14:useLocalDpi xmlns:a14="http://schemas.microsoft.com/office/drawing/2010/main" val="0"/>
-              </a:ext>
-            </a:extLst>
-          </a:blip>
-          <a:stretch>
-            <a:fillRect/>
-          </a:stretch>
-        </p:blipFill>
-        <p:spPr>
-          <a:xfrm>
-            <a:off x="6260284" y="3872216"/>
-            <a:ext cx="2581275" cy="2400300"/>
-          </a:xfrm>
-          <a:prstGeom prst="rect">
-            <a:avLst/>
-          </a:prstGeom>
-        </p:spPr>
-      </p:pic>
+        </p:nvSpPr>
+        <p:spPr/>
+        <p:txBody>
+          <a:bodyPr>
+            <a:normAutofit lnSpcReduction="10000"/>
+          </a:bodyPr>
+          <a:lstStyle/>
+          <a:p>
+            <a:r>
+              <a:rPr lang="en-US" dirty="0" smtClean="0"/>
+              <a:t>Examples:</a:t>
+            </a:r>
+          </a:p>
+          <a:p>
+            <a:pPr lvl="1"/>
+            <a:r>
+              <a:rPr lang="en-US" dirty="0" smtClean="0"/>
+              <a:t>Friendship (node </a:t>
+            </a:r>
+            <a:r>
+              <a:rPr lang="en-US" i="1" dirty="0" err="1" smtClean="0">
+                <a:latin typeface="Times New Roman"/>
+                <a:cs typeface="Times New Roman"/>
+              </a:rPr>
+              <a:t>i</a:t>
+            </a:r>
+            <a:r>
+              <a:rPr lang="en-US" dirty="0" smtClean="0"/>
+              <a:t> likes </a:t>
+            </a:r>
+            <a:r>
+              <a:rPr lang="en-US" i="1" dirty="0" smtClean="0">
+                <a:latin typeface="Times New Roman"/>
+                <a:cs typeface="Times New Roman"/>
+              </a:rPr>
+              <a:t>j</a:t>
+            </a:r>
+            <a:r>
+              <a:rPr lang="en-US" dirty="0" smtClean="0"/>
+              <a:t>)</a:t>
+            </a:r>
+          </a:p>
+          <a:p>
+            <a:pPr lvl="1"/>
+            <a:r>
+              <a:rPr lang="en-US" dirty="0" smtClean="0"/>
+              <a:t>Sexual contact (nodes </a:t>
+            </a:r>
+            <a:r>
+              <a:rPr lang="en-US" i="1" dirty="0" err="1" smtClean="0">
+                <a:latin typeface="Times New Roman"/>
+                <a:cs typeface="Times New Roman"/>
+              </a:rPr>
+              <a:t>i</a:t>
+            </a:r>
+            <a:r>
+              <a:rPr lang="en-US" dirty="0" smtClean="0"/>
+              <a:t> and </a:t>
+            </a:r>
+            <a:r>
+              <a:rPr lang="en-US" i="1" dirty="0" smtClean="0">
+                <a:latin typeface="Times New Roman"/>
+                <a:cs typeface="Times New Roman"/>
+              </a:rPr>
+              <a:t>j</a:t>
+            </a:r>
+            <a:r>
+              <a:rPr lang="en-US" dirty="0" smtClean="0"/>
+              <a:t> have a relationship) </a:t>
+            </a:r>
+          </a:p>
+          <a:p>
+            <a:pPr lvl="1"/>
+            <a:r>
+              <a:rPr lang="en-US" dirty="0" smtClean="0"/>
+              <a:t>Affiliation (node </a:t>
+            </a:r>
+            <a:r>
+              <a:rPr lang="en-US" i="1" dirty="0" err="1" smtClean="0">
+                <a:latin typeface="Times New Roman"/>
+                <a:cs typeface="Times New Roman"/>
+              </a:rPr>
+              <a:t>i</a:t>
+            </a:r>
+            <a:r>
+              <a:rPr lang="en-US" dirty="0" smtClean="0"/>
+              <a:t> is a member of club </a:t>
+            </a:r>
+            <a:r>
+              <a:rPr lang="en-US" i="1" dirty="0" smtClean="0">
+                <a:latin typeface="Times New Roman"/>
+                <a:cs typeface="Times New Roman"/>
+              </a:rPr>
+              <a:t>a</a:t>
+            </a:r>
+            <a:r>
+              <a:rPr lang="en-US" dirty="0" smtClean="0"/>
+              <a:t>)</a:t>
+            </a:r>
+          </a:p>
+          <a:p>
+            <a:pPr lvl="1"/>
+            <a:r>
+              <a:rPr lang="en-US" dirty="0" smtClean="0"/>
+              <a:t>Social role (</a:t>
+            </a:r>
+            <a:r>
+              <a:rPr lang="en-US" i="1" dirty="0" err="1" smtClean="0">
+                <a:latin typeface="Times New Roman"/>
+                <a:cs typeface="Times New Roman"/>
+              </a:rPr>
+              <a:t>i</a:t>
+            </a:r>
+            <a:r>
+              <a:rPr lang="en-US" dirty="0" smtClean="0"/>
+              <a:t> gives advice to </a:t>
+            </a:r>
+            <a:r>
+              <a:rPr lang="en-US" i="1" dirty="0" smtClean="0">
+                <a:latin typeface="Times New Roman"/>
+                <a:cs typeface="Times New Roman"/>
+              </a:rPr>
+              <a:t>j</a:t>
+            </a:r>
+            <a:r>
+              <a:rPr lang="en-US" dirty="0" smtClean="0"/>
+              <a:t>)</a:t>
+            </a:r>
+            <a:endParaRPr lang="en-US" dirty="0"/>
+          </a:p>
+        </p:txBody>
+      </p:sp>
     </p:spTree>
     <p:extLst>
       <p:ext uri="{BB962C8B-B14F-4D97-AF65-F5344CB8AC3E}">
-        <p14:creationId xmlns:p14="http://schemas.microsoft.com/office/powerpoint/2010/main" val="4104788348"/>
+        <p14:creationId xmlns:p14="http://schemas.microsoft.com/office/powerpoint/2010/main" val="3056376447"/>
       </p:ext>
     </p:extLst>
   </p:cSld>
   <p:clrMapOvr>
     <a:masterClrMapping/>
   </p:clrMapOvr>
+  <p:timing>
+    <p:tnLst>
+      <p:par>
+        <p:cTn id="1" dur="indefinite" restart="never" nodeType="tmRoot"/>
+      </p:par>
+    </p:tnLst>
+  </p:timing>
 </p:sld>
 </file>
 
@@ -15152,7 +15770,7 @@
   <a:extraClrSchemeLst/>
   <a:extLst>
     <a:ext uri="{05A4C25C-085E-4340-85A3-A5531E510DB2}">
-      <thm15:themeFamily xmlns:thm15="http://schemas.microsoft.com/office/thememl/2012/main" xmlns="" name="Retrospect" id="{5F128B03-DCCA-4EEB-AB3B-CF2899314A46}" vid="{02006FA4-1611-4B07-AF7F-85CF6D20EB3E}"/>
+      <thm15:themeFamily xmlns:thm15="http://schemas.microsoft.com/office/thememl/2012/main" name="Retrospect" id="{5F128B03-DCCA-4EEB-AB3B-CF2899314A46}" vid="{02006FA4-1611-4B07-AF7F-85CF6D20EB3E}"/>
     </a:ext>
   </a:extLst>
 </a:theme>

--- a/statnetWeb_slides.pptx
+++ b/statnetWeb_slides.pptx
@@ -185,7 +185,7 @@
       </p14:sectionLst>
     </p:ext>
     <p:ext uri="{EFAFB233-063F-42B5-8137-9DF3F51BA10A}">
-      <p15:sldGuideLst xmlns:p15="http://schemas.microsoft.com/office/powerpoint/2012/main">
+      <p15:sldGuideLst xmlns:p15="http://schemas.microsoft.com/office/powerpoint/2012/main" xmlns="">
         <p15:guide id="1" orient="horz" pos="2160">
           <p15:clr>
             <a:srgbClr val="A4A3A4"/>
@@ -268,10 +268,10 @@
                 <c:formatCode>General</c:formatCode>
                 <c:ptCount val="2"/>
                 <c:pt idx="0">
-                  <c:v>2</c:v>
+                  <c:v>2.0</c:v>
                 </c:pt>
                 <c:pt idx="1">
-                  <c:v>2</c:v>
+                  <c:v>2.0</c:v>
                 </c:pt>
               </c:numCache>
             </c:numRef>
@@ -322,10 +322,10 @@
                 <c:formatCode>General</c:formatCode>
                 <c:ptCount val="2"/>
                 <c:pt idx="0">
-                  <c:v>1</c:v>
+                  <c:v>1.0</c:v>
                 </c:pt>
                 <c:pt idx="1">
-                  <c:v>1</c:v>
+                  <c:v>1.0</c:v>
                 </c:pt>
               </c:numCache>
             </c:numRef>
@@ -376,10 +376,10 @@
                 <c:formatCode>General</c:formatCode>
                 <c:ptCount val="2"/>
                 <c:pt idx="0">
-                  <c:v>1</c:v>
+                  <c:v>1.0</c:v>
                 </c:pt>
                 <c:pt idx="1">
-                  <c:v>2</c:v>
+                  <c:v>2.0</c:v>
                 </c:pt>
               </c:numCache>
             </c:numRef>
@@ -430,10 +430,10 @@
                 <c:formatCode>General</c:formatCode>
                 <c:ptCount val="2"/>
                 <c:pt idx="0">
-                  <c:v>2</c:v>
+                  <c:v>2.0</c:v>
                 </c:pt>
                 <c:pt idx="1">
-                  <c:v>3</c:v>
+                  <c:v>3.0</c:v>
                 </c:pt>
               </c:numCache>
             </c:numRef>
@@ -484,10 +484,10 @@
                 <c:formatCode>General</c:formatCode>
                 <c:ptCount val="2"/>
                 <c:pt idx="0">
-                  <c:v>1</c:v>
+                  <c:v>1.0</c:v>
                 </c:pt>
                 <c:pt idx="1">
-                  <c:v>1</c:v>
+                  <c:v>1.0</c:v>
                 </c:pt>
               </c:numCache>
             </c:numRef>
@@ -538,10 +538,10 @@
                 <c:formatCode>General</c:formatCode>
                 <c:ptCount val="2"/>
                 <c:pt idx="0">
-                  <c:v>2</c:v>
+                  <c:v>2.0</c:v>
                 </c:pt>
                 <c:pt idx="1">
-                  <c:v>2</c:v>
+                  <c:v>2.0</c:v>
                 </c:pt>
               </c:numCache>
             </c:numRef>
@@ -594,10 +594,10 @@
                 <c:formatCode>General</c:formatCode>
                 <c:ptCount val="2"/>
                 <c:pt idx="0">
-                  <c:v>1</c:v>
+                  <c:v>1.0</c:v>
                 </c:pt>
                 <c:pt idx="1">
-                  <c:v>3</c:v>
+                  <c:v>3.0</c:v>
                 </c:pt>
               </c:numCache>
             </c:numRef>
@@ -613,11 +613,11 @@
         </c:dLbls>
         <c:gapWidth val="150"/>
         <c:overlap val="100"/>
-        <c:axId val="345023904"/>
-        <c:axId val="345018808"/>
+        <c:axId val="259009192"/>
+        <c:axId val="103396568"/>
       </c:barChart>
       <c:catAx>
-        <c:axId val="345023904"/>
+        <c:axId val="259009192"/>
         <c:scaling>
           <c:orientation val="minMax"/>
         </c:scaling>
@@ -660,7 +660,7 @@
             <a:endParaRPr lang="en-US"/>
           </a:p>
         </c:txPr>
-        <c:crossAx val="345018808"/>
+        <c:crossAx val="103396568"/>
         <c:crosses val="autoZero"/>
         <c:auto val="1"/>
         <c:lblAlgn val="ctr"/>
@@ -668,7 +668,7 @@
         <c:noMultiLvlLbl val="0"/>
       </c:catAx>
       <c:valAx>
-        <c:axId val="345018808"/>
+        <c:axId val="103396568"/>
         <c:scaling>
           <c:orientation val="minMax"/>
         </c:scaling>
@@ -719,7 +719,7 @@
             <a:endParaRPr lang="en-US"/>
           </a:p>
         </c:txPr>
-        <c:crossAx val="345023904"/>
+        <c:crossAx val="259009192"/>
         <c:crosses val="autoZero"/>
         <c:crossBetween val="between"/>
       </c:valAx>
@@ -737,9 +737,9 @@
         <c:manualLayout>
           <c:xMode val="edge"/>
           <c:yMode val="edge"/>
-          <c:x val="7.77539582325842E-2"/>
-          <c:y val="0.80568005918586005"/>
-          <c:w val="0.87382790760832396"/>
+          <c:x val="0.0777539582325842"/>
+          <c:y val="0.80568005918586"/>
+          <c:w val="0.873827907608324"/>
           <c:h val="0.176625486423338"/>
         </c:manualLayout>
       </c:layout>
@@ -793,7 +793,7 @@
       <a:endParaRPr lang="en-US"/>
     </a:p>
   </c:txPr>
-  <c:externalData r:id="rId3">
+  <c:externalData r:id="rId1">
     <c:autoUpdate val="0"/>
   </c:externalData>
 </c:chartSpace>
@@ -1586,7 +1586,7 @@
           <a:p>
             <a:fld id="{5A069CB8-F204-4D06-B913-C5A26A89888A}" type="datetimeFigureOut">
               <a:rPr lang="en-US" dirty="0"/>
-              <a:t>4/7/2015</a:t>
+              <a:t>4/7/15</a:t>
             </a:fld>
             <a:endParaRPr lang="en-US" dirty="0"/>
           </a:p>
@@ -1789,7 +1789,7 @@
           <a:p>
             <a:fld id="{50B6E300-0A13-4A81-945A-7333C271A069}" type="datetimeFigureOut">
               <a:rPr lang="en-US" dirty="0"/>
-              <a:t>4/7/2015</a:t>
+              <a:t>4/7/15</a:t>
             </a:fld>
             <a:endParaRPr lang="en-US" dirty="0"/>
           </a:p>
@@ -2040,7 +2040,7 @@
           <a:p>
             <a:fld id="{34671962-1EA4-46E7-BCB0-F36CE46D1A59}" type="datetimeFigureOut">
               <a:rPr lang="en-US" dirty="0"/>
-              <a:t>4/7/2015</a:t>
+              <a:t>4/7/15</a:t>
             </a:fld>
             <a:endParaRPr lang="en-US" dirty="0"/>
           </a:p>
@@ -2205,7 +2205,7 @@
           <a:p>
             <a:fld id="{D30BB376-B19C-488D-ABEB-03C7E6E9E3E0}" type="datetimeFigureOut">
               <a:rPr lang="en-US" dirty="0"/>
-              <a:t>4/7/2015</a:t>
+              <a:t>4/7/15</a:t>
             </a:fld>
             <a:endParaRPr lang="en-US" dirty="0"/>
           </a:p>
@@ -2543,7 +2543,7 @@
           <a:p>
             <a:fld id="{486F077B-A50F-4D64-8574-E2D6A98A5553}" type="datetimeFigureOut">
               <a:rPr lang="en-US" dirty="0"/>
-              <a:t>4/7/2015</a:t>
+              <a:t>4/7/15</a:t>
             </a:fld>
             <a:endParaRPr lang="en-US" dirty="0"/>
           </a:p>
@@ -2813,7 +2813,7 @@
           <a:p>
             <a:fld id="{7D9E2A62-1983-43A1-A163-D8AA46534C80}" type="datetimeFigureOut">
               <a:rPr lang="en-US" dirty="0"/>
-              <a:t>4/7/2015</a:t>
+              <a:t>4/7/15</a:t>
             </a:fld>
             <a:endParaRPr lang="en-US" dirty="0"/>
           </a:p>
@@ -3187,7 +3187,7 @@
           <a:p>
             <a:fld id="{898F3E3B-34E3-4345-B2A1-994B83598A9C}" type="datetimeFigureOut">
               <a:rPr lang="en-US" dirty="0"/>
-              <a:t>4/7/2015</a:t>
+              <a:t>4/7/15</a:t>
             </a:fld>
             <a:endParaRPr lang="en-US" dirty="0"/>
           </a:p>
@@ -3300,7 +3300,7 @@
           <a:p>
             <a:fld id="{FD816C96-82A1-4D77-8ADA-627AC6FE3D65}" type="datetimeFigureOut">
               <a:rPr lang="en-US" dirty="0"/>
-              <a:t>4/7/2015</a:t>
+              <a:t>4/7/15</a:t>
             </a:fld>
             <a:endParaRPr lang="en-US" dirty="0"/>
           </a:p>
@@ -3466,7 +3466,7 @@
           <a:p>
             <a:fld id="{1D102C1E-28F2-47E9-802D-339E64E2F920}" type="datetimeFigureOut">
               <a:rPr lang="en-US" dirty="0"/>
-              <a:t>4/7/2015</a:t>
+              <a:t>4/7/15</a:t>
             </a:fld>
             <a:endParaRPr lang="en-US" dirty="0"/>
           </a:p>
@@ -3816,7 +3816,7 @@
           <a:p>
             <a:fld id="{24271A48-F18A-45B3-BC05-1E27DA3F88AF}" type="datetimeFigureOut">
               <a:rPr lang="en-US" dirty="0"/>
-              <a:t>4/7/2015</a:t>
+              <a:t>4/7/15</a:t>
             </a:fld>
             <a:endParaRPr lang="en-US" dirty="0"/>
           </a:p>
@@ -4189,7 +4189,7 @@
           <a:p>
             <a:fld id="{65B747F8-9654-4282-85D2-65F41AAE7A75}" type="datetimeFigureOut">
               <a:rPr lang="en-US" dirty="0"/>
-              <a:t>4/7/2015</a:t>
+              <a:t>4/7/15</a:t>
             </a:fld>
             <a:endParaRPr lang="en-US" dirty="0"/>
           </a:p>
@@ -4471,7 +4471,7 @@
           <a:p>
             <a:fld id="{5DC5B261-8843-42D1-AAFC-05E20E2D9B97}" type="datetimeFigureOut">
               <a:rPr lang="en-US" dirty="0"/>
-              <a:t>4/7/2015</a:t>
+              <a:t>4/7/15</a:t>
             </a:fld>
             <a:endParaRPr lang="en-US" dirty="0"/>
           </a:p>
@@ -5367,7 +5367,7 @@
   <p:timing>
     <p:tnLst>
       <p:par>
-        <p:cTn id="1" dur="indefinite" restart="never" nodeType="tmRoot"/>
+        <p:cTn xmlns:p14="http://schemas.microsoft.com/office/powerpoint/2010/main" id="1" dur="indefinite" restart="never" nodeType="tmRoot"/>
       </p:par>
     </p:tnLst>
   </p:timing>
@@ -5608,7 +5608,7 @@
   <p:timing>
     <p:tnLst>
       <p:par>
-        <p:cTn id="1" dur="indefinite" restart="never" nodeType="tmRoot"/>
+        <p:cTn xmlns:p14="http://schemas.microsoft.com/office/powerpoint/2010/main" id="1" dur="indefinite" restart="never" nodeType="tmRoot"/>
       </p:par>
     </p:tnLst>
   </p:timing>
@@ -5938,9 +5938,157 @@
   <p:timing>
     <p:tnLst>
       <p:par>
-        <p:cTn id="1" dur="indefinite" restart="never" nodeType="tmRoot"/>
+        <p:cTn xmlns:p14="http://schemas.microsoft.com/office/powerpoint/2010/main" id="1" dur="indefinite" restart="never" nodeType="tmRoot">
+          <p:childTnLst>
+            <p:seq concurrent="1" nextAc="seek">
+              <p:cTn id="2" dur="indefinite" nodeType="mainSeq">
+                <p:childTnLst>
+                  <p:par>
+                    <p:cTn id="3" fill="hold">
+                      <p:stCondLst>
+                        <p:cond delay="indefinite"/>
+                      </p:stCondLst>
+                      <p:childTnLst>
+                        <p:par>
+                          <p:cTn id="4" fill="hold">
+                            <p:stCondLst>
+                              <p:cond delay="0"/>
+                            </p:stCondLst>
+                            <p:childTnLst>
+                              <p:par>
+                                <p:cTn id="5" presetID="1" presetClass="entr" presetSubtype="0" fill="hold" grpId="0" nodeType="clickEffect">
+                                  <p:stCondLst>
+                                    <p:cond delay="0"/>
+                                  </p:stCondLst>
+                                  <p:childTnLst>
+                                    <p:set>
+                                      <p:cBhvr>
+                                        <p:cTn id="6" dur="1" fill="hold">
+                                          <p:stCondLst>
+                                            <p:cond delay="0"/>
+                                          </p:stCondLst>
+                                        </p:cTn>
+                                        <p:tgtEl>
+                                          <p:spTgt spid="4">
+                                            <p:txEl>
+                                              <p:pRg st="0" end="0"/>
+                                            </p:txEl>
+                                          </p:spTgt>
+                                        </p:tgtEl>
+                                        <p:attrNameLst>
+                                          <p:attrName>style.visibility</p:attrName>
+                                        </p:attrNameLst>
+                                      </p:cBhvr>
+                                      <p:to>
+                                        <p:strVal val="visible"/>
+                                      </p:to>
+                                    </p:set>
+                                  </p:childTnLst>
+                                </p:cTn>
+                              </p:par>
+                              <p:par>
+                                <p:cTn id="7" presetID="1" presetClass="entr" presetSubtype="0" fill="hold" nodeType="withEffect">
+                                  <p:stCondLst>
+                                    <p:cond delay="0"/>
+                                  </p:stCondLst>
+                                  <p:childTnLst>
+                                    <p:set>
+                                      <p:cBhvr>
+                                        <p:cTn id="8" dur="1" fill="hold">
+                                          <p:stCondLst>
+                                            <p:cond delay="0"/>
+                                          </p:stCondLst>
+                                        </p:cTn>
+                                        <p:tgtEl>
+                                          <p:spTgt spid="7"/>
+                                        </p:tgtEl>
+                                        <p:attrNameLst>
+                                          <p:attrName>style.visibility</p:attrName>
+                                        </p:attrNameLst>
+                                      </p:cBhvr>
+                                      <p:to>
+                                        <p:strVal val="visible"/>
+                                      </p:to>
+                                    </p:set>
+                                  </p:childTnLst>
+                                </p:cTn>
+                              </p:par>
+                            </p:childTnLst>
+                          </p:cTn>
+                        </p:par>
+                      </p:childTnLst>
+                    </p:cTn>
+                  </p:par>
+                  <p:par>
+                    <p:cTn id="9" fill="hold">
+                      <p:stCondLst>
+                        <p:cond delay="indefinite"/>
+                      </p:stCondLst>
+                      <p:childTnLst>
+                        <p:par>
+                          <p:cTn id="10" fill="hold">
+                            <p:stCondLst>
+                              <p:cond delay="0"/>
+                            </p:stCondLst>
+                            <p:childTnLst>
+                              <p:par>
+                                <p:cTn id="11" presetID="1" presetClass="entr" presetSubtype="0" fill="hold" grpId="0" nodeType="clickEffect">
+                                  <p:stCondLst>
+                                    <p:cond delay="0"/>
+                                  </p:stCondLst>
+                                  <p:childTnLst>
+                                    <p:set>
+                                      <p:cBhvr>
+                                        <p:cTn id="12" dur="1" fill="hold">
+                                          <p:stCondLst>
+                                            <p:cond delay="0"/>
+                                          </p:stCondLst>
+                                        </p:cTn>
+                                        <p:tgtEl>
+                                          <p:spTgt spid="6"/>
+                                        </p:tgtEl>
+                                        <p:attrNameLst>
+                                          <p:attrName>style.visibility</p:attrName>
+                                        </p:attrNameLst>
+                                      </p:cBhvr>
+                                      <p:to>
+                                        <p:strVal val="visible"/>
+                                      </p:to>
+                                    </p:set>
+                                  </p:childTnLst>
+                                </p:cTn>
+                              </p:par>
+                            </p:childTnLst>
+                          </p:cTn>
+                        </p:par>
+                      </p:childTnLst>
+                    </p:cTn>
+                  </p:par>
+                </p:childTnLst>
+              </p:cTn>
+              <p:prevCondLst>
+                <p:cond evt="onPrev" delay="0">
+                  <p:tgtEl>
+                    <p:sldTgt/>
+                  </p:tgtEl>
+                </p:cond>
+              </p:prevCondLst>
+              <p:nextCondLst>
+                <p:cond evt="onNext" delay="0">
+                  <p:tgtEl>
+                    <p:sldTgt/>
+                  </p:tgtEl>
+                </p:cond>
+              </p:nextCondLst>
+            </p:seq>
+          </p:childTnLst>
+        </p:cTn>
       </p:par>
     </p:tnLst>
+    <p:bldLst>
+      <p:bldP spid="4" grpId="0" build="p"/>
+      <p:bldP spid="6" grpId="0"/>
+    </p:bldLst>
   </p:timing>
 </p:sld>
 </file>
@@ -6009,8 +6157,13 @@
           <a:p>
             <a:r>
               <a:rPr lang="en-US" dirty="0" smtClean="0"/>
-              <a:t>Editing data</a:t>
-            </a:r>
+              <a:t>Editing </a:t>
+            </a:r>
+            <a:r>
+              <a:rPr lang="en-US" dirty="0" smtClean="0"/>
+              <a:t>data</a:t>
+            </a:r>
+            <a:endParaRPr lang="en-US" dirty="0" smtClean="0"/>
           </a:p>
           <a:p>
             <a:pPr lvl="1"/>
@@ -6134,7 +6287,7 @@
   <p:timing>
     <p:tnLst>
       <p:par>
-        <p:cTn id="1" dur="indefinite" restart="never" nodeType="tmRoot"/>
+        <p:cTn xmlns:p14="http://schemas.microsoft.com/office/powerpoint/2010/main" id="1" dur="indefinite" restart="never" nodeType="tmRoot"/>
       </p:par>
     </p:tnLst>
   </p:timing>
@@ -6499,9 +6652,636 @@
   <p:timing>
     <p:tnLst>
       <p:par>
-        <p:cTn id="1" dur="indefinite" restart="never" nodeType="tmRoot"/>
+        <p:cTn xmlns:p14="http://schemas.microsoft.com/office/powerpoint/2010/main" id="1" dur="indefinite" restart="never" nodeType="tmRoot">
+          <p:childTnLst>
+            <p:seq concurrent="1" nextAc="seek">
+              <p:cTn id="2" dur="indefinite" nodeType="mainSeq">
+                <p:childTnLst>
+                  <p:par>
+                    <p:cTn id="3" fill="hold">
+                      <p:stCondLst>
+                        <p:cond delay="indefinite"/>
+                        <p:cond evt="onBegin" delay="0">
+                          <p:tn val="2"/>
+                        </p:cond>
+                      </p:stCondLst>
+                      <p:childTnLst>
+                        <p:par>
+                          <p:cTn id="4" fill="hold">
+                            <p:stCondLst>
+                              <p:cond delay="0"/>
+                            </p:stCondLst>
+                            <p:childTnLst>
+                              <p:par>
+                                <p:cTn id="5" presetID="1" presetClass="entr" presetSubtype="0" fill="hold" grpId="0" nodeType="withEffect">
+                                  <p:stCondLst>
+                                    <p:cond delay="0"/>
+                                  </p:stCondLst>
+                                  <p:childTnLst>
+                                    <p:set>
+                                      <p:cBhvr>
+                                        <p:cTn id="6" dur="1" fill="hold">
+                                          <p:stCondLst>
+                                            <p:cond delay="0"/>
+                                          </p:stCondLst>
+                                        </p:cTn>
+                                        <p:tgtEl>
+                                          <p:spTgt spid="3">
+                                            <p:txEl>
+                                              <p:pRg st="0" end="0"/>
+                                            </p:txEl>
+                                          </p:spTgt>
+                                        </p:tgtEl>
+                                        <p:attrNameLst>
+                                          <p:attrName>style.visibility</p:attrName>
+                                        </p:attrNameLst>
+                                      </p:cBhvr>
+                                      <p:to>
+                                        <p:strVal val="visible"/>
+                                      </p:to>
+                                    </p:set>
+                                  </p:childTnLst>
+                                </p:cTn>
+                              </p:par>
+                              <p:par>
+                                <p:cTn id="7" presetID="1" presetClass="entr" presetSubtype="0" fill="hold" grpId="0" nodeType="withEffect">
+                                  <p:stCondLst>
+                                    <p:cond delay="0"/>
+                                  </p:stCondLst>
+                                  <p:childTnLst>
+                                    <p:set>
+                                      <p:cBhvr>
+                                        <p:cTn id="8" dur="1" fill="hold">
+                                          <p:stCondLst>
+                                            <p:cond delay="0"/>
+                                          </p:stCondLst>
+                                        </p:cTn>
+                                        <p:tgtEl>
+                                          <p:spTgt spid="3">
+                                            <p:txEl>
+                                              <p:pRg st="1" end="1"/>
+                                            </p:txEl>
+                                          </p:spTgt>
+                                        </p:tgtEl>
+                                        <p:attrNameLst>
+                                          <p:attrName>style.visibility</p:attrName>
+                                        </p:attrNameLst>
+                                      </p:cBhvr>
+                                      <p:to>
+                                        <p:strVal val="visible"/>
+                                      </p:to>
+                                    </p:set>
+                                  </p:childTnLst>
+                                </p:cTn>
+                              </p:par>
+                              <p:par>
+                                <p:cTn id="9" presetID="1" presetClass="entr" presetSubtype="0" fill="hold" grpId="0" nodeType="withEffect">
+                                  <p:stCondLst>
+                                    <p:cond delay="0"/>
+                                  </p:stCondLst>
+                                  <p:childTnLst>
+                                    <p:set>
+                                      <p:cBhvr>
+                                        <p:cTn id="10" dur="1" fill="hold">
+                                          <p:stCondLst>
+                                            <p:cond delay="0"/>
+                                          </p:stCondLst>
+                                        </p:cTn>
+                                        <p:tgtEl>
+                                          <p:spTgt spid="3">
+                                            <p:txEl>
+                                              <p:pRg st="2" end="2"/>
+                                            </p:txEl>
+                                          </p:spTgt>
+                                        </p:tgtEl>
+                                        <p:attrNameLst>
+                                          <p:attrName>style.visibility</p:attrName>
+                                        </p:attrNameLst>
+                                      </p:cBhvr>
+                                      <p:to>
+                                        <p:strVal val="visible"/>
+                                      </p:to>
+                                    </p:set>
+                                  </p:childTnLst>
+                                </p:cTn>
+                              </p:par>
+                            </p:childTnLst>
+                          </p:cTn>
+                        </p:par>
+                      </p:childTnLst>
+                    </p:cTn>
+                  </p:par>
+                  <p:par>
+                    <p:cTn id="11" fill="hold">
+                      <p:stCondLst>
+                        <p:cond delay="indefinite"/>
+                      </p:stCondLst>
+                      <p:childTnLst>
+                        <p:par>
+                          <p:cTn id="12" fill="hold">
+                            <p:stCondLst>
+                              <p:cond delay="0"/>
+                            </p:stCondLst>
+                            <p:childTnLst>
+                              <p:par>
+                                <p:cTn id="13" presetID="1" presetClass="entr" presetSubtype="0" fill="hold" grpId="0" nodeType="clickEffect">
+                                  <p:stCondLst>
+                                    <p:cond delay="0"/>
+                                  </p:stCondLst>
+                                  <p:childTnLst>
+                                    <p:set>
+                                      <p:cBhvr>
+                                        <p:cTn id="14" dur="1" fill="hold">
+                                          <p:stCondLst>
+                                            <p:cond delay="0"/>
+                                          </p:stCondLst>
+                                        </p:cTn>
+                                        <p:tgtEl>
+                                          <p:spTgt spid="3">
+                                            <p:txEl>
+                                              <p:pRg st="4" end="4"/>
+                                            </p:txEl>
+                                          </p:spTgt>
+                                        </p:tgtEl>
+                                        <p:attrNameLst>
+                                          <p:attrName>style.visibility</p:attrName>
+                                        </p:attrNameLst>
+                                      </p:cBhvr>
+                                      <p:to>
+                                        <p:strVal val="visible"/>
+                                      </p:to>
+                                    </p:set>
+                                  </p:childTnLst>
+                                </p:cTn>
+                              </p:par>
+                              <p:par>
+                                <p:cTn id="15" presetID="1" presetClass="entr" presetSubtype="0" fill="hold" grpId="0" nodeType="withEffect">
+                                  <p:stCondLst>
+                                    <p:cond delay="0"/>
+                                  </p:stCondLst>
+                                  <p:childTnLst>
+                                    <p:set>
+                                      <p:cBhvr>
+                                        <p:cTn id="16" dur="1" fill="hold">
+                                          <p:stCondLst>
+                                            <p:cond delay="0"/>
+                                          </p:stCondLst>
+                                        </p:cTn>
+                                        <p:tgtEl>
+                                          <p:spTgt spid="3">
+                                            <p:txEl>
+                                              <p:pRg st="5" end="5"/>
+                                            </p:txEl>
+                                          </p:spTgt>
+                                        </p:tgtEl>
+                                        <p:attrNameLst>
+                                          <p:attrName>style.visibility</p:attrName>
+                                        </p:attrNameLst>
+                                      </p:cBhvr>
+                                      <p:to>
+                                        <p:strVal val="visible"/>
+                                      </p:to>
+                                    </p:set>
+                                  </p:childTnLst>
+                                </p:cTn>
+                              </p:par>
+                              <p:par>
+                                <p:cTn id="17" presetID="1" presetClass="entr" presetSubtype="0" fill="hold" grpId="0" nodeType="withEffect">
+                                  <p:stCondLst>
+                                    <p:cond delay="0"/>
+                                  </p:stCondLst>
+                                  <p:childTnLst>
+                                    <p:set>
+                                      <p:cBhvr>
+                                        <p:cTn id="18" dur="1" fill="hold">
+                                          <p:stCondLst>
+                                            <p:cond delay="0"/>
+                                          </p:stCondLst>
+                                        </p:cTn>
+                                        <p:tgtEl>
+                                          <p:spTgt spid="3">
+                                            <p:txEl>
+                                              <p:pRg st="6" end="6"/>
+                                            </p:txEl>
+                                          </p:spTgt>
+                                        </p:tgtEl>
+                                        <p:attrNameLst>
+                                          <p:attrName>style.visibility</p:attrName>
+                                        </p:attrNameLst>
+                                      </p:cBhvr>
+                                      <p:to>
+                                        <p:strVal val="visible"/>
+                                      </p:to>
+                                    </p:set>
+                                  </p:childTnLst>
+                                </p:cTn>
+                              </p:par>
+                              <p:par>
+                                <p:cTn id="19" presetID="1" presetClass="entr" presetSubtype="0" fill="hold" grpId="0" nodeType="withEffect">
+                                  <p:stCondLst>
+                                    <p:cond delay="0"/>
+                                  </p:stCondLst>
+                                  <p:childTnLst>
+                                    <p:set>
+                                      <p:cBhvr>
+                                        <p:cTn id="20" dur="1" fill="hold">
+                                          <p:stCondLst>
+                                            <p:cond delay="0"/>
+                                          </p:stCondLst>
+                                        </p:cTn>
+                                        <p:tgtEl>
+                                          <p:spTgt spid="3">
+                                            <p:txEl>
+                                              <p:pRg st="7" end="7"/>
+                                            </p:txEl>
+                                          </p:spTgt>
+                                        </p:tgtEl>
+                                        <p:attrNameLst>
+                                          <p:attrName>style.visibility</p:attrName>
+                                        </p:attrNameLst>
+                                      </p:cBhvr>
+                                      <p:to>
+                                        <p:strVal val="visible"/>
+                                      </p:to>
+                                    </p:set>
+                                  </p:childTnLst>
+                                </p:cTn>
+                              </p:par>
+                            </p:childTnLst>
+                          </p:cTn>
+                        </p:par>
+                      </p:childTnLst>
+                    </p:cTn>
+                  </p:par>
+                  <p:par>
+                    <p:cTn id="21" fill="hold">
+                      <p:stCondLst>
+                        <p:cond delay="indefinite"/>
+                      </p:stCondLst>
+                      <p:childTnLst>
+                        <p:par>
+                          <p:cTn id="22" fill="hold">
+                            <p:stCondLst>
+                              <p:cond delay="0"/>
+                            </p:stCondLst>
+                            <p:childTnLst>
+                              <p:par>
+                                <p:cTn id="23" presetID="1" presetClass="entr" presetSubtype="0" fill="hold" grpId="0" nodeType="clickEffect">
+                                  <p:stCondLst>
+                                    <p:cond delay="0"/>
+                                  </p:stCondLst>
+                                  <p:childTnLst>
+                                    <p:set>
+                                      <p:cBhvr>
+                                        <p:cTn id="24" dur="1" fill="hold">
+                                          <p:stCondLst>
+                                            <p:cond delay="0"/>
+                                          </p:stCondLst>
+                                        </p:cTn>
+                                        <p:tgtEl>
+                                          <p:spTgt spid="5">
+                                            <p:txEl>
+                                              <p:pRg st="0" end="0"/>
+                                            </p:txEl>
+                                          </p:spTgt>
+                                        </p:tgtEl>
+                                        <p:attrNameLst>
+                                          <p:attrName>style.visibility</p:attrName>
+                                        </p:attrNameLst>
+                                      </p:cBhvr>
+                                      <p:to>
+                                        <p:strVal val="visible"/>
+                                      </p:to>
+                                    </p:set>
+                                  </p:childTnLst>
+                                </p:cTn>
+                              </p:par>
+                              <p:par>
+                                <p:cTn id="25" presetID="1" presetClass="entr" presetSubtype="0" fill="hold" nodeType="withEffect">
+                                  <p:stCondLst>
+                                    <p:cond delay="0"/>
+                                  </p:stCondLst>
+                                  <p:childTnLst>
+                                    <p:set>
+                                      <p:cBhvr>
+                                        <p:cTn id="26" dur="1" fill="hold">
+                                          <p:stCondLst>
+                                            <p:cond delay="0"/>
+                                          </p:stCondLst>
+                                        </p:cTn>
+                                        <p:tgtEl>
+                                          <p:spTgt spid="6"/>
+                                        </p:tgtEl>
+                                        <p:attrNameLst>
+                                          <p:attrName>style.visibility</p:attrName>
+                                        </p:attrNameLst>
+                                      </p:cBhvr>
+                                      <p:to>
+                                        <p:strVal val="visible"/>
+                                      </p:to>
+                                    </p:set>
+                                  </p:childTnLst>
+                                </p:cTn>
+                              </p:par>
+                            </p:childTnLst>
+                          </p:cTn>
+                        </p:par>
+                      </p:childTnLst>
+                    </p:cTn>
+                  </p:par>
+                  <p:par>
+                    <p:cTn id="27" fill="hold">
+                      <p:stCondLst>
+                        <p:cond delay="indefinite"/>
+                      </p:stCondLst>
+                      <p:childTnLst>
+                        <p:par>
+                          <p:cTn id="28" fill="hold">
+                            <p:stCondLst>
+                              <p:cond delay="0"/>
+                            </p:stCondLst>
+                            <p:childTnLst>
+                              <p:par>
+                                <p:cTn id="29" presetID="1" presetClass="entr" presetSubtype="0" fill="hold" grpId="0" nodeType="clickEffect">
+                                  <p:stCondLst>
+                                    <p:cond delay="0"/>
+                                  </p:stCondLst>
+                                  <p:childTnLst>
+                                    <p:set>
+                                      <p:cBhvr>
+                                        <p:cTn id="30" dur="1" fill="hold">
+                                          <p:stCondLst>
+                                            <p:cond delay="0"/>
+                                          </p:stCondLst>
+                                        </p:cTn>
+                                        <p:tgtEl>
+                                          <p:spTgt spid="5">
+                                            <p:txEl>
+                                              <p:pRg st="6" end="6"/>
+                                            </p:txEl>
+                                          </p:spTgt>
+                                        </p:tgtEl>
+                                        <p:attrNameLst>
+                                          <p:attrName>style.visibility</p:attrName>
+                                        </p:attrNameLst>
+                                      </p:cBhvr>
+                                      <p:to>
+                                        <p:strVal val="visible"/>
+                                      </p:to>
+                                    </p:set>
+                                  </p:childTnLst>
+                                </p:cTn>
+                              </p:par>
+                            </p:childTnLst>
+                          </p:cTn>
+                        </p:par>
+                      </p:childTnLst>
+                    </p:cTn>
+                  </p:par>
+                  <p:par>
+                    <p:cTn id="31" fill="hold">
+                      <p:stCondLst>
+                        <p:cond delay="indefinite"/>
+                      </p:stCondLst>
+                      <p:childTnLst>
+                        <p:par>
+                          <p:cTn id="32" fill="hold">
+                            <p:stCondLst>
+                              <p:cond delay="0"/>
+                            </p:stCondLst>
+                            <p:childTnLst>
+                              <p:par>
+                                <p:cTn id="33" presetID="1" presetClass="entr" presetSubtype="0" fill="hold" nodeType="clickEffect">
+                                  <p:stCondLst>
+                                    <p:cond delay="0"/>
+                                  </p:stCondLst>
+                                  <p:childTnLst>
+                                    <p:set>
+                                      <p:cBhvr>
+                                        <p:cTn id="34" dur="1" fill="hold">
+                                          <p:stCondLst>
+                                            <p:cond delay="0"/>
+                                          </p:stCondLst>
+                                        </p:cTn>
+                                        <p:tgtEl>
+                                          <p:spTgt spid="7"/>
+                                        </p:tgtEl>
+                                        <p:attrNameLst>
+                                          <p:attrName>style.visibility</p:attrName>
+                                        </p:attrNameLst>
+                                      </p:cBhvr>
+                                      <p:to>
+                                        <p:strVal val="visible"/>
+                                      </p:to>
+                                    </p:set>
+                                  </p:childTnLst>
+                                </p:cTn>
+                              </p:par>
+                            </p:childTnLst>
+                          </p:cTn>
+                        </p:par>
+                      </p:childTnLst>
+                    </p:cTn>
+                  </p:par>
+                  <p:par>
+                    <p:cTn id="35" fill="hold">
+                      <p:stCondLst>
+                        <p:cond delay="indefinite"/>
+                      </p:stCondLst>
+                      <p:childTnLst>
+                        <p:par>
+                          <p:cTn id="36" fill="hold">
+                            <p:stCondLst>
+                              <p:cond delay="0"/>
+                            </p:stCondLst>
+                            <p:childTnLst>
+                              <p:par>
+                                <p:cTn id="37" presetID="1" presetClass="entr" presetSubtype="0" fill="hold" grpId="0" nodeType="clickEffect">
+                                  <p:stCondLst>
+                                    <p:cond delay="0"/>
+                                  </p:stCondLst>
+                                  <p:childTnLst>
+                                    <p:set>
+                                      <p:cBhvr>
+                                        <p:cTn id="38" dur="1" fill="hold">
+                                          <p:stCondLst>
+                                            <p:cond delay="0"/>
+                                          </p:stCondLst>
+                                        </p:cTn>
+                                        <p:tgtEl>
+                                          <p:spTgt spid="5">
+                                            <p:txEl>
+                                              <p:pRg st="7" end="7"/>
+                                            </p:txEl>
+                                          </p:spTgt>
+                                        </p:tgtEl>
+                                        <p:attrNameLst>
+                                          <p:attrName>style.visibility</p:attrName>
+                                        </p:attrNameLst>
+                                      </p:cBhvr>
+                                      <p:to>
+                                        <p:strVal val="visible"/>
+                                      </p:to>
+                                    </p:set>
+                                  </p:childTnLst>
+                                </p:cTn>
+                              </p:par>
+                              <p:par>
+                                <p:cTn id="39" presetID="1" presetClass="entr" presetSubtype="0" fill="hold" nodeType="withEffect">
+                                  <p:stCondLst>
+                                    <p:cond delay="0"/>
+                                  </p:stCondLst>
+                                  <p:childTnLst>
+                                    <p:set>
+                                      <p:cBhvr>
+                                        <p:cTn id="40" dur="1" fill="hold">
+                                          <p:stCondLst>
+                                            <p:cond delay="0"/>
+                                          </p:stCondLst>
+                                        </p:cTn>
+                                        <p:tgtEl>
+                                          <p:spTgt spid="9"/>
+                                        </p:tgtEl>
+                                        <p:attrNameLst>
+                                          <p:attrName>style.visibility</p:attrName>
+                                        </p:attrNameLst>
+                                      </p:cBhvr>
+                                      <p:to>
+                                        <p:strVal val="visible"/>
+                                      </p:to>
+                                    </p:set>
+                                  </p:childTnLst>
+                                </p:cTn>
+                              </p:par>
+                            </p:childTnLst>
+                          </p:cTn>
+                        </p:par>
+                      </p:childTnLst>
+                    </p:cTn>
+                  </p:par>
+                  <p:par>
+                    <p:cTn id="41" fill="hold">
+                      <p:stCondLst>
+                        <p:cond delay="indefinite"/>
+                      </p:stCondLst>
+                      <p:childTnLst>
+                        <p:par>
+                          <p:cTn id="42" fill="hold">
+                            <p:stCondLst>
+                              <p:cond delay="0"/>
+                            </p:stCondLst>
+                            <p:childTnLst>
+                              <p:par>
+                                <p:cTn id="43" presetID="1" presetClass="entr" presetSubtype="0" fill="hold" grpId="0" nodeType="clickEffect">
+                                  <p:stCondLst>
+                                    <p:cond delay="0"/>
+                                  </p:stCondLst>
+                                  <p:childTnLst>
+                                    <p:set>
+                                      <p:cBhvr>
+                                        <p:cTn id="44" dur="1" fill="hold">
+                                          <p:stCondLst>
+                                            <p:cond delay="0"/>
+                                          </p:stCondLst>
+                                        </p:cTn>
+                                        <p:tgtEl>
+                                          <p:spTgt spid="5">
+                                            <p:txEl>
+                                              <p:pRg st="8" end="8"/>
+                                            </p:txEl>
+                                          </p:spTgt>
+                                        </p:tgtEl>
+                                        <p:attrNameLst>
+                                          <p:attrName>style.visibility</p:attrName>
+                                        </p:attrNameLst>
+                                      </p:cBhvr>
+                                      <p:to>
+                                        <p:strVal val="visible"/>
+                                      </p:to>
+                                    </p:set>
+                                  </p:childTnLst>
+                                </p:cTn>
+                              </p:par>
+                            </p:childTnLst>
+                          </p:cTn>
+                        </p:par>
+                      </p:childTnLst>
+                    </p:cTn>
+                  </p:par>
+                  <p:par>
+                    <p:cTn id="45" fill="hold">
+                      <p:stCondLst>
+                        <p:cond delay="indefinite"/>
+                      </p:stCondLst>
+                      <p:childTnLst>
+                        <p:par>
+                          <p:cTn id="46" fill="hold">
+                            <p:stCondLst>
+                              <p:cond delay="0"/>
+                            </p:stCondLst>
+                            <p:childTnLst>
+                              <p:par>
+                                <p:cTn id="47" presetID="1" presetClass="entr" presetSubtype="0" fill="hold" grpId="0" nodeType="clickEffect">
+                                  <p:stCondLst>
+                                    <p:cond delay="0"/>
+                                  </p:stCondLst>
+                                  <p:childTnLst>
+                                    <p:set>
+                                      <p:cBhvr>
+                                        <p:cTn id="48" dur="1" fill="hold">
+                                          <p:stCondLst>
+                                            <p:cond delay="0"/>
+                                          </p:stCondLst>
+                                        </p:cTn>
+                                        <p:tgtEl>
+                                          <p:spTgt spid="5">
+                                            <p:txEl>
+                                              <p:pRg st="9" end="9"/>
+                                            </p:txEl>
+                                          </p:spTgt>
+                                        </p:tgtEl>
+                                        <p:attrNameLst>
+                                          <p:attrName>style.visibility</p:attrName>
+                                        </p:attrNameLst>
+                                      </p:cBhvr>
+                                      <p:to>
+                                        <p:strVal val="visible"/>
+                                      </p:to>
+                                    </p:set>
+                                  </p:childTnLst>
+                                </p:cTn>
+                              </p:par>
+                            </p:childTnLst>
+                          </p:cTn>
+                        </p:par>
+                      </p:childTnLst>
+                    </p:cTn>
+                  </p:par>
+                </p:childTnLst>
+              </p:cTn>
+              <p:prevCondLst>
+                <p:cond evt="onPrev" delay="0">
+                  <p:tgtEl>
+                    <p:sldTgt/>
+                  </p:tgtEl>
+                </p:cond>
+              </p:prevCondLst>
+              <p:nextCondLst>
+                <p:cond evt="onNext" delay="0">
+                  <p:tgtEl>
+                    <p:sldTgt/>
+                  </p:tgtEl>
+                </p:cond>
+              </p:nextCondLst>
+            </p:seq>
+          </p:childTnLst>
+        </p:cTn>
       </p:par>
     </p:tnLst>
+    <p:bldLst>
+      <p:bldP spid="3" grpId="0" build="p"/>
+      <p:bldP spid="5" grpId="0" build="p"/>
+    </p:bldLst>
   </p:timing>
 </p:sld>
 </file>
@@ -6722,9 +7502,302 @@
   <p:timing>
     <p:tnLst>
       <p:par>
-        <p:cTn id="1" dur="indefinite" restart="never" nodeType="tmRoot"/>
+        <p:cTn xmlns:p14="http://schemas.microsoft.com/office/powerpoint/2010/main" id="1" dur="indefinite" restart="never" nodeType="tmRoot">
+          <p:childTnLst>
+            <p:seq concurrent="1" nextAc="seek">
+              <p:cTn id="2" dur="indefinite" nodeType="mainSeq">
+                <p:childTnLst>
+                  <p:par>
+                    <p:cTn id="3" fill="hold">
+                      <p:stCondLst>
+                        <p:cond delay="indefinite"/>
+                        <p:cond evt="onBegin" delay="0">
+                          <p:tn val="2"/>
+                        </p:cond>
+                      </p:stCondLst>
+                      <p:childTnLst>
+                        <p:par>
+                          <p:cTn id="4" fill="hold">
+                            <p:stCondLst>
+                              <p:cond delay="0"/>
+                            </p:stCondLst>
+                            <p:childTnLst>
+                              <p:par>
+                                <p:cTn id="5" presetID="1" presetClass="entr" presetSubtype="0" fill="hold" grpId="0" nodeType="withEffect">
+                                  <p:stCondLst>
+                                    <p:cond delay="0"/>
+                                  </p:stCondLst>
+                                  <p:childTnLst>
+                                    <p:set>
+                                      <p:cBhvr>
+                                        <p:cTn id="6" dur="1" fill="hold">
+                                          <p:stCondLst>
+                                            <p:cond delay="0"/>
+                                          </p:stCondLst>
+                                        </p:cTn>
+                                        <p:tgtEl>
+                                          <p:spTgt spid="3">
+                                            <p:txEl>
+                                              <p:pRg st="1" end="1"/>
+                                            </p:txEl>
+                                          </p:spTgt>
+                                        </p:tgtEl>
+                                        <p:attrNameLst>
+                                          <p:attrName>style.visibility</p:attrName>
+                                        </p:attrNameLst>
+                                      </p:cBhvr>
+                                      <p:to>
+                                        <p:strVal val="visible"/>
+                                      </p:to>
+                                    </p:set>
+                                  </p:childTnLst>
+                                </p:cTn>
+                              </p:par>
+                              <p:par>
+                                <p:cTn id="7" presetID="1" presetClass="entr" presetSubtype="0" fill="hold" grpId="0" nodeType="withEffect">
+                                  <p:stCondLst>
+                                    <p:cond delay="0"/>
+                                  </p:stCondLst>
+                                  <p:childTnLst>
+                                    <p:set>
+                                      <p:cBhvr>
+                                        <p:cTn id="8" dur="1" fill="hold">
+                                          <p:stCondLst>
+                                            <p:cond delay="0"/>
+                                          </p:stCondLst>
+                                        </p:cTn>
+                                        <p:tgtEl>
+                                          <p:spTgt spid="3">
+                                            <p:txEl>
+                                              <p:pRg st="2" end="2"/>
+                                            </p:txEl>
+                                          </p:spTgt>
+                                        </p:tgtEl>
+                                        <p:attrNameLst>
+                                          <p:attrName>style.visibility</p:attrName>
+                                        </p:attrNameLst>
+                                      </p:cBhvr>
+                                      <p:to>
+                                        <p:strVal val="visible"/>
+                                      </p:to>
+                                    </p:set>
+                                  </p:childTnLst>
+                                </p:cTn>
+                              </p:par>
+                              <p:par>
+                                <p:cTn id="9" presetID="1" presetClass="entr" presetSubtype="0" fill="hold" grpId="0" nodeType="withEffect">
+                                  <p:stCondLst>
+                                    <p:cond delay="0"/>
+                                  </p:stCondLst>
+                                  <p:childTnLst>
+                                    <p:set>
+                                      <p:cBhvr>
+                                        <p:cTn id="10" dur="1" fill="hold">
+                                          <p:stCondLst>
+                                            <p:cond delay="0"/>
+                                          </p:stCondLst>
+                                        </p:cTn>
+                                        <p:tgtEl>
+                                          <p:spTgt spid="3">
+                                            <p:txEl>
+                                              <p:pRg st="4" end="4"/>
+                                            </p:txEl>
+                                          </p:spTgt>
+                                        </p:tgtEl>
+                                        <p:attrNameLst>
+                                          <p:attrName>style.visibility</p:attrName>
+                                        </p:attrNameLst>
+                                      </p:cBhvr>
+                                      <p:to>
+                                        <p:strVal val="visible"/>
+                                      </p:to>
+                                    </p:set>
+                                  </p:childTnLst>
+                                </p:cTn>
+                              </p:par>
+                            </p:childTnLst>
+                          </p:cTn>
+                        </p:par>
+                      </p:childTnLst>
+                    </p:cTn>
+                  </p:par>
+                  <p:par>
+                    <p:cTn id="11" fill="hold">
+                      <p:stCondLst>
+                        <p:cond delay="indefinite"/>
+                      </p:stCondLst>
+                      <p:childTnLst>
+                        <p:par>
+                          <p:cTn id="12" fill="hold">
+                            <p:stCondLst>
+                              <p:cond delay="0"/>
+                            </p:stCondLst>
+                            <p:childTnLst>
+                              <p:par>
+                                <p:cTn id="13" presetID="1" presetClass="entr" presetSubtype="0" fill="hold" grpId="0" nodeType="clickEffect">
+                                  <p:stCondLst>
+                                    <p:cond delay="0"/>
+                                  </p:stCondLst>
+                                  <p:childTnLst>
+                                    <p:set>
+                                      <p:cBhvr>
+                                        <p:cTn id="14" dur="1" fill="hold">
+                                          <p:stCondLst>
+                                            <p:cond delay="0"/>
+                                          </p:stCondLst>
+                                        </p:cTn>
+                                        <p:tgtEl>
+                                          <p:spTgt spid="3">
+                                            <p:txEl>
+                                              <p:pRg st="5" end="5"/>
+                                            </p:txEl>
+                                          </p:spTgt>
+                                        </p:tgtEl>
+                                        <p:attrNameLst>
+                                          <p:attrName>style.visibility</p:attrName>
+                                        </p:attrNameLst>
+                                      </p:cBhvr>
+                                      <p:to>
+                                        <p:strVal val="visible"/>
+                                      </p:to>
+                                    </p:set>
+                                  </p:childTnLst>
+                                </p:cTn>
+                              </p:par>
+                              <p:par>
+                                <p:cTn id="15" presetID="1" presetClass="entr" presetSubtype="0" fill="hold" nodeType="withEffect">
+                                  <p:stCondLst>
+                                    <p:cond delay="0"/>
+                                  </p:stCondLst>
+                                  <p:childTnLst>
+                                    <p:set>
+                                      <p:cBhvr>
+                                        <p:cTn id="16" dur="1" fill="hold">
+                                          <p:stCondLst>
+                                            <p:cond delay="0"/>
+                                          </p:stCondLst>
+                                        </p:cTn>
+                                        <p:tgtEl>
+                                          <p:spTgt spid="9"/>
+                                        </p:tgtEl>
+                                        <p:attrNameLst>
+                                          <p:attrName>style.visibility</p:attrName>
+                                        </p:attrNameLst>
+                                      </p:cBhvr>
+                                      <p:to>
+                                        <p:strVal val="visible"/>
+                                      </p:to>
+                                    </p:set>
+                                  </p:childTnLst>
+                                </p:cTn>
+                              </p:par>
+                            </p:childTnLst>
+                          </p:cTn>
+                        </p:par>
+                      </p:childTnLst>
+                    </p:cTn>
+                  </p:par>
+                  <p:par>
+                    <p:cTn id="17" fill="hold">
+                      <p:stCondLst>
+                        <p:cond delay="indefinite"/>
+                      </p:stCondLst>
+                      <p:childTnLst>
+                        <p:par>
+                          <p:cTn id="18" fill="hold">
+                            <p:stCondLst>
+                              <p:cond delay="0"/>
+                            </p:stCondLst>
+                            <p:childTnLst>
+                              <p:par>
+                                <p:cTn id="19" presetID="1" presetClass="entr" presetSubtype="0" fill="hold" grpId="0" nodeType="clickEffect">
+                                  <p:stCondLst>
+                                    <p:cond delay="0"/>
+                                  </p:stCondLst>
+                                  <p:childTnLst>
+                                    <p:set>
+                                      <p:cBhvr>
+                                        <p:cTn id="20" dur="1" fill="hold">
+                                          <p:stCondLst>
+                                            <p:cond delay="0"/>
+                                          </p:stCondLst>
+                                        </p:cTn>
+                                        <p:tgtEl>
+                                          <p:spTgt spid="3">
+                                            <p:txEl>
+                                              <p:pRg st="6" end="6"/>
+                                            </p:txEl>
+                                          </p:spTgt>
+                                        </p:tgtEl>
+                                        <p:attrNameLst>
+                                          <p:attrName>style.visibility</p:attrName>
+                                        </p:attrNameLst>
+                                      </p:cBhvr>
+                                      <p:to>
+                                        <p:strVal val="visible"/>
+                                      </p:to>
+                                    </p:set>
+                                  </p:childTnLst>
+                                </p:cTn>
+                              </p:par>
+                              <p:par>
+                                <p:cTn id="21" presetID="1" presetClass="entr" presetSubtype="0" fill="hold" grpId="0" nodeType="withEffect">
+                                  <p:stCondLst>
+                                    <p:cond delay="0"/>
+                                  </p:stCondLst>
+                                  <p:childTnLst>
+                                    <p:set>
+                                      <p:cBhvr>
+                                        <p:cTn id="22" dur="1" fill="hold">
+                                          <p:stCondLst>
+                                            <p:cond delay="0"/>
+                                          </p:stCondLst>
+                                        </p:cTn>
+                                        <p:tgtEl>
+                                          <p:spTgt spid="10"/>
+                                        </p:tgtEl>
+                                        <p:attrNameLst>
+                                          <p:attrName>style.visibility</p:attrName>
+                                        </p:attrNameLst>
+                                      </p:cBhvr>
+                                      <p:to>
+                                        <p:strVal val="visible"/>
+                                      </p:to>
+                                    </p:set>
+                                  </p:childTnLst>
+                                </p:cTn>
+                              </p:par>
+                            </p:childTnLst>
+                          </p:cTn>
+                        </p:par>
+                      </p:childTnLst>
+                    </p:cTn>
+                  </p:par>
+                </p:childTnLst>
+              </p:cTn>
+              <p:prevCondLst>
+                <p:cond evt="onPrev" delay="0">
+                  <p:tgtEl>
+                    <p:sldTgt/>
+                  </p:tgtEl>
+                </p:cond>
+              </p:prevCondLst>
+              <p:nextCondLst>
+                <p:cond evt="onNext" delay="0">
+                  <p:tgtEl>
+                    <p:sldTgt/>
+                  </p:tgtEl>
+                </p:cond>
+              </p:nextCondLst>
+            </p:seq>
+          </p:childTnLst>
+        </p:cTn>
       </p:par>
     </p:tnLst>
+    <p:bldLst>
+      <p:bldP spid="3" grpId="0" build="p"/>
+      <p:bldP spid="10" grpId="0" animBg="1"/>
+    </p:bldLst>
   </p:timing>
 </p:sld>
 </file>
@@ -6970,6 +8043,13 @@
   <p:clrMapOvr>
     <a:masterClrMapping/>
   </p:clrMapOvr>
+  <p:timing>
+    <p:tnLst>
+      <p:par>
+        <p:cTn xmlns:p14="http://schemas.microsoft.com/office/powerpoint/2010/main" id="1" dur="indefinite" restart="never" nodeType="tmRoot"/>
+      </p:par>
+    </p:tnLst>
+  </p:timing>
 </p:sld>
 </file>
 
@@ -7128,6 +8208,13 @@
   <p:clrMapOvr>
     <a:masterClrMapping/>
   </p:clrMapOvr>
+  <p:timing>
+    <p:tnLst>
+      <p:par>
+        <p:cTn xmlns:p14="http://schemas.microsoft.com/office/powerpoint/2010/main" id="1" dur="indefinite" restart="never" nodeType="tmRoot"/>
+      </p:par>
+    </p:tnLst>
+  </p:timing>
 </p:sld>
 </file>
 
@@ -7369,7 +8456,7 @@
           <a:graphicData uri="http://schemas.openxmlformats.org/presentationml/2006/ole">
             <mc:AlternateContent xmlns:mc="http://schemas.openxmlformats.org/markup-compatibility/2006">
               <mc:Choice xmlns:v="urn:schemas-microsoft-com:vml" Requires="v">
-                <p:oleObj spid="_x0000_s9227" name="Equation" r:id="rId3" imgW="1511280" imgH="419040" progId="Equation.3">
+                <p:oleObj spid="_x0000_s9230" name="Equation" r:id="rId3" imgW="1511280" imgH="419040" progId="Equation.3">
                   <p:embed/>
                 </p:oleObj>
               </mc:Choice>
@@ -7414,6 +8501,13 @@
   <p:clrMapOvr>
     <a:masterClrMapping/>
   </p:clrMapOvr>
+  <p:timing>
+    <p:tnLst>
+      <p:par>
+        <p:cTn xmlns:p14="http://schemas.microsoft.com/office/powerpoint/2010/main" id="1" dur="indefinite" restart="never" nodeType="tmRoot"/>
+      </p:par>
+    </p:tnLst>
+  </p:timing>
 </p:sld>
 </file>
 
@@ -7721,7 +8815,7 @@
           <a:graphicData uri="http://schemas.openxmlformats.org/presentationml/2006/ole">
             <mc:AlternateContent xmlns:mc="http://schemas.openxmlformats.org/markup-compatibility/2006">
               <mc:Choice xmlns:v="urn:schemas-microsoft-com:vml" Requires="v">
-                <p:oleObj spid="_x0000_s1044" name="Equation" r:id="rId3" imgW="1511280" imgH="419040" progId="Equation.3">
+                <p:oleObj spid="_x0000_s1048" name="Equation" r:id="rId3" imgW="1511280" imgH="419040" progId="Equation.3">
                   <p:embed/>
                 </p:oleObj>
               </mc:Choice>
@@ -7911,6 +9005,556 @@
   <p:clrMapOvr>
     <a:masterClrMapping/>
   </p:clrMapOvr>
+  <p:timing>
+    <p:tnLst>
+      <p:par>
+        <p:cTn xmlns:p14="http://schemas.microsoft.com/office/powerpoint/2010/main" id="1" dur="indefinite" restart="never" nodeType="tmRoot">
+          <p:childTnLst>
+            <p:seq concurrent="1" nextAc="seek">
+              <p:cTn id="2" dur="indefinite" nodeType="mainSeq">
+                <p:childTnLst>
+                  <p:par>
+                    <p:cTn id="3" fill="hold">
+                      <p:stCondLst>
+                        <p:cond delay="indefinite"/>
+                      </p:stCondLst>
+                      <p:childTnLst>
+                        <p:par>
+                          <p:cTn id="4" fill="hold">
+                            <p:stCondLst>
+                              <p:cond delay="0"/>
+                            </p:stCondLst>
+                            <p:childTnLst>
+                              <p:par>
+                                <p:cTn id="5" presetID="1" presetClass="entr" presetSubtype="0" fill="hold" grpId="0" nodeType="clickEffect">
+                                  <p:stCondLst>
+                                    <p:cond delay="0"/>
+                                  </p:stCondLst>
+                                  <p:childTnLst>
+                                    <p:set>
+                                      <p:cBhvr>
+                                        <p:cTn id="6" dur="1" fill="hold">
+                                          <p:stCondLst>
+                                            <p:cond delay="0"/>
+                                          </p:stCondLst>
+                                        </p:cTn>
+                                        <p:tgtEl>
+                                          <p:spTgt spid="3">
+                                            <p:txEl>
+                                              <p:pRg st="3" end="3"/>
+                                            </p:txEl>
+                                          </p:spTgt>
+                                        </p:tgtEl>
+                                        <p:attrNameLst>
+                                          <p:attrName>style.visibility</p:attrName>
+                                        </p:attrNameLst>
+                                      </p:cBhvr>
+                                      <p:to>
+                                        <p:strVal val="visible"/>
+                                      </p:to>
+                                    </p:set>
+                                  </p:childTnLst>
+                                </p:cTn>
+                              </p:par>
+                              <p:par>
+                                <p:cTn id="7" presetID="1" presetClass="entr" presetSubtype="0" fill="hold" grpId="0" nodeType="withEffect">
+                                  <p:stCondLst>
+                                    <p:cond delay="0"/>
+                                  </p:stCondLst>
+                                  <p:childTnLst>
+                                    <p:set>
+                                      <p:cBhvr>
+                                        <p:cTn id="8" dur="1" fill="hold">
+                                          <p:stCondLst>
+                                            <p:cond delay="0"/>
+                                          </p:stCondLst>
+                                        </p:cTn>
+                                        <p:tgtEl>
+                                          <p:spTgt spid="3">
+                                            <p:txEl>
+                                              <p:pRg st="4" end="4"/>
+                                            </p:txEl>
+                                          </p:spTgt>
+                                        </p:tgtEl>
+                                        <p:attrNameLst>
+                                          <p:attrName>style.visibility</p:attrName>
+                                        </p:attrNameLst>
+                                      </p:cBhvr>
+                                      <p:to>
+                                        <p:strVal val="visible"/>
+                                      </p:to>
+                                    </p:set>
+                                  </p:childTnLst>
+                                </p:cTn>
+                              </p:par>
+                              <p:par>
+                                <p:cTn id="9" presetID="1" presetClass="entr" presetSubtype="0" fill="hold" nodeType="withEffect">
+                                  <p:stCondLst>
+                                    <p:cond delay="0"/>
+                                  </p:stCondLst>
+                                  <p:childTnLst>
+                                    <p:set>
+                                      <p:cBhvr>
+                                        <p:cTn id="10" dur="1" fill="hold">
+                                          <p:stCondLst>
+                                            <p:cond delay="0"/>
+                                          </p:stCondLst>
+                                        </p:cTn>
+                                        <p:tgtEl>
+                                          <p:spTgt spid="3">
+                                            <p:txEl>
+                                              <p:pRg st="7" end="7"/>
+                                            </p:txEl>
+                                          </p:spTgt>
+                                        </p:tgtEl>
+                                        <p:attrNameLst>
+                                          <p:attrName>style.visibility</p:attrName>
+                                        </p:attrNameLst>
+                                      </p:cBhvr>
+                                      <p:to>
+                                        <p:strVal val="visible"/>
+                                      </p:to>
+                                    </p:set>
+                                  </p:childTnLst>
+                                </p:cTn>
+                              </p:par>
+                              <p:par>
+                                <p:cTn id="11" presetID="1" presetClass="entr" presetSubtype="0" fill="hold" nodeType="withEffect">
+                                  <p:stCondLst>
+                                    <p:cond delay="0"/>
+                                  </p:stCondLst>
+                                  <p:childTnLst>
+                                    <p:set>
+                                      <p:cBhvr>
+                                        <p:cTn id="12" dur="1" fill="hold">
+                                          <p:stCondLst>
+                                            <p:cond delay="0"/>
+                                          </p:stCondLst>
+                                        </p:cTn>
+                                        <p:tgtEl>
+                                          <p:spTgt spid="3">
+                                            <p:txEl>
+                                              <p:pRg st="9" end="9"/>
+                                            </p:txEl>
+                                          </p:spTgt>
+                                        </p:tgtEl>
+                                        <p:attrNameLst>
+                                          <p:attrName>style.visibility</p:attrName>
+                                        </p:attrNameLst>
+                                      </p:cBhvr>
+                                      <p:to>
+                                        <p:strVal val="visible"/>
+                                      </p:to>
+                                    </p:set>
+                                  </p:childTnLst>
+                                </p:cTn>
+                              </p:par>
+                            </p:childTnLst>
+                          </p:cTn>
+                        </p:par>
+                      </p:childTnLst>
+                    </p:cTn>
+                  </p:par>
+                  <p:par>
+                    <p:cTn id="13" fill="hold">
+                      <p:stCondLst>
+                        <p:cond delay="indefinite"/>
+                      </p:stCondLst>
+                      <p:childTnLst>
+                        <p:par>
+                          <p:cTn id="14" fill="hold">
+                            <p:stCondLst>
+                              <p:cond delay="0"/>
+                            </p:stCondLst>
+                            <p:childTnLst>
+                              <p:par>
+                                <p:cTn id="15" presetID="1" presetClass="entr" presetSubtype="0" fill="hold" grpId="0" nodeType="clickEffect">
+                                  <p:stCondLst>
+                                    <p:cond delay="0"/>
+                                  </p:stCondLst>
+                                  <p:childTnLst>
+                                    <p:set>
+                                      <p:cBhvr>
+                                        <p:cTn id="16" dur="1" fill="hold">
+                                          <p:stCondLst>
+                                            <p:cond delay="0"/>
+                                          </p:stCondLst>
+                                        </p:cTn>
+                                        <p:tgtEl>
+                                          <p:spTgt spid="3">
+                                            <p:txEl>
+                                              <p:pRg st="5" end="5"/>
+                                            </p:txEl>
+                                          </p:spTgt>
+                                        </p:tgtEl>
+                                        <p:attrNameLst>
+                                          <p:attrName>style.visibility</p:attrName>
+                                        </p:attrNameLst>
+                                      </p:cBhvr>
+                                      <p:to>
+                                        <p:strVal val="visible"/>
+                                      </p:to>
+                                    </p:set>
+                                  </p:childTnLst>
+                                </p:cTn>
+                              </p:par>
+                              <p:par>
+                                <p:cTn id="17" presetID="1" presetClass="entr" presetSubtype="0" fill="hold" grpId="0" nodeType="withEffect">
+                                  <p:stCondLst>
+                                    <p:cond delay="0"/>
+                                  </p:stCondLst>
+                                  <p:childTnLst>
+                                    <p:set>
+                                      <p:cBhvr>
+                                        <p:cTn id="18" dur="1" fill="hold">
+                                          <p:stCondLst>
+                                            <p:cond delay="0"/>
+                                          </p:stCondLst>
+                                        </p:cTn>
+                                        <p:tgtEl>
+                                          <p:spTgt spid="3">
+                                            <p:txEl>
+                                              <p:pRg st="6" end="6"/>
+                                            </p:txEl>
+                                          </p:spTgt>
+                                        </p:tgtEl>
+                                        <p:attrNameLst>
+                                          <p:attrName>style.visibility</p:attrName>
+                                        </p:attrNameLst>
+                                      </p:cBhvr>
+                                      <p:to>
+                                        <p:strVal val="visible"/>
+                                      </p:to>
+                                    </p:set>
+                                  </p:childTnLst>
+                                </p:cTn>
+                              </p:par>
+                            </p:childTnLst>
+                          </p:cTn>
+                        </p:par>
+                      </p:childTnLst>
+                    </p:cTn>
+                  </p:par>
+                  <p:par>
+                    <p:cTn id="19" fill="hold">
+                      <p:stCondLst>
+                        <p:cond delay="indefinite"/>
+                      </p:stCondLst>
+                      <p:childTnLst>
+                        <p:par>
+                          <p:cTn id="20" fill="hold">
+                            <p:stCondLst>
+                              <p:cond delay="0"/>
+                            </p:stCondLst>
+                            <p:childTnLst>
+                              <p:par>
+                                <p:cTn id="21" presetID="1" presetClass="entr" presetSubtype="0" fill="hold" nodeType="clickEffect">
+                                  <p:stCondLst>
+                                    <p:cond delay="0"/>
+                                  </p:stCondLst>
+                                  <p:childTnLst>
+                                    <p:set>
+                                      <p:cBhvr>
+                                        <p:cTn id="22" dur="1" fill="hold">
+                                          <p:stCondLst>
+                                            <p:cond delay="0"/>
+                                          </p:stCondLst>
+                                        </p:cTn>
+                                        <p:tgtEl>
+                                          <p:spTgt spid="15"/>
+                                        </p:tgtEl>
+                                        <p:attrNameLst>
+                                          <p:attrName>style.visibility</p:attrName>
+                                        </p:attrNameLst>
+                                      </p:cBhvr>
+                                      <p:to>
+                                        <p:strVal val="visible"/>
+                                      </p:to>
+                                    </p:set>
+                                  </p:childTnLst>
+                                </p:cTn>
+                              </p:par>
+                            </p:childTnLst>
+                          </p:cTn>
+                        </p:par>
+                      </p:childTnLst>
+                    </p:cTn>
+                  </p:par>
+                  <p:par>
+                    <p:cTn id="23" fill="hold">
+                      <p:stCondLst>
+                        <p:cond delay="indefinite"/>
+                      </p:stCondLst>
+                      <p:childTnLst>
+                        <p:par>
+                          <p:cTn id="24" fill="hold">
+                            <p:stCondLst>
+                              <p:cond delay="0"/>
+                            </p:stCondLst>
+                            <p:childTnLst>
+                              <p:par>
+                                <p:cTn id="25" presetID="1" presetClass="entr" presetSubtype="0" fill="hold" nodeType="clickEffect">
+                                  <p:stCondLst>
+                                    <p:cond delay="0"/>
+                                  </p:stCondLst>
+                                  <p:childTnLst>
+                                    <p:set>
+                                      <p:cBhvr>
+                                        <p:cTn id="26" dur="1" fill="hold">
+                                          <p:stCondLst>
+                                            <p:cond delay="0"/>
+                                          </p:stCondLst>
+                                        </p:cTn>
+                                        <p:tgtEl>
+                                          <p:spTgt spid="11"/>
+                                        </p:tgtEl>
+                                        <p:attrNameLst>
+                                          <p:attrName>style.visibility</p:attrName>
+                                        </p:attrNameLst>
+                                      </p:cBhvr>
+                                      <p:to>
+                                        <p:strVal val="visible"/>
+                                      </p:to>
+                                    </p:set>
+                                  </p:childTnLst>
+                                </p:cTn>
+                              </p:par>
+                            </p:childTnLst>
+                          </p:cTn>
+                        </p:par>
+                      </p:childTnLst>
+                    </p:cTn>
+                  </p:par>
+                  <p:par>
+                    <p:cTn id="27" fill="hold">
+                      <p:stCondLst>
+                        <p:cond delay="indefinite"/>
+                      </p:stCondLst>
+                      <p:childTnLst>
+                        <p:par>
+                          <p:cTn id="28" fill="hold">
+                            <p:stCondLst>
+                              <p:cond delay="0"/>
+                            </p:stCondLst>
+                            <p:childTnLst>
+                              <p:par>
+                                <p:cTn id="29" presetID="1" presetClass="entr" presetSubtype="0" fill="hold" grpId="0" nodeType="clickEffect">
+                                  <p:stCondLst>
+                                    <p:cond delay="0"/>
+                                  </p:stCondLst>
+                                  <p:childTnLst>
+                                    <p:set>
+                                      <p:cBhvr>
+                                        <p:cTn id="30" dur="1" fill="hold">
+                                          <p:stCondLst>
+                                            <p:cond delay="0"/>
+                                          </p:stCondLst>
+                                        </p:cTn>
+                                        <p:tgtEl>
+                                          <p:spTgt spid="3">
+                                            <p:txEl>
+                                              <p:pRg st="8" end="8"/>
+                                            </p:txEl>
+                                          </p:spTgt>
+                                        </p:tgtEl>
+                                        <p:attrNameLst>
+                                          <p:attrName>style.visibility</p:attrName>
+                                        </p:attrNameLst>
+                                      </p:cBhvr>
+                                      <p:to>
+                                        <p:strVal val="visible"/>
+                                      </p:to>
+                                    </p:set>
+                                  </p:childTnLst>
+                                </p:cTn>
+                              </p:par>
+                            </p:childTnLst>
+                          </p:cTn>
+                        </p:par>
+                      </p:childTnLst>
+                    </p:cTn>
+                  </p:par>
+                  <p:par>
+                    <p:cTn id="31" fill="hold">
+                      <p:stCondLst>
+                        <p:cond delay="indefinite"/>
+                      </p:stCondLst>
+                      <p:childTnLst>
+                        <p:par>
+                          <p:cTn id="32" fill="hold">
+                            <p:stCondLst>
+                              <p:cond delay="0"/>
+                            </p:stCondLst>
+                            <p:childTnLst>
+                              <p:par>
+                                <p:cTn id="33" presetID="1" presetClass="entr" presetSubtype="0" fill="hold" nodeType="clickEffect">
+                                  <p:stCondLst>
+                                    <p:cond delay="0"/>
+                                  </p:stCondLst>
+                                  <p:childTnLst>
+                                    <p:set>
+                                      <p:cBhvr>
+                                        <p:cTn id="34" dur="1" fill="hold">
+                                          <p:stCondLst>
+                                            <p:cond delay="0"/>
+                                          </p:stCondLst>
+                                        </p:cTn>
+                                        <p:tgtEl>
+                                          <p:spTgt spid="9"/>
+                                        </p:tgtEl>
+                                        <p:attrNameLst>
+                                          <p:attrName>style.visibility</p:attrName>
+                                        </p:attrNameLst>
+                                      </p:cBhvr>
+                                      <p:to>
+                                        <p:strVal val="visible"/>
+                                      </p:to>
+                                    </p:set>
+                                  </p:childTnLst>
+                                </p:cTn>
+                              </p:par>
+                            </p:childTnLst>
+                          </p:cTn>
+                        </p:par>
+                      </p:childTnLst>
+                    </p:cTn>
+                  </p:par>
+                  <p:par>
+                    <p:cTn id="35" fill="hold">
+                      <p:stCondLst>
+                        <p:cond delay="indefinite"/>
+                      </p:stCondLst>
+                      <p:childTnLst>
+                        <p:par>
+                          <p:cTn id="36" fill="hold">
+                            <p:stCondLst>
+                              <p:cond delay="0"/>
+                            </p:stCondLst>
+                            <p:childTnLst>
+                              <p:par>
+                                <p:cTn id="37" presetID="1" presetClass="entr" presetSubtype="0" fill="hold" grpId="0" nodeType="clickEffect">
+                                  <p:stCondLst>
+                                    <p:cond delay="0"/>
+                                  </p:stCondLst>
+                                  <p:childTnLst>
+                                    <p:set>
+                                      <p:cBhvr>
+                                        <p:cTn id="38" dur="1" fill="hold">
+                                          <p:stCondLst>
+                                            <p:cond delay="0"/>
+                                          </p:stCondLst>
+                                        </p:cTn>
+                                        <p:tgtEl>
+                                          <p:spTgt spid="3">
+                                            <p:txEl>
+                                              <p:pRg st="10" end="10"/>
+                                            </p:txEl>
+                                          </p:spTgt>
+                                        </p:tgtEl>
+                                        <p:attrNameLst>
+                                          <p:attrName>style.visibility</p:attrName>
+                                        </p:attrNameLst>
+                                      </p:cBhvr>
+                                      <p:to>
+                                        <p:strVal val="visible"/>
+                                      </p:to>
+                                    </p:set>
+                                  </p:childTnLst>
+                                </p:cTn>
+                              </p:par>
+                              <p:par>
+                                <p:cTn id="39" presetID="1" presetClass="entr" presetSubtype="0" fill="hold" nodeType="withEffect">
+                                  <p:stCondLst>
+                                    <p:cond delay="0"/>
+                                  </p:stCondLst>
+                                  <p:childTnLst>
+                                    <p:set>
+                                      <p:cBhvr>
+                                        <p:cTn id="40" dur="1" fill="hold">
+                                          <p:stCondLst>
+                                            <p:cond delay="0"/>
+                                          </p:stCondLst>
+                                        </p:cTn>
+                                        <p:tgtEl>
+                                          <p:spTgt spid="3">
+                                            <p:txEl>
+                                              <p:pRg st="10" end="10"/>
+                                            </p:txEl>
+                                          </p:spTgt>
+                                        </p:tgtEl>
+                                        <p:attrNameLst>
+                                          <p:attrName>style.visibility</p:attrName>
+                                        </p:attrNameLst>
+                                      </p:cBhvr>
+                                      <p:to>
+                                        <p:strVal val="visible"/>
+                                      </p:to>
+                                    </p:set>
+                                  </p:childTnLst>
+                                </p:cTn>
+                              </p:par>
+                              <p:par>
+                                <p:cTn id="41" presetID="1" presetClass="entr" presetSubtype="0" fill="hold" nodeType="withEffect">
+                                  <p:stCondLst>
+                                    <p:cond delay="0"/>
+                                  </p:stCondLst>
+                                  <p:childTnLst>
+                                    <p:set>
+                                      <p:cBhvr>
+                                        <p:cTn id="42" dur="1" fill="hold">
+                                          <p:stCondLst>
+                                            <p:cond delay="0"/>
+                                          </p:stCondLst>
+                                        </p:cTn>
+                                        <p:tgtEl>
+                                          <p:spTgt spid="3">
+                                            <p:txEl>
+                                              <p:pRg st="8" end="8"/>
+                                            </p:txEl>
+                                          </p:spTgt>
+                                        </p:tgtEl>
+                                        <p:attrNameLst>
+                                          <p:attrName>style.visibility</p:attrName>
+                                        </p:attrNameLst>
+                                      </p:cBhvr>
+                                      <p:to>
+                                        <p:strVal val="visible"/>
+                                      </p:to>
+                                    </p:set>
+                                  </p:childTnLst>
+                                </p:cTn>
+                              </p:par>
+                            </p:childTnLst>
+                          </p:cTn>
+                        </p:par>
+                      </p:childTnLst>
+                    </p:cTn>
+                  </p:par>
+                </p:childTnLst>
+              </p:cTn>
+              <p:prevCondLst>
+                <p:cond evt="onPrev" delay="0">
+                  <p:tgtEl>
+                    <p:sldTgt/>
+                  </p:tgtEl>
+                </p:cond>
+              </p:prevCondLst>
+              <p:nextCondLst>
+                <p:cond evt="onNext" delay="0">
+                  <p:tgtEl>
+                    <p:sldTgt/>
+                  </p:tgtEl>
+                </p:cond>
+              </p:nextCondLst>
+            </p:seq>
+          </p:childTnLst>
+        </p:cTn>
+      </p:par>
+    </p:tnLst>
+    <p:bldLst>
+      <p:bldP spid="3" grpId="0" build="p"/>
+    </p:bldLst>
+  </p:timing>
 </p:sld>
 </file>
 
@@ -8050,7 +9694,7 @@
                   <a:t>MLE </a:t>
                 </a:r>
                 <a14:m>
-                  <m:oMath xmlns:m="http://schemas.openxmlformats.org/officeDocument/2006/math">
+                  <m:oMath xmlns:m="http://schemas.openxmlformats.org/officeDocument/2006/math" xmlns="">
                     <m:acc>
                       <m:accPr>
                         <m:chr m:val="̂"/>
@@ -8079,7 +9723,7 @@
                   <a:t> is the density </a:t>
                 </a:r>
                 <a14:m>
-                  <m:oMath xmlns:m="http://schemas.openxmlformats.org/officeDocument/2006/math">
+                  <m:oMath xmlns:m="http://schemas.openxmlformats.org/officeDocument/2006/math" xmlns="">
                     <m:acc>
                       <m:accPr>
                         <m:chr m:val="̅"/>
@@ -8269,6 +9913,13 @@
   <p:clrMapOvr>
     <a:masterClrMapping/>
   </p:clrMapOvr>
+  <p:timing>
+    <p:tnLst>
+      <p:par>
+        <p:cTn xmlns:p14="http://schemas.microsoft.com/office/powerpoint/2010/main" id="1" dur="indefinite" restart="never" nodeType="tmRoot"/>
+      </p:par>
+    </p:tnLst>
+  </p:timing>
 </p:sld>
 </file>
 
@@ -8454,7 +10105,7 @@
   <p:timing>
     <p:tnLst>
       <p:par>
-        <p:cTn id="1" dur="indefinite" restart="never" nodeType="tmRoot"/>
+        <p:cTn xmlns:p14="http://schemas.microsoft.com/office/powerpoint/2010/main" id="1" dur="indefinite" restart="never" nodeType="tmRoot"/>
       </p:par>
     </p:tnLst>
   </p:timing>
@@ -8726,7 +10377,7 @@
           <a:graphicData uri="http://schemas.openxmlformats.org/presentationml/2006/ole">
             <mc:AlternateContent xmlns:mc="http://schemas.openxmlformats.org/markup-compatibility/2006">
               <mc:Choice xmlns:v="urn:schemas-microsoft-com:vml" Requires="v">
-                <p:oleObj spid="_x0000_s3149" name="Equation" r:id="rId3" imgW="558720" imgH="431640" progId="Equation.DSMT4">
+                <p:oleObj spid="_x0000_s3158" name="Equation" r:id="rId3" imgW="558720" imgH="431640" progId="Equation.DSMT4">
                   <p:embed/>
                 </p:oleObj>
               </mc:Choice>
@@ -8783,7 +10434,7 @@
           <a:graphicData uri="http://schemas.openxmlformats.org/presentationml/2006/ole">
             <mc:AlternateContent xmlns:mc="http://schemas.openxmlformats.org/markup-compatibility/2006">
               <mc:Choice xmlns:v="urn:schemas-microsoft-com:vml" Requires="v">
-                <p:oleObj spid="_x0000_s3150" name="Equation" r:id="rId5" imgW="1193760" imgH="419040" progId="Equation.DSMT4">
+                <p:oleObj spid="_x0000_s3159" name="Equation" r:id="rId5" imgW="1193760" imgH="419040" progId="Equation.DSMT4">
                   <p:embed/>
                 </p:oleObj>
               </mc:Choice>
@@ -8840,7 +10491,7 @@
           <a:graphicData uri="http://schemas.openxmlformats.org/presentationml/2006/ole">
             <mc:AlternateContent xmlns:mc="http://schemas.openxmlformats.org/markup-compatibility/2006">
               <mc:Choice xmlns:v="urn:schemas-microsoft-com:vml" Requires="v">
-                <p:oleObj spid="_x0000_s3151" name="Equation" r:id="rId7" imgW="2425680" imgH="419040" progId="Equation.DSMT4">
+                <p:oleObj spid="_x0000_s3160" name="Equation" r:id="rId7" imgW="2425680" imgH="419040" progId="Equation.DSMT4">
                   <p:embed/>
                 </p:oleObj>
               </mc:Choice>
@@ -8897,7 +10548,7 @@
           <a:graphicData uri="http://schemas.openxmlformats.org/presentationml/2006/ole">
             <mc:AlternateContent xmlns:mc="http://schemas.openxmlformats.org/markup-compatibility/2006">
               <mc:Choice xmlns:v="urn:schemas-microsoft-com:vml" Requires="v">
-                <p:oleObj spid="_x0000_s3152" name="Equation" r:id="rId9" imgW="672840" imgH="431640" progId="Equation.DSMT4">
+                <p:oleObj spid="_x0000_s3161" name="Equation" r:id="rId9" imgW="672840" imgH="431640" progId="Equation.DSMT4">
                   <p:embed/>
                 </p:oleObj>
               </mc:Choice>
@@ -8975,7 +10626,7 @@
   <p:timing>
     <p:tnLst>
       <p:par>
-        <p:cTn id="1" dur="indefinite" restart="never" nodeType="tmRoot"/>
+        <p:cTn xmlns:p14="http://schemas.microsoft.com/office/powerpoint/2010/main" id="1" dur="indefinite" restart="never" nodeType="tmRoot"/>
       </p:par>
     </p:tnLst>
   </p:timing>
@@ -9230,7 +10881,7 @@
           <a:graphicData uri="http://schemas.openxmlformats.org/presentationml/2006/ole">
             <mc:AlternateContent xmlns:mc="http://schemas.openxmlformats.org/markup-compatibility/2006">
               <mc:Choice xmlns:v="urn:schemas-microsoft-com:vml" Requires="v">
-                <p:oleObj spid="_x0000_s7179" name="Equation" r:id="rId3" imgW="1701720" imgH="507960" progId="Equation.DSMT4">
+                <p:oleObj spid="_x0000_s7182" name="Equation" r:id="rId3" imgW="1701720" imgH="507960" progId="Equation.DSMT4">
                   <p:embed/>
                 </p:oleObj>
               </mc:Choice>
@@ -9278,7 +10929,7 @@
   <p:timing>
     <p:tnLst>
       <p:par>
-        <p:cTn id="1" dur="indefinite" restart="never" nodeType="tmRoot"/>
+        <p:cTn xmlns:p14="http://schemas.microsoft.com/office/powerpoint/2010/main" id="1" dur="indefinite" restart="never" nodeType="tmRoot"/>
       </p:par>
     </p:tnLst>
   </p:timing>
@@ -9488,7 +11139,7 @@
           <a:graphicData uri="http://schemas.openxmlformats.org/presentationml/2006/ole">
             <mc:AlternateContent xmlns:mc="http://schemas.openxmlformats.org/markup-compatibility/2006">
               <mc:Choice xmlns:v="urn:schemas-microsoft-com:vml" Requires="v">
-                <p:oleObj spid="_x0000_s5153" name="Equation" r:id="rId3" imgW="1892300" imgH="469900" progId="Equation.3">
+                <p:oleObj spid="_x0000_s5156" name="Equation" r:id="rId3" imgW="1892300" imgH="469900" progId="Equation.3">
                   <p:embed/>
                 </p:oleObj>
               </mc:Choice>
@@ -9591,6 +11242,13 @@
   <p:clrMapOvr>
     <a:masterClrMapping/>
   </p:clrMapOvr>
+  <p:timing>
+    <p:tnLst>
+      <p:par>
+        <p:cTn xmlns:p14="http://schemas.microsoft.com/office/powerpoint/2010/main" id="1" dur="indefinite" restart="never" nodeType="tmRoot"/>
+      </p:par>
+    </p:tnLst>
+  </p:timing>
 </p:sld>
 </file>
 
@@ -9804,6 +11462,13 @@
   <p:clrMapOvr>
     <a:masterClrMapping/>
   </p:clrMapOvr>
+  <p:timing>
+    <p:tnLst>
+      <p:par>
+        <p:cTn xmlns:p14="http://schemas.microsoft.com/office/powerpoint/2010/main" id="1" dur="indefinite" restart="never" nodeType="tmRoot"/>
+      </p:par>
+    </p:tnLst>
+  </p:timing>
 </p:sld>
 </file>
 
@@ -10221,7 +11886,7 @@
           <a:graphicData uri="http://schemas.openxmlformats.org/presentationml/2006/ole">
             <mc:AlternateContent xmlns:mc="http://schemas.openxmlformats.org/markup-compatibility/2006">
               <mc:Choice xmlns:v="urn:schemas-microsoft-com:vml" Requires="v">
-                <p:oleObj spid="_x0000_s6156" name="Equation" r:id="rId3" imgW="3174840" imgH="469800" progId="Equation.3">
+                <p:oleObj spid="_x0000_s6159" name="Equation" r:id="rId3" imgW="3174840" imgH="469800" progId="Equation.3">
                   <p:embed/>
                 </p:oleObj>
               </mc:Choice>
@@ -10525,6 +12190,13 @@
   <p:clrMapOvr>
     <a:masterClrMapping/>
   </p:clrMapOvr>
+  <p:timing>
+    <p:tnLst>
+      <p:par>
+        <p:cTn xmlns:p14="http://schemas.microsoft.com/office/powerpoint/2010/main" id="1" dur="indefinite" restart="never" nodeType="tmRoot"/>
+      </p:par>
+    </p:tnLst>
+  </p:timing>
 </p:sld>
 </file>
 
@@ -10855,7 +12527,7 @@
           <a:graphicData uri="http://schemas.openxmlformats.org/presentationml/2006/ole">
             <mc:AlternateContent xmlns:mc="http://schemas.openxmlformats.org/markup-compatibility/2006">
               <mc:Choice xmlns:v="urn:schemas-microsoft-com:vml" Requires="v">
-                <p:oleObj spid="_x0000_s4144" name="Equation" r:id="rId3" imgW="3174840" imgH="469800" progId="Equation.3">
+                <p:oleObj spid="_x0000_s4153" name="Equation" r:id="rId3" imgW="3174840" imgH="469800" progId="Equation.3">
                   <p:embed/>
                 </p:oleObj>
               </mc:Choice>
@@ -11256,7 +12928,7 @@
           <a:graphicData uri="http://schemas.openxmlformats.org/presentationml/2006/ole">
             <mc:AlternateContent xmlns:mc="http://schemas.openxmlformats.org/markup-compatibility/2006">
               <mc:Choice xmlns:v="urn:schemas-microsoft-com:vml" Requires="v">
-                <p:oleObj spid="_x0000_s4145" name="Equation" r:id="rId5" imgW="1447560" imgH="507960" progId="Equation.DSMT4">
+                <p:oleObj spid="_x0000_s4154" name="Equation" r:id="rId5" imgW="1447560" imgH="507960" progId="Equation.DSMT4">
                   <p:embed/>
                 </p:oleObj>
               </mc:Choice>
@@ -11313,7 +12985,7 @@
           <a:graphicData uri="http://schemas.openxmlformats.org/presentationml/2006/ole">
             <mc:AlternateContent xmlns:mc="http://schemas.openxmlformats.org/markup-compatibility/2006">
               <mc:Choice xmlns:v="urn:schemas-microsoft-com:vml" Requires="v">
-                <p:oleObj spid="_x0000_s4146" name="Equation" r:id="rId7" imgW="2882880" imgH="838080" progId="Equation.DSMT4">
+                <p:oleObj spid="_x0000_s4155" name="Equation" r:id="rId7" imgW="2882880" imgH="838080" progId="Equation.DSMT4">
                   <p:embed/>
                 </p:oleObj>
               </mc:Choice>
@@ -11370,7 +13042,7 @@
           <a:graphicData uri="http://schemas.openxmlformats.org/presentationml/2006/ole">
             <mc:AlternateContent xmlns:mc="http://schemas.openxmlformats.org/markup-compatibility/2006">
               <mc:Choice xmlns:v="urn:schemas-microsoft-com:vml" Requires="v">
-                <p:oleObj spid="_x0000_s4147" name="Equation" r:id="rId9" imgW="1778000" imgH="469900" progId="Equation.3">
+                <p:oleObj spid="_x0000_s4156" name="Equation" r:id="rId9" imgW="1778000" imgH="469900" progId="Equation.3">
                   <p:embed/>
                 </p:oleObj>
               </mc:Choice>
@@ -11415,6 +13087,13 @@
   <p:clrMapOvr>
     <a:masterClrMapping/>
   </p:clrMapOvr>
+  <p:timing>
+    <p:tnLst>
+      <p:par>
+        <p:cTn xmlns:p14="http://schemas.microsoft.com/office/powerpoint/2010/main" id="1" dur="indefinite" restart="never" nodeType="tmRoot"/>
+      </p:par>
+    </p:tnLst>
+  </p:timing>
 </p:sld>
 </file>
 
@@ -11594,6 +13273,13 @@
   <p:clrMapOvr>
     <a:masterClrMapping/>
   </p:clrMapOvr>
+  <p:timing>
+    <p:tnLst>
+      <p:par>
+        <p:cTn xmlns:p14="http://schemas.microsoft.com/office/powerpoint/2010/main" id="1" dur="indefinite" restart="never" nodeType="tmRoot"/>
+      </p:par>
+    </p:tnLst>
+  </p:timing>
 </p:sld>
 </file>
 
@@ -11782,46 +13468,23 @@
             <a:pPr lvl="1"/>
             <a:r>
               <a:rPr lang="en-US" dirty="0" smtClean="0"/>
-              <a:t>Perform some exploratory analysis and discuss with your neighbors.</a:t>
-            </a:r>
+              <a:t>Perform some exploratory analysis and discuss with your neighbors</a:t>
+            </a:r>
+            <a:r>
+              <a:rPr lang="en-US" dirty="0" smtClean="0"/>
+              <a:t>.</a:t>
+            </a:r>
+            <a:endParaRPr lang="en-US" dirty="0"/>
           </a:p>
           <a:p>
             <a:pPr lvl="1"/>
             <a:r>
-              <a:rPr lang="en-US" dirty="0" smtClean="0">
-                <a:solidFill>
-                  <a:srgbClr val="FF0000"/>
-                </a:solidFill>
-              </a:rPr>
-              <a:t>Image of </a:t>
-            </a:r>
-            <a:r>
-              <a:rPr lang="en-US" dirty="0" err="1" smtClean="0">
-                <a:solidFill>
-                  <a:srgbClr val="FF0000"/>
-                </a:solidFill>
-              </a:rPr>
-              <a:t>nw</a:t>
-            </a:r>
-            <a:endParaRPr lang="en-US" dirty="0" smtClean="0">
-              <a:solidFill>
-                <a:srgbClr val="FF0000"/>
-              </a:solidFill>
-            </a:endParaRPr>
-          </a:p>
-          <a:p>
-            <a:pPr lvl="1"/>
-            <a:r>
-              <a:rPr lang="en-US" dirty="0" smtClean="0"/>
-              <a:t>Fit this </a:t>
-            </a:r>
-            <a:r>
-              <a:rPr lang="en-US" dirty="0" smtClean="0"/>
-              <a:t>individual effects model </a:t>
-            </a:r>
-            <a:r>
-              <a:rPr lang="en-US" dirty="0" smtClean="0"/>
-              <a:t>with </a:t>
+              <a:rPr lang="en-US" dirty="0" smtClean="0"/>
+              <a:t>Fit </a:t>
+            </a:r>
+            <a:r>
+              <a:rPr lang="en-US" dirty="0" smtClean="0"/>
+              <a:t>this individual effects model with </a:t>
             </a:r>
           </a:p>
           <a:p>
@@ -11853,6 +13516,36 @@
           </a:p>
         </p:txBody>
       </p:sp>
+      <p:pic>
+        <p:nvPicPr>
+          <p:cNvPr id="5" name="Picture 4" descr="samp_plot.png"/>
+          <p:cNvPicPr>
+            <a:picLocks noChangeAspect="1"/>
+          </p:cNvPicPr>
+          <p:nvPr/>
+        </p:nvPicPr>
+        <p:blipFill>
+          <a:blip r:embed="rId2">
+            <a:extLst>
+              <a:ext uri="{28A0092B-C50C-407E-A947-70E740481C1C}">
+                <a14:useLocalDpi xmlns:a14="http://schemas.microsoft.com/office/drawing/2010/main" val="0"/>
+              </a:ext>
+            </a:extLst>
+          </a:blip>
+          <a:stretch>
+            <a:fillRect/>
+          </a:stretch>
+        </p:blipFill>
+        <p:spPr>
+          <a:xfrm>
+            <a:off x="7195559" y="3322193"/>
+            <a:ext cx="2963833" cy="2643603"/>
+          </a:xfrm>
+          <a:prstGeom prst="rect">
+            <a:avLst/>
+          </a:prstGeom>
+        </p:spPr>
+      </p:pic>
     </p:spTree>
     <p:extLst>
       <p:ext uri="{BB962C8B-B14F-4D97-AF65-F5344CB8AC3E}">
@@ -11863,6 +13556,13 @@
   <p:clrMapOvr>
     <a:masterClrMapping/>
   </p:clrMapOvr>
+  <p:timing>
+    <p:tnLst>
+      <p:par>
+        <p:cTn xmlns:p14="http://schemas.microsoft.com/office/powerpoint/2010/main" id="1" dur="indefinite" restart="never" nodeType="tmRoot"/>
+      </p:par>
+    </p:tnLst>
+  </p:timing>
 </p:sld>
 </file>
 
@@ -11918,7 +13618,12 @@
             <p:ph sz="half" idx="1"/>
           </p:nvPr>
         </p:nvSpPr>
-        <p:spPr/>
+        <p:spPr>
+          <a:xfrm>
+            <a:off x="1097278" y="1349440"/>
+            <a:ext cx="4937760" cy="4519654"/>
+          </a:xfrm>
+        </p:spPr>
         <p:txBody>
           <a:bodyPr/>
           <a:lstStyle/>
@@ -12047,44 +13752,37 @@
           </a:p>
           <a:p>
             <a:r>
-              <a:rPr lang="en-US" dirty="0" smtClean="0">
+              <a:rPr lang="en-US" sz="1400" dirty="0" err="1" smtClean="0">
                 <a:solidFill>
-                  <a:schemeClr val="accent2">
-                    <a:lumMod val="50000"/>
-                    <a:lumOff val="50000"/>
-                  </a:schemeClr>
+                  <a:srgbClr val="404040"/>
                 </a:solidFill>
-              </a:rPr>
-              <a:t>Image of </a:t>
-            </a:r>
-            <a:r>
-              <a:rPr lang="en-US" dirty="0" err="1" smtClean="0">
+                <a:latin typeface="Courier"/>
+                <a:cs typeface="Courier"/>
+              </a:rPr>
+              <a:t>samplike</a:t>
+            </a:r>
+            <a:r>
+              <a:rPr lang="en-US" sz="1400" dirty="0" smtClean="0">
                 <a:solidFill>
-                  <a:schemeClr val="accent2">
-                    <a:lumMod val="50000"/>
-                    <a:lumOff val="50000"/>
-                  </a:schemeClr>
+                  <a:srgbClr val="404040"/>
                 </a:solidFill>
-              </a:rPr>
-              <a:t>coefs</a:t>
-            </a:r>
-            <a:endParaRPr lang="en-US" dirty="0" smtClean="0">
+                <a:latin typeface="Courier"/>
+                <a:cs typeface="Courier"/>
+              </a:rPr>
+              <a:t> ~ edges + sender + receiver + mutual</a:t>
+            </a:r>
+            <a:endParaRPr lang="en-US" sz="1400" dirty="0" smtClean="0">
               <a:solidFill>
-                <a:schemeClr val="accent2">
-                  <a:lumMod val="50000"/>
-                  <a:lumOff val="50000"/>
-                </a:schemeClr>
+                <a:srgbClr val="404040"/>
               </a:solidFill>
+              <a:latin typeface="Courier"/>
+              <a:cs typeface="Courier"/>
             </a:endParaRPr>
           </a:p>
           <a:p>
             <a:r>
               <a:rPr lang="en-US" dirty="0" smtClean="0"/>
-              <a:t>As you can see, </a:t>
-            </a:r>
-            <a:r>
-              <a:rPr lang="en-US" dirty="0" smtClean="0"/>
-              <a:t>the individual effects and p</a:t>
+              <a:t>As you can see, the individual effects and p</a:t>
             </a:r>
             <a:r>
               <a:rPr lang="en-US" baseline="-25000" dirty="0" smtClean="0"/>
@@ -12092,19 +13790,7 @@
             </a:r>
             <a:r>
               <a:rPr lang="en-US" dirty="0" smtClean="0"/>
-              <a:t> models include </a:t>
-            </a:r>
-            <a:r>
-              <a:rPr lang="en-US" dirty="0" smtClean="0"/>
-              <a:t>many parameters, which </a:t>
-            </a:r>
-            <a:r>
-              <a:rPr lang="en-US" dirty="0" smtClean="0"/>
-              <a:t>are </a:t>
-            </a:r>
-            <a:r>
-              <a:rPr lang="en-US" dirty="0" smtClean="0"/>
-              <a:t>specific to the network in question. </a:t>
+              <a:t> models include many parameters, which are specific to the network in question. </a:t>
             </a:r>
           </a:p>
           <a:p>
@@ -12116,6 +13802,35 @@
           </a:p>
         </p:txBody>
       </p:sp>
+      <p:pic>
+        <p:nvPicPr>
+          <p:cNvPr id="5" name="Picture 4" descr="samp_p1coefs.png"/>
+          <p:cNvPicPr>
+            <a:picLocks noChangeAspect="1"/>
+          </p:cNvPicPr>
+          <p:nvPr/>
+        </p:nvPicPr>
+        <p:blipFill rotWithShape="1">
+          <a:blip r:embed="rId2">
+            <a:extLst>
+              <a:ext uri="{28A0092B-C50C-407E-A947-70E740481C1C}">
+                <a14:useLocalDpi xmlns:a14="http://schemas.microsoft.com/office/drawing/2010/main" val="0"/>
+              </a:ext>
+            </a:extLst>
+          </a:blip>
+          <a:srcRect b="51544"/>
+          <a:stretch/>
+        </p:blipFill>
+        <p:spPr>
+          <a:xfrm>
+            <a:off x="6988309" y="3970997"/>
+            <a:ext cx="3000590" cy="2233688"/>
+          </a:xfrm>
+          <a:prstGeom prst="rect">
+            <a:avLst/>
+          </a:prstGeom>
+        </p:spPr>
+      </p:pic>
     </p:spTree>
     <p:extLst>
       <p:ext uri="{BB962C8B-B14F-4D97-AF65-F5344CB8AC3E}">
@@ -12126,6 +13841,13 @@
   <p:clrMapOvr>
     <a:masterClrMapping/>
   </p:clrMapOvr>
+  <p:timing>
+    <p:tnLst>
+      <p:par>
+        <p:cTn xmlns:p14="http://schemas.microsoft.com/office/powerpoint/2010/main" id="1" dur="indefinite" restart="never" nodeType="tmRoot"/>
+      </p:par>
+    </p:tnLst>
+  </p:timing>
 </p:sld>
 </file>
 
@@ -12628,9 +14350,224 @@
   <p:timing>
     <p:tnLst>
       <p:par>
-        <p:cTn id="1" dur="indefinite" restart="never" nodeType="tmRoot"/>
+        <p:cTn xmlns:p14="http://schemas.microsoft.com/office/powerpoint/2010/main" id="1" dur="indefinite" restart="never" nodeType="tmRoot">
+          <p:childTnLst>
+            <p:seq concurrent="1" nextAc="seek">
+              <p:cTn id="2" dur="indefinite" nodeType="mainSeq">
+                <p:childTnLst>
+                  <p:par>
+                    <p:cTn id="3" fill="hold">
+                      <p:stCondLst>
+                        <p:cond delay="indefinite"/>
+                      </p:stCondLst>
+                      <p:childTnLst>
+                        <p:par>
+                          <p:cTn id="4" fill="hold">
+                            <p:stCondLst>
+                              <p:cond delay="0"/>
+                            </p:stCondLst>
+                            <p:childTnLst>
+                              <p:par>
+                                <p:cTn id="5" presetID="1" presetClass="entr" presetSubtype="0" fill="hold" grpId="0" nodeType="clickEffect">
+                                  <p:stCondLst>
+                                    <p:cond delay="0"/>
+                                  </p:stCondLst>
+                                  <p:childTnLst>
+                                    <p:set>
+                                      <p:cBhvr>
+                                        <p:cTn id="6" dur="1" fill="hold">
+                                          <p:stCondLst>
+                                            <p:cond delay="0"/>
+                                          </p:stCondLst>
+                                        </p:cTn>
+                                        <p:tgtEl>
+                                          <p:spTgt spid="3">
+                                            <p:txEl>
+                                              <p:pRg st="0" end="0"/>
+                                            </p:txEl>
+                                          </p:spTgt>
+                                        </p:tgtEl>
+                                        <p:attrNameLst>
+                                          <p:attrName>style.visibility</p:attrName>
+                                        </p:attrNameLst>
+                                      </p:cBhvr>
+                                      <p:to>
+                                        <p:strVal val="visible"/>
+                                      </p:to>
+                                    </p:set>
+                                  </p:childTnLst>
+                                </p:cTn>
+                              </p:par>
+                            </p:childTnLst>
+                          </p:cTn>
+                        </p:par>
+                      </p:childTnLst>
+                    </p:cTn>
+                  </p:par>
+                  <p:par>
+                    <p:cTn id="7" fill="hold">
+                      <p:stCondLst>
+                        <p:cond delay="indefinite"/>
+                      </p:stCondLst>
+                      <p:childTnLst>
+                        <p:par>
+                          <p:cTn id="8" fill="hold">
+                            <p:stCondLst>
+                              <p:cond delay="0"/>
+                            </p:stCondLst>
+                            <p:childTnLst>
+                              <p:par>
+                                <p:cTn id="9" presetID="1" presetClass="entr" presetSubtype="0" fill="hold" nodeType="clickEffect">
+                                  <p:stCondLst>
+                                    <p:cond delay="0"/>
+                                  </p:stCondLst>
+                                  <p:childTnLst>
+                                    <p:set>
+                                      <p:cBhvr>
+                                        <p:cTn id="10" dur="1" fill="hold">
+                                          <p:stCondLst>
+                                            <p:cond delay="0"/>
+                                          </p:stCondLst>
+                                        </p:cTn>
+                                        <p:tgtEl>
+                                          <p:spTgt spid="7"/>
+                                        </p:tgtEl>
+                                        <p:attrNameLst>
+                                          <p:attrName>style.visibility</p:attrName>
+                                        </p:attrNameLst>
+                                      </p:cBhvr>
+                                      <p:to>
+                                        <p:strVal val="visible"/>
+                                      </p:to>
+                                    </p:set>
+                                  </p:childTnLst>
+                                </p:cTn>
+                              </p:par>
+                            </p:childTnLst>
+                          </p:cTn>
+                        </p:par>
+                      </p:childTnLst>
+                    </p:cTn>
+                  </p:par>
+                  <p:par>
+                    <p:cTn id="11" fill="hold">
+                      <p:stCondLst>
+                        <p:cond delay="indefinite"/>
+                      </p:stCondLst>
+                      <p:childTnLst>
+                        <p:par>
+                          <p:cTn id="12" fill="hold">
+                            <p:stCondLst>
+                              <p:cond delay="0"/>
+                            </p:stCondLst>
+                            <p:childTnLst>
+                              <p:par>
+                                <p:cTn id="13" presetID="1" presetClass="entr" presetSubtype="0" fill="hold" grpId="0" nodeType="clickEffect">
+                                  <p:stCondLst>
+                                    <p:cond delay="0"/>
+                                  </p:stCondLst>
+                                  <p:childTnLst>
+                                    <p:set>
+                                      <p:cBhvr>
+                                        <p:cTn id="14" dur="1" fill="hold">
+                                          <p:stCondLst>
+                                            <p:cond delay="0"/>
+                                          </p:stCondLst>
+                                        </p:cTn>
+                                        <p:tgtEl>
+                                          <p:spTgt spid="4">
+                                            <p:txEl>
+                                              <p:pRg st="0" end="0"/>
+                                            </p:txEl>
+                                          </p:spTgt>
+                                        </p:tgtEl>
+                                        <p:attrNameLst>
+                                          <p:attrName>style.visibility</p:attrName>
+                                        </p:attrNameLst>
+                                      </p:cBhvr>
+                                      <p:to>
+                                        <p:strVal val="visible"/>
+                                      </p:to>
+                                    </p:set>
+                                  </p:childTnLst>
+                                </p:cTn>
+                              </p:par>
+                            </p:childTnLst>
+                          </p:cTn>
+                        </p:par>
+                      </p:childTnLst>
+                    </p:cTn>
+                  </p:par>
+                  <p:par>
+                    <p:cTn id="15" fill="hold">
+                      <p:stCondLst>
+                        <p:cond delay="indefinite"/>
+                      </p:stCondLst>
+                      <p:childTnLst>
+                        <p:par>
+                          <p:cTn id="16" fill="hold">
+                            <p:stCondLst>
+                              <p:cond delay="0"/>
+                            </p:stCondLst>
+                            <p:childTnLst>
+                              <p:par>
+                                <p:cTn id="17" presetID="1" presetClass="entr" presetSubtype="0" fill="hold" nodeType="clickEffect">
+                                  <p:stCondLst>
+                                    <p:cond delay="0"/>
+                                  </p:stCondLst>
+                                  <p:childTnLst>
+                                    <p:set>
+                                      <p:cBhvr>
+                                        <p:cTn id="18" dur="1" fill="hold">
+                                          <p:stCondLst>
+                                            <p:cond delay="0"/>
+                                          </p:stCondLst>
+                                        </p:cTn>
+                                        <p:tgtEl>
+                                          <p:spTgt spid="6"/>
+                                        </p:tgtEl>
+                                        <p:attrNameLst>
+                                          <p:attrName>style.visibility</p:attrName>
+                                        </p:attrNameLst>
+                                      </p:cBhvr>
+                                      <p:to>
+                                        <p:strVal val="visible"/>
+                                      </p:to>
+                                    </p:set>
+                                  </p:childTnLst>
+                                </p:cTn>
+                              </p:par>
+                            </p:childTnLst>
+                          </p:cTn>
+                        </p:par>
+                      </p:childTnLst>
+                    </p:cTn>
+                  </p:par>
+                </p:childTnLst>
+              </p:cTn>
+              <p:prevCondLst>
+                <p:cond evt="onPrev" delay="0">
+                  <p:tgtEl>
+                    <p:sldTgt/>
+                  </p:tgtEl>
+                </p:cond>
+              </p:prevCondLst>
+              <p:nextCondLst>
+                <p:cond evt="onNext" delay="0">
+                  <p:tgtEl>
+                    <p:sldTgt/>
+                  </p:tgtEl>
+                </p:cond>
+              </p:nextCondLst>
+            </p:seq>
+          </p:childTnLst>
+        </p:cTn>
       </p:par>
     </p:tnLst>
+    <p:bldLst>
+      <p:bldP spid="3" grpId="0" build="p"/>
+      <p:bldP spid="4" grpId="0" build="p"/>
+    </p:bldLst>
   </p:timing>
 </p:sld>
 </file>
@@ -13825,7 +15762,7 @@
   <p:timing>
     <p:tnLst>
       <p:par>
-        <p:cTn id="1" dur="indefinite" restart="never" nodeType="tmRoot"/>
+        <p:cTn xmlns:p14="http://schemas.microsoft.com/office/powerpoint/2010/main" id="1" dur="indefinite" restart="never" nodeType="tmRoot"/>
       </p:par>
     </p:tnLst>
   </p:timing>
@@ -13941,7 +15878,7 @@
   <p:timing>
     <p:tnLst>
       <p:par>
-        <p:cTn id="1" dur="indefinite" restart="never" nodeType="tmRoot"/>
+        <p:cTn xmlns:p14="http://schemas.microsoft.com/office/powerpoint/2010/main" id="1" dur="indefinite" restart="never" nodeType="tmRoot"/>
       </p:par>
     </p:tnLst>
   </p:timing>
@@ -14498,7 +16435,7 @@
   <p:timing>
     <p:tnLst>
       <p:par>
-        <p:cTn id="1" dur="indefinite" restart="never" nodeType="tmRoot"/>
+        <p:cTn xmlns:p14="http://schemas.microsoft.com/office/powerpoint/2010/main" id="1" dur="indefinite" restart="never" nodeType="tmRoot"/>
       </p:par>
     </p:tnLst>
   </p:timing>
@@ -14952,7 +16889,7 @@
   <p:timing>
     <p:tnLst>
       <p:par>
-        <p:cTn id="1" dur="indefinite" restart="never" nodeType="tmRoot"/>
+        <p:cTn xmlns:p14="http://schemas.microsoft.com/office/powerpoint/2010/main" id="1" dur="indefinite" restart="never" nodeType="tmRoot"/>
       </p:par>
     </p:tnLst>
   </p:timing>
@@ -15038,8 +16975,8 @@
         </p:nvSpPr>
         <p:spPr>
           <a:xfrm>
-            <a:off x="1097280" y="2077079"/>
-            <a:ext cx="4791891" cy="3883455"/>
+            <a:off x="1097280" y="2077080"/>
+            <a:ext cx="4791891" cy="3003461"/>
           </a:xfrm>
         </p:spPr>
         <p:txBody>
@@ -15114,17 +17051,13 @@
             </a:pPr>
             <a:r>
               <a:rPr lang="en-US" dirty="0" smtClean="0"/>
-              <a:t>Review and further topics</a:t>
-            </a:r>
-          </a:p>
-          <a:p>
-            <a:pPr marL="0" indent="0">
-              <a:buNone/>
-            </a:pPr>
-            <a:r>
-              <a:rPr lang="en-US" dirty="0" smtClean="0"/>
-              <a:t>See the supplemental materials for more background and examples on each of these topics</a:t>
-            </a:r>
+              <a:t>Review and further </a:t>
+            </a:r>
+            <a:r>
+              <a:rPr lang="en-US" dirty="0" smtClean="0"/>
+              <a:t>topics</a:t>
+            </a:r>
+            <a:endParaRPr lang="en-US" dirty="0" smtClean="0"/>
           </a:p>
         </p:txBody>
       </p:sp>
@@ -15153,6 +17086,67 @@
           </a:graphicData>
         </a:graphic>
       </p:graphicFrame>
+      <p:sp>
+        <p:nvSpPr>
+          <p:cNvPr id="4" name="TextBox 3"/>
+          <p:cNvSpPr txBox="1"/>
+          <p:nvPr/>
+        </p:nvSpPr>
+        <p:spPr>
+          <a:xfrm>
+            <a:off x="1036375" y="5314129"/>
+            <a:ext cx="4860743" cy="1292662"/>
+          </a:xfrm>
+          <a:prstGeom prst="rect">
+            <a:avLst/>
+          </a:prstGeom>
+          <a:noFill/>
+        </p:spPr>
+        <p:txBody>
+          <a:bodyPr wrap="square" rtlCol="0">
+            <a:spAutoFit/>
+          </a:bodyPr>
+          <a:lstStyle/>
+          <a:p>
+            <a:r>
+              <a:rPr lang="en-US" sz="2000" dirty="0">
+                <a:solidFill>
+                  <a:schemeClr val="tx1">
+                    <a:lumMod val="75000"/>
+                    <a:lumOff val="25000"/>
+                  </a:schemeClr>
+                </a:solidFill>
+              </a:rPr>
+              <a:t>See the supplemental </a:t>
+            </a:r>
+            <a:r>
+              <a:rPr lang="en-US" sz="2000" dirty="0" smtClean="0">
+                <a:solidFill>
+                  <a:schemeClr val="tx1">
+                    <a:lumMod val="75000"/>
+                    <a:lumOff val="25000"/>
+                  </a:schemeClr>
+                </a:solidFill>
+              </a:rPr>
+              <a:t>workshop materials </a:t>
+            </a:r>
+            <a:r>
+              <a:rPr lang="en-US" sz="2000" dirty="0">
+                <a:solidFill>
+                  <a:schemeClr val="tx1">
+                    <a:lumMod val="75000"/>
+                    <a:lumOff val="25000"/>
+                  </a:schemeClr>
+                </a:solidFill>
+              </a:rPr>
+              <a:t>for more background and examples on each of these topics</a:t>
+            </a:r>
+          </a:p>
+          <a:p>
+            <a:endParaRPr lang="en-US" dirty="0"/>
+          </a:p>
+        </p:txBody>
+      </p:sp>
     </p:spTree>
     <p:extLst>
       <p:ext uri="{BB962C8B-B14F-4D97-AF65-F5344CB8AC3E}">
@@ -15166,9 +17160,80 @@
   <p:timing>
     <p:tnLst>
       <p:par>
-        <p:cTn id="1" dur="indefinite" restart="never" nodeType="tmRoot"/>
+        <p:cTn xmlns:p14="http://schemas.microsoft.com/office/powerpoint/2010/main" id="1" dur="indefinite" restart="never" nodeType="tmRoot">
+          <p:childTnLst>
+            <p:seq concurrent="1" nextAc="seek">
+              <p:cTn id="2" dur="indefinite" nodeType="mainSeq">
+                <p:childTnLst>
+                  <p:par>
+                    <p:cTn id="3" fill="hold">
+                      <p:stCondLst>
+                        <p:cond delay="indefinite"/>
+                      </p:stCondLst>
+                      <p:childTnLst>
+                        <p:par>
+                          <p:cTn id="4" fill="hold">
+                            <p:stCondLst>
+                              <p:cond delay="0"/>
+                            </p:stCondLst>
+                            <p:childTnLst>
+                              <p:par>
+                                <p:cTn id="5" presetID="1" presetClass="entr" presetSubtype="0" fill="hold" grpId="0" nodeType="clickEffect">
+                                  <p:stCondLst>
+                                    <p:cond delay="0"/>
+                                  </p:stCondLst>
+                                  <p:childTnLst>
+                                    <p:set>
+                                      <p:cBhvr>
+                                        <p:cTn id="6" dur="1" fill="hold">
+                                          <p:stCondLst>
+                                            <p:cond delay="0"/>
+                                          </p:stCondLst>
+                                        </p:cTn>
+                                        <p:tgtEl>
+                                          <p:spTgt spid="4"/>
+                                        </p:tgtEl>
+                                        <p:attrNameLst>
+                                          <p:attrName>style.visibility</p:attrName>
+                                        </p:attrNameLst>
+                                      </p:cBhvr>
+                                      <p:to>
+                                        <p:strVal val="visible"/>
+                                      </p:to>
+                                    </p:set>
+                                  </p:childTnLst>
+                                </p:cTn>
+                              </p:par>
+                            </p:childTnLst>
+                          </p:cTn>
+                        </p:par>
+                      </p:childTnLst>
+                    </p:cTn>
+                  </p:par>
+                </p:childTnLst>
+              </p:cTn>
+              <p:prevCondLst>
+                <p:cond evt="onPrev" delay="0">
+                  <p:tgtEl>
+                    <p:sldTgt/>
+                  </p:tgtEl>
+                </p:cond>
+              </p:prevCondLst>
+              <p:nextCondLst>
+                <p:cond evt="onNext" delay="0">
+                  <p:tgtEl>
+                    <p:sldTgt/>
+                  </p:tgtEl>
+                </p:cond>
+              </p:nextCondLst>
+            </p:seq>
+          </p:childTnLst>
+        </p:cTn>
       </p:par>
     </p:tnLst>
+    <p:bldLst>
+      <p:bldP spid="4" grpId="0"/>
+    </p:bldLst>
   </p:timing>
 </p:sld>
 </file>
@@ -15486,9 +17551,208 @@
   <p:timing>
     <p:tnLst>
       <p:par>
-        <p:cTn id="1" dur="indefinite" restart="never" nodeType="tmRoot"/>
+        <p:cTn xmlns:p14="http://schemas.microsoft.com/office/powerpoint/2010/main" id="1" dur="indefinite" restart="never" nodeType="tmRoot">
+          <p:childTnLst>
+            <p:seq concurrent="1" nextAc="seek">
+              <p:cTn id="2" dur="indefinite" nodeType="mainSeq">
+                <p:childTnLst>
+                  <p:par>
+                    <p:cTn id="3" fill="hold">
+                      <p:stCondLst>
+                        <p:cond delay="indefinite"/>
+                      </p:stCondLst>
+                      <p:childTnLst>
+                        <p:par>
+                          <p:cTn id="4" fill="hold">
+                            <p:stCondLst>
+                              <p:cond delay="0"/>
+                            </p:stCondLst>
+                            <p:childTnLst>
+                              <p:par>
+                                <p:cTn id="5" presetID="1" presetClass="entr" presetSubtype="0" fill="hold" grpId="0" nodeType="clickEffect">
+                                  <p:stCondLst>
+                                    <p:cond delay="0"/>
+                                  </p:stCondLst>
+                                  <p:childTnLst>
+                                    <p:set>
+                                      <p:cBhvr>
+                                        <p:cTn id="6" dur="1" fill="hold">
+                                          <p:stCondLst>
+                                            <p:cond delay="0"/>
+                                          </p:stCondLst>
+                                        </p:cTn>
+                                        <p:tgtEl>
+                                          <p:spTgt spid="4">
+                                            <p:txEl>
+                                              <p:pRg st="0" end="0"/>
+                                            </p:txEl>
+                                          </p:spTgt>
+                                        </p:tgtEl>
+                                        <p:attrNameLst>
+                                          <p:attrName>style.visibility</p:attrName>
+                                        </p:attrNameLst>
+                                      </p:cBhvr>
+                                      <p:to>
+                                        <p:strVal val="visible"/>
+                                      </p:to>
+                                    </p:set>
+                                  </p:childTnLst>
+                                </p:cTn>
+                              </p:par>
+                              <p:par>
+                                <p:cTn id="7" presetID="1" presetClass="entr" presetSubtype="0" fill="hold" grpId="0" nodeType="withEffect">
+                                  <p:stCondLst>
+                                    <p:cond delay="0"/>
+                                  </p:stCondLst>
+                                  <p:childTnLst>
+                                    <p:set>
+                                      <p:cBhvr>
+                                        <p:cTn id="8" dur="1" fill="hold">
+                                          <p:stCondLst>
+                                            <p:cond delay="0"/>
+                                          </p:stCondLst>
+                                        </p:cTn>
+                                        <p:tgtEl>
+                                          <p:spTgt spid="4">
+                                            <p:txEl>
+                                              <p:pRg st="1" end="1"/>
+                                            </p:txEl>
+                                          </p:spTgt>
+                                        </p:tgtEl>
+                                        <p:attrNameLst>
+                                          <p:attrName>style.visibility</p:attrName>
+                                        </p:attrNameLst>
+                                      </p:cBhvr>
+                                      <p:to>
+                                        <p:strVal val="visible"/>
+                                      </p:to>
+                                    </p:set>
+                                  </p:childTnLst>
+                                </p:cTn>
+                              </p:par>
+                              <p:par>
+                                <p:cTn id="9" presetID="1" presetClass="entr" presetSubtype="0" fill="hold" grpId="0" nodeType="withEffect">
+                                  <p:stCondLst>
+                                    <p:cond delay="0"/>
+                                  </p:stCondLst>
+                                  <p:childTnLst>
+                                    <p:set>
+                                      <p:cBhvr>
+                                        <p:cTn id="10" dur="1" fill="hold">
+                                          <p:stCondLst>
+                                            <p:cond delay="0"/>
+                                          </p:stCondLst>
+                                        </p:cTn>
+                                        <p:tgtEl>
+                                          <p:spTgt spid="4">
+                                            <p:txEl>
+                                              <p:pRg st="2" end="2"/>
+                                            </p:txEl>
+                                          </p:spTgt>
+                                        </p:tgtEl>
+                                        <p:attrNameLst>
+                                          <p:attrName>style.visibility</p:attrName>
+                                        </p:attrNameLst>
+                                      </p:cBhvr>
+                                      <p:to>
+                                        <p:strVal val="visible"/>
+                                      </p:to>
+                                    </p:set>
+                                  </p:childTnLst>
+                                </p:cTn>
+                              </p:par>
+                              <p:par>
+                                <p:cTn id="11" presetID="1" presetClass="entr" presetSubtype="0" fill="hold" grpId="0" nodeType="withEffect">
+                                  <p:stCondLst>
+                                    <p:cond delay="0"/>
+                                  </p:stCondLst>
+                                  <p:childTnLst>
+                                    <p:set>
+                                      <p:cBhvr>
+                                        <p:cTn id="12" dur="1" fill="hold">
+                                          <p:stCondLst>
+                                            <p:cond delay="0"/>
+                                          </p:stCondLst>
+                                        </p:cTn>
+                                        <p:tgtEl>
+                                          <p:spTgt spid="4">
+                                            <p:txEl>
+                                              <p:pRg st="3" end="3"/>
+                                            </p:txEl>
+                                          </p:spTgt>
+                                        </p:tgtEl>
+                                        <p:attrNameLst>
+                                          <p:attrName>style.visibility</p:attrName>
+                                        </p:attrNameLst>
+                                      </p:cBhvr>
+                                      <p:to>
+                                        <p:strVal val="visible"/>
+                                      </p:to>
+                                    </p:set>
+                                  </p:childTnLst>
+                                </p:cTn>
+                              </p:par>
+                              <p:par>
+                                <p:cTn id="13" presetID="1" presetClass="entr" presetSubtype="0" fill="hold" grpId="0" nodeType="withEffect">
+                                  <p:stCondLst>
+                                    <p:cond delay="0"/>
+                                  </p:stCondLst>
+                                  <p:childTnLst>
+                                    <p:set>
+                                      <p:cBhvr>
+                                        <p:cTn id="14" dur="1" fill="hold">
+                                          <p:stCondLst>
+                                            <p:cond delay="0"/>
+                                          </p:stCondLst>
+                                        </p:cTn>
+                                        <p:tgtEl>
+                                          <p:spTgt spid="4">
+                                            <p:txEl>
+                                              <p:pRg st="4" end="4"/>
+                                            </p:txEl>
+                                          </p:spTgt>
+                                        </p:tgtEl>
+                                        <p:attrNameLst>
+                                          <p:attrName>style.visibility</p:attrName>
+                                        </p:attrNameLst>
+                                      </p:cBhvr>
+                                      <p:to>
+                                        <p:strVal val="visible"/>
+                                      </p:to>
+                                    </p:set>
+                                  </p:childTnLst>
+                                </p:cTn>
+                              </p:par>
+                            </p:childTnLst>
+                          </p:cTn>
+                        </p:par>
+                      </p:childTnLst>
+                    </p:cTn>
+                  </p:par>
+                </p:childTnLst>
+              </p:cTn>
+              <p:prevCondLst>
+                <p:cond evt="onPrev" delay="0">
+                  <p:tgtEl>
+                    <p:sldTgt/>
+                  </p:tgtEl>
+                </p:cond>
+              </p:prevCondLst>
+              <p:nextCondLst>
+                <p:cond evt="onNext" delay="0">
+                  <p:tgtEl>
+                    <p:sldTgt/>
+                  </p:tgtEl>
+                </p:cond>
+              </p:nextCondLst>
+            </p:seq>
+          </p:childTnLst>
+        </p:cTn>
       </p:par>
     </p:tnLst>
+    <p:bldLst>
+      <p:bldP spid="4" grpId="0" build="p"/>
+    </p:bldLst>
   </p:timing>
 </p:sld>
 </file>
@@ -15770,7 +18034,7 @@
   <a:extraClrSchemeLst/>
   <a:extLst>
     <a:ext uri="{05A4C25C-085E-4340-85A3-A5531E510DB2}">
-      <thm15:themeFamily xmlns:thm15="http://schemas.microsoft.com/office/thememl/2012/main" name="Retrospect" id="{5F128B03-DCCA-4EEB-AB3B-CF2899314A46}" vid="{02006FA4-1611-4B07-AF7F-85CF6D20EB3E}"/>
+      <thm15:themeFamily xmlns:thm15="http://schemas.microsoft.com/office/thememl/2012/main" xmlns="" name="Retrospect" id="{5F128B03-DCCA-4EEB-AB3B-CF2899314A46}" vid="{02006FA4-1611-4B07-AF7F-85CF6D20EB3E}"/>
     </a:ext>
   </a:extLst>
 </a:theme>
